--- a/github/Introduction to Git & GitHub.pptx
+++ b/github/Introduction to Git & GitHub.pptx
@@ -6213,13 +6213,60 @@
           <a:p>
             <a:r>
               <a:rPr lang="en-US" dirty="0"/>
-              <a:t>A </a:t>
-            </a:r>
-            <a:r>
-              <a:rPr lang="en-US"/>
-              <a:t>version-control system</a:t>
-            </a:r>
-            <a:endParaRPr lang="en-US" dirty="0"/>
+              <a:t>A version-control system</a:t>
+            </a:r>
+          </a:p>
+          <a:p>
+            <a:pPr lvl="1"/>
+            <a:r>
+              <a:rPr lang="en-US" dirty="0"/>
+              <a:t>Keeps track of files over time</a:t>
+            </a:r>
+          </a:p>
+          <a:p>
+            <a:pPr lvl="1"/>
+            <a:r>
+              <a:rPr lang="en-US" dirty="0"/>
+              <a:t>Monitors changes</a:t>
+            </a:r>
+          </a:p>
+          <a:p>
+            <a:r>
+              <a:rPr lang="en-US" dirty="0"/>
+              <a:t>Free and Open-Source Software</a:t>
+            </a:r>
+          </a:p>
+          <a:p>
+            <a:r>
+              <a:rPr lang="en-US" dirty="0"/>
+              <a:t>Fast &amp; Simple</a:t>
+            </a:r>
+          </a:p>
+          <a:p>
+            <a:r>
+              <a:rPr lang="en-US" dirty="0"/>
+              <a:t>Optimized for collaboration</a:t>
+            </a:r>
+          </a:p>
+          <a:p>
+            <a:pPr lvl="1"/>
+            <a:r>
+              <a:rPr lang="en-US" dirty="0"/>
+              <a:t>Everyone has the entire project history</a:t>
+            </a:r>
+          </a:p>
+          <a:p>
+            <a:pPr lvl="1"/>
+            <a:r>
+              <a:rPr lang="en-US" dirty="0"/>
+              <a:t>Allows for non-linear development</a:t>
+            </a:r>
+          </a:p>
+          <a:p>
+            <a:r>
+              <a:rPr lang="en-US" dirty="0"/>
+              <a:t>The most widely used version-control system!</a:t>
+            </a:r>
           </a:p>
         </p:txBody>
       </p:sp>
@@ -6320,6 +6367,36 @@
           </a:p>
         </p:txBody>
       </p:sp>
+      <p:pic>
+        <p:nvPicPr>
+          <p:cNvPr id="8" name="Picture 7">
+            <a:extLst>
+              <a:ext uri="{FF2B5EF4-FFF2-40B4-BE49-F238E27FC236}">
+                <a16:creationId xmlns:a16="http://schemas.microsoft.com/office/drawing/2014/main" id="{3F172DED-B53F-4A4E-9071-112D799B874D}"/>
+              </a:ext>
+            </a:extLst>
+          </p:cNvPr>
+          <p:cNvPicPr>
+            <a:picLocks noChangeAspect="1"/>
+          </p:cNvPicPr>
+          <p:nvPr/>
+        </p:nvPicPr>
+        <p:blipFill>
+          <a:blip r:embed="rId2"/>
+          <a:stretch>
+            <a:fillRect/>
+          </a:stretch>
+        </p:blipFill>
+        <p:spPr>
+          <a:xfrm>
+            <a:off x="6584577" y="2479203"/>
+            <a:ext cx="4549028" cy="1899594"/>
+          </a:xfrm>
+          <a:prstGeom prst="rect">
+            <a:avLst/>
+          </a:prstGeom>
+        </p:spPr>
+      </p:pic>
     </p:spTree>
     <p:extLst>
       <p:ext uri="{BB962C8B-B14F-4D97-AF65-F5344CB8AC3E}">
@@ -8725,12 +8802,52 @@
             <p:ph idx="1"/>
           </p:nvPr>
         </p:nvSpPr>
-        <p:spPr/>
-        <p:txBody>
-          <a:bodyPr/>
-          <a:lstStyle/>
-          <a:p>
-            <a:endParaRPr lang="en-US"/>
+        <p:spPr>
+          <a:xfrm>
+            <a:off x="838200" y="1825625"/>
+            <a:ext cx="5665694" cy="4351338"/>
+          </a:xfrm>
+        </p:spPr>
+        <p:txBody>
+          <a:bodyPr/>
+          <a:lstStyle/>
+          <a:p>
+            <a:r>
+              <a:rPr lang="en-US" dirty="0"/>
+              <a:t>Affiliated with GitHub (which is owned by Microsoft)</a:t>
+            </a:r>
+          </a:p>
+          <a:p>
+            <a:r>
+              <a:rPr lang="en-US" dirty="0"/>
+              <a:t>A file editor</a:t>
+            </a:r>
+          </a:p>
+          <a:p>
+            <a:r>
+              <a:rPr lang="en-US" dirty="0"/>
+              <a:t>A graphical user interface</a:t>
+            </a:r>
+          </a:p>
+          <a:p>
+            <a:pPr lvl="1"/>
+            <a:r>
+              <a:rPr lang="en-US" dirty="0"/>
+              <a:t>Many user interfaces exist</a:t>
+            </a:r>
+          </a:p>
+          <a:p>
+            <a:r>
+              <a:rPr lang="en-US" dirty="0"/>
+              <a:t>Automatic</a:t>
+            </a:r>
+          </a:p>
+          <a:p>
+            <a:pPr lvl="1"/>
+            <a:r>
+              <a:rPr lang="en-US" dirty="0"/>
+              <a:t>Must tell git about everything we do!</a:t>
+            </a:r>
           </a:p>
         </p:txBody>
       </p:sp>
@@ -8831,6 +8948,36 @@
           </a:p>
         </p:txBody>
       </p:sp>
+      <p:pic>
+        <p:nvPicPr>
+          <p:cNvPr id="8" name="Picture 7">
+            <a:extLst>
+              <a:ext uri="{FF2B5EF4-FFF2-40B4-BE49-F238E27FC236}">
+                <a16:creationId xmlns:a16="http://schemas.microsoft.com/office/drawing/2014/main" id="{779C15CB-70D1-48B8-A927-9EAE0A4EEE3E}"/>
+              </a:ext>
+            </a:extLst>
+          </p:cNvPr>
+          <p:cNvPicPr>
+            <a:picLocks noChangeAspect="1"/>
+          </p:cNvPicPr>
+          <p:nvPr/>
+        </p:nvPicPr>
+        <p:blipFill>
+          <a:blip r:embed="rId2"/>
+          <a:stretch>
+            <a:fillRect/>
+          </a:stretch>
+        </p:blipFill>
+        <p:spPr>
+          <a:xfrm>
+            <a:off x="6584577" y="2479203"/>
+            <a:ext cx="4549028" cy="1899594"/>
+          </a:xfrm>
+          <a:prstGeom prst="rect">
+            <a:avLst/>
+          </a:prstGeom>
+        </p:spPr>
+      </p:pic>
     </p:spTree>
     <p:extLst>
       <p:ext uri="{BB962C8B-B14F-4D97-AF65-F5344CB8AC3E}">
@@ -11936,25 +12083,35 @@
           </a:p>
         </p:txBody>
       </p:sp>
-      <p:sp>
-        <p:nvSpPr>
-          <p:cNvPr id="3" name="Content Placeholder 2"/>
-          <p:cNvSpPr>
-            <a:spLocks noGrp="1"/>
-          </p:cNvSpPr>
+      <p:pic>
+        <p:nvPicPr>
+          <p:cNvPr id="8" name="Content Placeholder 7">
+            <a:extLst>
+              <a:ext uri="{FF2B5EF4-FFF2-40B4-BE49-F238E27FC236}">
+                <a16:creationId xmlns:a16="http://schemas.microsoft.com/office/drawing/2014/main" id="{55F5BDAA-3BD0-4E79-AC0F-46319E23DD68}"/>
+              </a:ext>
+            </a:extLst>
+          </p:cNvPr>
+          <p:cNvPicPr>
+            <a:picLocks noGrp="1" noChangeAspect="1"/>
+          </p:cNvPicPr>
           <p:nvPr>
             <p:ph idx="1"/>
           </p:nvPr>
-        </p:nvSpPr>
-        <p:spPr/>
-        <p:txBody>
-          <a:bodyPr/>
-          <a:lstStyle/>
-          <a:p>
-            <a:endParaRPr lang="en-US"/>
-          </a:p>
-        </p:txBody>
-      </p:sp>
+        </p:nvPicPr>
+        <p:blipFill>
+          <a:blip r:embed="rId2"/>
+          <a:stretch>
+            <a:fillRect/>
+          </a:stretch>
+        </p:blipFill>
+        <p:spPr>
+          <a:xfrm>
+            <a:off x="7699071" y="1347343"/>
+            <a:ext cx="3249594" cy="2701225"/>
+          </a:xfrm>
+        </p:spPr>
+      </p:pic>
       <p:sp>
         <p:nvSpPr>
           <p:cNvPr id="5" name="Date Placeholder 4"/>
@@ -12049,6 +12206,281 @@
               <a:t> library.rice.edu/dss</a:t>
             </a:r>
             <a:endParaRPr lang="en-US" dirty="0"/>
+          </a:p>
+        </p:txBody>
+      </p:sp>
+      <p:pic>
+        <p:nvPicPr>
+          <p:cNvPr id="10" name="Picture 9">
+            <a:extLst>
+              <a:ext uri="{FF2B5EF4-FFF2-40B4-BE49-F238E27FC236}">
+                <a16:creationId xmlns:a16="http://schemas.microsoft.com/office/drawing/2014/main" id="{60B37E9D-2C05-4A2E-8CBE-F38BAD4C28A3}"/>
+              </a:ext>
+            </a:extLst>
+          </p:cNvPr>
+          <p:cNvPicPr>
+            <a:picLocks noChangeAspect="1"/>
+          </p:cNvPicPr>
+          <p:nvPr/>
+        </p:nvPicPr>
+        <p:blipFill>
+          <a:blip r:embed="rId3"/>
+          <a:stretch>
+            <a:fillRect/>
+          </a:stretch>
+        </p:blipFill>
+        <p:spPr>
+          <a:xfrm>
+            <a:off x="6649090" y="3715575"/>
+            <a:ext cx="5349555" cy="2193317"/>
+          </a:xfrm>
+          <a:prstGeom prst="rect">
+            <a:avLst/>
+          </a:prstGeom>
+        </p:spPr>
+      </p:pic>
+      <p:sp>
+        <p:nvSpPr>
+          <p:cNvPr id="11" name="Content Placeholder 2">
+            <a:extLst>
+              <a:ext uri="{FF2B5EF4-FFF2-40B4-BE49-F238E27FC236}">
+                <a16:creationId xmlns:a16="http://schemas.microsoft.com/office/drawing/2014/main" id="{FE1B108A-3F0D-4D42-A4B2-178657E7D869}"/>
+              </a:ext>
+            </a:extLst>
+          </p:cNvPr>
+          <p:cNvSpPr txBox="1">
+            <a:spLocks/>
+          </p:cNvSpPr>
+          <p:nvPr/>
+        </p:nvSpPr>
+        <p:spPr>
+          <a:xfrm>
+            <a:off x="838200" y="1825625"/>
+            <a:ext cx="5199529" cy="4351338"/>
+          </a:xfrm>
+          <a:prstGeom prst="rect">
+            <a:avLst/>
+          </a:prstGeom>
+        </p:spPr>
+        <p:txBody>
+          <a:bodyPr vert="horz" lIns="91440" tIns="45720" rIns="91440" bIns="45720" rtlCol="0">
+            <a:normAutofit/>
+          </a:bodyPr>
+          <a:lstStyle>
+            <a:lvl1pPr marL="228600" indent="-228600" algn="l" defTabSz="914400" rtl="0" eaLnBrk="1" latinLnBrk="0" hangingPunct="1">
+              <a:lnSpc>
+                <a:spcPct val="90000"/>
+              </a:lnSpc>
+              <a:spcBef>
+                <a:spcPts val="1000"/>
+              </a:spcBef>
+              <a:buFont typeface="Arial" panose="020B0604020202020204" pitchFamily="34" charset="0"/>
+              <a:buChar char="•"/>
+              <a:defRPr sz="2800" kern="1200">
+                <a:solidFill>
+                  <a:schemeClr val="tx1"/>
+                </a:solidFill>
+                <a:latin typeface="+mn-lt"/>
+                <a:ea typeface="+mn-ea"/>
+                <a:cs typeface="+mn-cs"/>
+              </a:defRPr>
+            </a:lvl1pPr>
+            <a:lvl2pPr marL="685800" indent="-228600" algn="l" defTabSz="914400" rtl="0" eaLnBrk="1" latinLnBrk="0" hangingPunct="1">
+              <a:lnSpc>
+                <a:spcPct val="90000"/>
+              </a:lnSpc>
+              <a:spcBef>
+                <a:spcPts val="500"/>
+              </a:spcBef>
+              <a:buFont typeface="Arial" panose="020B0604020202020204" pitchFamily="34" charset="0"/>
+              <a:buChar char="•"/>
+              <a:defRPr sz="2400" kern="1200">
+                <a:solidFill>
+                  <a:schemeClr val="tx1"/>
+                </a:solidFill>
+                <a:latin typeface="+mn-lt"/>
+                <a:ea typeface="+mn-ea"/>
+                <a:cs typeface="+mn-cs"/>
+              </a:defRPr>
+            </a:lvl2pPr>
+            <a:lvl3pPr marL="1143000" indent="-228600" algn="l" defTabSz="914400" rtl="0" eaLnBrk="1" latinLnBrk="0" hangingPunct="1">
+              <a:lnSpc>
+                <a:spcPct val="90000"/>
+              </a:lnSpc>
+              <a:spcBef>
+                <a:spcPts val="500"/>
+              </a:spcBef>
+              <a:buFont typeface="Arial" panose="020B0604020202020204" pitchFamily="34" charset="0"/>
+              <a:buChar char="•"/>
+              <a:defRPr sz="2000" kern="1200">
+                <a:solidFill>
+                  <a:schemeClr val="tx1"/>
+                </a:solidFill>
+                <a:latin typeface="+mn-lt"/>
+                <a:ea typeface="+mn-ea"/>
+                <a:cs typeface="+mn-cs"/>
+              </a:defRPr>
+            </a:lvl3pPr>
+            <a:lvl4pPr marL="1600200" indent="-228600" algn="l" defTabSz="914400" rtl="0" eaLnBrk="1" latinLnBrk="0" hangingPunct="1">
+              <a:lnSpc>
+                <a:spcPct val="90000"/>
+              </a:lnSpc>
+              <a:spcBef>
+                <a:spcPts val="500"/>
+              </a:spcBef>
+              <a:buFont typeface="Arial" panose="020B0604020202020204" pitchFamily="34" charset="0"/>
+              <a:buChar char="•"/>
+              <a:defRPr sz="1800" kern="1200">
+                <a:solidFill>
+                  <a:schemeClr val="tx1"/>
+                </a:solidFill>
+                <a:latin typeface="+mn-lt"/>
+                <a:ea typeface="+mn-ea"/>
+                <a:cs typeface="+mn-cs"/>
+              </a:defRPr>
+            </a:lvl4pPr>
+            <a:lvl5pPr marL="2057400" indent="-228600" algn="l" defTabSz="914400" rtl="0" eaLnBrk="1" latinLnBrk="0" hangingPunct="1">
+              <a:lnSpc>
+                <a:spcPct val="90000"/>
+              </a:lnSpc>
+              <a:spcBef>
+                <a:spcPts val="500"/>
+              </a:spcBef>
+              <a:buFont typeface="Arial" panose="020B0604020202020204" pitchFamily="34" charset="0"/>
+              <a:buChar char="•"/>
+              <a:defRPr sz="1800" kern="1200">
+                <a:solidFill>
+                  <a:schemeClr val="tx1"/>
+                </a:solidFill>
+                <a:latin typeface="+mn-lt"/>
+                <a:ea typeface="+mn-ea"/>
+                <a:cs typeface="+mn-cs"/>
+              </a:defRPr>
+            </a:lvl5pPr>
+            <a:lvl6pPr marL="2514600" indent="-228600" algn="l" defTabSz="914400" rtl="0" eaLnBrk="1" latinLnBrk="0" hangingPunct="1">
+              <a:lnSpc>
+                <a:spcPct val="90000"/>
+              </a:lnSpc>
+              <a:spcBef>
+                <a:spcPts val="500"/>
+              </a:spcBef>
+              <a:buFont typeface="Arial" panose="020B0604020202020204" pitchFamily="34" charset="0"/>
+              <a:buChar char="•"/>
+              <a:defRPr sz="1800" kern="1200">
+                <a:solidFill>
+                  <a:schemeClr val="tx1"/>
+                </a:solidFill>
+                <a:latin typeface="+mn-lt"/>
+                <a:ea typeface="+mn-ea"/>
+                <a:cs typeface="+mn-cs"/>
+              </a:defRPr>
+            </a:lvl6pPr>
+            <a:lvl7pPr marL="2971800" indent="-228600" algn="l" defTabSz="914400" rtl="0" eaLnBrk="1" latinLnBrk="0" hangingPunct="1">
+              <a:lnSpc>
+                <a:spcPct val="90000"/>
+              </a:lnSpc>
+              <a:spcBef>
+                <a:spcPts val="500"/>
+              </a:spcBef>
+              <a:buFont typeface="Arial" panose="020B0604020202020204" pitchFamily="34" charset="0"/>
+              <a:buChar char="•"/>
+              <a:defRPr sz="1800" kern="1200">
+                <a:solidFill>
+                  <a:schemeClr val="tx1"/>
+                </a:solidFill>
+                <a:latin typeface="+mn-lt"/>
+                <a:ea typeface="+mn-ea"/>
+                <a:cs typeface="+mn-cs"/>
+              </a:defRPr>
+            </a:lvl7pPr>
+            <a:lvl8pPr marL="3429000" indent="-228600" algn="l" defTabSz="914400" rtl="0" eaLnBrk="1" latinLnBrk="0" hangingPunct="1">
+              <a:lnSpc>
+                <a:spcPct val="90000"/>
+              </a:lnSpc>
+              <a:spcBef>
+                <a:spcPts val="500"/>
+              </a:spcBef>
+              <a:buFont typeface="Arial" panose="020B0604020202020204" pitchFamily="34" charset="0"/>
+              <a:buChar char="•"/>
+              <a:defRPr sz="1800" kern="1200">
+                <a:solidFill>
+                  <a:schemeClr val="tx1"/>
+                </a:solidFill>
+                <a:latin typeface="+mn-lt"/>
+                <a:ea typeface="+mn-ea"/>
+                <a:cs typeface="+mn-cs"/>
+              </a:defRPr>
+            </a:lvl8pPr>
+            <a:lvl9pPr marL="3886200" indent="-228600" algn="l" defTabSz="914400" rtl="0" eaLnBrk="1" latinLnBrk="0" hangingPunct="1">
+              <a:lnSpc>
+                <a:spcPct val="90000"/>
+              </a:lnSpc>
+              <a:spcBef>
+                <a:spcPts val="500"/>
+              </a:spcBef>
+              <a:buFont typeface="Arial" panose="020B0604020202020204" pitchFamily="34" charset="0"/>
+              <a:buChar char="•"/>
+              <a:defRPr sz="1800" kern="1200">
+                <a:solidFill>
+                  <a:schemeClr val="tx1"/>
+                </a:solidFill>
+                <a:latin typeface="+mn-lt"/>
+                <a:ea typeface="+mn-ea"/>
+                <a:cs typeface="+mn-cs"/>
+              </a:defRPr>
+            </a:lvl9pPr>
+          </a:lstStyle>
+          <a:p>
+            <a:r>
+              <a:rPr lang="en-US" dirty="0"/>
+              <a:t>The largest host for Git repositories</a:t>
+            </a:r>
+          </a:p>
+          <a:p>
+            <a:r>
+              <a:rPr lang="en-US" dirty="0"/>
+              <a:t>Free (for public repositories)</a:t>
+            </a:r>
+          </a:p>
+          <a:p>
+            <a:r>
+              <a:rPr lang="en-US" dirty="0"/>
+              <a:t>A great place to collaborate</a:t>
+            </a:r>
+          </a:p>
+          <a:p>
+            <a:pPr lvl="1"/>
+            <a:r>
+              <a:rPr lang="en-US" dirty="0"/>
+              <a:t>Support for unique features</a:t>
+            </a:r>
+          </a:p>
+          <a:p>
+            <a:pPr lvl="1"/>
+            <a:r>
+              <a:rPr lang="en-US" dirty="0"/>
+              <a:t>Comment sections</a:t>
+            </a:r>
+          </a:p>
+          <a:p>
+            <a:pPr lvl="1"/>
+            <a:r>
+              <a:rPr lang="en-US" dirty="0"/>
+              <a:t>Organizations</a:t>
+            </a:r>
+          </a:p>
+          <a:p>
+            <a:pPr lvl="1"/>
+            <a:r>
+              <a:rPr lang="en-US" dirty="0"/>
+              <a:t>Issue tracking</a:t>
+            </a:r>
+          </a:p>
+          <a:p>
+            <a:r>
+              <a:rPr lang="en-US" dirty="0"/>
+              <a:t>Extensible!</a:t>
+            </a:r>
           </a:p>
         </p:txBody>
       </p:sp>
@@ -12358,7 +12790,15 @@
           <a:p>
             <a:r>
               <a:rPr lang="en-US" dirty="0"/>
-              <a:t>The GitHub mark is used under their official license (</a:t>
+              <a:t>The GitHub Mark and </a:t>
+            </a:r>
+            <a:r>
+              <a:rPr lang="en-US" dirty="0" err="1"/>
+              <a:t>Octocat</a:t>
+            </a:r>
+            <a:r>
+              <a:rPr lang="en-US" dirty="0"/>
+              <a:t> are used under their official license (</a:t>
             </a:r>
             <a:r>
               <a:rPr lang="en-US" dirty="0">
@@ -12374,13 +12814,22 @@
           <a:p>
             <a:r>
               <a:rPr lang="en-US" dirty="0"/>
-              <a:t>Screenshots are taken from </a:t>
-            </a:r>
-            <a:r>
-              <a:rPr lang="en-US"/>
-              <a:t>GitHub Desktop and Atom.</a:t>
-            </a:r>
-            <a:endParaRPr lang="en-US" dirty="0"/>
+              <a:t>The Git logo is used under the Creative Commons Attribution 3.0 </a:t>
+            </a:r>
+            <a:r>
+              <a:rPr lang="en-US" dirty="0" err="1"/>
+              <a:t>Unported</a:t>
+            </a:r>
+            <a:r>
+              <a:rPr lang="en-US" dirty="0"/>
+              <a:t> License. </a:t>
+            </a:r>
+          </a:p>
+          <a:p>
+            <a:r>
+              <a:rPr lang="en-US" dirty="0"/>
+              <a:t>Screenshots are taken from GitHub Desktop and Atom.</a:t>
+            </a:r>
           </a:p>
         </p:txBody>
       </p:sp>
@@ -12545,12 +12994,49 @@
             <p:ph idx="1"/>
           </p:nvPr>
         </p:nvSpPr>
-        <p:spPr/>
-        <p:txBody>
-          <a:bodyPr/>
-          <a:lstStyle/>
-          <a:p>
-            <a:endParaRPr lang="en-US"/>
+        <p:spPr>
+          <a:xfrm>
+            <a:off x="838200" y="1825625"/>
+            <a:ext cx="5257800" cy="4351338"/>
+          </a:xfrm>
+        </p:spPr>
+        <p:txBody>
+          <a:bodyPr/>
+          <a:lstStyle/>
+          <a:p>
+            <a:r>
+              <a:rPr lang="en-US" dirty="0"/>
+              <a:t>The only option</a:t>
+            </a:r>
+          </a:p>
+          <a:p>
+            <a:pPr lvl="1"/>
+            <a:r>
+              <a:rPr lang="en-US" dirty="0"/>
+              <a:t>GitLab, Bitbucket, …</a:t>
+            </a:r>
+          </a:p>
+          <a:p>
+            <a:r>
+              <a:rPr lang="en-US" dirty="0"/>
+              <a:t>A version-control system</a:t>
+            </a:r>
+          </a:p>
+          <a:p>
+            <a:pPr lvl="1"/>
+            <a:r>
+              <a:rPr lang="en-US" dirty="0"/>
+              <a:t>Everything is on top of git!</a:t>
+            </a:r>
+          </a:p>
+          <a:p>
+            <a:r>
+              <a:rPr lang="en-US" dirty="0"/>
+              <a:t>Difficult!</a:t>
+            </a:r>
+          </a:p>
+          <a:p>
+            <a:endParaRPr lang="en-US" dirty="0"/>
           </a:p>
         </p:txBody>
       </p:sp>
@@ -12651,6 +13137,66 @@
           </a:p>
         </p:txBody>
       </p:sp>
+      <p:pic>
+        <p:nvPicPr>
+          <p:cNvPr id="8" name="Content Placeholder 7">
+            <a:extLst>
+              <a:ext uri="{FF2B5EF4-FFF2-40B4-BE49-F238E27FC236}">
+                <a16:creationId xmlns:a16="http://schemas.microsoft.com/office/drawing/2014/main" id="{87F06DDF-644C-4810-8FE6-29B7E9A91A48}"/>
+              </a:ext>
+            </a:extLst>
+          </p:cNvPr>
+          <p:cNvPicPr>
+            <a:picLocks noChangeAspect="1"/>
+          </p:cNvPicPr>
+          <p:nvPr/>
+        </p:nvPicPr>
+        <p:blipFill>
+          <a:blip r:embed="rId2"/>
+          <a:stretch>
+            <a:fillRect/>
+          </a:stretch>
+        </p:blipFill>
+        <p:spPr>
+          <a:xfrm>
+            <a:off x="7699071" y="1347343"/>
+            <a:ext cx="3249594" cy="2701225"/>
+          </a:xfrm>
+          <a:prstGeom prst="rect">
+            <a:avLst/>
+          </a:prstGeom>
+        </p:spPr>
+      </p:pic>
+      <p:pic>
+        <p:nvPicPr>
+          <p:cNvPr id="9" name="Picture 8">
+            <a:extLst>
+              <a:ext uri="{FF2B5EF4-FFF2-40B4-BE49-F238E27FC236}">
+                <a16:creationId xmlns:a16="http://schemas.microsoft.com/office/drawing/2014/main" id="{EF5FA80E-CD16-40F0-9185-644DC792FE84}"/>
+              </a:ext>
+            </a:extLst>
+          </p:cNvPr>
+          <p:cNvPicPr>
+            <a:picLocks noChangeAspect="1"/>
+          </p:cNvPicPr>
+          <p:nvPr/>
+        </p:nvPicPr>
+        <p:blipFill>
+          <a:blip r:embed="rId3"/>
+          <a:stretch>
+            <a:fillRect/>
+          </a:stretch>
+        </p:blipFill>
+        <p:spPr>
+          <a:xfrm>
+            <a:off x="6649090" y="3715575"/>
+            <a:ext cx="5349555" cy="2193317"/>
+          </a:xfrm>
+          <a:prstGeom prst="rect">
+            <a:avLst/>
+          </a:prstGeom>
+        </p:spPr>
+      </p:pic>
     </p:spTree>
     <p:extLst>
       <p:ext uri="{BB962C8B-B14F-4D97-AF65-F5344CB8AC3E}">

--- a/github/Introduction to Git & GitHub.pptx
+++ b/github/Introduction to Git & GitHub.pptx
@@ -5,7 +5,7 @@
     <p:sldMasterId id="2147483707" r:id="rId1"/>
   </p:sldMasterIdLst>
   <p:notesMasterIdLst>
-    <p:notesMasterId r:id="rId43"/>
+    <p:notesMasterId r:id="rId44"/>
   </p:notesMasterIdLst>
   <p:sldIdLst>
     <p:sldId id="266" r:id="rId2"/>
@@ -14,8 +14,8 @@
     <p:sldId id="259" r:id="rId5"/>
     <p:sldId id="260" r:id="rId6"/>
     <p:sldId id="267" r:id="rId7"/>
-    <p:sldId id="262" r:id="rId8"/>
-    <p:sldId id="274" r:id="rId9"/>
+    <p:sldId id="274" r:id="rId8"/>
+    <p:sldId id="262" r:id="rId9"/>
     <p:sldId id="265" r:id="rId10"/>
     <p:sldId id="263" r:id="rId11"/>
     <p:sldId id="264" r:id="rId12"/>
@@ -38,17 +38,18 @@
     <p:sldId id="284" r:id="rId29"/>
     <p:sldId id="297" r:id="rId30"/>
     <p:sldId id="288" r:id="rId31"/>
-    <p:sldId id="270" r:id="rId32"/>
-    <p:sldId id="292" r:id="rId33"/>
-    <p:sldId id="293" r:id="rId34"/>
-    <p:sldId id="295" r:id="rId35"/>
-    <p:sldId id="294" r:id="rId36"/>
-    <p:sldId id="299" r:id="rId37"/>
-    <p:sldId id="296" r:id="rId38"/>
-    <p:sldId id="300" r:id="rId39"/>
-    <p:sldId id="301" r:id="rId40"/>
-    <p:sldId id="298" r:id="rId41"/>
-    <p:sldId id="271" r:id="rId42"/>
+    <p:sldId id="302" r:id="rId32"/>
+    <p:sldId id="270" r:id="rId33"/>
+    <p:sldId id="292" r:id="rId34"/>
+    <p:sldId id="293" r:id="rId35"/>
+    <p:sldId id="295" r:id="rId36"/>
+    <p:sldId id="294" r:id="rId37"/>
+    <p:sldId id="299" r:id="rId38"/>
+    <p:sldId id="296" r:id="rId39"/>
+    <p:sldId id="300" r:id="rId40"/>
+    <p:sldId id="301" r:id="rId41"/>
+    <p:sldId id="298" r:id="rId42"/>
+    <p:sldId id="271" r:id="rId43"/>
   </p:sldIdLst>
   <p:sldSz cx="12192000" cy="6858000"/>
   <p:notesSz cx="6858000" cy="9144000"/>
@@ -237,7 +238,7 @@
           <a:p>
             <a:fld id="{D46E3B93-8523-4DBC-8FC5-65A9B9CDE5EE}" type="datetimeFigureOut">
               <a:rPr lang="en-US" smtClean="0"/>
-              <a:t>6/5/2019</a:t>
+              <a:t>6/6/2019</a:t>
             </a:fld>
             <a:endParaRPr lang="en-US"/>
           </a:p>
@@ -633,7 +634,7 @@
           <a:p>
             <a:fld id="{64A2D28A-44D6-4F71-B77F-AC810983F0F9}" type="datetime4">
               <a:rPr lang="en-US" smtClean="0"/>
-              <a:t>June 5, 2019</a:t>
+              <a:t>June 6, 2019</a:t>
             </a:fld>
             <a:endParaRPr lang="en-US" dirty="0"/>
           </a:p>
@@ -805,7 +806,7 @@
           <a:p>
             <a:fld id="{F74480E6-35C7-40E9-B6C1-E57DFD4DF83C}" type="datetime4">
               <a:rPr lang="en-US" smtClean="0"/>
-              <a:t>June 5, 2019</a:t>
+              <a:t>June 6, 2019</a:t>
             </a:fld>
             <a:endParaRPr lang="en-US" dirty="0"/>
           </a:p>
@@ -987,7 +988,7 @@
           <a:p>
             <a:fld id="{1A5552F4-4FE4-4E0E-936F-9158426B99E2}" type="datetime4">
               <a:rPr lang="en-US" smtClean="0"/>
-              <a:t>June 5, 2019</a:t>
+              <a:t>June 6, 2019</a:t>
             </a:fld>
             <a:endParaRPr lang="en-US" dirty="0"/>
           </a:p>
@@ -1170,7 +1171,7 @@
           <a:p>
             <a:fld id="{74F93749-3CD2-4A95-98ED-FE9E109683BE}" type="datetime4">
               <a:rPr lang="en-US" smtClean="0"/>
-              <a:t>June 5, 2019</a:t>
+              <a:t>June 6, 2019</a:t>
             </a:fld>
             <a:endParaRPr lang="en-US" dirty="0"/>
           </a:p>
@@ -1486,7 +1487,7 @@
           <a:p>
             <a:fld id="{930E186A-0FBF-4DA6-A71A-C325C944F843}" type="datetime4">
               <a:rPr lang="en-US" smtClean="0"/>
-              <a:t>June 5, 2019</a:t>
+              <a:t>June 6, 2019</a:t>
             </a:fld>
             <a:endParaRPr lang="en-US" dirty="0"/>
           </a:p>
@@ -1781,7 +1782,7 @@
           <a:p>
             <a:fld id="{3289D242-BAA3-4044-BDEF-2597A5A654EF}" type="datetime4">
               <a:rPr lang="en-US" smtClean="0"/>
-              <a:t>June 5, 2019</a:t>
+              <a:t>June 6, 2019</a:t>
             </a:fld>
             <a:endParaRPr lang="en-US" dirty="0"/>
           </a:p>
@@ -2149,7 +2150,7 @@
           <a:p>
             <a:fld id="{F2F0CD59-A5AD-4382-8C3D-D984415916E6}" type="datetime4">
               <a:rPr lang="en-US" smtClean="0"/>
-              <a:t>June 5, 2019</a:t>
+              <a:t>June 6, 2019</a:t>
             </a:fld>
             <a:endParaRPr lang="en-US" dirty="0"/>
           </a:p>
@@ -2270,7 +2271,7 @@
           <a:p>
             <a:fld id="{7CF69FE5-613D-4C74-96D7-27911459A362}" type="datetime4">
               <a:rPr lang="en-US" smtClean="0"/>
-              <a:t>June 5, 2019</a:t>
+              <a:t>June 6, 2019</a:t>
             </a:fld>
             <a:endParaRPr lang="en-US" dirty="0"/>
           </a:p>
@@ -2369,7 +2370,7 @@
           <a:p>
             <a:fld id="{A7A4566C-9F1F-4845-8842-8A0339049AF6}" type="datetime4">
               <a:rPr lang="en-US" smtClean="0"/>
-              <a:t>June 5, 2019</a:t>
+              <a:t>June 6, 2019</a:t>
             </a:fld>
             <a:endParaRPr lang="en-US" dirty="0"/>
           </a:p>
@@ -2648,7 +2649,7 @@
           <a:p>
             <a:fld id="{2E0CFB47-241B-48D4-BB7E-CF21A52B27C6}" type="datetime4">
               <a:rPr lang="en-US" smtClean="0"/>
-              <a:t>June 5, 2019</a:t>
+              <a:t>June 6, 2019</a:t>
             </a:fld>
             <a:endParaRPr lang="en-US" dirty="0"/>
           </a:p>
@@ -2907,7 +2908,7 @@
           <a:p>
             <a:fld id="{10045882-F850-4580-92A6-05497B2E8977}" type="datetime4">
               <a:rPr lang="en-US" smtClean="0"/>
-              <a:t>June 5, 2019</a:t>
+              <a:t>June 6, 2019</a:t>
             </a:fld>
             <a:endParaRPr lang="en-US" dirty="0"/>
           </a:p>
@@ -3125,7 +3126,7 @@
           <a:p>
             <a:fld id="{9EABF51D-0C08-4C4F-8D1C-BAC468AC6D9B}" type="datetime4">
               <a:rPr lang="en-US" smtClean="0"/>
-              <a:t>June 5, 2019</a:t>
+              <a:t>June 6, 2019</a:t>
             </a:fld>
             <a:endParaRPr lang="en-US" dirty="0"/>
           </a:p>
@@ -3599,6 +3600,10 @@
               </a:rPr>
               <a:t>Introduction to </a:t>
             </a:r>
+            <a:r>
+              <a:rPr lang="en-US" b="1" dirty="0"/>
+              <a:t/>
+            </a:r>
             <a:br>
               <a:rPr lang="en-US" b="1" dirty="0"/>
             </a:br>
@@ -3621,6 +3626,14 @@
                 </a:solidFill>
               </a:rPr>
               <a:t> and GitHub</a:t>
+            </a:r>
+            <a:r>
+              <a:rPr lang="en-US" sz="6600" dirty="0">
+                <a:solidFill>
+                  <a:srgbClr val="860000"/>
+                </a:solidFill>
+              </a:rPr>
+              <a:t/>
             </a:r>
             <a:br>
               <a:rPr lang="en-US" sz="6600" dirty="0">
@@ -4017,7 +4030,7 @@
           <a:p>
             <a:fld id="{EBB345CB-8700-4516-A08B-C5962626710A}" type="datetime4">
               <a:rPr lang="en-US" smtClean="0"/>
-              <a:t>June 5, 2019</a:t>
+              <a:t>June 6, 2019</a:t>
             </a:fld>
             <a:endParaRPr lang="en-US" dirty="0"/>
           </a:p>
@@ -4168,7 +4181,7 @@
           <a:p>
             <a:fld id="{429314C5-54C3-45D4-BD43-1E6786BE277B}" type="datetime4">
               <a:rPr lang="en-US" smtClean="0"/>
-              <a:t>June 5, 2019</a:t>
+              <a:t>June 6, 2019</a:t>
             </a:fld>
             <a:endParaRPr lang="en-US" dirty="0"/>
           </a:p>
@@ -4376,7 +4389,7 @@
           <a:p>
             <a:fld id="{697056D7-45FA-4127-A77C-F084484F25E2}" type="datetime4">
               <a:rPr lang="en-US" smtClean="0"/>
-              <a:t>June 5, 2019</a:t>
+              <a:t>June 6, 2019</a:t>
             </a:fld>
             <a:endParaRPr lang="en-US" dirty="0"/>
           </a:p>
@@ -4529,38 +4542,16 @@
           <a:lstStyle/>
           <a:p>
             <a:r>
-              <a:rPr lang="en-US" dirty="0" err="1">
-                <a:latin typeface="Courier New" panose="02070309020205020404" pitchFamily="49" charset="0"/>
+              <a:rPr lang="en-US" dirty="0" smtClean="0">
                 <a:cs typeface="Courier New" panose="02070309020205020404" pitchFamily="49" charset="0"/>
               </a:rPr>
-              <a:t>git</a:t>
-            </a:r>
-            <a:r>
-              <a:rPr lang="en-US" dirty="0">
-                <a:latin typeface="Courier New" panose="02070309020205020404" pitchFamily="49" charset="0"/>
-                <a:cs typeface="Courier New" panose="02070309020205020404" pitchFamily="49" charset="0"/>
-              </a:rPr>
-              <a:t> </a:t>
-            </a:r>
-            <a:r>
-              <a:rPr lang="en-US" dirty="0" err="1">
-                <a:latin typeface="Courier New" panose="02070309020205020404" pitchFamily="49" charset="0"/>
-                <a:cs typeface="Courier New" panose="02070309020205020404" pitchFamily="49" charset="0"/>
-              </a:rPr>
-              <a:t>init</a:t>
-            </a:r>
-            <a:r>
-              <a:rPr lang="en-US" dirty="0">
-                <a:latin typeface="Courier New" panose="02070309020205020404" pitchFamily="49" charset="0"/>
-                <a:cs typeface="Courier New" panose="02070309020205020404" pitchFamily="49" charset="0"/>
-              </a:rPr>
-              <a:t>: </a:t>
+              <a:t>Create </a:t>
             </a:r>
             <a:r>
               <a:rPr lang="en-US" dirty="0">
                 <a:cs typeface="Courier New" panose="02070309020205020404" pitchFamily="49" charset="0"/>
               </a:rPr>
-              <a:t>Create a repository, with a file index and database</a:t>
+              <a:t>a repository, with a file index and database</a:t>
             </a:r>
           </a:p>
           <a:p>
@@ -4616,7 +4607,7 @@
           <a:p>
             <a:fld id="{930E186A-0FBF-4DA6-A71A-C325C944F843}" type="datetime4">
               <a:rPr lang="en-US" smtClean="0"/>
-              <a:t>June 5, 2019</a:t>
+              <a:t>June 6, 2019</a:t>
             </a:fld>
             <a:endParaRPr lang="en-US" dirty="0"/>
           </a:p>
@@ -4810,38 +4801,16 @@
           <a:lstStyle/>
           <a:p>
             <a:r>
-              <a:rPr lang="en-US" dirty="0" err="1">
-                <a:latin typeface="Courier New" panose="02070309020205020404" pitchFamily="49" charset="0"/>
+              <a:rPr lang="en-US" dirty="0" smtClean="0">
                 <a:cs typeface="Courier New" panose="02070309020205020404" pitchFamily="49" charset="0"/>
               </a:rPr>
-              <a:t>git</a:t>
-            </a:r>
-            <a:r>
-              <a:rPr lang="en-US" dirty="0">
-                <a:latin typeface="Courier New" panose="02070309020205020404" pitchFamily="49" charset="0"/>
-                <a:cs typeface="Courier New" panose="02070309020205020404" pitchFamily="49" charset="0"/>
-              </a:rPr>
-              <a:t> </a:t>
-            </a:r>
-            <a:r>
-              <a:rPr lang="en-US" dirty="0" err="1">
-                <a:latin typeface="Courier New" panose="02070309020205020404" pitchFamily="49" charset="0"/>
-                <a:cs typeface="Courier New" panose="02070309020205020404" pitchFamily="49" charset="0"/>
-              </a:rPr>
-              <a:t>init</a:t>
-            </a:r>
-            <a:r>
-              <a:rPr lang="en-US" dirty="0">
-                <a:latin typeface="Courier New" panose="02070309020205020404" pitchFamily="49" charset="0"/>
-                <a:cs typeface="Courier New" panose="02070309020205020404" pitchFamily="49" charset="0"/>
-              </a:rPr>
-              <a:t>: </a:t>
+              <a:t>Create </a:t>
             </a:r>
             <a:r>
               <a:rPr lang="en-US" dirty="0">
                 <a:cs typeface="Courier New" panose="02070309020205020404" pitchFamily="49" charset="0"/>
               </a:rPr>
-              <a:t>Create a repository, with a file index and database</a:t>
+              <a:t>a repository, with a file index and database</a:t>
             </a:r>
           </a:p>
           <a:p>
@@ -4897,7 +4866,7 @@
           <a:p>
             <a:fld id="{930E186A-0FBF-4DA6-A71A-C325C944F843}" type="datetime4">
               <a:rPr lang="en-US" smtClean="0"/>
-              <a:t>June 5, 2019</a:t>
+              <a:t>June 6, 2019</a:t>
             </a:fld>
             <a:endParaRPr lang="en-US" dirty="0"/>
           </a:p>
@@ -5126,7 +5095,7 @@
           <a:p>
             <a:fld id="{74F93749-3CD2-4A95-98ED-FE9E109683BE}" type="datetime4">
               <a:rPr lang="en-US" smtClean="0"/>
-              <a:t>June 5, 2019</a:t>
+              <a:t>June 6, 2019</a:t>
             </a:fld>
             <a:endParaRPr lang="en-US" dirty="0"/>
           </a:p>
@@ -5428,7 +5397,7 @@
           <a:p>
             <a:fld id="{74F93749-3CD2-4A95-98ED-FE9E109683BE}" type="datetime4">
               <a:rPr lang="en-US" smtClean="0"/>
-              <a:t>June 5, 2019</a:t>
+              <a:t>June 6, 2019</a:t>
             </a:fld>
             <a:endParaRPr lang="en-US" dirty="0"/>
           </a:p>
@@ -5618,7 +5587,7 @@
           <a:p>
             <a:fld id="{74F93749-3CD2-4A95-98ED-FE9E109683BE}" type="datetime4">
               <a:rPr lang="en-US" smtClean="0"/>
-              <a:t>June 5, 2019</a:t>
+              <a:t>June 6, 2019</a:t>
             </a:fld>
             <a:endParaRPr lang="en-US" dirty="0"/>
           </a:p>
@@ -5889,7 +5858,7 @@
           <a:p>
             <a:fld id="{74F93749-3CD2-4A95-98ED-FE9E109683BE}" type="datetime4">
               <a:rPr lang="en-US" smtClean="0"/>
-              <a:t>June 5, 2019</a:t>
+              <a:t>June 6, 2019</a:t>
             </a:fld>
             <a:endParaRPr lang="en-US" dirty="0"/>
           </a:p>
@@ -6062,7 +6031,7 @@
           <a:p>
             <a:fld id="{BC12CDDA-E02E-4D2B-B8BD-6E893F38A342}" type="datetime4">
               <a:rPr lang="en-US" smtClean="0"/>
-              <a:t>June 5, 2019</a:t>
+              <a:t>June 6, 2019</a:t>
             </a:fld>
             <a:endParaRPr lang="en-US" dirty="0"/>
           </a:p>
@@ -6206,34 +6175,54 @@
             <p:ph idx="1"/>
           </p:nvPr>
         </p:nvSpPr>
-        <p:spPr/>
-        <p:txBody>
-          <a:bodyPr/>
-          <a:lstStyle/>
-          <a:p>
-            <a:r>
-              <a:rPr lang="en-US" dirty="0"/>
-              <a:t>A version-control system</a:t>
+        <p:spPr>
+          <a:xfrm>
+            <a:off x="838200" y="1825625"/>
+            <a:ext cx="5746377" cy="4351338"/>
+          </a:xfrm>
+        </p:spPr>
+        <p:txBody>
+          <a:bodyPr/>
+          <a:lstStyle/>
+          <a:p>
+            <a:r>
+              <a:rPr lang="en-US" dirty="0"/>
+              <a:t>The most widely used version-control system</a:t>
+            </a:r>
+            <a:r>
+              <a:rPr lang="en-US" dirty="0" smtClean="0"/>
+              <a:t>!</a:t>
             </a:r>
           </a:p>
           <a:p>
             <a:pPr lvl="1"/>
             <a:r>
-              <a:rPr lang="en-US" dirty="0"/>
-              <a:t>Keeps track of files over time</a:t>
+              <a:rPr lang="en-US" dirty="0" smtClean="0"/>
+              <a:t>Remembers entire project history</a:t>
             </a:r>
           </a:p>
           <a:p>
             <a:pPr lvl="1"/>
             <a:r>
-              <a:rPr lang="en-US" dirty="0"/>
-              <a:t>Monitors changes</a:t>
-            </a:r>
-          </a:p>
-          <a:p>
-            <a:r>
-              <a:rPr lang="en-US" dirty="0"/>
-              <a:t>Free and Open-Source Software</a:t>
+              <a:rPr lang="en-US" dirty="0" smtClean="0"/>
+              <a:t>Easily undo changes</a:t>
+            </a:r>
+          </a:p>
+          <a:p>
+            <a:pPr lvl="1"/>
+            <a:r>
+              <a:rPr lang="en-US" dirty="0" smtClean="0"/>
+              <a:t>Track contributions</a:t>
+            </a:r>
+          </a:p>
+          <a:p>
+            <a:r>
+              <a:rPr lang="en-US" dirty="0" smtClean="0"/>
+              <a:t>Free </a:t>
+            </a:r>
+            <a:r>
+              <a:rPr lang="en-US" dirty="0"/>
+              <a:t>and Open-Source Software</a:t>
             </a:r>
           </a:p>
           <a:p>
@@ -6245,28 +6234,20 @@
           <a:p>
             <a:r>
               <a:rPr lang="en-US" dirty="0"/>
-              <a:t>Optimized for collaboration</a:t>
+              <a:t>Optimized for </a:t>
+            </a:r>
+            <a:r>
+              <a:rPr lang="en-US" dirty="0" smtClean="0"/>
+              <a:t>collaboration</a:t>
             </a:r>
           </a:p>
           <a:p>
             <a:pPr lvl="1"/>
             <a:r>
-              <a:rPr lang="en-US" dirty="0"/>
-              <a:t>Everyone has the entire project history</a:t>
-            </a:r>
-          </a:p>
-          <a:p>
-            <a:pPr lvl="1"/>
-            <a:r>
-              <a:rPr lang="en-US" dirty="0"/>
-              <a:t>Allows for non-linear development</a:t>
-            </a:r>
-          </a:p>
-          <a:p>
-            <a:r>
-              <a:rPr lang="en-US" dirty="0"/>
-              <a:t>The most widely used version-control system!</a:t>
-            </a:r>
+              <a:rPr lang="en-US" dirty="0" smtClean="0"/>
+              <a:t>Non-linear development</a:t>
+            </a:r>
+            <a:endParaRPr lang="en-US" dirty="0"/>
           </a:p>
         </p:txBody>
       </p:sp>
@@ -6287,7 +6268,7 @@
           <a:p>
             <a:fld id="{339FAF52-DB73-42B1-86E0-91EB4E09C484}" type="datetime4">
               <a:rPr lang="en-US" smtClean="0"/>
-              <a:t>June 5, 2019</a:t>
+              <a:t>June 6, 2019</a:t>
             </a:fld>
             <a:endParaRPr lang="en-US" dirty="0"/>
           </a:p>
@@ -6466,7 +6447,7 @@
           <a:p>
             <a:fld id="{930E186A-0FBF-4DA6-A71A-C325C944F843}" type="datetime4">
               <a:rPr lang="en-US" smtClean="0"/>
-              <a:t>June 5, 2019</a:t>
+              <a:t>June 6, 2019</a:t>
             </a:fld>
             <a:endParaRPr lang="en-US" dirty="0"/>
           </a:p>
@@ -6714,7 +6695,7 @@
           <a:p>
             <a:fld id="{74F93749-3CD2-4A95-98ED-FE9E109683BE}" type="datetime4">
               <a:rPr lang="en-US" smtClean="0"/>
-              <a:t>June 5, 2019</a:t>
+              <a:t>June 6, 2019</a:t>
             </a:fld>
             <a:endParaRPr lang="en-US" dirty="0"/>
           </a:p>
@@ -6920,7 +6901,7 @@
           <a:p>
             <a:fld id="{74F93749-3CD2-4A95-98ED-FE9E109683BE}" type="datetime4">
               <a:rPr lang="en-US" smtClean="0"/>
-              <a:t>June 5, 2019</a:t>
+              <a:t>June 6, 2019</a:t>
             </a:fld>
             <a:endParaRPr lang="en-US" dirty="0"/>
           </a:p>
@@ -7178,7 +7159,7 @@
           <a:p>
             <a:fld id="{74F93749-3CD2-4A95-98ED-FE9E109683BE}" type="datetime4">
               <a:rPr lang="en-US" smtClean="0"/>
-              <a:t>June 5, 2019</a:t>
+              <a:t>June 6, 2019</a:t>
             </a:fld>
             <a:endParaRPr lang="en-US" dirty="0"/>
           </a:p>
@@ -7372,8 +7353,17 @@
           <a:p>
             <a:r>
               <a:rPr lang="en-US" dirty="0"/>
-              <a:t>Monitor Changes</a:t>
-            </a:r>
+              <a:t>Monitor </a:t>
+            </a:r>
+            <a:r>
+              <a:rPr lang="en-US" dirty="0"/>
+              <a:t>c</a:t>
+            </a:r>
+            <a:r>
+              <a:rPr lang="en-US" dirty="0" smtClean="0"/>
+              <a:t>hanges to text files</a:t>
+            </a:r>
+            <a:endParaRPr lang="en-US" dirty="0"/>
           </a:p>
           <a:p>
             <a:pPr lvl="1"/>
@@ -7415,7 +7405,7 @@
           <a:p>
             <a:fld id="{74F93749-3CD2-4A95-98ED-FE9E109683BE}" type="datetime4">
               <a:rPr lang="en-US" smtClean="0"/>
-              <a:t>June 5, 2019</a:t>
+              <a:t>June 6, 2019</a:t>
             </a:fld>
             <a:endParaRPr lang="en-US" dirty="0"/>
           </a:p>
@@ -7715,7 +7705,7 @@
           <a:p>
             <a:fld id="{74F93749-3CD2-4A95-98ED-FE9E109683BE}" type="datetime4">
               <a:rPr lang="en-US" smtClean="0"/>
-              <a:t>June 5, 2019</a:t>
+              <a:t>June 6, 2019</a:t>
             </a:fld>
             <a:endParaRPr lang="en-US" dirty="0"/>
           </a:p>
@@ -7957,7 +7947,7 @@
           <a:p>
             <a:fld id="{74F93749-3CD2-4A95-98ED-FE9E109683BE}" type="datetime4">
               <a:rPr lang="en-US" smtClean="0"/>
-              <a:t>June 5, 2019</a:t>
+              <a:t>June 6, 2019</a:t>
             </a:fld>
             <a:endParaRPr lang="en-US" dirty="0"/>
           </a:p>
@@ -8230,7 +8220,7 @@
           <a:p>
             <a:fld id="{74F93749-3CD2-4A95-98ED-FE9E109683BE}" type="datetime4">
               <a:rPr lang="en-US" smtClean="0"/>
-              <a:t>June 5, 2019</a:t>
+              <a:t>June 6, 2019</a:t>
             </a:fld>
             <a:endParaRPr lang="en-US" dirty="0"/>
           </a:p>
@@ -8446,7 +8436,7 @@
           <a:p>
             <a:fld id="{74F93749-3CD2-4A95-98ED-FE9E109683BE}" type="datetime4">
               <a:rPr lang="en-US" smtClean="0"/>
-              <a:t>June 5, 2019</a:t>
+              <a:t>June 6, 2019</a:t>
             </a:fld>
             <a:endParaRPr lang="en-US" dirty="0"/>
           </a:p>
@@ -8658,7 +8648,7 @@
           <a:p>
             <a:fld id="{74F93749-3CD2-4A95-98ED-FE9E109683BE}" type="datetime4">
               <a:rPr lang="en-US" smtClean="0"/>
-              <a:t>June 5, 2019</a:t>
+              <a:t>June 6, 2019</a:t>
             </a:fld>
             <a:endParaRPr lang="en-US" dirty="0"/>
           </a:p>
@@ -8838,9 +8828,10 @@
           </a:p>
           <a:p>
             <a:r>
-              <a:rPr lang="en-US" dirty="0"/>
-              <a:t>Automatic</a:t>
-            </a:r>
+              <a:rPr lang="en-US" dirty="0" smtClean="0"/>
+              <a:t>Proactive</a:t>
+            </a:r>
+            <a:endParaRPr lang="en-US" dirty="0"/>
           </a:p>
           <a:p>
             <a:pPr lvl="1"/>
@@ -8868,7 +8859,7 @@
           <a:p>
             <a:fld id="{49C53E21-08B0-4FDE-BC40-11E60AED3BA0}" type="datetime4">
               <a:rPr lang="en-US" smtClean="0"/>
-              <a:t>June 5, 2019</a:t>
+              <a:t>June 6, 2019</a:t>
             </a:fld>
             <a:endParaRPr lang="en-US" dirty="0"/>
           </a:p>
@@ -9052,14 +9043,49 @@
           <a:p>
             <a:r>
               <a:rPr lang="en-US" dirty="0"/>
-              <a:t>What if we made a change we realized deleted something we really needed?</a:t>
-            </a:r>
-          </a:p>
-          <a:p>
-            <a:r>
-              <a:rPr lang="en-US" dirty="0"/>
-              <a:t>Solution: Reverting to a previous commit!</a:t>
-            </a:r>
+              <a:t>What if we </a:t>
+            </a:r>
+            <a:r>
+              <a:rPr lang="en-US" dirty="0" smtClean="0"/>
+              <a:t>accidentally made </a:t>
+            </a:r>
+            <a:r>
+              <a:rPr lang="en-US" dirty="0"/>
+              <a:t>a change </a:t>
+            </a:r>
+            <a:r>
+              <a:rPr lang="en-US" dirty="0" smtClean="0"/>
+              <a:t>that deleted </a:t>
+            </a:r>
+            <a:r>
+              <a:rPr lang="en-US" dirty="0"/>
+              <a:t>something we really needed?</a:t>
+            </a:r>
+          </a:p>
+          <a:p>
+            <a:r>
+              <a:rPr lang="en-US" dirty="0"/>
+              <a:t>Solution: </a:t>
+            </a:r>
+            <a:r>
+              <a:rPr lang="en-US" dirty="0" smtClean="0"/>
+              <a:t>Revert </a:t>
+            </a:r>
+            <a:r>
+              <a:rPr lang="en-US" dirty="0"/>
+              <a:t>to a previous commit</a:t>
+            </a:r>
+            <a:r>
+              <a:rPr lang="en-US" dirty="0" smtClean="0"/>
+              <a:t>!</a:t>
+            </a:r>
+          </a:p>
+          <a:p>
+            <a:r>
+              <a:rPr lang="en-US" dirty="0" smtClean="0"/>
+              <a:t>Note this doesn’t delete the changes after the revert</a:t>
+            </a:r>
+            <a:endParaRPr lang="en-US" dirty="0"/>
           </a:p>
         </p:txBody>
       </p:sp>
@@ -9080,7 +9106,7 @@
           <a:p>
             <a:fld id="{74F93749-3CD2-4A95-98ED-FE9E109683BE}" type="datetime4">
               <a:rPr lang="en-US" smtClean="0"/>
-              <a:t>June 5, 2019</a:t>
+              <a:t>June 6, 2019</a:t>
             </a:fld>
             <a:endParaRPr lang="en-US" dirty="0"/>
           </a:p>
@@ -9233,7 +9259,7 @@
       </p:grpSpPr>
       <p:sp>
         <p:nvSpPr>
-          <p:cNvPr id="4" name="Title 3"/>
+          <p:cNvPr id="2" name="Title 1"/>
           <p:cNvSpPr>
             <a:spLocks noGrp="1"/>
           </p:cNvSpPr>
@@ -9247,39 +9273,43 @@
           <a:lstStyle/>
           <a:p>
             <a:r>
-              <a:rPr lang="en-US" dirty="0">
-                <a:latin typeface="+mn-lt"/>
-              </a:rPr>
-              <a:t>BRANCHES &amp; MERGING</a:t>
-            </a:r>
-          </a:p>
-        </p:txBody>
-      </p:sp>
-      <p:sp>
-        <p:nvSpPr>
-          <p:cNvPr id="5" name="Text Placeholder 4"/>
-          <p:cNvSpPr>
-            <a:spLocks noGrp="1"/>
-          </p:cNvSpPr>
-          <p:nvPr>
-            <p:ph type="body" idx="1"/>
-          </p:nvPr>
-        </p:nvSpPr>
-        <p:spPr/>
-        <p:txBody>
-          <a:bodyPr/>
-          <a:lstStyle/>
-          <a:p>
-            <a:r>
-              <a:rPr lang="en-US" dirty="0"/>
-              <a:t>Creating, working on, combining, and switching branches</a:t>
-            </a:r>
-          </a:p>
-        </p:txBody>
-      </p:sp>
-      <p:sp>
-        <p:nvSpPr>
-          <p:cNvPr id="7" name="Date Placeholder 6"/>
+              <a:rPr lang="en-US" dirty="0"/>
+              <a:t>GOING BACK IN TIME</a:t>
+            </a:r>
+          </a:p>
+        </p:txBody>
+      </p:sp>
+      <p:sp>
+        <p:nvSpPr>
+          <p:cNvPr id="3" name="Content Placeholder 2"/>
+          <p:cNvSpPr>
+            <a:spLocks noGrp="1"/>
+          </p:cNvSpPr>
+          <p:nvPr>
+            <p:ph idx="1"/>
+          </p:nvPr>
+        </p:nvSpPr>
+        <p:spPr>
+          <a:xfrm>
+            <a:off x="838200" y="1825625"/>
+            <a:ext cx="10891345" cy="4351338"/>
+          </a:xfrm>
+        </p:spPr>
+        <p:txBody>
+          <a:bodyPr/>
+          <a:lstStyle/>
+          <a:p>
+            <a:r>
+              <a:rPr lang="en-US" dirty="0" smtClean="0"/>
+              <a:t>Revert your message, then commit something different and push again!</a:t>
+            </a:r>
+            <a:endParaRPr lang="en-US" dirty="0"/>
+          </a:p>
+        </p:txBody>
+      </p:sp>
+      <p:sp>
+        <p:nvSpPr>
+          <p:cNvPr id="4" name="Date Placeholder 3"/>
           <p:cNvSpPr>
             <a:spLocks noGrp="1"/>
           </p:cNvSpPr>
@@ -9292,9 +9322,9 @@
           <a:bodyPr/>
           <a:lstStyle/>
           <a:p>
-            <a:fld id="{058BBB48-E612-431F-A2D1-FE84E0649533}" type="datetime4">
+            <a:fld id="{74F93749-3CD2-4A95-98ED-FE9E109683BE}" type="datetime4">
               <a:rPr lang="en-US" smtClean="0"/>
-              <a:t>June 5, 2019</a:t>
+              <a:t>June 6, 2019</a:t>
             </a:fld>
             <a:endParaRPr lang="en-US" dirty="0"/>
           </a:p>
@@ -9302,30 +9332,7 @@
       </p:sp>
       <p:sp>
         <p:nvSpPr>
-          <p:cNvPr id="8" name="Slide Number Placeholder 7"/>
-          <p:cNvSpPr>
-            <a:spLocks noGrp="1"/>
-          </p:cNvSpPr>
-          <p:nvPr>
-            <p:ph type="sldNum" sz="quarter" idx="12"/>
-          </p:nvPr>
-        </p:nvSpPr>
-        <p:spPr/>
-        <p:txBody>
-          <a:bodyPr/>
-          <a:lstStyle/>
-          <a:p>
-            <a:fld id="{D57F1E4F-1CFF-5643-939E-02111984F565}" type="slidenum">
-              <a:rPr lang="en-US" smtClean="0"/>
-              <a:t>31</a:t>
-            </a:fld>
-            <a:endParaRPr lang="en-US" dirty="0"/>
-          </a:p>
-        </p:txBody>
-      </p:sp>
-      <p:sp>
-        <p:nvSpPr>
-          <p:cNvPr id="2" name="Footer Placeholder 1"/>
+          <p:cNvPr id="5" name="Footer Placeholder 4"/>
           <p:cNvSpPr>
             <a:spLocks noGrp="1"/>
           </p:cNvSpPr>
@@ -9374,10 +9381,33 @@
           </a:p>
         </p:txBody>
       </p:sp>
+      <p:sp>
+        <p:nvSpPr>
+          <p:cNvPr id="6" name="Slide Number Placeholder 5"/>
+          <p:cNvSpPr>
+            <a:spLocks noGrp="1"/>
+          </p:cNvSpPr>
+          <p:nvPr>
+            <p:ph type="sldNum" sz="quarter" idx="12"/>
+          </p:nvPr>
+        </p:nvSpPr>
+        <p:spPr/>
+        <p:txBody>
+          <a:bodyPr/>
+          <a:lstStyle/>
+          <a:p>
+            <a:fld id="{D57F1E4F-1CFF-5643-939E-02111984F565}" type="slidenum">
+              <a:rPr lang="en-US" smtClean="0"/>
+              <a:t>31</a:t>
+            </a:fld>
+            <a:endParaRPr lang="en-US" dirty="0"/>
+          </a:p>
+        </p:txBody>
+      </p:sp>
     </p:spTree>
     <p:extLst>
       <p:ext uri="{BB962C8B-B14F-4D97-AF65-F5344CB8AC3E}">
-        <p14:creationId xmlns:p14="http://schemas.microsoft.com/office/powerpoint/2010/main" val="2804592253"/>
+        <p14:creationId xmlns:p14="http://schemas.microsoft.com/office/powerpoint/2010/main" val="2894062311"/>
       </p:ext>
     </p:extLst>
   </p:cSld>
@@ -9406,7 +9436,7 @@
       </p:grpSpPr>
       <p:sp>
         <p:nvSpPr>
-          <p:cNvPr id="7" name="Title 6"/>
+          <p:cNvPr id="4" name="Title 3"/>
           <p:cNvSpPr>
             <a:spLocks noGrp="1"/>
           </p:cNvSpPr>
@@ -9420,67 +9450,39 @@
           <a:lstStyle/>
           <a:p>
             <a:r>
-              <a:rPr lang="en-US" dirty="0"/>
-              <a:t>BRANCHES</a:t>
-            </a:r>
-          </a:p>
-        </p:txBody>
-      </p:sp>
-      <p:sp>
-        <p:nvSpPr>
-          <p:cNvPr id="8" name="Content Placeholder 7"/>
-          <p:cNvSpPr>
-            <a:spLocks noGrp="1"/>
-          </p:cNvSpPr>
-          <p:nvPr>
-            <p:ph idx="1"/>
-          </p:nvPr>
-        </p:nvSpPr>
-        <p:spPr>
-          <a:xfrm>
-            <a:off x="838200" y="1825625"/>
-            <a:ext cx="4947745" cy="4351338"/>
-          </a:xfrm>
-        </p:spPr>
-        <p:txBody>
-          <a:bodyPr/>
-          <a:lstStyle/>
-          <a:p>
-            <a:r>
-              <a:rPr lang="en-US" dirty="0"/>
-              <a:t>If you’re working on different features or as part of a larger team</a:t>
-            </a:r>
-          </a:p>
-          <a:p>
-            <a:r>
-              <a:rPr lang="en-US" dirty="0"/>
-              <a:t>Divergent history</a:t>
-            </a:r>
-          </a:p>
-          <a:p>
-            <a:r>
-              <a:rPr lang="en-US" dirty="0"/>
-              <a:t>Independent files</a:t>
-            </a:r>
-          </a:p>
-          <a:p>
-            <a:pPr lvl="1"/>
-            <a:r>
-              <a:rPr lang="en-US" dirty="0"/>
-              <a:t>Avoids unintended consequences!</a:t>
-            </a:r>
-          </a:p>
-          <a:p>
-            <a:r>
-              <a:rPr lang="en-US" dirty="0"/>
-              <a:t>Easy integration</a:t>
-            </a:r>
-          </a:p>
-        </p:txBody>
-      </p:sp>
-      <p:sp>
-        <p:nvSpPr>
-          <p:cNvPr id="4" name="Date Placeholder 3"/>
+              <a:rPr lang="en-US" dirty="0">
+                <a:latin typeface="+mn-lt"/>
+              </a:rPr>
+              <a:t>BRANCHES &amp; MERGING</a:t>
+            </a:r>
+          </a:p>
+        </p:txBody>
+      </p:sp>
+      <p:sp>
+        <p:nvSpPr>
+          <p:cNvPr id="5" name="Text Placeholder 4"/>
+          <p:cNvSpPr>
+            <a:spLocks noGrp="1"/>
+          </p:cNvSpPr>
+          <p:nvPr>
+            <p:ph type="body" idx="1"/>
+          </p:nvPr>
+        </p:nvSpPr>
+        <p:spPr/>
+        <p:txBody>
+          <a:bodyPr/>
+          <a:lstStyle/>
+          <a:p>
+            <a:r>
+              <a:rPr lang="en-US" dirty="0"/>
+              <a:t>Creating, working on, combining, and switching branches</a:t>
+            </a:r>
+          </a:p>
+        </p:txBody>
+      </p:sp>
+      <p:sp>
+        <p:nvSpPr>
+          <p:cNvPr id="7" name="Date Placeholder 6"/>
           <p:cNvSpPr>
             <a:spLocks noGrp="1"/>
           </p:cNvSpPr>
@@ -9493,9 +9495,9 @@
           <a:bodyPr/>
           <a:lstStyle/>
           <a:p>
-            <a:fld id="{930E186A-0FBF-4DA6-A71A-C325C944F843}" type="datetime4">
+            <a:fld id="{058BBB48-E612-431F-A2D1-FE84E0649533}" type="datetime4">
               <a:rPr lang="en-US" smtClean="0"/>
-              <a:t>June 5, 2019</a:t>
+              <a:t>June 6, 2019</a:t>
             </a:fld>
             <a:endParaRPr lang="en-US" dirty="0"/>
           </a:p>
@@ -9503,7 +9505,30 @@
       </p:sp>
       <p:sp>
         <p:nvSpPr>
-          <p:cNvPr id="5" name="Footer Placeholder 4"/>
+          <p:cNvPr id="8" name="Slide Number Placeholder 7"/>
+          <p:cNvSpPr>
+            <a:spLocks noGrp="1"/>
+          </p:cNvSpPr>
+          <p:nvPr>
+            <p:ph type="sldNum" sz="quarter" idx="12"/>
+          </p:nvPr>
+        </p:nvSpPr>
+        <p:spPr/>
+        <p:txBody>
+          <a:bodyPr/>
+          <a:lstStyle/>
+          <a:p>
+            <a:fld id="{D57F1E4F-1CFF-5643-939E-02111984F565}" type="slidenum">
+              <a:rPr lang="en-US" smtClean="0"/>
+              <a:t>32</a:t>
+            </a:fld>
+            <a:endParaRPr lang="en-US" dirty="0"/>
+          </a:p>
+        </p:txBody>
+      </p:sp>
+      <p:sp>
+        <p:nvSpPr>
+          <p:cNvPr id="2" name="Footer Placeholder 1"/>
           <p:cNvSpPr>
             <a:spLocks noGrp="1"/>
           </p:cNvSpPr>
@@ -9552,6 +9577,184 @@
           </a:p>
         </p:txBody>
       </p:sp>
+    </p:spTree>
+    <p:extLst>
+      <p:ext uri="{BB962C8B-B14F-4D97-AF65-F5344CB8AC3E}">
+        <p14:creationId xmlns:p14="http://schemas.microsoft.com/office/powerpoint/2010/main" val="2804592253"/>
+      </p:ext>
+    </p:extLst>
+  </p:cSld>
+  <p:clrMapOvr>
+    <a:masterClrMapping/>
+  </p:clrMapOvr>
+</p:sld>
+</file>
+
+<file path=ppt/slides/slide33.xml><?xml version="1.0" encoding="utf-8"?>
+<p:sld xmlns:a="http://schemas.openxmlformats.org/drawingml/2006/main" xmlns:r="http://schemas.openxmlformats.org/officeDocument/2006/relationships" xmlns:p="http://schemas.openxmlformats.org/presentationml/2006/main">
+  <p:cSld>
+    <p:spTree>
+      <p:nvGrpSpPr>
+        <p:cNvPr id="1" name=""/>
+        <p:cNvGrpSpPr/>
+        <p:nvPr/>
+      </p:nvGrpSpPr>
+      <p:grpSpPr>
+        <a:xfrm>
+          <a:off x="0" y="0"/>
+          <a:ext cx="0" cy="0"/>
+          <a:chOff x="0" y="0"/>
+          <a:chExt cx="0" cy="0"/>
+        </a:xfrm>
+      </p:grpSpPr>
+      <p:sp>
+        <p:nvSpPr>
+          <p:cNvPr id="7" name="Title 6"/>
+          <p:cNvSpPr>
+            <a:spLocks noGrp="1"/>
+          </p:cNvSpPr>
+          <p:nvPr>
+            <p:ph type="title"/>
+          </p:nvPr>
+        </p:nvSpPr>
+        <p:spPr/>
+        <p:txBody>
+          <a:bodyPr/>
+          <a:lstStyle/>
+          <a:p>
+            <a:r>
+              <a:rPr lang="en-US" dirty="0"/>
+              <a:t>BRANCHES</a:t>
+            </a:r>
+          </a:p>
+        </p:txBody>
+      </p:sp>
+      <p:sp>
+        <p:nvSpPr>
+          <p:cNvPr id="8" name="Content Placeholder 7"/>
+          <p:cNvSpPr>
+            <a:spLocks noGrp="1"/>
+          </p:cNvSpPr>
+          <p:nvPr>
+            <p:ph idx="1"/>
+          </p:nvPr>
+        </p:nvSpPr>
+        <p:spPr>
+          <a:xfrm>
+            <a:off x="838200" y="1825625"/>
+            <a:ext cx="4947745" cy="4351338"/>
+          </a:xfrm>
+        </p:spPr>
+        <p:txBody>
+          <a:bodyPr/>
+          <a:lstStyle/>
+          <a:p>
+            <a:r>
+              <a:rPr lang="en-US" dirty="0"/>
+              <a:t>If you’re working on different features or as part of a larger team</a:t>
+            </a:r>
+          </a:p>
+          <a:p>
+            <a:r>
+              <a:rPr lang="en-US" dirty="0"/>
+              <a:t>Divergent history</a:t>
+            </a:r>
+          </a:p>
+          <a:p>
+            <a:r>
+              <a:rPr lang="en-US" dirty="0"/>
+              <a:t>Independent files</a:t>
+            </a:r>
+          </a:p>
+          <a:p>
+            <a:pPr lvl="1"/>
+            <a:r>
+              <a:rPr lang="en-US" dirty="0"/>
+              <a:t>Avoids unintended consequences!</a:t>
+            </a:r>
+          </a:p>
+          <a:p>
+            <a:r>
+              <a:rPr lang="en-US" dirty="0"/>
+              <a:t>Easy integration</a:t>
+            </a:r>
+          </a:p>
+        </p:txBody>
+      </p:sp>
+      <p:sp>
+        <p:nvSpPr>
+          <p:cNvPr id="4" name="Date Placeholder 3"/>
+          <p:cNvSpPr>
+            <a:spLocks noGrp="1"/>
+          </p:cNvSpPr>
+          <p:nvPr>
+            <p:ph type="dt" sz="half" idx="10"/>
+          </p:nvPr>
+        </p:nvSpPr>
+        <p:spPr/>
+        <p:txBody>
+          <a:bodyPr/>
+          <a:lstStyle/>
+          <a:p>
+            <a:fld id="{930E186A-0FBF-4DA6-A71A-C325C944F843}" type="datetime4">
+              <a:rPr lang="en-US" smtClean="0"/>
+              <a:t>June 6, 2019</a:t>
+            </a:fld>
+            <a:endParaRPr lang="en-US" dirty="0"/>
+          </a:p>
+        </p:txBody>
+      </p:sp>
+      <p:sp>
+        <p:nvSpPr>
+          <p:cNvPr id="5" name="Footer Placeholder 4"/>
+          <p:cNvSpPr>
+            <a:spLocks noGrp="1"/>
+          </p:cNvSpPr>
+          <p:nvPr>
+            <p:ph type="ftr" sz="quarter" idx="11"/>
+          </p:nvPr>
+        </p:nvSpPr>
+        <p:spPr/>
+        <p:txBody>
+          <a:bodyPr/>
+          <a:lstStyle/>
+          <a:p>
+            <a:r>
+              <a:rPr lang="en-US"/>
+              <a:t>Digital Scholarship Services </a:t>
+            </a:r>
+            <a:r>
+              <a:rPr lang="en-US">
+                <a:solidFill>
+                  <a:schemeClr val="accent1">
+                    <a:lumMod val="50000"/>
+                  </a:schemeClr>
+                </a:solidFill>
+              </a:rPr>
+              <a:t>| Email</a:t>
+            </a:r>
+            <a:r>
+              <a:rPr lang="en-US"/>
+              <a:t> cf24@rice.edu </a:t>
+            </a:r>
+            <a:r>
+              <a:rPr lang="en-US">
+                <a:solidFill>
+                  <a:schemeClr val="accent1">
+                    <a:lumMod val="50000"/>
+                  </a:schemeClr>
+                </a:solidFill>
+              </a:rPr>
+              <a:t>|</a:t>
+            </a:r>
+            <a:r>
+              <a:rPr lang="en-US"/>
+              <a:t> library.rice.edu/dss</a:t>
+            </a:r>
+            <a:endParaRPr lang="en-US" dirty="0"/>
+          </a:p>
+        </p:txBody>
+      </p:sp>
       <p:sp>
         <p:nvSpPr>
           <p:cNvPr id="6" name="Slide Number Placeholder 5"/>
@@ -9569,7 +9772,7 @@
           <a:p>
             <a:fld id="{D57F1E4F-1CFF-5643-939E-02111984F565}" type="slidenum">
               <a:rPr lang="en-US" smtClean="0"/>
-              <a:t>32</a:t>
+              <a:t>33</a:t>
             </a:fld>
             <a:endParaRPr lang="en-US" dirty="0"/>
           </a:p>
@@ -9612,7 +9815,7 @@
 </p:sld>
 </file>
 
-<file path=ppt/slides/slide33.xml><?xml version="1.0" encoding="utf-8"?>
+<file path=ppt/slides/slide34.xml><?xml version="1.0" encoding="utf-8"?>
 <p:sld xmlns:a="http://schemas.openxmlformats.org/drawingml/2006/main" xmlns:r="http://schemas.openxmlformats.org/officeDocument/2006/relationships" xmlns:p="http://schemas.openxmlformats.org/presentationml/2006/main">
   <p:cSld>
     <p:spTree>
@@ -9707,7 +9910,7 @@
           <a:p>
             <a:fld id="{74F93749-3CD2-4A95-98ED-FE9E109683BE}" type="datetime4">
               <a:rPr lang="en-US" smtClean="0"/>
-              <a:t>June 5, 2019</a:t>
+              <a:t>June 6, 2019</a:t>
             </a:fld>
             <a:endParaRPr lang="en-US" dirty="0"/>
           </a:p>
@@ -9781,7 +9984,7 @@
           <a:p>
             <a:fld id="{D57F1E4F-1CFF-5643-939E-02111984F565}" type="slidenum">
               <a:rPr lang="en-US" smtClean="0"/>
-              <a:t>33</a:t>
+              <a:t>34</a:t>
             </a:fld>
             <a:endParaRPr lang="en-US" dirty="0"/>
           </a:p>
@@ -9882,7 +10085,7 @@
 </p:sld>
 </file>
 
-<file path=ppt/slides/slide34.xml><?xml version="1.0" encoding="utf-8"?>
+<file path=ppt/slides/slide35.xml><?xml version="1.0" encoding="utf-8"?>
 <p:sld xmlns:a="http://schemas.openxmlformats.org/drawingml/2006/main" xmlns:r="http://schemas.openxmlformats.org/officeDocument/2006/relationships" xmlns:p="http://schemas.openxmlformats.org/presentationml/2006/main">
   <p:cSld>
     <p:spTree>
@@ -9971,7 +10174,7 @@
           <a:p>
             <a:fld id="{74F93749-3CD2-4A95-98ED-FE9E109683BE}" type="datetime4">
               <a:rPr lang="en-US" smtClean="0"/>
-              <a:t>June 5, 2019</a:t>
+              <a:t>June 6, 2019</a:t>
             </a:fld>
             <a:endParaRPr lang="en-US" dirty="0"/>
           </a:p>
@@ -10045,7 +10248,7 @@
           <a:p>
             <a:fld id="{D57F1E4F-1CFF-5643-939E-02111984F565}" type="slidenum">
               <a:rPr lang="en-US" smtClean="0"/>
-              <a:t>34</a:t>
+              <a:t>35</a:t>
             </a:fld>
             <a:endParaRPr lang="en-US" dirty="0"/>
           </a:p>
@@ -10144,7 +10347,7 @@
 </p:sld>
 </file>
 
-<file path=ppt/slides/slide35.xml><?xml version="1.0" encoding="utf-8"?>
+<file path=ppt/slides/slide36.xml><?xml version="1.0" encoding="utf-8"?>
 <p:sld xmlns:a="http://schemas.openxmlformats.org/drawingml/2006/main" xmlns:r="http://schemas.openxmlformats.org/officeDocument/2006/relationships" xmlns:p="http://schemas.openxmlformats.org/presentationml/2006/main">
   <p:cSld>
     <p:spTree>
@@ -10200,7 +10403,7 @@
           <a:p>
             <a:fld id="{74F93749-3CD2-4A95-98ED-FE9E109683BE}" type="datetime4">
               <a:rPr lang="en-US" smtClean="0"/>
-              <a:t>June 5, 2019</a:t>
+              <a:t>June 6, 2019</a:t>
             </a:fld>
             <a:endParaRPr lang="en-US" dirty="0"/>
           </a:p>
@@ -10274,7 +10477,7 @@
           <a:p>
             <a:fld id="{D57F1E4F-1CFF-5643-939E-02111984F565}" type="slidenum">
               <a:rPr lang="en-US" smtClean="0"/>
-              <a:t>35</a:t>
+              <a:t>36</a:t>
             </a:fld>
             <a:endParaRPr lang="en-US" dirty="0"/>
           </a:p>
@@ -10339,7 +10542,7 @@
 </p:sld>
 </file>
 
-<file path=ppt/slides/slide36.xml><?xml version="1.0" encoding="utf-8"?>
+<file path=ppt/slides/slide37.xml><?xml version="1.0" encoding="utf-8"?>
 <p:sld xmlns:a="http://schemas.openxmlformats.org/drawingml/2006/main" xmlns:r="http://schemas.openxmlformats.org/officeDocument/2006/relationships" xmlns:p="http://schemas.openxmlformats.org/presentationml/2006/main">
   <p:cSld>
     <p:spTree>
@@ -10395,7 +10598,7 @@
           <a:p>
             <a:fld id="{74F93749-3CD2-4A95-98ED-FE9E109683BE}" type="datetime4">
               <a:rPr lang="en-US" smtClean="0"/>
-              <a:t>June 5, 2019</a:t>
+              <a:t>June 6, 2019</a:t>
             </a:fld>
             <a:endParaRPr lang="en-US" dirty="0"/>
           </a:p>
@@ -10469,7 +10672,7 @@
           <a:p>
             <a:fld id="{D57F1E4F-1CFF-5643-939E-02111984F565}" type="slidenum">
               <a:rPr lang="en-US" smtClean="0"/>
-              <a:t>36</a:t>
+              <a:t>37</a:t>
             </a:fld>
             <a:endParaRPr lang="en-US" dirty="0"/>
           </a:p>
@@ -10901,7 +11104,7 @@
 </p:sld>
 </file>
 
-<file path=ppt/slides/slide37.xml><?xml version="1.0" encoding="utf-8"?>
+<file path=ppt/slides/slide38.xml><?xml version="1.0" encoding="utf-8"?>
 <p:sld xmlns:a="http://schemas.openxmlformats.org/drawingml/2006/main" xmlns:r="http://schemas.openxmlformats.org/officeDocument/2006/relationships" xmlns:p="http://schemas.openxmlformats.org/presentationml/2006/main">
   <p:cSld>
     <p:spTree>
@@ -10962,7 +11165,15 @@
           <a:p>
             <a:r>
               <a:rPr lang="en-US" dirty="0"/>
-              <a:t>Occasionally, two people may have edited the same file on different branches</a:t>
+              <a:t>Occasionally, two people may have edited the same </a:t>
+            </a:r>
+            <a:r>
+              <a:rPr lang="en-US" dirty="0" smtClean="0"/>
+              <a:t>part of the same file </a:t>
+            </a:r>
+            <a:r>
+              <a:rPr lang="en-US" dirty="0"/>
+              <a:t>on different branches</a:t>
             </a:r>
           </a:p>
           <a:p>
@@ -10996,7 +11207,7 @@
           <a:p>
             <a:fld id="{74F93749-3CD2-4A95-98ED-FE9E109683BE}" type="datetime4">
               <a:rPr lang="en-US" smtClean="0"/>
-              <a:t>June 5, 2019</a:t>
+              <a:t>June 6, 2019</a:t>
             </a:fld>
             <a:endParaRPr lang="en-US" dirty="0"/>
           </a:p>
@@ -11070,7 +11281,7 @@
           <a:p>
             <a:fld id="{D57F1E4F-1CFF-5643-939E-02111984F565}" type="slidenum">
               <a:rPr lang="en-US" smtClean="0"/>
-              <a:t>37</a:t>
+              <a:t>38</a:t>
             </a:fld>
             <a:endParaRPr lang="en-US" dirty="0"/>
           </a:p>
@@ -11171,7 +11382,7 @@
 </p:sld>
 </file>
 
-<file path=ppt/slides/slide38.xml><?xml version="1.0" encoding="utf-8"?>
+<file path=ppt/slides/slide39.xml><?xml version="1.0" encoding="utf-8"?>
 <p:sld xmlns:a="http://schemas.openxmlformats.org/drawingml/2006/main" xmlns:r="http://schemas.openxmlformats.org/officeDocument/2006/relationships" xmlns:p="http://schemas.openxmlformats.org/presentationml/2006/main">
   <p:cSld>
     <p:spTree>
@@ -11227,7 +11438,7 @@
           <a:p>
             <a:fld id="{74F93749-3CD2-4A95-98ED-FE9E109683BE}" type="datetime4">
               <a:rPr lang="en-US" smtClean="0"/>
-              <a:t>June 5, 2019</a:t>
+              <a:t>June 6, 2019</a:t>
             </a:fld>
             <a:endParaRPr lang="en-US" dirty="0"/>
           </a:p>
@@ -11301,7 +11512,7 @@
           <a:p>
             <a:fld id="{D57F1E4F-1CFF-5643-939E-02111984F565}" type="slidenum">
               <a:rPr lang="en-US" smtClean="0"/>
-              <a:t>38</a:t>
+              <a:t>39</a:t>
             </a:fld>
             <a:endParaRPr lang="en-US" dirty="0"/>
           </a:p>
@@ -11621,7 +11832,7 @@
 </p:sld>
 </file>
 
-<file path=ppt/slides/slide39.xml><?xml version="1.0" encoding="utf-8"?>
+<file path=ppt/slides/slide4.xml><?xml version="1.0" encoding="utf-8"?>
 <p:sld xmlns:a="http://schemas.openxmlformats.org/drawingml/2006/main" xmlns:r="http://schemas.openxmlformats.org/officeDocument/2006/relationships" xmlns:p="http://schemas.openxmlformats.org/presentationml/2006/main">
   <p:cSld>
     <p:spTree>
@@ -11654,15 +11865,46 @@
           <a:lstStyle/>
           <a:p>
             <a:r>
-              <a:rPr lang="en-US" dirty="0"/>
-              <a:t>CONFLICTS IN ACTION</a:t>
-            </a:r>
-          </a:p>
-        </p:txBody>
-      </p:sp>
-      <p:sp>
-        <p:nvSpPr>
-          <p:cNvPr id="4" name="Date Placeholder 3"/>
+              <a:rPr lang="en-US" dirty="0">
+                <a:latin typeface="+mn-lt"/>
+              </a:rPr>
+              <a:t>WHAT IS GITHUB?</a:t>
+            </a:r>
+          </a:p>
+        </p:txBody>
+      </p:sp>
+      <p:pic>
+        <p:nvPicPr>
+          <p:cNvPr id="8" name="Content Placeholder 7">
+            <a:extLst>
+              <a:ext uri="{FF2B5EF4-FFF2-40B4-BE49-F238E27FC236}">
+                <a16:creationId xmlns:a16="http://schemas.microsoft.com/office/drawing/2014/main" id="{55F5BDAA-3BD0-4E79-AC0F-46319E23DD68}"/>
+              </a:ext>
+            </a:extLst>
+          </p:cNvPr>
+          <p:cNvPicPr>
+            <a:picLocks noGrp="1" noChangeAspect="1"/>
+          </p:cNvPicPr>
+          <p:nvPr>
+            <p:ph idx="1"/>
+          </p:nvPr>
+        </p:nvPicPr>
+        <p:blipFill>
+          <a:blip r:embed="rId2"/>
+          <a:stretch>
+            <a:fillRect/>
+          </a:stretch>
+        </p:blipFill>
+        <p:spPr>
+          <a:xfrm>
+            <a:off x="7699071" y="1347343"/>
+            <a:ext cx="3249594" cy="2701225"/>
+          </a:xfrm>
+        </p:spPr>
+      </p:pic>
+      <p:sp>
+        <p:nvSpPr>
+          <p:cNvPr id="5" name="Date Placeholder 4"/>
           <p:cNvSpPr>
             <a:spLocks noGrp="1"/>
           </p:cNvSpPr>
@@ -11675,9 +11917,9 @@
           <a:bodyPr/>
           <a:lstStyle/>
           <a:p>
-            <a:fld id="{74F93749-3CD2-4A95-98ED-FE9E109683BE}" type="datetime4">
+            <a:fld id="{ABCDBDCF-BD7C-42D5-AA45-BDAC8FAB55A4}" type="datetime4">
               <a:rPr lang="en-US" smtClean="0"/>
-              <a:t>June 5, 2019</a:t>
+              <a:t>June 6, 2019</a:t>
             </a:fld>
             <a:endParaRPr lang="en-US" dirty="0"/>
           </a:p>
@@ -11685,7 +11927,30 @@
       </p:sp>
       <p:sp>
         <p:nvSpPr>
-          <p:cNvPr id="5" name="Footer Placeholder 4"/>
+          <p:cNvPr id="6" name="Slide Number Placeholder 5"/>
+          <p:cNvSpPr>
+            <a:spLocks noGrp="1"/>
+          </p:cNvSpPr>
+          <p:nvPr>
+            <p:ph type="sldNum" sz="quarter" idx="12"/>
+          </p:nvPr>
+        </p:nvSpPr>
+        <p:spPr/>
+        <p:txBody>
+          <a:bodyPr/>
+          <a:lstStyle/>
+          <a:p>
+            <a:fld id="{D57F1E4F-1CFF-5643-939E-02111984F565}" type="slidenum">
+              <a:rPr lang="en-US" smtClean="0"/>
+              <a:t>4</a:t>
+            </a:fld>
+            <a:endParaRPr lang="en-US" dirty="0"/>
+          </a:p>
+        </p:txBody>
+      </p:sp>
+      <p:sp>
+        <p:nvSpPr>
+          <p:cNvPr id="7" name="Footer Placeholder 6"/>
           <p:cNvSpPr>
             <a:spLocks noGrp="1"/>
           </p:cNvSpPr>
@@ -11734,6 +11999,407 @@
           </a:p>
         </p:txBody>
       </p:sp>
+      <p:pic>
+        <p:nvPicPr>
+          <p:cNvPr id="10" name="Picture 9">
+            <a:extLst>
+              <a:ext uri="{FF2B5EF4-FFF2-40B4-BE49-F238E27FC236}">
+                <a16:creationId xmlns:a16="http://schemas.microsoft.com/office/drawing/2014/main" id="{60B37E9D-2C05-4A2E-8CBE-F38BAD4C28A3}"/>
+              </a:ext>
+            </a:extLst>
+          </p:cNvPr>
+          <p:cNvPicPr>
+            <a:picLocks noChangeAspect="1"/>
+          </p:cNvPicPr>
+          <p:nvPr/>
+        </p:nvPicPr>
+        <p:blipFill>
+          <a:blip r:embed="rId3"/>
+          <a:stretch>
+            <a:fillRect/>
+          </a:stretch>
+        </p:blipFill>
+        <p:spPr>
+          <a:xfrm>
+            <a:off x="6649090" y="3715575"/>
+            <a:ext cx="5349555" cy="2193317"/>
+          </a:xfrm>
+          <a:prstGeom prst="rect">
+            <a:avLst/>
+          </a:prstGeom>
+        </p:spPr>
+      </p:pic>
+      <p:sp>
+        <p:nvSpPr>
+          <p:cNvPr id="11" name="Content Placeholder 2">
+            <a:extLst>
+              <a:ext uri="{FF2B5EF4-FFF2-40B4-BE49-F238E27FC236}">
+                <a16:creationId xmlns:a16="http://schemas.microsoft.com/office/drawing/2014/main" id="{FE1B108A-3F0D-4D42-A4B2-178657E7D869}"/>
+              </a:ext>
+            </a:extLst>
+          </p:cNvPr>
+          <p:cNvSpPr txBox="1">
+            <a:spLocks/>
+          </p:cNvSpPr>
+          <p:nvPr/>
+        </p:nvSpPr>
+        <p:spPr>
+          <a:xfrm>
+            <a:off x="838200" y="1825625"/>
+            <a:ext cx="5199529" cy="4351338"/>
+          </a:xfrm>
+          <a:prstGeom prst="rect">
+            <a:avLst/>
+          </a:prstGeom>
+        </p:spPr>
+        <p:txBody>
+          <a:bodyPr vert="horz" lIns="91440" tIns="45720" rIns="91440" bIns="45720" rtlCol="0">
+            <a:normAutofit/>
+          </a:bodyPr>
+          <a:lstStyle>
+            <a:lvl1pPr marL="228600" indent="-228600" algn="l" defTabSz="914400" rtl="0" eaLnBrk="1" latinLnBrk="0" hangingPunct="1">
+              <a:lnSpc>
+                <a:spcPct val="90000"/>
+              </a:lnSpc>
+              <a:spcBef>
+                <a:spcPts val="1000"/>
+              </a:spcBef>
+              <a:buFont typeface="Arial" panose="020B0604020202020204" pitchFamily="34" charset="0"/>
+              <a:buChar char="•"/>
+              <a:defRPr sz="2800" kern="1200">
+                <a:solidFill>
+                  <a:schemeClr val="tx1"/>
+                </a:solidFill>
+                <a:latin typeface="+mn-lt"/>
+                <a:ea typeface="+mn-ea"/>
+                <a:cs typeface="+mn-cs"/>
+              </a:defRPr>
+            </a:lvl1pPr>
+            <a:lvl2pPr marL="685800" indent="-228600" algn="l" defTabSz="914400" rtl="0" eaLnBrk="1" latinLnBrk="0" hangingPunct="1">
+              <a:lnSpc>
+                <a:spcPct val="90000"/>
+              </a:lnSpc>
+              <a:spcBef>
+                <a:spcPts val="500"/>
+              </a:spcBef>
+              <a:buFont typeface="Arial" panose="020B0604020202020204" pitchFamily="34" charset="0"/>
+              <a:buChar char="•"/>
+              <a:defRPr sz="2400" kern="1200">
+                <a:solidFill>
+                  <a:schemeClr val="tx1"/>
+                </a:solidFill>
+                <a:latin typeface="+mn-lt"/>
+                <a:ea typeface="+mn-ea"/>
+                <a:cs typeface="+mn-cs"/>
+              </a:defRPr>
+            </a:lvl2pPr>
+            <a:lvl3pPr marL="1143000" indent="-228600" algn="l" defTabSz="914400" rtl="0" eaLnBrk="1" latinLnBrk="0" hangingPunct="1">
+              <a:lnSpc>
+                <a:spcPct val="90000"/>
+              </a:lnSpc>
+              <a:spcBef>
+                <a:spcPts val="500"/>
+              </a:spcBef>
+              <a:buFont typeface="Arial" panose="020B0604020202020204" pitchFamily="34" charset="0"/>
+              <a:buChar char="•"/>
+              <a:defRPr sz="2000" kern="1200">
+                <a:solidFill>
+                  <a:schemeClr val="tx1"/>
+                </a:solidFill>
+                <a:latin typeface="+mn-lt"/>
+                <a:ea typeface="+mn-ea"/>
+                <a:cs typeface="+mn-cs"/>
+              </a:defRPr>
+            </a:lvl3pPr>
+            <a:lvl4pPr marL="1600200" indent="-228600" algn="l" defTabSz="914400" rtl="0" eaLnBrk="1" latinLnBrk="0" hangingPunct="1">
+              <a:lnSpc>
+                <a:spcPct val="90000"/>
+              </a:lnSpc>
+              <a:spcBef>
+                <a:spcPts val="500"/>
+              </a:spcBef>
+              <a:buFont typeface="Arial" panose="020B0604020202020204" pitchFamily="34" charset="0"/>
+              <a:buChar char="•"/>
+              <a:defRPr sz="1800" kern="1200">
+                <a:solidFill>
+                  <a:schemeClr val="tx1"/>
+                </a:solidFill>
+                <a:latin typeface="+mn-lt"/>
+                <a:ea typeface="+mn-ea"/>
+                <a:cs typeface="+mn-cs"/>
+              </a:defRPr>
+            </a:lvl4pPr>
+            <a:lvl5pPr marL="2057400" indent="-228600" algn="l" defTabSz="914400" rtl="0" eaLnBrk="1" latinLnBrk="0" hangingPunct="1">
+              <a:lnSpc>
+                <a:spcPct val="90000"/>
+              </a:lnSpc>
+              <a:spcBef>
+                <a:spcPts val="500"/>
+              </a:spcBef>
+              <a:buFont typeface="Arial" panose="020B0604020202020204" pitchFamily="34" charset="0"/>
+              <a:buChar char="•"/>
+              <a:defRPr sz="1800" kern="1200">
+                <a:solidFill>
+                  <a:schemeClr val="tx1"/>
+                </a:solidFill>
+                <a:latin typeface="+mn-lt"/>
+                <a:ea typeface="+mn-ea"/>
+                <a:cs typeface="+mn-cs"/>
+              </a:defRPr>
+            </a:lvl5pPr>
+            <a:lvl6pPr marL="2514600" indent="-228600" algn="l" defTabSz="914400" rtl="0" eaLnBrk="1" latinLnBrk="0" hangingPunct="1">
+              <a:lnSpc>
+                <a:spcPct val="90000"/>
+              </a:lnSpc>
+              <a:spcBef>
+                <a:spcPts val="500"/>
+              </a:spcBef>
+              <a:buFont typeface="Arial" panose="020B0604020202020204" pitchFamily="34" charset="0"/>
+              <a:buChar char="•"/>
+              <a:defRPr sz="1800" kern="1200">
+                <a:solidFill>
+                  <a:schemeClr val="tx1"/>
+                </a:solidFill>
+                <a:latin typeface="+mn-lt"/>
+                <a:ea typeface="+mn-ea"/>
+                <a:cs typeface="+mn-cs"/>
+              </a:defRPr>
+            </a:lvl6pPr>
+            <a:lvl7pPr marL="2971800" indent="-228600" algn="l" defTabSz="914400" rtl="0" eaLnBrk="1" latinLnBrk="0" hangingPunct="1">
+              <a:lnSpc>
+                <a:spcPct val="90000"/>
+              </a:lnSpc>
+              <a:spcBef>
+                <a:spcPts val="500"/>
+              </a:spcBef>
+              <a:buFont typeface="Arial" panose="020B0604020202020204" pitchFamily="34" charset="0"/>
+              <a:buChar char="•"/>
+              <a:defRPr sz="1800" kern="1200">
+                <a:solidFill>
+                  <a:schemeClr val="tx1"/>
+                </a:solidFill>
+                <a:latin typeface="+mn-lt"/>
+                <a:ea typeface="+mn-ea"/>
+                <a:cs typeface="+mn-cs"/>
+              </a:defRPr>
+            </a:lvl7pPr>
+            <a:lvl8pPr marL="3429000" indent="-228600" algn="l" defTabSz="914400" rtl="0" eaLnBrk="1" latinLnBrk="0" hangingPunct="1">
+              <a:lnSpc>
+                <a:spcPct val="90000"/>
+              </a:lnSpc>
+              <a:spcBef>
+                <a:spcPts val="500"/>
+              </a:spcBef>
+              <a:buFont typeface="Arial" panose="020B0604020202020204" pitchFamily="34" charset="0"/>
+              <a:buChar char="•"/>
+              <a:defRPr sz="1800" kern="1200">
+                <a:solidFill>
+                  <a:schemeClr val="tx1"/>
+                </a:solidFill>
+                <a:latin typeface="+mn-lt"/>
+                <a:ea typeface="+mn-ea"/>
+                <a:cs typeface="+mn-cs"/>
+              </a:defRPr>
+            </a:lvl8pPr>
+            <a:lvl9pPr marL="3886200" indent="-228600" algn="l" defTabSz="914400" rtl="0" eaLnBrk="1" latinLnBrk="0" hangingPunct="1">
+              <a:lnSpc>
+                <a:spcPct val="90000"/>
+              </a:lnSpc>
+              <a:spcBef>
+                <a:spcPts val="500"/>
+              </a:spcBef>
+              <a:buFont typeface="Arial" panose="020B0604020202020204" pitchFamily="34" charset="0"/>
+              <a:buChar char="•"/>
+              <a:defRPr sz="1800" kern="1200">
+                <a:solidFill>
+                  <a:schemeClr val="tx1"/>
+                </a:solidFill>
+                <a:latin typeface="+mn-lt"/>
+                <a:ea typeface="+mn-ea"/>
+                <a:cs typeface="+mn-cs"/>
+              </a:defRPr>
+            </a:lvl9pPr>
+          </a:lstStyle>
+          <a:p>
+            <a:r>
+              <a:rPr lang="en-US" dirty="0"/>
+              <a:t>The largest host for Git repositories</a:t>
+            </a:r>
+          </a:p>
+          <a:p>
+            <a:r>
+              <a:rPr lang="en-US" dirty="0"/>
+              <a:t>Free (for public repositories)</a:t>
+            </a:r>
+          </a:p>
+          <a:p>
+            <a:r>
+              <a:rPr lang="en-US" dirty="0"/>
+              <a:t>A great place to collaborate</a:t>
+            </a:r>
+          </a:p>
+          <a:p>
+            <a:pPr lvl="1"/>
+            <a:r>
+              <a:rPr lang="en-US" dirty="0"/>
+              <a:t>Support for unique features</a:t>
+            </a:r>
+          </a:p>
+          <a:p>
+            <a:pPr lvl="1"/>
+            <a:r>
+              <a:rPr lang="en-US" dirty="0"/>
+              <a:t>Comment sections</a:t>
+            </a:r>
+          </a:p>
+          <a:p>
+            <a:pPr lvl="1"/>
+            <a:r>
+              <a:rPr lang="en-US" dirty="0"/>
+              <a:t>Organizations</a:t>
+            </a:r>
+          </a:p>
+          <a:p>
+            <a:pPr lvl="1"/>
+            <a:r>
+              <a:rPr lang="en-US" dirty="0"/>
+              <a:t>Issue tracking</a:t>
+            </a:r>
+          </a:p>
+          <a:p>
+            <a:r>
+              <a:rPr lang="en-US" dirty="0"/>
+              <a:t>Extensible!</a:t>
+            </a:r>
+          </a:p>
+        </p:txBody>
+      </p:sp>
+    </p:spTree>
+    <p:extLst>
+      <p:ext uri="{BB962C8B-B14F-4D97-AF65-F5344CB8AC3E}">
+        <p14:creationId xmlns:p14="http://schemas.microsoft.com/office/powerpoint/2010/main" val="2155920567"/>
+      </p:ext>
+    </p:extLst>
+  </p:cSld>
+  <p:clrMapOvr>
+    <a:masterClrMapping/>
+  </p:clrMapOvr>
+</p:sld>
+</file>
+
+<file path=ppt/slides/slide40.xml><?xml version="1.0" encoding="utf-8"?>
+<p:sld xmlns:a="http://schemas.openxmlformats.org/drawingml/2006/main" xmlns:r="http://schemas.openxmlformats.org/officeDocument/2006/relationships" xmlns:p="http://schemas.openxmlformats.org/presentationml/2006/main">
+  <p:cSld>
+    <p:spTree>
+      <p:nvGrpSpPr>
+        <p:cNvPr id="1" name=""/>
+        <p:cNvGrpSpPr/>
+        <p:nvPr/>
+      </p:nvGrpSpPr>
+      <p:grpSpPr>
+        <a:xfrm>
+          <a:off x="0" y="0"/>
+          <a:ext cx="0" cy="0"/>
+          <a:chOff x="0" y="0"/>
+          <a:chExt cx="0" cy="0"/>
+        </a:xfrm>
+      </p:grpSpPr>
+      <p:sp>
+        <p:nvSpPr>
+          <p:cNvPr id="2" name="Title 1"/>
+          <p:cNvSpPr>
+            <a:spLocks noGrp="1"/>
+          </p:cNvSpPr>
+          <p:nvPr>
+            <p:ph type="title"/>
+          </p:nvPr>
+        </p:nvSpPr>
+        <p:spPr/>
+        <p:txBody>
+          <a:bodyPr/>
+          <a:lstStyle/>
+          <a:p>
+            <a:r>
+              <a:rPr lang="en-US" dirty="0"/>
+              <a:t>CONFLICTS IN ACTION</a:t>
+            </a:r>
+          </a:p>
+        </p:txBody>
+      </p:sp>
+      <p:sp>
+        <p:nvSpPr>
+          <p:cNvPr id="4" name="Date Placeholder 3"/>
+          <p:cNvSpPr>
+            <a:spLocks noGrp="1"/>
+          </p:cNvSpPr>
+          <p:nvPr>
+            <p:ph type="dt" sz="half" idx="10"/>
+          </p:nvPr>
+        </p:nvSpPr>
+        <p:spPr/>
+        <p:txBody>
+          <a:bodyPr/>
+          <a:lstStyle/>
+          <a:p>
+            <a:fld id="{74F93749-3CD2-4A95-98ED-FE9E109683BE}" type="datetime4">
+              <a:rPr lang="en-US" smtClean="0"/>
+              <a:t>June 6, 2019</a:t>
+            </a:fld>
+            <a:endParaRPr lang="en-US" dirty="0"/>
+          </a:p>
+        </p:txBody>
+      </p:sp>
+      <p:sp>
+        <p:nvSpPr>
+          <p:cNvPr id="5" name="Footer Placeholder 4"/>
+          <p:cNvSpPr>
+            <a:spLocks noGrp="1"/>
+          </p:cNvSpPr>
+          <p:nvPr>
+            <p:ph type="ftr" sz="quarter" idx="11"/>
+          </p:nvPr>
+        </p:nvSpPr>
+        <p:spPr/>
+        <p:txBody>
+          <a:bodyPr/>
+          <a:lstStyle/>
+          <a:p>
+            <a:r>
+              <a:rPr lang="en-US"/>
+              <a:t>Digital Scholarship Services </a:t>
+            </a:r>
+            <a:r>
+              <a:rPr lang="en-US">
+                <a:solidFill>
+                  <a:schemeClr val="accent1">
+                    <a:lumMod val="50000"/>
+                  </a:schemeClr>
+                </a:solidFill>
+              </a:rPr>
+              <a:t>| Email</a:t>
+            </a:r>
+            <a:r>
+              <a:rPr lang="en-US"/>
+              <a:t> cf24@rice.edu </a:t>
+            </a:r>
+            <a:r>
+              <a:rPr lang="en-US">
+                <a:solidFill>
+                  <a:schemeClr val="accent1">
+                    <a:lumMod val="50000"/>
+                  </a:schemeClr>
+                </a:solidFill>
+              </a:rPr>
+              <a:t>|</a:t>
+            </a:r>
+            <a:r>
+              <a:rPr lang="en-US"/>
+              <a:t> library.rice.edu/dss</a:t>
+            </a:r>
+            <a:endParaRPr lang="en-US" dirty="0"/>
+          </a:p>
+        </p:txBody>
+      </p:sp>
       <p:sp>
         <p:nvSpPr>
           <p:cNvPr id="6" name="Slide Number Placeholder 5"/>
@@ -11751,7 +12417,7 @@
           <a:p>
             <a:fld id="{D57F1E4F-1CFF-5643-939E-02111984F565}" type="slidenum">
               <a:rPr lang="en-US" smtClean="0"/>
-              <a:t>39</a:t>
+              <a:t>40</a:t>
             </a:fld>
             <a:endParaRPr lang="en-US" dirty="0"/>
           </a:p>
@@ -12042,650 +12708,6 @@
 </p:sld>
 </file>
 
-<file path=ppt/slides/slide4.xml><?xml version="1.0" encoding="utf-8"?>
-<p:sld xmlns:a="http://schemas.openxmlformats.org/drawingml/2006/main" xmlns:r="http://schemas.openxmlformats.org/officeDocument/2006/relationships" xmlns:p="http://schemas.openxmlformats.org/presentationml/2006/main">
-  <p:cSld>
-    <p:spTree>
-      <p:nvGrpSpPr>
-        <p:cNvPr id="1" name=""/>
-        <p:cNvGrpSpPr/>
-        <p:nvPr/>
-      </p:nvGrpSpPr>
-      <p:grpSpPr>
-        <a:xfrm>
-          <a:off x="0" y="0"/>
-          <a:ext cx="0" cy="0"/>
-          <a:chOff x="0" y="0"/>
-          <a:chExt cx="0" cy="0"/>
-        </a:xfrm>
-      </p:grpSpPr>
-      <p:sp>
-        <p:nvSpPr>
-          <p:cNvPr id="2" name="Title 1"/>
-          <p:cNvSpPr>
-            <a:spLocks noGrp="1"/>
-          </p:cNvSpPr>
-          <p:nvPr>
-            <p:ph type="title"/>
-          </p:nvPr>
-        </p:nvSpPr>
-        <p:spPr/>
-        <p:txBody>
-          <a:bodyPr/>
-          <a:lstStyle/>
-          <a:p>
-            <a:r>
-              <a:rPr lang="en-US" dirty="0">
-                <a:latin typeface="+mn-lt"/>
-              </a:rPr>
-              <a:t>WHAT IS GITHUB?</a:t>
-            </a:r>
-          </a:p>
-        </p:txBody>
-      </p:sp>
-      <p:pic>
-        <p:nvPicPr>
-          <p:cNvPr id="8" name="Content Placeholder 7">
-            <a:extLst>
-              <a:ext uri="{FF2B5EF4-FFF2-40B4-BE49-F238E27FC236}">
-                <a16:creationId xmlns:a16="http://schemas.microsoft.com/office/drawing/2014/main" id="{55F5BDAA-3BD0-4E79-AC0F-46319E23DD68}"/>
-              </a:ext>
-            </a:extLst>
-          </p:cNvPr>
-          <p:cNvPicPr>
-            <a:picLocks noGrp="1" noChangeAspect="1"/>
-          </p:cNvPicPr>
-          <p:nvPr>
-            <p:ph idx="1"/>
-          </p:nvPr>
-        </p:nvPicPr>
-        <p:blipFill>
-          <a:blip r:embed="rId2"/>
-          <a:stretch>
-            <a:fillRect/>
-          </a:stretch>
-        </p:blipFill>
-        <p:spPr>
-          <a:xfrm>
-            <a:off x="7699071" y="1347343"/>
-            <a:ext cx="3249594" cy="2701225"/>
-          </a:xfrm>
-        </p:spPr>
-      </p:pic>
-      <p:sp>
-        <p:nvSpPr>
-          <p:cNvPr id="5" name="Date Placeholder 4"/>
-          <p:cNvSpPr>
-            <a:spLocks noGrp="1"/>
-          </p:cNvSpPr>
-          <p:nvPr>
-            <p:ph type="dt" sz="half" idx="10"/>
-          </p:nvPr>
-        </p:nvSpPr>
-        <p:spPr/>
-        <p:txBody>
-          <a:bodyPr/>
-          <a:lstStyle/>
-          <a:p>
-            <a:fld id="{ABCDBDCF-BD7C-42D5-AA45-BDAC8FAB55A4}" type="datetime4">
-              <a:rPr lang="en-US" smtClean="0"/>
-              <a:t>June 5, 2019</a:t>
-            </a:fld>
-            <a:endParaRPr lang="en-US" dirty="0"/>
-          </a:p>
-        </p:txBody>
-      </p:sp>
-      <p:sp>
-        <p:nvSpPr>
-          <p:cNvPr id="6" name="Slide Number Placeholder 5"/>
-          <p:cNvSpPr>
-            <a:spLocks noGrp="1"/>
-          </p:cNvSpPr>
-          <p:nvPr>
-            <p:ph type="sldNum" sz="quarter" idx="12"/>
-          </p:nvPr>
-        </p:nvSpPr>
-        <p:spPr/>
-        <p:txBody>
-          <a:bodyPr/>
-          <a:lstStyle/>
-          <a:p>
-            <a:fld id="{D57F1E4F-1CFF-5643-939E-02111984F565}" type="slidenum">
-              <a:rPr lang="en-US" smtClean="0"/>
-              <a:t>4</a:t>
-            </a:fld>
-            <a:endParaRPr lang="en-US" dirty="0"/>
-          </a:p>
-        </p:txBody>
-      </p:sp>
-      <p:sp>
-        <p:nvSpPr>
-          <p:cNvPr id="7" name="Footer Placeholder 6"/>
-          <p:cNvSpPr>
-            <a:spLocks noGrp="1"/>
-          </p:cNvSpPr>
-          <p:nvPr>
-            <p:ph type="ftr" sz="quarter" idx="11"/>
-          </p:nvPr>
-        </p:nvSpPr>
-        <p:spPr/>
-        <p:txBody>
-          <a:bodyPr/>
-          <a:lstStyle/>
-          <a:p>
-            <a:r>
-              <a:rPr lang="en-US"/>
-              <a:t>Digital Scholarship Services </a:t>
-            </a:r>
-            <a:r>
-              <a:rPr lang="en-US">
-                <a:solidFill>
-                  <a:schemeClr val="accent1">
-                    <a:lumMod val="50000"/>
-                  </a:schemeClr>
-                </a:solidFill>
-              </a:rPr>
-              <a:t>| Email</a:t>
-            </a:r>
-            <a:r>
-              <a:rPr lang="en-US"/>
-              <a:t> cf24@rice.edu </a:t>
-            </a:r>
-            <a:r>
-              <a:rPr lang="en-US">
-                <a:solidFill>
-                  <a:schemeClr val="accent1">
-                    <a:lumMod val="50000"/>
-                  </a:schemeClr>
-                </a:solidFill>
-              </a:rPr>
-              <a:t>|</a:t>
-            </a:r>
-            <a:r>
-              <a:rPr lang="en-US"/>
-              <a:t> library.rice.edu/dss</a:t>
-            </a:r>
-            <a:endParaRPr lang="en-US" dirty="0"/>
-          </a:p>
-        </p:txBody>
-      </p:sp>
-      <p:pic>
-        <p:nvPicPr>
-          <p:cNvPr id="10" name="Picture 9">
-            <a:extLst>
-              <a:ext uri="{FF2B5EF4-FFF2-40B4-BE49-F238E27FC236}">
-                <a16:creationId xmlns:a16="http://schemas.microsoft.com/office/drawing/2014/main" id="{60B37E9D-2C05-4A2E-8CBE-F38BAD4C28A3}"/>
-              </a:ext>
-            </a:extLst>
-          </p:cNvPr>
-          <p:cNvPicPr>
-            <a:picLocks noChangeAspect="1"/>
-          </p:cNvPicPr>
-          <p:nvPr/>
-        </p:nvPicPr>
-        <p:blipFill>
-          <a:blip r:embed="rId3"/>
-          <a:stretch>
-            <a:fillRect/>
-          </a:stretch>
-        </p:blipFill>
-        <p:spPr>
-          <a:xfrm>
-            <a:off x="6649090" y="3715575"/>
-            <a:ext cx="5349555" cy="2193317"/>
-          </a:xfrm>
-          <a:prstGeom prst="rect">
-            <a:avLst/>
-          </a:prstGeom>
-        </p:spPr>
-      </p:pic>
-      <p:sp>
-        <p:nvSpPr>
-          <p:cNvPr id="11" name="Content Placeholder 2">
-            <a:extLst>
-              <a:ext uri="{FF2B5EF4-FFF2-40B4-BE49-F238E27FC236}">
-                <a16:creationId xmlns:a16="http://schemas.microsoft.com/office/drawing/2014/main" id="{FE1B108A-3F0D-4D42-A4B2-178657E7D869}"/>
-              </a:ext>
-            </a:extLst>
-          </p:cNvPr>
-          <p:cNvSpPr txBox="1">
-            <a:spLocks/>
-          </p:cNvSpPr>
-          <p:nvPr/>
-        </p:nvSpPr>
-        <p:spPr>
-          <a:xfrm>
-            <a:off x="838200" y="1825625"/>
-            <a:ext cx="5199529" cy="4351338"/>
-          </a:xfrm>
-          <a:prstGeom prst="rect">
-            <a:avLst/>
-          </a:prstGeom>
-        </p:spPr>
-        <p:txBody>
-          <a:bodyPr vert="horz" lIns="91440" tIns="45720" rIns="91440" bIns="45720" rtlCol="0">
-            <a:normAutofit/>
-          </a:bodyPr>
-          <a:lstStyle>
-            <a:lvl1pPr marL="228600" indent="-228600" algn="l" defTabSz="914400" rtl="0" eaLnBrk="1" latinLnBrk="0" hangingPunct="1">
-              <a:lnSpc>
-                <a:spcPct val="90000"/>
-              </a:lnSpc>
-              <a:spcBef>
-                <a:spcPts val="1000"/>
-              </a:spcBef>
-              <a:buFont typeface="Arial" panose="020B0604020202020204" pitchFamily="34" charset="0"/>
-              <a:buChar char="•"/>
-              <a:defRPr sz="2800" kern="1200">
-                <a:solidFill>
-                  <a:schemeClr val="tx1"/>
-                </a:solidFill>
-                <a:latin typeface="+mn-lt"/>
-                <a:ea typeface="+mn-ea"/>
-                <a:cs typeface="+mn-cs"/>
-              </a:defRPr>
-            </a:lvl1pPr>
-            <a:lvl2pPr marL="685800" indent="-228600" algn="l" defTabSz="914400" rtl="0" eaLnBrk="1" latinLnBrk="0" hangingPunct="1">
-              <a:lnSpc>
-                <a:spcPct val="90000"/>
-              </a:lnSpc>
-              <a:spcBef>
-                <a:spcPts val="500"/>
-              </a:spcBef>
-              <a:buFont typeface="Arial" panose="020B0604020202020204" pitchFamily="34" charset="0"/>
-              <a:buChar char="•"/>
-              <a:defRPr sz="2400" kern="1200">
-                <a:solidFill>
-                  <a:schemeClr val="tx1"/>
-                </a:solidFill>
-                <a:latin typeface="+mn-lt"/>
-                <a:ea typeface="+mn-ea"/>
-                <a:cs typeface="+mn-cs"/>
-              </a:defRPr>
-            </a:lvl2pPr>
-            <a:lvl3pPr marL="1143000" indent="-228600" algn="l" defTabSz="914400" rtl="0" eaLnBrk="1" latinLnBrk="0" hangingPunct="1">
-              <a:lnSpc>
-                <a:spcPct val="90000"/>
-              </a:lnSpc>
-              <a:spcBef>
-                <a:spcPts val="500"/>
-              </a:spcBef>
-              <a:buFont typeface="Arial" panose="020B0604020202020204" pitchFamily="34" charset="0"/>
-              <a:buChar char="•"/>
-              <a:defRPr sz="2000" kern="1200">
-                <a:solidFill>
-                  <a:schemeClr val="tx1"/>
-                </a:solidFill>
-                <a:latin typeface="+mn-lt"/>
-                <a:ea typeface="+mn-ea"/>
-                <a:cs typeface="+mn-cs"/>
-              </a:defRPr>
-            </a:lvl3pPr>
-            <a:lvl4pPr marL="1600200" indent="-228600" algn="l" defTabSz="914400" rtl="0" eaLnBrk="1" latinLnBrk="0" hangingPunct="1">
-              <a:lnSpc>
-                <a:spcPct val="90000"/>
-              </a:lnSpc>
-              <a:spcBef>
-                <a:spcPts val="500"/>
-              </a:spcBef>
-              <a:buFont typeface="Arial" panose="020B0604020202020204" pitchFamily="34" charset="0"/>
-              <a:buChar char="•"/>
-              <a:defRPr sz="1800" kern="1200">
-                <a:solidFill>
-                  <a:schemeClr val="tx1"/>
-                </a:solidFill>
-                <a:latin typeface="+mn-lt"/>
-                <a:ea typeface="+mn-ea"/>
-                <a:cs typeface="+mn-cs"/>
-              </a:defRPr>
-            </a:lvl4pPr>
-            <a:lvl5pPr marL="2057400" indent="-228600" algn="l" defTabSz="914400" rtl="0" eaLnBrk="1" latinLnBrk="0" hangingPunct="1">
-              <a:lnSpc>
-                <a:spcPct val="90000"/>
-              </a:lnSpc>
-              <a:spcBef>
-                <a:spcPts val="500"/>
-              </a:spcBef>
-              <a:buFont typeface="Arial" panose="020B0604020202020204" pitchFamily="34" charset="0"/>
-              <a:buChar char="•"/>
-              <a:defRPr sz="1800" kern="1200">
-                <a:solidFill>
-                  <a:schemeClr val="tx1"/>
-                </a:solidFill>
-                <a:latin typeface="+mn-lt"/>
-                <a:ea typeface="+mn-ea"/>
-                <a:cs typeface="+mn-cs"/>
-              </a:defRPr>
-            </a:lvl5pPr>
-            <a:lvl6pPr marL="2514600" indent="-228600" algn="l" defTabSz="914400" rtl="0" eaLnBrk="1" latinLnBrk="0" hangingPunct="1">
-              <a:lnSpc>
-                <a:spcPct val="90000"/>
-              </a:lnSpc>
-              <a:spcBef>
-                <a:spcPts val="500"/>
-              </a:spcBef>
-              <a:buFont typeface="Arial" panose="020B0604020202020204" pitchFamily="34" charset="0"/>
-              <a:buChar char="•"/>
-              <a:defRPr sz="1800" kern="1200">
-                <a:solidFill>
-                  <a:schemeClr val="tx1"/>
-                </a:solidFill>
-                <a:latin typeface="+mn-lt"/>
-                <a:ea typeface="+mn-ea"/>
-                <a:cs typeface="+mn-cs"/>
-              </a:defRPr>
-            </a:lvl6pPr>
-            <a:lvl7pPr marL="2971800" indent="-228600" algn="l" defTabSz="914400" rtl="0" eaLnBrk="1" latinLnBrk="0" hangingPunct="1">
-              <a:lnSpc>
-                <a:spcPct val="90000"/>
-              </a:lnSpc>
-              <a:spcBef>
-                <a:spcPts val="500"/>
-              </a:spcBef>
-              <a:buFont typeface="Arial" panose="020B0604020202020204" pitchFamily="34" charset="0"/>
-              <a:buChar char="•"/>
-              <a:defRPr sz="1800" kern="1200">
-                <a:solidFill>
-                  <a:schemeClr val="tx1"/>
-                </a:solidFill>
-                <a:latin typeface="+mn-lt"/>
-                <a:ea typeface="+mn-ea"/>
-                <a:cs typeface="+mn-cs"/>
-              </a:defRPr>
-            </a:lvl7pPr>
-            <a:lvl8pPr marL="3429000" indent="-228600" algn="l" defTabSz="914400" rtl="0" eaLnBrk="1" latinLnBrk="0" hangingPunct="1">
-              <a:lnSpc>
-                <a:spcPct val="90000"/>
-              </a:lnSpc>
-              <a:spcBef>
-                <a:spcPts val="500"/>
-              </a:spcBef>
-              <a:buFont typeface="Arial" panose="020B0604020202020204" pitchFamily="34" charset="0"/>
-              <a:buChar char="•"/>
-              <a:defRPr sz="1800" kern="1200">
-                <a:solidFill>
-                  <a:schemeClr val="tx1"/>
-                </a:solidFill>
-                <a:latin typeface="+mn-lt"/>
-                <a:ea typeface="+mn-ea"/>
-                <a:cs typeface="+mn-cs"/>
-              </a:defRPr>
-            </a:lvl8pPr>
-            <a:lvl9pPr marL="3886200" indent="-228600" algn="l" defTabSz="914400" rtl="0" eaLnBrk="1" latinLnBrk="0" hangingPunct="1">
-              <a:lnSpc>
-                <a:spcPct val="90000"/>
-              </a:lnSpc>
-              <a:spcBef>
-                <a:spcPts val="500"/>
-              </a:spcBef>
-              <a:buFont typeface="Arial" panose="020B0604020202020204" pitchFamily="34" charset="0"/>
-              <a:buChar char="•"/>
-              <a:defRPr sz="1800" kern="1200">
-                <a:solidFill>
-                  <a:schemeClr val="tx1"/>
-                </a:solidFill>
-                <a:latin typeface="+mn-lt"/>
-                <a:ea typeface="+mn-ea"/>
-                <a:cs typeface="+mn-cs"/>
-              </a:defRPr>
-            </a:lvl9pPr>
-          </a:lstStyle>
-          <a:p>
-            <a:r>
-              <a:rPr lang="en-US" dirty="0"/>
-              <a:t>The largest host for Git repositories</a:t>
-            </a:r>
-          </a:p>
-          <a:p>
-            <a:r>
-              <a:rPr lang="en-US" dirty="0"/>
-              <a:t>Free (for public repositories)</a:t>
-            </a:r>
-          </a:p>
-          <a:p>
-            <a:r>
-              <a:rPr lang="en-US" dirty="0"/>
-              <a:t>A great place to collaborate</a:t>
-            </a:r>
-          </a:p>
-          <a:p>
-            <a:pPr lvl="1"/>
-            <a:r>
-              <a:rPr lang="en-US" dirty="0"/>
-              <a:t>Support for unique features</a:t>
-            </a:r>
-          </a:p>
-          <a:p>
-            <a:pPr lvl="1"/>
-            <a:r>
-              <a:rPr lang="en-US" dirty="0"/>
-              <a:t>Comment sections</a:t>
-            </a:r>
-          </a:p>
-          <a:p>
-            <a:pPr lvl="1"/>
-            <a:r>
-              <a:rPr lang="en-US" dirty="0"/>
-              <a:t>Organizations</a:t>
-            </a:r>
-          </a:p>
-          <a:p>
-            <a:pPr lvl="1"/>
-            <a:r>
-              <a:rPr lang="en-US" dirty="0"/>
-              <a:t>Issue tracking</a:t>
-            </a:r>
-          </a:p>
-          <a:p>
-            <a:r>
-              <a:rPr lang="en-US" dirty="0"/>
-              <a:t>Extensible!</a:t>
-            </a:r>
-          </a:p>
-        </p:txBody>
-      </p:sp>
-    </p:spTree>
-    <p:extLst>
-      <p:ext uri="{BB962C8B-B14F-4D97-AF65-F5344CB8AC3E}">
-        <p14:creationId xmlns:p14="http://schemas.microsoft.com/office/powerpoint/2010/main" val="2155920567"/>
-      </p:ext>
-    </p:extLst>
-  </p:cSld>
-  <p:clrMapOvr>
-    <a:masterClrMapping/>
-  </p:clrMapOvr>
-</p:sld>
-</file>
-
-<file path=ppt/slides/slide40.xml><?xml version="1.0" encoding="utf-8"?>
-<p:sld xmlns:a="http://schemas.openxmlformats.org/drawingml/2006/main" xmlns:r="http://schemas.openxmlformats.org/officeDocument/2006/relationships" xmlns:p="http://schemas.openxmlformats.org/presentationml/2006/main">
-  <p:cSld>
-    <p:spTree>
-      <p:nvGrpSpPr>
-        <p:cNvPr id="1" name=""/>
-        <p:cNvGrpSpPr/>
-        <p:nvPr/>
-      </p:nvGrpSpPr>
-      <p:grpSpPr>
-        <a:xfrm>
-          <a:off x="0" y="0"/>
-          <a:ext cx="0" cy="0"/>
-          <a:chOff x="0" y="0"/>
-          <a:chExt cx="0" cy="0"/>
-        </a:xfrm>
-      </p:grpSpPr>
-      <p:sp>
-        <p:nvSpPr>
-          <p:cNvPr id="2" name="Title 1"/>
-          <p:cNvSpPr>
-            <a:spLocks noGrp="1"/>
-          </p:cNvSpPr>
-          <p:nvPr>
-            <p:ph type="title"/>
-          </p:nvPr>
-        </p:nvSpPr>
-        <p:spPr/>
-        <p:txBody>
-          <a:bodyPr/>
-          <a:lstStyle/>
-          <a:p>
-            <a:r>
-              <a:rPr lang="en-US" dirty="0"/>
-              <a:t>CONFLICTS AND MERGING</a:t>
-            </a:r>
-          </a:p>
-        </p:txBody>
-      </p:sp>
-      <p:sp>
-        <p:nvSpPr>
-          <p:cNvPr id="3" name="Content Placeholder 2"/>
-          <p:cNvSpPr>
-            <a:spLocks noGrp="1"/>
-          </p:cNvSpPr>
-          <p:nvPr>
-            <p:ph idx="1"/>
-          </p:nvPr>
-        </p:nvSpPr>
-        <p:spPr/>
-        <p:txBody>
-          <a:bodyPr/>
-          <a:lstStyle/>
-          <a:p>
-            <a:r>
-              <a:rPr lang="en-US" dirty="0"/>
-              <a:t>Create a new branch.</a:t>
-            </a:r>
-          </a:p>
-          <a:p>
-            <a:r>
-              <a:rPr lang="en-US" dirty="0"/>
-              <a:t>Edit community.txt to include only a one-line message.</a:t>
-            </a:r>
-          </a:p>
-          <a:p>
-            <a:r>
-              <a:rPr lang="en-US" dirty="0"/>
-              <a:t>Try to merge it.</a:t>
-            </a:r>
-          </a:p>
-          <a:p>
-            <a:r>
-              <a:rPr lang="en-US" dirty="0"/>
-              <a:t>If it fails, merge by combining the two messages. Don’t delete anyone else’s work!</a:t>
-            </a:r>
-          </a:p>
-        </p:txBody>
-      </p:sp>
-      <p:sp>
-        <p:nvSpPr>
-          <p:cNvPr id="4" name="Date Placeholder 3"/>
-          <p:cNvSpPr>
-            <a:spLocks noGrp="1"/>
-          </p:cNvSpPr>
-          <p:nvPr>
-            <p:ph type="dt" sz="half" idx="10"/>
-          </p:nvPr>
-        </p:nvSpPr>
-        <p:spPr/>
-        <p:txBody>
-          <a:bodyPr/>
-          <a:lstStyle/>
-          <a:p>
-            <a:fld id="{74F93749-3CD2-4A95-98ED-FE9E109683BE}" type="datetime4">
-              <a:rPr lang="en-US" smtClean="0"/>
-              <a:t>June 5, 2019</a:t>
-            </a:fld>
-            <a:endParaRPr lang="en-US" dirty="0"/>
-          </a:p>
-        </p:txBody>
-      </p:sp>
-      <p:sp>
-        <p:nvSpPr>
-          <p:cNvPr id="5" name="Footer Placeholder 4"/>
-          <p:cNvSpPr>
-            <a:spLocks noGrp="1"/>
-          </p:cNvSpPr>
-          <p:nvPr>
-            <p:ph type="ftr" sz="quarter" idx="11"/>
-          </p:nvPr>
-        </p:nvSpPr>
-        <p:spPr/>
-        <p:txBody>
-          <a:bodyPr/>
-          <a:lstStyle/>
-          <a:p>
-            <a:r>
-              <a:rPr lang="en-US"/>
-              <a:t>Digital Scholarship Services </a:t>
-            </a:r>
-            <a:r>
-              <a:rPr lang="en-US">
-                <a:solidFill>
-                  <a:schemeClr val="accent1">
-                    <a:lumMod val="50000"/>
-                  </a:schemeClr>
-                </a:solidFill>
-              </a:rPr>
-              <a:t>| Email</a:t>
-            </a:r>
-            <a:r>
-              <a:rPr lang="en-US"/>
-              <a:t> cf24@rice.edu </a:t>
-            </a:r>
-            <a:r>
-              <a:rPr lang="en-US">
-                <a:solidFill>
-                  <a:schemeClr val="accent1">
-                    <a:lumMod val="50000"/>
-                  </a:schemeClr>
-                </a:solidFill>
-              </a:rPr>
-              <a:t>|</a:t>
-            </a:r>
-            <a:r>
-              <a:rPr lang="en-US"/>
-              <a:t> library.rice.edu/dss</a:t>
-            </a:r>
-            <a:endParaRPr lang="en-US" dirty="0"/>
-          </a:p>
-        </p:txBody>
-      </p:sp>
-      <p:sp>
-        <p:nvSpPr>
-          <p:cNvPr id="6" name="Slide Number Placeholder 5"/>
-          <p:cNvSpPr>
-            <a:spLocks noGrp="1"/>
-          </p:cNvSpPr>
-          <p:nvPr>
-            <p:ph type="sldNum" sz="quarter" idx="12"/>
-          </p:nvPr>
-        </p:nvSpPr>
-        <p:spPr/>
-        <p:txBody>
-          <a:bodyPr/>
-          <a:lstStyle/>
-          <a:p>
-            <a:fld id="{D57F1E4F-1CFF-5643-939E-02111984F565}" type="slidenum">
-              <a:rPr lang="en-US" smtClean="0"/>
-              <a:t>40</a:t>
-            </a:fld>
-            <a:endParaRPr lang="en-US" dirty="0"/>
-          </a:p>
-        </p:txBody>
-      </p:sp>
-    </p:spTree>
-    <p:extLst>
-      <p:ext uri="{BB962C8B-B14F-4D97-AF65-F5344CB8AC3E}">
-        <p14:creationId xmlns:p14="http://schemas.microsoft.com/office/powerpoint/2010/main" val="1032289041"/>
-      </p:ext>
-    </p:extLst>
-  </p:cSld>
-  <p:clrMapOvr>
-    <a:masterClrMapping/>
-  </p:clrMapOvr>
-</p:sld>
-</file>
-
 <file path=ppt/slides/slide41.xml><?xml version="1.0" encoding="utf-8"?>
 <p:sld xmlns:a="http://schemas.openxmlformats.org/drawingml/2006/main" xmlns:r="http://schemas.openxmlformats.org/officeDocument/2006/relationships" xmlns:p="http://schemas.openxmlformats.org/presentationml/2006/main">
   <p:cSld>
@@ -12719,6 +12741,195 @@
           <a:lstStyle/>
           <a:p>
             <a:r>
+              <a:rPr lang="en-US" dirty="0"/>
+              <a:t>CONFLICTS AND MERGING</a:t>
+            </a:r>
+          </a:p>
+        </p:txBody>
+      </p:sp>
+      <p:sp>
+        <p:nvSpPr>
+          <p:cNvPr id="3" name="Content Placeholder 2"/>
+          <p:cNvSpPr>
+            <a:spLocks noGrp="1"/>
+          </p:cNvSpPr>
+          <p:nvPr>
+            <p:ph idx="1"/>
+          </p:nvPr>
+        </p:nvSpPr>
+        <p:spPr/>
+        <p:txBody>
+          <a:bodyPr/>
+          <a:lstStyle/>
+          <a:p>
+            <a:r>
+              <a:rPr lang="en-US" dirty="0"/>
+              <a:t>Create a new branch.</a:t>
+            </a:r>
+          </a:p>
+          <a:p>
+            <a:r>
+              <a:rPr lang="en-US" dirty="0"/>
+              <a:t>Edit community.txt to include only a one-line message.</a:t>
+            </a:r>
+          </a:p>
+          <a:p>
+            <a:r>
+              <a:rPr lang="en-US" dirty="0"/>
+              <a:t>Try to merge it.</a:t>
+            </a:r>
+          </a:p>
+          <a:p>
+            <a:r>
+              <a:rPr lang="en-US" dirty="0"/>
+              <a:t>If it fails, merge by combining the two messages. Don’t delete anyone else’s work!</a:t>
+            </a:r>
+          </a:p>
+        </p:txBody>
+      </p:sp>
+      <p:sp>
+        <p:nvSpPr>
+          <p:cNvPr id="4" name="Date Placeholder 3"/>
+          <p:cNvSpPr>
+            <a:spLocks noGrp="1"/>
+          </p:cNvSpPr>
+          <p:nvPr>
+            <p:ph type="dt" sz="half" idx="10"/>
+          </p:nvPr>
+        </p:nvSpPr>
+        <p:spPr/>
+        <p:txBody>
+          <a:bodyPr/>
+          <a:lstStyle/>
+          <a:p>
+            <a:fld id="{74F93749-3CD2-4A95-98ED-FE9E109683BE}" type="datetime4">
+              <a:rPr lang="en-US" smtClean="0"/>
+              <a:t>June 6, 2019</a:t>
+            </a:fld>
+            <a:endParaRPr lang="en-US" dirty="0"/>
+          </a:p>
+        </p:txBody>
+      </p:sp>
+      <p:sp>
+        <p:nvSpPr>
+          <p:cNvPr id="5" name="Footer Placeholder 4"/>
+          <p:cNvSpPr>
+            <a:spLocks noGrp="1"/>
+          </p:cNvSpPr>
+          <p:nvPr>
+            <p:ph type="ftr" sz="quarter" idx="11"/>
+          </p:nvPr>
+        </p:nvSpPr>
+        <p:spPr/>
+        <p:txBody>
+          <a:bodyPr/>
+          <a:lstStyle/>
+          <a:p>
+            <a:r>
+              <a:rPr lang="en-US"/>
+              <a:t>Digital Scholarship Services </a:t>
+            </a:r>
+            <a:r>
+              <a:rPr lang="en-US">
+                <a:solidFill>
+                  <a:schemeClr val="accent1">
+                    <a:lumMod val="50000"/>
+                  </a:schemeClr>
+                </a:solidFill>
+              </a:rPr>
+              <a:t>| Email</a:t>
+            </a:r>
+            <a:r>
+              <a:rPr lang="en-US"/>
+              <a:t> cf24@rice.edu </a:t>
+            </a:r>
+            <a:r>
+              <a:rPr lang="en-US">
+                <a:solidFill>
+                  <a:schemeClr val="accent1">
+                    <a:lumMod val="50000"/>
+                  </a:schemeClr>
+                </a:solidFill>
+              </a:rPr>
+              <a:t>|</a:t>
+            </a:r>
+            <a:r>
+              <a:rPr lang="en-US"/>
+              <a:t> library.rice.edu/dss</a:t>
+            </a:r>
+            <a:endParaRPr lang="en-US" dirty="0"/>
+          </a:p>
+        </p:txBody>
+      </p:sp>
+      <p:sp>
+        <p:nvSpPr>
+          <p:cNvPr id="6" name="Slide Number Placeholder 5"/>
+          <p:cNvSpPr>
+            <a:spLocks noGrp="1"/>
+          </p:cNvSpPr>
+          <p:nvPr>
+            <p:ph type="sldNum" sz="quarter" idx="12"/>
+          </p:nvPr>
+        </p:nvSpPr>
+        <p:spPr/>
+        <p:txBody>
+          <a:bodyPr/>
+          <a:lstStyle/>
+          <a:p>
+            <a:fld id="{D57F1E4F-1CFF-5643-939E-02111984F565}" type="slidenum">
+              <a:rPr lang="en-US" smtClean="0"/>
+              <a:t>41</a:t>
+            </a:fld>
+            <a:endParaRPr lang="en-US" dirty="0"/>
+          </a:p>
+        </p:txBody>
+      </p:sp>
+    </p:spTree>
+    <p:extLst>
+      <p:ext uri="{BB962C8B-B14F-4D97-AF65-F5344CB8AC3E}">
+        <p14:creationId xmlns:p14="http://schemas.microsoft.com/office/powerpoint/2010/main" val="1032289041"/>
+      </p:ext>
+    </p:extLst>
+  </p:cSld>
+  <p:clrMapOvr>
+    <a:masterClrMapping/>
+  </p:clrMapOvr>
+</p:sld>
+</file>
+
+<file path=ppt/slides/slide42.xml><?xml version="1.0" encoding="utf-8"?>
+<p:sld xmlns:a="http://schemas.openxmlformats.org/drawingml/2006/main" xmlns:r="http://schemas.openxmlformats.org/officeDocument/2006/relationships" xmlns:p="http://schemas.openxmlformats.org/presentationml/2006/main">
+  <p:cSld>
+    <p:spTree>
+      <p:nvGrpSpPr>
+        <p:cNvPr id="1" name=""/>
+        <p:cNvGrpSpPr/>
+        <p:nvPr/>
+      </p:nvGrpSpPr>
+      <p:grpSpPr>
+        <a:xfrm>
+          <a:off x="0" y="0"/>
+          <a:ext cx="0" cy="0"/>
+          <a:chOff x="0" y="0"/>
+          <a:chExt cx="0" cy="0"/>
+        </a:xfrm>
+      </p:grpSpPr>
+      <p:sp>
+        <p:nvSpPr>
+          <p:cNvPr id="2" name="Title 1"/>
+          <p:cNvSpPr>
+            <a:spLocks noGrp="1"/>
+          </p:cNvSpPr>
+          <p:nvPr>
+            <p:ph type="title"/>
+          </p:nvPr>
+        </p:nvSpPr>
+        <p:spPr/>
+        <p:txBody>
+          <a:bodyPr/>
+          <a:lstStyle/>
+          <a:p>
+            <a:r>
               <a:rPr lang="en-US" dirty="0">
                 <a:latin typeface="+mn-lt"/>
               </a:rPr>
@@ -12850,7 +13061,7 @@
           <a:p>
             <a:fld id="{9985793D-3B5D-46A1-A058-9C498F103400}" type="datetime4">
               <a:rPr lang="en-US" smtClean="0"/>
-              <a:t>June 5, 2019</a:t>
+              <a:t>June 6, 2019</a:t>
             </a:fld>
             <a:endParaRPr lang="en-US" dirty="0"/>
           </a:p>
@@ -12873,7 +13084,7 @@
           <a:p>
             <a:fld id="{D57F1E4F-1CFF-5643-939E-02111984F565}" type="slidenum">
               <a:rPr lang="en-US" smtClean="0"/>
-              <a:t>41</a:t>
+              <a:t>42</a:t>
             </a:fld>
             <a:endParaRPr lang="en-US" dirty="0"/>
           </a:p>
@@ -13026,8 +13237,20 @@
             <a:pPr lvl="1"/>
             <a:r>
               <a:rPr lang="en-US" dirty="0"/>
-              <a:t>Everything is on top of git!</a:t>
-            </a:r>
+              <a:t>Everything is on top of </a:t>
+            </a:r>
+            <a:r>
+              <a:rPr lang="en-US" dirty="0" err="1" smtClean="0"/>
+              <a:t>git</a:t>
+            </a:r>
+            <a:endParaRPr lang="en-US" dirty="0" smtClean="0"/>
+          </a:p>
+          <a:p>
+            <a:r>
+              <a:rPr lang="en-US" dirty="0" smtClean="0"/>
+              <a:t>Only for source code and programming</a:t>
+            </a:r>
+            <a:endParaRPr lang="en-US" dirty="0"/>
           </a:p>
           <a:p>
             <a:r>
@@ -13057,7 +13280,7 @@
           <a:p>
             <a:fld id="{FB169DAF-4CD7-4B82-BB7C-54F3FCD01B55}" type="datetime4">
               <a:rPr lang="en-US" smtClean="0"/>
-              <a:t>June 5, 2019</a:t>
+              <a:t>June 6, 2019</a:t>
             </a:fld>
             <a:endParaRPr lang="en-US" dirty="0"/>
           </a:p>
@@ -13290,7 +13513,7 @@
           <a:p>
             <a:fld id="{4573C887-AB40-46D8-8F4C-D4BD7F03A5A2}" type="datetime4">
               <a:rPr lang="en-US" smtClean="0"/>
-              <a:t>June 5, 2019</a:t>
+              <a:t>June 6, 2019</a:t>
             </a:fld>
             <a:endParaRPr lang="en-US" dirty="0"/>
           </a:p>
@@ -13402,7 +13625,7 @@
       </p:grpSpPr>
       <p:sp>
         <p:nvSpPr>
-          <p:cNvPr id="4" name="Title 3"/>
+          <p:cNvPr id="2" name="Title 1"/>
           <p:cNvSpPr>
             <a:spLocks noGrp="1"/>
           </p:cNvSpPr>
@@ -13424,26 +13647,114 @@
           </a:p>
         </p:txBody>
       </p:sp>
+      <p:sp>
+        <p:nvSpPr>
+          <p:cNvPr id="3" name="Content Placeholder 2"/>
+          <p:cNvSpPr>
+            <a:spLocks noGrp="1"/>
+          </p:cNvSpPr>
+          <p:nvPr>
+            <p:ph idx="1"/>
+          </p:nvPr>
+        </p:nvSpPr>
+        <p:spPr>
+          <a:xfrm>
+            <a:off x="838199" y="1825625"/>
+            <a:ext cx="10261433" cy="4351338"/>
+          </a:xfrm>
+        </p:spPr>
+        <p:txBody>
+          <a:bodyPr/>
+          <a:lstStyle/>
+          <a:p>
+            <a:r>
+              <a:rPr lang="en-US" dirty="0"/>
+              <a:t>Sample Snapshot:</a:t>
+            </a:r>
+          </a:p>
+          <a:p>
+            <a:endParaRPr lang="en-US" dirty="0"/>
+          </a:p>
+          <a:p>
+            <a:endParaRPr lang="en-US" dirty="0"/>
+          </a:p>
+          <a:p>
+            <a:pPr marL="0" indent="0">
+              <a:buNone/>
+            </a:pPr>
+            <a:endParaRPr lang="en-US" dirty="0"/>
+          </a:p>
+          <a:p>
+            <a:r>
+              <a:rPr lang="en-US" dirty="0"/>
+              <a:t>Can see all files present at any of these times!</a:t>
+            </a:r>
+          </a:p>
+        </p:txBody>
+      </p:sp>
+      <p:sp>
+        <p:nvSpPr>
+          <p:cNvPr id="4" name="Date Placeholder 3"/>
+          <p:cNvSpPr>
+            <a:spLocks noGrp="1"/>
+          </p:cNvSpPr>
+          <p:nvPr>
+            <p:ph type="dt" sz="half" idx="10"/>
+          </p:nvPr>
+        </p:nvSpPr>
+        <p:spPr/>
+        <p:txBody>
+          <a:bodyPr/>
+          <a:lstStyle/>
+          <a:p>
+            <a:fld id="{0E6AE29B-8C09-43B5-86A8-3F3FC8EBB2F2}" type="datetime4">
+              <a:rPr lang="en-US" smtClean="0"/>
+              <a:t>June 6, 2019</a:t>
+            </a:fld>
+            <a:endParaRPr lang="en-US" dirty="0"/>
+          </a:p>
+        </p:txBody>
+      </p:sp>
+      <p:sp>
+        <p:nvSpPr>
+          <p:cNvPr id="6" name="Slide Number Placeholder 5"/>
+          <p:cNvSpPr>
+            <a:spLocks noGrp="1"/>
+          </p:cNvSpPr>
+          <p:nvPr>
+            <p:ph type="sldNum" sz="quarter" idx="12"/>
+          </p:nvPr>
+        </p:nvSpPr>
+        <p:spPr/>
+        <p:txBody>
+          <a:bodyPr/>
+          <a:lstStyle/>
+          <a:p>
+            <a:fld id="{D57F1E4F-1CFF-5643-939E-02111984F565}" type="slidenum">
+              <a:rPr lang="en-US" smtClean="0"/>
+              <a:t>7</a:t>
+            </a:fld>
+            <a:endParaRPr lang="en-US" dirty="0"/>
+          </a:p>
+        </p:txBody>
+      </p:sp>
       <p:pic>
         <p:nvPicPr>
-          <p:cNvPr id="6" name="Content Placeholder 5"/>
+          <p:cNvPr id="12" name="Picture 11"/>
           <p:cNvPicPr>
-            <a:picLocks noGrp="1" noChangeAspect="1"/>
+            <a:picLocks noChangeAspect="1"/>
           </p:cNvPicPr>
-          <p:nvPr>
-            <p:ph idx="1"/>
-          </p:nvPr>
+          <p:nvPr/>
         </p:nvPicPr>
-        <p:blipFill>
+        <p:blipFill rotWithShape="1">
           <a:blip r:embed="rId2"/>
-          <a:stretch>
-            <a:fillRect/>
-          </a:stretch>
+          <a:srcRect t="38708"/>
+          <a:stretch/>
         </p:blipFill>
         <p:spPr>
           <a:xfrm>
-            <a:off x="993370" y="1807248"/>
-            <a:ext cx="9079657" cy="3559333"/>
+            <a:off x="1381125" y="2355782"/>
+            <a:ext cx="9429750" cy="1284371"/>
           </a:xfrm>
           <a:prstGeom prst="rect">
             <a:avLst/>
@@ -13452,83 +13763,7 @@
       </p:pic>
       <p:sp>
         <p:nvSpPr>
-          <p:cNvPr id="7" name="TextBox 6"/>
-          <p:cNvSpPr txBox="1"/>
-          <p:nvPr/>
-        </p:nvSpPr>
-        <p:spPr>
-          <a:xfrm>
-            <a:off x="2236545" y="5538300"/>
-            <a:ext cx="6593305" cy="646331"/>
-          </a:xfrm>
-          <a:prstGeom prst="rect">
-            <a:avLst/>
-          </a:prstGeom>
-          <a:noFill/>
-        </p:spPr>
-        <p:txBody>
-          <a:bodyPr wrap="square" rtlCol="0">
-            <a:spAutoFit/>
-          </a:bodyPr>
-          <a:lstStyle/>
-          <a:p>
-            <a:pPr algn="ctr"/>
-            <a:r>
-              <a:rPr lang="en-US" dirty="0"/>
-              <a:t>Stores the entire file structure at each snapshot, not a set of changes!</a:t>
-            </a:r>
-          </a:p>
-        </p:txBody>
-      </p:sp>
-      <p:sp>
-        <p:nvSpPr>
-          <p:cNvPr id="9" name="Date Placeholder 8"/>
-          <p:cNvSpPr>
-            <a:spLocks noGrp="1"/>
-          </p:cNvSpPr>
-          <p:nvPr>
-            <p:ph type="dt" sz="half" idx="10"/>
-          </p:nvPr>
-        </p:nvSpPr>
-        <p:spPr/>
-        <p:txBody>
-          <a:bodyPr/>
-          <a:lstStyle/>
-          <a:p>
-            <a:fld id="{028403BE-1A09-4C34-8E7D-EE75D3FBE4FE}" type="datetime4">
-              <a:rPr lang="en-US" smtClean="0"/>
-              <a:t>June 5, 2019</a:t>
-            </a:fld>
-            <a:endParaRPr lang="en-US" dirty="0"/>
-          </a:p>
-        </p:txBody>
-      </p:sp>
-      <p:sp>
-        <p:nvSpPr>
-          <p:cNvPr id="10" name="Slide Number Placeholder 9"/>
-          <p:cNvSpPr>
-            <a:spLocks noGrp="1"/>
-          </p:cNvSpPr>
-          <p:nvPr>
-            <p:ph type="sldNum" sz="quarter" idx="12"/>
-          </p:nvPr>
-        </p:nvSpPr>
-        <p:spPr/>
-        <p:txBody>
-          <a:bodyPr/>
-          <a:lstStyle/>
-          <a:p>
-            <a:fld id="{D57F1E4F-1CFF-5643-939E-02111984F565}" type="slidenum">
-              <a:rPr lang="en-US" smtClean="0"/>
-              <a:t>7</a:t>
-            </a:fld>
-            <a:endParaRPr lang="en-US" dirty="0"/>
-          </a:p>
-        </p:txBody>
-      </p:sp>
-      <p:sp>
-        <p:nvSpPr>
-          <p:cNvPr id="2" name="Footer Placeholder 1"/>
+          <p:cNvPr id="13" name="Footer Placeholder 12"/>
           <p:cNvSpPr>
             <a:spLocks noGrp="1"/>
           </p:cNvSpPr>
@@ -13577,10 +13812,58 @@
           </a:p>
         </p:txBody>
       </p:sp>
+      <p:pic>
+        <p:nvPicPr>
+          <p:cNvPr id="8" name="Picture 7"/>
+          <p:cNvPicPr>
+            <a:picLocks noChangeAspect="1"/>
+          </p:cNvPicPr>
+          <p:nvPr/>
+        </p:nvPicPr>
+        <p:blipFill>
+          <a:blip r:embed="rId3"/>
+          <a:stretch>
+            <a:fillRect/>
+          </a:stretch>
+        </p:blipFill>
+        <p:spPr>
+          <a:xfrm>
+            <a:off x="5495925" y="4394994"/>
+            <a:ext cx="5857875" cy="1247775"/>
+          </a:xfrm>
+          <a:prstGeom prst="rect">
+            <a:avLst/>
+          </a:prstGeom>
+        </p:spPr>
+      </p:pic>
+      <p:pic>
+        <p:nvPicPr>
+          <p:cNvPr id="9" name="Picture 8"/>
+          <p:cNvPicPr>
+            <a:picLocks noChangeAspect="1"/>
+          </p:cNvPicPr>
+          <p:nvPr/>
+        </p:nvPicPr>
+        <p:blipFill>
+          <a:blip r:embed="rId4"/>
+          <a:stretch>
+            <a:fillRect/>
+          </a:stretch>
+        </p:blipFill>
+        <p:spPr>
+          <a:xfrm>
+            <a:off x="838199" y="4575654"/>
+            <a:ext cx="4247186" cy="886454"/>
+          </a:xfrm>
+          <a:prstGeom prst="rect">
+            <a:avLst/>
+          </a:prstGeom>
+        </p:spPr>
+      </p:pic>
     </p:spTree>
     <p:extLst>
       <p:ext uri="{BB962C8B-B14F-4D97-AF65-F5344CB8AC3E}">
-        <p14:creationId xmlns:p14="http://schemas.microsoft.com/office/powerpoint/2010/main" val="1660928721"/>
+        <p14:creationId xmlns:p14="http://schemas.microsoft.com/office/powerpoint/2010/main" val="2406414258"/>
       </p:ext>
     </p:extLst>
   </p:cSld>
@@ -13609,7 +13892,7 @@
       </p:grpSpPr>
       <p:sp>
         <p:nvSpPr>
-          <p:cNvPr id="2" name="Title 1"/>
+          <p:cNvPr id="4" name="Title 3"/>
           <p:cNvSpPr>
             <a:spLocks noGrp="1"/>
           </p:cNvSpPr>
@@ -13631,117 +13914,26 @@
           </a:p>
         </p:txBody>
       </p:sp>
-      <p:sp>
-        <p:nvSpPr>
-          <p:cNvPr id="3" name="Content Placeholder 2"/>
-          <p:cNvSpPr>
-            <a:spLocks noGrp="1"/>
-          </p:cNvSpPr>
-          <p:nvPr>
-            <p:ph idx="1"/>
-          </p:nvPr>
-        </p:nvSpPr>
-        <p:spPr>
-          <a:xfrm>
-            <a:off x="838199" y="1825625"/>
-            <a:ext cx="10261433" cy="4351338"/>
-          </a:xfrm>
-        </p:spPr>
-        <p:txBody>
-          <a:bodyPr/>
-          <a:lstStyle/>
-          <a:p>
-            <a:r>
-              <a:rPr lang="en-US" dirty="0"/>
-              <a:t>Sample Snapshot:</a:t>
-            </a:r>
-          </a:p>
-          <a:p>
-            <a:endParaRPr lang="en-US" dirty="0"/>
-          </a:p>
-          <a:p>
-            <a:endParaRPr lang="en-US" dirty="0"/>
-          </a:p>
-          <a:p>
-            <a:endParaRPr lang="en-US" dirty="0"/>
-          </a:p>
-          <a:p>
-            <a:endParaRPr lang="en-US" dirty="0"/>
-          </a:p>
-          <a:p>
-            <a:endParaRPr lang="en-US" dirty="0"/>
-          </a:p>
-          <a:p>
-            <a:r>
-              <a:rPr lang="en-US" dirty="0"/>
-              <a:t>Can see all files present at any of these times!</a:t>
-            </a:r>
-          </a:p>
-        </p:txBody>
-      </p:sp>
-      <p:sp>
-        <p:nvSpPr>
-          <p:cNvPr id="4" name="Date Placeholder 3"/>
-          <p:cNvSpPr>
-            <a:spLocks noGrp="1"/>
-          </p:cNvSpPr>
-          <p:nvPr>
-            <p:ph type="dt" sz="half" idx="10"/>
-          </p:nvPr>
-        </p:nvSpPr>
-        <p:spPr/>
-        <p:txBody>
-          <a:bodyPr/>
-          <a:lstStyle/>
-          <a:p>
-            <a:fld id="{0E6AE29B-8C09-43B5-86A8-3F3FC8EBB2F2}" type="datetime4">
-              <a:rPr lang="en-US" smtClean="0"/>
-              <a:t>June 5, 2019</a:t>
-            </a:fld>
-            <a:endParaRPr lang="en-US" dirty="0"/>
-          </a:p>
-        </p:txBody>
-      </p:sp>
-      <p:sp>
-        <p:nvSpPr>
-          <p:cNvPr id="6" name="Slide Number Placeholder 5"/>
-          <p:cNvSpPr>
-            <a:spLocks noGrp="1"/>
-          </p:cNvSpPr>
-          <p:nvPr>
-            <p:ph type="sldNum" sz="quarter" idx="12"/>
-          </p:nvPr>
-        </p:nvSpPr>
-        <p:spPr/>
-        <p:txBody>
-          <a:bodyPr/>
-          <a:lstStyle/>
-          <a:p>
-            <a:fld id="{D57F1E4F-1CFF-5643-939E-02111984F565}" type="slidenum">
-              <a:rPr lang="en-US" smtClean="0"/>
-              <a:t>8</a:t>
-            </a:fld>
-            <a:endParaRPr lang="en-US" dirty="0"/>
-          </a:p>
-        </p:txBody>
-      </p:sp>
       <p:pic>
         <p:nvPicPr>
-          <p:cNvPr id="12" name="Picture 11"/>
+          <p:cNvPr id="6" name="Content Placeholder 5"/>
           <p:cNvPicPr>
-            <a:picLocks noChangeAspect="1"/>
+            <a:picLocks noGrp="1" noChangeAspect="1"/>
           </p:cNvPicPr>
-          <p:nvPr/>
+          <p:nvPr>
+            <p:ph idx="1"/>
+          </p:nvPr>
         </p:nvPicPr>
-        <p:blipFill rotWithShape="1">
+        <p:blipFill>
           <a:blip r:embed="rId2"/>
-          <a:srcRect t="38708"/>
-          <a:stretch/>
+          <a:stretch>
+            <a:fillRect/>
+          </a:stretch>
         </p:blipFill>
         <p:spPr>
           <a:xfrm>
-            <a:off x="1525504" y="2919662"/>
-            <a:ext cx="9429750" cy="1284371"/>
+            <a:off x="993370" y="1807248"/>
+            <a:ext cx="9079657" cy="3559333"/>
           </a:xfrm>
           <a:prstGeom prst="rect">
             <a:avLst/>
@@ -13750,7 +13942,88 @@
       </p:pic>
       <p:sp>
         <p:nvSpPr>
-          <p:cNvPr id="13" name="Footer Placeholder 12"/>
+          <p:cNvPr id="7" name="TextBox 6"/>
+          <p:cNvSpPr txBox="1"/>
+          <p:nvPr/>
+        </p:nvSpPr>
+        <p:spPr>
+          <a:xfrm>
+            <a:off x="3333328" y="5538300"/>
+            <a:ext cx="4399740" cy="646331"/>
+          </a:xfrm>
+          <a:prstGeom prst="rect">
+            <a:avLst/>
+          </a:prstGeom>
+          <a:noFill/>
+        </p:spPr>
+        <p:txBody>
+          <a:bodyPr wrap="square" rtlCol="0">
+            <a:spAutoFit/>
+          </a:bodyPr>
+          <a:lstStyle/>
+          <a:p>
+            <a:pPr algn="ctr"/>
+            <a:r>
+              <a:rPr lang="en-US" dirty="0"/>
+              <a:t>Stores the entire file structure at each snapshot, not a set of </a:t>
+            </a:r>
+            <a:r>
+              <a:rPr lang="en-US" dirty="0" smtClean="0"/>
+              <a:t>changes to one file!</a:t>
+            </a:r>
+            <a:endParaRPr lang="en-US" dirty="0"/>
+          </a:p>
+        </p:txBody>
+      </p:sp>
+      <p:sp>
+        <p:nvSpPr>
+          <p:cNvPr id="9" name="Date Placeholder 8"/>
+          <p:cNvSpPr>
+            <a:spLocks noGrp="1"/>
+          </p:cNvSpPr>
+          <p:nvPr>
+            <p:ph type="dt" sz="half" idx="10"/>
+          </p:nvPr>
+        </p:nvSpPr>
+        <p:spPr/>
+        <p:txBody>
+          <a:bodyPr/>
+          <a:lstStyle/>
+          <a:p>
+            <a:fld id="{028403BE-1A09-4C34-8E7D-EE75D3FBE4FE}" type="datetime4">
+              <a:rPr lang="en-US" smtClean="0"/>
+              <a:t>June 6, 2019</a:t>
+            </a:fld>
+            <a:endParaRPr lang="en-US" dirty="0"/>
+          </a:p>
+        </p:txBody>
+      </p:sp>
+      <p:sp>
+        <p:nvSpPr>
+          <p:cNvPr id="10" name="Slide Number Placeholder 9"/>
+          <p:cNvSpPr>
+            <a:spLocks noGrp="1"/>
+          </p:cNvSpPr>
+          <p:nvPr>
+            <p:ph type="sldNum" sz="quarter" idx="12"/>
+          </p:nvPr>
+        </p:nvSpPr>
+        <p:spPr/>
+        <p:txBody>
+          <a:bodyPr/>
+          <a:lstStyle/>
+          <a:p>
+            <a:fld id="{D57F1E4F-1CFF-5643-939E-02111984F565}" type="slidenum">
+              <a:rPr lang="en-US" smtClean="0"/>
+              <a:t>8</a:t>
+            </a:fld>
+            <a:endParaRPr lang="en-US" dirty="0"/>
+          </a:p>
+        </p:txBody>
+      </p:sp>
+      <p:sp>
+        <p:nvSpPr>
+          <p:cNvPr id="2" name="Footer Placeholder 1"/>
           <p:cNvSpPr>
             <a:spLocks noGrp="1"/>
           </p:cNvSpPr>
@@ -13802,7 +14075,7 @@
     </p:spTree>
     <p:extLst>
       <p:ext uri="{BB962C8B-B14F-4D97-AF65-F5344CB8AC3E}">
-        <p14:creationId xmlns:p14="http://schemas.microsoft.com/office/powerpoint/2010/main" val="2406414258"/>
+        <p14:creationId xmlns:p14="http://schemas.microsoft.com/office/powerpoint/2010/main" val="1660928721"/>
       </p:ext>
     </p:extLst>
   </p:cSld>
@@ -13919,7 +14192,7 @@
           <a:p>
             <a:fld id="{4815664E-A18A-488C-8881-DD662D5EA9B7}" type="datetime4">
               <a:rPr lang="en-US" smtClean="0"/>
-              <a:t>June 5, 2019</a:t>
+              <a:t>June 6, 2019</a:t>
             </a:fld>
             <a:endParaRPr lang="en-US" dirty="0"/>
           </a:p>

--- a/github/Introduction to Git & GitHub.pptx
+++ b/github/Introduction to Git & GitHub.pptx
@@ -5,7 +5,7 @@
     <p:sldMasterId id="2147483707" r:id="rId1"/>
   </p:sldMasterIdLst>
   <p:notesMasterIdLst>
-    <p:notesMasterId r:id="rId44"/>
+    <p:notesMasterId r:id="rId46"/>
   </p:notesMasterIdLst>
   <p:sldIdLst>
     <p:sldId id="266" r:id="rId2"/>
@@ -32,24 +32,26 @@
     <p:sldId id="285" r:id="rId23"/>
     <p:sldId id="281" r:id="rId24"/>
     <p:sldId id="286" r:id="rId25"/>
-    <p:sldId id="282" r:id="rId26"/>
-    <p:sldId id="287" r:id="rId27"/>
-    <p:sldId id="283" r:id="rId28"/>
-    <p:sldId id="284" r:id="rId29"/>
-    <p:sldId id="297" r:id="rId30"/>
-    <p:sldId id="288" r:id="rId31"/>
-    <p:sldId id="302" r:id="rId32"/>
-    <p:sldId id="270" r:id="rId33"/>
-    <p:sldId id="292" r:id="rId34"/>
-    <p:sldId id="293" r:id="rId35"/>
-    <p:sldId id="295" r:id="rId36"/>
-    <p:sldId id="294" r:id="rId37"/>
-    <p:sldId id="299" r:id="rId38"/>
-    <p:sldId id="296" r:id="rId39"/>
-    <p:sldId id="300" r:id="rId40"/>
-    <p:sldId id="301" r:id="rId41"/>
-    <p:sldId id="298" r:id="rId42"/>
-    <p:sldId id="271" r:id="rId43"/>
+    <p:sldId id="303" r:id="rId26"/>
+    <p:sldId id="304" r:id="rId27"/>
+    <p:sldId id="282" r:id="rId28"/>
+    <p:sldId id="287" r:id="rId29"/>
+    <p:sldId id="283" r:id="rId30"/>
+    <p:sldId id="284" r:id="rId31"/>
+    <p:sldId id="297" r:id="rId32"/>
+    <p:sldId id="288" r:id="rId33"/>
+    <p:sldId id="302" r:id="rId34"/>
+    <p:sldId id="270" r:id="rId35"/>
+    <p:sldId id="292" r:id="rId36"/>
+    <p:sldId id="293" r:id="rId37"/>
+    <p:sldId id="295" r:id="rId38"/>
+    <p:sldId id="294" r:id="rId39"/>
+    <p:sldId id="299" r:id="rId40"/>
+    <p:sldId id="296" r:id="rId41"/>
+    <p:sldId id="300" r:id="rId42"/>
+    <p:sldId id="301" r:id="rId43"/>
+    <p:sldId id="298" r:id="rId44"/>
+    <p:sldId id="271" r:id="rId45"/>
   </p:sldIdLst>
   <p:sldSz cx="12192000" cy="6858000"/>
   <p:notesSz cx="6858000" cy="9144000"/>
@@ -238,7 +240,7 @@
           <a:p>
             <a:fld id="{D46E3B93-8523-4DBC-8FC5-65A9B9CDE5EE}" type="datetimeFigureOut">
               <a:rPr lang="en-US" smtClean="0"/>
-              <a:t>6/6/2019</a:t>
+              <a:t>6/12/2019</a:t>
             </a:fld>
             <a:endParaRPr lang="en-US"/>
           </a:p>
@@ -634,7 +636,7 @@
           <a:p>
             <a:fld id="{64A2D28A-44D6-4F71-B77F-AC810983F0F9}" type="datetime4">
               <a:rPr lang="en-US" smtClean="0"/>
-              <a:t>June 6, 2019</a:t>
+              <a:t>June 12, 2019</a:t>
             </a:fld>
             <a:endParaRPr lang="en-US" dirty="0"/>
           </a:p>
@@ -806,7 +808,7 @@
           <a:p>
             <a:fld id="{F74480E6-35C7-40E9-B6C1-E57DFD4DF83C}" type="datetime4">
               <a:rPr lang="en-US" smtClean="0"/>
-              <a:t>June 6, 2019</a:t>
+              <a:t>June 12, 2019</a:t>
             </a:fld>
             <a:endParaRPr lang="en-US" dirty="0"/>
           </a:p>
@@ -988,7 +990,7 @@
           <a:p>
             <a:fld id="{1A5552F4-4FE4-4E0E-936F-9158426B99E2}" type="datetime4">
               <a:rPr lang="en-US" smtClean="0"/>
-              <a:t>June 6, 2019</a:t>
+              <a:t>June 12, 2019</a:t>
             </a:fld>
             <a:endParaRPr lang="en-US" dirty="0"/>
           </a:p>
@@ -1171,7 +1173,7 @@
           <a:p>
             <a:fld id="{74F93749-3CD2-4A95-98ED-FE9E109683BE}" type="datetime4">
               <a:rPr lang="en-US" smtClean="0"/>
-              <a:t>June 6, 2019</a:t>
+              <a:t>June 12, 2019</a:t>
             </a:fld>
             <a:endParaRPr lang="en-US" dirty="0"/>
           </a:p>
@@ -1487,7 +1489,7 @@
           <a:p>
             <a:fld id="{930E186A-0FBF-4DA6-A71A-C325C944F843}" type="datetime4">
               <a:rPr lang="en-US" smtClean="0"/>
-              <a:t>June 6, 2019</a:t>
+              <a:t>June 12, 2019</a:t>
             </a:fld>
             <a:endParaRPr lang="en-US" dirty="0"/>
           </a:p>
@@ -1782,7 +1784,7 @@
           <a:p>
             <a:fld id="{3289D242-BAA3-4044-BDEF-2597A5A654EF}" type="datetime4">
               <a:rPr lang="en-US" smtClean="0"/>
-              <a:t>June 6, 2019</a:t>
+              <a:t>June 12, 2019</a:t>
             </a:fld>
             <a:endParaRPr lang="en-US" dirty="0"/>
           </a:p>
@@ -2150,7 +2152,7 @@
           <a:p>
             <a:fld id="{F2F0CD59-A5AD-4382-8C3D-D984415916E6}" type="datetime4">
               <a:rPr lang="en-US" smtClean="0"/>
-              <a:t>June 6, 2019</a:t>
+              <a:t>June 12, 2019</a:t>
             </a:fld>
             <a:endParaRPr lang="en-US" dirty="0"/>
           </a:p>
@@ -2271,7 +2273,7 @@
           <a:p>
             <a:fld id="{7CF69FE5-613D-4C74-96D7-27911459A362}" type="datetime4">
               <a:rPr lang="en-US" smtClean="0"/>
-              <a:t>June 6, 2019</a:t>
+              <a:t>June 12, 2019</a:t>
             </a:fld>
             <a:endParaRPr lang="en-US" dirty="0"/>
           </a:p>
@@ -2370,7 +2372,7 @@
           <a:p>
             <a:fld id="{A7A4566C-9F1F-4845-8842-8A0339049AF6}" type="datetime4">
               <a:rPr lang="en-US" smtClean="0"/>
-              <a:t>June 6, 2019</a:t>
+              <a:t>June 12, 2019</a:t>
             </a:fld>
             <a:endParaRPr lang="en-US" dirty="0"/>
           </a:p>
@@ -2649,7 +2651,7 @@
           <a:p>
             <a:fld id="{2E0CFB47-241B-48D4-BB7E-CF21A52B27C6}" type="datetime4">
               <a:rPr lang="en-US" smtClean="0"/>
-              <a:t>June 6, 2019</a:t>
+              <a:t>June 12, 2019</a:t>
             </a:fld>
             <a:endParaRPr lang="en-US" dirty="0"/>
           </a:p>
@@ -2908,7 +2910,7 @@
           <a:p>
             <a:fld id="{10045882-F850-4580-92A6-05497B2E8977}" type="datetime4">
               <a:rPr lang="en-US" smtClean="0"/>
-              <a:t>June 6, 2019</a:t>
+              <a:t>June 12, 2019</a:t>
             </a:fld>
             <a:endParaRPr lang="en-US" dirty="0"/>
           </a:p>
@@ -3126,7 +3128,7 @@
           <a:p>
             <a:fld id="{9EABF51D-0C08-4C4F-8D1C-BAC468AC6D9B}" type="datetime4">
               <a:rPr lang="en-US" smtClean="0"/>
-              <a:t>June 6, 2019</a:t>
+              <a:t>June 12, 2019</a:t>
             </a:fld>
             <a:endParaRPr lang="en-US" dirty="0"/>
           </a:p>
@@ -4030,7 +4032,7 @@
           <a:p>
             <a:fld id="{EBB345CB-8700-4516-A08B-C5962626710A}" type="datetime4">
               <a:rPr lang="en-US" smtClean="0"/>
-              <a:t>June 6, 2019</a:t>
+              <a:t>June 12, 2019</a:t>
             </a:fld>
             <a:endParaRPr lang="en-US" dirty="0"/>
           </a:p>
@@ -4181,7 +4183,7 @@
           <a:p>
             <a:fld id="{429314C5-54C3-45D4-BD43-1E6786BE277B}" type="datetime4">
               <a:rPr lang="en-US" smtClean="0"/>
-              <a:t>June 6, 2019</a:t>
+              <a:t>June 12, 2019</a:t>
             </a:fld>
             <a:endParaRPr lang="en-US" dirty="0"/>
           </a:p>
@@ -4389,7 +4391,7 @@
           <a:p>
             <a:fld id="{697056D7-45FA-4127-A77C-F084484F25E2}" type="datetime4">
               <a:rPr lang="en-US" smtClean="0"/>
-              <a:t>June 6, 2019</a:t>
+              <a:t>June 12, 2019</a:t>
             </a:fld>
             <a:endParaRPr lang="en-US" dirty="0"/>
           </a:p>
@@ -4607,7 +4609,7 @@
           <a:p>
             <a:fld id="{930E186A-0FBF-4DA6-A71A-C325C944F843}" type="datetime4">
               <a:rPr lang="en-US" smtClean="0"/>
-              <a:t>June 6, 2019</a:t>
+              <a:t>June 12, 2019</a:t>
             </a:fld>
             <a:endParaRPr lang="en-US" dirty="0"/>
           </a:p>
@@ -4866,7 +4868,7 @@
           <a:p>
             <a:fld id="{930E186A-0FBF-4DA6-A71A-C325C944F843}" type="datetime4">
               <a:rPr lang="en-US" smtClean="0"/>
-              <a:t>June 6, 2019</a:t>
+              <a:t>June 12, 2019</a:t>
             </a:fld>
             <a:endParaRPr lang="en-US" dirty="0"/>
           </a:p>
@@ -5095,7 +5097,7 @@
           <a:p>
             <a:fld id="{74F93749-3CD2-4A95-98ED-FE9E109683BE}" type="datetime4">
               <a:rPr lang="en-US" smtClean="0"/>
-              <a:t>June 6, 2019</a:t>
+              <a:t>June 12, 2019</a:t>
             </a:fld>
             <a:endParaRPr lang="en-US" dirty="0"/>
           </a:p>
@@ -5397,7 +5399,7 @@
           <a:p>
             <a:fld id="{74F93749-3CD2-4A95-98ED-FE9E109683BE}" type="datetime4">
               <a:rPr lang="en-US" smtClean="0"/>
-              <a:t>June 6, 2019</a:t>
+              <a:t>June 12, 2019</a:t>
             </a:fld>
             <a:endParaRPr lang="en-US" dirty="0"/>
           </a:p>
@@ -5587,7 +5589,7 @@
           <a:p>
             <a:fld id="{74F93749-3CD2-4A95-98ED-FE9E109683BE}" type="datetime4">
               <a:rPr lang="en-US" smtClean="0"/>
-              <a:t>June 6, 2019</a:t>
+              <a:t>June 12, 2019</a:t>
             </a:fld>
             <a:endParaRPr lang="en-US" dirty="0"/>
           </a:p>
@@ -5858,7 +5860,7 @@
           <a:p>
             <a:fld id="{74F93749-3CD2-4A95-98ED-FE9E109683BE}" type="datetime4">
               <a:rPr lang="en-US" smtClean="0"/>
-              <a:t>June 6, 2019</a:t>
+              <a:t>June 12, 2019</a:t>
             </a:fld>
             <a:endParaRPr lang="en-US" dirty="0"/>
           </a:p>
@@ -6031,7 +6033,7 @@
           <a:p>
             <a:fld id="{BC12CDDA-E02E-4D2B-B8BD-6E893F38A342}" type="datetime4">
               <a:rPr lang="en-US" smtClean="0"/>
-              <a:t>June 6, 2019</a:t>
+              <a:t>June 12, 2019</a:t>
             </a:fld>
             <a:endParaRPr lang="en-US" dirty="0"/>
           </a:p>
@@ -6268,7 +6270,7 @@
           <a:p>
             <a:fld id="{339FAF52-DB73-42B1-86E0-91EB4E09C484}" type="datetime4">
               <a:rPr lang="en-US" smtClean="0"/>
-              <a:t>June 6, 2019</a:t>
+              <a:t>June 12, 2019</a:t>
             </a:fld>
             <a:endParaRPr lang="en-US" dirty="0"/>
           </a:p>
@@ -6447,7 +6449,7 @@
           <a:p>
             <a:fld id="{930E186A-0FBF-4DA6-A71A-C325C944F843}" type="datetime4">
               <a:rPr lang="en-US" smtClean="0"/>
-              <a:t>June 6, 2019</a:t>
+              <a:t>June 12, 2019</a:t>
             </a:fld>
             <a:endParaRPr lang="en-US" dirty="0"/>
           </a:p>
@@ -6695,7 +6697,7 @@
           <a:p>
             <a:fld id="{74F93749-3CD2-4A95-98ED-FE9E109683BE}" type="datetime4">
               <a:rPr lang="en-US" smtClean="0"/>
-              <a:t>June 6, 2019</a:t>
+              <a:t>June 12, 2019</a:t>
             </a:fld>
             <a:endParaRPr lang="en-US" dirty="0"/>
           </a:p>
@@ -6901,7 +6903,7 @@
           <a:p>
             <a:fld id="{74F93749-3CD2-4A95-98ED-FE9E109683BE}" type="datetime4">
               <a:rPr lang="en-US" smtClean="0"/>
-              <a:t>June 6, 2019</a:t>
+              <a:t>June 12, 2019</a:t>
             </a:fld>
             <a:endParaRPr lang="en-US" dirty="0"/>
           </a:p>
@@ -7159,7 +7161,7 @@
           <a:p>
             <a:fld id="{74F93749-3CD2-4A95-98ED-FE9E109683BE}" type="datetime4">
               <a:rPr lang="en-US" smtClean="0"/>
-              <a:t>June 6, 2019</a:t>
+              <a:t>June 12, 2019</a:t>
             </a:fld>
             <a:endParaRPr lang="en-US" dirty="0"/>
           </a:p>
@@ -7353,11 +7355,7 @@
           <a:p>
             <a:r>
               <a:rPr lang="en-US" dirty="0"/>
-              <a:t>Monitor </a:t>
-            </a:r>
-            <a:r>
-              <a:rPr lang="en-US" dirty="0"/>
-              <a:t>c</a:t>
+              <a:t>Monitor c</a:t>
             </a:r>
             <a:r>
               <a:rPr lang="en-US" dirty="0" smtClean="0"/>
@@ -7405,7 +7403,7 @@
           <a:p>
             <a:fld id="{74F93749-3CD2-4A95-98ED-FE9E109683BE}" type="datetime4">
               <a:rPr lang="en-US" smtClean="0"/>
-              <a:t>June 6, 2019</a:t>
+              <a:t>June 12, 2019</a:t>
             </a:fld>
             <a:endParaRPr lang="en-US" dirty="0"/>
           </a:p>
@@ -7611,6 +7609,511 @@
           <a:lstStyle/>
           <a:p>
             <a:r>
+              <a:rPr lang="en-US" dirty="0" smtClean="0"/>
+              <a:t>VIEWING CHANGES: IMAGES</a:t>
+            </a:r>
+            <a:endParaRPr lang="en-US" dirty="0"/>
+          </a:p>
+        </p:txBody>
+      </p:sp>
+      <p:sp>
+        <p:nvSpPr>
+          <p:cNvPr id="3" name="Content Placeholder 2"/>
+          <p:cNvSpPr>
+            <a:spLocks noGrp="1"/>
+          </p:cNvSpPr>
+          <p:nvPr>
+            <p:ph idx="1"/>
+          </p:nvPr>
+        </p:nvSpPr>
+        <p:spPr>
+          <a:xfrm>
+            <a:off x="838200" y="1825625"/>
+            <a:ext cx="4953000" cy="4351338"/>
+          </a:xfrm>
+        </p:spPr>
+        <p:txBody>
+          <a:bodyPr/>
+          <a:lstStyle/>
+          <a:p>
+            <a:r>
+              <a:rPr lang="en-US" dirty="0" smtClean="0"/>
+              <a:t>2-Up: side-by-side</a:t>
+            </a:r>
+          </a:p>
+          <a:p>
+            <a:r>
+              <a:rPr lang="en-US" dirty="0" smtClean="0"/>
+              <a:t>Swipe: left of divider is first image, right is second image</a:t>
+            </a:r>
+          </a:p>
+          <a:p>
+            <a:r>
+              <a:rPr lang="en-US" dirty="0" smtClean="0"/>
+              <a:t>Onion Peel: images are overlaid, slider changes transparency setting</a:t>
+            </a:r>
+            <a:endParaRPr lang="en-US" dirty="0"/>
+          </a:p>
+        </p:txBody>
+      </p:sp>
+      <p:sp>
+        <p:nvSpPr>
+          <p:cNvPr id="4" name="Date Placeholder 3"/>
+          <p:cNvSpPr>
+            <a:spLocks noGrp="1"/>
+          </p:cNvSpPr>
+          <p:nvPr>
+            <p:ph type="dt" sz="half" idx="10"/>
+          </p:nvPr>
+        </p:nvSpPr>
+        <p:spPr/>
+        <p:txBody>
+          <a:bodyPr/>
+          <a:lstStyle/>
+          <a:p>
+            <a:fld id="{74F93749-3CD2-4A95-98ED-FE9E109683BE}" type="datetime4">
+              <a:rPr lang="en-US" smtClean="0"/>
+              <a:t>June 12, 2019</a:t>
+            </a:fld>
+            <a:endParaRPr lang="en-US" dirty="0"/>
+          </a:p>
+        </p:txBody>
+      </p:sp>
+      <p:sp>
+        <p:nvSpPr>
+          <p:cNvPr id="5" name="Footer Placeholder 4"/>
+          <p:cNvSpPr>
+            <a:spLocks noGrp="1"/>
+          </p:cNvSpPr>
+          <p:nvPr>
+            <p:ph type="ftr" sz="quarter" idx="11"/>
+          </p:nvPr>
+        </p:nvSpPr>
+        <p:spPr/>
+        <p:txBody>
+          <a:bodyPr/>
+          <a:lstStyle/>
+          <a:p>
+            <a:r>
+              <a:rPr lang="en-US" smtClean="0"/>
+              <a:t>Digital Scholarship Services </a:t>
+            </a:r>
+            <a:r>
+              <a:rPr lang="en-US" smtClean="0">
+                <a:solidFill>
+                  <a:schemeClr val="accent1">
+                    <a:lumMod val="50000"/>
+                  </a:schemeClr>
+                </a:solidFill>
+              </a:rPr>
+              <a:t>| Email</a:t>
+            </a:r>
+            <a:r>
+              <a:rPr lang="en-US" smtClean="0"/>
+              <a:t> cf24@rice.edu </a:t>
+            </a:r>
+            <a:r>
+              <a:rPr lang="en-US" smtClean="0">
+                <a:solidFill>
+                  <a:schemeClr val="accent1">
+                    <a:lumMod val="50000"/>
+                  </a:schemeClr>
+                </a:solidFill>
+              </a:rPr>
+              <a:t>|</a:t>
+            </a:r>
+            <a:r>
+              <a:rPr lang="en-US" smtClean="0"/>
+              <a:t> library.rice.edu/dss</a:t>
+            </a:r>
+            <a:endParaRPr lang="en-US" dirty="0"/>
+          </a:p>
+        </p:txBody>
+      </p:sp>
+      <p:sp>
+        <p:nvSpPr>
+          <p:cNvPr id="6" name="Slide Number Placeholder 5"/>
+          <p:cNvSpPr>
+            <a:spLocks noGrp="1"/>
+          </p:cNvSpPr>
+          <p:nvPr>
+            <p:ph type="sldNum" sz="quarter" idx="12"/>
+          </p:nvPr>
+        </p:nvSpPr>
+        <p:spPr/>
+        <p:txBody>
+          <a:bodyPr/>
+          <a:lstStyle/>
+          <a:p>
+            <a:fld id="{D57F1E4F-1CFF-5643-939E-02111984F565}" type="slidenum">
+              <a:rPr lang="en-US" smtClean="0"/>
+              <a:t>25</a:t>
+            </a:fld>
+            <a:endParaRPr lang="en-US" dirty="0"/>
+          </a:p>
+        </p:txBody>
+      </p:sp>
+      <p:pic>
+        <p:nvPicPr>
+          <p:cNvPr id="7" name="Picture 6"/>
+          <p:cNvPicPr>
+            <a:picLocks noChangeAspect="1"/>
+          </p:cNvPicPr>
+          <p:nvPr/>
+        </p:nvPicPr>
+        <p:blipFill>
+          <a:blip r:embed="rId2"/>
+          <a:stretch>
+            <a:fillRect/>
+          </a:stretch>
+        </p:blipFill>
+        <p:spPr>
+          <a:xfrm>
+            <a:off x="5639752" y="1967690"/>
+            <a:ext cx="6124575" cy="4067207"/>
+          </a:xfrm>
+          <a:prstGeom prst="rect">
+            <a:avLst/>
+          </a:prstGeom>
+        </p:spPr>
+      </p:pic>
+    </p:spTree>
+    <p:extLst>
+      <p:ext uri="{BB962C8B-B14F-4D97-AF65-F5344CB8AC3E}">
+        <p14:creationId xmlns:p14="http://schemas.microsoft.com/office/powerpoint/2010/main" val="2592335789"/>
+      </p:ext>
+    </p:extLst>
+  </p:cSld>
+  <p:clrMapOvr>
+    <a:masterClrMapping/>
+  </p:clrMapOvr>
+</p:sld>
+</file>
+
+<file path=ppt/slides/slide26.xml><?xml version="1.0" encoding="utf-8"?>
+<p:sld xmlns:a="http://schemas.openxmlformats.org/drawingml/2006/main" xmlns:r="http://schemas.openxmlformats.org/officeDocument/2006/relationships" xmlns:p="http://schemas.openxmlformats.org/presentationml/2006/main">
+  <p:cSld>
+    <p:spTree>
+      <p:nvGrpSpPr>
+        <p:cNvPr id="1" name=""/>
+        <p:cNvGrpSpPr/>
+        <p:nvPr/>
+      </p:nvGrpSpPr>
+      <p:grpSpPr>
+        <a:xfrm>
+          <a:off x="0" y="0"/>
+          <a:ext cx="0" cy="0"/>
+          <a:chOff x="0" y="0"/>
+          <a:chExt cx="0" cy="0"/>
+        </a:xfrm>
+      </p:grpSpPr>
+      <p:sp>
+        <p:nvSpPr>
+          <p:cNvPr id="2" name="Title 1"/>
+          <p:cNvSpPr>
+            <a:spLocks noGrp="1"/>
+          </p:cNvSpPr>
+          <p:nvPr>
+            <p:ph type="title"/>
+          </p:nvPr>
+        </p:nvSpPr>
+        <p:spPr/>
+        <p:txBody>
+          <a:bodyPr/>
+          <a:lstStyle/>
+          <a:p>
+            <a:r>
+              <a:rPr lang="en-US" dirty="0" smtClean="0"/>
+              <a:t>VIEWING CHANGES: DOCUMENTS</a:t>
+            </a:r>
+            <a:endParaRPr lang="en-US" dirty="0"/>
+          </a:p>
+        </p:txBody>
+      </p:sp>
+      <p:sp>
+        <p:nvSpPr>
+          <p:cNvPr id="3" name="Content Placeholder 2"/>
+          <p:cNvSpPr>
+            <a:spLocks noGrp="1"/>
+          </p:cNvSpPr>
+          <p:nvPr>
+            <p:ph idx="1"/>
+          </p:nvPr>
+        </p:nvSpPr>
+        <p:spPr/>
+        <p:txBody>
+          <a:bodyPr/>
+          <a:lstStyle/>
+          <a:p>
+            <a:r>
+              <a:rPr lang="en-US" dirty="0" smtClean="0"/>
+              <a:t>Prose Diff: see word-by-word changes in formatting</a:t>
+            </a:r>
+            <a:endParaRPr lang="en-US" dirty="0"/>
+          </a:p>
+        </p:txBody>
+      </p:sp>
+      <p:sp>
+        <p:nvSpPr>
+          <p:cNvPr id="4" name="Date Placeholder 3"/>
+          <p:cNvSpPr>
+            <a:spLocks noGrp="1"/>
+          </p:cNvSpPr>
+          <p:nvPr>
+            <p:ph type="dt" sz="half" idx="10"/>
+          </p:nvPr>
+        </p:nvSpPr>
+        <p:spPr/>
+        <p:txBody>
+          <a:bodyPr/>
+          <a:lstStyle/>
+          <a:p>
+            <a:fld id="{74F93749-3CD2-4A95-98ED-FE9E109683BE}" type="datetime4">
+              <a:rPr lang="en-US" smtClean="0"/>
+              <a:t>June 12, 2019</a:t>
+            </a:fld>
+            <a:endParaRPr lang="en-US" dirty="0"/>
+          </a:p>
+        </p:txBody>
+      </p:sp>
+      <p:sp>
+        <p:nvSpPr>
+          <p:cNvPr id="5" name="Footer Placeholder 4"/>
+          <p:cNvSpPr>
+            <a:spLocks noGrp="1"/>
+          </p:cNvSpPr>
+          <p:nvPr>
+            <p:ph type="ftr" sz="quarter" idx="11"/>
+          </p:nvPr>
+        </p:nvSpPr>
+        <p:spPr/>
+        <p:txBody>
+          <a:bodyPr/>
+          <a:lstStyle/>
+          <a:p>
+            <a:r>
+              <a:rPr lang="en-US" smtClean="0"/>
+              <a:t>Digital Scholarship Services </a:t>
+            </a:r>
+            <a:r>
+              <a:rPr lang="en-US" smtClean="0">
+                <a:solidFill>
+                  <a:schemeClr val="accent1">
+                    <a:lumMod val="50000"/>
+                  </a:schemeClr>
+                </a:solidFill>
+              </a:rPr>
+              <a:t>| Email</a:t>
+            </a:r>
+            <a:r>
+              <a:rPr lang="en-US" smtClean="0"/>
+              <a:t> cf24@rice.edu </a:t>
+            </a:r>
+            <a:r>
+              <a:rPr lang="en-US" smtClean="0">
+                <a:solidFill>
+                  <a:schemeClr val="accent1">
+                    <a:lumMod val="50000"/>
+                  </a:schemeClr>
+                </a:solidFill>
+              </a:rPr>
+              <a:t>|</a:t>
+            </a:r>
+            <a:r>
+              <a:rPr lang="en-US" smtClean="0"/>
+              <a:t> library.rice.edu/dss</a:t>
+            </a:r>
+            <a:endParaRPr lang="en-US" dirty="0"/>
+          </a:p>
+        </p:txBody>
+      </p:sp>
+      <p:sp>
+        <p:nvSpPr>
+          <p:cNvPr id="6" name="Slide Number Placeholder 5"/>
+          <p:cNvSpPr>
+            <a:spLocks noGrp="1"/>
+          </p:cNvSpPr>
+          <p:nvPr>
+            <p:ph type="sldNum" sz="quarter" idx="12"/>
+          </p:nvPr>
+        </p:nvSpPr>
+        <p:spPr/>
+        <p:txBody>
+          <a:bodyPr/>
+          <a:lstStyle/>
+          <a:p>
+            <a:fld id="{D57F1E4F-1CFF-5643-939E-02111984F565}" type="slidenum">
+              <a:rPr lang="en-US" smtClean="0"/>
+              <a:t>26</a:t>
+            </a:fld>
+            <a:endParaRPr lang="en-US" dirty="0"/>
+          </a:p>
+        </p:txBody>
+      </p:sp>
+      <p:pic>
+        <p:nvPicPr>
+          <p:cNvPr id="7" name="Picture 6"/>
+          <p:cNvPicPr>
+            <a:picLocks noChangeAspect="1"/>
+          </p:cNvPicPr>
+          <p:nvPr/>
+        </p:nvPicPr>
+        <p:blipFill>
+          <a:blip r:embed="rId2"/>
+          <a:stretch>
+            <a:fillRect/>
+          </a:stretch>
+        </p:blipFill>
+        <p:spPr>
+          <a:xfrm>
+            <a:off x="7077075" y="2396331"/>
+            <a:ext cx="4276725" cy="3209925"/>
+          </a:xfrm>
+          <a:prstGeom prst="rect">
+            <a:avLst/>
+          </a:prstGeom>
+        </p:spPr>
+      </p:pic>
+      <p:pic>
+        <p:nvPicPr>
+          <p:cNvPr id="8" name="Picture 7"/>
+          <p:cNvPicPr>
+            <a:picLocks noChangeAspect="1"/>
+          </p:cNvPicPr>
+          <p:nvPr/>
+        </p:nvPicPr>
+        <p:blipFill>
+          <a:blip r:embed="rId3"/>
+          <a:stretch>
+            <a:fillRect/>
+          </a:stretch>
+        </p:blipFill>
+        <p:spPr>
+          <a:xfrm>
+            <a:off x="1540192" y="2396331"/>
+            <a:ext cx="3457575" cy="1304925"/>
+          </a:xfrm>
+          <a:prstGeom prst="rect">
+            <a:avLst/>
+          </a:prstGeom>
+        </p:spPr>
+      </p:pic>
+      <p:pic>
+        <p:nvPicPr>
+          <p:cNvPr id="9" name="Picture 8"/>
+          <p:cNvPicPr>
+            <a:picLocks noChangeAspect="1"/>
+          </p:cNvPicPr>
+          <p:nvPr/>
+        </p:nvPicPr>
+        <p:blipFill>
+          <a:blip r:embed="rId4"/>
+          <a:stretch>
+            <a:fillRect/>
+          </a:stretch>
+        </p:blipFill>
+        <p:spPr>
+          <a:xfrm>
+            <a:off x="1540191" y="3880643"/>
+            <a:ext cx="3457575" cy="1864760"/>
+          </a:xfrm>
+          <a:prstGeom prst="rect">
+            <a:avLst/>
+          </a:prstGeom>
+        </p:spPr>
+      </p:pic>
+      <p:sp>
+        <p:nvSpPr>
+          <p:cNvPr id="10" name="Right Arrow 9"/>
+          <p:cNvSpPr/>
+          <p:nvPr/>
+        </p:nvSpPr>
+        <p:spPr>
+          <a:xfrm>
+            <a:off x="5318760" y="3406933"/>
+            <a:ext cx="1554480" cy="1188720"/>
+          </a:xfrm>
+          <a:prstGeom prst="rightArrow">
+            <a:avLst/>
+          </a:prstGeom>
+          <a:noFill/>
+          <a:ln w="28575">
+            <a:solidFill>
+              <a:schemeClr val="tx1"/>
+            </a:solidFill>
+          </a:ln>
+        </p:spPr>
+        <p:style>
+          <a:lnRef idx="2">
+            <a:schemeClr val="accent1">
+              <a:shade val="50000"/>
+            </a:schemeClr>
+          </a:lnRef>
+          <a:fillRef idx="1">
+            <a:schemeClr val="accent1"/>
+          </a:fillRef>
+          <a:effectRef idx="0">
+            <a:schemeClr val="accent1"/>
+          </a:effectRef>
+          <a:fontRef idx="minor">
+            <a:schemeClr val="lt1"/>
+          </a:fontRef>
+        </p:style>
+        <p:txBody>
+          <a:bodyPr rtlCol="0" anchor="ctr"/>
+          <a:lstStyle/>
+          <a:p>
+            <a:pPr algn="ctr"/>
+            <a:endParaRPr lang="en-US"/>
+          </a:p>
+        </p:txBody>
+      </p:sp>
+    </p:spTree>
+    <p:extLst>
+      <p:ext uri="{BB962C8B-B14F-4D97-AF65-F5344CB8AC3E}">
+        <p14:creationId xmlns:p14="http://schemas.microsoft.com/office/powerpoint/2010/main" val="2113835148"/>
+      </p:ext>
+    </p:extLst>
+  </p:cSld>
+  <p:clrMapOvr>
+    <a:masterClrMapping/>
+  </p:clrMapOvr>
+</p:sld>
+</file>
+
+<file path=ppt/slides/slide27.xml><?xml version="1.0" encoding="utf-8"?>
+<p:sld xmlns:a="http://schemas.openxmlformats.org/drawingml/2006/main" xmlns:r="http://schemas.openxmlformats.org/officeDocument/2006/relationships" xmlns:p="http://schemas.openxmlformats.org/presentationml/2006/main">
+  <p:cSld>
+    <p:spTree>
+      <p:nvGrpSpPr>
+        <p:cNvPr id="1" name=""/>
+        <p:cNvGrpSpPr/>
+        <p:nvPr/>
+      </p:nvGrpSpPr>
+      <p:grpSpPr>
+        <a:xfrm>
+          <a:off x="0" y="0"/>
+          <a:ext cx="0" cy="0"/>
+          <a:chOff x="0" y="0"/>
+          <a:chExt cx="0" cy="0"/>
+        </a:xfrm>
+      </p:grpSpPr>
+      <p:sp>
+        <p:nvSpPr>
+          <p:cNvPr id="2" name="Title 1"/>
+          <p:cNvSpPr>
+            <a:spLocks noGrp="1"/>
+          </p:cNvSpPr>
+          <p:nvPr>
+            <p:ph type="title"/>
+          </p:nvPr>
+        </p:nvSpPr>
+        <p:spPr/>
+        <p:txBody>
+          <a:bodyPr/>
+          <a:lstStyle/>
+          <a:p>
+            <a:r>
               <a:rPr lang="en-US" dirty="0"/>
               <a:t>TELLING GIT ABOUT OUR CHANGES</a:t>
             </a:r>
@@ -7705,7 +8208,7 @@
           <a:p>
             <a:fld id="{74F93749-3CD2-4A95-98ED-FE9E109683BE}" type="datetime4">
               <a:rPr lang="en-US" smtClean="0"/>
-              <a:t>June 6, 2019</a:t>
+              <a:t>June 12, 2019</a:t>
             </a:fld>
             <a:endParaRPr lang="en-US" dirty="0"/>
           </a:p>
@@ -7779,7 +8282,7 @@
           <a:p>
             <a:fld id="{D57F1E4F-1CFF-5643-939E-02111984F565}" type="slidenum">
               <a:rPr lang="en-US" smtClean="0"/>
-              <a:t>25</a:t>
+              <a:t>27</a:t>
             </a:fld>
             <a:endParaRPr lang="en-US" dirty="0"/>
           </a:p>
@@ -7822,7 +8325,7 @@
 </p:sld>
 </file>
 
-<file path=ppt/slides/slide26.xml><?xml version="1.0" encoding="utf-8"?>
+<file path=ppt/slides/slide28.xml><?xml version="1.0" encoding="utf-8"?>
 <p:sld xmlns:a="http://schemas.openxmlformats.org/drawingml/2006/main" xmlns:r="http://schemas.openxmlformats.org/officeDocument/2006/relationships" xmlns:p="http://schemas.openxmlformats.org/presentationml/2006/main">
   <p:cSld>
     <p:spTree>
@@ -7947,7 +8450,7 @@
           <a:p>
             <a:fld id="{74F93749-3CD2-4A95-98ED-FE9E109683BE}" type="datetime4">
               <a:rPr lang="en-US" smtClean="0"/>
-              <a:t>June 6, 2019</a:t>
+              <a:t>June 12, 2019</a:t>
             </a:fld>
             <a:endParaRPr lang="en-US" dirty="0"/>
           </a:p>
@@ -8021,7 +8524,7 @@
           <a:p>
             <a:fld id="{D57F1E4F-1CFF-5643-939E-02111984F565}" type="slidenum">
               <a:rPr lang="en-US" smtClean="0"/>
-              <a:t>26</a:t>
+              <a:t>28</a:t>
             </a:fld>
             <a:endParaRPr lang="en-US" dirty="0"/>
           </a:p>
@@ -8081,7 +8584,7 @@
 </p:sld>
 </file>
 
-<file path=ppt/slides/slide27.xml><?xml version="1.0" encoding="utf-8"?>
+<file path=ppt/slides/slide29.xml><?xml version="1.0" encoding="utf-8"?>
 <p:sld xmlns:a="http://schemas.openxmlformats.org/drawingml/2006/main" xmlns:r="http://schemas.openxmlformats.org/officeDocument/2006/relationships" xmlns:p="http://schemas.openxmlformats.org/presentationml/2006/main">
   <p:cSld>
     <p:spTree>
@@ -8220,7 +8723,7 @@
           <a:p>
             <a:fld id="{74F93749-3CD2-4A95-98ED-FE9E109683BE}" type="datetime4">
               <a:rPr lang="en-US" smtClean="0"/>
-              <a:t>June 6, 2019</a:t>
+              <a:t>June 12, 2019</a:t>
             </a:fld>
             <a:endParaRPr lang="en-US" dirty="0"/>
           </a:p>
@@ -8294,7 +8797,7 @@
           <a:p>
             <a:fld id="{D57F1E4F-1CFF-5643-939E-02111984F565}" type="slidenum">
               <a:rPr lang="en-US" smtClean="0"/>
-              <a:t>27</a:t>
+              <a:t>29</a:t>
             </a:fld>
             <a:endParaRPr lang="en-US" dirty="0"/>
           </a:p>
@@ -8337,410 +8840,6 @@
 </p:sld>
 </file>
 
-<file path=ppt/slides/slide28.xml><?xml version="1.0" encoding="utf-8"?>
-<p:sld xmlns:a="http://schemas.openxmlformats.org/drawingml/2006/main" xmlns:r="http://schemas.openxmlformats.org/officeDocument/2006/relationships" xmlns:p="http://schemas.openxmlformats.org/presentationml/2006/main">
-  <p:cSld>
-    <p:spTree>
-      <p:nvGrpSpPr>
-        <p:cNvPr id="1" name=""/>
-        <p:cNvGrpSpPr/>
-        <p:nvPr/>
-      </p:nvGrpSpPr>
-      <p:grpSpPr>
-        <a:xfrm>
-          <a:off x="0" y="0"/>
-          <a:ext cx="0" cy="0"/>
-          <a:chOff x="0" y="0"/>
-          <a:chExt cx="0" cy="0"/>
-        </a:xfrm>
-      </p:grpSpPr>
-      <p:sp>
-        <p:nvSpPr>
-          <p:cNvPr id="2" name="Title 1"/>
-          <p:cNvSpPr>
-            <a:spLocks noGrp="1"/>
-          </p:cNvSpPr>
-          <p:nvPr>
-            <p:ph type="title"/>
-          </p:nvPr>
-        </p:nvSpPr>
-        <p:spPr/>
-        <p:txBody>
-          <a:bodyPr/>
-          <a:lstStyle/>
-          <a:p>
-            <a:r>
-              <a:rPr lang="en-US" dirty="0"/>
-              <a:t>UPLOADING OUR CHANGES</a:t>
-            </a:r>
-          </a:p>
-        </p:txBody>
-      </p:sp>
-      <p:sp>
-        <p:nvSpPr>
-          <p:cNvPr id="3" name="Content Placeholder 2"/>
-          <p:cNvSpPr>
-            <a:spLocks noGrp="1"/>
-          </p:cNvSpPr>
-          <p:nvPr>
-            <p:ph idx="1"/>
-          </p:nvPr>
-        </p:nvSpPr>
-        <p:spPr>
-          <a:xfrm>
-            <a:off x="838200" y="1825625"/>
-            <a:ext cx="5063138" cy="4351338"/>
-          </a:xfrm>
-        </p:spPr>
-        <p:txBody>
-          <a:bodyPr/>
-          <a:lstStyle/>
-          <a:p>
-            <a:r>
-              <a:rPr lang="en-US" dirty="0"/>
-              <a:t>Once we have a commit, we can send it to GitHub</a:t>
-            </a:r>
-          </a:p>
-          <a:p>
-            <a:r>
-              <a:rPr lang="en-US" dirty="0"/>
-              <a:t>This is called a </a:t>
-            </a:r>
-            <a:r>
-              <a:rPr lang="en-US" b="1" dirty="0"/>
-              <a:t>push</a:t>
-            </a:r>
-          </a:p>
-          <a:p>
-            <a:r>
-              <a:rPr lang="en-US" dirty="0"/>
-              <a:t>Note: Changes are not sent to the server by default!</a:t>
-            </a:r>
-          </a:p>
-        </p:txBody>
-      </p:sp>
-      <p:sp>
-        <p:nvSpPr>
-          <p:cNvPr id="4" name="Date Placeholder 3"/>
-          <p:cNvSpPr>
-            <a:spLocks noGrp="1"/>
-          </p:cNvSpPr>
-          <p:nvPr>
-            <p:ph type="dt" sz="half" idx="10"/>
-          </p:nvPr>
-        </p:nvSpPr>
-        <p:spPr/>
-        <p:txBody>
-          <a:bodyPr/>
-          <a:lstStyle/>
-          <a:p>
-            <a:fld id="{74F93749-3CD2-4A95-98ED-FE9E109683BE}" type="datetime4">
-              <a:rPr lang="en-US" smtClean="0"/>
-              <a:t>June 6, 2019</a:t>
-            </a:fld>
-            <a:endParaRPr lang="en-US" dirty="0"/>
-          </a:p>
-        </p:txBody>
-      </p:sp>
-      <p:sp>
-        <p:nvSpPr>
-          <p:cNvPr id="5" name="Footer Placeholder 4"/>
-          <p:cNvSpPr>
-            <a:spLocks noGrp="1"/>
-          </p:cNvSpPr>
-          <p:nvPr>
-            <p:ph type="ftr" sz="quarter" idx="11"/>
-          </p:nvPr>
-        </p:nvSpPr>
-        <p:spPr/>
-        <p:txBody>
-          <a:bodyPr/>
-          <a:lstStyle/>
-          <a:p>
-            <a:r>
-              <a:rPr lang="en-US"/>
-              <a:t>Digital Scholarship Services </a:t>
-            </a:r>
-            <a:r>
-              <a:rPr lang="en-US">
-                <a:solidFill>
-                  <a:schemeClr val="accent1">
-                    <a:lumMod val="50000"/>
-                  </a:schemeClr>
-                </a:solidFill>
-              </a:rPr>
-              <a:t>| Email</a:t>
-            </a:r>
-            <a:r>
-              <a:rPr lang="en-US"/>
-              <a:t> cf24@rice.edu </a:t>
-            </a:r>
-            <a:r>
-              <a:rPr lang="en-US">
-                <a:solidFill>
-                  <a:schemeClr val="accent1">
-                    <a:lumMod val="50000"/>
-                  </a:schemeClr>
-                </a:solidFill>
-              </a:rPr>
-              <a:t>|</a:t>
-            </a:r>
-            <a:r>
-              <a:rPr lang="en-US"/>
-              <a:t> library.rice.edu/dss</a:t>
-            </a:r>
-            <a:endParaRPr lang="en-US" dirty="0"/>
-          </a:p>
-        </p:txBody>
-      </p:sp>
-      <p:sp>
-        <p:nvSpPr>
-          <p:cNvPr id="6" name="Slide Number Placeholder 5"/>
-          <p:cNvSpPr>
-            <a:spLocks noGrp="1"/>
-          </p:cNvSpPr>
-          <p:nvPr>
-            <p:ph type="sldNum" sz="quarter" idx="12"/>
-          </p:nvPr>
-        </p:nvSpPr>
-        <p:spPr/>
-        <p:txBody>
-          <a:bodyPr/>
-          <a:lstStyle/>
-          <a:p>
-            <a:fld id="{D57F1E4F-1CFF-5643-939E-02111984F565}" type="slidenum">
-              <a:rPr lang="en-US" smtClean="0"/>
-              <a:t>28</a:t>
-            </a:fld>
-            <a:endParaRPr lang="en-US" dirty="0"/>
-          </a:p>
-        </p:txBody>
-      </p:sp>
-      <p:pic>
-        <p:nvPicPr>
-          <p:cNvPr id="8194" name="Picture 2" descr="push.PNG"/>
-          <p:cNvPicPr>
-            <a:picLocks noChangeAspect="1" noChangeArrowheads="1"/>
-          </p:cNvPicPr>
-          <p:nvPr/>
-        </p:nvPicPr>
-        <p:blipFill>
-          <a:blip r:embed="rId2">
-            <a:extLst>
-              <a:ext uri="{28A0092B-C50C-407E-A947-70E740481C1C}">
-                <a14:useLocalDpi xmlns:a14="http://schemas.microsoft.com/office/drawing/2010/main" val="0"/>
-              </a:ext>
-            </a:extLst>
-          </a:blip>
-          <a:srcRect/>
-          <a:stretch>
-            <a:fillRect/>
-          </a:stretch>
-        </p:blipFill>
-        <p:spPr bwMode="auto">
-          <a:xfrm>
-            <a:off x="6096000" y="1825625"/>
-            <a:ext cx="5618209" cy="4111022"/>
-          </a:xfrm>
-          <a:prstGeom prst="rect">
-            <a:avLst/>
-          </a:prstGeom>
-          <a:noFill/>
-          <a:extLst>
-            <a:ext uri="{909E8E84-426E-40DD-AFC4-6F175D3DCCD1}">
-              <a14:hiddenFill xmlns:a14="http://schemas.microsoft.com/office/drawing/2010/main">
-                <a:solidFill>
-                  <a:srgbClr val="FFFFFF"/>
-                </a:solidFill>
-              </a14:hiddenFill>
-            </a:ext>
-          </a:extLst>
-        </p:spPr>
-      </p:pic>
-    </p:spTree>
-    <p:extLst>
-      <p:ext uri="{BB962C8B-B14F-4D97-AF65-F5344CB8AC3E}">
-        <p14:creationId xmlns:p14="http://schemas.microsoft.com/office/powerpoint/2010/main" val="366690583"/>
-      </p:ext>
-    </p:extLst>
-  </p:cSld>
-  <p:clrMapOvr>
-    <a:masterClrMapping/>
-  </p:clrMapOvr>
-</p:sld>
-</file>
-
-<file path=ppt/slides/slide29.xml><?xml version="1.0" encoding="utf-8"?>
-<p:sld xmlns:a="http://schemas.openxmlformats.org/drawingml/2006/main" xmlns:r="http://schemas.openxmlformats.org/officeDocument/2006/relationships" xmlns:p="http://schemas.openxmlformats.org/presentationml/2006/main">
-  <p:cSld>
-    <p:spTree>
-      <p:nvGrpSpPr>
-        <p:cNvPr id="1" name=""/>
-        <p:cNvGrpSpPr/>
-        <p:nvPr/>
-      </p:nvGrpSpPr>
-      <p:grpSpPr>
-        <a:xfrm>
-          <a:off x="0" y="0"/>
-          <a:ext cx="0" cy="0"/>
-          <a:chOff x="0" y="0"/>
-          <a:chExt cx="0" cy="0"/>
-        </a:xfrm>
-      </p:grpSpPr>
-      <p:sp>
-        <p:nvSpPr>
-          <p:cNvPr id="2" name="Title 1"/>
-          <p:cNvSpPr>
-            <a:spLocks noGrp="1"/>
-          </p:cNvSpPr>
-          <p:nvPr>
-            <p:ph type="title"/>
-          </p:nvPr>
-        </p:nvSpPr>
-        <p:spPr/>
-        <p:txBody>
-          <a:bodyPr/>
-          <a:lstStyle/>
-          <a:p>
-            <a:r>
-              <a:rPr lang="en-US" dirty="0"/>
-              <a:t>UPLOADING OUR CHANGES</a:t>
-            </a:r>
-          </a:p>
-        </p:txBody>
-      </p:sp>
-      <p:sp>
-        <p:nvSpPr>
-          <p:cNvPr id="3" name="Content Placeholder 2"/>
-          <p:cNvSpPr>
-            <a:spLocks noGrp="1"/>
-          </p:cNvSpPr>
-          <p:nvPr>
-            <p:ph idx="1"/>
-          </p:nvPr>
-        </p:nvSpPr>
-        <p:spPr/>
-        <p:txBody>
-          <a:bodyPr/>
-          <a:lstStyle/>
-          <a:p>
-            <a:r>
-              <a:rPr lang="en-US" dirty="0"/>
-              <a:t>From the repository cloned earlier, upload a file with any message you like!</a:t>
-            </a:r>
-          </a:p>
-        </p:txBody>
-      </p:sp>
-      <p:sp>
-        <p:nvSpPr>
-          <p:cNvPr id="4" name="Date Placeholder 3"/>
-          <p:cNvSpPr>
-            <a:spLocks noGrp="1"/>
-          </p:cNvSpPr>
-          <p:nvPr>
-            <p:ph type="dt" sz="half" idx="10"/>
-          </p:nvPr>
-        </p:nvSpPr>
-        <p:spPr/>
-        <p:txBody>
-          <a:bodyPr/>
-          <a:lstStyle/>
-          <a:p>
-            <a:fld id="{74F93749-3CD2-4A95-98ED-FE9E109683BE}" type="datetime4">
-              <a:rPr lang="en-US" smtClean="0"/>
-              <a:t>June 6, 2019</a:t>
-            </a:fld>
-            <a:endParaRPr lang="en-US" dirty="0"/>
-          </a:p>
-        </p:txBody>
-      </p:sp>
-      <p:sp>
-        <p:nvSpPr>
-          <p:cNvPr id="5" name="Footer Placeholder 4"/>
-          <p:cNvSpPr>
-            <a:spLocks noGrp="1"/>
-          </p:cNvSpPr>
-          <p:nvPr>
-            <p:ph type="ftr" sz="quarter" idx="11"/>
-          </p:nvPr>
-        </p:nvSpPr>
-        <p:spPr/>
-        <p:txBody>
-          <a:bodyPr/>
-          <a:lstStyle/>
-          <a:p>
-            <a:r>
-              <a:rPr lang="en-US"/>
-              <a:t>Digital Scholarship Services </a:t>
-            </a:r>
-            <a:r>
-              <a:rPr lang="en-US">
-                <a:solidFill>
-                  <a:schemeClr val="accent1">
-                    <a:lumMod val="50000"/>
-                  </a:schemeClr>
-                </a:solidFill>
-              </a:rPr>
-              <a:t>| Email</a:t>
-            </a:r>
-            <a:r>
-              <a:rPr lang="en-US"/>
-              <a:t> cf24@rice.edu </a:t>
-            </a:r>
-            <a:r>
-              <a:rPr lang="en-US">
-                <a:solidFill>
-                  <a:schemeClr val="accent1">
-                    <a:lumMod val="50000"/>
-                  </a:schemeClr>
-                </a:solidFill>
-              </a:rPr>
-              <a:t>|</a:t>
-            </a:r>
-            <a:r>
-              <a:rPr lang="en-US"/>
-              <a:t> library.rice.edu/dss</a:t>
-            </a:r>
-            <a:endParaRPr lang="en-US" dirty="0"/>
-          </a:p>
-        </p:txBody>
-      </p:sp>
-      <p:sp>
-        <p:nvSpPr>
-          <p:cNvPr id="6" name="Slide Number Placeholder 5"/>
-          <p:cNvSpPr>
-            <a:spLocks noGrp="1"/>
-          </p:cNvSpPr>
-          <p:nvPr>
-            <p:ph type="sldNum" sz="quarter" idx="12"/>
-          </p:nvPr>
-        </p:nvSpPr>
-        <p:spPr/>
-        <p:txBody>
-          <a:bodyPr/>
-          <a:lstStyle/>
-          <a:p>
-            <a:fld id="{D57F1E4F-1CFF-5643-939E-02111984F565}" type="slidenum">
-              <a:rPr lang="en-US" smtClean="0"/>
-              <a:t>29</a:t>
-            </a:fld>
-            <a:endParaRPr lang="en-US" dirty="0"/>
-          </a:p>
-        </p:txBody>
-      </p:sp>
-    </p:spTree>
-    <p:extLst>
-      <p:ext uri="{BB962C8B-B14F-4D97-AF65-F5344CB8AC3E}">
-        <p14:creationId xmlns:p14="http://schemas.microsoft.com/office/powerpoint/2010/main" val="1458772907"/>
-      </p:ext>
-    </p:extLst>
-  </p:cSld>
-  <p:clrMapOvr>
-    <a:masterClrMapping/>
-  </p:clrMapOvr>
-</p:sld>
-</file>
-
 <file path=ppt/slides/slide3.xml><?xml version="1.0" encoding="utf-8"?>
 <p:sld xmlns:a="http://schemas.openxmlformats.org/drawingml/2006/main" xmlns:r="http://schemas.openxmlformats.org/officeDocument/2006/relationships" xmlns:p="http://schemas.openxmlformats.org/presentationml/2006/main">
   <p:cSld>
@@ -8859,7 +8958,7 @@
           <a:p>
             <a:fld id="{49C53E21-08B0-4FDE-BC40-11E60AED3BA0}" type="datetime4">
               <a:rPr lang="en-US" smtClean="0"/>
-              <a:t>June 6, 2019</a:t>
+              <a:t>June 12, 2019</a:t>
             </a:fld>
             <a:endParaRPr lang="en-US" dirty="0"/>
           </a:p>
@@ -9016,7 +9115,7 @@
           <a:p>
             <a:r>
               <a:rPr lang="en-US" dirty="0"/>
-              <a:t>GOING BACK IN TIME</a:t>
+              <a:t>UPLOADING OUR CHANGES</a:t>
             </a:r>
           </a:p>
         </p:txBody>
@@ -9034,7 +9133,7 @@
         <p:spPr>
           <a:xfrm>
             <a:off x="838200" y="1825625"/>
-            <a:ext cx="5262923" cy="4351338"/>
+            <a:ext cx="5063138" cy="4351338"/>
           </a:xfrm>
         </p:spPr>
         <p:txBody>
@@ -9043,49 +9142,24 @@
           <a:p>
             <a:r>
               <a:rPr lang="en-US" dirty="0"/>
-              <a:t>What if we </a:t>
-            </a:r>
-            <a:r>
-              <a:rPr lang="en-US" dirty="0" smtClean="0"/>
-              <a:t>accidentally made </a:t>
-            </a:r>
-            <a:r>
-              <a:rPr lang="en-US" dirty="0"/>
-              <a:t>a change </a:t>
-            </a:r>
-            <a:r>
-              <a:rPr lang="en-US" dirty="0" smtClean="0"/>
-              <a:t>that deleted </a:t>
-            </a:r>
-            <a:r>
-              <a:rPr lang="en-US" dirty="0"/>
-              <a:t>something we really needed?</a:t>
-            </a:r>
-          </a:p>
-          <a:p>
-            <a:r>
-              <a:rPr lang="en-US" dirty="0"/>
-              <a:t>Solution: </a:t>
-            </a:r>
-            <a:r>
-              <a:rPr lang="en-US" dirty="0" smtClean="0"/>
-              <a:t>Revert </a:t>
-            </a:r>
-            <a:r>
-              <a:rPr lang="en-US" dirty="0"/>
-              <a:t>to a previous commit</a:t>
-            </a:r>
-            <a:r>
-              <a:rPr lang="en-US" dirty="0" smtClean="0"/>
-              <a:t>!</a:t>
-            </a:r>
-          </a:p>
-          <a:p>
-            <a:r>
-              <a:rPr lang="en-US" dirty="0" smtClean="0"/>
-              <a:t>Note this doesn’t delete the changes after the revert</a:t>
-            </a:r>
-            <a:endParaRPr lang="en-US" dirty="0"/>
+              <a:t>Once we have a commit, we can send it to GitHub</a:t>
+            </a:r>
+          </a:p>
+          <a:p>
+            <a:r>
+              <a:rPr lang="en-US" dirty="0"/>
+              <a:t>This is called a </a:t>
+            </a:r>
+            <a:r>
+              <a:rPr lang="en-US" b="1" dirty="0"/>
+              <a:t>push</a:t>
+            </a:r>
+          </a:p>
+          <a:p>
+            <a:r>
+              <a:rPr lang="en-US" dirty="0"/>
+              <a:t>Note: Changes are not sent to the server by default!</a:t>
+            </a:r>
           </a:p>
         </p:txBody>
       </p:sp>
@@ -9106,7 +9180,7 @@
           <a:p>
             <a:fld id="{74F93749-3CD2-4A95-98ED-FE9E109683BE}" type="datetime4">
               <a:rPr lang="en-US" smtClean="0"/>
-              <a:t>June 6, 2019</a:t>
+              <a:t>June 12, 2019</a:t>
             </a:fld>
             <a:endParaRPr lang="en-US" dirty="0"/>
           </a:p>
@@ -9181,6 +9255,435 @@
             <a:fld id="{D57F1E4F-1CFF-5643-939E-02111984F565}" type="slidenum">
               <a:rPr lang="en-US" smtClean="0"/>
               <a:t>30</a:t>
+            </a:fld>
+            <a:endParaRPr lang="en-US" dirty="0"/>
+          </a:p>
+        </p:txBody>
+      </p:sp>
+      <p:pic>
+        <p:nvPicPr>
+          <p:cNvPr id="8194" name="Picture 2" descr="push.PNG"/>
+          <p:cNvPicPr>
+            <a:picLocks noChangeAspect="1" noChangeArrowheads="1"/>
+          </p:cNvPicPr>
+          <p:nvPr/>
+        </p:nvPicPr>
+        <p:blipFill>
+          <a:blip r:embed="rId2">
+            <a:extLst>
+              <a:ext uri="{28A0092B-C50C-407E-A947-70E740481C1C}">
+                <a14:useLocalDpi xmlns:a14="http://schemas.microsoft.com/office/drawing/2010/main" val="0"/>
+              </a:ext>
+            </a:extLst>
+          </a:blip>
+          <a:srcRect/>
+          <a:stretch>
+            <a:fillRect/>
+          </a:stretch>
+        </p:blipFill>
+        <p:spPr bwMode="auto">
+          <a:xfrm>
+            <a:off x="6096000" y="1825625"/>
+            <a:ext cx="5618209" cy="4111022"/>
+          </a:xfrm>
+          <a:prstGeom prst="rect">
+            <a:avLst/>
+          </a:prstGeom>
+          <a:noFill/>
+          <a:extLst>
+            <a:ext uri="{909E8E84-426E-40DD-AFC4-6F175D3DCCD1}">
+              <a14:hiddenFill xmlns:a14="http://schemas.microsoft.com/office/drawing/2010/main">
+                <a:solidFill>
+                  <a:srgbClr val="FFFFFF"/>
+                </a:solidFill>
+              </a14:hiddenFill>
+            </a:ext>
+          </a:extLst>
+        </p:spPr>
+      </p:pic>
+    </p:spTree>
+    <p:extLst>
+      <p:ext uri="{BB962C8B-B14F-4D97-AF65-F5344CB8AC3E}">
+        <p14:creationId xmlns:p14="http://schemas.microsoft.com/office/powerpoint/2010/main" val="366690583"/>
+      </p:ext>
+    </p:extLst>
+  </p:cSld>
+  <p:clrMapOvr>
+    <a:masterClrMapping/>
+  </p:clrMapOvr>
+</p:sld>
+</file>
+
+<file path=ppt/slides/slide31.xml><?xml version="1.0" encoding="utf-8"?>
+<p:sld xmlns:a="http://schemas.openxmlformats.org/drawingml/2006/main" xmlns:r="http://schemas.openxmlformats.org/officeDocument/2006/relationships" xmlns:p="http://schemas.openxmlformats.org/presentationml/2006/main">
+  <p:cSld>
+    <p:spTree>
+      <p:nvGrpSpPr>
+        <p:cNvPr id="1" name=""/>
+        <p:cNvGrpSpPr/>
+        <p:nvPr/>
+      </p:nvGrpSpPr>
+      <p:grpSpPr>
+        <a:xfrm>
+          <a:off x="0" y="0"/>
+          <a:ext cx="0" cy="0"/>
+          <a:chOff x="0" y="0"/>
+          <a:chExt cx="0" cy="0"/>
+        </a:xfrm>
+      </p:grpSpPr>
+      <p:sp>
+        <p:nvSpPr>
+          <p:cNvPr id="2" name="Title 1"/>
+          <p:cNvSpPr>
+            <a:spLocks noGrp="1"/>
+          </p:cNvSpPr>
+          <p:nvPr>
+            <p:ph type="title"/>
+          </p:nvPr>
+        </p:nvSpPr>
+        <p:spPr/>
+        <p:txBody>
+          <a:bodyPr/>
+          <a:lstStyle/>
+          <a:p>
+            <a:r>
+              <a:rPr lang="en-US" dirty="0"/>
+              <a:t>UPLOADING OUR CHANGES</a:t>
+            </a:r>
+          </a:p>
+        </p:txBody>
+      </p:sp>
+      <p:sp>
+        <p:nvSpPr>
+          <p:cNvPr id="3" name="Content Placeholder 2"/>
+          <p:cNvSpPr>
+            <a:spLocks noGrp="1"/>
+          </p:cNvSpPr>
+          <p:nvPr>
+            <p:ph idx="1"/>
+          </p:nvPr>
+        </p:nvSpPr>
+        <p:spPr/>
+        <p:txBody>
+          <a:bodyPr/>
+          <a:lstStyle/>
+          <a:p>
+            <a:r>
+              <a:rPr lang="en-US" dirty="0"/>
+              <a:t>From the repository cloned earlier, upload a file with any message you like!</a:t>
+            </a:r>
+          </a:p>
+        </p:txBody>
+      </p:sp>
+      <p:sp>
+        <p:nvSpPr>
+          <p:cNvPr id="4" name="Date Placeholder 3"/>
+          <p:cNvSpPr>
+            <a:spLocks noGrp="1"/>
+          </p:cNvSpPr>
+          <p:nvPr>
+            <p:ph type="dt" sz="half" idx="10"/>
+          </p:nvPr>
+        </p:nvSpPr>
+        <p:spPr/>
+        <p:txBody>
+          <a:bodyPr/>
+          <a:lstStyle/>
+          <a:p>
+            <a:fld id="{74F93749-3CD2-4A95-98ED-FE9E109683BE}" type="datetime4">
+              <a:rPr lang="en-US" smtClean="0"/>
+              <a:t>June 12, 2019</a:t>
+            </a:fld>
+            <a:endParaRPr lang="en-US" dirty="0"/>
+          </a:p>
+        </p:txBody>
+      </p:sp>
+      <p:sp>
+        <p:nvSpPr>
+          <p:cNvPr id="5" name="Footer Placeholder 4"/>
+          <p:cNvSpPr>
+            <a:spLocks noGrp="1"/>
+          </p:cNvSpPr>
+          <p:nvPr>
+            <p:ph type="ftr" sz="quarter" idx="11"/>
+          </p:nvPr>
+        </p:nvSpPr>
+        <p:spPr/>
+        <p:txBody>
+          <a:bodyPr/>
+          <a:lstStyle/>
+          <a:p>
+            <a:r>
+              <a:rPr lang="en-US"/>
+              <a:t>Digital Scholarship Services </a:t>
+            </a:r>
+            <a:r>
+              <a:rPr lang="en-US">
+                <a:solidFill>
+                  <a:schemeClr val="accent1">
+                    <a:lumMod val="50000"/>
+                  </a:schemeClr>
+                </a:solidFill>
+              </a:rPr>
+              <a:t>| Email</a:t>
+            </a:r>
+            <a:r>
+              <a:rPr lang="en-US"/>
+              <a:t> cf24@rice.edu </a:t>
+            </a:r>
+            <a:r>
+              <a:rPr lang="en-US">
+                <a:solidFill>
+                  <a:schemeClr val="accent1">
+                    <a:lumMod val="50000"/>
+                  </a:schemeClr>
+                </a:solidFill>
+              </a:rPr>
+              <a:t>|</a:t>
+            </a:r>
+            <a:r>
+              <a:rPr lang="en-US"/>
+              <a:t> library.rice.edu/dss</a:t>
+            </a:r>
+            <a:endParaRPr lang="en-US" dirty="0"/>
+          </a:p>
+        </p:txBody>
+      </p:sp>
+      <p:sp>
+        <p:nvSpPr>
+          <p:cNvPr id="6" name="Slide Number Placeholder 5"/>
+          <p:cNvSpPr>
+            <a:spLocks noGrp="1"/>
+          </p:cNvSpPr>
+          <p:nvPr>
+            <p:ph type="sldNum" sz="quarter" idx="12"/>
+          </p:nvPr>
+        </p:nvSpPr>
+        <p:spPr/>
+        <p:txBody>
+          <a:bodyPr/>
+          <a:lstStyle/>
+          <a:p>
+            <a:fld id="{D57F1E4F-1CFF-5643-939E-02111984F565}" type="slidenum">
+              <a:rPr lang="en-US" smtClean="0"/>
+              <a:t>31</a:t>
+            </a:fld>
+            <a:endParaRPr lang="en-US" dirty="0"/>
+          </a:p>
+        </p:txBody>
+      </p:sp>
+    </p:spTree>
+    <p:extLst>
+      <p:ext uri="{BB962C8B-B14F-4D97-AF65-F5344CB8AC3E}">
+        <p14:creationId xmlns:p14="http://schemas.microsoft.com/office/powerpoint/2010/main" val="1458772907"/>
+      </p:ext>
+    </p:extLst>
+  </p:cSld>
+  <p:clrMapOvr>
+    <a:masterClrMapping/>
+  </p:clrMapOvr>
+</p:sld>
+</file>
+
+<file path=ppt/slides/slide32.xml><?xml version="1.0" encoding="utf-8"?>
+<p:sld xmlns:a="http://schemas.openxmlformats.org/drawingml/2006/main" xmlns:r="http://schemas.openxmlformats.org/officeDocument/2006/relationships" xmlns:p="http://schemas.openxmlformats.org/presentationml/2006/main">
+  <p:cSld>
+    <p:spTree>
+      <p:nvGrpSpPr>
+        <p:cNvPr id="1" name=""/>
+        <p:cNvGrpSpPr/>
+        <p:nvPr/>
+      </p:nvGrpSpPr>
+      <p:grpSpPr>
+        <a:xfrm>
+          <a:off x="0" y="0"/>
+          <a:ext cx="0" cy="0"/>
+          <a:chOff x="0" y="0"/>
+          <a:chExt cx="0" cy="0"/>
+        </a:xfrm>
+      </p:grpSpPr>
+      <p:sp>
+        <p:nvSpPr>
+          <p:cNvPr id="2" name="Title 1"/>
+          <p:cNvSpPr>
+            <a:spLocks noGrp="1"/>
+          </p:cNvSpPr>
+          <p:nvPr>
+            <p:ph type="title"/>
+          </p:nvPr>
+        </p:nvSpPr>
+        <p:spPr/>
+        <p:txBody>
+          <a:bodyPr/>
+          <a:lstStyle/>
+          <a:p>
+            <a:r>
+              <a:rPr lang="en-US" dirty="0"/>
+              <a:t>GOING BACK IN TIME</a:t>
+            </a:r>
+          </a:p>
+        </p:txBody>
+      </p:sp>
+      <p:sp>
+        <p:nvSpPr>
+          <p:cNvPr id="3" name="Content Placeholder 2"/>
+          <p:cNvSpPr>
+            <a:spLocks noGrp="1"/>
+          </p:cNvSpPr>
+          <p:nvPr>
+            <p:ph idx="1"/>
+          </p:nvPr>
+        </p:nvSpPr>
+        <p:spPr>
+          <a:xfrm>
+            <a:off x="838200" y="1825625"/>
+            <a:ext cx="5262923" cy="4351338"/>
+          </a:xfrm>
+        </p:spPr>
+        <p:txBody>
+          <a:bodyPr/>
+          <a:lstStyle/>
+          <a:p>
+            <a:r>
+              <a:rPr lang="en-US" dirty="0"/>
+              <a:t>What if we </a:t>
+            </a:r>
+            <a:r>
+              <a:rPr lang="en-US" dirty="0" smtClean="0"/>
+              <a:t>accidentally made </a:t>
+            </a:r>
+            <a:r>
+              <a:rPr lang="en-US" dirty="0"/>
+              <a:t>a change </a:t>
+            </a:r>
+            <a:r>
+              <a:rPr lang="en-US" dirty="0" smtClean="0"/>
+              <a:t>that deleted </a:t>
+            </a:r>
+            <a:r>
+              <a:rPr lang="en-US" dirty="0"/>
+              <a:t>something we really needed?</a:t>
+            </a:r>
+          </a:p>
+          <a:p>
+            <a:r>
+              <a:rPr lang="en-US" dirty="0"/>
+              <a:t>Solution: </a:t>
+            </a:r>
+            <a:r>
+              <a:rPr lang="en-US" dirty="0" smtClean="0"/>
+              <a:t>Revert </a:t>
+            </a:r>
+            <a:r>
+              <a:rPr lang="en-US" dirty="0"/>
+              <a:t>to a previous commit</a:t>
+            </a:r>
+            <a:r>
+              <a:rPr lang="en-US" dirty="0" smtClean="0"/>
+              <a:t>!</a:t>
+            </a:r>
+          </a:p>
+          <a:p>
+            <a:r>
+              <a:rPr lang="en-US" dirty="0" smtClean="0"/>
+              <a:t>Note this doesn’t delete the changes after the revert</a:t>
+            </a:r>
+            <a:endParaRPr lang="en-US" dirty="0"/>
+          </a:p>
+        </p:txBody>
+      </p:sp>
+      <p:sp>
+        <p:nvSpPr>
+          <p:cNvPr id="4" name="Date Placeholder 3"/>
+          <p:cNvSpPr>
+            <a:spLocks noGrp="1"/>
+          </p:cNvSpPr>
+          <p:nvPr>
+            <p:ph type="dt" sz="half" idx="10"/>
+          </p:nvPr>
+        </p:nvSpPr>
+        <p:spPr/>
+        <p:txBody>
+          <a:bodyPr/>
+          <a:lstStyle/>
+          <a:p>
+            <a:fld id="{74F93749-3CD2-4A95-98ED-FE9E109683BE}" type="datetime4">
+              <a:rPr lang="en-US" smtClean="0"/>
+              <a:t>June 12, 2019</a:t>
+            </a:fld>
+            <a:endParaRPr lang="en-US" dirty="0"/>
+          </a:p>
+        </p:txBody>
+      </p:sp>
+      <p:sp>
+        <p:nvSpPr>
+          <p:cNvPr id="5" name="Footer Placeholder 4"/>
+          <p:cNvSpPr>
+            <a:spLocks noGrp="1"/>
+          </p:cNvSpPr>
+          <p:nvPr>
+            <p:ph type="ftr" sz="quarter" idx="11"/>
+          </p:nvPr>
+        </p:nvSpPr>
+        <p:spPr/>
+        <p:txBody>
+          <a:bodyPr/>
+          <a:lstStyle/>
+          <a:p>
+            <a:r>
+              <a:rPr lang="en-US"/>
+              <a:t>Digital Scholarship Services </a:t>
+            </a:r>
+            <a:r>
+              <a:rPr lang="en-US">
+                <a:solidFill>
+                  <a:schemeClr val="accent1">
+                    <a:lumMod val="50000"/>
+                  </a:schemeClr>
+                </a:solidFill>
+              </a:rPr>
+              <a:t>| Email</a:t>
+            </a:r>
+            <a:r>
+              <a:rPr lang="en-US"/>
+              <a:t> cf24@rice.edu </a:t>
+            </a:r>
+            <a:r>
+              <a:rPr lang="en-US">
+                <a:solidFill>
+                  <a:schemeClr val="accent1">
+                    <a:lumMod val="50000"/>
+                  </a:schemeClr>
+                </a:solidFill>
+              </a:rPr>
+              <a:t>|</a:t>
+            </a:r>
+            <a:r>
+              <a:rPr lang="en-US"/>
+              <a:t> library.rice.edu/dss</a:t>
+            </a:r>
+            <a:endParaRPr lang="en-US" dirty="0"/>
+          </a:p>
+        </p:txBody>
+      </p:sp>
+      <p:sp>
+        <p:nvSpPr>
+          <p:cNvPr id="6" name="Slide Number Placeholder 5"/>
+          <p:cNvSpPr>
+            <a:spLocks noGrp="1"/>
+          </p:cNvSpPr>
+          <p:nvPr>
+            <p:ph type="sldNum" sz="quarter" idx="12"/>
+          </p:nvPr>
+        </p:nvSpPr>
+        <p:spPr/>
+        <p:txBody>
+          <a:bodyPr/>
+          <a:lstStyle/>
+          <a:p>
+            <a:fld id="{D57F1E4F-1CFF-5643-939E-02111984F565}" type="slidenum">
+              <a:rPr lang="en-US" smtClean="0"/>
+              <a:t>32</a:t>
             </a:fld>
             <a:endParaRPr lang="en-US" dirty="0"/>
           </a:p>
@@ -9240,356 +9743,6 @@
 </p:sld>
 </file>
 
-<file path=ppt/slides/slide31.xml><?xml version="1.0" encoding="utf-8"?>
-<p:sld xmlns:a="http://schemas.openxmlformats.org/drawingml/2006/main" xmlns:r="http://schemas.openxmlformats.org/officeDocument/2006/relationships" xmlns:p="http://schemas.openxmlformats.org/presentationml/2006/main">
-  <p:cSld>
-    <p:spTree>
-      <p:nvGrpSpPr>
-        <p:cNvPr id="1" name=""/>
-        <p:cNvGrpSpPr/>
-        <p:nvPr/>
-      </p:nvGrpSpPr>
-      <p:grpSpPr>
-        <a:xfrm>
-          <a:off x="0" y="0"/>
-          <a:ext cx="0" cy="0"/>
-          <a:chOff x="0" y="0"/>
-          <a:chExt cx="0" cy="0"/>
-        </a:xfrm>
-      </p:grpSpPr>
-      <p:sp>
-        <p:nvSpPr>
-          <p:cNvPr id="2" name="Title 1"/>
-          <p:cNvSpPr>
-            <a:spLocks noGrp="1"/>
-          </p:cNvSpPr>
-          <p:nvPr>
-            <p:ph type="title"/>
-          </p:nvPr>
-        </p:nvSpPr>
-        <p:spPr/>
-        <p:txBody>
-          <a:bodyPr/>
-          <a:lstStyle/>
-          <a:p>
-            <a:r>
-              <a:rPr lang="en-US" dirty="0"/>
-              <a:t>GOING BACK IN TIME</a:t>
-            </a:r>
-          </a:p>
-        </p:txBody>
-      </p:sp>
-      <p:sp>
-        <p:nvSpPr>
-          <p:cNvPr id="3" name="Content Placeholder 2"/>
-          <p:cNvSpPr>
-            <a:spLocks noGrp="1"/>
-          </p:cNvSpPr>
-          <p:nvPr>
-            <p:ph idx="1"/>
-          </p:nvPr>
-        </p:nvSpPr>
-        <p:spPr>
-          <a:xfrm>
-            <a:off x="838200" y="1825625"/>
-            <a:ext cx="10891345" cy="4351338"/>
-          </a:xfrm>
-        </p:spPr>
-        <p:txBody>
-          <a:bodyPr/>
-          <a:lstStyle/>
-          <a:p>
-            <a:r>
-              <a:rPr lang="en-US" dirty="0" smtClean="0"/>
-              <a:t>Revert your message, then commit something different and push again!</a:t>
-            </a:r>
-            <a:endParaRPr lang="en-US" dirty="0"/>
-          </a:p>
-        </p:txBody>
-      </p:sp>
-      <p:sp>
-        <p:nvSpPr>
-          <p:cNvPr id="4" name="Date Placeholder 3"/>
-          <p:cNvSpPr>
-            <a:spLocks noGrp="1"/>
-          </p:cNvSpPr>
-          <p:nvPr>
-            <p:ph type="dt" sz="half" idx="10"/>
-          </p:nvPr>
-        </p:nvSpPr>
-        <p:spPr/>
-        <p:txBody>
-          <a:bodyPr/>
-          <a:lstStyle/>
-          <a:p>
-            <a:fld id="{74F93749-3CD2-4A95-98ED-FE9E109683BE}" type="datetime4">
-              <a:rPr lang="en-US" smtClean="0"/>
-              <a:t>June 6, 2019</a:t>
-            </a:fld>
-            <a:endParaRPr lang="en-US" dirty="0"/>
-          </a:p>
-        </p:txBody>
-      </p:sp>
-      <p:sp>
-        <p:nvSpPr>
-          <p:cNvPr id="5" name="Footer Placeholder 4"/>
-          <p:cNvSpPr>
-            <a:spLocks noGrp="1"/>
-          </p:cNvSpPr>
-          <p:nvPr>
-            <p:ph type="ftr" sz="quarter" idx="11"/>
-          </p:nvPr>
-        </p:nvSpPr>
-        <p:spPr/>
-        <p:txBody>
-          <a:bodyPr/>
-          <a:lstStyle/>
-          <a:p>
-            <a:r>
-              <a:rPr lang="en-US"/>
-              <a:t>Digital Scholarship Services </a:t>
-            </a:r>
-            <a:r>
-              <a:rPr lang="en-US">
-                <a:solidFill>
-                  <a:schemeClr val="accent1">
-                    <a:lumMod val="50000"/>
-                  </a:schemeClr>
-                </a:solidFill>
-              </a:rPr>
-              <a:t>| Email</a:t>
-            </a:r>
-            <a:r>
-              <a:rPr lang="en-US"/>
-              <a:t> cf24@rice.edu </a:t>
-            </a:r>
-            <a:r>
-              <a:rPr lang="en-US">
-                <a:solidFill>
-                  <a:schemeClr val="accent1">
-                    <a:lumMod val="50000"/>
-                  </a:schemeClr>
-                </a:solidFill>
-              </a:rPr>
-              <a:t>|</a:t>
-            </a:r>
-            <a:r>
-              <a:rPr lang="en-US"/>
-              <a:t> library.rice.edu/dss</a:t>
-            </a:r>
-            <a:endParaRPr lang="en-US" dirty="0"/>
-          </a:p>
-        </p:txBody>
-      </p:sp>
-      <p:sp>
-        <p:nvSpPr>
-          <p:cNvPr id="6" name="Slide Number Placeholder 5"/>
-          <p:cNvSpPr>
-            <a:spLocks noGrp="1"/>
-          </p:cNvSpPr>
-          <p:nvPr>
-            <p:ph type="sldNum" sz="quarter" idx="12"/>
-          </p:nvPr>
-        </p:nvSpPr>
-        <p:spPr/>
-        <p:txBody>
-          <a:bodyPr/>
-          <a:lstStyle/>
-          <a:p>
-            <a:fld id="{D57F1E4F-1CFF-5643-939E-02111984F565}" type="slidenum">
-              <a:rPr lang="en-US" smtClean="0"/>
-              <a:t>31</a:t>
-            </a:fld>
-            <a:endParaRPr lang="en-US" dirty="0"/>
-          </a:p>
-        </p:txBody>
-      </p:sp>
-    </p:spTree>
-    <p:extLst>
-      <p:ext uri="{BB962C8B-B14F-4D97-AF65-F5344CB8AC3E}">
-        <p14:creationId xmlns:p14="http://schemas.microsoft.com/office/powerpoint/2010/main" val="2894062311"/>
-      </p:ext>
-    </p:extLst>
-  </p:cSld>
-  <p:clrMapOvr>
-    <a:masterClrMapping/>
-  </p:clrMapOvr>
-</p:sld>
-</file>
-
-<file path=ppt/slides/slide32.xml><?xml version="1.0" encoding="utf-8"?>
-<p:sld xmlns:a="http://schemas.openxmlformats.org/drawingml/2006/main" xmlns:r="http://schemas.openxmlformats.org/officeDocument/2006/relationships" xmlns:p="http://schemas.openxmlformats.org/presentationml/2006/main">
-  <p:cSld>
-    <p:spTree>
-      <p:nvGrpSpPr>
-        <p:cNvPr id="1" name=""/>
-        <p:cNvGrpSpPr/>
-        <p:nvPr/>
-      </p:nvGrpSpPr>
-      <p:grpSpPr>
-        <a:xfrm>
-          <a:off x="0" y="0"/>
-          <a:ext cx="0" cy="0"/>
-          <a:chOff x="0" y="0"/>
-          <a:chExt cx="0" cy="0"/>
-        </a:xfrm>
-      </p:grpSpPr>
-      <p:sp>
-        <p:nvSpPr>
-          <p:cNvPr id="4" name="Title 3"/>
-          <p:cNvSpPr>
-            <a:spLocks noGrp="1"/>
-          </p:cNvSpPr>
-          <p:nvPr>
-            <p:ph type="title"/>
-          </p:nvPr>
-        </p:nvSpPr>
-        <p:spPr/>
-        <p:txBody>
-          <a:bodyPr/>
-          <a:lstStyle/>
-          <a:p>
-            <a:r>
-              <a:rPr lang="en-US" dirty="0">
-                <a:latin typeface="+mn-lt"/>
-              </a:rPr>
-              <a:t>BRANCHES &amp; MERGING</a:t>
-            </a:r>
-          </a:p>
-        </p:txBody>
-      </p:sp>
-      <p:sp>
-        <p:nvSpPr>
-          <p:cNvPr id="5" name="Text Placeholder 4"/>
-          <p:cNvSpPr>
-            <a:spLocks noGrp="1"/>
-          </p:cNvSpPr>
-          <p:nvPr>
-            <p:ph type="body" idx="1"/>
-          </p:nvPr>
-        </p:nvSpPr>
-        <p:spPr/>
-        <p:txBody>
-          <a:bodyPr/>
-          <a:lstStyle/>
-          <a:p>
-            <a:r>
-              <a:rPr lang="en-US" dirty="0"/>
-              <a:t>Creating, working on, combining, and switching branches</a:t>
-            </a:r>
-          </a:p>
-        </p:txBody>
-      </p:sp>
-      <p:sp>
-        <p:nvSpPr>
-          <p:cNvPr id="7" name="Date Placeholder 6"/>
-          <p:cNvSpPr>
-            <a:spLocks noGrp="1"/>
-          </p:cNvSpPr>
-          <p:nvPr>
-            <p:ph type="dt" sz="half" idx="10"/>
-          </p:nvPr>
-        </p:nvSpPr>
-        <p:spPr/>
-        <p:txBody>
-          <a:bodyPr/>
-          <a:lstStyle/>
-          <a:p>
-            <a:fld id="{058BBB48-E612-431F-A2D1-FE84E0649533}" type="datetime4">
-              <a:rPr lang="en-US" smtClean="0"/>
-              <a:t>June 6, 2019</a:t>
-            </a:fld>
-            <a:endParaRPr lang="en-US" dirty="0"/>
-          </a:p>
-        </p:txBody>
-      </p:sp>
-      <p:sp>
-        <p:nvSpPr>
-          <p:cNvPr id="8" name="Slide Number Placeholder 7"/>
-          <p:cNvSpPr>
-            <a:spLocks noGrp="1"/>
-          </p:cNvSpPr>
-          <p:nvPr>
-            <p:ph type="sldNum" sz="quarter" idx="12"/>
-          </p:nvPr>
-        </p:nvSpPr>
-        <p:spPr/>
-        <p:txBody>
-          <a:bodyPr/>
-          <a:lstStyle/>
-          <a:p>
-            <a:fld id="{D57F1E4F-1CFF-5643-939E-02111984F565}" type="slidenum">
-              <a:rPr lang="en-US" smtClean="0"/>
-              <a:t>32</a:t>
-            </a:fld>
-            <a:endParaRPr lang="en-US" dirty="0"/>
-          </a:p>
-        </p:txBody>
-      </p:sp>
-      <p:sp>
-        <p:nvSpPr>
-          <p:cNvPr id="2" name="Footer Placeholder 1"/>
-          <p:cNvSpPr>
-            <a:spLocks noGrp="1"/>
-          </p:cNvSpPr>
-          <p:nvPr>
-            <p:ph type="ftr" sz="quarter" idx="11"/>
-          </p:nvPr>
-        </p:nvSpPr>
-        <p:spPr/>
-        <p:txBody>
-          <a:bodyPr/>
-          <a:lstStyle/>
-          <a:p>
-            <a:r>
-              <a:rPr lang="en-US"/>
-              <a:t>Digital Scholarship Services </a:t>
-            </a:r>
-            <a:r>
-              <a:rPr lang="en-US">
-                <a:solidFill>
-                  <a:schemeClr val="accent1">
-                    <a:lumMod val="50000"/>
-                  </a:schemeClr>
-                </a:solidFill>
-              </a:rPr>
-              <a:t>| Email</a:t>
-            </a:r>
-            <a:r>
-              <a:rPr lang="en-US"/>
-              <a:t> cf24@rice.edu </a:t>
-            </a:r>
-            <a:r>
-              <a:rPr lang="en-US">
-                <a:solidFill>
-                  <a:schemeClr val="accent1">
-                    <a:lumMod val="50000"/>
-                  </a:schemeClr>
-                </a:solidFill>
-              </a:rPr>
-              <a:t>|</a:t>
-            </a:r>
-            <a:r>
-              <a:rPr lang="en-US"/>
-              <a:t> library.rice.edu/dss</a:t>
-            </a:r>
-            <a:endParaRPr lang="en-US" dirty="0"/>
-          </a:p>
-        </p:txBody>
-      </p:sp>
-    </p:spTree>
-    <p:extLst>
-      <p:ext uri="{BB962C8B-B14F-4D97-AF65-F5344CB8AC3E}">
-        <p14:creationId xmlns:p14="http://schemas.microsoft.com/office/powerpoint/2010/main" val="2804592253"/>
-      </p:ext>
-    </p:extLst>
-  </p:cSld>
-  <p:clrMapOvr>
-    <a:masterClrMapping/>
-  </p:clrMapOvr>
-</p:sld>
-</file>
-
 <file path=ppt/slides/slide33.xml><?xml version="1.0" encoding="utf-8"?>
 <p:sld xmlns:a="http://schemas.openxmlformats.org/drawingml/2006/main" xmlns:r="http://schemas.openxmlformats.org/officeDocument/2006/relationships" xmlns:p="http://schemas.openxmlformats.org/presentationml/2006/main">
   <p:cSld>
@@ -9609,7 +9762,7 @@
       </p:grpSpPr>
       <p:sp>
         <p:nvSpPr>
-          <p:cNvPr id="7" name="Title 6"/>
+          <p:cNvPr id="2" name="Title 1"/>
           <p:cNvSpPr>
             <a:spLocks noGrp="1"/>
           </p:cNvSpPr>
@@ -9624,14 +9777,14 @@
           <a:p>
             <a:r>
               <a:rPr lang="en-US" dirty="0"/>
-              <a:t>BRANCHES</a:t>
-            </a:r>
-          </a:p>
-        </p:txBody>
-      </p:sp>
-      <p:sp>
-        <p:nvSpPr>
-          <p:cNvPr id="8" name="Content Placeholder 7"/>
+              <a:t>GOING BACK IN TIME</a:t>
+            </a:r>
+          </a:p>
+        </p:txBody>
+      </p:sp>
+      <p:sp>
+        <p:nvSpPr>
+          <p:cNvPr id="3" name="Content Placeholder 2"/>
           <p:cNvSpPr>
             <a:spLocks noGrp="1"/>
           </p:cNvSpPr>
@@ -9642,7 +9795,7 @@
         <p:spPr>
           <a:xfrm>
             <a:off x="838200" y="1825625"/>
-            <a:ext cx="4947745" cy="4351338"/>
+            <a:ext cx="10891345" cy="4351338"/>
           </a:xfrm>
         </p:spPr>
         <p:txBody>
@@ -9650,34 +9803,10 @@
           <a:lstStyle/>
           <a:p>
             <a:r>
-              <a:rPr lang="en-US" dirty="0"/>
-              <a:t>If you’re working on different features or as part of a larger team</a:t>
-            </a:r>
-          </a:p>
-          <a:p>
-            <a:r>
-              <a:rPr lang="en-US" dirty="0"/>
-              <a:t>Divergent history</a:t>
-            </a:r>
-          </a:p>
-          <a:p>
-            <a:r>
-              <a:rPr lang="en-US" dirty="0"/>
-              <a:t>Independent files</a:t>
-            </a:r>
-          </a:p>
-          <a:p>
-            <a:pPr lvl="1"/>
-            <a:r>
-              <a:rPr lang="en-US" dirty="0"/>
-              <a:t>Avoids unintended consequences!</a:t>
-            </a:r>
-          </a:p>
-          <a:p>
-            <a:r>
-              <a:rPr lang="en-US" dirty="0"/>
-              <a:t>Easy integration</a:t>
-            </a:r>
+              <a:rPr lang="en-US" dirty="0" smtClean="0"/>
+              <a:t>Revert your message, then commit something different and push again!</a:t>
+            </a:r>
+            <a:endParaRPr lang="en-US" dirty="0"/>
           </a:p>
         </p:txBody>
       </p:sp>
@@ -9696,9 +9825,9 @@
           <a:bodyPr/>
           <a:lstStyle/>
           <a:p>
-            <a:fld id="{930E186A-0FBF-4DA6-A71A-C325C944F843}" type="datetime4">
+            <a:fld id="{74F93749-3CD2-4A95-98ED-FE9E109683BE}" type="datetime4">
               <a:rPr lang="en-US" smtClean="0"/>
-              <a:t>June 6, 2019</a:t>
+              <a:t>June 12, 2019</a:t>
             </a:fld>
             <a:endParaRPr lang="en-US" dirty="0"/>
           </a:p>
@@ -9773,6 +9902,380 @@
             <a:fld id="{D57F1E4F-1CFF-5643-939E-02111984F565}" type="slidenum">
               <a:rPr lang="en-US" smtClean="0"/>
               <a:t>33</a:t>
+            </a:fld>
+            <a:endParaRPr lang="en-US" dirty="0"/>
+          </a:p>
+        </p:txBody>
+      </p:sp>
+    </p:spTree>
+    <p:extLst>
+      <p:ext uri="{BB962C8B-B14F-4D97-AF65-F5344CB8AC3E}">
+        <p14:creationId xmlns:p14="http://schemas.microsoft.com/office/powerpoint/2010/main" val="2894062311"/>
+      </p:ext>
+    </p:extLst>
+  </p:cSld>
+  <p:clrMapOvr>
+    <a:masterClrMapping/>
+  </p:clrMapOvr>
+</p:sld>
+</file>
+
+<file path=ppt/slides/slide34.xml><?xml version="1.0" encoding="utf-8"?>
+<p:sld xmlns:a="http://schemas.openxmlformats.org/drawingml/2006/main" xmlns:r="http://schemas.openxmlformats.org/officeDocument/2006/relationships" xmlns:p="http://schemas.openxmlformats.org/presentationml/2006/main">
+  <p:cSld>
+    <p:spTree>
+      <p:nvGrpSpPr>
+        <p:cNvPr id="1" name=""/>
+        <p:cNvGrpSpPr/>
+        <p:nvPr/>
+      </p:nvGrpSpPr>
+      <p:grpSpPr>
+        <a:xfrm>
+          <a:off x="0" y="0"/>
+          <a:ext cx="0" cy="0"/>
+          <a:chOff x="0" y="0"/>
+          <a:chExt cx="0" cy="0"/>
+        </a:xfrm>
+      </p:grpSpPr>
+      <p:sp>
+        <p:nvSpPr>
+          <p:cNvPr id="4" name="Title 3"/>
+          <p:cNvSpPr>
+            <a:spLocks noGrp="1"/>
+          </p:cNvSpPr>
+          <p:nvPr>
+            <p:ph type="title"/>
+          </p:nvPr>
+        </p:nvSpPr>
+        <p:spPr/>
+        <p:txBody>
+          <a:bodyPr/>
+          <a:lstStyle/>
+          <a:p>
+            <a:r>
+              <a:rPr lang="en-US" dirty="0">
+                <a:latin typeface="+mn-lt"/>
+              </a:rPr>
+              <a:t>BRANCHES &amp; MERGING</a:t>
+            </a:r>
+          </a:p>
+        </p:txBody>
+      </p:sp>
+      <p:sp>
+        <p:nvSpPr>
+          <p:cNvPr id="5" name="Text Placeholder 4"/>
+          <p:cNvSpPr>
+            <a:spLocks noGrp="1"/>
+          </p:cNvSpPr>
+          <p:nvPr>
+            <p:ph type="body" idx="1"/>
+          </p:nvPr>
+        </p:nvSpPr>
+        <p:spPr/>
+        <p:txBody>
+          <a:bodyPr/>
+          <a:lstStyle/>
+          <a:p>
+            <a:r>
+              <a:rPr lang="en-US" dirty="0"/>
+              <a:t>Creating, working on, combining, and switching branches</a:t>
+            </a:r>
+          </a:p>
+        </p:txBody>
+      </p:sp>
+      <p:sp>
+        <p:nvSpPr>
+          <p:cNvPr id="7" name="Date Placeholder 6"/>
+          <p:cNvSpPr>
+            <a:spLocks noGrp="1"/>
+          </p:cNvSpPr>
+          <p:nvPr>
+            <p:ph type="dt" sz="half" idx="10"/>
+          </p:nvPr>
+        </p:nvSpPr>
+        <p:spPr/>
+        <p:txBody>
+          <a:bodyPr/>
+          <a:lstStyle/>
+          <a:p>
+            <a:fld id="{058BBB48-E612-431F-A2D1-FE84E0649533}" type="datetime4">
+              <a:rPr lang="en-US" smtClean="0"/>
+              <a:t>June 12, 2019</a:t>
+            </a:fld>
+            <a:endParaRPr lang="en-US" dirty="0"/>
+          </a:p>
+        </p:txBody>
+      </p:sp>
+      <p:sp>
+        <p:nvSpPr>
+          <p:cNvPr id="8" name="Slide Number Placeholder 7"/>
+          <p:cNvSpPr>
+            <a:spLocks noGrp="1"/>
+          </p:cNvSpPr>
+          <p:nvPr>
+            <p:ph type="sldNum" sz="quarter" idx="12"/>
+          </p:nvPr>
+        </p:nvSpPr>
+        <p:spPr/>
+        <p:txBody>
+          <a:bodyPr/>
+          <a:lstStyle/>
+          <a:p>
+            <a:fld id="{D57F1E4F-1CFF-5643-939E-02111984F565}" type="slidenum">
+              <a:rPr lang="en-US" smtClean="0"/>
+              <a:t>34</a:t>
+            </a:fld>
+            <a:endParaRPr lang="en-US" dirty="0"/>
+          </a:p>
+        </p:txBody>
+      </p:sp>
+      <p:sp>
+        <p:nvSpPr>
+          <p:cNvPr id="2" name="Footer Placeholder 1"/>
+          <p:cNvSpPr>
+            <a:spLocks noGrp="1"/>
+          </p:cNvSpPr>
+          <p:nvPr>
+            <p:ph type="ftr" sz="quarter" idx="11"/>
+          </p:nvPr>
+        </p:nvSpPr>
+        <p:spPr/>
+        <p:txBody>
+          <a:bodyPr/>
+          <a:lstStyle/>
+          <a:p>
+            <a:r>
+              <a:rPr lang="en-US"/>
+              <a:t>Digital Scholarship Services </a:t>
+            </a:r>
+            <a:r>
+              <a:rPr lang="en-US">
+                <a:solidFill>
+                  <a:schemeClr val="accent1">
+                    <a:lumMod val="50000"/>
+                  </a:schemeClr>
+                </a:solidFill>
+              </a:rPr>
+              <a:t>| Email</a:t>
+            </a:r>
+            <a:r>
+              <a:rPr lang="en-US"/>
+              <a:t> cf24@rice.edu </a:t>
+            </a:r>
+            <a:r>
+              <a:rPr lang="en-US">
+                <a:solidFill>
+                  <a:schemeClr val="accent1">
+                    <a:lumMod val="50000"/>
+                  </a:schemeClr>
+                </a:solidFill>
+              </a:rPr>
+              <a:t>|</a:t>
+            </a:r>
+            <a:r>
+              <a:rPr lang="en-US"/>
+              <a:t> library.rice.edu/dss</a:t>
+            </a:r>
+            <a:endParaRPr lang="en-US" dirty="0"/>
+          </a:p>
+        </p:txBody>
+      </p:sp>
+    </p:spTree>
+    <p:extLst>
+      <p:ext uri="{BB962C8B-B14F-4D97-AF65-F5344CB8AC3E}">
+        <p14:creationId xmlns:p14="http://schemas.microsoft.com/office/powerpoint/2010/main" val="2804592253"/>
+      </p:ext>
+    </p:extLst>
+  </p:cSld>
+  <p:clrMapOvr>
+    <a:masterClrMapping/>
+  </p:clrMapOvr>
+</p:sld>
+</file>
+
+<file path=ppt/slides/slide35.xml><?xml version="1.0" encoding="utf-8"?>
+<p:sld xmlns:a="http://schemas.openxmlformats.org/drawingml/2006/main" xmlns:r="http://schemas.openxmlformats.org/officeDocument/2006/relationships" xmlns:p="http://schemas.openxmlformats.org/presentationml/2006/main">
+  <p:cSld>
+    <p:spTree>
+      <p:nvGrpSpPr>
+        <p:cNvPr id="1" name=""/>
+        <p:cNvGrpSpPr/>
+        <p:nvPr/>
+      </p:nvGrpSpPr>
+      <p:grpSpPr>
+        <a:xfrm>
+          <a:off x="0" y="0"/>
+          <a:ext cx="0" cy="0"/>
+          <a:chOff x="0" y="0"/>
+          <a:chExt cx="0" cy="0"/>
+        </a:xfrm>
+      </p:grpSpPr>
+      <p:sp>
+        <p:nvSpPr>
+          <p:cNvPr id="7" name="Title 6"/>
+          <p:cNvSpPr>
+            <a:spLocks noGrp="1"/>
+          </p:cNvSpPr>
+          <p:nvPr>
+            <p:ph type="title"/>
+          </p:nvPr>
+        </p:nvSpPr>
+        <p:spPr/>
+        <p:txBody>
+          <a:bodyPr/>
+          <a:lstStyle/>
+          <a:p>
+            <a:r>
+              <a:rPr lang="en-US" dirty="0"/>
+              <a:t>BRANCHES</a:t>
+            </a:r>
+          </a:p>
+        </p:txBody>
+      </p:sp>
+      <p:sp>
+        <p:nvSpPr>
+          <p:cNvPr id="8" name="Content Placeholder 7"/>
+          <p:cNvSpPr>
+            <a:spLocks noGrp="1"/>
+          </p:cNvSpPr>
+          <p:nvPr>
+            <p:ph idx="1"/>
+          </p:nvPr>
+        </p:nvSpPr>
+        <p:spPr>
+          <a:xfrm>
+            <a:off x="838200" y="1825625"/>
+            <a:ext cx="4947745" cy="4351338"/>
+          </a:xfrm>
+        </p:spPr>
+        <p:txBody>
+          <a:bodyPr/>
+          <a:lstStyle/>
+          <a:p>
+            <a:r>
+              <a:rPr lang="en-US" dirty="0"/>
+              <a:t>If you’re working on different features or as part of a larger team</a:t>
+            </a:r>
+          </a:p>
+          <a:p>
+            <a:r>
+              <a:rPr lang="en-US" dirty="0"/>
+              <a:t>Divergent history</a:t>
+            </a:r>
+          </a:p>
+          <a:p>
+            <a:r>
+              <a:rPr lang="en-US" dirty="0"/>
+              <a:t>Independent files</a:t>
+            </a:r>
+          </a:p>
+          <a:p>
+            <a:pPr lvl="1"/>
+            <a:r>
+              <a:rPr lang="en-US" dirty="0"/>
+              <a:t>Avoids unintended consequences!</a:t>
+            </a:r>
+          </a:p>
+          <a:p>
+            <a:r>
+              <a:rPr lang="en-US" dirty="0"/>
+              <a:t>Easy integration</a:t>
+            </a:r>
+          </a:p>
+        </p:txBody>
+      </p:sp>
+      <p:sp>
+        <p:nvSpPr>
+          <p:cNvPr id="4" name="Date Placeholder 3"/>
+          <p:cNvSpPr>
+            <a:spLocks noGrp="1"/>
+          </p:cNvSpPr>
+          <p:nvPr>
+            <p:ph type="dt" sz="half" idx="10"/>
+          </p:nvPr>
+        </p:nvSpPr>
+        <p:spPr/>
+        <p:txBody>
+          <a:bodyPr/>
+          <a:lstStyle/>
+          <a:p>
+            <a:fld id="{930E186A-0FBF-4DA6-A71A-C325C944F843}" type="datetime4">
+              <a:rPr lang="en-US" smtClean="0"/>
+              <a:t>June 12, 2019</a:t>
+            </a:fld>
+            <a:endParaRPr lang="en-US" dirty="0"/>
+          </a:p>
+        </p:txBody>
+      </p:sp>
+      <p:sp>
+        <p:nvSpPr>
+          <p:cNvPr id="5" name="Footer Placeholder 4"/>
+          <p:cNvSpPr>
+            <a:spLocks noGrp="1"/>
+          </p:cNvSpPr>
+          <p:nvPr>
+            <p:ph type="ftr" sz="quarter" idx="11"/>
+          </p:nvPr>
+        </p:nvSpPr>
+        <p:spPr/>
+        <p:txBody>
+          <a:bodyPr/>
+          <a:lstStyle/>
+          <a:p>
+            <a:r>
+              <a:rPr lang="en-US"/>
+              <a:t>Digital Scholarship Services </a:t>
+            </a:r>
+            <a:r>
+              <a:rPr lang="en-US">
+                <a:solidFill>
+                  <a:schemeClr val="accent1">
+                    <a:lumMod val="50000"/>
+                  </a:schemeClr>
+                </a:solidFill>
+              </a:rPr>
+              <a:t>| Email</a:t>
+            </a:r>
+            <a:r>
+              <a:rPr lang="en-US"/>
+              <a:t> cf24@rice.edu </a:t>
+            </a:r>
+            <a:r>
+              <a:rPr lang="en-US">
+                <a:solidFill>
+                  <a:schemeClr val="accent1">
+                    <a:lumMod val="50000"/>
+                  </a:schemeClr>
+                </a:solidFill>
+              </a:rPr>
+              <a:t>|</a:t>
+            </a:r>
+            <a:r>
+              <a:rPr lang="en-US"/>
+              <a:t> library.rice.edu/dss</a:t>
+            </a:r>
+            <a:endParaRPr lang="en-US" dirty="0"/>
+          </a:p>
+        </p:txBody>
+      </p:sp>
+      <p:sp>
+        <p:nvSpPr>
+          <p:cNvPr id="6" name="Slide Number Placeholder 5"/>
+          <p:cNvSpPr>
+            <a:spLocks noGrp="1"/>
+          </p:cNvSpPr>
+          <p:nvPr>
+            <p:ph type="sldNum" sz="quarter" idx="12"/>
+          </p:nvPr>
+        </p:nvSpPr>
+        <p:spPr/>
+        <p:txBody>
+          <a:bodyPr/>
+          <a:lstStyle/>
+          <a:p>
+            <a:fld id="{D57F1E4F-1CFF-5643-939E-02111984F565}" type="slidenum">
+              <a:rPr lang="en-US" smtClean="0"/>
+              <a:t>35</a:t>
             </a:fld>
             <a:endParaRPr lang="en-US" dirty="0"/>
           </a:p>
@@ -9815,7 +10318,7 @@
 </p:sld>
 </file>
 
-<file path=ppt/slides/slide34.xml><?xml version="1.0" encoding="utf-8"?>
+<file path=ppt/slides/slide36.xml><?xml version="1.0" encoding="utf-8"?>
 <p:sld xmlns:a="http://schemas.openxmlformats.org/drawingml/2006/main" xmlns:r="http://schemas.openxmlformats.org/officeDocument/2006/relationships" xmlns:p="http://schemas.openxmlformats.org/presentationml/2006/main">
   <p:cSld>
     <p:spTree>
@@ -9910,7 +10413,7 @@
           <a:p>
             <a:fld id="{74F93749-3CD2-4A95-98ED-FE9E109683BE}" type="datetime4">
               <a:rPr lang="en-US" smtClean="0"/>
-              <a:t>June 6, 2019</a:t>
+              <a:t>June 12, 2019</a:t>
             </a:fld>
             <a:endParaRPr lang="en-US" dirty="0"/>
           </a:p>
@@ -9984,7 +10487,7 @@
           <a:p>
             <a:fld id="{D57F1E4F-1CFF-5643-939E-02111984F565}" type="slidenum">
               <a:rPr lang="en-US" smtClean="0"/>
-              <a:t>34</a:t>
+              <a:t>36</a:t>
             </a:fld>
             <a:endParaRPr lang="en-US" dirty="0"/>
           </a:p>
@@ -10085,7 +10588,7 @@
 </p:sld>
 </file>
 
-<file path=ppt/slides/slide35.xml><?xml version="1.0" encoding="utf-8"?>
+<file path=ppt/slides/slide37.xml><?xml version="1.0" encoding="utf-8"?>
 <p:sld xmlns:a="http://schemas.openxmlformats.org/drawingml/2006/main" xmlns:r="http://schemas.openxmlformats.org/officeDocument/2006/relationships" xmlns:p="http://schemas.openxmlformats.org/presentationml/2006/main">
   <p:cSld>
     <p:spTree>
@@ -10174,7 +10677,7 @@
           <a:p>
             <a:fld id="{74F93749-3CD2-4A95-98ED-FE9E109683BE}" type="datetime4">
               <a:rPr lang="en-US" smtClean="0"/>
-              <a:t>June 6, 2019</a:t>
+              <a:t>June 12, 2019</a:t>
             </a:fld>
             <a:endParaRPr lang="en-US" dirty="0"/>
           </a:p>
@@ -10248,7 +10751,7 @@
           <a:p>
             <a:fld id="{D57F1E4F-1CFF-5643-939E-02111984F565}" type="slidenum">
               <a:rPr lang="en-US" smtClean="0"/>
-              <a:t>35</a:t>
+              <a:t>37</a:t>
             </a:fld>
             <a:endParaRPr lang="en-US" dirty="0"/>
           </a:p>
@@ -10347,7 +10850,7 @@
 </p:sld>
 </file>
 
-<file path=ppt/slides/slide36.xml><?xml version="1.0" encoding="utf-8"?>
+<file path=ppt/slides/slide38.xml><?xml version="1.0" encoding="utf-8"?>
 <p:sld xmlns:a="http://schemas.openxmlformats.org/drawingml/2006/main" xmlns:r="http://schemas.openxmlformats.org/officeDocument/2006/relationships" xmlns:p="http://schemas.openxmlformats.org/presentationml/2006/main">
   <p:cSld>
     <p:spTree>
@@ -10403,7 +10906,7 @@
           <a:p>
             <a:fld id="{74F93749-3CD2-4A95-98ED-FE9E109683BE}" type="datetime4">
               <a:rPr lang="en-US" smtClean="0"/>
-              <a:t>June 6, 2019</a:t>
+              <a:t>June 12, 2019</a:t>
             </a:fld>
             <a:endParaRPr lang="en-US" dirty="0"/>
           </a:p>
@@ -10477,7 +10980,7 @@
           <a:p>
             <a:fld id="{D57F1E4F-1CFF-5643-939E-02111984F565}" type="slidenum">
               <a:rPr lang="en-US" smtClean="0"/>
-              <a:t>36</a:t>
+              <a:t>38</a:t>
             </a:fld>
             <a:endParaRPr lang="en-US" dirty="0"/>
           </a:p>
@@ -10542,7 +11045,7 @@
 </p:sld>
 </file>
 
-<file path=ppt/slides/slide37.xml><?xml version="1.0" encoding="utf-8"?>
+<file path=ppt/slides/slide39.xml><?xml version="1.0" encoding="utf-8"?>
 <p:sld xmlns:a="http://schemas.openxmlformats.org/drawingml/2006/main" xmlns:r="http://schemas.openxmlformats.org/officeDocument/2006/relationships" xmlns:p="http://schemas.openxmlformats.org/presentationml/2006/main">
   <p:cSld>
     <p:spTree>
@@ -10598,7 +11101,7 @@
           <a:p>
             <a:fld id="{74F93749-3CD2-4A95-98ED-FE9E109683BE}" type="datetime4">
               <a:rPr lang="en-US" smtClean="0"/>
-              <a:t>June 6, 2019</a:t>
+              <a:t>June 12, 2019</a:t>
             </a:fld>
             <a:endParaRPr lang="en-US" dirty="0"/>
           </a:p>
@@ -10672,7 +11175,7 @@
           <a:p>
             <a:fld id="{D57F1E4F-1CFF-5643-939E-02111984F565}" type="slidenum">
               <a:rPr lang="en-US" smtClean="0"/>
-              <a:t>37</a:t>
+              <a:t>39</a:t>
             </a:fld>
             <a:endParaRPr lang="en-US" dirty="0"/>
           </a:p>
@@ -11104,7 +11607,7 @@
 </p:sld>
 </file>
 
-<file path=ppt/slides/slide38.xml><?xml version="1.0" encoding="utf-8"?>
+<file path=ppt/slides/slide4.xml><?xml version="1.0" encoding="utf-8"?>
 <p:sld xmlns:a="http://schemas.openxmlformats.org/drawingml/2006/main" xmlns:r="http://schemas.openxmlformats.org/officeDocument/2006/relationships" xmlns:p="http://schemas.openxmlformats.org/presentationml/2006/main">
   <p:cSld>
     <p:spTree>
@@ -11137,62 +11640,46 @@
           <a:lstStyle/>
           <a:p>
             <a:r>
-              <a:rPr lang="en-US" dirty="0"/>
-              <a:t>CONFLICTS</a:t>
-            </a:r>
-          </a:p>
-        </p:txBody>
-      </p:sp>
-      <p:sp>
-        <p:nvSpPr>
-          <p:cNvPr id="3" name="Content Placeholder 2"/>
-          <p:cNvSpPr>
-            <a:spLocks noGrp="1"/>
-          </p:cNvSpPr>
+              <a:rPr lang="en-US" dirty="0">
+                <a:latin typeface="+mn-lt"/>
+              </a:rPr>
+              <a:t>WHAT IS GITHUB?</a:t>
+            </a:r>
+          </a:p>
+        </p:txBody>
+      </p:sp>
+      <p:pic>
+        <p:nvPicPr>
+          <p:cNvPr id="8" name="Content Placeholder 7">
+            <a:extLst>
+              <a:ext uri="{FF2B5EF4-FFF2-40B4-BE49-F238E27FC236}">
+                <a16:creationId xmlns:a16="http://schemas.microsoft.com/office/drawing/2014/main" id="{55F5BDAA-3BD0-4E79-AC0F-46319E23DD68}"/>
+              </a:ext>
+            </a:extLst>
+          </p:cNvPr>
+          <p:cNvPicPr>
+            <a:picLocks noGrp="1" noChangeAspect="1"/>
+          </p:cNvPicPr>
           <p:nvPr>
             <p:ph idx="1"/>
           </p:nvPr>
-        </p:nvSpPr>
+        </p:nvPicPr>
+        <p:blipFill>
+          <a:blip r:embed="rId2"/>
+          <a:stretch>
+            <a:fillRect/>
+          </a:stretch>
+        </p:blipFill>
         <p:spPr>
           <a:xfrm>
-            <a:off x="838200" y="1825625"/>
-            <a:ext cx="5404945" cy="4351338"/>
+            <a:off x="7699071" y="1347343"/>
+            <a:ext cx="3249594" cy="2701225"/>
           </a:xfrm>
         </p:spPr>
-        <p:txBody>
-          <a:bodyPr/>
-          <a:lstStyle/>
-          <a:p>
-            <a:r>
-              <a:rPr lang="en-US" dirty="0"/>
-              <a:t>Occasionally, two people may have edited the same </a:t>
-            </a:r>
-            <a:r>
-              <a:rPr lang="en-US" dirty="0" smtClean="0"/>
-              <a:t>part of the same file </a:t>
-            </a:r>
-            <a:r>
-              <a:rPr lang="en-US" dirty="0"/>
-              <a:t>on different branches</a:t>
-            </a:r>
-          </a:p>
-          <a:p>
-            <a:r>
-              <a:rPr lang="en-US" dirty="0"/>
-              <a:t>Which version do we take?</a:t>
-            </a:r>
-          </a:p>
-          <a:p>
-            <a:r>
-              <a:rPr lang="en-US" dirty="0"/>
-              <a:t>Must manually resolve conflicts</a:t>
-            </a:r>
-          </a:p>
-        </p:txBody>
-      </p:sp>
-      <p:sp>
-        <p:nvSpPr>
-          <p:cNvPr id="4" name="Date Placeholder 3"/>
+      </p:pic>
+      <p:sp>
+        <p:nvSpPr>
+          <p:cNvPr id="5" name="Date Placeholder 4"/>
           <p:cNvSpPr>
             <a:spLocks noGrp="1"/>
           </p:cNvSpPr>
@@ -11205,9 +11692,9 @@
           <a:bodyPr/>
           <a:lstStyle/>
           <a:p>
-            <a:fld id="{74F93749-3CD2-4A95-98ED-FE9E109683BE}" type="datetime4">
+            <a:fld id="{ABCDBDCF-BD7C-42D5-AA45-BDAC8FAB55A4}" type="datetime4">
               <a:rPr lang="en-US" smtClean="0"/>
-              <a:t>June 6, 2019</a:t>
+              <a:t>June 12, 2019</a:t>
             </a:fld>
             <a:endParaRPr lang="en-US" dirty="0"/>
           </a:p>
@@ -11215,7 +11702,30 @@
       </p:sp>
       <p:sp>
         <p:nvSpPr>
-          <p:cNvPr id="5" name="Footer Placeholder 4"/>
+          <p:cNvPr id="6" name="Slide Number Placeholder 5"/>
+          <p:cNvSpPr>
+            <a:spLocks noGrp="1"/>
+          </p:cNvSpPr>
+          <p:nvPr>
+            <p:ph type="sldNum" sz="quarter" idx="12"/>
+          </p:nvPr>
+        </p:nvSpPr>
+        <p:spPr/>
+        <p:txBody>
+          <a:bodyPr/>
+          <a:lstStyle/>
+          <a:p>
+            <a:fld id="{D57F1E4F-1CFF-5643-939E-02111984F565}" type="slidenum">
+              <a:rPr lang="en-US" smtClean="0"/>
+              <a:t>4</a:t>
+            </a:fld>
+            <a:endParaRPr lang="en-US" dirty="0"/>
+          </a:p>
+        </p:txBody>
+      </p:sp>
+      <p:sp>
+        <p:nvSpPr>
+          <p:cNvPr id="7" name="Footer Placeholder 6"/>
           <p:cNvSpPr>
             <a:spLocks noGrp="1"/>
           </p:cNvSpPr>
@@ -11264,6 +11774,454 @@
           </a:p>
         </p:txBody>
       </p:sp>
+      <p:pic>
+        <p:nvPicPr>
+          <p:cNvPr id="10" name="Picture 9">
+            <a:extLst>
+              <a:ext uri="{FF2B5EF4-FFF2-40B4-BE49-F238E27FC236}">
+                <a16:creationId xmlns:a16="http://schemas.microsoft.com/office/drawing/2014/main" id="{60B37E9D-2C05-4A2E-8CBE-F38BAD4C28A3}"/>
+              </a:ext>
+            </a:extLst>
+          </p:cNvPr>
+          <p:cNvPicPr>
+            <a:picLocks noChangeAspect="1"/>
+          </p:cNvPicPr>
+          <p:nvPr/>
+        </p:nvPicPr>
+        <p:blipFill>
+          <a:blip r:embed="rId3"/>
+          <a:stretch>
+            <a:fillRect/>
+          </a:stretch>
+        </p:blipFill>
+        <p:spPr>
+          <a:xfrm>
+            <a:off x="6649090" y="3715575"/>
+            <a:ext cx="5349555" cy="2193317"/>
+          </a:xfrm>
+          <a:prstGeom prst="rect">
+            <a:avLst/>
+          </a:prstGeom>
+        </p:spPr>
+      </p:pic>
+      <p:sp>
+        <p:nvSpPr>
+          <p:cNvPr id="11" name="Content Placeholder 2">
+            <a:extLst>
+              <a:ext uri="{FF2B5EF4-FFF2-40B4-BE49-F238E27FC236}">
+                <a16:creationId xmlns:a16="http://schemas.microsoft.com/office/drawing/2014/main" id="{FE1B108A-3F0D-4D42-A4B2-178657E7D869}"/>
+              </a:ext>
+            </a:extLst>
+          </p:cNvPr>
+          <p:cNvSpPr txBox="1">
+            <a:spLocks/>
+          </p:cNvSpPr>
+          <p:nvPr/>
+        </p:nvSpPr>
+        <p:spPr>
+          <a:xfrm>
+            <a:off x="838200" y="1825625"/>
+            <a:ext cx="5199529" cy="4351338"/>
+          </a:xfrm>
+          <a:prstGeom prst="rect">
+            <a:avLst/>
+          </a:prstGeom>
+        </p:spPr>
+        <p:txBody>
+          <a:bodyPr vert="horz" lIns="91440" tIns="45720" rIns="91440" bIns="45720" rtlCol="0">
+            <a:normAutofit/>
+          </a:bodyPr>
+          <a:lstStyle>
+            <a:lvl1pPr marL="228600" indent="-228600" algn="l" defTabSz="914400" rtl="0" eaLnBrk="1" latinLnBrk="0" hangingPunct="1">
+              <a:lnSpc>
+                <a:spcPct val="90000"/>
+              </a:lnSpc>
+              <a:spcBef>
+                <a:spcPts val="1000"/>
+              </a:spcBef>
+              <a:buFont typeface="Arial" panose="020B0604020202020204" pitchFamily="34" charset="0"/>
+              <a:buChar char="•"/>
+              <a:defRPr sz="2800" kern="1200">
+                <a:solidFill>
+                  <a:schemeClr val="tx1"/>
+                </a:solidFill>
+                <a:latin typeface="+mn-lt"/>
+                <a:ea typeface="+mn-ea"/>
+                <a:cs typeface="+mn-cs"/>
+              </a:defRPr>
+            </a:lvl1pPr>
+            <a:lvl2pPr marL="685800" indent="-228600" algn="l" defTabSz="914400" rtl="0" eaLnBrk="1" latinLnBrk="0" hangingPunct="1">
+              <a:lnSpc>
+                <a:spcPct val="90000"/>
+              </a:lnSpc>
+              <a:spcBef>
+                <a:spcPts val="500"/>
+              </a:spcBef>
+              <a:buFont typeface="Arial" panose="020B0604020202020204" pitchFamily="34" charset="0"/>
+              <a:buChar char="•"/>
+              <a:defRPr sz="2400" kern="1200">
+                <a:solidFill>
+                  <a:schemeClr val="tx1"/>
+                </a:solidFill>
+                <a:latin typeface="+mn-lt"/>
+                <a:ea typeface="+mn-ea"/>
+                <a:cs typeface="+mn-cs"/>
+              </a:defRPr>
+            </a:lvl2pPr>
+            <a:lvl3pPr marL="1143000" indent="-228600" algn="l" defTabSz="914400" rtl="0" eaLnBrk="1" latinLnBrk="0" hangingPunct="1">
+              <a:lnSpc>
+                <a:spcPct val="90000"/>
+              </a:lnSpc>
+              <a:spcBef>
+                <a:spcPts val="500"/>
+              </a:spcBef>
+              <a:buFont typeface="Arial" panose="020B0604020202020204" pitchFamily="34" charset="0"/>
+              <a:buChar char="•"/>
+              <a:defRPr sz="2000" kern="1200">
+                <a:solidFill>
+                  <a:schemeClr val="tx1"/>
+                </a:solidFill>
+                <a:latin typeface="+mn-lt"/>
+                <a:ea typeface="+mn-ea"/>
+                <a:cs typeface="+mn-cs"/>
+              </a:defRPr>
+            </a:lvl3pPr>
+            <a:lvl4pPr marL="1600200" indent="-228600" algn="l" defTabSz="914400" rtl="0" eaLnBrk="1" latinLnBrk="0" hangingPunct="1">
+              <a:lnSpc>
+                <a:spcPct val="90000"/>
+              </a:lnSpc>
+              <a:spcBef>
+                <a:spcPts val="500"/>
+              </a:spcBef>
+              <a:buFont typeface="Arial" panose="020B0604020202020204" pitchFamily="34" charset="0"/>
+              <a:buChar char="•"/>
+              <a:defRPr sz="1800" kern="1200">
+                <a:solidFill>
+                  <a:schemeClr val="tx1"/>
+                </a:solidFill>
+                <a:latin typeface="+mn-lt"/>
+                <a:ea typeface="+mn-ea"/>
+                <a:cs typeface="+mn-cs"/>
+              </a:defRPr>
+            </a:lvl4pPr>
+            <a:lvl5pPr marL="2057400" indent="-228600" algn="l" defTabSz="914400" rtl="0" eaLnBrk="1" latinLnBrk="0" hangingPunct="1">
+              <a:lnSpc>
+                <a:spcPct val="90000"/>
+              </a:lnSpc>
+              <a:spcBef>
+                <a:spcPts val="500"/>
+              </a:spcBef>
+              <a:buFont typeface="Arial" panose="020B0604020202020204" pitchFamily="34" charset="0"/>
+              <a:buChar char="•"/>
+              <a:defRPr sz="1800" kern="1200">
+                <a:solidFill>
+                  <a:schemeClr val="tx1"/>
+                </a:solidFill>
+                <a:latin typeface="+mn-lt"/>
+                <a:ea typeface="+mn-ea"/>
+                <a:cs typeface="+mn-cs"/>
+              </a:defRPr>
+            </a:lvl5pPr>
+            <a:lvl6pPr marL="2514600" indent="-228600" algn="l" defTabSz="914400" rtl="0" eaLnBrk="1" latinLnBrk="0" hangingPunct="1">
+              <a:lnSpc>
+                <a:spcPct val="90000"/>
+              </a:lnSpc>
+              <a:spcBef>
+                <a:spcPts val="500"/>
+              </a:spcBef>
+              <a:buFont typeface="Arial" panose="020B0604020202020204" pitchFamily="34" charset="0"/>
+              <a:buChar char="•"/>
+              <a:defRPr sz="1800" kern="1200">
+                <a:solidFill>
+                  <a:schemeClr val="tx1"/>
+                </a:solidFill>
+                <a:latin typeface="+mn-lt"/>
+                <a:ea typeface="+mn-ea"/>
+                <a:cs typeface="+mn-cs"/>
+              </a:defRPr>
+            </a:lvl6pPr>
+            <a:lvl7pPr marL="2971800" indent="-228600" algn="l" defTabSz="914400" rtl="0" eaLnBrk="1" latinLnBrk="0" hangingPunct="1">
+              <a:lnSpc>
+                <a:spcPct val="90000"/>
+              </a:lnSpc>
+              <a:spcBef>
+                <a:spcPts val="500"/>
+              </a:spcBef>
+              <a:buFont typeface="Arial" panose="020B0604020202020204" pitchFamily="34" charset="0"/>
+              <a:buChar char="•"/>
+              <a:defRPr sz="1800" kern="1200">
+                <a:solidFill>
+                  <a:schemeClr val="tx1"/>
+                </a:solidFill>
+                <a:latin typeface="+mn-lt"/>
+                <a:ea typeface="+mn-ea"/>
+                <a:cs typeface="+mn-cs"/>
+              </a:defRPr>
+            </a:lvl7pPr>
+            <a:lvl8pPr marL="3429000" indent="-228600" algn="l" defTabSz="914400" rtl="0" eaLnBrk="1" latinLnBrk="0" hangingPunct="1">
+              <a:lnSpc>
+                <a:spcPct val="90000"/>
+              </a:lnSpc>
+              <a:spcBef>
+                <a:spcPts val="500"/>
+              </a:spcBef>
+              <a:buFont typeface="Arial" panose="020B0604020202020204" pitchFamily="34" charset="0"/>
+              <a:buChar char="•"/>
+              <a:defRPr sz="1800" kern="1200">
+                <a:solidFill>
+                  <a:schemeClr val="tx1"/>
+                </a:solidFill>
+                <a:latin typeface="+mn-lt"/>
+                <a:ea typeface="+mn-ea"/>
+                <a:cs typeface="+mn-cs"/>
+              </a:defRPr>
+            </a:lvl8pPr>
+            <a:lvl9pPr marL="3886200" indent="-228600" algn="l" defTabSz="914400" rtl="0" eaLnBrk="1" latinLnBrk="0" hangingPunct="1">
+              <a:lnSpc>
+                <a:spcPct val="90000"/>
+              </a:lnSpc>
+              <a:spcBef>
+                <a:spcPts val="500"/>
+              </a:spcBef>
+              <a:buFont typeface="Arial" panose="020B0604020202020204" pitchFamily="34" charset="0"/>
+              <a:buChar char="•"/>
+              <a:defRPr sz="1800" kern="1200">
+                <a:solidFill>
+                  <a:schemeClr val="tx1"/>
+                </a:solidFill>
+                <a:latin typeface="+mn-lt"/>
+                <a:ea typeface="+mn-ea"/>
+                <a:cs typeface="+mn-cs"/>
+              </a:defRPr>
+            </a:lvl9pPr>
+          </a:lstStyle>
+          <a:p>
+            <a:r>
+              <a:rPr lang="en-US" dirty="0"/>
+              <a:t>The largest host for Git repositories</a:t>
+            </a:r>
+          </a:p>
+          <a:p>
+            <a:r>
+              <a:rPr lang="en-US" dirty="0"/>
+              <a:t>Free (for public repositories)</a:t>
+            </a:r>
+          </a:p>
+          <a:p>
+            <a:r>
+              <a:rPr lang="en-US" dirty="0"/>
+              <a:t>A great place to collaborate</a:t>
+            </a:r>
+          </a:p>
+          <a:p>
+            <a:pPr lvl="1"/>
+            <a:r>
+              <a:rPr lang="en-US" dirty="0"/>
+              <a:t>Support for unique features</a:t>
+            </a:r>
+          </a:p>
+          <a:p>
+            <a:pPr lvl="1"/>
+            <a:r>
+              <a:rPr lang="en-US" dirty="0"/>
+              <a:t>Comment sections</a:t>
+            </a:r>
+          </a:p>
+          <a:p>
+            <a:pPr lvl="1"/>
+            <a:r>
+              <a:rPr lang="en-US" dirty="0"/>
+              <a:t>Organizations</a:t>
+            </a:r>
+          </a:p>
+          <a:p>
+            <a:pPr lvl="1"/>
+            <a:r>
+              <a:rPr lang="en-US" dirty="0"/>
+              <a:t>Issue tracking</a:t>
+            </a:r>
+          </a:p>
+          <a:p>
+            <a:r>
+              <a:rPr lang="en-US" dirty="0"/>
+              <a:t>Extensible!</a:t>
+            </a:r>
+          </a:p>
+        </p:txBody>
+      </p:sp>
+    </p:spTree>
+    <p:extLst>
+      <p:ext uri="{BB962C8B-B14F-4D97-AF65-F5344CB8AC3E}">
+        <p14:creationId xmlns:p14="http://schemas.microsoft.com/office/powerpoint/2010/main" val="2155920567"/>
+      </p:ext>
+    </p:extLst>
+  </p:cSld>
+  <p:clrMapOvr>
+    <a:masterClrMapping/>
+  </p:clrMapOvr>
+</p:sld>
+</file>
+
+<file path=ppt/slides/slide40.xml><?xml version="1.0" encoding="utf-8"?>
+<p:sld xmlns:a="http://schemas.openxmlformats.org/drawingml/2006/main" xmlns:r="http://schemas.openxmlformats.org/officeDocument/2006/relationships" xmlns:p="http://schemas.openxmlformats.org/presentationml/2006/main">
+  <p:cSld>
+    <p:spTree>
+      <p:nvGrpSpPr>
+        <p:cNvPr id="1" name=""/>
+        <p:cNvGrpSpPr/>
+        <p:nvPr/>
+      </p:nvGrpSpPr>
+      <p:grpSpPr>
+        <a:xfrm>
+          <a:off x="0" y="0"/>
+          <a:ext cx="0" cy="0"/>
+          <a:chOff x="0" y="0"/>
+          <a:chExt cx="0" cy="0"/>
+        </a:xfrm>
+      </p:grpSpPr>
+      <p:sp>
+        <p:nvSpPr>
+          <p:cNvPr id="2" name="Title 1"/>
+          <p:cNvSpPr>
+            <a:spLocks noGrp="1"/>
+          </p:cNvSpPr>
+          <p:nvPr>
+            <p:ph type="title"/>
+          </p:nvPr>
+        </p:nvSpPr>
+        <p:spPr/>
+        <p:txBody>
+          <a:bodyPr/>
+          <a:lstStyle/>
+          <a:p>
+            <a:r>
+              <a:rPr lang="en-US" dirty="0"/>
+              <a:t>CONFLICTS</a:t>
+            </a:r>
+          </a:p>
+        </p:txBody>
+      </p:sp>
+      <p:sp>
+        <p:nvSpPr>
+          <p:cNvPr id="3" name="Content Placeholder 2"/>
+          <p:cNvSpPr>
+            <a:spLocks noGrp="1"/>
+          </p:cNvSpPr>
+          <p:nvPr>
+            <p:ph idx="1"/>
+          </p:nvPr>
+        </p:nvSpPr>
+        <p:spPr>
+          <a:xfrm>
+            <a:off x="838200" y="1825625"/>
+            <a:ext cx="5404945" cy="4351338"/>
+          </a:xfrm>
+        </p:spPr>
+        <p:txBody>
+          <a:bodyPr/>
+          <a:lstStyle/>
+          <a:p>
+            <a:r>
+              <a:rPr lang="en-US" dirty="0"/>
+              <a:t>Occasionally, two people may have edited the same </a:t>
+            </a:r>
+            <a:r>
+              <a:rPr lang="en-US" dirty="0" smtClean="0"/>
+              <a:t>part of the same file </a:t>
+            </a:r>
+            <a:r>
+              <a:rPr lang="en-US" dirty="0"/>
+              <a:t>on different branches</a:t>
+            </a:r>
+          </a:p>
+          <a:p>
+            <a:r>
+              <a:rPr lang="en-US" dirty="0"/>
+              <a:t>Which version do we take?</a:t>
+            </a:r>
+          </a:p>
+          <a:p>
+            <a:r>
+              <a:rPr lang="en-US" dirty="0"/>
+              <a:t>Must manually resolve conflicts</a:t>
+            </a:r>
+          </a:p>
+        </p:txBody>
+      </p:sp>
+      <p:sp>
+        <p:nvSpPr>
+          <p:cNvPr id="4" name="Date Placeholder 3"/>
+          <p:cNvSpPr>
+            <a:spLocks noGrp="1"/>
+          </p:cNvSpPr>
+          <p:nvPr>
+            <p:ph type="dt" sz="half" idx="10"/>
+          </p:nvPr>
+        </p:nvSpPr>
+        <p:spPr/>
+        <p:txBody>
+          <a:bodyPr/>
+          <a:lstStyle/>
+          <a:p>
+            <a:fld id="{74F93749-3CD2-4A95-98ED-FE9E109683BE}" type="datetime4">
+              <a:rPr lang="en-US" smtClean="0"/>
+              <a:t>June 12, 2019</a:t>
+            </a:fld>
+            <a:endParaRPr lang="en-US" dirty="0"/>
+          </a:p>
+        </p:txBody>
+      </p:sp>
+      <p:sp>
+        <p:nvSpPr>
+          <p:cNvPr id="5" name="Footer Placeholder 4"/>
+          <p:cNvSpPr>
+            <a:spLocks noGrp="1"/>
+          </p:cNvSpPr>
+          <p:nvPr>
+            <p:ph type="ftr" sz="quarter" idx="11"/>
+          </p:nvPr>
+        </p:nvSpPr>
+        <p:spPr/>
+        <p:txBody>
+          <a:bodyPr/>
+          <a:lstStyle/>
+          <a:p>
+            <a:r>
+              <a:rPr lang="en-US"/>
+              <a:t>Digital Scholarship Services </a:t>
+            </a:r>
+            <a:r>
+              <a:rPr lang="en-US">
+                <a:solidFill>
+                  <a:schemeClr val="accent1">
+                    <a:lumMod val="50000"/>
+                  </a:schemeClr>
+                </a:solidFill>
+              </a:rPr>
+              <a:t>| Email</a:t>
+            </a:r>
+            <a:r>
+              <a:rPr lang="en-US"/>
+              <a:t> cf24@rice.edu </a:t>
+            </a:r>
+            <a:r>
+              <a:rPr lang="en-US">
+                <a:solidFill>
+                  <a:schemeClr val="accent1">
+                    <a:lumMod val="50000"/>
+                  </a:schemeClr>
+                </a:solidFill>
+              </a:rPr>
+              <a:t>|</a:t>
+            </a:r>
+            <a:r>
+              <a:rPr lang="en-US"/>
+              <a:t> library.rice.edu/dss</a:t>
+            </a:r>
+            <a:endParaRPr lang="en-US" dirty="0"/>
+          </a:p>
+        </p:txBody>
+      </p:sp>
       <p:sp>
         <p:nvSpPr>
           <p:cNvPr id="6" name="Slide Number Placeholder 5"/>
@@ -11281,7 +12239,7 @@
           <a:p>
             <a:fld id="{D57F1E4F-1CFF-5643-939E-02111984F565}" type="slidenum">
               <a:rPr lang="en-US" smtClean="0"/>
-              <a:t>38</a:t>
+              <a:t>40</a:t>
             </a:fld>
             <a:endParaRPr lang="en-US" dirty="0"/>
           </a:p>
@@ -11382,7 +12340,7 @@
 </p:sld>
 </file>
 
-<file path=ppt/slides/slide39.xml><?xml version="1.0" encoding="utf-8"?>
+<file path=ppt/slides/slide41.xml><?xml version="1.0" encoding="utf-8"?>
 <p:sld xmlns:a="http://schemas.openxmlformats.org/drawingml/2006/main" xmlns:r="http://schemas.openxmlformats.org/officeDocument/2006/relationships" xmlns:p="http://schemas.openxmlformats.org/presentationml/2006/main">
   <p:cSld>
     <p:spTree>
@@ -11438,7 +12396,7 @@
           <a:p>
             <a:fld id="{74F93749-3CD2-4A95-98ED-FE9E109683BE}" type="datetime4">
               <a:rPr lang="en-US" smtClean="0"/>
-              <a:t>June 6, 2019</a:t>
+              <a:t>June 12, 2019</a:t>
             </a:fld>
             <a:endParaRPr lang="en-US" dirty="0"/>
           </a:p>
@@ -11512,7 +12470,7 @@
           <a:p>
             <a:fld id="{D57F1E4F-1CFF-5643-939E-02111984F565}" type="slidenum">
               <a:rPr lang="en-US" smtClean="0"/>
-              <a:t>39</a:t>
+              <a:t>41</a:t>
             </a:fld>
             <a:endParaRPr lang="en-US" dirty="0"/>
           </a:p>
@@ -11832,7 +12790,7 @@
 </p:sld>
 </file>
 
-<file path=ppt/slides/slide4.xml><?xml version="1.0" encoding="utf-8"?>
+<file path=ppt/slides/slide42.xml><?xml version="1.0" encoding="utf-8"?>
 <p:sld xmlns:a="http://schemas.openxmlformats.org/drawingml/2006/main" xmlns:r="http://schemas.openxmlformats.org/officeDocument/2006/relationships" xmlns:p="http://schemas.openxmlformats.org/presentationml/2006/main">
   <p:cSld>
     <p:spTree>
@@ -11865,46 +12823,15 @@
           <a:lstStyle/>
           <a:p>
             <a:r>
-              <a:rPr lang="en-US" dirty="0">
-                <a:latin typeface="+mn-lt"/>
-              </a:rPr>
-              <a:t>WHAT IS GITHUB?</a:t>
-            </a:r>
-          </a:p>
-        </p:txBody>
-      </p:sp>
-      <p:pic>
-        <p:nvPicPr>
-          <p:cNvPr id="8" name="Content Placeholder 7">
-            <a:extLst>
-              <a:ext uri="{FF2B5EF4-FFF2-40B4-BE49-F238E27FC236}">
-                <a16:creationId xmlns:a16="http://schemas.microsoft.com/office/drawing/2014/main" id="{55F5BDAA-3BD0-4E79-AC0F-46319E23DD68}"/>
-              </a:ext>
-            </a:extLst>
-          </p:cNvPr>
-          <p:cNvPicPr>
-            <a:picLocks noGrp="1" noChangeAspect="1"/>
-          </p:cNvPicPr>
-          <p:nvPr>
-            <p:ph idx="1"/>
-          </p:nvPr>
-        </p:nvPicPr>
-        <p:blipFill>
-          <a:blip r:embed="rId2"/>
-          <a:stretch>
-            <a:fillRect/>
-          </a:stretch>
-        </p:blipFill>
-        <p:spPr>
-          <a:xfrm>
-            <a:off x="7699071" y="1347343"/>
-            <a:ext cx="3249594" cy="2701225"/>
-          </a:xfrm>
-        </p:spPr>
-      </p:pic>
-      <p:sp>
-        <p:nvSpPr>
-          <p:cNvPr id="5" name="Date Placeholder 4"/>
+              <a:rPr lang="en-US" dirty="0"/>
+              <a:t>CONFLICTS IN ACTION</a:t>
+            </a:r>
+          </a:p>
+        </p:txBody>
+      </p:sp>
+      <p:sp>
+        <p:nvSpPr>
+          <p:cNvPr id="4" name="Date Placeholder 3"/>
           <p:cNvSpPr>
             <a:spLocks noGrp="1"/>
           </p:cNvSpPr>
@@ -11917,9 +12844,9 @@
           <a:bodyPr/>
           <a:lstStyle/>
           <a:p>
-            <a:fld id="{ABCDBDCF-BD7C-42D5-AA45-BDAC8FAB55A4}" type="datetime4">
+            <a:fld id="{74F93749-3CD2-4A95-98ED-FE9E109683BE}" type="datetime4">
               <a:rPr lang="en-US" smtClean="0"/>
-              <a:t>June 6, 2019</a:t>
+              <a:t>June 12, 2019</a:t>
             </a:fld>
             <a:endParaRPr lang="en-US" dirty="0"/>
           </a:p>
@@ -11927,30 +12854,7 @@
       </p:sp>
       <p:sp>
         <p:nvSpPr>
-          <p:cNvPr id="6" name="Slide Number Placeholder 5"/>
-          <p:cNvSpPr>
-            <a:spLocks noGrp="1"/>
-          </p:cNvSpPr>
-          <p:nvPr>
-            <p:ph type="sldNum" sz="quarter" idx="12"/>
-          </p:nvPr>
-        </p:nvSpPr>
-        <p:spPr/>
-        <p:txBody>
-          <a:bodyPr/>
-          <a:lstStyle/>
-          <a:p>
-            <a:fld id="{D57F1E4F-1CFF-5643-939E-02111984F565}" type="slidenum">
-              <a:rPr lang="en-US" smtClean="0"/>
-              <a:t>4</a:t>
-            </a:fld>
-            <a:endParaRPr lang="en-US" dirty="0"/>
-          </a:p>
-        </p:txBody>
-      </p:sp>
-      <p:sp>
-        <p:nvSpPr>
-          <p:cNvPr id="7" name="Footer Placeholder 6"/>
+          <p:cNvPr id="5" name="Footer Placeholder 4"/>
           <p:cNvSpPr>
             <a:spLocks noGrp="1"/>
           </p:cNvSpPr>
@@ -11999,407 +12903,6 @@
           </a:p>
         </p:txBody>
       </p:sp>
-      <p:pic>
-        <p:nvPicPr>
-          <p:cNvPr id="10" name="Picture 9">
-            <a:extLst>
-              <a:ext uri="{FF2B5EF4-FFF2-40B4-BE49-F238E27FC236}">
-                <a16:creationId xmlns:a16="http://schemas.microsoft.com/office/drawing/2014/main" id="{60B37E9D-2C05-4A2E-8CBE-F38BAD4C28A3}"/>
-              </a:ext>
-            </a:extLst>
-          </p:cNvPr>
-          <p:cNvPicPr>
-            <a:picLocks noChangeAspect="1"/>
-          </p:cNvPicPr>
-          <p:nvPr/>
-        </p:nvPicPr>
-        <p:blipFill>
-          <a:blip r:embed="rId3"/>
-          <a:stretch>
-            <a:fillRect/>
-          </a:stretch>
-        </p:blipFill>
-        <p:spPr>
-          <a:xfrm>
-            <a:off x="6649090" y="3715575"/>
-            <a:ext cx="5349555" cy="2193317"/>
-          </a:xfrm>
-          <a:prstGeom prst="rect">
-            <a:avLst/>
-          </a:prstGeom>
-        </p:spPr>
-      </p:pic>
-      <p:sp>
-        <p:nvSpPr>
-          <p:cNvPr id="11" name="Content Placeholder 2">
-            <a:extLst>
-              <a:ext uri="{FF2B5EF4-FFF2-40B4-BE49-F238E27FC236}">
-                <a16:creationId xmlns:a16="http://schemas.microsoft.com/office/drawing/2014/main" id="{FE1B108A-3F0D-4D42-A4B2-178657E7D869}"/>
-              </a:ext>
-            </a:extLst>
-          </p:cNvPr>
-          <p:cNvSpPr txBox="1">
-            <a:spLocks/>
-          </p:cNvSpPr>
-          <p:nvPr/>
-        </p:nvSpPr>
-        <p:spPr>
-          <a:xfrm>
-            <a:off x="838200" y="1825625"/>
-            <a:ext cx="5199529" cy="4351338"/>
-          </a:xfrm>
-          <a:prstGeom prst="rect">
-            <a:avLst/>
-          </a:prstGeom>
-        </p:spPr>
-        <p:txBody>
-          <a:bodyPr vert="horz" lIns="91440" tIns="45720" rIns="91440" bIns="45720" rtlCol="0">
-            <a:normAutofit/>
-          </a:bodyPr>
-          <a:lstStyle>
-            <a:lvl1pPr marL="228600" indent="-228600" algn="l" defTabSz="914400" rtl="0" eaLnBrk="1" latinLnBrk="0" hangingPunct="1">
-              <a:lnSpc>
-                <a:spcPct val="90000"/>
-              </a:lnSpc>
-              <a:spcBef>
-                <a:spcPts val="1000"/>
-              </a:spcBef>
-              <a:buFont typeface="Arial" panose="020B0604020202020204" pitchFamily="34" charset="0"/>
-              <a:buChar char="•"/>
-              <a:defRPr sz="2800" kern="1200">
-                <a:solidFill>
-                  <a:schemeClr val="tx1"/>
-                </a:solidFill>
-                <a:latin typeface="+mn-lt"/>
-                <a:ea typeface="+mn-ea"/>
-                <a:cs typeface="+mn-cs"/>
-              </a:defRPr>
-            </a:lvl1pPr>
-            <a:lvl2pPr marL="685800" indent="-228600" algn="l" defTabSz="914400" rtl="0" eaLnBrk="1" latinLnBrk="0" hangingPunct="1">
-              <a:lnSpc>
-                <a:spcPct val="90000"/>
-              </a:lnSpc>
-              <a:spcBef>
-                <a:spcPts val="500"/>
-              </a:spcBef>
-              <a:buFont typeface="Arial" panose="020B0604020202020204" pitchFamily="34" charset="0"/>
-              <a:buChar char="•"/>
-              <a:defRPr sz="2400" kern="1200">
-                <a:solidFill>
-                  <a:schemeClr val="tx1"/>
-                </a:solidFill>
-                <a:latin typeface="+mn-lt"/>
-                <a:ea typeface="+mn-ea"/>
-                <a:cs typeface="+mn-cs"/>
-              </a:defRPr>
-            </a:lvl2pPr>
-            <a:lvl3pPr marL="1143000" indent="-228600" algn="l" defTabSz="914400" rtl="0" eaLnBrk="1" latinLnBrk="0" hangingPunct="1">
-              <a:lnSpc>
-                <a:spcPct val="90000"/>
-              </a:lnSpc>
-              <a:spcBef>
-                <a:spcPts val="500"/>
-              </a:spcBef>
-              <a:buFont typeface="Arial" panose="020B0604020202020204" pitchFamily="34" charset="0"/>
-              <a:buChar char="•"/>
-              <a:defRPr sz="2000" kern="1200">
-                <a:solidFill>
-                  <a:schemeClr val="tx1"/>
-                </a:solidFill>
-                <a:latin typeface="+mn-lt"/>
-                <a:ea typeface="+mn-ea"/>
-                <a:cs typeface="+mn-cs"/>
-              </a:defRPr>
-            </a:lvl3pPr>
-            <a:lvl4pPr marL="1600200" indent="-228600" algn="l" defTabSz="914400" rtl="0" eaLnBrk="1" latinLnBrk="0" hangingPunct="1">
-              <a:lnSpc>
-                <a:spcPct val="90000"/>
-              </a:lnSpc>
-              <a:spcBef>
-                <a:spcPts val="500"/>
-              </a:spcBef>
-              <a:buFont typeface="Arial" panose="020B0604020202020204" pitchFamily="34" charset="0"/>
-              <a:buChar char="•"/>
-              <a:defRPr sz="1800" kern="1200">
-                <a:solidFill>
-                  <a:schemeClr val="tx1"/>
-                </a:solidFill>
-                <a:latin typeface="+mn-lt"/>
-                <a:ea typeface="+mn-ea"/>
-                <a:cs typeface="+mn-cs"/>
-              </a:defRPr>
-            </a:lvl4pPr>
-            <a:lvl5pPr marL="2057400" indent="-228600" algn="l" defTabSz="914400" rtl="0" eaLnBrk="1" latinLnBrk="0" hangingPunct="1">
-              <a:lnSpc>
-                <a:spcPct val="90000"/>
-              </a:lnSpc>
-              <a:spcBef>
-                <a:spcPts val="500"/>
-              </a:spcBef>
-              <a:buFont typeface="Arial" panose="020B0604020202020204" pitchFamily="34" charset="0"/>
-              <a:buChar char="•"/>
-              <a:defRPr sz="1800" kern="1200">
-                <a:solidFill>
-                  <a:schemeClr val="tx1"/>
-                </a:solidFill>
-                <a:latin typeface="+mn-lt"/>
-                <a:ea typeface="+mn-ea"/>
-                <a:cs typeface="+mn-cs"/>
-              </a:defRPr>
-            </a:lvl5pPr>
-            <a:lvl6pPr marL="2514600" indent="-228600" algn="l" defTabSz="914400" rtl="0" eaLnBrk="1" latinLnBrk="0" hangingPunct="1">
-              <a:lnSpc>
-                <a:spcPct val="90000"/>
-              </a:lnSpc>
-              <a:spcBef>
-                <a:spcPts val="500"/>
-              </a:spcBef>
-              <a:buFont typeface="Arial" panose="020B0604020202020204" pitchFamily="34" charset="0"/>
-              <a:buChar char="•"/>
-              <a:defRPr sz="1800" kern="1200">
-                <a:solidFill>
-                  <a:schemeClr val="tx1"/>
-                </a:solidFill>
-                <a:latin typeface="+mn-lt"/>
-                <a:ea typeface="+mn-ea"/>
-                <a:cs typeface="+mn-cs"/>
-              </a:defRPr>
-            </a:lvl6pPr>
-            <a:lvl7pPr marL="2971800" indent="-228600" algn="l" defTabSz="914400" rtl="0" eaLnBrk="1" latinLnBrk="0" hangingPunct="1">
-              <a:lnSpc>
-                <a:spcPct val="90000"/>
-              </a:lnSpc>
-              <a:spcBef>
-                <a:spcPts val="500"/>
-              </a:spcBef>
-              <a:buFont typeface="Arial" panose="020B0604020202020204" pitchFamily="34" charset="0"/>
-              <a:buChar char="•"/>
-              <a:defRPr sz="1800" kern="1200">
-                <a:solidFill>
-                  <a:schemeClr val="tx1"/>
-                </a:solidFill>
-                <a:latin typeface="+mn-lt"/>
-                <a:ea typeface="+mn-ea"/>
-                <a:cs typeface="+mn-cs"/>
-              </a:defRPr>
-            </a:lvl7pPr>
-            <a:lvl8pPr marL="3429000" indent="-228600" algn="l" defTabSz="914400" rtl="0" eaLnBrk="1" latinLnBrk="0" hangingPunct="1">
-              <a:lnSpc>
-                <a:spcPct val="90000"/>
-              </a:lnSpc>
-              <a:spcBef>
-                <a:spcPts val="500"/>
-              </a:spcBef>
-              <a:buFont typeface="Arial" panose="020B0604020202020204" pitchFamily="34" charset="0"/>
-              <a:buChar char="•"/>
-              <a:defRPr sz="1800" kern="1200">
-                <a:solidFill>
-                  <a:schemeClr val="tx1"/>
-                </a:solidFill>
-                <a:latin typeface="+mn-lt"/>
-                <a:ea typeface="+mn-ea"/>
-                <a:cs typeface="+mn-cs"/>
-              </a:defRPr>
-            </a:lvl8pPr>
-            <a:lvl9pPr marL="3886200" indent="-228600" algn="l" defTabSz="914400" rtl="0" eaLnBrk="1" latinLnBrk="0" hangingPunct="1">
-              <a:lnSpc>
-                <a:spcPct val="90000"/>
-              </a:lnSpc>
-              <a:spcBef>
-                <a:spcPts val="500"/>
-              </a:spcBef>
-              <a:buFont typeface="Arial" panose="020B0604020202020204" pitchFamily="34" charset="0"/>
-              <a:buChar char="•"/>
-              <a:defRPr sz="1800" kern="1200">
-                <a:solidFill>
-                  <a:schemeClr val="tx1"/>
-                </a:solidFill>
-                <a:latin typeface="+mn-lt"/>
-                <a:ea typeface="+mn-ea"/>
-                <a:cs typeface="+mn-cs"/>
-              </a:defRPr>
-            </a:lvl9pPr>
-          </a:lstStyle>
-          <a:p>
-            <a:r>
-              <a:rPr lang="en-US" dirty="0"/>
-              <a:t>The largest host for Git repositories</a:t>
-            </a:r>
-          </a:p>
-          <a:p>
-            <a:r>
-              <a:rPr lang="en-US" dirty="0"/>
-              <a:t>Free (for public repositories)</a:t>
-            </a:r>
-          </a:p>
-          <a:p>
-            <a:r>
-              <a:rPr lang="en-US" dirty="0"/>
-              <a:t>A great place to collaborate</a:t>
-            </a:r>
-          </a:p>
-          <a:p>
-            <a:pPr lvl="1"/>
-            <a:r>
-              <a:rPr lang="en-US" dirty="0"/>
-              <a:t>Support for unique features</a:t>
-            </a:r>
-          </a:p>
-          <a:p>
-            <a:pPr lvl="1"/>
-            <a:r>
-              <a:rPr lang="en-US" dirty="0"/>
-              <a:t>Comment sections</a:t>
-            </a:r>
-          </a:p>
-          <a:p>
-            <a:pPr lvl="1"/>
-            <a:r>
-              <a:rPr lang="en-US" dirty="0"/>
-              <a:t>Organizations</a:t>
-            </a:r>
-          </a:p>
-          <a:p>
-            <a:pPr lvl="1"/>
-            <a:r>
-              <a:rPr lang="en-US" dirty="0"/>
-              <a:t>Issue tracking</a:t>
-            </a:r>
-          </a:p>
-          <a:p>
-            <a:r>
-              <a:rPr lang="en-US" dirty="0"/>
-              <a:t>Extensible!</a:t>
-            </a:r>
-          </a:p>
-        </p:txBody>
-      </p:sp>
-    </p:spTree>
-    <p:extLst>
-      <p:ext uri="{BB962C8B-B14F-4D97-AF65-F5344CB8AC3E}">
-        <p14:creationId xmlns:p14="http://schemas.microsoft.com/office/powerpoint/2010/main" val="2155920567"/>
-      </p:ext>
-    </p:extLst>
-  </p:cSld>
-  <p:clrMapOvr>
-    <a:masterClrMapping/>
-  </p:clrMapOvr>
-</p:sld>
-</file>
-
-<file path=ppt/slides/slide40.xml><?xml version="1.0" encoding="utf-8"?>
-<p:sld xmlns:a="http://schemas.openxmlformats.org/drawingml/2006/main" xmlns:r="http://schemas.openxmlformats.org/officeDocument/2006/relationships" xmlns:p="http://schemas.openxmlformats.org/presentationml/2006/main">
-  <p:cSld>
-    <p:spTree>
-      <p:nvGrpSpPr>
-        <p:cNvPr id="1" name=""/>
-        <p:cNvGrpSpPr/>
-        <p:nvPr/>
-      </p:nvGrpSpPr>
-      <p:grpSpPr>
-        <a:xfrm>
-          <a:off x="0" y="0"/>
-          <a:ext cx="0" cy="0"/>
-          <a:chOff x="0" y="0"/>
-          <a:chExt cx="0" cy="0"/>
-        </a:xfrm>
-      </p:grpSpPr>
-      <p:sp>
-        <p:nvSpPr>
-          <p:cNvPr id="2" name="Title 1"/>
-          <p:cNvSpPr>
-            <a:spLocks noGrp="1"/>
-          </p:cNvSpPr>
-          <p:nvPr>
-            <p:ph type="title"/>
-          </p:nvPr>
-        </p:nvSpPr>
-        <p:spPr/>
-        <p:txBody>
-          <a:bodyPr/>
-          <a:lstStyle/>
-          <a:p>
-            <a:r>
-              <a:rPr lang="en-US" dirty="0"/>
-              <a:t>CONFLICTS IN ACTION</a:t>
-            </a:r>
-          </a:p>
-        </p:txBody>
-      </p:sp>
-      <p:sp>
-        <p:nvSpPr>
-          <p:cNvPr id="4" name="Date Placeholder 3"/>
-          <p:cNvSpPr>
-            <a:spLocks noGrp="1"/>
-          </p:cNvSpPr>
-          <p:nvPr>
-            <p:ph type="dt" sz="half" idx="10"/>
-          </p:nvPr>
-        </p:nvSpPr>
-        <p:spPr/>
-        <p:txBody>
-          <a:bodyPr/>
-          <a:lstStyle/>
-          <a:p>
-            <a:fld id="{74F93749-3CD2-4A95-98ED-FE9E109683BE}" type="datetime4">
-              <a:rPr lang="en-US" smtClean="0"/>
-              <a:t>June 6, 2019</a:t>
-            </a:fld>
-            <a:endParaRPr lang="en-US" dirty="0"/>
-          </a:p>
-        </p:txBody>
-      </p:sp>
-      <p:sp>
-        <p:nvSpPr>
-          <p:cNvPr id="5" name="Footer Placeholder 4"/>
-          <p:cNvSpPr>
-            <a:spLocks noGrp="1"/>
-          </p:cNvSpPr>
-          <p:nvPr>
-            <p:ph type="ftr" sz="quarter" idx="11"/>
-          </p:nvPr>
-        </p:nvSpPr>
-        <p:spPr/>
-        <p:txBody>
-          <a:bodyPr/>
-          <a:lstStyle/>
-          <a:p>
-            <a:r>
-              <a:rPr lang="en-US"/>
-              <a:t>Digital Scholarship Services </a:t>
-            </a:r>
-            <a:r>
-              <a:rPr lang="en-US">
-                <a:solidFill>
-                  <a:schemeClr val="accent1">
-                    <a:lumMod val="50000"/>
-                  </a:schemeClr>
-                </a:solidFill>
-              </a:rPr>
-              <a:t>| Email</a:t>
-            </a:r>
-            <a:r>
-              <a:rPr lang="en-US"/>
-              <a:t> cf24@rice.edu </a:t>
-            </a:r>
-            <a:r>
-              <a:rPr lang="en-US">
-                <a:solidFill>
-                  <a:schemeClr val="accent1">
-                    <a:lumMod val="50000"/>
-                  </a:schemeClr>
-                </a:solidFill>
-              </a:rPr>
-              <a:t>|</a:t>
-            </a:r>
-            <a:r>
-              <a:rPr lang="en-US"/>
-              <a:t> library.rice.edu/dss</a:t>
-            </a:r>
-            <a:endParaRPr lang="en-US" dirty="0"/>
-          </a:p>
-        </p:txBody>
-      </p:sp>
       <p:sp>
         <p:nvSpPr>
           <p:cNvPr id="6" name="Slide Number Placeholder 5"/>
@@ -12417,7 +12920,7 @@
           <a:p>
             <a:fld id="{D57F1E4F-1CFF-5643-939E-02111984F565}" type="slidenum">
               <a:rPr lang="en-US" smtClean="0"/>
-              <a:t>40</a:t>
+              <a:t>42</a:t>
             </a:fld>
             <a:endParaRPr lang="en-US" dirty="0"/>
           </a:p>
@@ -12708,7 +13211,7 @@
 </p:sld>
 </file>
 
-<file path=ppt/slides/slide41.xml><?xml version="1.0" encoding="utf-8"?>
+<file path=ppt/slides/slide43.xml><?xml version="1.0" encoding="utf-8"?>
 <p:sld xmlns:a="http://schemas.openxmlformats.org/drawingml/2006/main" xmlns:r="http://schemas.openxmlformats.org/officeDocument/2006/relationships" xmlns:p="http://schemas.openxmlformats.org/presentationml/2006/main">
   <p:cSld>
     <p:spTree>
@@ -12804,7 +13307,7 @@
           <a:p>
             <a:fld id="{74F93749-3CD2-4A95-98ED-FE9E109683BE}" type="datetime4">
               <a:rPr lang="en-US" smtClean="0"/>
-              <a:t>June 6, 2019</a:t>
+              <a:t>June 12, 2019</a:t>
             </a:fld>
             <a:endParaRPr lang="en-US" dirty="0"/>
           </a:p>
@@ -12878,7 +13381,7 @@
           <a:p>
             <a:fld id="{D57F1E4F-1CFF-5643-939E-02111984F565}" type="slidenum">
               <a:rPr lang="en-US" smtClean="0"/>
-              <a:t>41</a:t>
+              <a:t>43</a:t>
             </a:fld>
             <a:endParaRPr lang="en-US" dirty="0"/>
           </a:p>
@@ -12897,7 +13400,7 @@
 </p:sld>
 </file>
 
-<file path=ppt/slides/slide42.xml><?xml version="1.0" encoding="utf-8"?>
+<file path=ppt/slides/slide44.xml><?xml version="1.0" encoding="utf-8"?>
 <p:sld xmlns:a="http://schemas.openxmlformats.org/drawingml/2006/main" xmlns:r="http://schemas.openxmlformats.org/officeDocument/2006/relationships" xmlns:p="http://schemas.openxmlformats.org/presentationml/2006/main">
   <p:cSld>
     <p:spTree>
@@ -13061,7 +13564,7 @@
           <a:p>
             <a:fld id="{9985793D-3B5D-46A1-A058-9C498F103400}" type="datetime4">
               <a:rPr lang="en-US" smtClean="0"/>
-              <a:t>June 6, 2019</a:t>
+              <a:t>June 12, 2019</a:t>
             </a:fld>
             <a:endParaRPr lang="en-US" dirty="0"/>
           </a:p>
@@ -13084,7 +13587,7 @@
           <a:p>
             <a:fld id="{D57F1E4F-1CFF-5643-939E-02111984F565}" type="slidenum">
               <a:rPr lang="en-US" smtClean="0"/>
-              <a:t>42</a:t>
+              <a:t>44</a:t>
             </a:fld>
             <a:endParaRPr lang="en-US" dirty="0"/>
           </a:p>
@@ -13280,7 +13783,7 @@
           <a:p>
             <a:fld id="{FB169DAF-4CD7-4B82-BB7C-54F3FCD01B55}" type="datetime4">
               <a:rPr lang="en-US" smtClean="0"/>
-              <a:t>June 6, 2019</a:t>
+              <a:t>June 12, 2019</a:t>
             </a:fld>
             <a:endParaRPr lang="en-US" dirty="0"/>
           </a:p>
@@ -13513,7 +14016,7 @@
           <a:p>
             <a:fld id="{4573C887-AB40-46D8-8F4C-D4BD7F03A5A2}" type="datetime4">
               <a:rPr lang="en-US" smtClean="0"/>
-              <a:t>June 6, 2019</a:t>
+              <a:t>June 12, 2019</a:t>
             </a:fld>
             <a:endParaRPr lang="en-US" dirty="0"/>
           </a:p>
@@ -13709,7 +14212,7 @@
           <a:p>
             <a:fld id="{0E6AE29B-8C09-43B5-86A8-3F3FC8EBB2F2}" type="datetime4">
               <a:rPr lang="en-US" smtClean="0"/>
-              <a:t>June 6, 2019</a:t>
+              <a:t>June 12, 2019</a:t>
             </a:fld>
             <a:endParaRPr lang="en-US" dirty="0"/>
           </a:p>
@@ -13992,7 +14495,7 @@
           <a:p>
             <a:fld id="{028403BE-1A09-4C34-8E7D-EE75D3FBE4FE}" type="datetime4">
               <a:rPr lang="en-US" smtClean="0"/>
-              <a:t>June 6, 2019</a:t>
+              <a:t>June 12, 2019</a:t>
             </a:fld>
             <a:endParaRPr lang="en-US" dirty="0"/>
           </a:p>
@@ -14192,7 +14695,7 @@
           <a:p>
             <a:fld id="{4815664E-A18A-488C-8881-DD662D5EA9B7}" type="datetime4">
               <a:rPr lang="en-US" smtClean="0"/>
-              <a:t>June 6, 2019</a:t>
+              <a:t>June 12, 2019</a:t>
             </a:fld>
             <a:endParaRPr lang="en-US" dirty="0"/>
           </a:p>

--- a/github/Introduction to Git & GitHub.pptx
+++ b/github/Introduction to Git & GitHub.pptx
@@ -63,6 +63,7 @@
     <p:sldId id="309" r:id="rId58"/>
     <p:sldId id="310" r:id="rId59"/>
     <p:sldId id="311" r:id="rId60"/>
+    <p:sldId id="312" r:id="rId61"/>
   </p:sldIdLst>
   <p:sldSz cx="12192000" cy="6858000"/>
   <p:notesSz cx="7772400" cy="10058400"/>
@@ -4417,7 +4418,7 @@
                 </a:solidFill>
                 <a:latin typeface="Calibri Light"/>
               </a:rPr>
-              <a:t>Master </a:t>
+              <a:t>Maste</a:t>
             </a:r>
             <a:r>
               <a:rPr b="0" lang="en-US" sz="6000" spc="-1" strike="noStrike">
@@ -4426,7 +4427,7 @@
                 </a:solidFill>
                 <a:latin typeface="Calibri Light"/>
               </a:rPr>
-              <a:t>title </a:t>
+              <a:t>r title </a:t>
             </a:r>
             <a:r>
               <a:rPr b="0" lang="en-US" sz="6000" spc="-1" strike="noStrike">
@@ -4473,7 +4474,7 @@
                 <a:spcPct val="100000"/>
               </a:lnSpc>
             </a:pPr>
-            <a:fld id="{5FF4C469-B616-42A6-BABE-89D062400574}" type="datetime">
+            <a:fld id="{FC231D9D-660C-48ED-B783-EC4C08C7BE81}" type="datetime">
               <a:rPr b="0" lang="en-US" sz="1200" spc="-1" strike="noStrike">
                 <a:solidFill>
                   <a:srgbClr val="8b8b8b"/>
@@ -4557,7 +4558,7 @@
                 <a:spcPct val="100000"/>
               </a:lnSpc>
             </a:pPr>
-            <a:fld id="{94331A6A-1C77-48E6-8E01-04435970DEBF}" type="slidenum">
+            <a:fld id="{F6DBE9B9-1DBF-4A1B-A209-487793038DA8}" type="slidenum">
               <a:rPr b="0" lang="en-US" sz="1200" spc="-1" strike="noStrike">
                 <a:solidFill>
                   <a:srgbClr val="8b8b8b"/>
@@ -4614,16 +4615,7 @@
                 </a:solidFill>
                 <a:latin typeface="Calibri"/>
               </a:rPr>
-              <a:t>Click to edit the outline </a:t>
-            </a:r>
-            <a:r>
-              <a:rPr b="0" lang="en-US" sz="2800" spc="-1" strike="noStrike">
-                <a:solidFill>
-                  <a:srgbClr val="000000"/>
-                </a:solidFill>
-                <a:latin typeface="Calibri"/>
-              </a:rPr>
-              <a:t>text format</a:t>
+              <a:t>Click to edit the outline text format</a:t>
             </a:r>
             <a:endParaRPr b="0" lang="en-US" sz="2800" spc="-1" strike="noStrike">
               <a:solidFill>
@@ -4791,16 +4783,7 @@
                 </a:solidFill>
                 <a:latin typeface="Calibri"/>
               </a:rPr>
-              <a:t>Seventh </a:t>
-            </a:r>
-            <a:r>
-              <a:rPr b="0" lang="en-US" sz="2000" spc="-1" strike="noStrike">
-                <a:solidFill>
-                  <a:srgbClr val="000000"/>
-                </a:solidFill>
-                <a:latin typeface="Calibri"/>
-              </a:rPr>
-              <a:t>Outline Level</a:t>
+              <a:t>Seventh Outline Level</a:t>
             </a:r>
             <a:endParaRPr b="0" lang="en-US" sz="2000" spc="-1" strike="noStrike">
               <a:solidFill>
@@ -5100,7 +5083,7 @@
                 <a:spcPct val="100000"/>
               </a:lnSpc>
             </a:pPr>
-            <a:fld id="{94463C70-D814-4B6B-A7CE-9914821D21EA}" type="datetime">
+            <a:fld id="{60B9C392-20B7-498E-B494-19CFD83320AF}" type="datetime">
               <a:rPr b="0" lang="en-US" sz="1200" spc="-1" strike="noStrike">
                 <a:solidFill>
                   <a:srgbClr val="8b8b8b"/>
@@ -5220,7 +5203,7 @@
                 <a:spcPct val="100000"/>
               </a:lnSpc>
             </a:pPr>
-            <a:fld id="{E886F3F9-6027-415C-82C9-B92FFBB11D57}" type="slidenum">
+            <a:fld id="{25996CC5-58CC-4715-8DBD-C46CA87192DA}" type="slidenum">
               <a:rPr b="0" lang="en-US" sz="1200" spc="-1" strike="noStrike">
                 <a:solidFill>
                   <a:srgbClr val="8b8b8b"/>
@@ -5336,7 +5319,16 @@
                 </a:solidFill>
                 <a:latin typeface="Calibri Light"/>
               </a:rPr>
-              <a:t>Click to edit Master title style</a:t>
+              <a:t>Click to edit Master title </a:t>
+            </a:r>
+            <a:r>
+              <a:rPr b="0" lang="en-US" sz="6000" spc="-1" strike="noStrike">
+                <a:solidFill>
+                  <a:srgbClr val="000000"/>
+                </a:solidFill>
+                <a:latin typeface="Calibri Light"/>
+              </a:rPr>
+              <a:t>style</a:t>
             </a:r>
             <a:endParaRPr b="0" lang="en-US" sz="6000" spc="-1" strike="noStrike">
               <a:solidFill>
@@ -5422,7 +5414,7 @@
                 <a:spcPct val="100000"/>
               </a:lnSpc>
             </a:pPr>
-            <a:fld id="{B03AC698-8AFB-446C-816E-724F8E1DED88}" type="datetime">
+            <a:fld id="{3A14AF33-327A-477C-B82A-D40A2288BA0E}" type="datetime">
               <a:rPr b="0" lang="en-US" sz="1200" spc="-1" strike="noStrike">
                 <a:solidFill>
                   <a:srgbClr val="8b8b8b"/>
@@ -5542,7 +5534,7 @@
                 <a:spcPct val="100000"/>
               </a:lnSpc>
             </a:pPr>
-            <a:fld id="{88134BDB-D776-4F7B-B9C5-7B4987B517B3}" type="slidenum">
+            <a:fld id="{DDEF5B84-A240-41C6-8C8A-48CC1B2F8BCC}" type="slidenum">
               <a:rPr b="0" lang="en-US" sz="1200" spc="-1" strike="noStrike">
                 <a:solidFill>
                   <a:srgbClr val="8b8b8b"/>
@@ -6080,7 +6072,7 @@
                 <a:spcPct val="100000"/>
               </a:lnSpc>
             </a:pPr>
-            <a:fld id="{481CDB9E-1D19-4770-95FC-B414D1440F5A}" type="datetime">
+            <a:fld id="{A4D967EC-F8CC-4F0D-973D-523DAD04055D}" type="datetime">
               <a:rPr b="0" lang="en-US" sz="1200" spc="-1" strike="noStrike">
                 <a:solidFill>
                   <a:srgbClr val="8b8b8b"/>
@@ -6122,7 +6114,7 @@
                 <a:spcPct val="100000"/>
               </a:lnSpc>
             </a:pPr>
-            <a:fld id="{9357BBD1-98B5-4531-90F8-18390BF5CB57}" type="slidenum">
+            <a:fld id="{79A79166-7B6A-4A75-8F9D-487E24F9C2D0}" type="slidenum">
               <a:rPr b="0" lang="en-US" sz="1200" spc="-1" strike="noStrike">
                 <a:solidFill>
                   <a:srgbClr val="8b8b8b"/>
@@ -6351,25 +6343,7 @@
                 </a:solidFill>
                 <a:latin typeface="Calibri"/>
               </a:rPr>
-              <a:t>Snapshots stored on your </a:t>
-            </a:r>
-            <a:r>
-              <a:rPr b="0" lang="en-US" sz="2800" spc="-1" strike="noStrike">
-                <a:solidFill>
-                  <a:srgbClr val="000000"/>
-                </a:solidFill>
-                <a:latin typeface="Calibri"/>
-              </a:rPr>
-              <a:t>computer, not only on a </a:t>
-            </a:r>
-            <a:r>
-              <a:rPr b="0" lang="en-US" sz="2800" spc="-1" strike="noStrike">
-                <a:solidFill>
-                  <a:srgbClr val="000000"/>
-                </a:solidFill>
-                <a:latin typeface="Calibri"/>
-              </a:rPr>
-              <a:t>server!</a:t>
+              <a:t>Snapshots stored on your computer, not only on a server!</a:t>
             </a:r>
             <a:endParaRPr b="0" lang="en-US" sz="2800" spc="-1" strike="noStrike">
               <a:solidFill>
@@ -6429,16 +6403,7 @@
                 </a:solidFill>
                 <a:latin typeface="Calibri"/>
               </a:rPr>
-              <a:t>Stores entire history of </a:t>
-            </a:r>
-            <a:r>
-              <a:rPr b="0" lang="en-US" sz="2400" spc="-1" strike="noStrike">
-                <a:solidFill>
-                  <a:srgbClr val="000000"/>
-                </a:solidFill>
-                <a:latin typeface="Calibri"/>
-              </a:rPr>
-              <a:t>project (compressed!)</a:t>
+              <a:t>Stores entire history of project (compressed!)</a:t>
             </a:r>
             <a:endParaRPr b="0" lang="en-US" sz="2400" spc="-1" strike="noStrike">
               <a:solidFill>
@@ -6476,7 +6441,7 @@
                 <a:spcPct val="100000"/>
               </a:lnSpc>
             </a:pPr>
-            <a:fld id="{39AC8BD7-094D-4C0E-8663-FFC1273FA7B3}" type="datetime">
+            <a:fld id="{FBBAF69F-835D-40B5-931D-44974E481392}" type="datetime">
               <a:rPr b="0" lang="en-US" sz="1200" spc="-1" strike="noStrike">
                 <a:solidFill>
                   <a:srgbClr val="8b8b8b"/>
@@ -6518,7 +6483,7 @@
                 <a:spcPct val="100000"/>
               </a:lnSpc>
             </a:pPr>
-            <a:fld id="{665144E2-5FBA-42BC-88AD-69FAF3E39720}" type="slidenum">
+            <a:fld id="{8F1FDC44-5B41-487B-912D-092BAEEA2132}" type="slidenum">
               <a:rPr b="0" lang="en-US" sz="1200" spc="-1" strike="noStrike">
                 <a:solidFill>
                   <a:srgbClr val="8b8b8b"/>
@@ -6599,7 +6564,16 @@
                 </a:solidFill>
                 <a:latin typeface="Calibri"/>
               </a:rPr>
-              <a:t>| </a:t>
+              <a:t>| Email</a:t>
+            </a:r>
+            <a:r>
+              <a:rPr b="0" lang="en-US" sz="1200" spc="-1" strike="noStrike">
+                <a:solidFill>
+                  <a:srgbClr val="8b8b8b"/>
+                </a:solidFill>
+                <a:latin typeface="Calibri"/>
+              </a:rPr>
+              <a:t> cf24@rice.edu </a:t>
             </a:r>
             <a:r>
               <a:rPr b="0" lang="en-US" sz="1200" spc="-1" strike="noStrike">
@@ -6608,24 +6582,6 @@
                 </a:solidFill>
                 <a:latin typeface="Calibri"/>
               </a:rPr>
-              <a:t>Email</a:t>
-            </a:r>
-            <a:r>
-              <a:rPr b="0" lang="en-US" sz="1200" spc="-1" strike="noStrike">
-                <a:solidFill>
-                  <a:srgbClr val="8b8b8b"/>
-                </a:solidFill>
-                <a:latin typeface="Calibri"/>
-              </a:rPr>
-              <a:t> cf24@rice.edu </a:t>
-            </a:r>
-            <a:r>
-              <a:rPr b="0" lang="en-US" sz="1200" spc="-1" strike="noStrike">
-                <a:solidFill>
-                  <a:srgbClr val="1f4e79"/>
-                </a:solidFill>
-                <a:latin typeface="Calibri"/>
-              </a:rPr>
               <a:t>|</a:t>
             </a:r>
             <a:r>
@@ -6635,16 +6591,7 @@
                 </a:solidFill>
                 <a:latin typeface="Calibri"/>
               </a:rPr>
-              <a:t> </a:t>
-            </a:r>
-            <a:r>
-              <a:rPr b="0" lang="en-US" sz="1200" spc="-1" strike="noStrike">
-                <a:solidFill>
-                  <a:srgbClr val="8b8b8b"/>
-                </a:solidFill>
-                <a:latin typeface="Calibri"/>
-              </a:rPr>
-              <a:t>library.rice.edu/dss</a:t>
+              <a:t> library.rice.edu/dss</a:t>
             </a:r>
             <a:endParaRPr b="0" lang="en-US" sz="1200" spc="-1" strike="noStrike">
               <a:latin typeface="Times New Roman"/>
@@ -6877,7 +6824,7 @@
                 <a:spcPct val="100000"/>
               </a:lnSpc>
             </a:pPr>
-            <a:fld id="{6AB12D53-9B7E-4B2A-9136-411B8A82285F}" type="datetime">
+            <a:fld id="{5BFE1773-47F7-4CFB-98A4-543130A0B05B}" type="datetime">
               <a:rPr b="0" lang="en-US" sz="1200" spc="-1" strike="noStrike">
                 <a:solidFill>
                   <a:srgbClr val="8b8b8b"/>
@@ -6919,7 +6866,7 @@
                 <a:spcPct val="100000"/>
               </a:lnSpc>
             </a:pPr>
-            <a:fld id="{1EEC1479-DB75-45AF-9067-2807E275457C}" type="slidenum">
+            <a:fld id="{C000A198-9250-4B89-AD03-02C1D27EDE6C}" type="slidenum">
               <a:rPr b="0" lang="en-US" sz="1200" spc="-1" strike="noStrike">
                 <a:solidFill>
                   <a:srgbClr val="8b8b8b"/>
@@ -7265,7 +7212,7 @@
                 <a:spcPct val="100000"/>
               </a:lnSpc>
             </a:pPr>
-            <a:fld id="{CD39FB5F-3AD7-4127-A0AB-09A50F7C3D70}" type="datetime">
+            <a:fld id="{1BC719AC-835B-493B-AC5E-1912FA1B0035}" type="datetime">
               <a:rPr b="0" lang="en-US" sz="1200" spc="-1" strike="noStrike">
                 <a:solidFill>
                   <a:srgbClr val="8b8b8b"/>
@@ -7307,7 +7254,7 @@
                 <a:spcPct val="100000"/>
               </a:lnSpc>
             </a:pPr>
-            <a:fld id="{B6BCAA82-9976-415C-A54C-35039C80D5DE}" type="slidenum">
+            <a:fld id="{D29D7F09-802B-4B67-B55E-360EBD87C305}" type="slidenum">
               <a:rPr b="0" lang="en-US" sz="1200" spc="-1" strike="noStrike">
                 <a:solidFill>
                   <a:srgbClr val="8b8b8b"/>
@@ -7658,7 +7605,7 @@
                 <a:spcPct val="100000"/>
               </a:lnSpc>
             </a:pPr>
-            <a:fld id="{C6A3DE68-578E-4BD8-9410-D05C38F88CF8}" type="datetime">
+            <a:fld id="{BC1487BC-BA02-4990-BD94-D51D7D9DFDFF}" type="datetime">
               <a:rPr b="0" lang="en-US" sz="1200" spc="-1" strike="noStrike">
                 <a:solidFill>
                   <a:srgbClr val="8b8b8b"/>
@@ -7700,7 +7647,7 @@
                 <a:spcPct val="100000"/>
               </a:lnSpc>
             </a:pPr>
-            <a:fld id="{D6A738D8-1E38-43AF-8964-39EA3AAA1ABE}" type="slidenum">
+            <a:fld id="{19982D3A-9974-4911-9AAD-F0ED9295A284}" type="slidenum">
               <a:rPr b="0" lang="en-US" sz="1200" spc="-1" strike="noStrike">
                 <a:solidFill>
                   <a:srgbClr val="8b8b8b"/>
@@ -8140,7 +8087,7 @@
                 <a:spcPct val="100000"/>
               </a:lnSpc>
             </a:pPr>
-            <a:fld id="{57F82EAC-75DF-49FE-864D-15A708BD6668}" type="datetime">
+            <a:fld id="{7C36783C-C998-4960-BBF2-D33052601CAB}" type="datetime">
               <a:rPr b="0" lang="en-US" sz="1200" spc="-1" strike="noStrike">
                 <a:solidFill>
                   <a:srgbClr val="8b8b8b"/>
@@ -8182,7 +8129,7 @@
                 <a:spcPct val="100000"/>
               </a:lnSpc>
             </a:pPr>
-            <a:fld id="{7FCC3C93-95E4-47A2-BA83-99D1D5BB1EE6}" type="slidenum">
+            <a:fld id="{298F1905-B069-4CAB-B9BD-254E93014C6E}" type="slidenum">
               <a:rPr b="0" lang="en-US" sz="1200" spc="-1" strike="noStrike">
                 <a:solidFill>
                   <a:srgbClr val="8b8b8b"/>
@@ -8240,7 +8187,16 @@
                 </a:solidFill>
                 <a:latin typeface="Calibri"/>
               </a:rPr>
-              <a:t>| </a:t>
+              <a:t>| Email</a:t>
+            </a:r>
+            <a:r>
+              <a:rPr b="0" lang="en-US" sz="1200" spc="-1" strike="noStrike">
+                <a:solidFill>
+                  <a:srgbClr val="8b8b8b"/>
+                </a:solidFill>
+                <a:latin typeface="Calibri"/>
+              </a:rPr>
+              <a:t> cf24@rice.edu </a:t>
             </a:r>
             <a:r>
               <a:rPr b="0" lang="en-US" sz="1200" spc="-1" strike="noStrike">
@@ -8249,24 +8205,6 @@
                 </a:solidFill>
                 <a:latin typeface="Calibri"/>
               </a:rPr>
-              <a:t>Email</a:t>
-            </a:r>
-            <a:r>
-              <a:rPr b="0" lang="en-US" sz="1200" spc="-1" strike="noStrike">
-                <a:solidFill>
-                  <a:srgbClr val="8b8b8b"/>
-                </a:solidFill>
-                <a:latin typeface="Calibri"/>
-              </a:rPr>
-              <a:t> cf24@rice.edu </a:t>
-            </a:r>
-            <a:r>
-              <a:rPr b="0" lang="en-US" sz="1200" spc="-1" strike="noStrike">
-                <a:solidFill>
-                  <a:srgbClr val="1f4e79"/>
-                </a:solidFill>
-                <a:latin typeface="Calibri"/>
-              </a:rPr>
               <a:t>|</a:t>
             </a:r>
             <a:r>
@@ -8276,16 +8214,7 @@
                 </a:solidFill>
                 <a:latin typeface="Calibri"/>
               </a:rPr>
-              <a:t> </a:t>
-            </a:r>
-            <a:r>
-              <a:rPr b="0" lang="en-US" sz="1200" spc="-1" strike="noStrike">
-                <a:solidFill>
-                  <a:srgbClr val="8b8b8b"/>
-                </a:solidFill>
-                <a:latin typeface="Calibri"/>
-              </a:rPr>
-              <a:t>library.rice.edu/dss</a:t>
+              <a:t> library.rice.edu/dss</a:t>
             </a:r>
             <a:endParaRPr b="0" lang="en-US" sz="1200" spc="-1" strike="noStrike">
               <a:latin typeface="Times New Roman"/>
@@ -8414,7 +8343,7 @@
                 <a:spcPct val="100000"/>
               </a:lnSpc>
             </a:pPr>
-            <a:fld id="{F256A912-8900-43AC-BB62-91455AD91774}" type="datetime">
+            <a:fld id="{D4A91AB4-1569-412C-A700-7BAB11761D90}" type="datetime">
               <a:rPr b="0" lang="en-US" sz="1200" spc="-1" strike="noStrike">
                 <a:solidFill>
                   <a:srgbClr val="8b8b8b"/>
@@ -8456,7 +8385,7 @@
                 <a:spcPct val="100000"/>
               </a:lnSpc>
             </a:pPr>
-            <a:fld id="{76CFCC89-0687-4FC2-A76E-870F4DF0BE0B}" type="slidenum">
+            <a:fld id="{E4E85CEF-D1CF-4FDC-8C82-F4CF5D0AB41D}" type="slidenum">
               <a:rPr b="0" lang="en-US" sz="1200" spc="-1" strike="noStrike">
                 <a:solidFill>
                   <a:srgbClr val="8b8b8b"/>
@@ -8751,7 +8680,7 @@
                 <a:spcPct val="100000"/>
               </a:lnSpc>
             </a:pPr>
-            <a:fld id="{189CFC43-777F-4EFB-AD86-592A1BED36DB}" type="datetime">
+            <a:fld id="{D23195E8-6515-4FB1-8137-C9EC586C2FB0}" type="datetime">
               <a:rPr b="0" lang="en-US" sz="1200" spc="-1" strike="noStrike">
                 <a:solidFill>
                   <a:srgbClr val="8b8b8b"/>
@@ -8793,7 +8722,7 @@
                 <a:spcPct val="100000"/>
               </a:lnSpc>
             </a:pPr>
-            <a:fld id="{C096EBF7-BCE3-4ED0-9428-8CEF67C9DA86}" type="slidenum">
+            <a:fld id="{6C80B771-0112-4144-91D7-70E335E340FF}" type="slidenum">
               <a:rPr b="0" lang="en-US" sz="1200" spc="-1" strike="noStrike">
                 <a:solidFill>
                   <a:srgbClr val="8b8b8b"/>
@@ -9150,7 +9079,7 @@
                 <a:spcPct val="100000"/>
               </a:lnSpc>
             </a:pPr>
-            <a:fld id="{C2D41EA8-D8D6-4180-B4B4-8DF84216DA8E}" type="datetime">
+            <a:fld id="{AC86D52F-7AF6-4B7A-8839-3108A8EFB24B}" type="datetime">
               <a:rPr b="0" lang="en-US" sz="1200" spc="-1" strike="noStrike">
                 <a:solidFill>
                   <a:srgbClr val="8b8b8b"/>
@@ -9270,7 +9199,7 @@
                 <a:spcPct val="100000"/>
               </a:lnSpc>
             </a:pPr>
-            <a:fld id="{F4AAA6B1-E95C-45D6-B725-0FD75EB66602}" type="slidenum">
+            <a:fld id="{6C6DDBAF-2BA8-42AB-8EE5-C941A870FC6A}" type="slidenum">
               <a:rPr b="0" lang="en-US" sz="1200" spc="-1" strike="noStrike">
                 <a:solidFill>
                   <a:srgbClr val="8b8b8b"/>
@@ -9572,7 +9501,7 @@
                 <a:spcPct val="100000"/>
               </a:lnSpc>
             </a:pPr>
-            <a:fld id="{F557A385-85C6-41CC-A77A-EEBC8A0C4F53}" type="datetime">
+            <a:fld id="{D6BF467B-2560-4E1E-8696-D5A9FAAE9C2C}" type="datetime">
               <a:rPr b="0" lang="en-US" sz="1200" spc="-1" strike="noStrike">
                 <a:solidFill>
                   <a:srgbClr val="8b8b8b"/>
@@ -9639,16 +9568,7 @@
                 </a:solidFill>
                 <a:latin typeface="Calibri"/>
               </a:rPr>
-              <a:t> </a:t>
-            </a:r>
-            <a:r>
-              <a:rPr b="0" lang="en-US" sz="1200" spc="-1" strike="noStrike">
-                <a:solidFill>
-                  <a:srgbClr val="8b8b8b"/>
-                </a:solidFill>
-                <a:latin typeface="Calibri"/>
-              </a:rPr>
-              <a:t>cf24@rice.edu </a:t>
+              <a:t> cf24@rice.edu </a:t>
             </a:r>
             <a:r>
               <a:rPr b="0" lang="en-US" sz="1200" spc="-1" strike="noStrike">
@@ -9701,7 +9621,7 @@
                 <a:spcPct val="100000"/>
               </a:lnSpc>
             </a:pPr>
-            <a:fld id="{1E86AC4F-7555-471E-B5EE-C3C9D5579389}" type="slidenum">
+            <a:fld id="{EA6F8492-4987-4BD1-B399-3ADBF74FAD31}" type="slidenum">
               <a:rPr b="0" lang="en-US" sz="1200" spc="-1" strike="noStrike">
                 <a:solidFill>
                   <a:srgbClr val="8b8b8b"/>
@@ -10124,7 +10044,7 @@
                 <a:spcPct val="100000"/>
               </a:lnSpc>
             </a:pPr>
-            <a:fld id="{767C7F15-F8AC-47EA-90C2-6FCF97515417}" type="datetime">
+            <a:fld id="{AA33E8E6-263F-42ED-83E0-34E817ABC68F}" type="datetime">
               <a:rPr b="0" lang="en-US" sz="1200" spc="-1" strike="noStrike">
                 <a:solidFill>
                   <a:srgbClr val="8b8b8b"/>
@@ -10166,7 +10086,7 @@
                 <a:spcPct val="100000"/>
               </a:lnSpc>
             </a:pPr>
-            <a:fld id="{0B8DF9EE-3829-45AD-845A-A8E5FBDDBC9A}" type="slidenum">
+            <a:fld id="{2F00A695-8129-42D8-A940-60F0CF8AAB4E}" type="slidenum">
               <a:rPr b="0" lang="en-US" sz="1200" spc="-1" strike="noStrike">
                 <a:solidFill>
                   <a:srgbClr val="8b8b8b"/>
@@ -10365,16 +10285,7 @@
                 </a:solidFill>
                 <a:latin typeface="Calibri"/>
               </a:rPr>
-              <a:t>CLONIN</a:t>
-            </a:r>
-            <a:r>
-              <a:rPr b="0" lang="en-US" sz="4400" spc="-1" strike="noStrike">
-                <a:solidFill>
-                  <a:srgbClr val="000000"/>
-                </a:solidFill>
-                <a:latin typeface="Calibri"/>
-              </a:rPr>
-              <a:t>G</a:t>
+              <a:t>CLONING</a:t>
             </a:r>
             <a:endParaRPr b="0" lang="en-US" sz="4400" spc="-1" strike="noStrike">
               <a:solidFill>
@@ -10527,7 +10438,7 @@
                 <a:spcPct val="100000"/>
               </a:lnSpc>
             </a:pPr>
-            <a:fld id="{242EF133-705E-48EA-9B18-AA6489B22324}" type="datetime">
+            <a:fld id="{AB0BEAC3-6899-4A32-A0A4-511229CDA5C1}" type="datetime">
               <a:rPr b="0" lang="en-US" sz="1200" spc="-1" strike="noStrike">
                 <a:solidFill>
                   <a:srgbClr val="8b8b8b"/>
@@ -10647,7 +10558,7 @@
                 <a:spcPct val="100000"/>
               </a:lnSpc>
             </a:pPr>
-            <a:fld id="{4DA4651B-DE64-41E3-A371-F4E4ECFE4979}" type="slidenum">
+            <a:fld id="{E968A069-5568-4AC9-AB0D-EB704A648A75}" type="slidenum">
               <a:rPr b="0" lang="en-US" sz="1200" spc="-1" strike="noStrike">
                 <a:solidFill>
                   <a:srgbClr val="8b8b8b"/>
@@ -10844,7 +10755,16 @@
                 </a:solidFill>
                 <a:latin typeface="Calibri"/>
               </a:rPr>
-              <a:t>CLONING</a:t>
+              <a:t>CLONIN</a:t>
+            </a:r>
+            <a:r>
+              <a:rPr b="0" lang="en-US" sz="4400" spc="-1" strike="noStrike">
+                <a:solidFill>
+                  <a:srgbClr val="000000"/>
+                </a:solidFill>
+                <a:latin typeface="Calibri"/>
+              </a:rPr>
+              <a:t>G</a:t>
             </a:r>
             <a:endParaRPr b="0" lang="en-US" sz="4400" spc="-1" strike="noStrike">
               <a:solidFill>
@@ -10965,7 +10885,7 @@
                 <a:spcPct val="100000"/>
               </a:lnSpc>
             </a:pPr>
-            <a:fld id="{30C841BE-DB30-4570-B762-B2984D9C6792}" type="datetime">
+            <a:fld id="{225F4232-21E1-4BA4-87D0-399F602CBD6F}" type="datetime">
               <a:rPr b="0" lang="en-US" sz="1200" spc="-1" strike="noStrike">
                 <a:solidFill>
                   <a:srgbClr val="8b8b8b"/>
@@ -11085,7 +11005,7 @@
                 <a:spcPct val="100000"/>
               </a:lnSpc>
             </a:pPr>
-            <a:fld id="{D527F775-4109-44BA-AC8D-0A07370FB3A2}" type="slidenum">
+            <a:fld id="{75203B92-0110-4B2B-9E3B-1CE57BFCD2D0}" type="slidenum">
               <a:rPr b="0" lang="en-US" sz="1200" spc="-1" strike="noStrike">
                 <a:solidFill>
                   <a:srgbClr val="8b8b8b"/>
@@ -11244,7 +11164,7 @@
                 <a:spcPct val="100000"/>
               </a:lnSpc>
             </a:pPr>
-            <a:fld id="{B8686112-EEAB-4CF5-AEDF-BE32DA0049EE}" type="datetime">
+            <a:fld id="{940703B2-6C74-47AC-8A4D-E2388B8AD0E8}" type="datetime">
               <a:rPr b="0" lang="en-US" sz="1200" spc="-1" strike="noStrike">
                 <a:solidFill>
                   <a:srgbClr val="8b8b8b"/>
@@ -11364,7 +11284,7 @@
                 <a:spcPct val="100000"/>
               </a:lnSpc>
             </a:pPr>
-            <a:fld id="{A450B30F-490D-4117-99B4-28045E79BA22}" type="slidenum">
+            <a:fld id="{425C53DA-36D4-42B4-B8C0-EFEF39563373}" type="slidenum">
               <a:rPr b="0" lang="en-US" sz="1200" spc="-1" strike="noStrike">
                 <a:solidFill>
                   <a:srgbClr val="8b8b8b"/>
@@ -11637,7 +11557,7 @@
                 <a:spcPct val="100000"/>
               </a:lnSpc>
             </a:pPr>
-            <a:fld id="{D363C6F7-5AB6-442C-A4F0-3651204AB24E}" type="datetime">
+            <a:fld id="{F55E54B7-02DB-48EF-945E-DFD296B3577E}" type="datetime">
               <a:rPr b="0" lang="en-US" sz="1200" spc="-1" strike="noStrike">
                 <a:solidFill>
                   <a:srgbClr val="8b8b8b"/>
@@ -11695,7 +11615,16 @@
                 </a:solidFill>
                 <a:latin typeface="Calibri"/>
               </a:rPr>
-              <a:t>| </a:t>
+              <a:t>| Email</a:t>
+            </a:r>
+            <a:r>
+              <a:rPr b="0" lang="en-US" sz="1200" spc="-1" strike="noStrike">
+                <a:solidFill>
+                  <a:srgbClr val="8b8b8b"/>
+                </a:solidFill>
+                <a:latin typeface="Calibri"/>
+              </a:rPr>
+              <a:t> cf24@rice.edu </a:t>
             </a:r>
             <a:r>
               <a:rPr b="0" lang="en-US" sz="1200" spc="-1" strike="noStrike">
@@ -11704,24 +11633,6 @@
                 </a:solidFill>
                 <a:latin typeface="Calibri"/>
               </a:rPr>
-              <a:t>Email</a:t>
-            </a:r>
-            <a:r>
-              <a:rPr b="0" lang="en-US" sz="1200" spc="-1" strike="noStrike">
-                <a:solidFill>
-                  <a:srgbClr val="8b8b8b"/>
-                </a:solidFill>
-                <a:latin typeface="Calibri"/>
-              </a:rPr>
-              <a:t> cf24@rice.edu </a:t>
-            </a:r>
-            <a:r>
-              <a:rPr b="0" lang="en-US" sz="1200" spc="-1" strike="noStrike">
-                <a:solidFill>
-                  <a:srgbClr val="1f4e79"/>
-                </a:solidFill>
-                <a:latin typeface="Calibri"/>
-              </a:rPr>
               <a:t>|</a:t>
             </a:r>
             <a:r>
@@ -11731,16 +11642,7 @@
                 </a:solidFill>
                 <a:latin typeface="Calibri"/>
               </a:rPr>
-              <a:t> </a:t>
-            </a:r>
-            <a:r>
-              <a:rPr b="0" lang="en-US" sz="1200" spc="-1" strike="noStrike">
-                <a:solidFill>
-                  <a:srgbClr val="8b8b8b"/>
-                </a:solidFill>
-                <a:latin typeface="Calibri"/>
-              </a:rPr>
-              <a:t>library.rice.edu/dss</a:t>
+              <a:t> library.rice.edu/dss</a:t>
             </a:r>
             <a:endParaRPr b="0" lang="en-US" sz="1200" spc="-1" strike="noStrike">
               <a:latin typeface="Times New Roman"/>
@@ -11775,7 +11677,7 @@
                 <a:spcPct val="100000"/>
               </a:lnSpc>
             </a:pPr>
-            <a:fld id="{ACD125A4-817A-4B0A-883E-75808A80D109}" type="slidenum">
+            <a:fld id="{F0A290D7-59C4-45A1-8566-2F2254BE2B2D}" type="slidenum">
               <a:rPr b="0" lang="en-US" sz="1200" spc="-1" strike="noStrike">
                 <a:solidFill>
                   <a:srgbClr val="8b8b8b"/>
@@ -11959,7 +11861,7 @@
                 <a:spcPct val="100000"/>
               </a:lnSpc>
             </a:pPr>
-            <a:fld id="{E80E788B-F2D4-4975-BA80-205B21617C77}" type="datetime">
+            <a:fld id="{E7D627F2-6344-4ACA-BAB4-526253D23C79}" type="datetime">
               <a:rPr b="0" lang="en-US" sz="1200" spc="-1" strike="noStrike">
                 <a:solidFill>
                   <a:srgbClr val="8b8b8b"/>
@@ -12001,7 +11903,7 @@
                 <a:spcPct val="100000"/>
               </a:lnSpc>
             </a:pPr>
-            <a:fld id="{24C95DD9-6BD9-4204-9A7A-0A7A01EE6F37}" type="slidenum">
+            <a:fld id="{13C73D11-D089-4DF4-9051-67E5FA8A29C2}" type="slidenum">
               <a:rPr b="0" lang="en-US" sz="1200" spc="-1" strike="noStrike">
                 <a:solidFill>
                   <a:srgbClr val="8b8b8b"/>
@@ -12215,7 +12117,7 @@
                 <a:spcPct val="100000"/>
               </a:lnSpc>
             </a:pPr>
-            <a:fld id="{7D0A8368-31ED-491B-9E1B-852F328F2573}" type="datetime">
+            <a:fld id="{8F9831C5-5D5E-4F93-8E54-6708C2A9821E}" type="datetime">
               <a:rPr b="0" lang="en-US" sz="1200" spc="-1" strike="noStrike">
                 <a:solidFill>
                   <a:srgbClr val="8b8b8b"/>
@@ -12335,7 +12237,7 @@
                 <a:spcPct val="100000"/>
               </a:lnSpc>
             </a:pPr>
-            <a:fld id="{1EBF09D5-99F1-46F6-86AF-2B1927347DFC}" type="slidenum">
+            <a:fld id="{472088E7-BEB7-4C44-B9FB-F3E9B56EA640}" type="slidenum">
               <a:rPr b="0" lang="en-US" sz="1200" spc="-1" strike="noStrike">
                 <a:solidFill>
                   <a:srgbClr val="8b8b8b"/>
@@ -12705,7 +12607,7 @@
                 <a:spcPct val="100000"/>
               </a:lnSpc>
             </a:pPr>
-            <a:fld id="{294B591D-77E8-4FCD-86DF-8D82E5377C06}" type="datetime">
+            <a:fld id="{7B6AC8DA-7B9A-421B-B72B-23F5B9601AA5}" type="datetime">
               <a:rPr b="0" lang="en-US" sz="1200" spc="-1" strike="noStrike">
                 <a:solidFill>
                   <a:srgbClr val="8b8b8b"/>
@@ -12825,7 +12727,7 @@
                 <a:spcPct val="100000"/>
               </a:lnSpc>
             </a:pPr>
-            <a:fld id="{F9369BC8-BBA7-4415-A59B-7DE341879A4E}" type="slidenum">
+            <a:fld id="{8689C2A2-DA5A-4849-A461-E06B8784FDE7}" type="slidenum">
               <a:rPr b="0" lang="en-US" sz="1200" spc="-1" strike="noStrike">
                 <a:solidFill>
                   <a:srgbClr val="8b8b8b"/>
@@ -13067,7 +12969,7 @@
                 <a:spcPct val="100000"/>
               </a:lnSpc>
             </a:pPr>
-            <a:fld id="{6C1F4F1C-ECBE-4122-90DF-88B46689D83A}" type="datetime">
+            <a:fld id="{B2689447-9B81-4ADC-A479-B9290C77352A}" type="datetime">
               <a:rPr b="0" lang="en-US" sz="1200" spc="-1" strike="noStrike">
                 <a:solidFill>
                   <a:srgbClr val="8b8b8b"/>
@@ -13125,7 +13027,16 @@
                 </a:solidFill>
                 <a:latin typeface="Calibri"/>
               </a:rPr>
-              <a:t>| Email</a:t>
+              <a:t>| </a:t>
+            </a:r>
+            <a:r>
+              <a:rPr b="0" lang="en-US" sz="1200" spc="-1" strike="noStrike">
+                <a:solidFill>
+                  <a:srgbClr val="1f4e79"/>
+                </a:solidFill>
+                <a:latin typeface="Calibri"/>
+              </a:rPr>
+              <a:t>Email</a:t>
             </a:r>
             <a:r>
               <a:rPr b="0" lang="en-US" sz="1200" spc="-1" strike="noStrike">
@@ -13152,7 +13063,16 @@
                 </a:solidFill>
                 <a:latin typeface="Calibri"/>
               </a:rPr>
-              <a:t> library.rice.edu/dss</a:t>
+              <a:t> </a:t>
+            </a:r>
+            <a:r>
+              <a:rPr b="0" lang="en-US" sz="1200" spc="-1" strike="noStrike">
+                <a:solidFill>
+                  <a:srgbClr val="8b8b8b"/>
+                </a:solidFill>
+                <a:latin typeface="Calibri"/>
+              </a:rPr>
+              <a:t>library.rice.edu/dss</a:t>
             </a:r>
             <a:endParaRPr b="0" lang="en-US" sz="1200" spc="-1" strike="noStrike">
               <a:latin typeface="Times New Roman"/>
@@ -13187,7 +13107,7 @@
                 <a:spcPct val="100000"/>
               </a:lnSpc>
             </a:pPr>
-            <a:fld id="{145AC2E7-2C97-494F-A6DB-5F50A1AA9EA6}" type="slidenum">
+            <a:fld id="{CB27FD9D-C009-4293-8766-ADBEECE4A416}" type="slidenum">
               <a:rPr b="0" lang="en-US" sz="1200" spc="-1" strike="noStrike">
                 <a:solidFill>
                   <a:srgbClr val="8b8b8b"/>
@@ -13516,7 +13436,7 @@
                 <a:spcPct val="100000"/>
               </a:lnSpc>
             </a:pPr>
-            <a:fld id="{EB3ED7E0-488E-48C9-80D3-57DAC2E07BDA}" type="datetime">
+            <a:fld id="{E3CA379B-69B7-4802-B763-94CCE01BEA48}" type="datetime">
               <a:rPr b="0" lang="en-US" sz="1200" spc="-1" strike="noStrike">
                 <a:solidFill>
                   <a:srgbClr val="8b8b8b"/>
@@ -13574,7 +13494,16 @@
                 </a:solidFill>
                 <a:latin typeface="Calibri"/>
               </a:rPr>
-              <a:t>| </a:t>
+              <a:t>| Email</a:t>
+            </a:r>
+            <a:r>
+              <a:rPr b="0" lang="en-US" sz="1200" spc="-1" strike="noStrike">
+                <a:solidFill>
+                  <a:srgbClr val="8b8b8b"/>
+                </a:solidFill>
+                <a:latin typeface="Calibri"/>
+              </a:rPr>
+              <a:t> cf24@rice.edu </a:t>
             </a:r>
             <a:r>
               <a:rPr b="0" lang="en-US" sz="1200" spc="-1" strike="noStrike">
@@ -13583,24 +13512,6 @@
                 </a:solidFill>
                 <a:latin typeface="Calibri"/>
               </a:rPr>
-              <a:t>Email</a:t>
-            </a:r>
-            <a:r>
-              <a:rPr b="0" lang="en-US" sz="1200" spc="-1" strike="noStrike">
-                <a:solidFill>
-                  <a:srgbClr val="8b8b8b"/>
-                </a:solidFill>
-                <a:latin typeface="Calibri"/>
-              </a:rPr>
-              <a:t> cf24@rice.edu </a:t>
-            </a:r>
-            <a:r>
-              <a:rPr b="0" lang="en-US" sz="1200" spc="-1" strike="noStrike">
-                <a:solidFill>
-                  <a:srgbClr val="1f4e79"/>
-                </a:solidFill>
-                <a:latin typeface="Calibri"/>
-              </a:rPr>
               <a:t>|</a:t>
             </a:r>
             <a:r>
@@ -13610,16 +13521,7 @@
                 </a:solidFill>
                 <a:latin typeface="Calibri"/>
               </a:rPr>
-              <a:t> </a:t>
-            </a:r>
-            <a:r>
-              <a:rPr b="0" lang="en-US" sz="1200" spc="-1" strike="noStrike">
-                <a:solidFill>
-                  <a:srgbClr val="8b8b8b"/>
-                </a:solidFill>
-                <a:latin typeface="Calibri"/>
-              </a:rPr>
-              <a:t>library.rice.edu/dss</a:t>
+              <a:t> library.rice.edu/dss</a:t>
             </a:r>
             <a:endParaRPr b="0" lang="en-US" sz="1200" spc="-1" strike="noStrike">
               <a:latin typeface="Times New Roman"/>
@@ -13654,7 +13556,7 @@
                 <a:spcPct val="100000"/>
               </a:lnSpc>
             </a:pPr>
-            <a:fld id="{5B020C15-0116-4176-AC41-A290BC5E972D}" type="slidenum">
+            <a:fld id="{F9AAE763-72ED-44AB-8E25-DF4F96F096AA}" type="slidenum">
               <a:rPr b="0" lang="en-US" sz="1200" spc="-1" strike="noStrike">
                 <a:solidFill>
                   <a:srgbClr val="8b8b8b"/>
@@ -14016,7 +13918,7 @@
                 <a:spcPct val="100000"/>
               </a:lnSpc>
             </a:pPr>
-            <a:fld id="{DB767388-6C44-4B2B-B9E3-D9FD928A8C33}" type="datetime">
+            <a:fld id="{810AC427-34AB-4F77-875C-4A3877F518CF}" type="datetime">
               <a:rPr b="0" lang="en-US" sz="1200" spc="-1" strike="noStrike">
                 <a:solidFill>
                   <a:srgbClr val="8b8b8b"/>
@@ -14136,7 +14038,7 @@
                 <a:spcPct val="100000"/>
               </a:lnSpc>
             </a:pPr>
-            <a:fld id="{6AD07EC7-4427-40F5-80AF-E0647C693810}" type="slidenum">
+            <a:fld id="{3DDEA5F8-42BC-4CB5-87EC-372A5EBFDC7F}" type="slidenum">
               <a:rPr b="0" lang="en-US" sz="1200" spc="-1" strike="noStrike">
                 <a:solidFill>
                   <a:srgbClr val="8b8b8b"/>
@@ -14334,25 +14236,7 @@
                 </a:solidFill>
                 <a:latin typeface="Calibri"/>
               </a:rPr>
-              <a:t>Affiliated with GitHub </a:t>
-            </a:r>
-            <a:r>
-              <a:rPr b="0" lang="en-US" sz="2800" spc="-1" strike="noStrike">
-                <a:solidFill>
-                  <a:srgbClr val="000000"/>
-                </a:solidFill>
-                <a:latin typeface="Calibri"/>
-              </a:rPr>
-              <a:t>(which is owned by </a:t>
-            </a:r>
-            <a:r>
-              <a:rPr b="0" lang="en-US" sz="2800" spc="-1" strike="noStrike">
-                <a:solidFill>
-                  <a:srgbClr val="000000"/>
-                </a:solidFill>
-                <a:latin typeface="Calibri"/>
-              </a:rPr>
-              <a:t>Microsoft)</a:t>
+              <a:t>Affiliated with GitHub (which is owned by Microsoft)</a:t>
             </a:r>
             <a:endParaRPr b="0" lang="en-US" sz="2800" spc="-1" strike="noStrike">
               <a:solidFill>
@@ -14502,16 +14386,7 @@
                 </a:solidFill>
                 <a:latin typeface="Calibri"/>
               </a:rPr>
-              <a:t>Must tell git about </a:t>
-            </a:r>
-            <a:r>
-              <a:rPr b="0" lang="en-US" sz="2400" spc="-1" strike="noStrike">
-                <a:solidFill>
-                  <a:srgbClr val="000000"/>
-                </a:solidFill>
-                <a:latin typeface="Calibri"/>
-              </a:rPr>
-              <a:t>everything we do!</a:t>
+              <a:t>Must tell git about everything we do!</a:t>
             </a:r>
             <a:endParaRPr b="0" lang="en-US" sz="2400" spc="-1" strike="noStrike">
               <a:solidFill>
@@ -14549,7 +14424,7 @@
                 <a:spcPct val="100000"/>
               </a:lnSpc>
             </a:pPr>
-            <a:fld id="{DF9EFF8B-BA5B-4EF3-82D5-CFDF59BF253D}" type="datetime">
+            <a:fld id="{C1FFF51E-52F5-4833-BB03-B6E257E3762C}" type="datetime">
               <a:rPr b="0" lang="en-US" sz="1200" spc="-1" strike="noStrike">
                 <a:solidFill>
                   <a:srgbClr val="8b8b8b"/>
@@ -14591,7 +14466,7 @@
                 <a:spcPct val="100000"/>
               </a:lnSpc>
             </a:pPr>
-            <a:fld id="{A588ED7C-0E1E-4065-B65A-A9B65BC650F9}" type="slidenum">
+            <a:fld id="{B7EDDA73-65D1-4CC1-8FC8-11A98B0F3FEA}" type="slidenum">
               <a:rPr b="0" lang="en-US" sz="1200" spc="-1" strike="noStrike">
                 <a:solidFill>
                   <a:srgbClr val="8b8b8b"/>
@@ -14941,7 +14816,7 @@
                 <a:spcPct val="100000"/>
               </a:lnSpc>
             </a:pPr>
-            <a:fld id="{478E55EB-5641-4279-8D17-411BB8D04764}" type="datetime">
+            <a:fld id="{31089FC0-75BA-4D68-88D6-68C2BB26AEC1}" type="datetime">
               <a:rPr b="0" lang="en-US" sz="1200" spc="-1" strike="noStrike">
                 <a:solidFill>
                   <a:srgbClr val="8b8b8b"/>
@@ -15061,7 +14936,7 @@
                 <a:spcPct val="100000"/>
               </a:lnSpc>
             </a:pPr>
-            <a:fld id="{3D04BF4F-EDBA-4409-84CE-76FC0E8EE7D3}" type="slidenum">
+            <a:fld id="{D10DEB97-3FEE-4130-B627-AF4125866718}" type="slidenum">
               <a:rPr b="0" lang="en-US" sz="1200" spc="-1" strike="noStrike">
                 <a:solidFill>
                   <a:srgbClr val="8b8b8b"/>
@@ -15182,7 +15057,16 @@
                 </a:solidFill>
                 <a:latin typeface="Calibri"/>
               </a:rPr>
-              <a:t>VIEWING CHANGES: DOCUMENTS</a:t>
+              <a:t>VIEWING CHANGES: </a:t>
+            </a:r>
+            <a:r>
+              <a:rPr b="0" lang="en-US" sz="4400" spc="-1" strike="noStrike">
+                <a:solidFill>
+                  <a:srgbClr val="000000"/>
+                </a:solidFill>
+                <a:latin typeface="Calibri"/>
+              </a:rPr>
+              <a:t>DOCUMENTS</a:t>
             </a:r>
             <a:endParaRPr b="0" lang="en-US" sz="4400" spc="-1" strike="noStrike">
               <a:solidFill>
@@ -15273,7 +15157,7 @@
                 <a:spcPct val="100000"/>
               </a:lnSpc>
             </a:pPr>
-            <a:fld id="{F9C9ACCE-CF52-4E70-A983-C89132567449}" type="datetime">
+            <a:fld id="{437BD4F7-23FF-4ACC-8600-2712E625D378}" type="datetime">
               <a:rPr b="0" lang="en-US" sz="1200" spc="-1" strike="noStrike">
                 <a:solidFill>
                   <a:srgbClr val="8b8b8b"/>
@@ -15393,7 +15277,7 @@
                 <a:spcPct val="100000"/>
               </a:lnSpc>
             </a:pPr>
-            <a:fld id="{73D61598-C42F-484C-830B-7A9EF92B668D}" type="slidenum">
+            <a:fld id="{DBB2AA61-40FE-4AA2-A1BB-292B91E2AB78}" type="slidenum">
               <a:rPr b="0" lang="en-US" sz="1200" spc="-1" strike="noStrike">
                 <a:solidFill>
                   <a:srgbClr val="8b8b8b"/>
@@ -15652,7 +15536,25 @@
                 </a:solidFill>
                 <a:latin typeface="Calibri"/>
               </a:rPr>
-              <a:t>Now that we have made file.txt, we can tell git to pay attention to the file</a:t>
+              <a:t>Now that we have made </a:t>
+            </a:r>
+            <a:r>
+              <a:rPr b="0" lang="en-US" sz="2800" spc="-1" strike="noStrike">
+                <a:solidFill>
+                  <a:srgbClr val="000000"/>
+                </a:solidFill>
+                <a:latin typeface="Calibri"/>
+              </a:rPr>
+              <a:t>file.txt, we can tell git to </a:t>
+            </a:r>
+            <a:r>
+              <a:rPr b="0" lang="en-US" sz="2800" spc="-1" strike="noStrike">
+                <a:solidFill>
+                  <a:srgbClr val="000000"/>
+                </a:solidFill>
+                <a:latin typeface="Calibri"/>
+              </a:rPr>
+              <a:t>pay attention to the file</a:t>
             </a:r>
             <a:endParaRPr b="0" lang="en-US" sz="2800" spc="-1" strike="noStrike">
               <a:solidFill>
@@ -15682,7 +15584,16 @@
                 </a:solidFill>
                 <a:latin typeface="Calibri"/>
               </a:rPr>
-              <a:t>Transition between which two states for file.txt?</a:t>
+              <a:t>Transition between which </a:t>
+            </a:r>
+            <a:r>
+              <a:rPr b="0" lang="en-US" sz="2400" spc="-1" strike="noStrike">
+                <a:solidFill>
+                  <a:srgbClr val="000000"/>
+                </a:solidFill>
+                <a:latin typeface="Calibri"/>
+              </a:rPr>
+              <a:t>two states for file.txt?</a:t>
             </a:r>
             <a:endParaRPr b="0" lang="en-US" sz="2400" spc="-1" strike="noStrike">
               <a:solidFill>
@@ -15751,7 +15662,34 @@
                 </a:solidFill>
                 <a:latin typeface="Calibri"/>
               </a:rPr>
-              <a:t>Whatever we have added will be changed in the new snapshot. No add means it won’t change!</a:t>
+              <a:t>Whatever we have added </a:t>
+            </a:r>
+            <a:r>
+              <a:rPr b="0" lang="en-US" sz="2800" spc="-1" strike="noStrike">
+                <a:solidFill>
+                  <a:srgbClr val="000000"/>
+                </a:solidFill>
+                <a:latin typeface="Calibri"/>
+              </a:rPr>
+              <a:t>will be changed in the new </a:t>
+            </a:r>
+            <a:r>
+              <a:rPr b="0" lang="en-US" sz="2800" spc="-1" strike="noStrike">
+                <a:solidFill>
+                  <a:srgbClr val="000000"/>
+                </a:solidFill>
+                <a:latin typeface="Calibri"/>
+              </a:rPr>
+              <a:t>snapshot. No add means it </a:t>
+            </a:r>
+            <a:r>
+              <a:rPr b="0" lang="en-US" sz="2800" spc="-1" strike="noStrike">
+                <a:solidFill>
+                  <a:srgbClr val="000000"/>
+                </a:solidFill>
+                <a:latin typeface="Calibri"/>
+              </a:rPr>
+              <a:t>won’t change!</a:t>
             </a:r>
             <a:endParaRPr b="0" lang="en-US" sz="2800" spc="-1" strike="noStrike">
               <a:solidFill>
@@ -15789,7 +15727,7 @@
                 <a:spcPct val="100000"/>
               </a:lnSpc>
             </a:pPr>
-            <a:fld id="{EF122142-E8E5-4584-98C3-6F3AB4D90BC6}" type="datetime">
+            <a:fld id="{0D3EC3E8-55C9-48D2-B9F9-971B2335C9D0}" type="datetime">
               <a:rPr b="0" lang="en-US" sz="1200" spc="-1" strike="noStrike">
                 <a:solidFill>
                   <a:srgbClr val="8b8b8b"/>
@@ -15874,16 +15812,7 @@
                 </a:solidFill>
                 <a:latin typeface="Calibri"/>
               </a:rPr>
-              <a:t> </a:t>
-            </a:r>
-            <a:r>
-              <a:rPr b="0" lang="en-US" sz="1200" spc="-1" strike="noStrike">
-                <a:solidFill>
-                  <a:srgbClr val="8b8b8b"/>
-                </a:solidFill>
-                <a:latin typeface="Calibri"/>
-              </a:rPr>
-              <a:t>library.rice.edu/dss</a:t>
+              <a:t> library.rice.edu/dss</a:t>
             </a:r>
             <a:endParaRPr b="0" lang="en-US" sz="1200" spc="-1" strike="noStrike">
               <a:latin typeface="Times New Roman"/>
@@ -15918,7 +15847,7 @@
                 <a:spcPct val="100000"/>
               </a:lnSpc>
             </a:pPr>
-            <a:fld id="{369CC9FA-83DE-41A3-9188-60EB69928B5E}" type="slidenum">
+            <a:fld id="{FF5CBCC2-7E30-4013-9B55-04474E01E99A}" type="slidenum">
               <a:rPr b="0" lang="en-US" sz="1200" spc="-1" strike="noStrike">
                 <a:solidFill>
                   <a:srgbClr val="8b8b8b"/>
@@ -16286,7 +16215,7 @@
                 <a:spcPct val="100000"/>
               </a:lnSpc>
             </a:pPr>
-            <a:fld id="{6A1B75A6-A2FB-41D7-B92C-F5F96CB3DF17}" type="datetime">
+            <a:fld id="{42B3936C-D81C-49A6-BE57-AB50212A1606}" type="datetime">
               <a:rPr b="0" lang="en-US" sz="1200" spc="-1" strike="noStrike">
                 <a:solidFill>
                   <a:srgbClr val="8b8b8b"/>
@@ -16406,7 +16335,7 @@
                 <a:spcPct val="100000"/>
               </a:lnSpc>
             </a:pPr>
-            <a:fld id="{F5FE251A-203D-4803-8E2B-387C7E6FAEB6}" type="slidenum">
+            <a:fld id="{13F1377F-0604-4440-94D2-82CE20441BC0}" type="slidenum">
               <a:rPr b="0" lang="en-US" sz="1200" spc="-1" strike="noStrike">
                 <a:solidFill>
                   <a:srgbClr val="8b8b8b"/>
@@ -16726,7 +16655,7 @@
                 <a:spcPct val="100000"/>
               </a:lnSpc>
             </a:pPr>
-            <a:fld id="{5BDAE98C-E90C-436B-8B31-C6CE7B0DB9C7}" type="datetime">
+            <a:fld id="{572ECD06-397F-4159-884A-38B5B437A761}" type="datetime">
               <a:rPr b="0" lang="en-US" sz="1200" spc="-1" strike="noStrike">
                 <a:solidFill>
                   <a:srgbClr val="8b8b8b"/>
@@ -16846,7 +16775,7 @@
                 <a:spcPct val="100000"/>
               </a:lnSpc>
             </a:pPr>
-            <a:fld id="{805B636F-6724-4380-AA10-D1965FFD3B5F}" type="slidenum">
+            <a:fld id="{CB590105-A052-4966-8A14-85E0B2AABB54}" type="slidenum">
               <a:rPr b="0" lang="en-US" sz="1200" spc="-1" strike="noStrike">
                 <a:solidFill>
                   <a:srgbClr val="8b8b8b"/>
@@ -17020,16 +16949,7 @@
                 </a:solidFill>
                 <a:latin typeface="Calibri"/>
               </a:rPr>
-              <a:t>Once we have a commit, </a:t>
-            </a:r>
-            <a:r>
-              <a:rPr b="0" lang="en-US" sz="2800" spc="-1" strike="noStrike">
-                <a:solidFill>
-                  <a:srgbClr val="000000"/>
-                </a:solidFill>
-                <a:latin typeface="Calibri"/>
-              </a:rPr>
-              <a:t>we can send it to GitHub</a:t>
+              <a:t>Once we have a commit, we can send it to GitHub</a:t>
             </a:r>
             <a:endParaRPr b="0" lang="en-US" sz="2800" spc="-1" strike="noStrike">
               <a:solidFill>
@@ -17098,25 +17018,7 @@
                 </a:solidFill>
                 <a:latin typeface="Calibri"/>
               </a:rPr>
-              <a:t>Note: Changes are not </a:t>
-            </a:r>
-            <a:r>
-              <a:rPr b="0" lang="en-US" sz="2800" spc="-1" strike="noStrike">
-                <a:solidFill>
-                  <a:srgbClr val="000000"/>
-                </a:solidFill>
-                <a:latin typeface="Calibri"/>
-              </a:rPr>
-              <a:t>sent to the server by </a:t>
-            </a:r>
-            <a:r>
-              <a:rPr b="0" lang="en-US" sz="2800" spc="-1" strike="noStrike">
-                <a:solidFill>
-                  <a:srgbClr val="000000"/>
-                </a:solidFill>
-                <a:latin typeface="Calibri"/>
-              </a:rPr>
-              <a:t>default!</a:t>
+              <a:t>Note: Changes are not sent to the server by default!</a:t>
             </a:r>
             <a:endParaRPr b="0" lang="en-US" sz="2800" spc="-1" strike="noStrike">
               <a:solidFill>
@@ -17154,7 +17056,7 @@
                 <a:spcPct val="100000"/>
               </a:lnSpc>
             </a:pPr>
-            <a:fld id="{0DEE07A6-8953-4960-8A5D-88DDCD023B08}" type="datetime">
+            <a:fld id="{1CC6E63C-729F-4094-93FB-CCF2C08433E0}" type="datetime">
               <a:rPr b="0" lang="en-US" sz="1200" spc="-1" strike="noStrike">
                 <a:solidFill>
                   <a:srgbClr val="8b8b8b"/>
@@ -17274,7 +17176,7 @@
                 <a:spcPct val="100000"/>
               </a:lnSpc>
             </a:pPr>
-            <a:fld id="{1E125F3C-0D9C-41A7-8265-5664BCEE0697}" type="slidenum">
+            <a:fld id="{0D9F9A10-0874-44DA-ADE1-CDCA74E7953F}" type="slidenum">
               <a:rPr b="0" lang="en-US" sz="1200" spc="-1" strike="noStrike">
                 <a:solidFill>
                   <a:srgbClr val="8b8b8b"/>
@@ -17448,7 +17350,25 @@
                 </a:solidFill>
                 <a:latin typeface="Calibri"/>
               </a:rPr>
-              <a:t>From the repository cloned earlier, upload a file with any message you like!</a:t>
+              <a:t>From the repository cloned </a:t>
+            </a:r>
+            <a:r>
+              <a:rPr b="0" lang="en-US" sz="2800" spc="-1" strike="noStrike">
+                <a:solidFill>
+                  <a:srgbClr val="000000"/>
+                </a:solidFill>
+                <a:latin typeface="Calibri"/>
+              </a:rPr>
+              <a:t>earlier, upload a file with </a:t>
+            </a:r>
+            <a:r>
+              <a:rPr b="0" lang="en-US" sz="2800" spc="-1" strike="noStrike">
+                <a:solidFill>
+                  <a:srgbClr val="000000"/>
+                </a:solidFill>
+                <a:latin typeface="Calibri"/>
+              </a:rPr>
+              <a:t>any message you like!</a:t>
             </a:r>
             <a:endParaRPr b="0" lang="en-US" sz="2800" spc="-1" strike="noStrike">
               <a:solidFill>
@@ -17486,7 +17406,7 @@
                 <a:spcPct val="100000"/>
               </a:lnSpc>
             </a:pPr>
-            <a:fld id="{B5D4CF9E-0DAB-480F-B797-9566BB8BAFA5}" type="datetime">
+            <a:fld id="{AE76C81C-3DAA-4F89-8D5E-0C2C48BD34D1}" type="datetime">
               <a:rPr b="0" lang="en-US" sz="1200" spc="-1" strike="noStrike">
                 <a:solidFill>
                   <a:srgbClr val="8b8b8b"/>
@@ -17571,7 +17491,16 @@
                 </a:solidFill>
                 <a:latin typeface="Calibri"/>
               </a:rPr>
-              <a:t> library.rice.edu/dss</a:t>
+              <a:t> </a:t>
+            </a:r>
+            <a:r>
+              <a:rPr b="0" lang="en-US" sz="1200" spc="-1" strike="noStrike">
+                <a:solidFill>
+                  <a:srgbClr val="8b8b8b"/>
+                </a:solidFill>
+                <a:latin typeface="Calibri"/>
+              </a:rPr>
+              <a:t>library.rice.edu/dss</a:t>
             </a:r>
             <a:endParaRPr b="0" lang="en-US" sz="1200" spc="-1" strike="noStrike">
               <a:latin typeface="Times New Roman"/>
@@ -17606,7 +17535,7 @@
                 <a:spcPct val="100000"/>
               </a:lnSpc>
             </a:pPr>
-            <a:fld id="{1657F175-10AD-42C2-B7A3-F57D12B0DA2D}" type="slidenum">
+            <a:fld id="{2362CAE2-01A7-4292-9F07-FADA3D0D1E64}" type="slidenum">
               <a:rPr b="0" lang="en-US" sz="1200" spc="-1" strike="noStrike">
                 <a:solidFill>
                   <a:srgbClr val="8b8b8b"/>
@@ -17757,7 +17686,34 @@
                 </a:solidFill>
                 <a:latin typeface="Calibri"/>
               </a:rPr>
-              <a:t>What if we accidentally made a change that deleted something we really needed?</a:t>
+              <a:t>What if we accidentally </a:t>
+            </a:r>
+            <a:r>
+              <a:rPr b="0" lang="en-US" sz="2800" spc="-1" strike="noStrike">
+                <a:solidFill>
+                  <a:srgbClr val="000000"/>
+                </a:solidFill>
+                <a:latin typeface="Calibri"/>
+              </a:rPr>
+              <a:t>made a change that </a:t>
+            </a:r>
+            <a:r>
+              <a:rPr b="0" lang="en-US" sz="2800" spc="-1" strike="noStrike">
+                <a:solidFill>
+                  <a:srgbClr val="000000"/>
+                </a:solidFill>
+                <a:latin typeface="Calibri"/>
+              </a:rPr>
+              <a:t>deleted something we </a:t>
+            </a:r>
+            <a:r>
+              <a:rPr b="0" lang="en-US" sz="2800" spc="-1" strike="noStrike">
+                <a:solidFill>
+                  <a:srgbClr val="000000"/>
+                </a:solidFill>
+                <a:latin typeface="Calibri"/>
+              </a:rPr>
+              <a:t>really needed?</a:t>
             </a:r>
             <a:endParaRPr b="0" lang="en-US" sz="2800" spc="-1" strike="noStrike">
               <a:solidFill>
@@ -17787,7 +17743,16 @@
                 </a:solidFill>
                 <a:latin typeface="Calibri"/>
               </a:rPr>
-              <a:t>Solution: Revert to a previous commit!</a:t>
+              <a:t>Solution: Revert to a </a:t>
+            </a:r>
+            <a:r>
+              <a:rPr b="0" lang="en-US" sz="2800" spc="-1" strike="noStrike">
+                <a:solidFill>
+                  <a:srgbClr val="000000"/>
+                </a:solidFill>
+                <a:latin typeface="Calibri"/>
+              </a:rPr>
+              <a:t>previous commit!</a:t>
             </a:r>
             <a:endParaRPr b="0" lang="en-US" sz="2800" spc="-1" strike="noStrike">
               <a:solidFill>
@@ -17817,7 +17782,25 @@
                 </a:solidFill>
                 <a:latin typeface="Calibri"/>
               </a:rPr>
-              <a:t>Note this doesn’t delete the changes after the revert</a:t>
+              <a:t>Note this doesn’t delete </a:t>
+            </a:r>
+            <a:r>
+              <a:rPr b="0" lang="en-US" sz="2800" spc="-1" strike="noStrike">
+                <a:solidFill>
+                  <a:srgbClr val="000000"/>
+                </a:solidFill>
+                <a:latin typeface="Calibri"/>
+              </a:rPr>
+              <a:t>the changes after the </a:t>
+            </a:r>
+            <a:r>
+              <a:rPr b="0" lang="en-US" sz="2800" spc="-1" strike="noStrike">
+                <a:solidFill>
+                  <a:srgbClr val="000000"/>
+                </a:solidFill>
+                <a:latin typeface="Calibri"/>
+              </a:rPr>
+              <a:t>revert</a:t>
             </a:r>
             <a:endParaRPr b="0" lang="en-US" sz="2800" spc="-1" strike="noStrike">
               <a:solidFill>
@@ -17855,7 +17838,7 @@
                 <a:spcPct val="100000"/>
               </a:lnSpc>
             </a:pPr>
-            <a:fld id="{42563124-4100-4A7E-B43A-09274ED02419}" type="datetime">
+            <a:fld id="{ADD0DE69-1FBA-462A-B244-D622C6C22E6F}" type="datetime">
               <a:rPr b="0" lang="en-US" sz="1200" spc="-1" strike="noStrike">
                 <a:solidFill>
                   <a:srgbClr val="8b8b8b"/>
@@ -17975,7 +17958,7 @@
                 <a:spcPct val="100000"/>
               </a:lnSpc>
             </a:pPr>
-            <a:fld id="{DFCF61BE-03DD-4C82-86E8-FB8C31DC4A2E}" type="slidenum">
+            <a:fld id="{A9583E87-8351-4AF9-9F6D-EB5B7E69EA66}" type="slidenum">
               <a:rPr b="0" lang="en-US" sz="1200" spc="-1" strike="noStrike">
                 <a:solidFill>
                   <a:srgbClr val="8b8b8b"/>
@@ -18149,7 +18132,25 @@
                 </a:solidFill>
                 <a:latin typeface="Calibri"/>
               </a:rPr>
-              <a:t>Revert your message, then commit something different and push again!</a:t>
+              <a:t>Revert your message, </a:t>
+            </a:r>
+            <a:r>
+              <a:rPr b="0" lang="en-US" sz="2800" spc="-1" strike="noStrike">
+                <a:solidFill>
+                  <a:srgbClr val="000000"/>
+                </a:solidFill>
+                <a:latin typeface="Calibri"/>
+              </a:rPr>
+              <a:t>then commit something </a:t>
+            </a:r>
+            <a:r>
+              <a:rPr b="0" lang="en-US" sz="2800" spc="-1" strike="noStrike">
+                <a:solidFill>
+                  <a:srgbClr val="000000"/>
+                </a:solidFill>
+                <a:latin typeface="Calibri"/>
+              </a:rPr>
+              <a:t>different and push again!</a:t>
             </a:r>
             <a:endParaRPr b="0" lang="en-US" sz="2800" spc="-1" strike="noStrike">
               <a:solidFill>
@@ -18187,7 +18188,7 @@
                 <a:spcPct val="100000"/>
               </a:lnSpc>
             </a:pPr>
-            <a:fld id="{DAB0BCCF-CD49-4DD3-B9A8-E89C755D339B}" type="datetime">
+            <a:fld id="{17974B14-7CBE-4F52-9FD3-54D0A2AA9370}" type="datetime">
               <a:rPr b="0" lang="en-US" sz="1200" spc="-1" strike="noStrike">
                 <a:solidFill>
                   <a:srgbClr val="8b8b8b"/>
@@ -18307,7 +18308,7 @@
                 <a:spcPct val="100000"/>
               </a:lnSpc>
             </a:pPr>
-            <a:fld id="{99549C7C-4757-4D95-AF9C-78772FC5090F}" type="slidenum">
+            <a:fld id="{0C59621E-4410-4117-83F1-FF480183B3D4}" type="slidenum">
               <a:rPr b="0" lang="en-US" sz="1200" spc="-1" strike="noStrike">
                 <a:solidFill>
                   <a:srgbClr val="8b8b8b"/>
@@ -18425,7 +18426,7 @@
         <p:spPr>
           <a:xfrm>
             <a:off x="838080" y="1825560"/>
-            <a:ext cx="5262480" cy="4350960"/>
+            <a:ext cx="10957680" cy="3569400"/>
           </a:xfrm>
           <a:prstGeom prst="rect">
             <a:avLst/>
@@ -18497,6 +18498,36 @@
               <a:latin typeface="Calibri"/>
             </a:endParaRPr>
           </a:p>
+          <a:p>
+            <a:pPr marL="228600" indent="-228240">
+              <a:lnSpc>
+                <a:spcPct val="90000"/>
+              </a:lnSpc>
+              <a:spcBef>
+                <a:spcPts val="1001"/>
+              </a:spcBef>
+              <a:buClr>
+                <a:srgbClr val="000000"/>
+              </a:buClr>
+              <a:buFont typeface="Arial"/>
+              <a:buChar char="•"/>
+            </a:pPr>
+            <a:r>
+              <a:rPr b="0" lang="en-US" sz="2800" spc="-1" strike="noStrike">
+                <a:solidFill>
+                  <a:srgbClr val="000000"/>
+                </a:solidFill>
+                <a:latin typeface="Calibri"/>
+              </a:rPr>
+              <a:t>History → Commits → Right Click → View on GitHub</a:t>
+            </a:r>
+            <a:endParaRPr b="0" lang="en-US" sz="2800" spc="-1" strike="noStrike">
+              <a:solidFill>
+                <a:srgbClr val="000000"/>
+              </a:solidFill>
+              <a:latin typeface="Calibri"/>
+            </a:endParaRPr>
+          </a:p>
         </p:txBody>
       </p:sp>
       <p:sp>
@@ -18526,7 +18557,7 @@
                 <a:spcPct val="100000"/>
               </a:lnSpc>
             </a:pPr>
-            <a:fld id="{5797128A-6F88-44E5-9E5E-4432FAB38219}" type="datetime">
+            <a:fld id="{FBE95CF5-C47E-48E9-89E5-FDDE8E2E428F}" type="datetime">
               <a:rPr b="0" lang="en-US" sz="1200" spc="-1" strike="noStrike">
                 <a:solidFill>
                   <a:srgbClr val="8b8b8b"/>
@@ -18646,7 +18677,7 @@
                 <a:spcPct val="100000"/>
               </a:lnSpc>
             </a:pPr>
-            <a:fld id="{478DBA0F-2B2B-4020-9E68-B5E5D4BDA6D0}" type="slidenum">
+            <a:fld id="{E7948030-5DD5-4D7D-977D-214B910CE7CC}" type="slidenum">
               <a:rPr b="0" lang="en-US" sz="1200" spc="-1" strike="noStrike">
                 <a:solidFill>
                   <a:srgbClr val="8b8b8b"/>
@@ -18661,6 +18692,29 @@
           </a:p>
         </p:txBody>
       </p:sp>
+      <p:pic>
+        <p:nvPicPr>
+          <p:cNvPr id="359" name="" descr=""/>
+          <p:cNvPicPr/>
+          <p:nvPr/>
+        </p:nvPicPr>
+        <p:blipFill>
+          <a:blip r:embed="rId1"/>
+          <a:stretch/>
+        </p:blipFill>
+        <p:spPr>
+          <a:xfrm>
+            <a:off x="3657600" y="3898800"/>
+            <a:ext cx="5303520" cy="2136240"/>
+          </a:xfrm>
+          <a:prstGeom prst="rect">
+            <a:avLst/>
+          </a:prstGeom>
+          <a:ln>
+            <a:noFill/>
+          </a:ln>
+        </p:spPr>
+      </p:pic>
     </p:spTree>
   </p:cSld>
   <p:timing>
@@ -18805,7 +18859,7 @@
                 <a:spcPct val="100000"/>
               </a:lnSpc>
             </a:pPr>
-            <a:fld id="{D09D01C3-097D-415D-890D-C2C6F393FB10}" type="datetime">
+            <a:fld id="{2963FEE6-DD61-4ED1-A8BE-70E508787329}" type="datetime">
               <a:rPr b="0" lang="en-US" sz="1200" spc="-1" strike="noStrike">
                 <a:solidFill>
                   <a:srgbClr val="8b8b8b"/>
@@ -18847,7 +18901,7 @@
                 <a:spcPct val="100000"/>
               </a:lnSpc>
             </a:pPr>
-            <a:fld id="{6A474122-3D55-4C5B-ABFA-4F3C514C9306}" type="slidenum">
+            <a:fld id="{07453C63-0FB3-46F7-8CD2-204CD1BD8AA5}" type="slidenum">
               <a:rPr b="0" lang="en-US" sz="1200" spc="-1" strike="noStrike">
                 <a:solidFill>
                   <a:srgbClr val="8b8b8b"/>
@@ -19261,14 +19315,14 @@
       </p:grpSpPr>
       <p:sp>
         <p:nvSpPr>
-          <p:cNvPr id="359" name="TextShape 1"/>
+          <p:cNvPr id="360" name="TextShape 1"/>
           <p:cNvSpPr txBox="1"/>
           <p:nvPr/>
         </p:nvSpPr>
         <p:spPr>
           <a:xfrm>
-            <a:off x="831960" y="1709640"/>
-            <a:ext cx="10515240" cy="2852280"/>
+            <a:off x="2126160" y="365040"/>
+            <a:ext cx="9227520" cy="1325160"/>
           </a:xfrm>
           <a:prstGeom prst="rect">
             <a:avLst/>
@@ -19279,7 +19333,7 @@
           </a:ln>
         </p:spPr>
         <p:txBody>
-          <a:bodyPr anchor="b"/>
+          <a:bodyPr anchor="ctr"/>
           <a:p>
             <a:pPr>
               <a:lnSpc>
@@ -19287,33 +19341,33 @@
               </a:lnSpc>
             </a:pPr>
             <a:r>
-              <a:rPr b="0" lang="en-US" sz="6000" spc="-1" strike="noStrike">
+              <a:rPr b="0" lang="en-US" sz="4400" spc="-1" strike="noStrike">
                 <a:solidFill>
                   <a:srgbClr val="000000"/>
                 </a:solidFill>
                 <a:latin typeface="Calibri"/>
               </a:rPr>
-              <a:t>BRANCHES &amp; MERGING</a:t>
-            </a:r>
-            <a:endParaRPr b="0" lang="en-US" sz="6000" spc="-1" strike="noStrike">
-              <a:solidFill>
-                <a:srgbClr val="000000"/>
-              </a:solidFill>
-              <a:latin typeface="Calibri"/>
-            </a:endParaRPr>
-          </a:p>
-        </p:txBody>
-      </p:sp>
-      <p:sp>
-        <p:nvSpPr>
-          <p:cNvPr id="360" name="TextShape 2"/>
+              <a:t>MAKING COMMENTS</a:t>
+            </a:r>
+            <a:endParaRPr b="0" lang="en-US" sz="4400" spc="-1" strike="noStrike">
+              <a:solidFill>
+                <a:srgbClr val="000000"/>
+              </a:solidFill>
+              <a:latin typeface="Calibri"/>
+            </a:endParaRPr>
+          </a:p>
+        </p:txBody>
+      </p:sp>
+      <p:sp>
+        <p:nvSpPr>
+          <p:cNvPr id="361" name="TextShape 2"/>
           <p:cNvSpPr txBox="1"/>
           <p:nvPr/>
         </p:nvSpPr>
         <p:spPr>
           <a:xfrm>
-            <a:off x="831960" y="4589640"/>
-            <a:ext cx="10515240" cy="1499760"/>
+            <a:off x="838080" y="1825560"/>
+            <a:ext cx="10515240" cy="4350960"/>
           </a:xfrm>
           <a:prstGeom prst="rect">
             <a:avLst/>
@@ -19326,53 +19380,40 @@
         <p:txBody>
           <a:bodyPr/>
           <a:p>
-            <a:pPr>
+            <a:pPr marL="228600" indent="-228240">
               <a:lnSpc>
                 <a:spcPct val="90000"/>
               </a:lnSpc>
               <a:spcBef>
                 <a:spcPts val="1001"/>
               </a:spcBef>
-            </a:pPr>
-            <a:r>
-              <a:rPr b="0" lang="en-US" sz="2400" spc="-1" strike="noStrike">
-                <a:solidFill>
-                  <a:srgbClr val="8b8b8b"/>
-                </a:solidFill>
-                <a:latin typeface="Calibri"/>
-              </a:rPr>
-              <a:t>Creating, working on, </a:t>
-            </a:r>
-            <a:r>
-              <a:rPr b="0" lang="en-US" sz="2400" spc="-1" strike="noStrike">
-                <a:solidFill>
-                  <a:srgbClr val="8b8b8b"/>
-                </a:solidFill>
-                <a:latin typeface="Calibri"/>
-              </a:rPr>
-              <a:t>combining, and switching </a:t>
-            </a:r>
-            <a:r>
-              <a:rPr b="0" lang="en-US" sz="2400" spc="-1" strike="noStrike">
-                <a:solidFill>
-                  <a:srgbClr val="8b8b8b"/>
-                </a:solidFill>
-                <a:latin typeface="Calibri"/>
-              </a:rPr>
-              <a:t>branches</a:t>
-            </a:r>
-            <a:endParaRPr b="0" lang="en-US" sz="2400" spc="-1" strike="noStrike">
-              <a:solidFill>
-                <a:srgbClr val="000000"/>
-              </a:solidFill>
-              <a:latin typeface="Calibri"/>
-            </a:endParaRPr>
-          </a:p>
-        </p:txBody>
-      </p:sp>
-      <p:sp>
-        <p:nvSpPr>
-          <p:cNvPr id="361" name="TextShape 3"/>
+              <a:buClr>
+                <a:srgbClr val="000000"/>
+              </a:buClr>
+              <a:buFont typeface="Arial"/>
+              <a:buChar char="•"/>
+            </a:pPr>
+            <a:r>
+              <a:rPr b="0" lang="en-US" sz="2800" spc="-1" strike="noStrike">
+                <a:solidFill>
+                  <a:srgbClr val="000000"/>
+                </a:solidFill>
+                <a:latin typeface="Calibri"/>
+              </a:rPr>
+              <a:t>Make a comment on either the revision or the original commit you made!</a:t>
+            </a:r>
+            <a:endParaRPr b="0" lang="en-US" sz="2800" spc="-1" strike="noStrike">
+              <a:solidFill>
+                <a:srgbClr val="000000"/>
+              </a:solidFill>
+              <a:latin typeface="Calibri"/>
+            </a:endParaRPr>
+          </a:p>
+        </p:txBody>
+      </p:sp>
+      <p:sp>
+        <p:nvSpPr>
+          <p:cNvPr id="362" name="TextShape 3"/>
           <p:cNvSpPr txBox="1"/>
           <p:nvPr/>
         </p:nvSpPr>
@@ -19397,7 +19438,7 @@
                 <a:spcPct val="100000"/>
               </a:lnSpc>
             </a:pPr>
-            <a:fld id="{1F025A95-06C8-44D3-8515-2D727BA5DF82}" type="datetime">
+            <a:fld id="{03886CB2-9798-4E76-B3DC-0276273A4027}" type="datetime">
               <a:rPr b="0" lang="en-US" sz="1200" spc="-1" strike="noStrike">
                 <a:solidFill>
                   <a:srgbClr val="8b8b8b"/>
@@ -19414,7 +19455,85 @@
       </p:sp>
       <p:sp>
         <p:nvSpPr>
-          <p:cNvPr id="362" name="TextShape 4"/>
+          <p:cNvPr id="363" name="TextShape 4"/>
+          <p:cNvSpPr txBox="1"/>
+          <p:nvPr/>
+        </p:nvSpPr>
+        <p:spPr>
+          <a:xfrm>
+            <a:off x="3581280" y="6356520"/>
+            <a:ext cx="5028840" cy="364680"/>
+          </a:xfrm>
+          <a:prstGeom prst="rect">
+            <a:avLst/>
+          </a:prstGeom>
+          <a:noFill/>
+          <a:ln>
+            <a:noFill/>
+          </a:ln>
+        </p:spPr>
+        <p:txBody>
+          <a:bodyPr anchor="ctr"/>
+          <a:p>
+            <a:pPr algn="ctr">
+              <a:lnSpc>
+                <a:spcPct val="100000"/>
+              </a:lnSpc>
+            </a:pPr>
+            <a:r>
+              <a:rPr b="0" lang="en-US" sz="1200" spc="-1" strike="noStrike">
+                <a:solidFill>
+                  <a:srgbClr val="8b8b8b"/>
+                </a:solidFill>
+                <a:latin typeface="Calibri"/>
+              </a:rPr>
+              <a:t>Digital Scholarship Services </a:t>
+            </a:r>
+            <a:r>
+              <a:rPr b="0" lang="en-US" sz="1200" spc="-1" strike="noStrike">
+                <a:solidFill>
+                  <a:srgbClr val="1f4e79"/>
+                </a:solidFill>
+                <a:latin typeface="Calibri"/>
+              </a:rPr>
+              <a:t>| Email</a:t>
+            </a:r>
+            <a:r>
+              <a:rPr b="0" lang="en-US" sz="1200" spc="-1" strike="noStrike">
+                <a:solidFill>
+                  <a:srgbClr val="8b8b8b"/>
+                </a:solidFill>
+                <a:latin typeface="Calibri"/>
+              </a:rPr>
+              <a:t> cf24@rice.edu </a:t>
+            </a:r>
+            <a:r>
+              <a:rPr b="0" lang="en-US" sz="1200" spc="-1" strike="noStrike">
+                <a:solidFill>
+                  <a:srgbClr val="1f4e79"/>
+                </a:solidFill>
+                <a:latin typeface="Calibri"/>
+              </a:rPr>
+              <a:t>|</a:t>
+            </a:r>
+            <a:r>
+              <a:rPr b="0" lang="en-US" sz="1200" spc="-1" strike="noStrike">
+                <a:solidFill>
+                  <a:srgbClr val="8b8b8b"/>
+                </a:solidFill>
+                <a:latin typeface="Calibri"/>
+              </a:rPr>
+              <a:t> library.rice.edu/dss</a:t>
+            </a:r>
+            <a:endParaRPr b="0" lang="en-US" sz="1200" spc="-1" strike="noStrike">
+              <a:latin typeface="Times New Roman"/>
+            </a:endParaRPr>
+          </a:p>
+        </p:txBody>
+      </p:sp>
+      <p:sp>
+        <p:nvSpPr>
+          <p:cNvPr id="364" name="TextShape 5"/>
           <p:cNvSpPr txBox="1"/>
           <p:nvPr/>
         </p:nvSpPr>
@@ -19439,7 +19558,7 @@
                 <a:spcPct val="100000"/>
               </a:lnSpc>
             </a:pPr>
-            <a:fld id="{3EC66455-7781-4014-BD88-71E3D7594D93}" type="slidenum">
+            <a:fld id="{FE1F8816-DE6C-4747-BB02-E591BA5061B8}" type="slidenum">
               <a:rPr b="0" lang="en-US" sz="1200" spc="-1" strike="noStrike">
                 <a:solidFill>
                   <a:srgbClr val="8b8b8b"/>
@@ -19448,84 +19567,6 @@
               </a:rPr>
               <a:t>1</a:t>
             </a:fld>
-            <a:endParaRPr b="0" lang="en-US" sz="1200" spc="-1" strike="noStrike">
-              <a:latin typeface="Times New Roman"/>
-            </a:endParaRPr>
-          </a:p>
-        </p:txBody>
-      </p:sp>
-      <p:sp>
-        <p:nvSpPr>
-          <p:cNvPr id="363" name="TextShape 5"/>
-          <p:cNvSpPr txBox="1"/>
-          <p:nvPr/>
-        </p:nvSpPr>
-        <p:spPr>
-          <a:xfrm>
-            <a:off x="3581280" y="6356520"/>
-            <a:ext cx="5028840" cy="364680"/>
-          </a:xfrm>
-          <a:prstGeom prst="rect">
-            <a:avLst/>
-          </a:prstGeom>
-          <a:noFill/>
-          <a:ln>
-            <a:noFill/>
-          </a:ln>
-        </p:spPr>
-        <p:txBody>
-          <a:bodyPr anchor="ctr"/>
-          <a:p>
-            <a:pPr algn="ctr">
-              <a:lnSpc>
-                <a:spcPct val="100000"/>
-              </a:lnSpc>
-            </a:pPr>
-            <a:r>
-              <a:rPr b="0" lang="en-US" sz="1200" spc="-1" strike="noStrike">
-                <a:solidFill>
-                  <a:srgbClr val="8b8b8b"/>
-                </a:solidFill>
-                <a:latin typeface="Calibri"/>
-              </a:rPr>
-              <a:t>Digital Scholarship Services </a:t>
-            </a:r>
-            <a:r>
-              <a:rPr b="0" lang="en-US" sz="1200" spc="-1" strike="noStrike">
-                <a:solidFill>
-                  <a:srgbClr val="1f4e79"/>
-                </a:solidFill>
-                <a:latin typeface="Calibri"/>
-              </a:rPr>
-              <a:t>| Email</a:t>
-            </a:r>
-            <a:r>
-              <a:rPr b="0" lang="en-US" sz="1200" spc="-1" strike="noStrike">
-                <a:solidFill>
-                  <a:srgbClr val="8b8b8b"/>
-                </a:solidFill>
-                <a:latin typeface="Calibri"/>
-              </a:rPr>
-              <a:t> cf24@rice.edu </a:t>
-            </a:r>
-            <a:r>
-              <a:rPr b="0" lang="en-US" sz="1200" spc="-1" strike="noStrike">
-                <a:solidFill>
-                  <a:srgbClr val="1f4e79"/>
-                </a:solidFill>
-                <a:latin typeface="Calibri"/>
-              </a:rPr>
-              <a:t>|</a:t>
-            </a:r>
-            <a:r>
-              <a:rPr b="0" lang="en-US" sz="1200" spc="-1" strike="noStrike">
-                <a:solidFill>
-                  <a:srgbClr val="8b8b8b"/>
-                </a:solidFill>
-                <a:latin typeface="Calibri"/>
-              </a:rPr>
-              <a:t> library.rice.edu/dss</a:t>
-            </a:r>
             <a:endParaRPr b="0" lang="en-US" sz="1200" spc="-1" strike="noStrike">
               <a:latin typeface="Times New Roman"/>
             </a:endParaRPr>
@@ -19583,14 +19624,14 @@
       </p:grpSpPr>
       <p:sp>
         <p:nvSpPr>
-          <p:cNvPr id="364" name="TextShape 1"/>
+          <p:cNvPr id="365" name="TextShape 1"/>
           <p:cNvSpPr txBox="1"/>
           <p:nvPr/>
         </p:nvSpPr>
         <p:spPr>
           <a:xfrm>
-            <a:off x="2126160" y="365040"/>
-            <a:ext cx="9227520" cy="1325160"/>
+            <a:off x="831960" y="1709640"/>
+            <a:ext cx="10515240" cy="2852280"/>
           </a:xfrm>
           <a:prstGeom prst="rect">
             <a:avLst/>
@@ -19601,7 +19642,7 @@
           </a:ln>
         </p:spPr>
         <p:txBody>
-          <a:bodyPr anchor="ctr"/>
+          <a:bodyPr anchor="b"/>
           <a:p>
             <a:pPr>
               <a:lnSpc>
@@ -19609,33 +19650,33 @@
               </a:lnSpc>
             </a:pPr>
             <a:r>
-              <a:rPr b="0" lang="en-US" sz="4400" spc="-1" strike="noStrike">
+              <a:rPr b="0" lang="en-US" sz="6000" spc="-1" strike="noStrike">
                 <a:solidFill>
                   <a:srgbClr val="000000"/>
                 </a:solidFill>
                 <a:latin typeface="Calibri"/>
               </a:rPr>
-              <a:t>BRANCHES</a:t>
-            </a:r>
-            <a:endParaRPr b="0" lang="en-US" sz="4400" spc="-1" strike="noStrike">
-              <a:solidFill>
-                <a:srgbClr val="000000"/>
-              </a:solidFill>
-              <a:latin typeface="Calibri"/>
-            </a:endParaRPr>
-          </a:p>
-        </p:txBody>
-      </p:sp>
-      <p:sp>
-        <p:nvSpPr>
-          <p:cNvPr id="365" name="TextShape 2"/>
+              <a:t>BRANCHES &amp; MERGING</a:t>
+            </a:r>
+            <a:endParaRPr b="0" lang="en-US" sz="6000" spc="-1" strike="noStrike">
+              <a:solidFill>
+                <a:srgbClr val="000000"/>
+              </a:solidFill>
+              <a:latin typeface="Calibri"/>
+            </a:endParaRPr>
+          </a:p>
+        </p:txBody>
+      </p:sp>
+      <p:sp>
+        <p:nvSpPr>
+          <p:cNvPr id="366" name="TextShape 2"/>
           <p:cNvSpPr txBox="1"/>
           <p:nvPr/>
         </p:nvSpPr>
         <p:spPr>
           <a:xfrm>
-            <a:off x="838080" y="1825560"/>
-            <a:ext cx="4947480" cy="4350960"/>
+            <a:off x="831960" y="4589640"/>
+            <a:ext cx="10515240" cy="1499760"/>
           </a:xfrm>
           <a:prstGeom prst="rect">
             <a:avLst/>
@@ -19648,117 +19689,22 @@
         <p:txBody>
           <a:bodyPr/>
           <a:p>
-            <a:pPr marL="228600" indent="-228240">
+            <a:pPr>
               <a:lnSpc>
                 <a:spcPct val="90000"/>
               </a:lnSpc>
               <a:spcBef>
                 <a:spcPts val="1001"/>
               </a:spcBef>
-              <a:buClr>
-                <a:srgbClr val="000000"/>
-              </a:buClr>
-              <a:buFont typeface="Arial"/>
-              <a:buChar char="•"/>
-            </a:pPr>
-            <a:r>
-              <a:rPr b="0" lang="en-US" sz="2800" spc="-1" strike="noStrike">
-                <a:solidFill>
-                  <a:srgbClr val="000000"/>
-                </a:solidFill>
-                <a:latin typeface="Calibri"/>
-              </a:rPr>
-              <a:t>If you’re working on different features or as part of a larger team</a:t>
-            </a:r>
-            <a:endParaRPr b="0" lang="en-US" sz="2800" spc="-1" strike="noStrike">
-              <a:solidFill>
-                <a:srgbClr val="000000"/>
-              </a:solidFill>
-              <a:latin typeface="Calibri"/>
-            </a:endParaRPr>
-          </a:p>
-          <a:p>
-            <a:pPr marL="228600" indent="-228240">
-              <a:lnSpc>
-                <a:spcPct val="90000"/>
-              </a:lnSpc>
-              <a:spcBef>
-                <a:spcPts val="1001"/>
-              </a:spcBef>
-              <a:buClr>
-                <a:srgbClr val="000000"/>
-              </a:buClr>
-              <a:buFont typeface="Arial"/>
-              <a:buChar char="•"/>
-            </a:pPr>
-            <a:r>
-              <a:rPr b="0" lang="en-US" sz="2800" spc="-1" strike="noStrike">
-                <a:solidFill>
-                  <a:srgbClr val="000000"/>
-                </a:solidFill>
-                <a:latin typeface="Calibri"/>
-              </a:rPr>
-              <a:t>Divergent history</a:t>
-            </a:r>
-            <a:endParaRPr b="0" lang="en-US" sz="2800" spc="-1" strike="noStrike">
-              <a:solidFill>
-                <a:srgbClr val="000000"/>
-              </a:solidFill>
-              <a:latin typeface="Calibri"/>
-            </a:endParaRPr>
-          </a:p>
-          <a:p>
-            <a:pPr marL="228600" indent="-228240">
-              <a:lnSpc>
-                <a:spcPct val="90000"/>
-              </a:lnSpc>
-              <a:spcBef>
-                <a:spcPts val="1001"/>
-              </a:spcBef>
-              <a:buClr>
-                <a:srgbClr val="000000"/>
-              </a:buClr>
-              <a:buFont typeface="Arial"/>
-              <a:buChar char="•"/>
-            </a:pPr>
-            <a:r>
-              <a:rPr b="0" lang="en-US" sz="2800" spc="-1" strike="noStrike">
-                <a:solidFill>
-                  <a:srgbClr val="000000"/>
-                </a:solidFill>
-                <a:latin typeface="Calibri"/>
-              </a:rPr>
-              <a:t>Independent files</a:t>
-            </a:r>
-            <a:endParaRPr b="0" lang="en-US" sz="2800" spc="-1" strike="noStrike">
-              <a:solidFill>
-                <a:srgbClr val="000000"/>
-              </a:solidFill>
-              <a:latin typeface="Calibri"/>
-            </a:endParaRPr>
-          </a:p>
-          <a:p>
-            <a:pPr lvl="1" marL="685800" indent="-228240">
-              <a:lnSpc>
-                <a:spcPct val="90000"/>
-              </a:lnSpc>
-              <a:spcBef>
-                <a:spcPts val="499"/>
-              </a:spcBef>
-              <a:buClr>
-                <a:srgbClr val="000000"/>
-              </a:buClr>
-              <a:buFont typeface="Arial"/>
-              <a:buChar char="•"/>
             </a:pPr>
             <a:r>
               <a:rPr b="0" lang="en-US" sz="2400" spc="-1" strike="noStrike">
                 <a:solidFill>
-                  <a:srgbClr val="000000"/>
-                </a:solidFill>
-                <a:latin typeface="Calibri"/>
-              </a:rPr>
-              <a:t>Avoids unintended consequences!</a:t>
+                  <a:srgbClr val="8b8b8b"/>
+                </a:solidFill>
+                <a:latin typeface="Calibri"/>
+              </a:rPr>
+              <a:t>Creating, working on, combining, and switching branches</a:t>
             </a:r>
             <a:endParaRPr b="0" lang="en-US" sz="2400" spc="-1" strike="noStrike">
               <a:solidFill>
@@ -19767,41 +19713,11 @@
               <a:latin typeface="Calibri"/>
             </a:endParaRPr>
           </a:p>
-          <a:p>
-            <a:pPr marL="228600" indent="-228240">
-              <a:lnSpc>
-                <a:spcPct val="90000"/>
-              </a:lnSpc>
-              <a:spcBef>
-                <a:spcPts val="1001"/>
-              </a:spcBef>
-              <a:buClr>
-                <a:srgbClr val="000000"/>
-              </a:buClr>
-              <a:buFont typeface="Arial"/>
-              <a:buChar char="•"/>
-            </a:pPr>
-            <a:r>
-              <a:rPr b="0" lang="en-US" sz="2800" spc="-1" strike="noStrike">
-                <a:solidFill>
-                  <a:srgbClr val="000000"/>
-                </a:solidFill>
-                <a:latin typeface="Calibri"/>
-              </a:rPr>
-              <a:t>Easy integration</a:t>
-            </a:r>
-            <a:endParaRPr b="0" lang="en-US" sz="2800" spc="-1" strike="noStrike">
-              <a:solidFill>
-                <a:srgbClr val="000000"/>
-              </a:solidFill>
-              <a:latin typeface="Calibri"/>
-            </a:endParaRPr>
-          </a:p>
-        </p:txBody>
-      </p:sp>
-      <p:sp>
-        <p:nvSpPr>
-          <p:cNvPr id="366" name="TextShape 3"/>
+        </p:txBody>
+      </p:sp>
+      <p:sp>
+        <p:nvSpPr>
+          <p:cNvPr id="367" name="TextShape 3"/>
           <p:cNvSpPr txBox="1"/>
           <p:nvPr/>
         </p:nvSpPr>
@@ -19826,7 +19742,7 @@
                 <a:spcPct val="100000"/>
               </a:lnSpc>
             </a:pPr>
-            <a:fld id="{DC96C47B-E504-4650-BA36-42767FD0D96A}" type="datetime">
+            <a:fld id="{F2516BBC-2B29-4A27-AFCF-7F948813555A}" type="datetime">
               <a:rPr b="0" lang="en-US" sz="1200" spc="-1" strike="noStrike">
                 <a:solidFill>
                   <a:srgbClr val="8b8b8b"/>
@@ -19843,94 +19759,7 @@
       </p:sp>
       <p:sp>
         <p:nvSpPr>
-          <p:cNvPr id="367" name="TextShape 4"/>
-          <p:cNvSpPr txBox="1"/>
-          <p:nvPr/>
-        </p:nvSpPr>
-        <p:spPr>
-          <a:xfrm>
-            <a:off x="3581280" y="6356520"/>
-            <a:ext cx="5028840" cy="364680"/>
-          </a:xfrm>
-          <a:prstGeom prst="rect">
-            <a:avLst/>
-          </a:prstGeom>
-          <a:noFill/>
-          <a:ln>
-            <a:noFill/>
-          </a:ln>
-        </p:spPr>
-        <p:txBody>
-          <a:bodyPr anchor="ctr"/>
-          <a:p>
-            <a:pPr algn="ctr">
-              <a:lnSpc>
-                <a:spcPct val="100000"/>
-              </a:lnSpc>
-            </a:pPr>
-            <a:r>
-              <a:rPr b="0" lang="en-US" sz="1200" spc="-1" strike="noStrike">
-                <a:solidFill>
-                  <a:srgbClr val="8b8b8b"/>
-                </a:solidFill>
-                <a:latin typeface="Calibri"/>
-              </a:rPr>
-              <a:t>Digital Scholarship Services </a:t>
-            </a:r>
-            <a:r>
-              <a:rPr b="0" lang="en-US" sz="1200" spc="-1" strike="noStrike">
-                <a:solidFill>
-                  <a:srgbClr val="1f4e79"/>
-                </a:solidFill>
-                <a:latin typeface="Calibri"/>
-              </a:rPr>
-              <a:t>| Email</a:t>
-            </a:r>
-            <a:r>
-              <a:rPr b="0" lang="en-US" sz="1200" spc="-1" strike="noStrike">
-                <a:solidFill>
-                  <a:srgbClr val="8b8b8b"/>
-                </a:solidFill>
-                <a:latin typeface="Calibri"/>
-              </a:rPr>
-              <a:t> cf24@rice.edu </a:t>
-            </a:r>
-            <a:r>
-              <a:rPr b="0" lang="en-US" sz="1200" spc="-1" strike="noStrike">
-                <a:solidFill>
-                  <a:srgbClr val="1f4e79"/>
-                </a:solidFill>
-                <a:latin typeface="Calibri"/>
-              </a:rPr>
-              <a:t>|</a:t>
-            </a:r>
-            <a:r>
-              <a:rPr b="0" lang="en-US" sz="1200" spc="-1" strike="noStrike">
-                <a:solidFill>
-                  <a:srgbClr val="8b8b8b"/>
-                </a:solidFill>
-                <a:latin typeface="Calibri"/>
-              </a:rPr>
-              <a:t> </a:t>
-            </a:r>
-            <a:r>
-              <a:rPr b="0" lang="en-US" sz="1200" spc="-1" strike="noStrike">
-                <a:solidFill>
-                  <a:srgbClr val="8b8b8b"/>
-                </a:solidFill>
-                <a:latin typeface="Calibri"/>
-              </a:rPr>
-              <a:t>library.rice.edu/dss</a:t>
-            </a:r>
-            <a:endParaRPr b="0" lang="en-US" sz="1200" spc="-1" strike="noStrike">
-              <a:latin typeface="Times New Roman"/>
-            </a:endParaRPr>
-          </a:p>
-        </p:txBody>
-      </p:sp>
-      <p:sp>
-        <p:nvSpPr>
-          <p:cNvPr id="368" name="TextShape 5"/>
+          <p:cNvPr id="368" name="TextShape 4"/>
           <p:cNvSpPr txBox="1"/>
           <p:nvPr/>
         </p:nvSpPr>
@@ -19955,7 +19784,7 @@
                 <a:spcPct val="100000"/>
               </a:lnSpc>
             </a:pPr>
-            <a:fld id="{E843402A-8A50-40F3-9FBC-4E62B9E33CE2}" type="slidenum">
+            <a:fld id="{D808107F-4761-4CCD-9DDA-320305684B10}" type="slidenum">
               <a:rPr b="0" lang="en-US" sz="1200" spc="-1" strike="noStrike">
                 <a:solidFill>
                   <a:srgbClr val="8b8b8b"/>
@@ -19970,29 +19799,84 @@
           </a:p>
         </p:txBody>
       </p:sp>
-      <p:pic>
-        <p:nvPicPr>
-          <p:cNvPr id="369" name="Picture 9" descr=""/>
-          <p:cNvPicPr/>
-          <p:nvPr/>
-        </p:nvPicPr>
-        <p:blipFill>
-          <a:blip r:embed="rId1"/>
-          <a:stretch/>
-        </p:blipFill>
-        <p:spPr>
-          <a:xfrm>
-            <a:off x="5533920" y="2362680"/>
-            <a:ext cx="6152760" cy="2962080"/>
-          </a:xfrm>
-          <a:prstGeom prst="rect">
-            <a:avLst/>
-          </a:prstGeom>
-          <a:ln>
-            <a:noFill/>
-          </a:ln>
-        </p:spPr>
-      </p:pic>
+      <p:sp>
+        <p:nvSpPr>
+          <p:cNvPr id="369" name="TextShape 5"/>
+          <p:cNvSpPr txBox="1"/>
+          <p:nvPr/>
+        </p:nvSpPr>
+        <p:spPr>
+          <a:xfrm>
+            <a:off x="3581280" y="6356520"/>
+            <a:ext cx="5028840" cy="364680"/>
+          </a:xfrm>
+          <a:prstGeom prst="rect">
+            <a:avLst/>
+          </a:prstGeom>
+          <a:noFill/>
+          <a:ln>
+            <a:noFill/>
+          </a:ln>
+        </p:spPr>
+        <p:txBody>
+          <a:bodyPr anchor="ctr"/>
+          <a:p>
+            <a:pPr algn="ctr">
+              <a:lnSpc>
+                <a:spcPct val="100000"/>
+              </a:lnSpc>
+            </a:pPr>
+            <a:r>
+              <a:rPr b="0" lang="en-US" sz="1200" spc="-1" strike="noStrike">
+                <a:solidFill>
+                  <a:srgbClr val="8b8b8b"/>
+                </a:solidFill>
+                <a:latin typeface="Calibri"/>
+              </a:rPr>
+              <a:t>Digital Scholarship Services </a:t>
+            </a:r>
+            <a:r>
+              <a:rPr b="0" lang="en-US" sz="1200" spc="-1" strike="noStrike">
+                <a:solidFill>
+                  <a:srgbClr val="1f4e79"/>
+                </a:solidFill>
+                <a:latin typeface="Calibri"/>
+              </a:rPr>
+              <a:t>| Email</a:t>
+            </a:r>
+            <a:r>
+              <a:rPr b="0" lang="en-US" sz="1200" spc="-1" strike="noStrike">
+                <a:solidFill>
+                  <a:srgbClr val="8b8b8b"/>
+                </a:solidFill>
+                <a:latin typeface="Calibri"/>
+              </a:rPr>
+              <a:t> cf24@rice.edu </a:t>
+            </a:r>
+            <a:r>
+              <a:rPr b="0" lang="en-US" sz="1200" spc="-1" strike="noStrike">
+                <a:solidFill>
+                  <a:srgbClr val="1f4e79"/>
+                </a:solidFill>
+                <a:latin typeface="Calibri"/>
+              </a:rPr>
+              <a:t>|</a:t>
+            </a:r>
+            <a:r>
+              <a:rPr b="0" lang="en-US" sz="1200" spc="-1" strike="noStrike">
+                <a:solidFill>
+                  <a:srgbClr val="8b8b8b"/>
+                </a:solidFill>
+                <a:latin typeface="Calibri"/>
+              </a:rPr>
+              <a:t> library.rice.edu/dss</a:t>
+            </a:r>
+            <a:endParaRPr b="0" lang="en-US" sz="1200" spc="-1" strike="noStrike">
+              <a:latin typeface="Times New Roman"/>
+            </a:endParaRPr>
+          </a:p>
+        </p:txBody>
+      </p:sp>
     </p:spTree>
   </p:cSld>
   <p:timing>
@@ -20076,7 +19960,7 @@
                 </a:solidFill>
                 <a:latin typeface="Calibri"/>
               </a:rPr>
-              <a:t>CREATING &amp; SWITCHING BRANCHES</a:t>
+              <a:t>BRANCHES</a:t>
             </a:r>
             <a:endParaRPr b="0" lang="en-US" sz="4400" spc="-1" strike="noStrike">
               <a:solidFill>
@@ -20096,7 +19980,7 @@
         <p:spPr>
           <a:xfrm>
             <a:off x="838080" y="1825560"/>
-            <a:ext cx="5247000" cy="4350960"/>
+            <a:ext cx="4947480" cy="4350960"/>
           </a:xfrm>
           <a:prstGeom prst="rect">
             <a:avLst/>
@@ -20129,7 +20013,7 @@
                 </a:solidFill>
                 <a:latin typeface="Calibri"/>
               </a:rPr>
-              <a:t>Click on the “Current branch” tab</a:t>
+              <a:t>If you’re working on different features or as part of a larger team</a:t>
             </a:r>
             <a:endParaRPr b="0" lang="en-US" sz="2800" spc="-1" strike="noStrike">
               <a:solidFill>
@@ -20159,7 +20043,7 @@
                 </a:solidFill>
                 <a:latin typeface="Calibri"/>
               </a:rPr>
-              <a:t>If a branch isn’t listed, you may have to search for it</a:t>
+              <a:t>Divergent history</a:t>
             </a:r>
             <a:endParaRPr b="0" lang="en-US" sz="2800" spc="-1" strike="noStrike">
               <a:solidFill>
@@ -20189,7 +20073,67 @@
                 </a:solidFill>
                 <a:latin typeface="Calibri"/>
               </a:rPr>
-              <a:t>Make sure to publish the branch to GitHub!</a:t>
+              <a:t>Independent files</a:t>
+            </a:r>
+            <a:endParaRPr b="0" lang="en-US" sz="2800" spc="-1" strike="noStrike">
+              <a:solidFill>
+                <a:srgbClr val="000000"/>
+              </a:solidFill>
+              <a:latin typeface="Calibri"/>
+            </a:endParaRPr>
+          </a:p>
+          <a:p>
+            <a:pPr lvl="1" marL="685800" indent="-228240">
+              <a:lnSpc>
+                <a:spcPct val="90000"/>
+              </a:lnSpc>
+              <a:spcBef>
+                <a:spcPts val="499"/>
+              </a:spcBef>
+              <a:buClr>
+                <a:srgbClr val="000000"/>
+              </a:buClr>
+              <a:buFont typeface="Arial"/>
+              <a:buChar char="•"/>
+            </a:pPr>
+            <a:r>
+              <a:rPr b="0" lang="en-US" sz="2400" spc="-1" strike="noStrike">
+                <a:solidFill>
+                  <a:srgbClr val="000000"/>
+                </a:solidFill>
+                <a:latin typeface="Calibri"/>
+              </a:rPr>
+              <a:t>Avoids unintended consequences!</a:t>
+            </a:r>
+            <a:endParaRPr b="0" lang="en-US" sz="2400" spc="-1" strike="noStrike">
+              <a:solidFill>
+                <a:srgbClr val="000000"/>
+              </a:solidFill>
+              <a:latin typeface="Calibri"/>
+            </a:endParaRPr>
+          </a:p>
+          <a:p>
+            <a:pPr marL="228600" indent="-228240">
+              <a:lnSpc>
+                <a:spcPct val="90000"/>
+              </a:lnSpc>
+              <a:spcBef>
+                <a:spcPts val="1001"/>
+              </a:spcBef>
+              <a:buClr>
+                <a:srgbClr val="000000"/>
+              </a:buClr>
+              <a:buFont typeface="Arial"/>
+              <a:buChar char="•"/>
+            </a:pPr>
+            <a:r>
+              <a:rPr b="0" lang="en-US" sz="2800" spc="-1" strike="noStrike">
+                <a:solidFill>
+                  <a:srgbClr val="000000"/>
+                </a:solidFill>
+                <a:latin typeface="Calibri"/>
+              </a:rPr>
+              <a:t>Easy integration</a:t>
             </a:r>
             <a:endParaRPr b="0" lang="en-US" sz="2800" spc="-1" strike="noStrike">
               <a:solidFill>
@@ -20227,7 +20171,7 @@
                 <a:spcPct val="100000"/>
               </a:lnSpc>
             </a:pPr>
-            <a:fld id="{F8F0CBA9-976F-45A3-9562-199DF7102605}" type="datetime">
+            <a:fld id="{54A3CAC1-2433-4692-9C36-A5897852BE56}" type="datetime">
               <a:rPr b="0" lang="en-US" sz="1200" spc="-1" strike="noStrike">
                 <a:solidFill>
                   <a:srgbClr val="8b8b8b"/>
@@ -20285,7 +20229,16 @@
                 </a:solidFill>
                 <a:latin typeface="Calibri"/>
               </a:rPr>
-              <a:t>| Email</a:t>
+              <a:t>| </a:t>
+            </a:r>
+            <a:r>
+              <a:rPr b="0" lang="en-US" sz="1200" spc="-1" strike="noStrike">
+                <a:solidFill>
+                  <a:srgbClr val="1f4e79"/>
+                </a:solidFill>
+                <a:latin typeface="Calibri"/>
+              </a:rPr>
+              <a:t>Email</a:t>
             </a:r>
             <a:r>
               <a:rPr b="0" lang="en-US" sz="1200" spc="-1" strike="noStrike">
@@ -20312,7 +20265,16 @@
                 </a:solidFill>
                 <a:latin typeface="Calibri"/>
               </a:rPr>
-              <a:t> library.rice.edu/dss</a:t>
+              <a:t> </a:t>
+            </a:r>
+            <a:r>
+              <a:rPr b="0" lang="en-US" sz="1200" spc="-1" strike="noStrike">
+                <a:solidFill>
+                  <a:srgbClr val="8b8b8b"/>
+                </a:solidFill>
+                <a:latin typeface="Calibri"/>
+              </a:rPr>
+              <a:t>library.rice.edu/dss</a:t>
             </a:r>
             <a:endParaRPr b="0" lang="en-US" sz="1200" spc="-1" strike="noStrike">
               <a:latin typeface="Times New Roman"/>
@@ -20347,7 +20309,7 @@
                 <a:spcPct val="100000"/>
               </a:lnSpc>
             </a:pPr>
-            <a:fld id="{FD9F769F-4AEB-4A26-969C-1EB463786F1A}" type="slidenum">
+            <a:fld id="{4833696F-37AE-490B-BEAE-110F2EDEEE25}" type="slidenum">
               <a:rPr b="0" lang="en-US" sz="1200" spc="-1" strike="noStrike">
                 <a:solidFill>
                   <a:srgbClr val="8b8b8b"/>
@@ -20364,7 +20326,7 @@
       </p:sp>
       <p:pic>
         <p:nvPicPr>
-          <p:cNvPr id="375" name="Picture 2" descr=""/>
+          <p:cNvPr id="375" name="Picture 9" descr=""/>
           <p:cNvPicPr/>
           <p:nvPr/>
         </p:nvPicPr>
@@ -20374,31 +20336,8 @@
         </p:blipFill>
         <p:spPr>
           <a:xfrm>
-            <a:off x="6842160" y="2111760"/>
-            <a:ext cx="4306680" cy="3513240"/>
-          </a:xfrm>
-          <a:prstGeom prst="rect">
-            <a:avLst/>
-          </a:prstGeom>
-          <a:ln>
-            <a:noFill/>
-          </a:ln>
-        </p:spPr>
-      </p:pic>
-      <p:pic>
-        <p:nvPicPr>
-          <p:cNvPr id="376" name="Picture 4" descr=""/>
-          <p:cNvPicPr/>
-          <p:nvPr/>
-        </p:nvPicPr>
-        <p:blipFill>
-          <a:blip r:embed="rId2"/>
-          <a:stretch/>
-        </p:blipFill>
-        <p:spPr>
-          <a:xfrm>
-            <a:off x="647280" y="4405320"/>
-            <a:ext cx="5628960" cy="1333080"/>
+            <a:off x="5533920" y="2362680"/>
+            <a:ext cx="6152760" cy="2962080"/>
           </a:xfrm>
           <a:prstGeom prst="rect">
             <a:avLst/>
@@ -20459,7 +20398,7 @@
       </p:grpSpPr>
       <p:sp>
         <p:nvSpPr>
-          <p:cNvPr id="377" name="TextShape 1"/>
+          <p:cNvPr id="376" name="TextShape 1"/>
           <p:cNvSpPr txBox="1"/>
           <p:nvPr/>
         </p:nvSpPr>
@@ -20491,7 +20430,7 @@
                 </a:solidFill>
                 <a:latin typeface="Calibri"/>
               </a:rPr>
-              <a:t>MERGING</a:t>
+              <a:t>CREATING &amp; SWITCHING BRANCHES</a:t>
             </a:r>
             <a:endParaRPr b="0" lang="en-US" sz="4400" spc="-1" strike="noStrike">
               <a:solidFill>
@@ -20504,14 +20443,14 @@
       </p:sp>
       <p:sp>
         <p:nvSpPr>
-          <p:cNvPr id="378" name="TextShape 2"/>
+          <p:cNvPr id="377" name="TextShape 2"/>
           <p:cNvSpPr txBox="1"/>
           <p:nvPr/>
         </p:nvSpPr>
         <p:spPr>
           <a:xfrm>
             <a:off x="838080" y="1825560"/>
-            <a:ext cx="2742840" cy="4350960"/>
+            <a:ext cx="5247000" cy="4350960"/>
           </a:xfrm>
           <a:prstGeom prst="rect">
             <a:avLst/>
@@ -20544,7 +20483,7 @@
                 </a:solidFill>
                 <a:latin typeface="Calibri"/>
               </a:rPr>
-              <a:t>Integrates changes that take place in a different branch</a:t>
+              <a:t>Click on the “Current branch” tab</a:t>
             </a:r>
             <a:endParaRPr b="0" lang="en-US" sz="2800" spc="-1" strike="noStrike">
               <a:solidFill>
@@ -20574,7 +20513,7 @@
                 </a:solidFill>
                 <a:latin typeface="Calibri"/>
               </a:rPr>
-              <a:t>Usually goes smoothly if branches don’t overlap</a:t>
+              <a:t>If a branch isn’t listed, you may have to search for it</a:t>
             </a:r>
             <a:endParaRPr b="0" lang="en-US" sz="2800" spc="-1" strike="noStrike">
               <a:solidFill>
@@ -20583,11 +20522,41 @@
               <a:latin typeface="Calibri"/>
             </a:endParaRPr>
           </a:p>
-        </p:txBody>
-      </p:sp>
-      <p:sp>
-        <p:nvSpPr>
-          <p:cNvPr id="379" name="TextShape 3"/>
+          <a:p>
+            <a:pPr marL="228600" indent="-228240">
+              <a:lnSpc>
+                <a:spcPct val="90000"/>
+              </a:lnSpc>
+              <a:spcBef>
+                <a:spcPts val="1001"/>
+              </a:spcBef>
+              <a:buClr>
+                <a:srgbClr val="000000"/>
+              </a:buClr>
+              <a:buFont typeface="Arial"/>
+              <a:buChar char="•"/>
+            </a:pPr>
+            <a:r>
+              <a:rPr b="0" lang="en-US" sz="2800" spc="-1" strike="noStrike">
+                <a:solidFill>
+                  <a:srgbClr val="000000"/>
+                </a:solidFill>
+                <a:latin typeface="Calibri"/>
+              </a:rPr>
+              <a:t>Make sure to publish the branch to GitHub!</a:t>
+            </a:r>
+            <a:endParaRPr b="0" lang="en-US" sz="2800" spc="-1" strike="noStrike">
+              <a:solidFill>
+                <a:srgbClr val="000000"/>
+              </a:solidFill>
+              <a:latin typeface="Calibri"/>
+            </a:endParaRPr>
+          </a:p>
+        </p:txBody>
+      </p:sp>
+      <p:sp>
+        <p:nvSpPr>
+          <p:cNvPr id="378" name="TextShape 3"/>
           <p:cNvSpPr txBox="1"/>
           <p:nvPr/>
         </p:nvSpPr>
@@ -20612,7 +20581,7 @@
                 <a:spcPct val="100000"/>
               </a:lnSpc>
             </a:pPr>
-            <a:fld id="{9D83DFBF-147B-45D9-8824-AE53204C0EF4}" type="datetime">
+            <a:fld id="{6C74ABFC-5EC8-49F6-BD9F-B8700FB4A58A}" type="datetime">
               <a:rPr b="0" lang="en-US" sz="1200" spc="-1" strike="noStrike">
                 <a:solidFill>
                   <a:srgbClr val="8b8b8b"/>
@@ -20629,7 +20598,7 @@
       </p:sp>
       <p:sp>
         <p:nvSpPr>
-          <p:cNvPr id="380" name="TextShape 4"/>
+          <p:cNvPr id="379" name="TextShape 4"/>
           <p:cNvSpPr txBox="1"/>
           <p:nvPr/>
         </p:nvSpPr>
@@ -20707,7 +20676,7 @@
       </p:sp>
       <p:sp>
         <p:nvSpPr>
-          <p:cNvPr id="381" name="TextShape 5"/>
+          <p:cNvPr id="380" name="TextShape 5"/>
           <p:cNvSpPr txBox="1"/>
           <p:nvPr/>
         </p:nvSpPr>
@@ -20732,7 +20701,7 @@
                 <a:spcPct val="100000"/>
               </a:lnSpc>
             </a:pPr>
-            <a:fld id="{C758FDCB-12D0-4364-8E67-22B1CE6A58F2}" type="slidenum">
+            <a:fld id="{8479CF1D-72C0-41F3-B1EB-C1A727A36C36}" type="slidenum">
               <a:rPr b="0" lang="en-US" sz="1200" spc="-1" strike="noStrike">
                 <a:solidFill>
                   <a:srgbClr val="8b8b8b"/>
@@ -20749,19 +20718,18 @@
       </p:sp>
       <p:pic>
         <p:nvPicPr>
-          <p:cNvPr id="382" name="Picture 2" descr=""/>
+          <p:cNvPr id="381" name="Picture 2" descr=""/>
           <p:cNvPicPr/>
           <p:nvPr/>
         </p:nvPicPr>
         <p:blipFill>
           <a:blip r:embed="rId1"/>
-          <a:srcRect l="21971" t="0" r="0" b="0"/>
           <a:stretch/>
         </p:blipFill>
         <p:spPr>
           <a:xfrm>
-            <a:off x="3581280" y="1488600"/>
-            <a:ext cx="3470760" cy="4687920"/>
+            <a:off x="6842160" y="2111760"/>
+            <a:ext cx="4306680" cy="3513240"/>
           </a:xfrm>
           <a:prstGeom prst="rect">
             <a:avLst/>
@@ -20773,7 +20741,7 @@
       </p:pic>
       <p:pic>
         <p:nvPicPr>
-          <p:cNvPr id="383" name="Picture 4" descr=""/>
+          <p:cNvPr id="382" name="Picture 4" descr=""/>
           <p:cNvPicPr/>
           <p:nvPr/>
         </p:nvPicPr>
@@ -20783,8 +20751,8 @@
         </p:blipFill>
         <p:spPr>
           <a:xfrm>
-            <a:off x="7284960" y="1488600"/>
-            <a:ext cx="4551480" cy="4687920"/>
+            <a:off x="647280" y="4405320"/>
+            <a:ext cx="5628960" cy="1333080"/>
           </a:xfrm>
           <a:prstGeom prst="rect">
             <a:avLst/>
@@ -20845,7 +20813,7 @@
       </p:grpSpPr>
       <p:sp>
         <p:nvSpPr>
-          <p:cNvPr id="384" name="TextShape 1"/>
+          <p:cNvPr id="383" name="TextShape 1"/>
           <p:cNvSpPr txBox="1"/>
           <p:nvPr/>
         </p:nvSpPr>
@@ -20890,7 +20858,90 @@
       </p:sp>
       <p:sp>
         <p:nvSpPr>
-          <p:cNvPr id="385" name="TextShape 2"/>
+          <p:cNvPr id="384" name="TextShape 2"/>
+          <p:cNvSpPr txBox="1"/>
+          <p:nvPr/>
+        </p:nvSpPr>
+        <p:spPr>
+          <a:xfrm>
+            <a:off x="838080" y="1825560"/>
+            <a:ext cx="2742840" cy="4350960"/>
+          </a:xfrm>
+          <a:prstGeom prst="rect">
+            <a:avLst/>
+          </a:prstGeom>
+          <a:noFill/>
+          <a:ln>
+            <a:noFill/>
+          </a:ln>
+        </p:spPr>
+        <p:txBody>
+          <a:bodyPr/>
+          <a:p>
+            <a:pPr marL="228600" indent="-228240">
+              <a:lnSpc>
+                <a:spcPct val="90000"/>
+              </a:lnSpc>
+              <a:spcBef>
+                <a:spcPts val="1001"/>
+              </a:spcBef>
+              <a:buClr>
+                <a:srgbClr val="000000"/>
+              </a:buClr>
+              <a:buFont typeface="Arial"/>
+              <a:buChar char="•"/>
+            </a:pPr>
+            <a:r>
+              <a:rPr b="0" lang="en-US" sz="2800" spc="-1" strike="noStrike">
+                <a:solidFill>
+                  <a:srgbClr val="000000"/>
+                </a:solidFill>
+                <a:latin typeface="Calibri"/>
+              </a:rPr>
+              <a:t>Integrates changes that take place in a different branch</a:t>
+            </a:r>
+            <a:endParaRPr b="0" lang="en-US" sz="2800" spc="-1" strike="noStrike">
+              <a:solidFill>
+                <a:srgbClr val="000000"/>
+              </a:solidFill>
+              <a:latin typeface="Calibri"/>
+            </a:endParaRPr>
+          </a:p>
+          <a:p>
+            <a:pPr marL="228600" indent="-228240">
+              <a:lnSpc>
+                <a:spcPct val="90000"/>
+              </a:lnSpc>
+              <a:spcBef>
+                <a:spcPts val="1001"/>
+              </a:spcBef>
+              <a:buClr>
+                <a:srgbClr val="000000"/>
+              </a:buClr>
+              <a:buFont typeface="Arial"/>
+              <a:buChar char="•"/>
+            </a:pPr>
+            <a:r>
+              <a:rPr b="0" lang="en-US" sz="2800" spc="-1" strike="noStrike">
+                <a:solidFill>
+                  <a:srgbClr val="000000"/>
+                </a:solidFill>
+                <a:latin typeface="Calibri"/>
+              </a:rPr>
+              <a:t>Usually goes smoothly if branches don’t overlap</a:t>
+            </a:r>
+            <a:endParaRPr b="0" lang="en-US" sz="2800" spc="-1" strike="noStrike">
+              <a:solidFill>
+                <a:srgbClr val="000000"/>
+              </a:solidFill>
+              <a:latin typeface="Calibri"/>
+            </a:endParaRPr>
+          </a:p>
+        </p:txBody>
+      </p:sp>
+      <p:sp>
+        <p:nvSpPr>
+          <p:cNvPr id="385" name="TextShape 3"/>
           <p:cNvSpPr txBox="1"/>
           <p:nvPr/>
         </p:nvSpPr>
@@ -20915,7 +20966,7 @@
                 <a:spcPct val="100000"/>
               </a:lnSpc>
             </a:pPr>
-            <a:fld id="{05403539-21D9-4C3E-8B2A-574691C22184}" type="datetime">
+            <a:fld id="{EFE16505-7E0D-481D-95E6-5976D904B0E2}" type="datetime">
               <a:rPr b="0" lang="en-US" sz="1200" spc="-1" strike="noStrike">
                 <a:solidFill>
                   <a:srgbClr val="8b8b8b"/>
@@ -20932,7 +20983,7 @@
       </p:sp>
       <p:sp>
         <p:nvSpPr>
-          <p:cNvPr id="386" name="TextShape 3"/>
+          <p:cNvPr id="386" name="TextShape 4"/>
           <p:cNvSpPr txBox="1"/>
           <p:nvPr/>
         </p:nvSpPr>
@@ -21010,7 +21061,7 @@
       </p:sp>
       <p:sp>
         <p:nvSpPr>
-          <p:cNvPr id="387" name="TextShape 4"/>
+          <p:cNvPr id="387" name="TextShape 5"/>
           <p:cNvSpPr txBox="1"/>
           <p:nvPr/>
         </p:nvSpPr>
@@ -21035,7 +21086,7 @@
                 <a:spcPct val="100000"/>
               </a:lnSpc>
             </a:pPr>
-            <a:fld id="{15AFE834-9A1E-4B93-AADB-438363554F8D}" type="slidenum">
+            <a:fld id="{261DDAA4-4F11-4BC5-9DCB-E98B36055616}" type="slidenum">
               <a:rPr b="0" lang="en-US" sz="1200" spc="-1" strike="noStrike">
                 <a:solidFill>
                   <a:srgbClr val="8b8b8b"/>
@@ -21052,19 +21103,19 @@
       </p:sp>
       <p:pic>
         <p:nvPicPr>
-          <p:cNvPr id="388" name="Picture 6" descr=""/>
+          <p:cNvPr id="388" name="Picture 2" descr=""/>
           <p:cNvPicPr/>
           <p:nvPr/>
         </p:nvPicPr>
         <p:blipFill>
           <a:blip r:embed="rId1"/>
-          <a:srcRect l="0" t="10246" r="0" b="0"/>
+          <a:srcRect l="21971" t="0" r="0" b="0"/>
           <a:stretch/>
         </p:blipFill>
         <p:spPr>
           <a:xfrm>
-            <a:off x="3220560" y="1418760"/>
-            <a:ext cx="6571800" cy="2307960"/>
+            <a:off x="3581280" y="1488600"/>
+            <a:ext cx="3470760" cy="4687920"/>
           </a:xfrm>
           <a:prstGeom prst="rect">
             <a:avLst/>
@@ -21076,19 +21127,18 @@
       </p:pic>
       <p:pic>
         <p:nvPicPr>
-          <p:cNvPr id="389" name="Picture 7" descr=""/>
+          <p:cNvPr id="389" name="Picture 4" descr=""/>
           <p:cNvPicPr/>
           <p:nvPr/>
         </p:nvPicPr>
         <p:blipFill>
           <a:blip r:embed="rId2"/>
-          <a:srcRect l="0" t="21553" r="0" b="5603"/>
           <a:stretch/>
         </p:blipFill>
         <p:spPr>
           <a:xfrm>
-            <a:off x="3220560" y="4143240"/>
-            <a:ext cx="6571800" cy="1796760"/>
+            <a:off x="7284960" y="1488600"/>
+            <a:ext cx="4551480" cy="4687920"/>
           </a:xfrm>
           <a:prstGeom prst="rect">
             <a:avLst/>
@@ -21181,7 +21231,7 @@
                 </a:solidFill>
                 <a:latin typeface="Calibri"/>
               </a:rPr>
-              <a:t>MERGING IN ACTION</a:t>
+              <a:t>MERGING</a:t>
             </a:r>
             <a:endParaRPr b="0" lang="en-US" sz="4400" spc="-1" strike="noStrike">
               <a:solidFill>
@@ -21219,7 +21269,7 @@
                 <a:spcPct val="100000"/>
               </a:lnSpc>
             </a:pPr>
-            <a:fld id="{D5E5997E-6376-4B31-9F49-C665A3689F29}" type="datetime">
+            <a:fld id="{EBD4E9A9-8109-47D6-9AC6-5C9B19D97DE8}" type="datetime">
               <a:rPr b="0" lang="en-US" sz="1200" spc="-1" strike="noStrike">
                 <a:solidFill>
                   <a:srgbClr val="8b8b8b"/>
@@ -21339,7 +21389,7 @@
                 <a:spcPct val="100000"/>
               </a:lnSpc>
             </a:pPr>
-            <a:fld id="{0EA81FE1-F39D-4618-9AA3-F8160BA46080}" type="slidenum">
+            <a:fld id="{DA78E56C-CFB2-4170-8F0B-8FEBC0DABC22}" type="slidenum">
               <a:rPr b="0" lang="en-US" sz="1200" spc="-1" strike="noStrike">
                 <a:solidFill>
                   <a:srgbClr val="8b8b8b"/>
@@ -21356,19 +21406,19 @@
       </p:sp>
       <p:pic>
         <p:nvPicPr>
-          <p:cNvPr id="394" name="Picture 2" descr=""/>
+          <p:cNvPr id="394" name="Picture 6" descr=""/>
           <p:cNvPicPr/>
           <p:nvPr/>
         </p:nvPicPr>
         <p:blipFill>
           <a:blip r:embed="rId1"/>
-          <a:srcRect l="0" t="0" r="4424" b="0"/>
+          <a:srcRect l="0" t="10246" r="0" b="0"/>
           <a:stretch/>
         </p:blipFill>
         <p:spPr>
           <a:xfrm>
-            <a:off x="156240" y="3121560"/>
-            <a:ext cx="4140720" cy="1267200"/>
+            <a:off x="3220560" y="1418760"/>
+            <a:ext cx="6571800" cy="2307960"/>
           </a:xfrm>
           <a:prstGeom prst="rect">
             <a:avLst/>
@@ -21380,18 +21430,19 @@
       </p:pic>
       <p:pic>
         <p:nvPicPr>
-          <p:cNvPr id="395" name="Picture 4" descr=""/>
+          <p:cNvPr id="395" name="Picture 7" descr=""/>
           <p:cNvPicPr/>
           <p:nvPr/>
         </p:nvPicPr>
         <p:blipFill>
           <a:blip r:embed="rId2"/>
+          <a:srcRect l="0" t="21553" r="0" b="5603"/>
           <a:stretch/>
         </p:blipFill>
         <p:spPr>
           <a:xfrm>
-            <a:off x="4298760" y="4573080"/>
-            <a:ext cx="3594240" cy="1537560"/>
+            <a:off x="3220560" y="4143240"/>
+            <a:ext cx="6571800" cy="1796760"/>
           </a:xfrm>
           <a:prstGeom prst="rect">
             <a:avLst/>
@@ -21401,382 +21452,6 @@
           </a:ln>
         </p:spPr>
       </p:pic>
-      <p:pic>
-        <p:nvPicPr>
-          <p:cNvPr id="396" name="Picture 6" descr=""/>
-          <p:cNvPicPr/>
-          <p:nvPr/>
-        </p:nvPicPr>
-        <p:blipFill>
-          <a:blip r:embed="rId3"/>
-          <a:srcRect l="0" t="6388" r="0" b="0"/>
-          <a:stretch/>
-        </p:blipFill>
-        <p:spPr>
-          <a:xfrm>
-            <a:off x="4297320" y="1318320"/>
-            <a:ext cx="3597120" cy="1618560"/>
-          </a:xfrm>
-          <a:prstGeom prst="rect">
-            <a:avLst/>
-          </a:prstGeom>
-          <a:ln>
-            <a:noFill/>
-          </a:ln>
-        </p:spPr>
-      </p:pic>
-      <p:pic>
-        <p:nvPicPr>
-          <p:cNvPr id="397" name="Picture 8" descr=""/>
-          <p:cNvPicPr/>
-          <p:nvPr/>
-        </p:nvPicPr>
-        <p:blipFill>
-          <a:blip r:embed="rId4"/>
-          <a:stretch/>
-        </p:blipFill>
-        <p:spPr>
-          <a:xfrm>
-            <a:off x="8147160" y="2758680"/>
-            <a:ext cx="3206520" cy="1992600"/>
-          </a:xfrm>
-          <a:prstGeom prst="rect">
-            <a:avLst/>
-          </a:prstGeom>
-          <a:ln>
-            <a:noFill/>
-          </a:ln>
-        </p:spPr>
-      </p:pic>
-      <p:sp>
-        <p:nvSpPr>
-          <p:cNvPr id="398" name="CustomShape 5"/>
-          <p:cNvSpPr/>
-          <p:nvPr/>
-        </p:nvSpPr>
-        <p:spPr>
-          <a:xfrm flipH="1" flipV="1" rot="5400000">
-            <a:off x="2631960" y="1455480"/>
-            <a:ext cx="1260720" cy="2070000"/>
-          </a:xfrm>
-          <a:prstGeom prst="bentConnector2">
-            <a:avLst/>
-          </a:prstGeom>
-          <a:noFill/>
-          <a:ln>
-            <a:tailEnd len="med" type="triangle" w="med"/>
-          </a:ln>
-        </p:spPr>
-        <p:style>
-          <a:lnRef idx="1">
-            <a:schemeClr val="accent1"/>
-          </a:lnRef>
-          <a:fillRef idx="0">
-            <a:schemeClr val="accent1"/>
-          </a:fillRef>
-          <a:effectRef idx="0">
-            <a:schemeClr val="accent1"/>
-          </a:effectRef>
-          <a:fontRef idx="minor"/>
-        </p:style>
-      </p:sp>
-      <p:sp>
-        <p:nvSpPr>
-          <p:cNvPr id="399" name="CustomShape 6"/>
-          <p:cNvSpPr/>
-          <p:nvPr/>
-        </p:nvSpPr>
-        <p:spPr>
-          <a:xfrm flipH="1" rot="16200000">
-            <a:off x="2785680" y="3829320"/>
-            <a:ext cx="952560" cy="2071800"/>
-          </a:xfrm>
-          <a:prstGeom prst="bentConnector2">
-            <a:avLst/>
-          </a:prstGeom>
-          <a:noFill/>
-          <a:ln>
-            <a:tailEnd len="med" type="triangle" w="med"/>
-          </a:ln>
-        </p:spPr>
-        <p:style>
-          <a:lnRef idx="1">
-            <a:schemeClr val="accent1"/>
-          </a:lnRef>
-          <a:fillRef idx="0">
-            <a:schemeClr val="accent1"/>
-          </a:fillRef>
-          <a:effectRef idx="0">
-            <a:schemeClr val="accent1"/>
-          </a:effectRef>
-          <a:fontRef idx="minor"/>
-        </p:style>
-      </p:sp>
-      <p:sp>
-        <p:nvSpPr>
-          <p:cNvPr id="400" name="CustomShape 7"/>
-          <p:cNvSpPr/>
-          <p:nvPr/>
-        </p:nvSpPr>
-        <p:spPr>
-          <a:xfrm>
-            <a:off x="7893360" y="1860480"/>
-            <a:ext cx="1856880" cy="898200"/>
-          </a:xfrm>
-          <a:prstGeom prst="bentConnector2">
-            <a:avLst/>
-          </a:prstGeom>
-          <a:noFill/>
-          <a:ln>
-            <a:tailEnd len="med" type="triangle" w="med"/>
-          </a:ln>
-        </p:spPr>
-        <p:style>
-          <a:lnRef idx="1">
-            <a:schemeClr val="accent1"/>
-          </a:lnRef>
-          <a:fillRef idx="0">
-            <a:schemeClr val="accent1"/>
-          </a:fillRef>
-          <a:effectRef idx="0">
-            <a:schemeClr val="accent1"/>
-          </a:effectRef>
-          <a:fontRef idx="minor"/>
-        </p:style>
-      </p:sp>
-      <p:sp>
-        <p:nvSpPr>
-          <p:cNvPr id="401" name="CustomShape 8"/>
-          <p:cNvSpPr/>
-          <p:nvPr/>
-        </p:nvSpPr>
-        <p:spPr>
-          <a:xfrm flipV="1">
-            <a:off x="7893360" y="4750920"/>
-            <a:ext cx="1856880" cy="590040"/>
-          </a:xfrm>
-          <a:prstGeom prst="bentConnector2">
-            <a:avLst/>
-          </a:prstGeom>
-          <a:noFill/>
-          <a:ln>
-            <a:tailEnd len="med" type="triangle" w="med"/>
-          </a:ln>
-        </p:spPr>
-        <p:style>
-          <a:lnRef idx="1">
-            <a:schemeClr val="accent1"/>
-          </a:lnRef>
-          <a:fillRef idx="0">
-            <a:schemeClr val="accent1"/>
-          </a:fillRef>
-          <a:effectRef idx="0">
-            <a:schemeClr val="accent1"/>
-          </a:effectRef>
-          <a:fontRef idx="minor"/>
-        </p:style>
-      </p:sp>
-      <p:sp>
-        <p:nvSpPr>
-          <p:cNvPr id="402" name="CustomShape 9"/>
-          <p:cNvSpPr/>
-          <p:nvPr/>
-        </p:nvSpPr>
-        <p:spPr>
-          <a:xfrm>
-            <a:off x="2693880" y="1552320"/>
-            <a:ext cx="1026360" cy="912600"/>
-          </a:xfrm>
-          <a:prstGeom prst="rect">
-            <a:avLst/>
-          </a:prstGeom>
-          <a:noFill/>
-          <a:ln>
-            <a:noFill/>
-          </a:ln>
-        </p:spPr>
-        <p:style>
-          <a:lnRef idx="0"/>
-          <a:fillRef idx="0"/>
-          <a:effectRef idx="0"/>
-          <a:fontRef idx="minor"/>
-        </p:style>
-        <p:txBody>
-          <a:bodyPr lIns="90000" rIns="90000" tIns="45000" bIns="45000"/>
-          <a:p>
-            <a:pPr algn="ctr">
-              <a:lnSpc>
-                <a:spcPct val="100000"/>
-              </a:lnSpc>
-            </a:pPr>
-            <a:r>
-              <a:rPr b="0" lang="en-US" sz="1800" spc="-1" strike="noStrike">
-                <a:solidFill>
-                  <a:srgbClr val="000000"/>
-                </a:solidFill>
-                <a:latin typeface="Calibri"/>
-              </a:rPr>
-              <a:t>Branch 1</a:t>
-            </a:r>
-            <a:endParaRPr b="0" lang="en-US" sz="1800" spc="-1" strike="noStrike">
-              <a:latin typeface="Arial"/>
-            </a:endParaRPr>
-          </a:p>
-          <a:p>
-            <a:pPr algn="ctr">
-              <a:lnSpc>
-                <a:spcPct val="100000"/>
-              </a:lnSpc>
-            </a:pPr>
-            <a:r>
-              <a:rPr b="0" lang="en-US" sz="1800" spc="-1" strike="noStrike">
-                <a:solidFill>
-                  <a:srgbClr val="000000"/>
-                </a:solidFill>
-                <a:latin typeface="Calibri"/>
-              </a:rPr>
-              <a:t>(INTO)</a:t>
-            </a:r>
-            <a:endParaRPr b="0" lang="en-US" sz="1800" spc="-1" strike="noStrike">
-              <a:latin typeface="Arial"/>
-            </a:endParaRPr>
-          </a:p>
-        </p:txBody>
-      </p:sp>
-      <p:sp>
-        <p:nvSpPr>
-          <p:cNvPr id="403" name="CustomShape 10"/>
-          <p:cNvSpPr/>
-          <p:nvPr/>
-        </p:nvSpPr>
-        <p:spPr>
-          <a:xfrm>
-            <a:off x="2693880" y="5010480"/>
-            <a:ext cx="1026360" cy="912600"/>
-          </a:xfrm>
-          <a:prstGeom prst="rect">
-            <a:avLst/>
-          </a:prstGeom>
-          <a:noFill/>
-          <a:ln>
-            <a:noFill/>
-          </a:ln>
-        </p:spPr>
-        <p:style>
-          <a:lnRef idx="0"/>
-          <a:fillRef idx="0"/>
-          <a:effectRef idx="0"/>
-          <a:fontRef idx="minor"/>
-        </p:style>
-        <p:txBody>
-          <a:bodyPr lIns="90000" rIns="90000" tIns="45000" bIns="45000"/>
-          <a:p>
-            <a:pPr algn="ctr">
-              <a:lnSpc>
-                <a:spcPct val="100000"/>
-              </a:lnSpc>
-            </a:pPr>
-            <a:r>
-              <a:rPr b="0" lang="en-US" sz="1800" spc="-1" strike="noStrike">
-                <a:solidFill>
-                  <a:srgbClr val="000000"/>
-                </a:solidFill>
-                <a:latin typeface="Calibri"/>
-              </a:rPr>
-              <a:t>Branch 2</a:t>
-            </a:r>
-            <a:endParaRPr b="0" lang="en-US" sz="1800" spc="-1" strike="noStrike">
-              <a:latin typeface="Arial"/>
-            </a:endParaRPr>
-          </a:p>
-          <a:p>
-            <a:pPr algn="ctr">
-              <a:lnSpc>
-                <a:spcPct val="100000"/>
-              </a:lnSpc>
-            </a:pPr>
-            <a:r>
-              <a:rPr b="0" lang="en-US" sz="1800" spc="-1" strike="noStrike">
-                <a:solidFill>
-                  <a:srgbClr val="000000"/>
-                </a:solidFill>
-                <a:latin typeface="Calibri"/>
-              </a:rPr>
-              <a:t>(IN)</a:t>
-            </a:r>
-            <a:endParaRPr b="0" lang="en-US" sz="1800" spc="-1" strike="noStrike">
-              <a:latin typeface="Arial"/>
-            </a:endParaRPr>
-          </a:p>
-        </p:txBody>
-      </p:sp>
-      <p:sp>
-        <p:nvSpPr>
-          <p:cNvPr id="404" name="CustomShape 11"/>
-          <p:cNvSpPr/>
-          <p:nvPr/>
-        </p:nvSpPr>
-        <p:spPr>
-          <a:xfrm>
-            <a:off x="9750240" y="2003400"/>
-            <a:ext cx="1424520" cy="639000"/>
-          </a:xfrm>
-          <a:prstGeom prst="rect">
-            <a:avLst/>
-          </a:prstGeom>
-          <a:noFill/>
-          <a:ln>
-            <a:noFill/>
-          </a:ln>
-        </p:spPr>
-        <p:style>
-          <a:lnRef idx="0"/>
-          <a:fillRef idx="0"/>
-          <a:effectRef idx="0"/>
-          <a:fontRef idx="minor"/>
-        </p:style>
-        <p:txBody>
-          <a:bodyPr lIns="90000" rIns="90000" tIns="45000" bIns="45000"/>
-          <a:p>
-            <a:pPr algn="ctr">
-              <a:lnSpc>
-                <a:spcPct val="100000"/>
-              </a:lnSpc>
-            </a:pPr>
-            <a:r>
-              <a:rPr b="0" lang="en-US" sz="1800" spc="-1" strike="noStrike">
-                <a:solidFill>
-                  <a:srgbClr val="000000"/>
-                </a:solidFill>
-                <a:latin typeface="Calibri"/>
-              </a:rPr>
-              <a:t>Branch 1</a:t>
-            </a:r>
-            <a:endParaRPr b="0" lang="en-US" sz="1800" spc="-1" strike="noStrike">
-              <a:latin typeface="Arial"/>
-            </a:endParaRPr>
-          </a:p>
-          <a:p>
-            <a:pPr algn="ctr">
-              <a:lnSpc>
-                <a:spcPct val="100000"/>
-              </a:lnSpc>
-            </a:pPr>
-            <a:r>
-              <a:rPr b="0" lang="en-US" sz="1800" spc="-1" strike="noStrike">
-                <a:solidFill>
-                  <a:srgbClr val="000000"/>
-                </a:solidFill>
-                <a:latin typeface="Calibri"/>
-              </a:rPr>
-              <a:t>(MERGED)</a:t>
-            </a:r>
-            <a:endParaRPr b="0" lang="en-US" sz="1800" spc="-1" strike="noStrike">
-              <a:latin typeface="Arial"/>
-            </a:endParaRPr>
-          </a:p>
-        </p:txBody>
-      </p:sp>
     </p:spTree>
   </p:cSld>
   <p:timing>
@@ -21828,7 +21503,7 @@
       </p:grpSpPr>
       <p:sp>
         <p:nvSpPr>
-          <p:cNvPr id="405" name="TextShape 1"/>
+          <p:cNvPr id="396" name="TextShape 1"/>
           <p:cNvSpPr txBox="1"/>
           <p:nvPr/>
         </p:nvSpPr>
@@ -21860,16 +21535,7 @@
                 </a:solidFill>
                 <a:latin typeface="Calibri"/>
               </a:rPr>
-              <a:t>CONFLIC</a:t>
-            </a:r>
-            <a:r>
-              <a:rPr b="0" lang="en-US" sz="4400" spc="-1" strike="noStrike">
-                <a:solidFill>
-                  <a:srgbClr val="000000"/>
-                </a:solidFill>
-                <a:latin typeface="Calibri"/>
-              </a:rPr>
-              <a:t>TS</a:t>
+              <a:t>MERGING IN ACTION</a:t>
             </a:r>
             <a:endParaRPr b="0" lang="en-US" sz="4400" spc="-1" strike="noStrike">
               <a:solidFill>
@@ -21882,120 +21548,7 @@
       </p:sp>
       <p:sp>
         <p:nvSpPr>
-          <p:cNvPr id="406" name="TextShape 2"/>
-          <p:cNvSpPr txBox="1"/>
-          <p:nvPr/>
-        </p:nvSpPr>
-        <p:spPr>
-          <a:xfrm>
-            <a:off x="838080" y="1825560"/>
-            <a:ext cx="5404680" cy="4350960"/>
-          </a:xfrm>
-          <a:prstGeom prst="rect">
-            <a:avLst/>
-          </a:prstGeom>
-          <a:noFill/>
-          <a:ln>
-            <a:noFill/>
-          </a:ln>
-        </p:spPr>
-        <p:txBody>
-          <a:bodyPr/>
-          <a:p>
-            <a:pPr marL="228600" indent="-228240">
-              <a:lnSpc>
-                <a:spcPct val="90000"/>
-              </a:lnSpc>
-              <a:spcBef>
-                <a:spcPts val="1001"/>
-              </a:spcBef>
-              <a:buClr>
-                <a:srgbClr val="000000"/>
-              </a:buClr>
-              <a:buFont typeface="Arial"/>
-              <a:buChar char="•"/>
-            </a:pPr>
-            <a:r>
-              <a:rPr b="0" lang="en-US" sz="2800" spc="-1" strike="noStrike">
-                <a:solidFill>
-                  <a:srgbClr val="000000"/>
-                </a:solidFill>
-                <a:latin typeface="Calibri"/>
-              </a:rPr>
-              <a:t>Occasionally, two people may have edited the same part of the same file on different branches</a:t>
-            </a:r>
-            <a:endParaRPr b="0" lang="en-US" sz="2800" spc="-1" strike="noStrike">
-              <a:solidFill>
-                <a:srgbClr val="000000"/>
-              </a:solidFill>
-              <a:latin typeface="Calibri"/>
-            </a:endParaRPr>
-          </a:p>
-          <a:p>
-            <a:pPr marL="228600" indent="-228240">
-              <a:lnSpc>
-                <a:spcPct val="90000"/>
-              </a:lnSpc>
-              <a:spcBef>
-                <a:spcPts val="1001"/>
-              </a:spcBef>
-              <a:buClr>
-                <a:srgbClr val="000000"/>
-              </a:buClr>
-              <a:buFont typeface="Arial"/>
-              <a:buChar char="•"/>
-            </a:pPr>
-            <a:r>
-              <a:rPr b="0" lang="en-US" sz="2800" spc="-1" strike="noStrike">
-                <a:solidFill>
-                  <a:srgbClr val="000000"/>
-                </a:solidFill>
-                <a:latin typeface="Calibri"/>
-              </a:rPr>
-              <a:t>Which version do we take?</a:t>
-            </a:r>
-            <a:endParaRPr b="0" lang="en-US" sz="2800" spc="-1" strike="noStrike">
-              <a:solidFill>
-                <a:srgbClr val="000000"/>
-              </a:solidFill>
-              <a:latin typeface="Calibri"/>
-            </a:endParaRPr>
-          </a:p>
-          <a:p>
-            <a:pPr marL="228600" indent="-228240">
-              <a:lnSpc>
-                <a:spcPct val="90000"/>
-              </a:lnSpc>
-              <a:spcBef>
-                <a:spcPts val="1001"/>
-              </a:spcBef>
-              <a:buClr>
-                <a:srgbClr val="000000"/>
-              </a:buClr>
-              <a:buFont typeface="Arial"/>
-              <a:buChar char="•"/>
-            </a:pPr>
-            <a:r>
-              <a:rPr b="0" lang="en-US" sz="2800" spc="-1" strike="noStrike">
-                <a:solidFill>
-                  <a:srgbClr val="000000"/>
-                </a:solidFill>
-                <a:latin typeface="Calibri"/>
-              </a:rPr>
-              <a:t>Must manually resolve conflicts</a:t>
-            </a:r>
-            <a:endParaRPr b="0" lang="en-US" sz="2800" spc="-1" strike="noStrike">
-              <a:solidFill>
-                <a:srgbClr val="000000"/>
-              </a:solidFill>
-              <a:latin typeface="Calibri"/>
-            </a:endParaRPr>
-          </a:p>
-        </p:txBody>
-      </p:sp>
-      <p:sp>
-        <p:nvSpPr>
-          <p:cNvPr id="407" name="TextShape 3"/>
+          <p:cNvPr id="397" name="TextShape 2"/>
           <p:cNvSpPr txBox="1"/>
           <p:nvPr/>
         </p:nvSpPr>
@@ -22020,7 +21573,7 @@
                 <a:spcPct val="100000"/>
               </a:lnSpc>
             </a:pPr>
-            <a:fld id="{2236587B-77DC-496F-89D3-EA4A9C3BF2E0}" type="datetime">
+            <a:fld id="{31D5B2CC-C227-40D4-A763-85D9E9F59C86}" type="datetime">
               <a:rPr b="0" lang="en-US" sz="1200" spc="-1" strike="noStrike">
                 <a:solidFill>
                   <a:srgbClr val="8b8b8b"/>
@@ -22037,7 +21590,7 @@
       </p:sp>
       <p:sp>
         <p:nvSpPr>
-          <p:cNvPr id="408" name="TextShape 4"/>
+          <p:cNvPr id="398" name="TextShape 3"/>
           <p:cNvSpPr txBox="1"/>
           <p:nvPr/>
         </p:nvSpPr>
@@ -22115,7 +21668,7 @@
       </p:sp>
       <p:sp>
         <p:nvSpPr>
-          <p:cNvPr id="409" name="TextShape 5"/>
+          <p:cNvPr id="399" name="TextShape 4"/>
           <p:cNvSpPr txBox="1"/>
           <p:nvPr/>
         </p:nvSpPr>
@@ -22140,7 +21693,7 @@
                 <a:spcPct val="100000"/>
               </a:lnSpc>
             </a:pPr>
-            <a:fld id="{CD8D5849-B78C-45EB-B44B-8A4EEAF871CE}" type="slidenum">
+            <a:fld id="{7AB9A8FC-F3FB-4CA6-92C9-187C1A1E4557}" type="slidenum">
               <a:rPr b="0" lang="en-US" sz="1200" spc="-1" strike="noStrike">
                 <a:solidFill>
                   <a:srgbClr val="8b8b8b"/>
@@ -22157,18 +21710,19 @@
       </p:sp>
       <p:pic>
         <p:nvPicPr>
-          <p:cNvPr id="410" name="Picture 2" descr=""/>
+          <p:cNvPr id="400" name="Picture 2" descr=""/>
           <p:cNvPicPr/>
           <p:nvPr/>
         </p:nvPicPr>
         <p:blipFill>
           <a:blip r:embed="rId1"/>
+          <a:srcRect l="0" t="0" r="4424" b="0"/>
           <a:stretch/>
         </p:blipFill>
         <p:spPr>
           <a:xfrm>
-            <a:off x="7218720" y="1150920"/>
-            <a:ext cx="4134960" cy="4240800"/>
+            <a:off x="156240" y="3121560"/>
+            <a:ext cx="4140720" cy="1267200"/>
           </a:xfrm>
           <a:prstGeom prst="rect">
             <a:avLst/>
@@ -22180,7 +21734,7 @@
       </p:pic>
       <p:pic>
         <p:nvPicPr>
-          <p:cNvPr id="411" name="Picture 4" descr=""/>
+          <p:cNvPr id="401" name="Picture 4" descr=""/>
           <p:cNvPicPr/>
           <p:nvPr/>
         </p:nvPicPr>
@@ -22190,8 +21744,8 @@
         </p:blipFill>
         <p:spPr>
           <a:xfrm>
-            <a:off x="1524600" y="4048920"/>
-            <a:ext cx="4113000" cy="2262600"/>
+            <a:off x="4298760" y="4573080"/>
+            <a:ext cx="3594240" cy="1537560"/>
           </a:xfrm>
           <a:prstGeom prst="rect">
             <a:avLst/>
@@ -22201,6 +21755,382 @@
           </a:ln>
         </p:spPr>
       </p:pic>
+      <p:pic>
+        <p:nvPicPr>
+          <p:cNvPr id="402" name="Picture 6" descr=""/>
+          <p:cNvPicPr/>
+          <p:nvPr/>
+        </p:nvPicPr>
+        <p:blipFill>
+          <a:blip r:embed="rId3"/>
+          <a:srcRect l="0" t="6388" r="0" b="0"/>
+          <a:stretch/>
+        </p:blipFill>
+        <p:spPr>
+          <a:xfrm>
+            <a:off x="4297320" y="1318320"/>
+            <a:ext cx="3597120" cy="1618560"/>
+          </a:xfrm>
+          <a:prstGeom prst="rect">
+            <a:avLst/>
+          </a:prstGeom>
+          <a:ln>
+            <a:noFill/>
+          </a:ln>
+        </p:spPr>
+      </p:pic>
+      <p:pic>
+        <p:nvPicPr>
+          <p:cNvPr id="403" name="Picture 8" descr=""/>
+          <p:cNvPicPr/>
+          <p:nvPr/>
+        </p:nvPicPr>
+        <p:blipFill>
+          <a:blip r:embed="rId4"/>
+          <a:stretch/>
+        </p:blipFill>
+        <p:spPr>
+          <a:xfrm>
+            <a:off x="8147160" y="2758680"/>
+            <a:ext cx="3206520" cy="1992600"/>
+          </a:xfrm>
+          <a:prstGeom prst="rect">
+            <a:avLst/>
+          </a:prstGeom>
+          <a:ln>
+            <a:noFill/>
+          </a:ln>
+        </p:spPr>
+      </p:pic>
+      <p:sp>
+        <p:nvSpPr>
+          <p:cNvPr id="404" name="CustomShape 5"/>
+          <p:cNvSpPr/>
+          <p:nvPr/>
+        </p:nvSpPr>
+        <p:spPr>
+          <a:xfrm flipH="1" flipV="1" rot="5400000">
+            <a:off x="2631960" y="1455480"/>
+            <a:ext cx="1260720" cy="2070000"/>
+          </a:xfrm>
+          <a:prstGeom prst="bentConnector2">
+            <a:avLst/>
+          </a:prstGeom>
+          <a:noFill/>
+          <a:ln>
+            <a:tailEnd len="med" type="triangle" w="med"/>
+          </a:ln>
+        </p:spPr>
+        <p:style>
+          <a:lnRef idx="1">
+            <a:schemeClr val="accent1"/>
+          </a:lnRef>
+          <a:fillRef idx="0">
+            <a:schemeClr val="accent1"/>
+          </a:fillRef>
+          <a:effectRef idx="0">
+            <a:schemeClr val="accent1"/>
+          </a:effectRef>
+          <a:fontRef idx="minor"/>
+        </p:style>
+      </p:sp>
+      <p:sp>
+        <p:nvSpPr>
+          <p:cNvPr id="405" name="CustomShape 6"/>
+          <p:cNvSpPr/>
+          <p:nvPr/>
+        </p:nvSpPr>
+        <p:spPr>
+          <a:xfrm flipH="1" rot="16200000">
+            <a:off x="2785680" y="3829320"/>
+            <a:ext cx="952560" cy="2071800"/>
+          </a:xfrm>
+          <a:prstGeom prst="bentConnector2">
+            <a:avLst/>
+          </a:prstGeom>
+          <a:noFill/>
+          <a:ln>
+            <a:tailEnd len="med" type="triangle" w="med"/>
+          </a:ln>
+        </p:spPr>
+        <p:style>
+          <a:lnRef idx="1">
+            <a:schemeClr val="accent1"/>
+          </a:lnRef>
+          <a:fillRef idx="0">
+            <a:schemeClr val="accent1"/>
+          </a:fillRef>
+          <a:effectRef idx="0">
+            <a:schemeClr val="accent1"/>
+          </a:effectRef>
+          <a:fontRef idx="minor"/>
+        </p:style>
+      </p:sp>
+      <p:sp>
+        <p:nvSpPr>
+          <p:cNvPr id="406" name="CustomShape 7"/>
+          <p:cNvSpPr/>
+          <p:nvPr/>
+        </p:nvSpPr>
+        <p:spPr>
+          <a:xfrm>
+            <a:off x="7893360" y="1860480"/>
+            <a:ext cx="1856880" cy="898200"/>
+          </a:xfrm>
+          <a:prstGeom prst="bentConnector2">
+            <a:avLst/>
+          </a:prstGeom>
+          <a:noFill/>
+          <a:ln>
+            <a:tailEnd len="med" type="triangle" w="med"/>
+          </a:ln>
+        </p:spPr>
+        <p:style>
+          <a:lnRef idx="1">
+            <a:schemeClr val="accent1"/>
+          </a:lnRef>
+          <a:fillRef idx="0">
+            <a:schemeClr val="accent1"/>
+          </a:fillRef>
+          <a:effectRef idx="0">
+            <a:schemeClr val="accent1"/>
+          </a:effectRef>
+          <a:fontRef idx="minor"/>
+        </p:style>
+      </p:sp>
+      <p:sp>
+        <p:nvSpPr>
+          <p:cNvPr id="407" name="CustomShape 8"/>
+          <p:cNvSpPr/>
+          <p:nvPr/>
+        </p:nvSpPr>
+        <p:spPr>
+          <a:xfrm flipV="1">
+            <a:off x="7893360" y="4750920"/>
+            <a:ext cx="1856880" cy="590040"/>
+          </a:xfrm>
+          <a:prstGeom prst="bentConnector2">
+            <a:avLst/>
+          </a:prstGeom>
+          <a:noFill/>
+          <a:ln>
+            <a:tailEnd len="med" type="triangle" w="med"/>
+          </a:ln>
+        </p:spPr>
+        <p:style>
+          <a:lnRef idx="1">
+            <a:schemeClr val="accent1"/>
+          </a:lnRef>
+          <a:fillRef idx="0">
+            <a:schemeClr val="accent1"/>
+          </a:fillRef>
+          <a:effectRef idx="0">
+            <a:schemeClr val="accent1"/>
+          </a:effectRef>
+          <a:fontRef idx="minor"/>
+        </p:style>
+      </p:sp>
+      <p:sp>
+        <p:nvSpPr>
+          <p:cNvPr id="408" name="CustomShape 9"/>
+          <p:cNvSpPr/>
+          <p:nvPr/>
+        </p:nvSpPr>
+        <p:spPr>
+          <a:xfrm>
+            <a:off x="2693880" y="1552320"/>
+            <a:ext cx="1026360" cy="912600"/>
+          </a:xfrm>
+          <a:prstGeom prst="rect">
+            <a:avLst/>
+          </a:prstGeom>
+          <a:noFill/>
+          <a:ln>
+            <a:noFill/>
+          </a:ln>
+        </p:spPr>
+        <p:style>
+          <a:lnRef idx="0"/>
+          <a:fillRef idx="0"/>
+          <a:effectRef idx="0"/>
+          <a:fontRef idx="minor"/>
+        </p:style>
+        <p:txBody>
+          <a:bodyPr lIns="90000" rIns="90000" tIns="45000" bIns="45000"/>
+          <a:p>
+            <a:pPr algn="ctr">
+              <a:lnSpc>
+                <a:spcPct val="100000"/>
+              </a:lnSpc>
+            </a:pPr>
+            <a:r>
+              <a:rPr b="0" lang="en-US" sz="1800" spc="-1" strike="noStrike">
+                <a:solidFill>
+                  <a:srgbClr val="000000"/>
+                </a:solidFill>
+                <a:latin typeface="Calibri"/>
+              </a:rPr>
+              <a:t>Branch 1</a:t>
+            </a:r>
+            <a:endParaRPr b="0" lang="en-US" sz="1800" spc="-1" strike="noStrike">
+              <a:latin typeface="Arial"/>
+            </a:endParaRPr>
+          </a:p>
+          <a:p>
+            <a:pPr algn="ctr">
+              <a:lnSpc>
+                <a:spcPct val="100000"/>
+              </a:lnSpc>
+            </a:pPr>
+            <a:r>
+              <a:rPr b="0" lang="en-US" sz="1800" spc="-1" strike="noStrike">
+                <a:solidFill>
+                  <a:srgbClr val="000000"/>
+                </a:solidFill>
+                <a:latin typeface="Calibri"/>
+              </a:rPr>
+              <a:t>(INTO)</a:t>
+            </a:r>
+            <a:endParaRPr b="0" lang="en-US" sz="1800" spc="-1" strike="noStrike">
+              <a:latin typeface="Arial"/>
+            </a:endParaRPr>
+          </a:p>
+        </p:txBody>
+      </p:sp>
+      <p:sp>
+        <p:nvSpPr>
+          <p:cNvPr id="409" name="CustomShape 10"/>
+          <p:cNvSpPr/>
+          <p:nvPr/>
+        </p:nvSpPr>
+        <p:spPr>
+          <a:xfrm>
+            <a:off x="2693880" y="5010480"/>
+            <a:ext cx="1026360" cy="912600"/>
+          </a:xfrm>
+          <a:prstGeom prst="rect">
+            <a:avLst/>
+          </a:prstGeom>
+          <a:noFill/>
+          <a:ln>
+            <a:noFill/>
+          </a:ln>
+        </p:spPr>
+        <p:style>
+          <a:lnRef idx="0"/>
+          <a:fillRef idx="0"/>
+          <a:effectRef idx="0"/>
+          <a:fontRef idx="minor"/>
+        </p:style>
+        <p:txBody>
+          <a:bodyPr lIns="90000" rIns="90000" tIns="45000" bIns="45000"/>
+          <a:p>
+            <a:pPr algn="ctr">
+              <a:lnSpc>
+                <a:spcPct val="100000"/>
+              </a:lnSpc>
+            </a:pPr>
+            <a:r>
+              <a:rPr b="0" lang="en-US" sz="1800" spc="-1" strike="noStrike">
+                <a:solidFill>
+                  <a:srgbClr val="000000"/>
+                </a:solidFill>
+                <a:latin typeface="Calibri"/>
+              </a:rPr>
+              <a:t>Branch 2</a:t>
+            </a:r>
+            <a:endParaRPr b="0" lang="en-US" sz="1800" spc="-1" strike="noStrike">
+              <a:latin typeface="Arial"/>
+            </a:endParaRPr>
+          </a:p>
+          <a:p>
+            <a:pPr algn="ctr">
+              <a:lnSpc>
+                <a:spcPct val="100000"/>
+              </a:lnSpc>
+            </a:pPr>
+            <a:r>
+              <a:rPr b="0" lang="en-US" sz="1800" spc="-1" strike="noStrike">
+                <a:solidFill>
+                  <a:srgbClr val="000000"/>
+                </a:solidFill>
+                <a:latin typeface="Calibri"/>
+              </a:rPr>
+              <a:t>(IN)</a:t>
+            </a:r>
+            <a:endParaRPr b="0" lang="en-US" sz="1800" spc="-1" strike="noStrike">
+              <a:latin typeface="Arial"/>
+            </a:endParaRPr>
+          </a:p>
+        </p:txBody>
+      </p:sp>
+      <p:sp>
+        <p:nvSpPr>
+          <p:cNvPr id="410" name="CustomShape 11"/>
+          <p:cNvSpPr/>
+          <p:nvPr/>
+        </p:nvSpPr>
+        <p:spPr>
+          <a:xfrm>
+            <a:off x="9750240" y="2003400"/>
+            <a:ext cx="1424520" cy="639000"/>
+          </a:xfrm>
+          <a:prstGeom prst="rect">
+            <a:avLst/>
+          </a:prstGeom>
+          <a:noFill/>
+          <a:ln>
+            <a:noFill/>
+          </a:ln>
+        </p:spPr>
+        <p:style>
+          <a:lnRef idx="0"/>
+          <a:fillRef idx="0"/>
+          <a:effectRef idx="0"/>
+          <a:fontRef idx="minor"/>
+        </p:style>
+        <p:txBody>
+          <a:bodyPr lIns="90000" rIns="90000" tIns="45000" bIns="45000"/>
+          <a:p>
+            <a:pPr algn="ctr">
+              <a:lnSpc>
+                <a:spcPct val="100000"/>
+              </a:lnSpc>
+            </a:pPr>
+            <a:r>
+              <a:rPr b="0" lang="en-US" sz="1800" spc="-1" strike="noStrike">
+                <a:solidFill>
+                  <a:srgbClr val="000000"/>
+                </a:solidFill>
+                <a:latin typeface="Calibri"/>
+              </a:rPr>
+              <a:t>Branch 1</a:t>
+            </a:r>
+            <a:endParaRPr b="0" lang="en-US" sz="1800" spc="-1" strike="noStrike">
+              <a:latin typeface="Arial"/>
+            </a:endParaRPr>
+          </a:p>
+          <a:p>
+            <a:pPr algn="ctr">
+              <a:lnSpc>
+                <a:spcPct val="100000"/>
+              </a:lnSpc>
+            </a:pPr>
+            <a:r>
+              <a:rPr b="0" lang="en-US" sz="1800" spc="-1" strike="noStrike">
+                <a:solidFill>
+                  <a:srgbClr val="000000"/>
+                </a:solidFill>
+                <a:latin typeface="Calibri"/>
+              </a:rPr>
+              <a:t>(MERGED)</a:t>
+            </a:r>
+            <a:endParaRPr b="0" lang="en-US" sz="1800" spc="-1" strike="noStrike">
+              <a:latin typeface="Arial"/>
+            </a:endParaRPr>
+          </a:p>
+        </p:txBody>
+      </p:sp>
     </p:spTree>
   </p:cSld>
   <p:timing>
@@ -22252,7 +22182,7 @@
       </p:grpSpPr>
       <p:sp>
         <p:nvSpPr>
-          <p:cNvPr id="412" name="TextShape 1"/>
+          <p:cNvPr id="411" name="TextShape 1"/>
           <p:cNvSpPr txBox="1"/>
           <p:nvPr/>
         </p:nvSpPr>
@@ -22284,38 +22214,133 @@
                 </a:solidFill>
                 <a:latin typeface="Calibri"/>
               </a:rPr>
-              <a:t>CONFLIC</a:t>
-            </a:r>
-            <a:r>
-              <a:rPr b="0" lang="en-US" sz="4400" spc="-1" strike="noStrike">
+              <a:t>CONFLICTS</a:t>
+            </a:r>
+            <a:endParaRPr b="0" lang="en-US" sz="4400" spc="-1" strike="noStrike">
+              <a:solidFill>
+                <a:srgbClr val="000000"/>
+              </a:solidFill>
+              <a:latin typeface="Calibri"/>
+            </a:endParaRPr>
+          </a:p>
+        </p:txBody>
+      </p:sp>
+      <p:sp>
+        <p:nvSpPr>
+          <p:cNvPr id="412" name="TextShape 2"/>
+          <p:cNvSpPr txBox="1"/>
+          <p:nvPr/>
+        </p:nvSpPr>
+        <p:spPr>
+          <a:xfrm>
+            <a:off x="838080" y="1825560"/>
+            <a:ext cx="5404680" cy="4350960"/>
+          </a:xfrm>
+          <a:prstGeom prst="rect">
+            <a:avLst/>
+          </a:prstGeom>
+          <a:noFill/>
+          <a:ln>
+            <a:noFill/>
+          </a:ln>
+        </p:spPr>
+        <p:txBody>
+          <a:bodyPr/>
+          <a:p>
+            <a:pPr marL="228600" indent="-228240">
+              <a:lnSpc>
+                <a:spcPct val="90000"/>
+              </a:lnSpc>
+              <a:spcBef>
+                <a:spcPts val="1001"/>
+              </a:spcBef>
+              <a:buClr>
+                <a:srgbClr val="000000"/>
+              </a:buClr>
+              <a:buFont typeface="Arial"/>
+              <a:buChar char="•"/>
+            </a:pPr>
+            <a:r>
+              <a:rPr b="0" lang="en-US" sz="2800" spc="-1" strike="noStrike">
                 <a:solidFill>
                   <a:srgbClr val="000000"/>
                 </a:solidFill>
                 <a:latin typeface="Calibri"/>
               </a:rPr>
-              <a:t>TS IN </a:t>
-            </a:r>
-            <a:r>
-              <a:rPr b="0" lang="en-US" sz="4400" spc="-1" strike="noStrike">
+              <a:t>Occasionally, two people may have edited the same part of the same file on different branches</a:t>
+            </a:r>
+            <a:endParaRPr b="0" lang="en-US" sz="2800" spc="-1" strike="noStrike">
+              <a:solidFill>
+                <a:srgbClr val="000000"/>
+              </a:solidFill>
+              <a:latin typeface="Calibri"/>
+            </a:endParaRPr>
+          </a:p>
+          <a:p>
+            <a:pPr marL="228600" indent="-228240">
+              <a:lnSpc>
+                <a:spcPct val="90000"/>
+              </a:lnSpc>
+              <a:spcBef>
+                <a:spcPts val="1001"/>
+              </a:spcBef>
+              <a:buClr>
+                <a:srgbClr val="000000"/>
+              </a:buClr>
+              <a:buFont typeface="Arial"/>
+              <a:buChar char="•"/>
+            </a:pPr>
+            <a:r>
+              <a:rPr b="0" lang="en-US" sz="2800" spc="-1" strike="noStrike">
                 <a:solidFill>
                   <a:srgbClr val="000000"/>
                 </a:solidFill>
                 <a:latin typeface="Calibri"/>
               </a:rPr>
-              <a:t>ACTION</a:t>
-            </a:r>
-            <a:endParaRPr b="0" lang="en-US" sz="4400" spc="-1" strike="noStrike">
-              <a:solidFill>
-                <a:srgbClr val="000000"/>
-              </a:solidFill>
-              <a:latin typeface="Calibri"/>
-            </a:endParaRPr>
-          </a:p>
-        </p:txBody>
-      </p:sp>
-      <p:sp>
-        <p:nvSpPr>
-          <p:cNvPr id="413" name="TextShape 2"/>
+              <a:t>Which version do we take?</a:t>
+            </a:r>
+            <a:endParaRPr b="0" lang="en-US" sz="2800" spc="-1" strike="noStrike">
+              <a:solidFill>
+                <a:srgbClr val="000000"/>
+              </a:solidFill>
+              <a:latin typeface="Calibri"/>
+            </a:endParaRPr>
+          </a:p>
+          <a:p>
+            <a:pPr marL="228600" indent="-228240">
+              <a:lnSpc>
+                <a:spcPct val="90000"/>
+              </a:lnSpc>
+              <a:spcBef>
+                <a:spcPts val="1001"/>
+              </a:spcBef>
+              <a:buClr>
+                <a:srgbClr val="000000"/>
+              </a:buClr>
+              <a:buFont typeface="Arial"/>
+              <a:buChar char="•"/>
+            </a:pPr>
+            <a:r>
+              <a:rPr b="0" lang="en-US" sz="2800" spc="-1" strike="noStrike">
+                <a:solidFill>
+                  <a:srgbClr val="000000"/>
+                </a:solidFill>
+                <a:latin typeface="Calibri"/>
+              </a:rPr>
+              <a:t>Must manually resolve conflicts</a:t>
+            </a:r>
+            <a:endParaRPr b="0" lang="en-US" sz="2800" spc="-1" strike="noStrike">
+              <a:solidFill>
+                <a:srgbClr val="000000"/>
+              </a:solidFill>
+              <a:latin typeface="Calibri"/>
+            </a:endParaRPr>
+          </a:p>
+        </p:txBody>
+      </p:sp>
+      <p:sp>
+        <p:nvSpPr>
+          <p:cNvPr id="413" name="TextShape 3"/>
           <p:cNvSpPr txBox="1"/>
           <p:nvPr/>
         </p:nvSpPr>
@@ -22340,7 +22365,7 @@
                 <a:spcPct val="100000"/>
               </a:lnSpc>
             </a:pPr>
-            <a:fld id="{D3ED3F04-016F-4AA3-A862-A1A458F011CE}" type="datetime">
+            <a:fld id="{70B8F8E7-5112-4DC9-8B43-7BE43F9D2E58}" type="datetime">
               <a:rPr b="0" lang="en-US" sz="1200" spc="-1" strike="noStrike">
                 <a:solidFill>
                   <a:srgbClr val="8b8b8b"/>
@@ -22357,7 +22382,7 @@
       </p:sp>
       <p:sp>
         <p:nvSpPr>
-          <p:cNvPr id="414" name="TextShape 3"/>
+          <p:cNvPr id="414" name="TextShape 4"/>
           <p:cNvSpPr txBox="1"/>
           <p:nvPr/>
         </p:nvSpPr>
@@ -22435,7 +22460,7 @@
       </p:sp>
       <p:sp>
         <p:nvSpPr>
-          <p:cNvPr id="415" name="TextShape 4"/>
+          <p:cNvPr id="415" name="TextShape 5"/>
           <p:cNvSpPr txBox="1"/>
           <p:nvPr/>
         </p:nvSpPr>
@@ -22460,7 +22485,7 @@
                 <a:spcPct val="100000"/>
               </a:lnSpc>
             </a:pPr>
-            <a:fld id="{6D196641-BC93-4ACD-B9DA-7F3704F5BF01}" type="slidenum">
+            <a:fld id="{A7C2292C-82D5-4B83-8EFD-17530329B966}" type="slidenum">
               <a:rPr b="0" lang="en-US" sz="1200" spc="-1" strike="noStrike">
                 <a:solidFill>
                   <a:srgbClr val="8b8b8b"/>
@@ -22483,13 +22508,12 @@
         </p:nvPicPr>
         <p:blipFill>
           <a:blip r:embed="rId1"/>
-          <a:srcRect l="5194" t="0" r="4146" b="0"/>
           <a:stretch/>
         </p:blipFill>
         <p:spPr>
           <a:xfrm>
-            <a:off x="110520" y="3333960"/>
-            <a:ext cx="3846600" cy="1135080"/>
+            <a:off x="7218720" y="1150920"/>
+            <a:ext cx="4134960" cy="4240800"/>
           </a:xfrm>
           <a:prstGeom prst="rect">
             <a:avLst/>
@@ -22507,13 +22531,12 @@
         </p:nvPicPr>
         <p:blipFill>
           <a:blip r:embed="rId2"/>
-          <a:srcRect l="5730" t="6849" r="2358" b="7211"/>
           <a:stretch/>
         </p:blipFill>
         <p:spPr>
           <a:xfrm>
-            <a:off x="3957120" y="1458000"/>
-            <a:ext cx="3588840" cy="1612800"/>
+            <a:off x="1524600" y="4048920"/>
+            <a:ext cx="4113000" cy="2262600"/>
           </a:xfrm>
           <a:prstGeom prst="rect">
             <a:avLst/>
@@ -22523,205 +22546,6 @@
           </a:ln>
         </p:spPr>
       </p:pic>
-      <p:sp>
-        <p:nvSpPr>
-          <p:cNvPr id="418" name="CustomShape 5"/>
-          <p:cNvSpPr/>
-          <p:nvPr/>
-        </p:nvSpPr>
-        <p:spPr>
-          <a:xfrm flipH="1" flipV="1" rot="5400000">
-            <a:off x="2291760" y="1727280"/>
-            <a:ext cx="1260720" cy="2070000"/>
-          </a:xfrm>
-          <a:prstGeom prst="bentConnector2">
-            <a:avLst/>
-          </a:prstGeom>
-          <a:noFill/>
-          <a:ln>
-            <a:tailEnd len="med" type="triangle" w="med"/>
-          </a:ln>
-        </p:spPr>
-        <p:style>
-          <a:lnRef idx="1">
-            <a:schemeClr val="accent1"/>
-          </a:lnRef>
-          <a:fillRef idx="0">
-            <a:schemeClr val="accent1"/>
-          </a:fillRef>
-          <a:effectRef idx="0">
-            <a:schemeClr val="accent1"/>
-          </a:effectRef>
-          <a:fontRef idx="minor"/>
-        </p:style>
-      </p:sp>
-      <p:pic>
-        <p:nvPicPr>
-          <p:cNvPr id="419" name="Picture 6" descr=""/>
-          <p:cNvPicPr/>
-          <p:nvPr/>
-        </p:nvPicPr>
-        <p:blipFill>
-          <a:blip r:embed="rId3"/>
-          <a:stretch/>
-        </p:blipFill>
-        <p:spPr>
-          <a:xfrm>
-            <a:off x="3957120" y="4732560"/>
-            <a:ext cx="3588840" cy="1623240"/>
-          </a:xfrm>
-          <a:prstGeom prst="rect">
-            <a:avLst/>
-          </a:prstGeom>
-          <a:ln>
-            <a:noFill/>
-          </a:ln>
-        </p:spPr>
-      </p:pic>
-      <p:sp>
-        <p:nvSpPr>
-          <p:cNvPr id="420" name="CustomShape 6"/>
-          <p:cNvSpPr/>
-          <p:nvPr/>
-        </p:nvSpPr>
-        <p:spPr>
-          <a:xfrm flipH="1" rot="16200000">
-            <a:off x="2458080" y="4044960"/>
-            <a:ext cx="1074600" cy="1923120"/>
-          </a:xfrm>
-          <a:prstGeom prst="bentConnector2">
-            <a:avLst/>
-          </a:prstGeom>
-          <a:noFill/>
-          <a:ln>
-            <a:tailEnd len="med" type="triangle" w="med"/>
-          </a:ln>
-        </p:spPr>
-        <p:style>
-          <a:lnRef idx="1">
-            <a:schemeClr val="accent1"/>
-          </a:lnRef>
-          <a:fillRef idx="0">
-            <a:schemeClr val="accent1"/>
-          </a:fillRef>
-          <a:effectRef idx="0">
-            <a:schemeClr val="accent1"/>
-          </a:effectRef>
-          <a:fontRef idx="minor"/>
-        </p:style>
-      </p:sp>
-      <p:sp>
-        <p:nvSpPr>
-          <p:cNvPr id="421" name="CustomShape 7"/>
-          <p:cNvSpPr/>
-          <p:nvPr/>
-        </p:nvSpPr>
-        <p:spPr>
-          <a:xfrm>
-            <a:off x="7546320" y="2264400"/>
-            <a:ext cx="2685240" cy="1069200"/>
-          </a:xfrm>
-          <a:prstGeom prst="bentConnector2">
-            <a:avLst/>
-          </a:prstGeom>
-          <a:noFill/>
-          <a:ln>
-            <a:tailEnd len="med" type="triangle" w="med"/>
-          </a:ln>
-        </p:spPr>
-        <p:style>
-          <a:lnRef idx="1">
-            <a:schemeClr val="accent1"/>
-          </a:lnRef>
-          <a:fillRef idx="0">
-            <a:schemeClr val="accent1"/>
-          </a:fillRef>
-          <a:effectRef idx="0">
-            <a:schemeClr val="accent1"/>
-          </a:effectRef>
-          <a:fontRef idx="minor"/>
-        </p:style>
-      </p:sp>
-      <p:sp>
-        <p:nvSpPr>
-          <p:cNvPr id="422" name="CustomShape 8"/>
-          <p:cNvSpPr/>
-          <p:nvPr/>
-        </p:nvSpPr>
-        <p:spPr>
-          <a:xfrm>
-            <a:off x="9958320" y="3333960"/>
-            <a:ext cx="546840" cy="914760"/>
-          </a:xfrm>
-          <a:prstGeom prst="rect">
-            <a:avLst/>
-          </a:prstGeom>
-          <a:noFill/>
-          <a:ln>
-            <a:noFill/>
-          </a:ln>
-        </p:spPr>
-        <p:style>
-          <a:lnRef idx="0"/>
-          <a:fillRef idx="0"/>
-          <a:effectRef idx="0"/>
-          <a:fontRef idx="minor"/>
-        </p:style>
-        <p:txBody>
-          <a:bodyPr wrap="none"/>
-          <a:p>
-            <a:pPr algn="ctr">
-              <a:lnSpc>
-                <a:spcPct val="100000"/>
-              </a:lnSpc>
-            </a:pPr>
-            <a:r>
-              <a:rPr b="0" lang="en-US" sz="5400" spc="-1" strike="noStrike">
-                <a:solidFill>
-                  <a:srgbClr val="000000"/>
-                </a:solidFill>
-                <a:latin typeface="Calibri"/>
-              </a:rPr>
-              <a:t>?</a:t>
-            </a:r>
-            <a:endParaRPr b="0" lang="en-US" sz="5400" spc="-1" strike="noStrike">
-              <a:latin typeface="Arial"/>
-            </a:endParaRPr>
-          </a:p>
-        </p:txBody>
-      </p:sp>
-      <p:sp>
-        <p:nvSpPr>
-          <p:cNvPr id="423" name="CustomShape 9"/>
-          <p:cNvSpPr/>
-          <p:nvPr/>
-        </p:nvSpPr>
-        <p:spPr>
-          <a:xfrm flipV="1">
-            <a:off x="7546320" y="4257360"/>
-            <a:ext cx="2685240" cy="1300320"/>
-          </a:xfrm>
-          <a:prstGeom prst="bentConnector2">
-            <a:avLst/>
-          </a:prstGeom>
-          <a:noFill/>
-          <a:ln>
-            <a:tailEnd len="med" type="triangle" w="med"/>
-          </a:ln>
-        </p:spPr>
-        <p:style>
-          <a:lnRef idx="1">
-            <a:schemeClr val="accent1"/>
-          </a:lnRef>
-          <a:fillRef idx="0">
-            <a:schemeClr val="accent1"/>
-          </a:fillRef>
-          <a:effectRef idx="0">
-            <a:schemeClr val="accent1"/>
-          </a:effectRef>
-          <a:fontRef idx="minor"/>
-        </p:style>
-      </p:sp>
     </p:spTree>
   </p:cSld>
   <p:timing>
@@ -22773,7 +22597,7 @@
       </p:grpSpPr>
       <p:sp>
         <p:nvSpPr>
-          <p:cNvPr id="424" name="TextShape 1"/>
+          <p:cNvPr id="418" name="TextShape 1"/>
           <p:cNvSpPr txBox="1"/>
           <p:nvPr/>
         </p:nvSpPr>
@@ -22818,7 +22642,7 @@
       </p:sp>
       <p:sp>
         <p:nvSpPr>
-          <p:cNvPr id="425" name="TextShape 2"/>
+          <p:cNvPr id="419" name="TextShape 2"/>
           <p:cNvSpPr txBox="1"/>
           <p:nvPr/>
         </p:nvSpPr>
@@ -22843,7 +22667,7 @@
                 <a:spcPct val="100000"/>
               </a:lnSpc>
             </a:pPr>
-            <a:fld id="{740D780E-5AB4-4716-A12F-2FD4395046A6}" type="datetime">
+            <a:fld id="{B078AD8C-579D-48A7-BFD5-22E2D30043C1}" type="datetime">
               <a:rPr b="0" lang="en-US" sz="1200" spc="-1" strike="noStrike">
                 <a:solidFill>
                   <a:srgbClr val="8b8b8b"/>
@@ -22860,7 +22684,7 @@
       </p:sp>
       <p:sp>
         <p:nvSpPr>
-          <p:cNvPr id="426" name="TextShape 3"/>
+          <p:cNvPr id="420" name="TextShape 3"/>
           <p:cNvSpPr txBox="1"/>
           <p:nvPr/>
         </p:nvSpPr>
@@ -22901,7 +22725,16 @@
                 </a:solidFill>
                 <a:latin typeface="Calibri"/>
               </a:rPr>
-              <a:t>| Email</a:t>
+              <a:t>| </a:t>
+            </a:r>
+            <a:r>
+              <a:rPr b="0" lang="en-US" sz="1200" spc="-1" strike="noStrike">
+                <a:solidFill>
+                  <a:srgbClr val="1f4e79"/>
+                </a:solidFill>
+                <a:latin typeface="Calibri"/>
+              </a:rPr>
+              <a:t>Email</a:t>
             </a:r>
             <a:r>
               <a:rPr b="0" lang="en-US" sz="1200" spc="-1" strike="noStrike">
@@ -22928,7 +22761,16 @@
                 </a:solidFill>
                 <a:latin typeface="Calibri"/>
               </a:rPr>
-              <a:t> library.rice.edu/dss</a:t>
+              <a:t> </a:t>
+            </a:r>
+            <a:r>
+              <a:rPr b="0" lang="en-US" sz="1200" spc="-1" strike="noStrike">
+                <a:solidFill>
+                  <a:srgbClr val="8b8b8b"/>
+                </a:solidFill>
+                <a:latin typeface="Calibri"/>
+              </a:rPr>
+              <a:t>library.rice.edu/dss</a:t>
             </a:r>
             <a:endParaRPr b="0" lang="en-US" sz="1200" spc="-1" strike="noStrike">
               <a:latin typeface="Times New Roman"/>
@@ -22938,7 +22780,7 @@
       </p:sp>
       <p:sp>
         <p:nvSpPr>
-          <p:cNvPr id="427" name="TextShape 4"/>
+          <p:cNvPr id="421" name="TextShape 4"/>
           <p:cNvSpPr txBox="1"/>
           <p:nvPr/>
         </p:nvSpPr>
@@ -22963,7 +22805,7 @@
                 <a:spcPct val="100000"/>
               </a:lnSpc>
             </a:pPr>
-            <a:fld id="{8E9F9195-C798-4393-ADD4-293CB1E07C0B}" type="slidenum">
+            <a:fld id="{F3948D10-0E87-490D-BF89-6F4DCC9413FD}" type="slidenum">
               <a:rPr b="0" lang="en-US" sz="1200" spc="-1" strike="noStrike">
                 <a:solidFill>
                   <a:srgbClr val="8b8b8b"/>
@@ -22980,18 +22822,42 @@
       </p:sp>
       <p:pic>
         <p:nvPicPr>
-          <p:cNvPr id="428" name="Picture 4" descr=""/>
+          <p:cNvPr id="422" name="Picture 2" descr=""/>
           <p:cNvPicPr/>
           <p:nvPr/>
         </p:nvPicPr>
         <p:blipFill>
           <a:blip r:embed="rId1"/>
+          <a:srcRect l="5194" t="0" r="4146" b="0"/>
+          <a:stretch/>
+        </p:blipFill>
+        <p:spPr>
+          <a:xfrm>
+            <a:off x="110520" y="3333960"/>
+            <a:ext cx="3846600" cy="1135080"/>
+          </a:xfrm>
+          <a:prstGeom prst="rect">
+            <a:avLst/>
+          </a:prstGeom>
+          <a:ln>
+            <a:noFill/>
+          </a:ln>
+        </p:spPr>
+      </p:pic>
+      <p:pic>
+        <p:nvPicPr>
+          <p:cNvPr id="423" name="Picture 4" descr=""/>
+          <p:cNvPicPr/>
+          <p:nvPr/>
+        </p:nvPicPr>
+        <p:blipFill>
+          <a:blip r:embed="rId2"/>
           <a:srcRect l="5730" t="6849" r="2358" b="7211"/>
           <a:stretch/>
         </p:blipFill>
         <p:spPr>
           <a:xfrm>
-            <a:off x="835560" y="1897920"/>
+            <a:off x="3957120" y="1458000"/>
             <a:ext cx="3588840" cy="1612800"/>
           </a:xfrm>
           <a:prstGeom prst="rect">
@@ -23002,39 +22868,16 @@
           </a:ln>
         </p:spPr>
       </p:pic>
-      <p:pic>
-        <p:nvPicPr>
-          <p:cNvPr id="429" name="Picture 6" descr=""/>
-          <p:cNvPicPr/>
-          <p:nvPr/>
-        </p:nvPicPr>
-        <p:blipFill>
-          <a:blip r:embed="rId2"/>
-          <a:stretch/>
-        </p:blipFill>
-        <p:spPr>
-          <a:xfrm>
-            <a:off x="835560" y="4525560"/>
-            <a:ext cx="3585960" cy="1623240"/>
-          </a:xfrm>
-          <a:prstGeom prst="rect">
-            <a:avLst/>
-          </a:prstGeom>
-          <a:ln>
-            <a:noFill/>
-          </a:ln>
-        </p:spPr>
-      </p:pic>
-      <p:sp>
-        <p:nvSpPr>
-          <p:cNvPr id="430" name="CustomShape 5"/>
+      <p:sp>
+        <p:nvSpPr>
+          <p:cNvPr id="424" name="CustomShape 5"/>
           <p:cNvSpPr/>
           <p:nvPr/>
         </p:nvSpPr>
         <p:spPr>
-          <a:xfrm flipH="1" rot="16200000">
-            <a:off x="3440880" y="2700000"/>
-            <a:ext cx="512280" cy="2133360"/>
+          <a:xfrm flipH="1" flipV="1" rot="5400000">
+            <a:off x="2291760" y="1727280"/>
+            <a:ext cx="1260720" cy="2070000"/>
           </a:xfrm>
           <a:prstGeom prst="bentConnector2">
             <a:avLst/>
@@ -23059,7 +22902,7 @@
       </p:sp>
       <p:pic>
         <p:nvPicPr>
-          <p:cNvPr id="431" name="Picture 2" descr=""/>
+          <p:cNvPr id="425" name="Picture 6" descr=""/>
           <p:cNvPicPr/>
           <p:nvPr/>
         </p:nvPicPr>
@@ -23069,8 +22912,8 @@
         </p:blipFill>
         <p:spPr>
           <a:xfrm>
-            <a:off x="8046000" y="3157560"/>
-            <a:ext cx="3871800" cy="1737000"/>
+            <a:off x="3957120" y="4732560"/>
+            <a:ext cx="3588840" cy="1623240"/>
           </a:xfrm>
           <a:prstGeom prst="rect">
             <a:avLst/>
@@ -23080,39 +22923,16 @@
           </a:ln>
         </p:spPr>
       </p:pic>
-      <p:pic>
-        <p:nvPicPr>
-          <p:cNvPr id="432" name="Picture 4" descr=""/>
-          <p:cNvPicPr/>
-          <p:nvPr/>
-        </p:nvPicPr>
-        <p:blipFill>
-          <a:blip r:embed="rId4"/>
-          <a:stretch/>
-        </p:blipFill>
-        <p:spPr>
-          <a:xfrm>
-            <a:off x="4763880" y="2222640"/>
-            <a:ext cx="2939760" cy="3601440"/>
-          </a:xfrm>
-          <a:prstGeom prst="rect">
-            <a:avLst/>
-          </a:prstGeom>
-          <a:ln>
-            <a:noFill/>
-          </a:ln>
-        </p:spPr>
-      </p:pic>
-      <p:sp>
-        <p:nvSpPr>
-          <p:cNvPr id="433" name="CustomShape 6"/>
+      <p:sp>
+        <p:nvSpPr>
+          <p:cNvPr id="426" name="CustomShape 6"/>
           <p:cNvSpPr/>
           <p:nvPr/>
         </p:nvSpPr>
         <p:spPr>
-          <a:xfrm flipH="1" flipV="1" rot="5400000">
-            <a:off x="3445560" y="3205800"/>
-            <a:ext cx="501480" cy="2134800"/>
+          <a:xfrm flipH="1" rot="16200000">
+            <a:off x="2458080" y="4044960"/>
+            <a:ext cx="1074600" cy="1923120"/>
           </a:xfrm>
           <a:prstGeom prst="bentConnector2">
             <a:avLst/>
@@ -23137,19 +22957,97 @@
       </p:sp>
       <p:sp>
         <p:nvSpPr>
-          <p:cNvPr id="434" name="CustomShape 7"/>
+          <p:cNvPr id="427" name="CustomShape 7"/>
           <p:cNvSpPr/>
           <p:nvPr/>
         </p:nvSpPr>
         <p:spPr>
           <a:xfrm>
-            <a:off x="7704000" y="4023360"/>
-            <a:ext cx="341640" cy="2160"/>
-          </a:xfrm>
-          <a:prstGeom prst="bentConnector3">
-            <a:avLst>
-              <a:gd name="adj1" fmla="val 50000"/>
-            </a:avLst>
+            <a:off x="7546320" y="2264400"/>
+            <a:ext cx="2685240" cy="1069200"/>
+          </a:xfrm>
+          <a:prstGeom prst="bentConnector2">
+            <a:avLst/>
+          </a:prstGeom>
+          <a:noFill/>
+          <a:ln>
+            <a:tailEnd len="med" type="triangle" w="med"/>
+          </a:ln>
+        </p:spPr>
+        <p:style>
+          <a:lnRef idx="1">
+            <a:schemeClr val="accent1"/>
+          </a:lnRef>
+          <a:fillRef idx="0">
+            <a:schemeClr val="accent1"/>
+          </a:fillRef>
+          <a:effectRef idx="0">
+            <a:schemeClr val="accent1"/>
+          </a:effectRef>
+          <a:fontRef idx="minor"/>
+        </p:style>
+      </p:sp>
+      <p:sp>
+        <p:nvSpPr>
+          <p:cNvPr id="428" name="CustomShape 8"/>
+          <p:cNvSpPr/>
+          <p:nvPr/>
+        </p:nvSpPr>
+        <p:spPr>
+          <a:xfrm>
+            <a:off x="9958320" y="3333960"/>
+            <a:ext cx="546840" cy="914760"/>
+          </a:xfrm>
+          <a:prstGeom prst="rect">
+            <a:avLst/>
+          </a:prstGeom>
+          <a:noFill/>
+          <a:ln>
+            <a:noFill/>
+          </a:ln>
+        </p:spPr>
+        <p:style>
+          <a:lnRef idx="0"/>
+          <a:fillRef idx="0"/>
+          <a:effectRef idx="0"/>
+          <a:fontRef idx="minor"/>
+        </p:style>
+        <p:txBody>
+          <a:bodyPr wrap="none"/>
+          <a:p>
+            <a:pPr algn="ctr">
+              <a:lnSpc>
+                <a:spcPct val="100000"/>
+              </a:lnSpc>
+            </a:pPr>
+            <a:r>
+              <a:rPr b="0" lang="en-US" sz="5400" spc="-1" strike="noStrike">
+                <a:solidFill>
+                  <a:srgbClr val="000000"/>
+                </a:solidFill>
+                <a:latin typeface="Calibri"/>
+              </a:rPr>
+              <a:t>?</a:t>
+            </a:r>
+            <a:endParaRPr b="0" lang="en-US" sz="5400" spc="-1" strike="noStrike">
+              <a:latin typeface="Arial"/>
+            </a:endParaRPr>
+          </a:p>
+        </p:txBody>
+      </p:sp>
+      <p:sp>
+        <p:nvSpPr>
+          <p:cNvPr id="429" name="CustomShape 9"/>
+          <p:cNvSpPr/>
+          <p:nvPr/>
+        </p:nvSpPr>
+        <p:spPr>
+          <a:xfrm flipV="1">
+            <a:off x="7546320" y="4257360"/>
+            <a:ext cx="2685240" cy="1300320"/>
+          </a:xfrm>
+          <a:prstGeom prst="bentConnector2">
+            <a:avLst/>
           </a:prstGeom>
           <a:noFill/>
           <a:ln>
@@ -23220,7 +23118,7 @@
       </p:grpSpPr>
       <p:sp>
         <p:nvSpPr>
-          <p:cNvPr id="435" name="TextShape 1"/>
+          <p:cNvPr id="430" name="TextShape 1"/>
           <p:cNvSpPr txBox="1"/>
           <p:nvPr/>
         </p:nvSpPr>
@@ -23252,7 +23150,7 @@
                 </a:solidFill>
                 <a:latin typeface="Calibri"/>
               </a:rPr>
-              <a:t>CONFLICTS AND MERGING</a:t>
+              <a:t>CONFLICTS IN ACTION</a:t>
             </a:r>
             <a:endParaRPr b="0" lang="en-US" sz="4400" spc="-1" strike="noStrike">
               <a:solidFill>
@@ -23265,150 +23163,7 @@
       </p:sp>
       <p:sp>
         <p:nvSpPr>
-          <p:cNvPr id="436" name="TextShape 2"/>
-          <p:cNvSpPr txBox="1"/>
-          <p:nvPr/>
-        </p:nvSpPr>
-        <p:spPr>
-          <a:xfrm>
-            <a:off x="838080" y="1825560"/>
-            <a:ext cx="10515240" cy="4350960"/>
-          </a:xfrm>
-          <a:prstGeom prst="rect">
-            <a:avLst/>
-          </a:prstGeom>
-          <a:noFill/>
-          <a:ln>
-            <a:noFill/>
-          </a:ln>
-        </p:spPr>
-        <p:txBody>
-          <a:bodyPr/>
-          <a:p>
-            <a:pPr marL="228600" indent="-228240">
-              <a:lnSpc>
-                <a:spcPct val="90000"/>
-              </a:lnSpc>
-              <a:spcBef>
-                <a:spcPts val="1001"/>
-              </a:spcBef>
-              <a:buClr>
-                <a:srgbClr val="000000"/>
-              </a:buClr>
-              <a:buFont typeface="Arial"/>
-              <a:buChar char="•"/>
-            </a:pPr>
-            <a:r>
-              <a:rPr b="0" lang="en-US" sz="2800" spc="-1" strike="noStrike">
-                <a:solidFill>
-                  <a:srgbClr val="000000"/>
-                </a:solidFill>
-                <a:latin typeface="Calibri"/>
-              </a:rPr>
-              <a:t>Create a new branch.</a:t>
-            </a:r>
-            <a:endParaRPr b="0" lang="en-US" sz="2800" spc="-1" strike="noStrike">
-              <a:solidFill>
-                <a:srgbClr val="000000"/>
-              </a:solidFill>
-              <a:latin typeface="Calibri"/>
-            </a:endParaRPr>
-          </a:p>
-          <a:p>
-            <a:pPr marL="228600" indent="-228240">
-              <a:lnSpc>
-                <a:spcPct val="90000"/>
-              </a:lnSpc>
-              <a:spcBef>
-                <a:spcPts val="1001"/>
-              </a:spcBef>
-              <a:buClr>
-                <a:srgbClr val="000000"/>
-              </a:buClr>
-              <a:buFont typeface="Arial"/>
-              <a:buChar char="•"/>
-            </a:pPr>
-            <a:r>
-              <a:rPr b="0" lang="en-US" sz="2800" spc="-1" strike="noStrike">
-                <a:solidFill>
-                  <a:srgbClr val="000000"/>
-                </a:solidFill>
-                <a:latin typeface="Calibri"/>
-              </a:rPr>
-              <a:t>Edit community.txt to include only a one-line message.</a:t>
-            </a:r>
-            <a:endParaRPr b="0" lang="en-US" sz="2800" spc="-1" strike="noStrike">
-              <a:solidFill>
-                <a:srgbClr val="000000"/>
-              </a:solidFill>
-              <a:latin typeface="Calibri"/>
-            </a:endParaRPr>
-          </a:p>
-          <a:p>
-            <a:pPr marL="228600" indent="-228240">
-              <a:lnSpc>
-                <a:spcPct val="90000"/>
-              </a:lnSpc>
-              <a:spcBef>
-                <a:spcPts val="1001"/>
-              </a:spcBef>
-              <a:buClr>
-                <a:srgbClr val="000000"/>
-              </a:buClr>
-              <a:buFont typeface="Arial"/>
-              <a:buChar char="•"/>
-            </a:pPr>
-            <a:r>
-              <a:rPr b="0" lang="en-US" sz="2800" spc="-1" strike="noStrike">
-                <a:solidFill>
-                  <a:srgbClr val="000000"/>
-                </a:solidFill>
-                <a:latin typeface="Calibri"/>
-              </a:rPr>
-              <a:t>Try to merge it.</a:t>
-            </a:r>
-            <a:endParaRPr b="0" lang="en-US" sz="2800" spc="-1" strike="noStrike">
-              <a:solidFill>
-                <a:srgbClr val="000000"/>
-              </a:solidFill>
-              <a:latin typeface="Calibri"/>
-            </a:endParaRPr>
-          </a:p>
-          <a:p>
-            <a:pPr marL="228600" indent="-228240">
-              <a:lnSpc>
-                <a:spcPct val="90000"/>
-              </a:lnSpc>
-              <a:spcBef>
-                <a:spcPts val="1001"/>
-              </a:spcBef>
-              <a:buClr>
-                <a:srgbClr val="000000"/>
-              </a:buClr>
-              <a:buFont typeface="Arial"/>
-              <a:buChar char="•"/>
-            </a:pPr>
-            <a:r>
-              <a:rPr b="0" lang="en-US" sz="2800" spc="-1" strike="noStrike">
-                <a:solidFill>
-                  <a:srgbClr val="000000"/>
-                </a:solidFill>
-                <a:latin typeface="Calibri"/>
-              </a:rPr>
-              <a:t>If it fails, merge by combining the two messages. Don’t delete anyone else’s work!</a:t>
-            </a:r>
-            <a:endParaRPr b="0" lang="en-US" sz="2800" spc="-1" strike="noStrike">
-              <a:solidFill>
-                <a:srgbClr val="000000"/>
-              </a:solidFill>
-              <a:latin typeface="Calibri"/>
-            </a:endParaRPr>
-          </a:p>
-        </p:txBody>
-      </p:sp>
-      <p:sp>
-        <p:nvSpPr>
-          <p:cNvPr id="437" name="TextShape 3"/>
+          <p:cNvPr id="431" name="TextShape 2"/>
           <p:cNvSpPr txBox="1"/>
           <p:nvPr/>
         </p:nvSpPr>
@@ -23433,7 +23188,7 @@
                 <a:spcPct val="100000"/>
               </a:lnSpc>
             </a:pPr>
-            <a:fld id="{5F841EAD-E7D8-4E74-B6DA-E59A313C81AB}" type="datetime">
+            <a:fld id="{869BEB13-CAE1-4C0A-9CF2-220BEFDB00EC}" type="datetime">
               <a:rPr b="0" lang="en-US" sz="1200" spc="-1" strike="noStrike">
                 <a:solidFill>
                   <a:srgbClr val="8b8b8b"/>
@@ -23450,7 +23205,7 @@
       </p:sp>
       <p:sp>
         <p:nvSpPr>
-          <p:cNvPr id="438" name="TextShape 4"/>
+          <p:cNvPr id="432" name="TextShape 3"/>
           <p:cNvSpPr txBox="1"/>
           <p:nvPr/>
         </p:nvSpPr>
@@ -23491,7 +23246,16 @@
                 </a:solidFill>
                 <a:latin typeface="Calibri"/>
               </a:rPr>
-              <a:t>| Email</a:t>
+              <a:t>| </a:t>
+            </a:r>
+            <a:r>
+              <a:rPr b="0" lang="en-US" sz="1200" spc="-1" strike="noStrike">
+                <a:solidFill>
+                  <a:srgbClr val="1f4e79"/>
+                </a:solidFill>
+                <a:latin typeface="Calibri"/>
+              </a:rPr>
+              <a:t>Email</a:t>
             </a:r>
             <a:r>
               <a:rPr b="0" lang="en-US" sz="1200" spc="-1" strike="noStrike">
@@ -23518,7 +23282,16 @@
                 </a:solidFill>
                 <a:latin typeface="Calibri"/>
               </a:rPr>
-              <a:t> library.rice.edu/dss</a:t>
+              <a:t> </a:t>
+            </a:r>
+            <a:r>
+              <a:rPr b="0" lang="en-US" sz="1200" spc="-1" strike="noStrike">
+                <a:solidFill>
+                  <a:srgbClr val="8b8b8b"/>
+                </a:solidFill>
+                <a:latin typeface="Calibri"/>
+              </a:rPr>
+              <a:t>library.rice.edu/dss</a:t>
             </a:r>
             <a:endParaRPr b="0" lang="en-US" sz="1200" spc="-1" strike="noStrike">
               <a:latin typeface="Times New Roman"/>
@@ -23528,7 +23301,7 @@
       </p:sp>
       <p:sp>
         <p:nvSpPr>
-          <p:cNvPr id="439" name="TextShape 5"/>
+          <p:cNvPr id="433" name="TextShape 4"/>
           <p:cNvSpPr txBox="1"/>
           <p:nvPr/>
         </p:nvSpPr>
@@ -23553,7 +23326,7 @@
                 <a:spcPct val="100000"/>
               </a:lnSpc>
             </a:pPr>
-            <a:fld id="{D624F237-0435-4223-AE3E-1FA72F4FCC4D}" type="slidenum">
+            <a:fld id="{2E2BD59D-7D8E-41E7-9D29-D75D32F89D4C}" type="slidenum">
               <a:rPr b="0" lang="en-US" sz="1200" spc="-1" strike="noStrike">
                 <a:solidFill>
                   <a:srgbClr val="8b8b8b"/>
@@ -23567,6 +23340,197 @@
             </a:endParaRPr>
           </a:p>
         </p:txBody>
+      </p:sp>
+      <p:pic>
+        <p:nvPicPr>
+          <p:cNvPr id="434" name="Picture 4" descr=""/>
+          <p:cNvPicPr/>
+          <p:nvPr/>
+        </p:nvPicPr>
+        <p:blipFill>
+          <a:blip r:embed="rId1"/>
+          <a:srcRect l="5730" t="6849" r="2358" b="7211"/>
+          <a:stretch/>
+        </p:blipFill>
+        <p:spPr>
+          <a:xfrm>
+            <a:off x="835560" y="1897920"/>
+            <a:ext cx="3588840" cy="1612800"/>
+          </a:xfrm>
+          <a:prstGeom prst="rect">
+            <a:avLst/>
+          </a:prstGeom>
+          <a:ln>
+            <a:noFill/>
+          </a:ln>
+        </p:spPr>
+      </p:pic>
+      <p:pic>
+        <p:nvPicPr>
+          <p:cNvPr id="435" name="Picture 6" descr=""/>
+          <p:cNvPicPr/>
+          <p:nvPr/>
+        </p:nvPicPr>
+        <p:blipFill>
+          <a:blip r:embed="rId2"/>
+          <a:stretch/>
+        </p:blipFill>
+        <p:spPr>
+          <a:xfrm>
+            <a:off x="835560" y="4525560"/>
+            <a:ext cx="3585960" cy="1623240"/>
+          </a:xfrm>
+          <a:prstGeom prst="rect">
+            <a:avLst/>
+          </a:prstGeom>
+          <a:ln>
+            <a:noFill/>
+          </a:ln>
+        </p:spPr>
+      </p:pic>
+      <p:sp>
+        <p:nvSpPr>
+          <p:cNvPr id="436" name="CustomShape 5"/>
+          <p:cNvSpPr/>
+          <p:nvPr/>
+        </p:nvSpPr>
+        <p:spPr>
+          <a:xfrm flipH="1" rot="16200000">
+            <a:off x="3440880" y="2700000"/>
+            <a:ext cx="512280" cy="2133360"/>
+          </a:xfrm>
+          <a:prstGeom prst="bentConnector2">
+            <a:avLst/>
+          </a:prstGeom>
+          <a:noFill/>
+          <a:ln>
+            <a:tailEnd len="med" type="triangle" w="med"/>
+          </a:ln>
+        </p:spPr>
+        <p:style>
+          <a:lnRef idx="1">
+            <a:schemeClr val="accent1"/>
+          </a:lnRef>
+          <a:fillRef idx="0">
+            <a:schemeClr val="accent1"/>
+          </a:fillRef>
+          <a:effectRef idx="0">
+            <a:schemeClr val="accent1"/>
+          </a:effectRef>
+          <a:fontRef idx="minor"/>
+        </p:style>
+      </p:sp>
+      <p:pic>
+        <p:nvPicPr>
+          <p:cNvPr id="437" name="Picture 2" descr=""/>
+          <p:cNvPicPr/>
+          <p:nvPr/>
+        </p:nvPicPr>
+        <p:blipFill>
+          <a:blip r:embed="rId3"/>
+          <a:stretch/>
+        </p:blipFill>
+        <p:spPr>
+          <a:xfrm>
+            <a:off x="8046000" y="3157560"/>
+            <a:ext cx="3871800" cy="1737000"/>
+          </a:xfrm>
+          <a:prstGeom prst="rect">
+            <a:avLst/>
+          </a:prstGeom>
+          <a:ln>
+            <a:noFill/>
+          </a:ln>
+        </p:spPr>
+      </p:pic>
+      <p:pic>
+        <p:nvPicPr>
+          <p:cNvPr id="438" name="Picture 4" descr=""/>
+          <p:cNvPicPr/>
+          <p:nvPr/>
+        </p:nvPicPr>
+        <p:blipFill>
+          <a:blip r:embed="rId4"/>
+          <a:stretch/>
+        </p:blipFill>
+        <p:spPr>
+          <a:xfrm>
+            <a:off x="4763880" y="2222640"/>
+            <a:ext cx="2939760" cy="3601440"/>
+          </a:xfrm>
+          <a:prstGeom prst="rect">
+            <a:avLst/>
+          </a:prstGeom>
+          <a:ln>
+            <a:noFill/>
+          </a:ln>
+        </p:spPr>
+      </p:pic>
+      <p:sp>
+        <p:nvSpPr>
+          <p:cNvPr id="439" name="CustomShape 6"/>
+          <p:cNvSpPr/>
+          <p:nvPr/>
+        </p:nvSpPr>
+        <p:spPr>
+          <a:xfrm flipH="1" flipV="1" rot="5400000">
+            <a:off x="3445560" y="3205800"/>
+            <a:ext cx="501480" cy="2134800"/>
+          </a:xfrm>
+          <a:prstGeom prst="bentConnector2">
+            <a:avLst/>
+          </a:prstGeom>
+          <a:noFill/>
+          <a:ln>
+            <a:tailEnd len="med" type="triangle" w="med"/>
+          </a:ln>
+        </p:spPr>
+        <p:style>
+          <a:lnRef idx="1">
+            <a:schemeClr val="accent1"/>
+          </a:lnRef>
+          <a:fillRef idx="0">
+            <a:schemeClr val="accent1"/>
+          </a:fillRef>
+          <a:effectRef idx="0">
+            <a:schemeClr val="accent1"/>
+          </a:effectRef>
+          <a:fontRef idx="minor"/>
+        </p:style>
+      </p:sp>
+      <p:sp>
+        <p:nvSpPr>
+          <p:cNvPr id="440" name="CustomShape 7"/>
+          <p:cNvSpPr/>
+          <p:nvPr/>
+        </p:nvSpPr>
+        <p:spPr>
+          <a:xfrm>
+            <a:off x="7704000" y="4023360"/>
+            <a:ext cx="341640" cy="2160"/>
+          </a:xfrm>
+          <a:prstGeom prst="bentConnector3">
+            <a:avLst>
+              <a:gd name="adj1" fmla="val 50000"/>
+            </a:avLst>
+          </a:prstGeom>
+          <a:noFill/>
+          <a:ln>
+            <a:tailEnd len="med" type="triangle" w="med"/>
+          </a:ln>
+        </p:spPr>
+        <p:style>
+          <a:lnRef idx="1">
+            <a:schemeClr val="accent1"/>
+          </a:lnRef>
+          <a:fillRef idx="0">
+            <a:schemeClr val="accent1"/>
+          </a:fillRef>
+          <a:effectRef idx="0">
+            <a:schemeClr val="accent1"/>
+          </a:effectRef>
+          <a:fontRef idx="minor"/>
+        </p:style>
       </p:sp>
     </p:spTree>
   </p:cSld>
@@ -23824,7 +23788,16 @@
                 </a:solidFill>
                 <a:latin typeface="Calibri"/>
               </a:rPr>
-              <a:t>Only for source code and programming</a:t>
+              <a:t>Only for source code and </a:t>
+            </a:r>
+            <a:r>
+              <a:rPr b="0" lang="en-US" sz="2800" spc="-1" strike="noStrike">
+                <a:solidFill>
+                  <a:srgbClr val="000000"/>
+                </a:solidFill>
+                <a:latin typeface="Calibri"/>
+              </a:rPr>
+              <a:t>programming</a:t>
             </a:r>
             <a:endParaRPr b="0" lang="en-US" sz="2800" spc="-1" strike="noStrike">
               <a:solidFill>
@@ -23908,7 +23881,7 @@
                 <a:spcPct val="100000"/>
               </a:lnSpc>
             </a:pPr>
-            <a:fld id="{9AF94424-83F5-4D57-870E-99F4C48314CF}" type="datetime">
+            <a:fld id="{76E405E7-4304-4B8C-9A74-694F8C9B67B0}" type="datetime">
               <a:rPr b="0" lang="en-US" sz="1200" spc="-1" strike="noStrike">
                 <a:solidFill>
                   <a:srgbClr val="8b8b8b"/>
@@ -23950,7 +23923,7 @@
                 <a:spcPct val="100000"/>
               </a:lnSpc>
             </a:pPr>
-            <a:fld id="{D77B92DD-CD50-44C1-A792-153061B55DB2}" type="slidenum">
+            <a:fld id="{3E912017-1289-4F9C-8143-A1EEE8F5A222}" type="slidenum">
               <a:rPr b="0" lang="en-US" sz="1200" spc="-1" strike="noStrike">
                 <a:solidFill>
                   <a:srgbClr val="8b8b8b"/>
@@ -24140,14 +24113,14 @@
       </p:grpSpPr>
       <p:sp>
         <p:nvSpPr>
-          <p:cNvPr id="440" name="TextShape 1"/>
+          <p:cNvPr id="441" name="TextShape 1"/>
           <p:cNvSpPr txBox="1"/>
           <p:nvPr/>
         </p:nvSpPr>
         <p:spPr>
           <a:xfrm>
-            <a:off x="831960" y="1709640"/>
-            <a:ext cx="10515240" cy="2852280"/>
+            <a:off x="2126160" y="365040"/>
+            <a:ext cx="9227520" cy="1325160"/>
           </a:xfrm>
           <a:prstGeom prst="rect">
             <a:avLst/>
@@ -24158,7 +24131,7 @@
           </a:ln>
         </p:spPr>
         <p:txBody>
-          <a:bodyPr anchor="b"/>
+          <a:bodyPr anchor="ctr"/>
           <a:p>
             <a:pPr>
               <a:lnSpc>
@@ -24166,33 +24139,33 @@
               </a:lnSpc>
             </a:pPr>
             <a:r>
-              <a:rPr b="0" lang="en-US" sz="6000" spc="-1" strike="noStrike">
+              <a:rPr b="0" lang="en-US" sz="4400" spc="-1" strike="noStrike">
                 <a:solidFill>
                   <a:srgbClr val="000000"/>
                 </a:solidFill>
                 <a:latin typeface="Calibri"/>
               </a:rPr>
-              <a:t>DISTRIBUTED WORK</a:t>
-            </a:r>
-            <a:endParaRPr b="0" lang="en-US" sz="6000" spc="-1" strike="noStrike">
-              <a:solidFill>
-                <a:srgbClr val="000000"/>
-              </a:solidFill>
-              <a:latin typeface="Calibri"/>
-            </a:endParaRPr>
-          </a:p>
-        </p:txBody>
-      </p:sp>
-      <p:sp>
-        <p:nvSpPr>
-          <p:cNvPr id="441" name="TextShape 2"/>
+              <a:t>CONFLICTS AND MERGING</a:t>
+            </a:r>
+            <a:endParaRPr b="0" lang="en-US" sz="4400" spc="-1" strike="noStrike">
+              <a:solidFill>
+                <a:srgbClr val="000000"/>
+              </a:solidFill>
+              <a:latin typeface="Calibri"/>
+            </a:endParaRPr>
+          </a:p>
+        </p:txBody>
+      </p:sp>
+      <p:sp>
+        <p:nvSpPr>
+          <p:cNvPr id="442" name="TextShape 2"/>
           <p:cNvSpPr txBox="1"/>
           <p:nvPr/>
         </p:nvSpPr>
         <p:spPr>
           <a:xfrm>
-            <a:off x="831960" y="4589640"/>
-            <a:ext cx="10515240" cy="1499760"/>
+            <a:off x="838080" y="1825560"/>
+            <a:ext cx="10515240" cy="4350960"/>
           </a:xfrm>
           <a:prstGeom prst="rect">
             <a:avLst/>
@@ -24205,35 +24178,130 @@
         <p:txBody>
           <a:bodyPr/>
           <a:p>
-            <a:pPr>
+            <a:pPr marL="228600" indent="-228240">
               <a:lnSpc>
                 <a:spcPct val="90000"/>
               </a:lnSpc>
               <a:spcBef>
                 <a:spcPts val="1001"/>
               </a:spcBef>
-            </a:pPr>
-            <a:r>
-              <a:rPr b="0" lang="en-US" sz="2400" spc="-1" strike="noStrike">
-                <a:solidFill>
-                  <a:srgbClr val="8b8b8b"/>
-                </a:solidFill>
-                <a:latin typeface="Calibri"/>
-              </a:rPr>
-              <a:t>Paradigms for getting the most out of working as a team</a:t>
-            </a:r>
-            <a:endParaRPr b="0" lang="en-US" sz="2400" spc="-1" strike="noStrike">
-              <a:solidFill>
-                <a:srgbClr val="000000"/>
-              </a:solidFill>
-              <a:latin typeface="Calibri"/>
-            </a:endParaRPr>
-          </a:p>
-        </p:txBody>
-      </p:sp>
-      <p:sp>
-        <p:nvSpPr>
-          <p:cNvPr id="442" name="TextShape 3"/>
+              <a:buClr>
+                <a:srgbClr val="000000"/>
+              </a:buClr>
+              <a:buFont typeface="Arial"/>
+              <a:buChar char="•"/>
+            </a:pPr>
+            <a:r>
+              <a:rPr b="0" lang="en-US" sz="2800" spc="-1" strike="noStrike">
+                <a:solidFill>
+                  <a:srgbClr val="000000"/>
+                </a:solidFill>
+                <a:latin typeface="Calibri"/>
+              </a:rPr>
+              <a:t>Create a new branch.</a:t>
+            </a:r>
+            <a:endParaRPr b="0" lang="en-US" sz="2800" spc="-1" strike="noStrike">
+              <a:solidFill>
+                <a:srgbClr val="000000"/>
+              </a:solidFill>
+              <a:latin typeface="Calibri"/>
+            </a:endParaRPr>
+          </a:p>
+          <a:p>
+            <a:pPr marL="228600" indent="-228240">
+              <a:lnSpc>
+                <a:spcPct val="90000"/>
+              </a:lnSpc>
+              <a:spcBef>
+                <a:spcPts val="1001"/>
+              </a:spcBef>
+              <a:buClr>
+                <a:srgbClr val="000000"/>
+              </a:buClr>
+              <a:buFont typeface="Arial"/>
+              <a:buChar char="•"/>
+            </a:pPr>
+            <a:r>
+              <a:rPr b="0" lang="en-US" sz="2800" spc="-1" strike="noStrike">
+                <a:solidFill>
+                  <a:srgbClr val="000000"/>
+                </a:solidFill>
+                <a:latin typeface="Calibri"/>
+              </a:rPr>
+              <a:t>Edit community.txt to include only a one-line message.</a:t>
+            </a:r>
+            <a:endParaRPr b="0" lang="en-US" sz="2800" spc="-1" strike="noStrike">
+              <a:solidFill>
+                <a:srgbClr val="000000"/>
+              </a:solidFill>
+              <a:latin typeface="Calibri"/>
+            </a:endParaRPr>
+          </a:p>
+          <a:p>
+            <a:pPr marL="228600" indent="-228240">
+              <a:lnSpc>
+                <a:spcPct val="90000"/>
+              </a:lnSpc>
+              <a:spcBef>
+                <a:spcPts val="1001"/>
+              </a:spcBef>
+              <a:buClr>
+                <a:srgbClr val="000000"/>
+              </a:buClr>
+              <a:buFont typeface="Arial"/>
+              <a:buChar char="•"/>
+            </a:pPr>
+            <a:r>
+              <a:rPr b="0" lang="en-US" sz="2800" spc="-1" strike="noStrike">
+                <a:solidFill>
+                  <a:srgbClr val="000000"/>
+                </a:solidFill>
+                <a:latin typeface="Calibri"/>
+              </a:rPr>
+              <a:t>Try to merge it.</a:t>
+            </a:r>
+            <a:endParaRPr b="0" lang="en-US" sz="2800" spc="-1" strike="noStrike">
+              <a:solidFill>
+                <a:srgbClr val="000000"/>
+              </a:solidFill>
+              <a:latin typeface="Calibri"/>
+            </a:endParaRPr>
+          </a:p>
+          <a:p>
+            <a:pPr marL="228600" indent="-228240">
+              <a:lnSpc>
+                <a:spcPct val="90000"/>
+              </a:lnSpc>
+              <a:spcBef>
+                <a:spcPts val="1001"/>
+              </a:spcBef>
+              <a:buClr>
+                <a:srgbClr val="000000"/>
+              </a:buClr>
+              <a:buFont typeface="Arial"/>
+              <a:buChar char="•"/>
+            </a:pPr>
+            <a:r>
+              <a:rPr b="0" lang="en-US" sz="2800" spc="-1" strike="noStrike">
+                <a:solidFill>
+                  <a:srgbClr val="000000"/>
+                </a:solidFill>
+                <a:latin typeface="Calibri"/>
+              </a:rPr>
+              <a:t>If it fails, merge by combining the two messages. Don’t delete anyone else’s work!</a:t>
+            </a:r>
+            <a:endParaRPr b="0" lang="en-US" sz="2800" spc="-1" strike="noStrike">
+              <a:solidFill>
+                <a:srgbClr val="000000"/>
+              </a:solidFill>
+              <a:latin typeface="Calibri"/>
+            </a:endParaRPr>
+          </a:p>
+        </p:txBody>
+      </p:sp>
+      <p:sp>
+        <p:nvSpPr>
+          <p:cNvPr id="443" name="TextShape 3"/>
           <p:cNvSpPr txBox="1"/>
           <p:nvPr/>
         </p:nvSpPr>
@@ -24258,7 +24326,7 @@
                 <a:spcPct val="100000"/>
               </a:lnSpc>
             </a:pPr>
-            <a:fld id="{C86B143E-ECB5-48A7-9BF2-9A680298FC6B}" type="datetime">
+            <a:fld id="{3CDF54CE-B589-4048-8456-4462B95FBF34}" type="datetime">
               <a:rPr b="0" lang="en-US" sz="1200" spc="-1" strike="noStrike">
                 <a:solidFill>
                   <a:srgbClr val="8b8b8b"/>
@@ -24275,7 +24343,85 @@
       </p:sp>
       <p:sp>
         <p:nvSpPr>
-          <p:cNvPr id="443" name="TextShape 4"/>
+          <p:cNvPr id="444" name="TextShape 4"/>
+          <p:cNvSpPr txBox="1"/>
+          <p:nvPr/>
+        </p:nvSpPr>
+        <p:spPr>
+          <a:xfrm>
+            <a:off x="3581280" y="6356520"/>
+            <a:ext cx="5028840" cy="364680"/>
+          </a:xfrm>
+          <a:prstGeom prst="rect">
+            <a:avLst/>
+          </a:prstGeom>
+          <a:noFill/>
+          <a:ln>
+            <a:noFill/>
+          </a:ln>
+        </p:spPr>
+        <p:txBody>
+          <a:bodyPr anchor="ctr"/>
+          <a:p>
+            <a:pPr algn="ctr">
+              <a:lnSpc>
+                <a:spcPct val="100000"/>
+              </a:lnSpc>
+            </a:pPr>
+            <a:r>
+              <a:rPr b="0" lang="en-US" sz="1200" spc="-1" strike="noStrike">
+                <a:solidFill>
+                  <a:srgbClr val="8b8b8b"/>
+                </a:solidFill>
+                <a:latin typeface="Calibri"/>
+              </a:rPr>
+              <a:t>Digital Scholarship Services </a:t>
+            </a:r>
+            <a:r>
+              <a:rPr b="0" lang="en-US" sz="1200" spc="-1" strike="noStrike">
+                <a:solidFill>
+                  <a:srgbClr val="1f4e79"/>
+                </a:solidFill>
+                <a:latin typeface="Calibri"/>
+              </a:rPr>
+              <a:t>| Email</a:t>
+            </a:r>
+            <a:r>
+              <a:rPr b="0" lang="en-US" sz="1200" spc="-1" strike="noStrike">
+                <a:solidFill>
+                  <a:srgbClr val="8b8b8b"/>
+                </a:solidFill>
+                <a:latin typeface="Calibri"/>
+              </a:rPr>
+              <a:t> cf24@rice.edu </a:t>
+            </a:r>
+            <a:r>
+              <a:rPr b="0" lang="en-US" sz="1200" spc="-1" strike="noStrike">
+                <a:solidFill>
+                  <a:srgbClr val="1f4e79"/>
+                </a:solidFill>
+                <a:latin typeface="Calibri"/>
+              </a:rPr>
+              <a:t>|</a:t>
+            </a:r>
+            <a:r>
+              <a:rPr b="0" lang="en-US" sz="1200" spc="-1" strike="noStrike">
+                <a:solidFill>
+                  <a:srgbClr val="8b8b8b"/>
+                </a:solidFill>
+                <a:latin typeface="Calibri"/>
+              </a:rPr>
+              <a:t> library.rice.edu/dss</a:t>
+            </a:r>
+            <a:endParaRPr b="0" lang="en-US" sz="1200" spc="-1" strike="noStrike">
+              <a:latin typeface="Times New Roman"/>
+            </a:endParaRPr>
+          </a:p>
+        </p:txBody>
+      </p:sp>
+      <p:sp>
+        <p:nvSpPr>
+          <p:cNvPr id="445" name="TextShape 5"/>
           <p:cNvSpPr txBox="1"/>
           <p:nvPr/>
         </p:nvSpPr>
@@ -24300,7 +24446,7 @@
                 <a:spcPct val="100000"/>
               </a:lnSpc>
             </a:pPr>
-            <a:fld id="{E25ECB65-5B6A-4034-977F-6EEA6E79A2AF}" type="slidenum">
+            <a:fld id="{79186B25-D833-4D3E-B158-40F1F3C1D9EB}" type="slidenum">
               <a:rPr b="0" lang="en-US" sz="1200" spc="-1" strike="noStrike">
                 <a:solidFill>
                   <a:srgbClr val="8b8b8b"/>
@@ -24309,84 +24455,6 @@
               </a:rPr>
               <a:t>1</a:t>
             </a:fld>
-            <a:endParaRPr b="0" lang="en-US" sz="1200" spc="-1" strike="noStrike">
-              <a:latin typeface="Times New Roman"/>
-            </a:endParaRPr>
-          </a:p>
-        </p:txBody>
-      </p:sp>
-      <p:sp>
-        <p:nvSpPr>
-          <p:cNvPr id="444" name="TextShape 5"/>
-          <p:cNvSpPr txBox="1"/>
-          <p:nvPr/>
-        </p:nvSpPr>
-        <p:spPr>
-          <a:xfrm>
-            <a:off x="3581280" y="6356520"/>
-            <a:ext cx="5028840" cy="364680"/>
-          </a:xfrm>
-          <a:prstGeom prst="rect">
-            <a:avLst/>
-          </a:prstGeom>
-          <a:noFill/>
-          <a:ln>
-            <a:noFill/>
-          </a:ln>
-        </p:spPr>
-        <p:txBody>
-          <a:bodyPr anchor="ctr"/>
-          <a:p>
-            <a:pPr algn="ctr">
-              <a:lnSpc>
-                <a:spcPct val="100000"/>
-              </a:lnSpc>
-            </a:pPr>
-            <a:r>
-              <a:rPr b="0" lang="en-US" sz="1200" spc="-1" strike="noStrike">
-                <a:solidFill>
-                  <a:srgbClr val="8b8b8b"/>
-                </a:solidFill>
-                <a:latin typeface="Calibri"/>
-              </a:rPr>
-              <a:t>Digital Scholarship Services </a:t>
-            </a:r>
-            <a:r>
-              <a:rPr b="0" lang="en-US" sz="1200" spc="-1" strike="noStrike">
-                <a:solidFill>
-                  <a:srgbClr val="1f4e79"/>
-                </a:solidFill>
-                <a:latin typeface="Calibri"/>
-              </a:rPr>
-              <a:t>| Email</a:t>
-            </a:r>
-            <a:r>
-              <a:rPr b="0" lang="en-US" sz="1200" spc="-1" strike="noStrike">
-                <a:solidFill>
-                  <a:srgbClr val="8b8b8b"/>
-                </a:solidFill>
-                <a:latin typeface="Calibri"/>
-              </a:rPr>
-              <a:t> cf24@rice.edu </a:t>
-            </a:r>
-            <a:r>
-              <a:rPr b="0" lang="en-US" sz="1200" spc="-1" strike="noStrike">
-                <a:solidFill>
-                  <a:srgbClr val="1f4e79"/>
-                </a:solidFill>
-                <a:latin typeface="Calibri"/>
-              </a:rPr>
-              <a:t>|</a:t>
-            </a:r>
-            <a:r>
-              <a:rPr b="0" lang="en-US" sz="1200" spc="-1" strike="noStrike">
-                <a:solidFill>
-                  <a:srgbClr val="8b8b8b"/>
-                </a:solidFill>
-                <a:latin typeface="Calibri"/>
-              </a:rPr>
-              <a:t> library.rice.edu/dss</a:t>
-            </a:r>
             <a:endParaRPr b="0" lang="en-US" sz="1200" spc="-1" strike="noStrike">
               <a:latin typeface="Times New Roman"/>
             </a:endParaRPr>
@@ -24444,14 +24512,14 @@
       </p:grpSpPr>
       <p:sp>
         <p:nvSpPr>
-          <p:cNvPr id="445" name="TextShape 1"/>
+          <p:cNvPr id="446" name="TextShape 1"/>
           <p:cNvSpPr txBox="1"/>
           <p:nvPr/>
         </p:nvSpPr>
         <p:spPr>
           <a:xfrm>
-            <a:off x="2126160" y="365040"/>
-            <a:ext cx="9227520" cy="1325160"/>
+            <a:off x="831960" y="1709640"/>
+            <a:ext cx="10515240" cy="2852280"/>
           </a:xfrm>
           <a:prstGeom prst="rect">
             <a:avLst/>
@@ -24462,7 +24530,7 @@
           </a:ln>
         </p:spPr>
         <p:txBody>
-          <a:bodyPr anchor="ctr"/>
+          <a:bodyPr anchor="b"/>
           <a:p>
             <a:pPr>
               <a:lnSpc>
@@ -24470,42 +24538,33 @@
               </a:lnSpc>
             </a:pPr>
             <a:r>
-              <a:rPr b="0" lang="en-US" sz="4400" spc="-1" strike="noStrike">
+              <a:rPr b="0" lang="en-US" sz="6000" spc="-1" strike="noStrike">
                 <a:solidFill>
                   <a:srgbClr val="000000"/>
                 </a:solidFill>
                 <a:latin typeface="Calibri"/>
               </a:rPr>
-              <a:t>BRANCHING </a:t>
-            </a:r>
-            <a:r>
-              <a:rPr b="0" lang="en-US" sz="4400" spc="-1" strike="noStrike">
-                <a:solidFill>
-                  <a:srgbClr val="000000"/>
-                </a:solidFill>
-                <a:latin typeface="Calibri"/>
-              </a:rPr>
-              <a:t>WORKFLOWS</a:t>
-            </a:r>
-            <a:endParaRPr b="0" lang="en-US" sz="4400" spc="-1" strike="noStrike">
-              <a:solidFill>
-                <a:srgbClr val="000000"/>
-              </a:solidFill>
-              <a:latin typeface="Calibri"/>
-            </a:endParaRPr>
-          </a:p>
-        </p:txBody>
-      </p:sp>
-      <p:sp>
-        <p:nvSpPr>
-          <p:cNvPr id="446" name="TextShape 2"/>
+              <a:t>DISTRIBUTED WORK</a:t>
+            </a:r>
+            <a:endParaRPr b="0" lang="en-US" sz="6000" spc="-1" strike="noStrike">
+              <a:solidFill>
+                <a:srgbClr val="000000"/>
+              </a:solidFill>
+              <a:latin typeface="Calibri"/>
+            </a:endParaRPr>
+          </a:p>
+        </p:txBody>
+      </p:sp>
+      <p:sp>
+        <p:nvSpPr>
+          <p:cNvPr id="447" name="TextShape 2"/>
           <p:cNvSpPr txBox="1"/>
           <p:nvPr/>
         </p:nvSpPr>
         <p:spPr>
           <a:xfrm>
-            <a:off x="838080" y="1825560"/>
-            <a:ext cx="5288400" cy="4350960"/>
+            <a:off x="831960" y="4589640"/>
+            <a:ext cx="10515240" cy="1499760"/>
           </a:xfrm>
           <a:prstGeom prst="rect">
             <a:avLst/>
@@ -24518,94 +24577,35 @@
         <p:txBody>
           <a:bodyPr/>
           <a:p>
-            <a:pPr marL="432000" indent="-324000">
+            <a:pPr>
+              <a:lnSpc>
+                <a:spcPct val="90000"/>
+              </a:lnSpc>
               <a:spcBef>
-                <a:spcPts val="1417"/>
+                <a:spcPts val="1001"/>
               </a:spcBef>
-              <a:buClr>
-                <a:srgbClr val="000000"/>
-              </a:buClr>
-              <a:buSzPct val="45000"/>
-              <a:buFont typeface="Wingdings" charset="2"/>
-              <a:buChar char=""/>
-            </a:pPr>
-            <a:r>
-              <a:rPr b="0" lang="en-US" sz="2800" spc="-1" strike="noStrike">
-                <a:solidFill>
-                  <a:srgbClr val="000000"/>
-                </a:solidFill>
-                <a:latin typeface="Calibri"/>
-              </a:rPr>
-              <a:t>Not technically distributed</a:t>
-            </a:r>
-            <a:endParaRPr b="0" lang="en-US" sz="2800" spc="-1" strike="noStrike">
-              <a:solidFill>
-                <a:srgbClr val="000000"/>
-              </a:solidFill>
-              <a:latin typeface="Calibri"/>
-            </a:endParaRPr>
-          </a:p>
-          <a:p>
-            <a:pPr marL="432000" indent="-324000">
-              <a:spcBef>
-                <a:spcPts val="1417"/>
-              </a:spcBef>
-              <a:buClr>
-                <a:srgbClr val="000000"/>
-              </a:buClr>
-              <a:buSzPct val="45000"/>
-              <a:buFont typeface="Wingdings" charset="2"/>
-              <a:buChar char=""/>
-            </a:pPr>
-            <a:r>
-              <a:rPr b="0" lang="en-US" sz="2800" spc="-1" strike="noStrike">
-                <a:solidFill>
-                  <a:srgbClr val="000000"/>
-                </a:solidFill>
-                <a:latin typeface="Calibri"/>
-              </a:rPr>
-              <a:t>Try a lot of things out on separate branches &amp; merge!</a:t>
-            </a:r>
-            <a:endParaRPr b="0" lang="en-US" sz="2800" spc="-1" strike="noStrike">
-              <a:solidFill>
-                <a:srgbClr val="000000"/>
-              </a:solidFill>
-              <a:latin typeface="Calibri"/>
-            </a:endParaRPr>
-          </a:p>
-          <a:p>
-            <a:pPr marL="432000" indent="-324000">
-              <a:spcBef>
-                <a:spcPts val="1417"/>
-              </a:spcBef>
-              <a:buClr>
-                <a:srgbClr val="000000"/>
-              </a:buClr>
-              <a:buSzPct val="45000"/>
-              <a:buFont typeface="Wingdings" charset="2"/>
-              <a:buChar char=""/>
-            </a:pPr>
-            <a:r>
-              <a:rPr b="0" lang="en-US" sz="2800" spc="-1" strike="noStrike">
-                <a:solidFill>
-                  <a:srgbClr val="000000"/>
-                </a:solidFill>
-                <a:latin typeface="Calibri"/>
-              </a:rPr>
-              <a:t>Can work on many problems at the same time</a:t>
-            </a:r>
-            <a:endParaRPr b="0" lang="en-US" sz="2800" spc="-1" strike="noStrike">
-              <a:solidFill>
-                <a:srgbClr val="000000"/>
-              </a:solidFill>
-              <a:latin typeface="Calibri"/>
-            </a:endParaRPr>
-          </a:p>
-        </p:txBody>
-      </p:sp>
-      <p:sp>
-        <p:nvSpPr>
-          <p:cNvPr id="447" name="TextShape 3"/>
+            </a:pPr>
+            <a:r>
+              <a:rPr b="0" lang="en-US" sz="2400" spc="-1" strike="noStrike">
+                <a:solidFill>
+                  <a:srgbClr val="8b8b8b"/>
+                </a:solidFill>
+                <a:latin typeface="Calibri"/>
+              </a:rPr>
+              <a:t>Paradigms for getting the most out of working as a team</a:t>
+            </a:r>
+            <a:endParaRPr b="0" lang="en-US" sz="2400" spc="-1" strike="noStrike">
+              <a:solidFill>
+                <a:srgbClr val="000000"/>
+              </a:solidFill>
+              <a:latin typeface="Calibri"/>
+            </a:endParaRPr>
+          </a:p>
+        </p:txBody>
+      </p:sp>
+      <p:sp>
+        <p:nvSpPr>
+          <p:cNvPr id="448" name="TextShape 3"/>
           <p:cNvSpPr txBox="1"/>
           <p:nvPr/>
         </p:nvSpPr>
@@ -24630,7 +24630,7 @@
                 <a:spcPct val="100000"/>
               </a:lnSpc>
             </a:pPr>
-            <a:fld id="{D8906488-8689-4C08-8D09-C0C6C3F4049A}" type="datetime">
+            <a:fld id="{F681059E-F387-4EF0-A97F-B7C0A14D8CCC}" type="datetime">
               <a:rPr b="0" lang="en-US" sz="1200" spc="-1" strike="noStrike">
                 <a:solidFill>
                   <a:srgbClr val="8b8b8b"/>
@@ -24647,85 +24647,7 @@
       </p:sp>
       <p:sp>
         <p:nvSpPr>
-          <p:cNvPr id="448" name="TextShape 4"/>
-          <p:cNvSpPr txBox="1"/>
-          <p:nvPr/>
-        </p:nvSpPr>
-        <p:spPr>
-          <a:xfrm>
-            <a:off x="3581280" y="6356520"/>
-            <a:ext cx="5028840" cy="364680"/>
-          </a:xfrm>
-          <a:prstGeom prst="rect">
-            <a:avLst/>
-          </a:prstGeom>
-          <a:noFill/>
-          <a:ln>
-            <a:noFill/>
-          </a:ln>
-        </p:spPr>
-        <p:txBody>
-          <a:bodyPr anchor="ctr"/>
-          <a:p>
-            <a:pPr algn="ctr">
-              <a:lnSpc>
-                <a:spcPct val="100000"/>
-              </a:lnSpc>
-            </a:pPr>
-            <a:r>
-              <a:rPr b="0" lang="en-US" sz="1200" spc="-1" strike="noStrike">
-                <a:solidFill>
-                  <a:srgbClr val="8b8b8b"/>
-                </a:solidFill>
-                <a:latin typeface="Calibri"/>
-              </a:rPr>
-              <a:t>Digital Scholarship Services </a:t>
-            </a:r>
-            <a:r>
-              <a:rPr b="0" lang="en-US" sz="1200" spc="-1" strike="noStrike">
-                <a:solidFill>
-                  <a:srgbClr val="1f4e79"/>
-                </a:solidFill>
-                <a:latin typeface="Calibri"/>
-              </a:rPr>
-              <a:t>| Email</a:t>
-            </a:r>
-            <a:r>
-              <a:rPr b="0" lang="en-US" sz="1200" spc="-1" strike="noStrike">
-                <a:solidFill>
-                  <a:srgbClr val="8b8b8b"/>
-                </a:solidFill>
-                <a:latin typeface="Calibri"/>
-              </a:rPr>
-              <a:t> cf24@rice.edu </a:t>
-            </a:r>
-            <a:r>
-              <a:rPr b="0" lang="en-US" sz="1200" spc="-1" strike="noStrike">
-                <a:solidFill>
-                  <a:srgbClr val="1f4e79"/>
-                </a:solidFill>
-                <a:latin typeface="Calibri"/>
-              </a:rPr>
-              <a:t>|</a:t>
-            </a:r>
-            <a:r>
-              <a:rPr b="0" lang="en-US" sz="1200" spc="-1" strike="noStrike">
-                <a:solidFill>
-                  <a:srgbClr val="8b8b8b"/>
-                </a:solidFill>
-                <a:latin typeface="Calibri"/>
-              </a:rPr>
-              <a:t> library.rice.edu/dss</a:t>
-            </a:r>
-            <a:endParaRPr b="0" lang="en-US" sz="1200" spc="-1" strike="noStrike">
-              <a:latin typeface="Times New Roman"/>
-            </a:endParaRPr>
-          </a:p>
-        </p:txBody>
-      </p:sp>
-      <p:sp>
-        <p:nvSpPr>
-          <p:cNvPr id="449" name="TextShape 5"/>
+          <p:cNvPr id="449" name="TextShape 4"/>
           <p:cNvSpPr txBox="1"/>
           <p:nvPr/>
         </p:nvSpPr>
@@ -24750,7 +24672,7 @@
                 <a:spcPct val="100000"/>
               </a:lnSpc>
             </a:pPr>
-            <a:fld id="{A46104E4-23D1-4386-A83E-6F92878C98E7}" type="slidenum">
+            <a:fld id="{FD19F440-F5F0-4A04-A40F-864440948147}" type="slidenum">
               <a:rPr b="0" lang="en-US" sz="1200" spc="-1" strike="noStrike">
                 <a:solidFill>
                   <a:srgbClr val="8b8b8b"/>
@@ -24765,29 +24687,84 @@
           </a:p>
         </p:txBody>
       </p:sp>
-      <p:pic>
-        <p:nvPicPr>
-          <p:cNvPr id="450" name="" descr=""/>
-          <p:cNvPicPr/>
-          <p:nvPr/>
-        </p:nvPicPr>
-        <p:blipFill>
-          <a:blip r:embed="rId1"/>
-          <a:stretch/>
-        </p:blipFill>
-        <p:spPr>
-          <a:xfrm>
-            <a:off x="6035040" y="1878840"/>
-            <a:ext cx="5586120" cy="4297680"/>
-          </a:xfrm>
-          <a:prstGeom prst="rect">
-            <a:avLst/>
-          </a:prstGeom>
-          <a:ln>
-            <a:noFill/>
-          </a:ln>
-        </p:spPr>
-      </p:pic>
+      <p:sp>
+        <p:nvSpPr>
+          <p:cNvPr id="450" name="TextShape 5"/>
+          <p:cNvSpPr txBox="1"/>
+          <p:nvPr/>
+        </p:nvSpPr>
+        <p:spPr>
+          <a:xfrm>
+            <a:off x="3581280" y="6356520"/>
+            <a:ext cx="5028840" cy="364680"/>
+          </a:xfrm>
+          <a:prstGeom prst="rect">
+            <a:avLst/>
+          </a:prstGeom>
+          <a:noFill/>
+          <a:ln>
+            <a:noFill/>
+          </a:ln>
+        </p:spPr>
+        <p:txBody>
+          <a:bodyPr anchor="ctr"/>
+          <a:p>
+            <a:pPr algn="ctr">
+              <a:lnSpc>
+                <a:spcPct val="100000"/>
+              </a:lnSpc>
+            </a:pPr>
+            <a:r>
+              <a:rPr b="0" lang="en-US" sz="1200" spc="-1" strike="noStrike">
+                <a:solidFill>
+                  <a:srgbClr val="8b8b8b"/>
+                </a:solidFill>
+                <a:latin typeface="Calibri"/>
+              </a:rPr>
+              <a:t>Digital Scholarship Services </a:t>
+            </a:r>
+            <a:r>
+              <a:rPr b="0" lang="en-US" sz="1200" spc="-1" strike="noStrike">
+                <a:solidFill>
+                  <a:srgbClr val="1f4e79"/>
+                </a:solidFill>
+                <a:latin typeface="Calibri"/>
+              </a:rPr>
+              <a:t>| Email</a:t>
+            </a:r>
+            <a:r>
+              <a:rPr b="0" lang="en-US" sz="1200" spc="-1" strike="noStrike">
+                <a:solidFill>
+                  <a:srgbClr val="8b8b8b"/>
+                </a:solidFill>
+                <a:latin typeface="Calibri"/>
+              </a:rPr>
+              <a:t> cf24@rice.edu </a:t>
+            </a:r>
+            <a:r>
+              <a:rPr b="0" lang="en-US" sz="1200" spc="-1" strike="noStrike">
+                <a:solidFill>
+                  <a:srgbClr val="1f4e79"/>
+                </a:solidFill>
+                <a:latin typeface="Calibri"/>
+              </a:rPr>
+              <a:t>|</a:t>
+            </a:r>
+            <a:r>
+              <a:rPr b="0" lang="en-US" sz="1200" spc="-1" strike="noStrike">
+                <a:solidFill>
+                  <a:srgbClr val="8b8b8b"/>
+                </a:solidFill>
+                <a:latin typeface="Calibri"/>
+              </a:rPr>
+              <a:t> library.rice.edu/dss</a:t>
+            </a:r>
+            <a:endParaRPr b="0" lang="en-US" sz="1200" spc="-1" strike="noStrike">
+              <a:latin typeface="Times New Roman"/>
+            </a:endParaRPr>
+          </a:p>
+        </p:txBody>
+      </p:sp>
     </p:spTree>
   </p:cSld>
   <p:timing>
@@ -24871,7 +24848,7 @@
                 </a:solidFill>
                 <a:latin typeface="Calibri"/>
               </a:rPr>
-              <a:t>CENTRALIZED WORKFLOW</a:t>
+              <a:t>BRANCHING WORKFLOWS</a:t>
             </a:r>
             <a:endParaRPr b="0" lang="en-US" sz="4400" spc="-1" strike="noStrike">
               <a:solidFill>
@@ -24922,7 +24899,7 @@
                 </a:solidFill>
                 <a:latin typeface="Calibri"/>
               </a:rPr>
-              <a:t>Everyone is equal</a:t>
+              <a:t>Not technically distributed</a:t>
             </a:r>
             <a:endParaRPr b="0" lang="en-US" sz="2800" spc="-1" strike="noStrike">
               <a:solidFill>
@@ -24950,7 +24927,7 @@
                 </a:solidFill>
                 <a:latin typeface="Calibri"/>
               </a:rPr>
-              <a:t>Leverages branches</a:t>
+              <a:t>Try a lot of things out on separate branches &amp; merge!</a:t>
             </a:r>
             <a:endParaRPr b="0" lang="en-US" sz="2800" spc="-1" strike="noStrike">
               <a:solidFill>
@@ -24978,63 +24955,7 @@
                 </a:solidFill>
                 <a:latin typeface="Calibri"/>
               </a:rPr>
-              <a:t>Everyone must merge their own work!</a:t>
-            </a:r>
-            <a:endParaRPr b="0" lang="en-US" sz="2800" spc="-1" strike="noStrike">
-              <a:solidFill>
-                <a:srgbClr val="000000"/>
-              </a:solidFill>
-              <a:latin typeface="Calibri"/>
-            </a:endParaRPr>
-          </a:p>
-          <a:p>
-            <a:pPr lvl="1" marL="864000" indent="-324000">
-              <a:spcBef>
-                <a:spcPts val="1134"/>
-              </a:spcBef>
-              <a:buClr>
-                <a:srgbClr val="000000"/>
-              </a:buClr>
-              <a:buSzPct val="75000"/>
-              <a:buFont typeface="Symbol" charset="2"/>
-              <a:buChar char=""/>
-            </a:pPr>
-            <a:r>
-              <a:rPr b="0" lang="en-US" sz="2000" spc="-1" strike="noStrike">
-                <a:solidFill>
-                  <a:srgbClr val="000000"/>
-                </a:solidFill>
-                <a:latin typeface="Calibri"/>
-              </a:rPr>
-              <a:t>What if you don’t like how someone else merged?</a:t>
-            </a:r>
-            <a:endParaRPr b="0" lang="en-US" sz="2000" spc="-1" strike="noStrike">
-              <a:solidFill>
-                <a:srgbClr val="000000"/>
-              </a:solidFill>
-              <a:latin typeface="Calibri"/>
-            </a:endParaRPr>
-          </a:p>
-          <a:p>
-            <a:pPr marL="432000" indent="-324000">
-              <a:spcBef>
-                <a:spcPts val="1417"/>
-              </a:spcBef>
-              <a:buClr>
-                <a:srgbClr val="000000"/>
-              </a:buClr>
-              <a:buSzPct val="45000"/>
-              <a:buFont typeface="Wingdings" charset="2"/>
-              <a:buChar char=""/>
-            </a:pPr>
-            <a:r>
-              <a:rPr b="0" lang="en-US" sz="2800" spc="-1" strike="noStrike">
-                <a:solidFill>
-                  <a:srgbClr val="000000"/>
-                </a:solidFill>
-                <a:latin typeface="Calibri"/>
-              </a:rPr>
-              <a:t>No overhead from dedicated integration manager</a:t>
+              <a:t>Can work on many problems at the same time</a:t>
             </a:r>
             <a:endParaRPr b="0" lang="en-US" sz="2800" spc="-1" strike="noStrike">
               <a:solidFill>
@@ -25072,7 +24993,7 @@
                 <a:spcPct val="100000"/>
               </a:lnSpc>
             </a:pPr>
-            <a:fld id="{8F8741A6-1E50-4CA7-85A2-A7ABC67FC938}" type="datetime">
+            <a:fld id="{B0BDF216-44B3-4CAE-8F53-4B81A9A09241}" type="datetime">
               <a:rPr b="0" lang="en-US" sz="1200" spc="-1" strike="noStrike">
                 <a:solidFill>
                   <a:srgbClr val="8b8b8b"/>
@@ -25130,7 +25051,16 @@
                 </a:solidFill>
                 <a:latin typeface="Calibri"/>
               </a:rPr>
-              <a:t>| Email</a:t>
+              <a:t>| </a:t>
+            </a:r>
+            <a:r>
+              <a:rPr b="0" lang="en-US" sz="1200" spc="-1" strike="noStrike">
+                <a:solidFill>
+                  <a:srgbClr val="1f4e79"/>
+                </a:solidFill>
+                <a:latin typeface="Calibri"/>
+              </a:rPr>
+              <a:t>Email</a:t>
             </a:r>
             <a:r>
               <a:rPr b="0" lang="en-US" sz="1200" spc="-1" strike="noStrike">
@@ -25157,7 +25087,16 @@
                 </a:solidFill>
                 <a:latin typeface="Calibri"/>
               </a:rPr>
-              <a:t> library.rice.edu/dss</a:t>
+              <a:t> </a:t>
+            </a:r>
+            <a:r>
+              <a:rPr b="0" lang="en-US" sz="1200" spc="-1" strike="noStrike">
+                <a:solidFill>
+                  <a:srgbClr val="8b8b8b"/>
+                </a:solidFill>
+                <a:latin typeface="Calibri"/>
+              </a:rPr>
+              <a:t>library.rice.edu/dss</a:t>
             </a:r>
             <a:endParaRPr b="0" lang="en-US" sz="1200" spc="-1" strike="noStrike">
               <a:latin typeface="Times New Roman"/>
@@ -25192,7 +25131,7 @@
                 <a:spcPct val="100000"/>
               </a:lnSpc>
             </a:pPr>
-            <a:fld id="{952C2E97-C332-4DD5-8857-AC1457D3F954}" type="slidenum">
+            <a:fld id="{4845EAA3-9446-4601-AFD2-604CA4E12872}" type="slidenum">
               <a:rPr b="0" lang="en-US" sz="1200" spc="-1" strike="noStrike">
                 <a:solidFill>
                   <a:srgbClr val="8b8b8b"/>
@@ -25219,8 +25158,8 @@
         </p:blipFill>
         <p:spPr>
           <a:xfrm>
-            <a:off x="5519160" y="2319840"/>
-            <a:ext cx="6276600" cy="2709360"/>
+            <a:off x="6035040" y="1878840"/>
+            <a:ext cx="5586120" cy="4297680"/>
           </a:xfrm>
           <a:prstGeom prst="rect">
             <a:avLst/>
@@ -25313,7 +25252,16 @@
                 </a:solidFill>
                 <a:latin typeface="Calibri"/>
               </a:rPr>
-              <a:t>INTEGRATION MANAGER WORKFLOW</a:t>
+              <a:t>CENTRALIZED </a:t>
+            </a:r>
+            <a:r>
+              <a:rPr b="0" lang="en-US" sz="4400" spc="-1" strike="noStrike">
+                <a:solidFill>
+                  <a:srgbClr val="000000"/>
+                </a:solidFill>
+                <a:latin typeface="Calibri"/>
+              </a:rPr>
+              <a:t>WORKFLOW</a:t>
             </a:r>
             <a:endParaRPr b="0" lang="en-US" sz="4400" spc="-1" strike="noStrike">
               <a:solidFill>
@@ -25364,7 +25312,7 @@
                 </a:solidFill>
                 <a:latin typeface="Calibri"/>
               </a:rPr>
-              <a:t>Developers have copies of the “blessed” repository</a:t>
+              <a:t>Everyone is equal</a:t>
             </a:r>
             <a:endParaRPr b="0" lang="en-US" sz="2800" spc="-1" strike="noStrike">
               <a:solidFill>
@@ -25392,7 +25340,7 @@
                 </a:solidFill>
                 <a:latin typeface="Calibri"/>
               </a:rPr>
-              <a:t>They make changes, then ask integration manager to incorporate them</a:t>
+              <a:t>Leverages branches</a:t>
             </a:r>
             <a:endParaRPr b="0" lang="en-US" sz="2800" spc="-1" strike="noStrike">
               <a:solidFill>
@@ -25420,9 +25368,37 @@
                 </a:solidFill>
                 <a:latin typeface="Calibri"/>
               </a:rPr>
-              <a:t>More overhead</a:t>
+              <a:t>Everyone must merge their own work!</a:t>
             </a:r>
             <a:endParaRPr b="0" lang="en-US" sz="2800" spc="-1" strike="noStrike">
+              <a:solidFill>
+                <a:srgbClr val="000000"/>
+              </a:solidFill>
+              <a:latin typeface="Calibri"/>
+            </a:endParaRPr>
+          </a:p>
+          <a:p>
+            <a:pPr lvl="1" marL="864000" indent="-324000">
+              <a:spcBef>
+                <a:spcPts val="1134"/>
+              </a:spcBef>
+              <a:buClr>
+                <a:srgbClr val="000000"/>
+              </a:buClr>
+              <a:buSzPct val="75000"/>
+              <a:buFont typeface="Symbol" charset="2"/>
+              <a:buChar char=""/>
+            </a:pPr>
+            <a:r>
+              <a:rPr b="0" lang="en-US" sz="2000" spc="-1" strike="noStrike">
+                <a:solidFill>
+                  <a:srgbClr val="000000"/>
+                </a:solidFill>
+                <a:latin typeface="Calibri"/>
+              </a:rPr>
+              <a:t>What if you don’t like how someone else merged?</a:t>
+            </a:r>
+            <a:endParaRPr b="0" lang="en-US" sz="2000" spc="-1" strike="noStrike">
               <a:solidFill>
                 <a:srgbClr val="000000"/>
               </a:solidFill>
@@ -25448,7 +25424,7 @@
                 </a:solidFill>
                 <a:latin typeface="Calibri"/>
               </a:rPr>
-              <a:t>More accountability</a:t>
+              <a:t>No overhead from dedicated integration manager</a:t>
             </a:r>
             <a:endParaRPr b="0" lang="en-US" sz="2800" spc="-1" strike="noStrike">
               <a:solidFill>
@@ -25486,7 +25462,7 @@
                 <a:spcPct val="100000"/>
               </a:lnSpc>
             </a:pPr>
-            <a:fld id="{0F0858D1-31AD-4837-8E92-4EC4F25D6B69}" type="datetime">
+            <a:fld id="{AE6806F6-CEF5-4DEF-A8D5-E432969924DF}" type="datetime">
               <a:rPr b="0" lang="en-US" sz="1200" spc="-1" strike="noStrike">
                 <a:solidFill>
                   <a:srgbClr val="8b8b8b"/>
@@ -25606,7 +25582,7 @@
                 <a:spcPct val="100000"/>
               </a:lnSpc>
             </a:pPr>
-            <a:fld id="{276004B4-2362-4229-9860-D7C5D3D19DD3}" type="slidenum">
+            <a:fld id="{8EC63821-3E69-4519-961E-F033FBC2946E}" type="slidenum">
               <a:rPr b="0" lang="en-US" sz="1200" spc="-1" strike="noStrike">
                 <a:solidFill>
                   <a:srgbClr val="8b8b8b"/>
@@ -25633,8 +25609,8 @@
         </p:blipFill>
         <p:spPr>
           <a:xfrm>
-            <a:off x="5429880" y="2560320"/>
-            <a:ext cx="6457320" cy="2156760"/>
+            <a:off x="5519160" y="2319840"/>
+            <a:ext cx="6276600" cy="2709360"/>
           </a:xfrm>
           <a:prstGeom prst="rect">
             <a:avLst/>
@@ -25727,7 +25703,7 @@
                 </a:solidFill>
                 <a:latin typeface="Calibri"/>
               </a:rPr>
-              <a:t>LIEUTENANT &amp; DICTATOR WORKFLOW</a:t>
+              <a:t>INTEGRATION MANAGER WORKFLOW</a:t>
             </a:r>
             <a:endParaRPr b="0" lang="en-US" sz="4400" spc="-1" strike="noStrike">
               <a:solidFill>
@@ -25747,7 +25723,7 @@
         <p:spPr>
           <a:xfrm>
             <a:off x="838080" y="1825560"/>
-            <a:ext cx="4831200" cy="4392360"/>
+            <a:ext cx="5288400" cy="4350960"/>
           </a:xfrm>
           <a:prstGeom prst="rect">
             <a:avLst/>
@@ -25778,7 +25754,7 @@
                 </a:solidFill>
                 <a:latin typeface="Calibri"/>
               </a:rPr>
-              <a:t>Essentially the same as integration manager with one more layer to go through</a:t>
+              <a:t>Developers have copies of the “blessed” repository</a:t>
             </a:r>
             <a:endParaRPr b="0" lang="en-US" sz="2800" spc="-1" strike="noStrike">
               <a:solidFill>
@@ -25806,7 +25782,7 @@
                 </a:solidFill>
                 <a:latin typeface="Calibri"/>
               </a:rPr>
-              <a:t>More overhead, but can use expertise effectively</a:t>
+              <a:t>They make changes, then ask integration manager to incorporate them</a:t>
             </a:r>
             <a:endParaRPr b="0" lang="en-US" sz="2800" spc="-1" strike="noStrike">
               <a:solidFill>
@@ -25816,27 +25792,55 @@
             </a:endParaRPr>
           </a:p>
           <a:p>
-            <a:pPr lvl="1" marL="864000" indent="-324000">
+            <a:pPr marL="432000" indent="-324000">
               <a:spcBef>
-                <a:spcPts val="1134"/>
+                <a:spcPts val="1417"/>
               </a:spcBef>
               <a:buClr>
                 <a:srgbClr val="000000"/>
               </a:buClr>
-              <a:buSzPct val="75000"/>
-              <a:buFont typeface="Symbol" charset="2"/>
-              <a:buChar char=""/>
-            </a:pPr>
-            <a:r>
-              <a:rPr b="0" lang="en-US" sz="2000" spc="-1" strike="noStrike">
+              <a:buSzPct val="45000"/>
+              <a:buFont typeface="Wingdings" charset="2"/>
+              <a:buChar char=""/>
+            </a:pPr>
+            <a:r>
+              <a:rPr b="0" lang="en-US" sz="2800" spc="-1" strike="noStrike">
                 <a:solidFill>
                   <a:srgbClr val="000000"/>
                 </a:solidFill>
                 <a:latin typeface="Calibri"/>
               </a:rPr>
-              <a:t>Lieutenant 1 expert in programming, Lieutenant 2 in design, for example</a:t>
-            </a:r>
-            <a:endParaRPr b="0" lang="en-US" sz="2000" spc="-1" strike="noStrike">
+              <a:t>More overhead</a:t>
+            </a:r>
+            <a:endParaRPr b="0" lang="en-US" sz="2800" spc="-1" strike="noStrike">
+              <a:solidFill>
+                <a:srgbClr val="000000"/>
+              </a:solidFill>
+              <a:latin typeface="Calibri"/>
+            </a:endParaRPr>
+          </a:p>
+          <a:p>
+            <a:pPr marL="432000" indent="-324000">
+              <a:spcBef>
+                <a:spcPts val="1417"/>
+              </a:spcBef>
+              <a:buClr>
+                <a:srgbClr val="000000"/>
+              </a:buClr>
+              <a:buSzPct val="45000"/>
+              <a:buFont typeface="Wingdings" charset="2"/>
+              <a:buChar char=""/>
+            </a:pPr>
+            <a:r>
+              <a:rPr b="0" lang="en-US" sz="2800" spc="-1" strike="noStrike">
+                <a:solidFill>
+                  <a:srgbClr val="000000"/>
+                </a:solidFill>
+                <a:latin typeface="Calibri"/>
+              </a:rPr>
+              <a:t>More accountability</a:t>
+            </a:r>
+            <a:endParaRPr b="0" lang="en-US" sz="2800" spc="-1" strike="noStrike">
               <a:solidFill>
                 <a:srgbClr val="000000"/>
               </a:solidFill>
@@ -25872,7 +25876,7 @@
                 <a:spcPct val="100000"/>
               </a:lnSpc>
             </a:pPr>
-            <a:fld id="{723D32F6-997F-43A2-B62C-5FE740B6CB7F}" type="datetime">
+            <a:fld id="{6B2E7278-DA82-4CA0-A449-DECA87C04A4B}" type="datetime">
               <a:rPr b="0" lang="en-US" sz="1200" spc="-1" strike="noStrike">
                 <a:solidFill>
                   <a:srgbClr val="8b8b8b"/>
@@ -25992,7 +25996,7 @@
                 <a:spcPct val="100000"/>
               </a:lnSpc>
             </a:pPr>
-            <a:fld id="{15B63F76-D29A-46A9-A757-E7AA1D42C23C}" type="slidenum">
+            <a:fld id="{C270222B-198C-4736-8313-2CF8235DED4B}" type="slidenum">
               <a:rPr b="0" lang="en-US" sz="1200" spc="-1" strike="noStrike">
                 <a:solidFill>
                   <a:srgbClr val="8b8b8b"/>
@@ -26019,8 +26023,8 @@
         </p:blipFill>
         <p:spPr>
           <a:xfrm>
-            <a:off x="5669280" y="2229480"/>
-            <a:ext cx="6409800" cy="3256920"/>
+            <a:off x="5429880" y="2560320"/>
+            <a:ext cx="6457320" cy="2156760"/>
           </a:xfrm>
           <a:prstGeom prst="rect">
             <a:avLst/>
@@ -26113,7 +26117,7 @@
                 </a:solidFill>
                 <a:latin typeface="Calibri"/>
               </a:rPr>
-              <a:t>ACKNOWLEDGMENTS</a:t>
+              <a:t>LIEUTENANT &amp; DICTATOR WORKFLOW</a:t>
             </a:r>
             <a:endParaRPr b="0" lang="en-US" sz="4400" spc="-1" strike="noStrike">
               <a:solidFill>
@@ -26133,7 +26137,7 @@
         <p:spPr>
           <a:xfrm>
             <a:off x="838080" y="1825560"/>
-            <a:ext cx="10515240" cy="4350960"/>
+            <a:ext cx="4831200" cy="4392360"/>
           </a:xfrm>
           <a:prstGeom prst="rect">
             <a:avLst/>
@@ -26146,18 +26150,16 @@
         <p:txBody>
           <a:bodyPr/>
           <a:p>
-            <a:pPr marL="228600" indent="-228240">
-              <a:lnSpc>
-                <a:spcPct val="90000"/>
-              </a:lnSpc>
+            <a:pPr marL="432000" indent="-324000">
               <a:spcBef>
-                <a:spcPts val="1001"/>
+                <a:spcPts val="1417"/>
               </a:spcBef>
               <a:buClr>
                 <a:srgbClr val="000000"/>
               </a:buClr>
-              <a:buFont typeface="Arial"/>
-              <a:buChar char="•"/>
+              <a:buSzPct val="45000"/>
+              <a:buFont typeface="Wingdings" charset="2"/>
+              <a:buChar char=""/>
             </a:pPr>
             <a:r>
               <a:rPr b="0" lang="en-US" sz="2800" spc="-1" strike="noStrike">
@@ -26166,7 +26168,7 @@
                 </a:solidFill>
                 <a:latin typeface="Calibri"/>
               </a:rPr>
-              <a:t>The figures are taken from Pro Git book, written by Scott Chacon and Ben Straub and published by Apress, used under the terms of the Creative Commons Attribution-NonCommercial-ShareAlike 3.0 Unported License.</a:t>
+              <a:t>Essentially the same as integration manager with one more layer to go through</a:t>
             </a:r>
             <a:endParaRPr b="0" lang="en-US" sz="2800" spc="-1" strike="noStrike">
               <a:solidFill>
@@ -26176,18 +26178,16 @@
             </a:endParaRPr>
           </a:p>
           <a:p>
-            <a:pPr marL="228600" indent="-228240">
-              <a:lnSpc>
-                <a:spcPct val="90000"/>
-              </a:lnSpc>
+            <a:pPr marL="432000" indent="-324000">
               <a:spcBef>
-                <a:spcPts val="1001"/>
+                <a:spcPts val="1417"/>
               </a:spcBef>
               <a:buClr>
                 <a:srgbClr val="000000"/>
               </a:buClr>
-              <a:buFont typeface="Arial"/>
-              <a:buChar char="•"/>
+              <a:buSzPct val="45000"/>
+              <a:buFont typeface="Wingdings" charset="2"/>
+              <a:buChar char=""/>
             </a:pPr>
             <a:r>
               <a:rPr b="0" lang="en-US" sz="2800" spc="-1" strike="noStrike">
@@ -26196,27 +26196,7 @@
                 </a:solidFill>
                 <a:latin typeface="Calibri"/>
               </a:rPr>
-              <a:t>The GitHub Mark and Octocat are used under their official license (</a:t>
-            </a:r>
-            <a:r>
-              <a:rPr b="0" lang="en-US" sz="2800" spc="-1" strike="noStrike" u="sng">
-                <a:solidFill>
-                  <a:srgbClr val="0563c1"/>
-                </a:solidFill>
-                <a:uFillTx/>
-                <a:latin typeface="Calibri"/>
-                <a:hlinkClick r:id="rId1"/>
-              </a:rPr>
-              <a:t>https://github.com/logos</a:t>
-            </a:r>
-            <a:r>
-              <a:rPr b="0" lang="en-US" sz="2800" spc="-1" strike="noStrike">
-                <a:solidFill>
-                  <a:srgbClr val="000000"/>
-                </a:solidFill>
-                <a:latin typeface="Calibri"/>
-              </a:rPr>
-              <a:t>)</a:t>
+              <a:t>More overhead, but can use expertise effectively</a:t>
             </a:r>
             <a:endParaRPr b="0" lang="en-US" sz="2800" spc="-1" strike="noStrike">
               <a:solidFill>
@@ -26226,59 +26206,27 @@
             </a:endParaRPr>
           </a:p>
           <a:p>
-            <a:pPr marL="228600" indent="-228240">
-              <a:lnSpc>
-                <a:spcPct val="90000"/>
-              </a:lnSpc>
+            <a:pPr lvl="1" marL="864000" indent="-324000">
               <a:spcBef>
-                <a:spcPts val="1001"/>
+                <a:spcPts val="1134"/>
               </a:spcBef>
               <a:buClr>
                 <a:srgbClr val="000000"/>
               </a:buClr>
-              <a:buFont typeface="Arial"/>
-              <a:buChar char="•"/>
-            </a:pPr>
-            <a:r>
-              <a:rPr b="0" lang="en-US" sz="2800" spc="-1" strike="noStrike">
+              <a:buSzPct val="75000"/>
+              <a:buFont typeface="Symbol" charset="2"/>
+              <a:buChar char=""/>
+            </a:pPr>
+            <a:r>
+              <a:rPr b="0" lang="en-US" sz="2000" spc="-1" strike="noStrike">
                 <a:solidFill>
                   <a:srgbClr val="000000"/>
                 </a:solidFill>
                 <a:latin typeface="Calibri"/>
               </a:rPr>
-              <a:t>The Git logo is used under the Creative Commons Attribution 3.0 Unported License. </a:t>
-            </a:r>
-            <a:endParaRPr b="0" lang="en-US" sz="2800" spc="-1" strike="noStrike">
-              <a:solidFill>
-                <a:srgbClr val="000000"/>
-              </a:solidFill>
-              <a:latin typeface="Calibri"/>
-            </a:endParaRPr>
-          </a:p>
-          <a:p>
-            <a:pPr marL="228600" indent="-228240">
-              <a:lnSpc>
-                <a:spcPct val="90000"/>
-              </a:lnSpc>
-              <a:spcBef>
-                <a:spcPts val="1001"/>
-              </a:spcBef>
-              <a:buClr>
-                <a:srgbClr val="000000"/>
-              </a:buClr>
-              <a:buFont typeface="Arial"/>
-              <a:buChar char="•"/>
-            </a:pPr>
-            <a:r>
-              <a:rPr b="0" lang="en-US" sz="2800" spc="-1" strike="noStrike">
-                <a:solidFill>
-                  <a:srgbClr val="000000"/>
-                </a:solidFill>
-                <a:latin typeface="Calibri"/>
-              </a:rPr>
-              <a:t>Screenshots are taken from GitHub Desktop and Atom.</a:t>
-            </a:r>
-            <a:endParaRPr b="0" lang="en-US" sz="2800" spc="-1" strike="noStrike">
+              <a:t>Lieutenant 1 expert in programming, Lieutenant 2 in design, for example</a:t>
+            </a:r>
+            <a:endParaRPr b="0" lang="en-US" sz="2000" spc="-1" strike="noStrike">
               <a:solidFill>
                 <a:srgbClr val="000000"/>
               </a:solidFill>
@@ -26314,7 +26262,7 @@
                 <a:spcPct val="100000"/>
               </a:lnSpc>
             </a:pPr>
-            <a:fld id="{B8ECCB2D-45CE-47DA-AB2D-E690F8D034B2}" type="datetime">
+            <a:fld id="{B99DBB09-22C4-4C34-9E44-7214692FC013}" type="datetime">
               <a:rPr b="0" lang="en-US" sz="1200" spc="-1" strike="noStrike">
                 <a:solidFill>
                   <a:srgbClr val="8b8b8b"/>
@@ -26337,6 +26285,84 @@
         </p:nvSpPr>
         <p:spPr>
           <a:xfrm>
+            <a:off x="3581280" y="6356520"/>
+            <a:ext cx="5028840" cy="364680"/>
+          </a:xfrm>
+          <a:prstGeom prst="rect">
+            <a:avLst/>
+          </a:prstGeom>
+          <a:noFill/>
+          <a:ln>
+            <a:noFill/>
+          </a:ln>
+        </p:spPr>
+        <p:txBody>
+          <a:bodyPr anchor="ctr"/>
+          <a:p>
+            <a:pPr algn="ctr">
+              <a:lnSpc>
+                <a:spcPct val="100000"/>
+              </a:lnSpc>
+            </a:pPr>
+            <a:r>
+              <a:rPr b="0" lang="en-US" sz="1200" spc="-1" strike="noStrike">
+                <a:solidFill>
+                  <a:srgbClr val="8b8b8b"/>
+                </a:solidFill>
+                <a:latin typeface="Calibri"/>
+              </a:rPr>
+              <a:t>Digital Scholarship Services </a:t>
+            </a:r>
+            <a:r>
+              <a:rPr b="0" lang="en-US" sz="1200" spc="-1" strike="noStrike">
+                <a:solidFill>
+                  <a:srgbClr val="1f4e79"/>
+                </a:solidFill>
+                <a:latin typeface="Calibri"/>
+              </a:rPr>
+              <a:t>| Email</a:t>
+            </a:r>
+            <a:r>
+              <a:rPr b="0" lang="en-US" sz="1200" spc="-1" strike="noStrike">
+                <a:solidFill>
+                  <a:srgbClr val="8b8b8b"/>
+                </a:solidFill>
+                <a:latin typeface="Calibri"/>
+              </a:rPr>
+              <a:t> cf24@rice.edu </a:t>
+            </a:r>
+            <a:r>
+              <a:rPr b="0" lang="en-US" sz="1200" spc="-1" strike="noStrike">
+                <a:solidFill>
+                  <a:srgbClr val="1f4e79"/>
+                </a:solidFill>
+                <a:latin typeface="Calibri"/>
+              </a:rPr>
+              <a:t>|</a:t>
+            </a:r>
+            <a:r>
+              <a:rPr b="0" lang="en-US" sz="1200" spc="-1" strike="noStrike">
+                <a:solidFill>
+                  <a:srgbClr val="8b8b8b"/>
+                </a:solidFill>
+                <a:latin typeface="Calibri"/>
+              </a:rPr>
+              <a:t> library.rice.edu/dss</a:t>
+            </a:r>
+            <a:endParaRPr b="0" lang="en-US" sz="1200" spc="-1" strike="noStrike">
+              <a:latin typeface="Times New Roman"/>
+            </a:endParaRPr>
+          </a:p>
+        </p:txBody>
+      </p:sp>
+      <p:sp>
+        <p:nvSpPr>
+          <p:cNvPr id="473" name="TextShape 5"/>
+          <p:cNvSpPr txBox="1"/>
+          <p:nvPr/>
+        </p:nvSpPr>
+        <p:spPr>
+          <a:xfrm>
             <a:off x="8610480" y="6356520"/>
             <a:ext cx="2742840" cy="364680"/>
           </a:xfrm>
@@ -26356,14 +26382,14 @@
                 <a:spcPct val="100000"/>
               </a:lnSpc>
             </a:pPr>
-            <a:fld id="{CD0493F6-343B-4D72-8185-C75D79FDAEBD}" type="slidenum">
-              <a:rPr b="0" lang="en-US" sz="1200" spc="-1" strike="noStrike">
-                <a:solidFill>
-                  <a:srgbClr val="8b8b8b"/>
-                </a:solidFill>
-                <a:latin typeface="Calibri"/>
-              </a:rPr>
-              <a:t>&lt;number&gt;</a:t>
+            <a:fld id="{8652AD7C-A778-427B-9510-CB83290296CE}" type="slidenum">
+              <a:rPr b="0" lang="en-US" sz="1200" spc="-1" strike="noStrike">
+                <a:solidFill>
+                  <a:srgbClr val="8b8b8b"/>
+                </a:solidFill>
+                <a:latin typeface="Calibri"/>
+              </a:rPr>
+              <a:t>1</a:t>
             </a:fld>
             <a:endParaRPr b="0" lang="en-US" sz="1200" spc="-1" strike="noStrike">
               <a:latin typeface="Times New Roman"/>
@@ -26371,84 +26397,29 @@
           </a:p>
         </p:txBody>
       </p:sp>
-      <p:sp>
-        <p:nvSpPr>
-          <p:cNvPr id="473" name="TextShape 5"/>
-          <p:cNvSpPr txBox="1"/>
-          <p:nvPr/>
-        </p:nvSpPr>
-        <p:spPr>
-          <a:xfrm>
-            <a:off x="3581280" y="6356520"/>
-            <a:ext cx="5028840" cy="364680"/>
-          </a:xfrm>
-          <a:prstGeom prst="rect">
-            <a:avLst/>
-          </a:prstGeom>
-          <a:noFill/>
-          <a:ln>
-            <a:noFill/>
-          </a:ln>
-        </p:spPr>
-        <p:txBody>
-          <a:bodyPr anchor="ctr"/>
-          <a:p>
-            <a:pPr algn="ctr">
-              <a:lnSpc>
-                <a:spcPct val="100000"/>
-              </a:lnSpc>
-            </a:pPr>
-            <a:r>
-              <a:rPr b="0" lang="en-US" sz="1200" spc="-1" strike="noStrike">
-                <a:solidFill>
-                  <a:srgbClr val="8b8b8b"/>
-                </a:solidFill>
-                <a:latin typeface="Calibri"/>
-              </a:rPr>
-              <a:t>Digital Scholarship Services </a:t>
-            </a:r>
-            <a:r>
-              <a:rPr b="0" lang="en-US" sz="1200" spc="-1" strike="noStrike">
-                <a:solidFill>
-                  <a:srgbClr val="1f4e79"/>
-                </a:solidFill>
-                <a:latin typeface="Calibri"/>
-              </a:rPr>
-              <a:t>| Email</a:t>
-            </a:r>
-            <a:r>
-              <a:rPr b="0" lang="en-US" sz="1200" spc="-1" strike="noStrike">
-                <a:solidFill>
-                  <a:srgbClr val="8b8b8b"/>
-                </a:solidFill>
-                <a:latin typeface="Calibri"/>
-              </a:rPr>
-              <a:t> cf24@rice.edu </a:t>
-            </a:r>
-            <a:r>
-              <a:rPr b="0" lang="en-US" sz="1200" spc="-1" strike="noStrike">
-                <a:solidFill>
-                  <a:srgbClr val="1f4e79"/>
-                </a:solidFill>
-                <a:latin typeface="Calibri"/>
-              </a:rPr>
-              <a:t>|</a:t>
-            </a:r>
-            <a:r>
-              <a:rPr b="0" lang="en-US" sz="1200" spc="-1" strike="noStrike">
-                <a:solidFill>
-                  <a:srgbClr val="8b8b8b"/>
-                </a:solidFill>
-                <a:latin typeface="Calibri"/>
-              </a:rPr>
-              <a:t> library.rice.edu/dss</a:t>
-            </a:r>
-            <a:endParaRPr b="0" lang="en-US" sz="1200" spc="-1" strike="noStrike">
-              <a:latin typeface="Times New Roman"/>
-            </a:endParaRPr>
-          </a:p>
-        </p:txBody>
-      </p:sp>
+      <p:pic>
+        <p:nvPicPr>
+          <p:cNvPr id="474" name="" descr=""/>
+          <p:cNvPicPr/>
+          <p:nvPr/>
+        </p:nvPicPr>
+        <p:blipFill>
+          <a:blip r:embed="rId1"/>
+          <a:stretch/>
+        </p:blipFill>
+        <p:spPr>
+          <a:xfrm>
+            <a:off x="5669280" y="2229480"/>
+            <a:ext cx="6409800" cy="3256920"/>
+          </a:xfrm>
+          <a:prstGeom prst="rect">
+            <a:avLst/>
+          </a:prstGeom>
+          <a:ln>
+            <a:noFill/>
+          </a:ln>
+        </p:spPr>
+      </p:pic>
     </p:spTree>
   </p:cSld>
   <p:timing>
@@ -26500,7 +26471,7 @@
       </p:grpSpPr>
       <p:sp>
         <p:nvSpPr>
-          <p:cNvPr id="474" name="TextShape 1"/>
+          <p:cNvPr id="475" name="TextShape 1"/>
           <p:cNvSpPr txBox="1"/>
           <p:nvPr/>
         </p:nvSpPr>
@@ -26532,7 +26503,7 @@
                 </a:solidFill>
                 <a:latin typeface="Calibri"/>
               </a:rPr>
-              <a:t>INTEGRATION MANAGER WORKFLOW IN GITHUB</a:t>
+              <a:t>ACKNOWLEDGMENTS</a:t>
             </a:r>
             <a:endParaRPr b="0" lang="en-US" sz="4400" spc="-1" strike="noStrike">
               <a:solidFill>
@@ -26545,14 +26516,14 @@
       </p:sp>
       <p:sp>
         <p:nvSpPr>
-          <p:cNvPr id="475" name="TextShape 2"/>
+          <p:cNvPr id="476" name="TextShape 2"/>
           <p:cNvSpPr txBox="1"/>
           <p:nvPr/>
         </p:nvSpPr>
         <p:spPr>
           <a:xfrm>
             <a:off x="838080" y="1825560"/>
-            <a:ext cx="5288400" cy="4350960"/>
+            <a:ext cx="10515240" cy="4350960"/>
           </a:xfrm>
           <a:prstGeom prst="rect">
             <a:avLst/>
@@ -26565,16 +26536,18 @@
         <p:txBody>
           <a:bodyPr/>
           <a:p>
-            <a:pPr marL="432000" indent="-324000">
+            <a:pPr marL="228600" indent="-228240">
+              <a:lnSpc>
+                <a:spcPct val="90000"/>
+              </a:lnSpc>
               <a:spcBef>
-                <a:spcPts val="1417"/>
+                <a:spcPts val="1001"/>
               </a:spcBef>
               <a:buClr>
                 <a:srgbClr val="000000"/>
               </a:buClr>
-              <a:buSzPct val="45000"/>
-              <a:buFont typeface="Wingdings" charset="2"/>
-              <a:buChar char=""/>
+              <a:buFont typeface="Arial"/>
+              <a:buChar char="•"/>
             </a:pPr>
             <a:r>
               <a:rPr b="0" lang="en-US" sz="2800" spc="-1" strike="noStrike">
@@ -26583,7 +26556,7 @@
                 </a:solidFill>
                 <a:latin typeface="Calibri"/>
               </a:rPr>
-              <a:t>You can see this workflow in GitHub all the time</a:t>
+              <a:t>The figures are taken from Pro Git book, written by Scott Chacon and Ben Straub and published by Apress, used under the terms of the Creative Commons Attribution-NonCommercial-ShareAlike 3.0 Unported License.</a:t>
             </a:r>
             <a:endParaRPr b="0" lang="en-US" sz="2800" spc="-1" strike="noStrike">
               <a:solidFill>
@@ -26593,16 +26566,18 @@
             </a:endParaRPr>
           </a:p>
           <a:p>
-            <a:pPr marL="432000" indent="-324000">
+            <a:pPr marL="228600" indent="-228240">
+              <a:lnSpc>
+                <a:spcPct val="90000"/>
+              </a:lnSpc>
               <a:spcBef>
-                <a:spcPts val="1417"/>
+                <a:spcPts val="1001"/>
               </a:spcBef>
               <a:buClr>
                 <a:srgbClr val="000000"/>
               </a:buClr>
-              <a:buSzPct val="45000"/>
-              <a:buFont typeface="Wingdings" charset="2"/>
-              <a:buChar char=""/>
+              <a:buFont typeface="Arial"/>
+              <a:buChar char="•"/>
             </a:pPr>
             <a:r>
               <a:rPr b="0" lang="en-US" sz="2800" spc="-1" strike="noStrike">
@@ -26611,7 +26586,27 @@
                 </a:solidFill>
                 <a:latin typeface="Calibri"/>
               </a:rPr>
-              <a:t>Fork &amp; Pull Request:</a:t>
+              <a:t>The GitHub Mark and Octocat are used under their official license (</a:t>
+            </a:r>
+            <a:r>
+              <a:rPr b="0" lang="en-US" sz="2800" spc="-1" strike="noStrike" u="sng">
+                <a:solidFill>
+                  <a:srgbClr val="0563c1"/>
+                </a:solidFill>
+                <a:uFillTx/>
+                <a:latin typeface="Calibri"/>
+                <a:hlinkClick r:id="rId1"/>
+              </a:rPr>
+              <a:t>https://github.com/logos</a:t>
+            </a:r>
+            <a:r>
+              <a:rPr b="0" lang="en-US" sz="2800" spc="-1" strike="noStrike">
+                <a:solidFill>
+                  <a:srgbClr val="000000"/>
+                </a:solidFill>
+                <a:latin typeface="Calibri"/>
+              </a:rPr>
+              <a:t>)</a:t>
             </a:r>
             <a:endParaRPr b="0" lang="en-US" sz="2800" spc="-1" strike="noStrike">
               <a:solidFill>
@@ -26621,94 +26616,70 @@
             </a:endParaRPr>
           </a:p>
           <a:p>
-            <a:pPr lvl="1" marL="864000" indent="-324000">
+            <a:pPr marL="228600" indent="-228240">
+              <a:lnSpc>
+                <a:spcPct val="90000"/>
+              </a:lnSpc>
               <a:spcBef>
-                <a:spcPts val="1134"/>
+                <a:spcPts val="1001"/>
               </a:spcBef>
               <a:buClr>
                 <a:srgbClr val="000000"/>
               </a:buClr>
-              <a:buSzPct val="75000"/>
-              <a:buFont typeface="Symbol" charset="2"/>
-              <a:buChar char=""/>
-            </a:pPr>
-            <a:r>
-              <a:rPr b="0" lang="en-US" sz="2000" spc="-1" strike="noStrike">
+              <a:buFont typeface="Arial"/>
+              <a:buChar char="•"/>
+            </a:pPr>
+            <a:r>
+              <a:rPr b="0" lang="en-US" sz="2800" spc="-1" strike="noStrike">
                 <a:solidFill>
                   <a:srgbClr val="000000"/>
                 </a:solidFill>
                 <a:latin typeface="Calibri"/>
               </a:rPr>
-              <a:t>Make a copy of a repository</a:t>
-            </a:r>
-            <a:endParaRPr b="0" lang="en-US" sz="2000" spc="-1" strike="noStrike">
-              <a:solidFill>
-                <a:srgbClr val="000000"/>
-              </a:solidFill>
-              <a:latin typeface="Calibri"/>
-            </a:endParaRPr>
-          </a:p>
-          <a:p>
-            <a:pPr lvl="1" marL="864000" indent="-324000">
+              <a:t>The Git logo is used under the Creative Commons Attribution 3.0 Unported License. </a:t>
+            </a:r>
+            <a:endParaRPr b="0" lang="en-US" sz="2800" spc="-1" strike="noStrike">
+              <a:solidFill>
+                <a:srgbClr val="000000"/>
+              </a:solidFill>
+              <a:latin typeface="Calibri"/>
+            </a:endParaRPr>
+          </a:p>
+          <a:p>
+            <a:pPr marL="228600" indent="-228240">
+              <a:lnSpc>
+                <a:spcPct val="90000"/>
+              </a:lnSpc>
               <a:spcBef>
-                <a:spcPts val="1134"/>
+                <a:spcPts val="1001"/>
               </a:spcBef>
               <a:buClr>
                 <a:srgbClr val="000000"/>
               </a:buClr>
-              <a:buSzPct val="75000"/>
-              <a:buFont typeface="Symbol" charset="2"/>
-              <a:buChar char=""/>
-            </a:pPr>
-            <a:r>
-              <a:rPr b="0" lang="en-US" sz="2000" spc="-1" strike="noStrike">
+              <a:buFont typeface="Arial"/>
+              <a:buChar char="•"/>
+            </a:pPr>
+            <a:r>
+              <a:rPr b="0" lang="en-US" sz="2800" spc="-1" strike="noStrike">
                 <a:solidFill>
                   <a:srgbClr val="000000"/>
                 </a:solidFill>
                 <a:latin typeface="Calibri"/>
               </a:rPr>
-              <a:t>Make a change</a:t>
-            </a:r>
-            <a:endParaRPr b="0" lang="en-US" sz="2000" spc="-1" strike="noStrike">
-              <a:solidFill>
-                <a:srgbClr val="000000"/>
-              </a:solidFill>
-              <a:latin typeface="Calibri"/>
-            </a:endParaRPr>
-          </a:p>
-          <a:p>
-            <a:pPr lvl="1" marL="864000" indent="-324000">
-              <a:spcBef>
-                <a:spcPts val="1134"/>
-              </a:spcBef>
-              <a:buClr>
-                <a:srgbClr val="000000"/>
-              </a:buClr>
-              <a:buSzPct val="75000"/>
-              <a:buFont typeface="Symbol" charset="2"/>
-              <a:buChar char=""/>
-            </a:pPr>
-            <a:r>
-              <a:rPr b="0" lang="en-US" sz="2000" spc="-1" strike="noStrike">
-                <a:solidFill>
-                  <a:srgbClr val="000000"/>
-                </a:solidFill>
-                <a:latin typeface="Calibri"/>
-              </a:rPr>
-              <a:t>Ask the original repository’s owner to “pull” your proposed change into his project</a:t>
-            </a:r>
-            <a:endParaRPr b="0" lang="en-US" sz="2000" spc="-1" strike="noStrike">
-              <a:solidFill>
-                <a:srgbClr val="000000"/>
-              </a:solidFill>
-              <a:latin typeface="Calibri"/>
-            </a:endParaRPr>
-          </a:p>
-        </p:txBody>
-      </p:sp>
-      <p:sp>
-        <p:nvSpPr>
-          <p:cNvPr id="476" name="TextShape 3"/>
+              <a:t>Screenshots are taken from GitHub Desktop and Atom.</a:t>
+            </a:r>
+            <a:endParaRPr b="0" lang="en-US" sz="2800" spc="-1" strike="noStrike">
+              <a:solidFill>
+                <a:srgbClr val="000000"/>
+              </a:solidFill>
+              <a:latin typeface="Calibri"/>
+            </a:endParaRPr>
+          </a:p>
+        </p:txBody>
+      </p:sp>
+      <p:sp>
+        <p:nvSpPr>
+          <p:cNvPr id="477" name="TextShape 3"/>
           <p:cNvSpPr txBox="1"/>
           <p:nvPr/>
         </p:nvSpPr>
@@ -26733,7 +26704,7 @@
                 <a:spcPct val="100000"/>
               </a:lnSpc>
             </a:pPr>
-            <a:fld id="{A39A897A-566B-448C-8FE6-513F3A64C1D3}" type="datetime">
+            <a:fld id="{9E199136-BD0F-47BE-AA6B-57C325723458}" type="datetime">
               <a:rPr b="0" lang="en-US" sz="1200" spc="-1" strike="noStrike">
                 <a:solidFill>
                   <a:srgbClr val="8b8b8b"/>
@@ -26750,7 +26721,49 @@
       </p:sp>
       <p:sp>
         <p:nvSpPr>
-          <p:cNvPr id="477" name="TextShape 4"/>
+          <p:cNvPr id="478" name="TextShape 4"/>
+          <p:cNvSpPr txBox="1"/>
+          <p:nvPr/>
+        </p:nvSpPr>
+        <p:spPr>
+          <a:xfrm>
+            <a:off x="8610480" y="6356520"/>
+            <a:ext cx="2742840" cy="364680"/>
+          </a:xfrm>
+          <a:prstGeom prst="rect">
+            <a:avLst/>
+          </a:prstGeom>
+          <a:noFill/>
+          <a:ln>
+            <a:noFill/>
+          </a:ln>
+        </p:spPr>
+        <p:txBody>
+          <a:bodyPr anchor="ctr"/>
+          <a:p>
+            <a:pPr algn="r">
+              <a:lnSpc>
+                <a:spcPct val="100000"/>
+              </a:lnSpc>
+            </a:pPr>
+            <a:fld id="{68F48C68-0A3E-4C51-97AD-187AE715BEBD}" type="slidenum">
+              <a:rPr b="0" lang="en-US" sz="1200" spc="-1" strike="noStrike">
+                <a:solidFill>
+                  <a:srgbClr val="8b8b8b"/>
+                </a:solidFill>
+                <a:latin typeface="Calibri"/>
+              </a:rPr>
+              <a:t>1</a:t>
+            </a:fld>
+            <a:endParaRPr b="0" lang="en-US" sz="1200" spc="-1" strike="noStrike">
+              <a:latin typeface="Times New Roman"/>
+            </a:endParaRPr>
+          </a:p>
+        </p:txBody>
+      </p:sp>
+      <p:sp>
+        <p:nvSpPr>
+          <p:cNvPr id="479" name="TextShape 5"/>
           <p:cNvSpPr txBox="1"/>
           <p:nvPr/>
         </p:nvSpPr>
@@ -26820,48 +26833,6 @@
               </a:rPr>
               <a:t> library.rice.edu/dss</a:t>
             </a:r>
-            <a:endParaRPr b="0" lang="en-US" sz="1200" spc="-1" strike="noStrike">
-              <a:latin typeface="Times New Roman"/>
-            </a:endParaRPr>
-          </a:p>
-        </p:txBody>
-      </p:sp>
-      <p:sp>
-        <p:nvSpPr>
-          <p:cNvPr id="478" name="TextShape 5"/>
-          <p:cNvSpPr txBox="1"/>
-          <p:nvPr/>
-        </p:nvSpPr>
-        <p:spPr>
-          <a:xfrm>
-            <a:off x="8610480" y="6356520"/>
-            <a:ext cx="2742840" cy="364680"/>
-          </a:xfrm>
-          <a:prstGeom prst="rect">
-            <a:avLst/>
-          </a:prstGeom>
-          <a:noFill/>
-          <a:ln>
-            <a:noFill/>
-          </a:ln>
-        </p:spPr>
-        <p:txBody>
-          <a:bodyPr anchor="ctr"/>
-          <a:p>
-            <a:pPr algn="r">
-              <a:lnSpc>
-                <a:spcPct val="100000"/>
-              </a:lnSpc>
-            </a:pPr>
-            <a:fld id="{1E1DF8C8-7835-4227-96EA-EB8E4B4C43CF}" type="slidenum">
-              <a:rPr b="0" lang="en-US" sz="1200" spc="-1" strike="noStrike">
-                <a:solidFill>
-                  <a:srgbClr val="8b8b8b"/>
-                </a:solidFill>
-                <a:latin typeface="Calibri"/>
-              </a:rPr>
-              <a:t>&lt;number&gt;</a:t>
-            </a:fld>
             <a:endParaRPr b="0" lang="en-US" sz="1200" spc="-1" strike="noStrike">
               <a:latin typeface="Times New Roman"/>
             </a:endParaRPr>
@@ -26877,6 +26848,425 @@
           <p:childTnLst>
             <p:seq>
               <p:cTn id="112" dur="indefinite" nodeType="mainSeq"/>
+              <p:prevCondLst>
+                <p:cond delay="0" evt="onPrev">
+                  <p:tgtEl>
+                    <p:sldTgt/>
+                  </p:tgtEl>
+                </p:cond>
+              </p:prevCondLst>
+              <p:nextCondLst>
+                <p:cond delay="0" evt="onNext">
+                  <p:tgtEl>
+                    <p:sldTgt/>
+                  </p:tgtEl>
+                </p:cond>
+              </p:nextCondLst>
+            </p:seq>
+          </p:childTnLst>
+        </p:cTn>
+      </p:par>
+    </p:tnLst>
+  </p:timing>
+</p:sld>
+</file>
+
+<file path=ppt/slides/slide57.xml><?xml version="1.0" encoding="utf-8"?>
+<p:sld xmlns:a="http://schemas.openxmlformats.org/drawingml/2006/main" xmlns:p="http://schemas.openxmlformats.org/presentationml/2006/main" xmlns:r="http://schemas.openxmlformats.org/officeDocument/2006/relationships" xmlns:p14="http://schemas.microsoft.com/office/powerpoint/2010/main" xmlns:p15="http://schemas.microsoft.com/office/powerpoint/2012/main" xmlns:mc="http://schemas.openxmlformats.org/markup-compatibility/2006">
+  <p:cSld>
+    <p:spTree>
+      <p:nvGrpSpPr>
+        <p:cNvPr id="1" name=""/>
+        <p:cNvGrpSpPr/>
+        <p:nvPr/>
+      </p:nvGrpSpPr>
+      <p:grpSpPr>
+        <a:xfrm>
+          <a:off x="0" y="0"/>
+          <a:ext cx="0" cy="0"/>
+          <a:chOff x="0" y="0"/>
+          <a:chExt cx="0" cy="0"/>
+        </a:xfrm>
+      </p:grpSpPr>
+      <p:sp>
+        <p:nvSpPr>
+          <p:cNvPr id="480" name="TextShape 1"/>
+          <p:cNvSpPr txBox="1"/>
+          <p:nvPr/>
+        </p:nvSpPr>
+        <p:spPr>
+          <a:xfrm>
+            <a:off x="2126160" y="365040"/>
+            <a:ext cx="9227520" cy="1325160"/>
+          </a:xfrm>
+          <a:prstGeom prst="rect">
+            <a:avLst/>
+          </a:prstGeom>
+          <a:noFill/>
+          <a:ln>
+            <a:noFill/>
+          </a:ln>
+        </p:spPr>
+        <p:txBody>
+          <a:bodyPr anchor="ctr"/>
+          <a:p>
+            <a:pPr>
+              <a:lnSpc>
+                <a:spcPct val="90000"/>
+              </a:lnSpc>
+            </a:pPr>
+            <a:r>
+              <a:rPr b="0" lang="en-US" sz="4400" spc="-1" strike="noStrike">
+                <a:solidFill>
+                  <a:srgbClr val="000000"/>
+                </a:solidFill>
+                <a:latin typeface="Calibri"/>
+              </a:rPr>
+              <a:t>INTEGRATION MANAGER WORKFLOW IN GITHUB</a:t>
+            </a:r>
+            <a:endParaRPr b="0" lang="en-US" sz="4400" spc="-1" strike="noStrike">
+              <a:solidFill>
+                <a:srgbClr val="000000"/>
+              </a:solidFill>
+              <a:latin typeface="Calibri"/>
+            </a:endParaRPr>
+          </a:p>
+        </p:txBody>
+      </p:sp>
+      <p:sp>
+        <p:nvSpPr>
+          <p:cNvPr id="481" name="TextShape 2"/>
+          <p:cNvSpPr txBox="1"/>
+          <p:nvPr/>
+        </p:nvSpPr>
+        <p:spPr>
+          <a:xfrm>
+            <a:off x="838080" y="1825560"/>
+            <a:ext cx="5288400" cy="4350960"/>
+          </a:xfrm>
+          <a:prstGeom prst="rect">
+            <a:avLst/>
+          </a:prstGeom>
+          <a:noFill/>
+          <a:ln>
+            <a:noFill/>
+          </a:ln>
+        </p:spPr>
+        <p:txBody>
+          <a:bodyPr/>
+          <a:p>
+            <a:pPr marL="432000" indent="-324000">
+              <a:spcBef>
+                <a:spcPts val="1417"/>
+              </a:spcBef>
+              <a:buClr>
+                <a:srgbClr val="000000"/>
+              </a:buClr>
+              <a:buSzPct val="45000"/>
+              <a:buFont typeface="Wingdings" charset="2"/>
+              <a:buChar char=""/>
+            </a:pPr>
+            <a:r>
+              <a:rPr b="0" lang="en-US" sz="2800" spc="-1" strike="noStrike">
+                <a:solidFill>
+                  <a:srgbClr val="000000"/>
+                </a:solidFill>
+                <a:latin typeface="Calibri"/>
+              </a:rPr>
+              <a:t>You can see this workflow in GitHub all the time</a:t>
+            </a:r>
+            <a:endParaRPr b="0" lang="en-US" sz="2800" spc="-1" strike="noStrike">
+              <a:solidFill>
+                <a:srgbClr val="000000"/>
+              </a:solidFill>
+              <a:latin typeface="Calibri"/>
+            </a:endParaRPr>
+          </a:p>
+          <a:p>
+            <a:pPr marL="432000" indent="-324000">
+              <a:spcBef>
+                <a:spcPts val="1417"/>
+              </a:spcBef>
+              <a:buClr>
+                <a:srgbClr val="000000"/>
+              </a:buClr>
+              <a:buSzPct val="45000"/>
+              <a:buFont typeface="Wingdings" charset="2"/>
+              <a:buChar char=""/>
+            </a:pPr>
+            <a:r>
+              <a:rPr b="0" lang="en-US" sz="2800" spc="-1" strike="noStrike">
+                <a:solidFill>
+                  <a:srgbClr val="000000"/>
+                </a:solidFill>
+                <a:latin typeface="Calibri"/>
+              </a:rPr>
+              <a:t>Fork &amp; Pull Request:</a:t>
+            </a:r>
+            <a:endParaRPr b="0" lang="en-US" sz="2800" spc="-1" strike="noStrike">
+              <a:solidFill>
+                <a:srgbClr val="000000"/>
+              </a:solidFill>
+              <a:latin typeface="Calibri"/>
+            </a:endParaRPr>
+          </a:p>
+          <a:p>
+            <a:pPr lvl="1" marL="864000" indent="-324000">
+              <a:spcBef>
+                <a:spcPts val="1134"/>
+              </a:spcBef>
+              <a:buClr>
+                <a:srgbClr val="000000"/>
+              </a:buClr>
+              <a:buSzPct val="75000"/>
+              <a:buFont typeface="Symbol" charset="2"/>
+              <a:buChar char=""/>
+            </a:pPr>
+            <a:r>
+              <a:rPr b="0" lang="en-US" sz="2000" spc="-1" strike="noStrike">
+                <a:solidFill>
+                  <a:srgbClr val="000000"/>
+                </a:solidFill>
+                <a:latin typeface="Calibri"/>
+              </a:rPr>
+              <a:t>Make a copy of a repository</a:t>
+            </a:r>
+            <a:endParaRPr b="0" lang="en-US" sz="2000" spc="-1" strike="noStrike">
+              <a:solidFill>
+                <a:srgbClr val="000000"/>
+              </a:solidFill>
+              <a:latin typeface="Calibri"/>
+            </a:endParaRPr>
+          </a:p>
+          <a:p>
+            <a:pPr lvl="1" marL="864000" indent="-324000">
+              <a:spcBef>
+                <a:spcPts val="1134"/>
+              </a:spcBef>
+              <a:buClr>
+                <a:srgbClr val="000000"/>
+              </a:buClr>
+              <a:buSzPct val="75000"/>
+              <a:buFont typeface="Symbol" charset="2"/>
+              <a:buChar char=""/>
+            </a:pPr>
+            <a:r>
+              <a:rPr b="0" lang="en-US" sz="2000" spc="-1" strike="noStrike">
+                <a:solidFill>
+                  <a:srgbClr val="000000"/>
+                </a:solidFill>
+                <a:latin typeface="Calibri"/>
+              </a:rPr>
+              <a:t>Make a change</a:t>
+            </a:r>
+            <a:endParaRPr b="0" lang="en-US" sz="2000" spc="-1" strike="noStrike">
+              <a:solidFill>
+                <a:srgbClr val="000000"/>
+              </a:solidFill>
+              <a:latin typeface="Calibri"/>
+            </a:endParaRPr>
+          </a:p>
+          <a:p>
+            <a:pPr lvl="1" marL="864000" indent="-324000">
+              <a:spcBef>
+                <a:spcPts val="1134"/>
+              </a:spcBef>
+              <a:buClr>
+                <a:srgbClr val="000000"/>
+              </a:buClr>
+              <a:buSzPct val="75000"/>
+              <a:buFont typeface="Symbol" charset="2"/>
+              <a:buChar char=""/>
+            </a:pPr>
+            <a:r>
+              <a:rPr b="0" lang="en-US" sz="2000" spc="-1" strike="noStrike">
+                <a:solidFill>
+                  <a:srgbClr val="000000"/>
+                </a:solidFill>
+                <a:latin typeface="Calibri"/>
+              </a:rPr>
+              <a:t>Ask the original repository’s owner to “pull” your proposed change into his project</a:t>
+            </a:r>
+            <a:endParaRPr b="0" lang="en-US" sz="2000" spc="-1" strike="noStrike">
+              <a:solidFill>
+                <a:srgbClr val="000000"/>
+              </a:solidFill>
+              <a:latin typeface="Calibri"/>
+            </a:endParaRPr>
+          </a:p>
+        </p:txBody>
+      </p:sp>
+      <p:sp>
+        <p:nvSpPr>
+          <p:cNvPr id="482" name="TextShape 3"/>
+          <p:cNvSpPr txBox="1"/>
+          <p:nvPr/>
+        </p:nvSpPr>
+        <p:spPr>
+          <a:xfrm>
+            <a:off x="838080" y="6356520"/>
+            <a:ext cx="2742840" cy="364680"/>
+          </a:xfrm>
+          <a:prstGeom prst="rect">
+            <a:avLst/>
+          </a:prstGeom>
+          <a:noFill/>
+          <a:ln>
+            <a:noFill/>
+          </a:ln>
+        </p:spPr>
+        <p:txBody>
+          <a:bodyPr anchor="ctr"/>
+          <a:p>
+            <a:pPr>
+              <a:lnSpc>
+                <a:spcPct val="100000"/>
+              </a:lnSpc>
+            </a:pPr>
+            <a:fld id="{0EA625C6-1CB7-483E-8A6B-C1D45974E5B6}" type="datetime">
+              <a:rPr b="0" lang="en-US" sz="1200" spc="-1" strike="noStrike">
+                <a:solidFill>
+                  <a:srgbClr val="8b8b8b"/>
+                </a:solidFill>
+                <a:latin typeface="Calibri"/>
+              </a:rPr>
+              <a:t>6/16/19</a:t>
+            </a:fld>
+            <a:endParaRPr b="0" lang="en-US" sz="1200" spc="-1" strike="noStrike">
+              <a:latin typeface="Times New Roman"/>
+            </a:endParaRPr>
+          </a:p>
+        </p:txBody>
+      </p:sp>
+      <p:sp>
+        <p:nvSpPr>
+          <p:cNvPr id="483" name="TextShape 4"/>
+          <p:cNvSpPr txBox="1"/>
+          <p:nvPr/>
+        </p:nvSpPr>
+        <p:spPr>
+          <a:xfrm>
+            <a:off x="3581280" y="6356520"/>
+            <a:ext cx="5028840" cy="364680"/>
+          </a:xfrm>
+          <a:prstGeom prst="rect">
+            <a:avLst/>
+          </a:prstGeom>
+          <a:noFill/>
+          <a:ln>
+            <a:noFill/>
+          </a:ln>
+        </p:spPr>
+        <p:txBody>
+          <a:bodyPr anchor="ctr"/>
+          <a:p>
+            <a:pPr algn="ctr">
+              <a:lnSpc>
+                <a:spcPct val="100000"/>
+              </a:lnSpc>
+            </a:pPr>
+            <a:r>
+              <a:rPr b="0" lang="en-US" sz="1200" spc="-1" strike="noStrike">
+                <a:solidFill>
+                  <a:srgbClr val="8b8b8b"/>
+                </a:solidFill>
+                <a:latin typeface="Calibri"/>
+              </a:rPr>
+              <a:t>Digital Scholarship Services </a:t>
+            </a:r>
+            <a:r>
+              <a:rPr b="0" lang="en-US" sz="1200" spc="-1" strike="noStrike">
+                <a:solidFill>
+                  <a:srgbClr val="1f4e79"/>
+                </a:solidFill>
+                <a:latin typeface="Calibri"/>
+              </a:rPr>
+              <a:t>| Email</a:t>
+            </a:r>
+            <a:r>
+              <a:rPr b="0" lang="en-US" sz="1200" spc="-1" strike="noStrike">
+                <a:solidFill>
+                  <a:srgbClr val="8b8b8b"/>
+                </a:solidFill>
+                <a:latin typeface="Calibri"/>
+              </a:rPr>
+              <a:t> cf24@rice.edu </a:t>
+            </a:r>
+            <a:r>
+              <a:rPr b="0" lang="en-US" sz="1200" spc="-1" strike="noStrike">
+                <a:solidFill>
+                  <a:srgbClr val="1f4e79"/>
+                </a:solidFill>
+                <a:latin typeface="Calibri"/>
+              </a:rPr>
+              <a:t>|</a:t>
+            </a:r>
+            <a:r>
+              <a:rPr b="0" lang="en-US" sz="1200" spc="-1" strike="noStrike">
+                <a:solidFill>
+                  <a:srgbClr val="8b8b8b"/>
+                </a:solidFill>
+                <a:latin typeface="Calibri"/>
+              </a:rPr>
+              <a:t> library.rice.edu/dss</a:t>
+            </a:r>
+            <a:endParaRPr b="0" lang="en-US" sz="1200" spc="-1" strike="noStrike">
+              <a:latin typeface="Times New Roman"/>
+            </a:endParaRPr>
+          </a:p>
+        </p:txBody>
+      </p:sp>
+      <p:sp>
+        <p:nvSpPr>
+          <p:cNvPr id="484" name="TextShape 5"/>
+          <p:cNvSpPr txBox="1"/>
+          <p:nvPr/>
+        </p:nvSpPr>
+        <p:spPr>
+          <a:xfrm>
+            <a:off x="8610480" y="6356520"/>
+            <a:ext cx="2742840" cy="364680"/>
+          </a:xfrm>
+          <a:prstGeom prst="rect">
+            <a:avLst/>
+          </a:prstGeom>
+          <a:noFill/>
+          <a:ln>
+            <a:noFill/>
+          </a:ln>
+        </p:spPr>
+        <p:txBody>
+          <a:bodyPr anchor="ctr"/>
+          <a:p>
+            <a:pPr algn="r">
+              <a:lnSpc>
+                <a:spcPct val="100000"/>
+              </a:lnSpc>
+            </a:pPr>
+            <a:fld id="{6C8715AC-A2CE-4D9A-AFBC-9E1B46176A42}" type="slidenum">
+              <a:rPr b="0" lang="en-US" sz="1200" spc="-1" strike="noStrike">
+                <a:solidFill>
+                  <a:srgbClr val="8b8b8b"/>
+                </a:solidFill>
+                <a:latin typeface="Calibri"/>
+              </a:rPr>
+              <a:t>&lt;number&gt;</a:t>
+            </a:fld>
+            <a:endParaRPr b="0" lang="en-US" sz="1200" spc="-1" strike="noStrike">
+              <a:latin typeface="Times New Roman"/>
+            </a:endParaRPr>
+          </a:p>
+        </p:txBody>
+      </p:sp>
+    </p:spTree>
+  </p:cSld>
+  <p:timing>
+    <p:tnLst>
+      <p:par>
+        <p:cTn id="113" dur="indefinite" restart="never" nodeType="tmRoot">
+          <p:childTnLst>
+            <p:seq>
+              <p:cTn id="114" dur="indefinite" nodeType="mainSeq"/>
               <p:prevCondLst>
                 <p:cond delay="0" evt="onPrev">
                   <p:tgtEl>
@@ -27046,7 +27436,7 @@
                 <a:spcPct val="100000"/>
               </a:lnSpc>
             </a:pPr>
-            <a:fld id="{1944555D-FADC-448D-BDDC-21F8DD69A853}" type="datetime">
+            <a:fld id="{452AFA5F-89EA-4AF2-A9DB-583CC7B48E68}" type="datetime">
               <a:rPr b="0" lang="en-US" sz="1200" spc="-1" strike="noStrike">
                 <a:solidFill>
                   <a:srgbClr val="8b8b8b"/>
@@ -27088,7 +27478,7 @@
                 <a:spcPct val="100000"/>
               </a:lnSpc>
             </a:pPr>
-            <a:fld id="{BC8F5B23-1412-4759-B236-822BE9CD3FB0}" type="slidenum">
+            <a:fld id="{5AECC039-F092-4EA9-B10E-E0C46C809649}" type="slidenum">
               <a:rPr b="0" lang="en-US" sz="1200" spc="-1" strike="noStrike">
                 <a:solidFill>
                   <a:srgbClr val="8b8b8b"/>
@@ -27264,7 +27654,16 @@
                 </a:solidFill>
                 <a:latin typeface="Calibri"/>
               </a:rPr>
-              <a:t>GETTING OUR BEARINGS</a:t>
+              <a:t>GETTING OUR </a:t>
+            </a:r>
+            <a:r>
+              <a:rPr b="0" lang="en-US" sz="4400" spc="-1" strike="noStrike">
+                <a:solidFill>
+                  <a:srgbClr val="000000"/>
+                </a:solidFill>
+                <a:latin typeface="Calibri"/>
+              </a:rPr>
+              <a:t>BEARINGS</a:t>
             </a:r>
             <a:endParaRPr b="0" lang="en-US" sz="4400" spc="-1" strike="noStrike">
               <a:solidFill>
@@ -27371,7 +27770,7 @@
                 <a:spcPct val="100000"/>
               </a:lnSpc>
             </a:pPr>
-            <a:fld id="{B6E7FDD0-8A45-4441-9950-62CC0034EEBA}" type="datetime">
+            <a:fld id="{95A4B07E-C51E-4EBD-8727-B6403FEA9445}" type="datetime">
               <a:rPr b="0" lang="en-US" sz="1200" spc="-1" strike="noStrike">
                 <a:solidFill>
                   <a:srgbClr val="8b8b8b"/>
@@ -27413,7 +27812,7 @@
                 <a:spcPct val="100000"/>
               </a:lnSpc>
             </a:pPr>
-            <a:fld id="{107B0E2E-1C9B-4A55-BE80-E4516F0EA693}" type="slidenum">
+            <a:fld id="{82FB3587-858D-48B7-9E67-1FF24AEFE80E}" type="slidenum">
               <a:rPr b="0" lang="en-US" sz="1200" spc="-1" strike="noStrike">
                 <a:solidFill>
                   <a:srgbClr val="8b8b8b"/>
@@ -27675,7 +28074,7 @@
                 <a:spcPct val="100000"/>
               </a:lnSpc>
             </a:pPr>
-            <a:fld id="{69675A4F-9580-4495-BE2D-1A54FAECD0F1}" type="datetime">
+            <a:fld id="{705BD415-3188-405D-B7CB-2FA600251316}" type="datetime">
               <a:rPr b="0" lang="en-US" sz="1200" spc="-1" strike="noStrike">
                 <a:solidFill>
                   <a:srgbClr val="8b8b8b"/>
@@ -27717,7 +28116,7 @@
                 <a:spcPct val="100000"/>
               </a:lnSpc>
             </a:pPr>
-            <a:fld id="{FB730FB3-944F-48B9-8E9A-E2BF4F8B7E99}" type="slidenum">
+            <a:fld id="{1CBF787D-E5B4-4829-9A14-3CB8F829F785}" type="slidenum">
               <a:rPr b="0" lang="en-US" sz="1200" spc="-1" strike="noStrike">
                 <a:solidFill>
                   <a:srgbClr val="8b8b8b"/>
@@ -28062,7 +28461,7 @@
                 <a:spcPct val="100000"/>
               </a:lnSpc>
             </a:pPr>
-            <a:fld id="{1C6C88E2-D92C-4EED-9F6C-E0725A2A8A62}" type="datetime">
+            <a:fld id="{244CF823-10BB-4502-95BB-76AA264E9B17}" type="datetime">
               <a:rPr b="0" lang="en-US" sz="1200" spc="-1" strike="noStrike">
                 <a:solidFill>
                   <a:srgbClr val="8b8b8b"/>
@@ -28104,7 +28503,7 @@
                 <a:spcPct val="100000"/>
               </a:lnSpc>
             </a:pPr>
-            <a:fld id="{2F7C0DEC-D24C-4D1C-895A-AC1F9AEC3392}" type="slidenum">
+            <a:fld id="{443881BB-3FB4-4316-917C-869D3D372531}" type="slidenum">
               <a:rPr b="0" lang="en-US" sz="1200" spc="-1" strike="noStrike">
                 <a:solidFill>
                   <a:srgbClr val="8b8b8b"/>

--- a/github/Introduction to Git & GitHub.pptx
+++ b/github/Introduction to Git & GitHub.pptx
@@ -4400,43 +4400,7 @@
                 </a:solidFill>
                 <a:latin typeface="Calibri Light"/>
               </a:rPr>
-              <a:t>Click </a:t>
-            </a:r>
-            <a:r>
-              <a:rPr b="0" lang="en-US" sz="6000" spc="-1" strike="noStrike">
-                <a:solidFill>
-                  <a:srgbClr val="000000"/>
-                </a:solidFill>
-                <a:latin typeface="Calibri Light"/>
-              </a:rPr>
-              <a:t>to edit </a:t>
-            </a:r>
-            <a:r>
-              <a:rPr b="0" lang="en-US" sz="6000" spc="-1" strike="noStrike">
-                <a:solidFill>
-                  <a:srgbClr val="000000"/>
-                </a:solidFill>
-                <a:latin typeface="Calibri Light"/>
-              </a:rPr>
-              <a:t>Maste</a:t>
-            </a:r>
-            <a:r>
-              <a:rPr b="0" lang="en-US" sz="6000" spc="-1" strike="noStrike">
-                <a:solidFill>
-                  <a:srgbClr val="000000"/>
-                </a:solidFill>
-                <a:latin typeface="Calibri Light"/>
-              </a:rPr>
-              <a:t>r title </a:t>
-            </a:r>
-            <a:r>
-              <a:rPr b="0" lang="en-US" sz="6000" spc="-1" strike="noStrike">
-                <a:solidFill>
-                  <a:srgbClr val="000000"/>
-                </a:solidFill>
-                <a:latin typeface="Calibri Light"/>
-              </a:rPr>
-              <a:t>style</a:t>
+              <a:t>Click to edit Master title style</a:t>
             </a:r>
             <a:endParaRPr b="0" lang="en-US" sz="6000" spc="-1" strike="noStrike">
               <a:solidFill>
@@ -4474,7 +4438,7 @@
                 <a:spcPct val="100000"/>
               </a:lnSpc>
             </a:pPr>
-            <a:fld id="{FC231D9D-660C-48ED-B783-EC4C08C7BE81}" type="datetime">
+            <a:fld id="{721688EE-3E9F-4B15-9D60-41027D8DCEA3}" type="datetime">
               <a:rPr b="0" lang="en-US" sz="1200" spc="-1" strike="noStrike">
                 <a:solidFill>
                   <a:srgbClr val="8b8b8b"/>
@@ -4558,7 +4522,7 @@
                 <a:spcPct val="100000"/>
               </a:lnSpc>
             </a:pPr>
-            <a:fld id="{F6DBE9B9-1DBF-4A1B-A209-487793038DA8}" type="slidenum">
+            <a:fld id="{DEEBB6E8-AB2A-4A94-9682-EB68ECAE795E}" type="slidenum">
               <a:rPr b="0" lang="en-US" sz="1200" spc="-1" strike="noStrike">
                 <a:solidFill>
                   <a:srgbClr val="8b8b8b"/>
@@ -4615,7 +4579,16 @@
                 </a:solidFill>
                 <a:latin typeface="Calibri"/>
               </a:rPr>
-              <a:t>Click to edit the outline text format</a:t>
+              <a:t>Click to edit the outline </a:t>
+            </a:r>
+            <a:r>
+              <a:rPr b="0" lang="en-US" sz="2800" spc="-1" strike="noStrike">
+                <a:solidFill>
+                  <a:srgbClr val="000000"/>
+                </a:solidFill>
+                <a:latin typeface="Calibri"/>
+              </a:rPr>
+              <a:t>text format</a:t>
             </a:r>
             <a:endParaRPr b="0" lang="en-US" sz="2800" spc="-1" strike="noStrike">
               <a:solidFill>
@@ -4783,7 +4756,16 @@
                 </a:solidFill>
                 <a:latin typeface="Calibri"/>
               </a:rPr>
-              <a:t>Seventh Outline Level</a:t>
+              <a:t>Seventh </a:t>
+            </a:r>
+            <a:r>
+              <a:rPr b="0" lang="en-US" sz="2000" spc="-1" strike="noStrike">
+                <a:solidFill>
+                  <a:srgbClr val="000000"/>
+                </a:solidFill>
+                <a:latin typeface="Calibri"/>
+              </a:rPr>
+              <a:t>Outline Level</a:t>
             </a:r>
             <a:endParaRPr b="0" lang="en-US" sz="2000" spc="-1" strike="noStrike">
               <a:solidFill>
@@ -5083,7 +5065,7 @@
                 <a:spcPct val="100000"/>
               </a:lnSpc>
             </a:pPr>
-            <a:fld id="{60B9C392-20B7-498E-B494-19CFD83320AF}" type="datetime">
+            <a:fld id="{E06D194F-2CF7-496A-97F7-A0FA613B6B48}" type="datetime">
               <a:rPr b="0" lang="en-US" sz="1200" spc="-1" strike="noStrike">
                 <a:solidFill>
                   <a:srgbClr val="8b8b8b"/>
@@ -5203,7 +5185,7 @@
                 <a:spcPct val="100000"/>
               </a:lnSpc>
             </a:pPr>
-            <a:fld id="{25996CC5-58CC-4715-8DBD-C46CA87192DA}" type="slidenum">
+            <a:fld id="{7594AC75-658B-47F6-B78B-A3AA81E0669F}" type="slidenum">
               <a:rPr b="0" lang="en-US" sz="1200" spc="-1" strike="noStrike">
                 <a:solidFill>
                   <a:srgbClr val="8b8b8b"/>
@@ -5319,16 +5301,7 @@
                 </a:solidFill>
                 <a:latin typeface="Calibri Light"/>
               </a:rPr>
-              <a:t>Click to edit Master title </a:t>
-            </a:r>
-            <a:r>
-              <a:rPr b="0" lang="en-US" sz="6000" spc="-1" strike="noStrike">
-                <a:solidFill>
-                  <a:srgbClr val="000000"/>
-                </a:solidFill>
-                <a:latin typeface="Calibri Light"/>
-              </a:rPr>
-              <a:t>style</a:t>
+              <a:t>Click to edit Master title style</a:t>
             </a:r>
             <a:endParaRPr b="0" lang="en-US" sz="6000" spc="-1" strike="noStrike">
               <a:solidFill>
@@ -5414,7 +5387,7 @@
                 <a:spcPct val="100000"/>
               </a:lnSpc>
             </a:pPr>
-            <a:fld id="{3A14AF33-327A-477C-B82A-D40A2288BA0E}" type="datetime">
+            <a:fld id="{CC85A760-FC57-488B-8A5A-294FA0146255}" type="datetime">
               <a:rPr b="0" lang="en-US" sz="1200" spc="-1" strike="noStrike">
                 <a:solidFill>
                   <a:srgbClr val="8b8b8b"/>
@@ -5534,7 +5507,7 @@
                 <a:spcPct val="100000"/>
               </a:lnSpc>
             </a:pPr>
-            <a:fld id="{DDEF5B84-A240-41C6-8C8A-48CC1B2F8BCC}" type="slidenum">
+            <a:fld id="{462F2B6F-1260-43A6-8431-CC05F3A02977}" type="slidenum">
               <a:rPr b="0" lang="en-US" sz="1200" spc="-1" strike="noStrike">
                 <a:solidFill>
                   <a:srgbClr val="8b8b8b"/>
@@ -5963,7 +5936,16 @@
                 </a:solidFill>
                 <a:latin typeface="Calibri"/>
               </a:rPr>
-              <a:t>SNAPSHOTS</a:t>
+              <a:t>SNAPSH</a:t>
+            </a:r>
+            <a:r>
+              <a:rPr b="0" lang="en-US" sz="4400" spc="-1" strike="noStrike">
+                <a:solidFill>
+                  <a:srgbClr val="000000"/>
+                </a:solidFill>
+                <a:latin typeface="Calibri"/>
+              </a:rPr>
+              <a:t>OTS</a:t>
             </a:r>
             <a:endParaRPr b="0" lang="en-US" sz="4400" spc="-1" strike="noStrike">
               <a:solidFill>
@@ -6072,7 +6054,7 @@
                 <a:spcPct val="100000"/>
               </a:lnSpc>
             </a:pPr>
-            <a:fld id="{A4D967EC-F8CC-4F0D-973D-523DAD04055D}" type="datetime">
+            <a:fld id="{6A98919A-F820-4DC5-A6FF-FBCD2B8B331E}" type="datetime">
               <a:rPr b="0" lang="en-US" sz="1200" spc="-1" strike="noStrike">
                 <a:solidFill>
                   <a:srgbClr val="8b8b8b"/>
@@ -6114,7 +6096,7 @@
                 <a:spcPct val="100000"/>
               </a:lnSpc>
             </a:pPr>
-            <a:fld id="{79A79166-7B6A-4A75-8F9D-487E24F9C2D0}" type="slidenum">
+            <a:fld id="{52D7011F-72ED-4999-856E-4D298D6BBFE7}" type="slidenum">
               <a:rPr b="0" lang="en-US" sz="1200" spc="-1" strike="noStrike">
                 <a:solidFill>
                   <a:srgbClr val="8b8b8b"/>
@@ -6441,7 +6423,7 @@
                 <a:spcPct val="100000"/>
               </a:lnSpc>
             </a:pPr>
-            <a:fld id="{FBBAF69F-835D-40B5-931D-44974E481392}" type="datetime">
+            <a:fld id="{586B693C-959D-4E92-9437-E8C50C40FEA0}" type="datetime">
               <a:rPr b="0" lang="en-US" sz="1200" spc="-1" strike="noStrike">
                 <a:solidFill>
                   <a:srgbClr val="8b8b8b"/>
@@ -6483,7 +6465,7 @@
                 <a:spcPct val="100000"/>
               </a:lnSpc>
             </a:pPr>
-            <a:fld id="{8F1FDC44-5B41-487B-912D-092BAEEA2132}" type="slidenum">
+            <a:fld id="{5FF27C93-5F47-4C67-811A-51E751C64C76}" type="slidenum">
               <a:rPr b="0" lang="en-US" sz="1200" spc="-1" strike="noStrike">
                 <a:solidFill>
                   <a:srgbClr val="8b8b8b"/>
@@ -6824,7 +6806,7 @@
                 <a:spcPct val="100000"/>
               </a:lnSpc>
             </a:pPr>
-            <a:fld id="{5BFE1773-47F7-4CFB-98A4-543130A0B05B}" type="datetime">
+            <a:fld id="{958CAFE1-6921-4BD7-8CE3-57FC605E9286}" type="datetime">
               <a:rPr b="0" lang="en-US" sz="1200" spc="-1" strike="noStrike">
                 <a:solidFill>
                   <a:srgbClr val="8b8b8b"/>
@@ -6866,7 +6848,7 @@
                 <a:spcPct val="100000"/>
               </a:lnSpc>
             </a:pPr>
-            <a:fld id="{C000A198-9250-4B89-AD03-02C1D27EDE6C}" type="slidenum">
+            <a:fld id="{C6AA4E24-843F-4CB8-B9C8-AF041E7727E3}" type="slidenum">
               <a:rPr b="0" lang="en-US" sz="1200" spc="-1" strike="noStrike">
                 <a:solidFill>
                   <a:srgbClr val="8b8b8b"/>
@@ -7065,7 +7047,34 @@
                 </a:solidFill>
                 <a:latin typeface="Calibri"/>
               </a:rPr>
-              <a:t>SPECIAL FILE: README.md</a:t>
+              <a:t>SPECIAL </a:t>
+            </a:r>
+            <a:r>
+              <a:rPr b="0" lang="en-US" sz="4400" spc="-1" strike="noStrike">
+                <a:solidFill>
+                  <a:srgbClr val="000000"/>
+                </a:solidFill>
+                <a:latin typeface="Calibri"/>
+              </a:rPr>
+              <a:t>FILE: </a:t>
+            </a:r>
+            <a:r>
+              <a:rPr b="0" lang="en-US" sz="4400" spc="-1" strike="noStrike">
+                <a:solidFill>
+                  <a:srgbClr val="000000"/>
+                </a:solidFill>
+                <a:latin typeface="Calibri"/>
+              </a:rPr>
+              <a:t>README</a:t>
+            </a:r>
+            <a:r>
+              <a:rPr b="0" lang="en-US" sz="4400" spc="-1" strike="noStrike">
+                <a:solidFill>
+                  <a:srgbClr val="000000"/>
+                </a:solidFill>
+                <a:latin typeface="Calibri"/>
+              </a:rPr>
+              <a:t>.md</a:t>
             </a:r>
             <a:endParaRPr b="0" lang="en-US" sz="4400" spc="-1" strike="noStrike">
               <a:solidFill>
@@ -7212,7 +7221,7 @@
                 <a:spcPct val="100000"/>
               </a:lnSpc>
             </a:pPr>
-            <a:fld id="{1BC719AC-835B-493B-AC5E-1912FA1B0035}" type="datetime">
+            <a:fld id="{4C2D2F2D-578B-487D-A5BD-E854D6FDA6F3}" type="datetime">
               <a:rPr b="0" lang="en-US" sz="1200" spc="-1" strike="noStrike">
                 <a:solidFill>
                   <a:srgbClr val="8b8b8b"/>
@@ -7254,7 +7263,7 @@
                 <a:spcPct val="100000"/>
               </a:lnSpc>
             </a:pPr>
-            <a:fld id="{D29D7F09-802B-4B67-B55E-360EBD87C305}" type="slidenum">
+            <a:fld id="{7BFB74AC-7CDD-45AE-AC5D-4F99A32861DA}" type="slidenum">
               <a:rPr b="0" lang="en-US" sz="1200" spc="-1" strike="noStrike">
                 <a:solidFill>
                   <a:srgbClr val="8b8b8b"/>
@@ -7605,7 +7614,7 @@
                 <a:spcPct val="100000"/>
               </a:lnSpc>
             </a:pPr>
-            <a:fld id="{BC1487BC-BA02-4990-BD94-D51D7D9DFDFF}" type="datetime">
+            <a:fld id="{CF02FF33-02EF-42C8-BC34-28F64CCD3070}" type="datetime">
               <a:rPr b="0" lang="en-US" sz="1200" spc="-1" strike="noStrike">
                 <a:solidFill>
                   <a:srgbClr val="8b8b8b"/>
@@ -7647,7 +7656,7 @@
                 <a:spcPct val="100000"/>
               </a:lnSpc>
             </a:pPr>
-            <a:fld id="{19982D3A-9974-4911-9AAD-F0ED9295A284}" type="slidenum">
+            <a:fld id="{C7F2E55C-E29B-4083-AC21-8BC540AD0F8C}" type="slidenum">
               <a:rPr b="0" lang="en-US" sz="1200" spc="-1" strike="noStrike">
                 <a:solidFill>
                   <a:srgbClr val="8b8b8b"/>
@@ -8087,7 +8096,7 @@
                 <a:spcPct val="100000"/>
               </a:lnSpc>
             </a:pPr>
-            <a:fld id="{7C36783C-C998-4960-BBF2-D33052601CAB}" type="datetime">
+            <a:fld id="{F2D9D720-A1A6-4591-8511-359F04254752}" type="datetime">
               <a:rPr b="0" lang="en-US" sz="1200" spc="-1" strike="noStrike">
                 <a:solidFill>
                   <a:srgbClr val="8b8b8b"/>
@@ -8129,7 +8138,7 @@
                 <a:spcPct val="100000"/>
               </a:lnSpc>
             </a:pPr>
-            <a:fld id="{298F1905-B069-4CAB-B9BD-254E93014C6E}" type="slidenum">
+            <a:fld id="{8D2FD4D8-D057-45F8-AF7D-CF997C6A58B5}" type="slidenum">
               <a:rPr b="0" lang="en-US" sz="1200" spc="-1" strike="noStrike">
                 <a:solidFill>
                   <a:srgbClr val="8b8b8b"/>
@@ -8343,7 +8352,7 @@
                 <a:spcPct val="100000"/>
               </a:lnSpc>
             </a:pPr>
-            <a:fld id="{D4A91AB4-1569-412C-A700-7BAB11761D90}" type="datetime">
+            <a:fld id="{67A4D3EC-887F-4400-A69C-5CD90DBA0F09}" type="datetime">
               <a:rPr b="0" lang="en-US" sz="1200" spc="-1" strike="noStrike">
                 <a:solidFill>
                   <a:srgbClr val="8b8b8b"/>
@@ -8385,7 +8394,7 @@
                 <a:spcPct val="100000"/>
               </a:lnSpc>
             </a:pPr>
-            <a:fld id="{E4E85CEF-D1CF-4FDC-8C82-F4CF5D0AB41D}" type="slidenum">
+            <a:fld id="{0BD641F3-2A34-4173-8C5B-9B75F12E39CD}" type="slidenum">
               <a:rPr b="0" lang="en-US" sz="1200" spc="-1" strike="noStrike">
                 <a:solidFill>
                   <a:srgbClr val="8b8b8b"/>
@@ -8680,7 +8689,7 @@
                 <a:spcPct val="100000"/>
               </a:lnSpc>
             </a:pPr>
-            <a:fld id="{D23195E8-6515-4FB1-8137-C9EC586C2FB0}" type="datetime">
+            <a:fld id="{0BFB4AD2-067C-4D77-839F-F4DC454B51FC}" type="datetime">
               <a:rPr b="0" lang="en-US" sz="1200" spc="-1" strike="noStrike">
                 <a:solidFill>
                   <a:srgbClr val="8b8b8b"/>
@@ -8722,7 +8731,7 @@
                 <a:spcPct val="100000"/>
               </a:lnSpc>
             </a:pPr>
-            <a:fld id="{6C80B771-0112-4144-91D7-70E335E340FF}" type="slidenum">
+            <a:fld id="{0C429CF7-C67B-4F3F-BDFA-901F0ACC8A57}" type="slidenum">
               <a:rPr b="0" lang="en-US" sz="1200" spc="-1" strike="noStrike">
                 <a:solidFill>
                   <a:srgbClr val="8b8b8b"/>
@@ -9079,7 +9088,7 @@
                 <a:spcPct val="100000"/>
               </a:lnSpc>
             </a:pPr>
-            <a:fld id="{AC86D52F-7AF6-4B7A-8839-3108A8EFB24B}" type="datetime">
+            <a:fld id="{68E96FE7-4C0B-44F8-BE6D-73EAA26A9ACB}" type="datetime">
               <a:rPr b="0" lang="en-US" sz="1200" spc="-1" strike="noStrike">
                 <a:solidFill>
                   <a:srgbClr val="8b8b8b"/>
@@ -9199,7 +9208,7 @@
                 <a:spcPct val="100000"/>
               </a:lnSpc>
             </a:pPr>
-            <a:fld id="{6C6DDBAF-2BA8-42AB-8EE5-C941A870FC6A}" type="slidenum">
+            <a:fld id="{0033FE02-EF3F-4F25-A805-D47294604594}" type="slidenum">
               <a:rPr b="0" lang="en-US" sz="1200" spc="-1" strike="noStrike">
                 <a:solidFill>
                   <a:srgbClr val="8b8b8b"/>
@@ -9501,7 +9510,7 @@
                 <a:spcPct val="100000"/>
               </a:lnSpc>
             </a:pPr>
-            <a:fld id="{D6BF467B-2560-4E1E-8696-D5A9FAAE9C2C}" type="datetime">
+            <a:fld id="{5237E5E5-FF09-4439-9DBB-1F1CECC89A0E}" type="datetime">
               <a:rPr b="0" lang="en-US" sz="1200" spc="-1" strike="noStrike">
                 <a:solidFill>
                   <a:srgbClr val="8b8b8b"/>
@@ -9621,7 +9630,7 @@
                 <a:spcPct val="100000"/>
               </a:lnSpc>
             </a:pPr>
-            <a:fld id="{EA6F8492-4987-4BD1-B399-3ADBF74FAD31}" type="slidenum">
+            <a:fld id="{B206F370-4370-49F0-BF5A-8DD7B8E106A8}" type="slidenum">
               <a:rPr b="0" lang="en-US" sz="1200" spc="-1" strike="noStrike">
                 <a:solidFill>
                   <a:srgbClr val="8b8b8b"/>
@@ -10044,7 +10053,7 @@
                 <a:spcPct val="100000"/>
               </a:lnSpc>
             </a:pPr>
-            <a:fld id="{AA33E8E6-263F-42ED-83E0-34E817ABC68F}" type="datetime">
+            <a:fld id="{DEE4978C-CD36-446F-A5EB-221049B0DE9E}" type="datetime">
               <a:rPr b="0" lang="en-US" sz="1200" spc="-1" strike="noStrike">
                 <a:solidFill>
                   <a:srgbClr val="8b8b8b"/>
@@ -10086,7 +10095,7 @@
                 <a:spcPct val="100000"/>
               </a:lnSpc>
             </a:pPr>
-            <a:fld id="{2F00A695-8129-42D8-A940-60F0CF8AAB4E}" type="slidenum">
+            <a:fld id="{FECCB7F9-F45E-4112-8651-AC235C98B0DA}" type="slidenum">
               <a:rPr b="0" lang="en-US" sz="1200" spc="-1" strike="noStrike">
                 <a:solidFill>
                   <a:srgbClr val="8b8b8b"/>
@@ -10338,7 +10347,25 @@
                 </a:solidFill>
                 <a:latin typeface="Calibri"/>
               </a:rPr>
-              <a:t>Downloads entire history of a repository hosted on GitHub</a:t>
+              <a:t>Downloads entire history </a:t>
+            </a:r>
+            <a:r>
+              <a:rPr b="0" lang="en-US" sz="2800" spc="-1" strike="noStrike">
+                <a:solidFill>
+                  <a:srgbClr val="000000"/>
+                </a:solidFill>
+                <a:latin typeface="Calibri"/>
+              </a:rPr>
+              <a:t>of a repository hosted on </a:t>
+            </a:r>
+            <a:r>
+              <a:rPr b="0" lang="en-US" sz="2800" spc="-1" strike="noStrike">
+                <a:solidFill>
+                  <a:srgbClr val="000000"/>
+                </a:solidFill>
+                <a:latin typeface="Calibri"/>
+              </a:rPr>
+              <a:t>GitHub</a:t>
             </a:r>
             <a:endParaRPr b="0" lang="en-US" sz="2800" spc="-1" strike="noStrike">
               <a:solidFill>
@@ -10438,7 +10465,7 @@
                 <a:spcPct val="100000"/>
               </a:lnSpc>
             </a:pPr>
-            <a:fld id="{AB0BEAC3-6899-4A32-A0A4-511229CDA5C1}" type="datetime">
+            <a:fld id="{809F28B0-8797-4E02-9C90-90155C12E6B7}" type="datetime">
               <a:rPr b="0" lang="en-US" sz="1200" spc="-1" strike="noStrike">
                 <a:solidFill>
                   <a:srgbClr val="8b8b8b"/>
@@ -10558,7 +10585,7 @@
                 <a:spcPct val="100000"/>
               </a:lnSpc>
             </a:pPr>
-            <a:fld id="{E968A069-5568-4AC9-AB0D-EB704A648A75}" type="slidenum">
+            <a:fld id="{7EA8D525-5420-4B5F-B017-C975332F399A}" type="slidenum">
               <a:rPr b="0" lang="en-US" sz="1200" spc="-1" strike="noStrike">
                 <a:solidFill>
                   <a:srgbClr val="8b8b8b"/>
@@ -10755,16 +10782,7 @@
                 </a:solidFill>
                 <a:latin typeface="Calibri"/>
               </a:rPr>
-              <a:t>CLONIN</a:t>
-            </a:r>
-            <a:r>
-              <a:rPr b="0" lang="en-US" sz="4400" spc="-1" strike="noStrike">
-                <a:solidFill>
-                  <a:srgbClr val="000000"/>
-                </a:solidFill>
-                <a:latin typeface="Calibri"/>
-              </a:rPr>
-              <a:t>G</a:t>
+              <a:t>CLONING</a:t>
             </a:r>
             <a:endParaRPr b="0" lang="en-US" sz="4400" spc="-1" strike="noStrike">
               <a:solidFill>
@@ -10885,7 +10903,7 @@
                 <a:spcPct val="100000"/>
               </a:lnSpc>
             </a:pPr>
-            <a:fld id="{225F4232-21E1-4BA4-87D0-399F602CBD6F}" type="datetime">
+            <a:fld id="{C3C8B0B7-5071-473F-B02C-611D0E3584D7}" type="datetime">
               <a:rPr b="0" lang="en-US" sz="1200" spc="-1" strike="noStrike">
                 <a:solidFill>
                   <a:srgbClr val="8b8b8b"/>
@@ -11005,7 +11023,7 @@
                 <a:spcPct val="100000"/>
               </a:lnSpc>
             </a:pPr>
-            <a:fld id="{75203B92-0110-4B2B-9E3B-1CE57BFCD2D0}" type="slidenum">
+            <a:fld id="{BD1500E6-EB90-4003-8F32-2DE6B3E5B050}" type="slidenum">
               <a:rPr b="0" lang="en-US" sz="1200" spc="-1" strike="noStrike">
                 <a:solidFill>
                   <a:srgbClr val="8b8b8b"/>
@@ -11126,7 +11144,16 @@
                 </a:solidFill>
                 <a:latin typeface="Calibri"/>
               </a:rPr>
-              <a:t>CLONING</a:t>
+              <a:t>CLONIN</a:t>
+            </a:r>
+            <a:r>
+              <a:rPr b="0" lang="en-US" sz="4400" spc="-1" strike="noStrike">
+                <a:solidFill>
+                  <a:srgbClr val="000000"/>
+                </a:solidFill>
+                <a:latin typeface="Calibri"/>
+              </a:rPr>
+              <a:t>G</a:t>
             </a:r>
             <a:endParaRPr b="0" lang="en-US" sz="4400" spc="-1" strike="noStrike">
               <a:solidFill>
@@ -11164,7 +11191,7 @@
                 <a:spcPct val="100000"/>
               </a:lnSpc>
             </a:pPr>
-            <a:fld id="{940703B2-6C74-47AC-8A4D-E2388B8AD0E8}" type="datetime">
+            <a:fld id="{FEBFD75A-5A77-4ACC-9F0C-CBEA10FB6BAF}" type="datetime">
               <a:rPr b="0" lang="en-US" sz="1200" spc="-1" strike="noStrike">
                 <a:solidFill>
                   <a:srgbClr val="8b8b8b"/>
@@ -11284,7 +11311,7 @@
                 <a:spcPct val="100000"/>
               </a:lnSpc>
             </a:pPr>
-            <a:fld id="{425C53DA-36D4-42B4-B8C0-EFEF39563373}" type="slidenum">
+            <a:fld id="{C58644D6-9772-4C24-9C1B-A5F93806D15F}" type="slidenum">
               <a:rPr b="0" lang="en-US" sz="1200" spc="-1" strike="noStrike">
                 <a:solidFill>
                   <a:srgbClr val="8b8b8b"/>
@@ -11476,7 +11503,16 @@
                 </a:solidFill>
                 <a:latin typeface="Calibri"/>
               </a:rPr>
-              <a:t>Clone this repository from GitHub now!</a:t>
+              <a:t>Clone this repository from </a:t>
+            </a:r>
+            <a:r>
+              <a:rPr b="0" lang="en-US" sz="2800" spc="-1" strike="noStrike">
+                <a:solidFill>
+                  <a:srgbClr val="000000"/>
+                </a:solidFill>
+                <a:latin typeface="Calibri"/>
+              </a:rPr>
+              <a:t>GitHub now!</a:t>
             </a:r>
             <a:endParaRPr b="0" lang="en-US" sz="2800" spc="-1" strike="noStrike">
               <a:solidFill>
@@ -11557,7 +11593,7 @@
                 <a:spcPct val="100000"/>
               </a:lnSpc>
             </a:pPr>
-            <a:fld id="{F55E54B7-02DB-48EF-945E-DFD296B3577E}" type="datetime">
+            <a:fld id="{A8A724DC-6E52-4E33-BF0C-D1D3B2867BDA}" type="datetime">
               <a:rPr b="0" lang="en-US" sz="1200" spc="-1" strike="noStrike">
                 <a:solidFill>
                   <a:srgbClr val="8b8b8b"/>
@@ -11677,7 +11713,7 @@
                 <a:spcPct val="100000"/>
               </a:lnSpc>
             </a:pPr>
-            <a:fld id="{F0A290D7-59C4-45A1-8566-2F2254BE2B2D}" type="slidenum">
+            <a:fld id="{7E73B52C-9B26-46BF-9BC3-C2178FD2713B}" type="slidenum">
               <a:rPr b="0" lang="en-US" sz="1200" spc="-1" strike="noStrike">
                 <a:solidFill>
                   <a:srgbClr val="8b8b8b"/>
@@ -11861,7 +11897,7 @@
                 <a:spcPct val="100000"/>
               </a:lnSpc>
             </a:pPr>
-            <a:fld id="{E7D627F2-6344-4ACA-BAB4-526253D23C79}" type="datetime">
+            <a:fld id="{B6A265B2-8EF4-401F-AC12-A0DD30BC25B0}" type="datetime">
               <a:rPr b="0" lang="en-US" sz="1200" spc="-1" strike="noStrike">
                 <a:solidFill>
                   <a:srgbClr val="8b8b8b"/>
@@ -11903,7 +11939,7 @@
                 <a:spcPct val="100000"/>
               </a:lnSpc>
             </a:pPr>
-            <a:fld id="{13C73D11-D089-4DF4-9051-67E5FA8A29C2}" type="slidenum">
+            <a:fld id="{1B7B5C42-597C-4CD4-BF39-274C0801E1FA}" type="slidenum">
               <a:rPr b="0" lang="en-US" sz="1200" spc="-1" strike="noStrike">
                 <a:solidFill>
                   <a:srgbClr val="8b8b8b"/>
@@ -12079,7 +12115,16 @@
                 </a:solidFill>
                 <a:latin typeface="Calibri"/>
               </a:rPr>
-              <a:t>REVIEW OF FILE STATES</a:t>
+              <a:t>REVIEW OF FILE </a:t>
+            </a:r>
+            <a:r>
+              <a:rPr b="0" lang="en-US" sz="4400" spc="-1" strike="noStrike">
+                <a:solidFill>
+                  <a:srgbClr val="000000"/>
+                </a:solidFill>
+                <a:latin typeface="Calibri"/>
+              </a:rPr>
+              <a:t>STATES</a:t>
             </a:r>
             <a:endParaRPr b="0" lang="en-US" sz="4400" spc="-1" strike="noStrike">
               <a:solidFill>
@@ -12117,7 +12162,7 @@
                 <a:spcPct val="100000"/>
               </a:lnSpc>
             </a:pPr>
-            <a:fld id="{8F9831C5-5D5E-4F93-8E54-6708C2A9821E}" type="datetime">
+            <a:fld id="{5A00F3C2-3398-4672-A38F-090D4E3F3D48}" type="datetime">
               <a:rPr b="0" lang="en-US" sz="1200" spc="-1" strike="noStrike">
                 <a:solidFill>
                   <a:srgbClr val="8b8b8b"/>
@@ -12237,7 +12282,7 @@
                 <a:spcPct val="100000"/>
               </a:lnSpc>
             </a:pPr>
-            <a:fld id="{472088E7-BEB7-4C44-B9FB-F3E9B56EA640}" type="slidenum">
+            <a:fld id="{E2E41A8E-CE19-4F1F-85A2-62537FEBD9D4}" type="slidenum">
               <a:rPr b="0" lang="en-US" sz="1200" spc="-1" strike="noStrike">
                 <a:solidFill>
                   <a:srgbClr val="8b8b8b"/>
@@ -12607,7 +12652,7 @@
                 <a:spcPct val="100000"/>
               </a:lnSpc>
             </a:pPr>
-            <a:fld id="{7B6AC8DA-7B9A-421B-B72B-23F5B9601AA5}" type="datetime">
+            <a:fld id="{420B99B7-6530-4665-8C71-805923717C62}" type="datetime">
               <a:rPr b="0" lang="en-US" sz="1200" spc="-1" strike="noStrike">
                 <a:solidFill>
                   <a:srgbClr val="8b8b8b"/>
@@ -12727,7 +12772,7 @@
                 <a:spcPct val="100000"/>
               </a:lnSpc>
             </a:pPr>
-            <a:fld id="{8689C2A2-DA5A-4849-A461-E06B8784FDE7}" type="slidenum">
+            <a:fld id="{1F9D0912-B4F5-4A0D-B492-05644E6EA637}" type="slidenum">
               <a:rPr b="0" lang="en-US" sz="1200" spc="-1" strike="noStrike">
                 <a:solidFill>
                   <a:srgbClr val="8b8b8b"/>
@@ -12969,7 +13014,7 @@
                 <a:spcPct val="100000"/>
               </a:lnSpc>
             </a:pPr>
-            <a:fld id="{B2689447-9B81-4ADC-A479-B9290C77352A}" type="datetime">
+            <a:fld id="{BC550E78-8855-4B9A-B843-8472F4F19B6F}" type="datetime">
               <a:rPr b="0" lang="en-US" sz="1200" spc="-1" strike="noStrike">
                 <a:solidFill>
                   <a:srgbClr val="8b8b8b"/>
@@ -13027,7 +13072,16 @@
                 </a:solidFill>
                 <a:latin typeface="Calibri"/>
               </a:rPr>
-              <a:t>| </a:t>
+              <a:t>| Email</a:t>
+            </a:r>
+            <a:r>
+              <a:rPr b="0" lang="en-US" sz="1200" spc="-1" strike="noStrike">
+                <a:solidFill>
+                  <a:srgbClr val="8b8b8b"/>
+                </a:solidFill>
+                <a:latin typeface="Calibri"/>
+              </a:rPr>
+              <a:t> cf24@rice.edu </a:t>
             </a:r>
             <a:r>
               <a:rPr b="0" lang="en-US" sz="1200" spc="-1" strike="noStrike">
@@ -13036,24 +13090,6 @@
                 </a:solidFill>
                 <a:latin typeface="Calibri"/>
               </a:rPr>
-              <a:t>Email</a:t>
-            </a:r>
-            <a:r>
-              <a:rPr b="0" lang="en-US" sz="1200" spc="-1" strike="noStrike">
-                <a:solidFill>
-                  <a:srgbClr val="8b8b8b"/>
-                </a:solidFill>
-                <a:latin typeface="Calibri"/>
-              </a:rPr>
-              <a:t> cf24@rice.edu </a:t>
-            </a:r>
-            <a:r>
-              <a:rPr b="0" lang="en-US" sz="1200" spc="-1" strike="noStrike">
-                <a:solidFill>
-                  <a:srgbClr val="1f4e79"/>
-                </a:solidFill>
-                <a:latin typeface="Calibri"/>
-              </a:rPr>
               <a:t>|</a:t>
             </a:r>
             <a:r>
@@ -13063,16 +13099,7 @@
                 </a:solidFill>
                 <a:latin typeface="Calibri"/>
               </a:rPr>
-              <a:t> </a:t>
-            </a:r>
-            <a:r>
-              <a:rPr b="0" lang="en-US" sz="1200" spc="-1" strike="noStrike">
-                <a:solidFill>
-                  <a:srgbClr val="8b8b8b"/>
-                </a:solidFill>
-                <a:latin typeface="Calibri"/>
-              </a:rPr>
-              <a:t>library.rice.edu/dss</a:t>
+              <a:t> library.rice.edu/dss</a:t>
             </a:r>
             <a:endParaRPr b="0" lang="en-US" sz="1200" spc="-1" strike="noStrike">
               <a:latin typeface="Times New Roman"/>
@@ -13107,7 +13134,7 @@
                 <a:spcPct val="100000"/>
               </a:lnSpc>
             </a:pPr>
-            <a:fld id="{CB27FD9D-C009-4293-8766-ADBEECE4A416}" type="slidenum">
+            <a:fld id="{C2FE0F66-2B3A-4C18-94DC-5096F42FD954}" type="slidenum">
               <a:rPr b="0" lang="en-US" sz="1200" spc="-1" strike="noStrike">
                 <a:solidFill>
                   <a:srgbClr val="8b8b8b"/>
@@ -13228,7 +13255,25 @@
                 </a:solidFill>
                 <a:latin typeface="Calibri"/>
               </a:rPr>
-              <a:t>EDITING A FILE LOCALLY</a:t>
+              <a:t>EDITING </a:t>
+            </a:r>
+            <a:r>
+              <a:rPr b="0" lang="en-US" sz="4400" spc="-1" strike="noStrike">
+                <a:solidFill>
+                  <a:srgbClr val="000000"/>
+                </a:solidFill>
+                <a:latin typeface="Calibri"/>
+              </a:rPr>
+              <a:t>A FILE </a:t>
+            </a:r>
+            <a:r>
+              <a:rPr b="0" lang="en-US" sz="4400" spc="-1" strike="noStrike">
+                <a:solidFill>
+                  <a:srgbClr val="000000"/>
+                </a:solidFill>
+                <a:latin typeface="Calibri"/>
+              </a:rPr>
+              <a:t>LOCALLY</a:t>
             </a:r>
             <a:endParaRPr b="0" lang="en-US" sz="4400" spc="-1" strike="noStrike">
               <a:solidFill>
@@ -13436,7 +13481,7 @@
                 <a:spcPct val="100000"/>
               </a:lnSpc>
             </a:pPr>
-            <a:fld id="{E3CA379B-69B7-4802-B763-94CCE01BEA48}" type="datetime">
+            <a:fld id="{D108370B-A39C-4F7B-810E-110A97807752}" type="datetime">
               <a:rPr b="0" lang="en-US" sz="1200" spc="-1" strike="noStrike">
                 <a:solidFill>
                   <a:srgbClr val="8b8b8b"/>
@@ -13556,7 +13601,7 @@
                 <a:spcPct val="100000"/>
               </a:lnSpc>
             </a:pPr>
-            <a:fld id="{F9AAE763-72ED-44AB-8E25-DF4F96F096AA}" type="slidenum">
+            <a:fld id="{8B8E3CC5-2838-49BD-9AAF-41C52799B6F1}" type="slidenum">
               <a:rPr b="0" lang="en-US" sz="1200" spc="-1" strike="noStrike">
                 <a:solidFill>
                   <a:srgbClr val="8b8b8b"/>
@@ -13918,7 +13963,7 @@
                 <a:spcPct val="100000"/>
               </a:lnSpc>
             </a:pPr>
-            <a:fld id="{810AC427-34AB-4F77-875C-4A3877F518CF}" type="datetime">
+            <a:fld id="{36E1BDDD-DA4C-47E9-85C9-4AA0213F3A97}" type="datetime">
               <a:rPr b="0" lang="en-US" sz="1200" spc="-1" strike="noStrike">
                 <a:solidFill>
                   <a:srgbClr val="8b8b8b"/>
@@ -14038,7 +14083,7 @@
                 <a:spcPct val="100000"/>
               </a:lnSpc>
             </a:pPr>
-            <a:fld id="{3DDEA5F8-42BC-4CB5-87EC-372A5EBFDC7F}" type="slidenum">
+            <a:fld id="{25C03F57-393E-445B-9F99-42DDED8E4430}" type="slidenum">
               <a:rPr b="0" lang="en-US" sz="1200" spc="-1" strike="noStrike">
                 <a:solidFill>
                   <a:srgbClr val="8b8b8b"/>
@@ -14183,7 +14228,16 @@
                 </a:solidFill>
                 <a:latin typeface="Calibri"/>
               </a:rPr>
-              <a:t>WHAT IS GIT NOT?</a:t>
+              <a:t>WHAT IS GIT </a:t>
+            </a:r>
+            <a:r>
+              <a:rPr b="0" lang="en-US" sz="4400" spc="-1" strike="noStrike">
+                <a:solidFill>
+                  <a:srgbClr val="000000"/>
+                </a:solidFill>
+                <a:latin typeface="Calibri"/>
+              </a:rPr>
+              <a:t>NOT?</a:t>
             </a:r>
             <a:endParaRPr b="0" lang="en-US" sz="4400" spc="-1" strike="noStrike">
               <a:solidFill>
@@ -14424,7 +14478,7 @@
                 <a:spcPct val="100000"/>
               </a:lnSpc>
             </a:pPr>
-            <a:fld id="{C1FFF51E-52F5-4833-BB03-B6E257E3762C}" type="datetime">
+            <a:fld id="{8571F2E3-4765-4321-84DD-981CA930622E}" type="datetime">
               <a:rPr b="0" lang="en-US" sz="1200" spc="-1" strike="noStrike">
                 <a:solidFill>
                   <a:srgbClr val="8b8b8b"/>
@@ -14466,7 +14520,7 @@
                 <a:spcPct val="100000"/>
               </a:lnSpc>
             </a:pPr>
-            <a:fld id="{B7EDDA73-65D1-4CC1-8FC8-11A98B0F3FEA}" type="slidenum">
+            <a:fld id="{64CF1D06-92F4-4446-BE37-2866931FA90C}" type="slidenum">
               <a:rPr b="0" lang="en-US" sz="1200" spc="-1" strike="noStrike">
                 <a:solidFill>
                   <a:srgbClr val="8b8b8b"/>
@@ -14816,7 +14870,7 @@
                 <a:spcPct val="100000"/>
               </a:lnSpc>
             </a:pPr>
-            <a:fld id="{31089FC0-75BA-4D68-88D6-68C2BB26AEC1}" type="datetime">
+            <a:fld id="{CC49998D-2229-40B0-AE01-0014901F55A5}" type="datetime">
               <a:rPr b="0" lang="en-US" sz="1200" spc="-1" strike="noStrike">
                 <a:solidFill>
                   <a:srgbClr val="8b8b8b"/>
@@ -14936,7 +14990,7 @@
                 <a:spcPct val="100000"/>
               </a:lnSpc>
             </a:pPr>
-            <a:fld id="{D10DEB97-3FEE-4130-B627-AF4125866718}" type="slidenum">
+            <a:fld id="{69178156-4CDC-4DBE-A6BE-A43787306805}" type="slidenum">
               <a:rPr b="0" lang="en-US" sz="1200" spc="-1" strike="noStrike">
                 <a:solidFill>
                   <a:srgbClr val="8b8b8b"/>
@@ -15057,16 +15111,7 @@
                 </a:solidFill>
                 <a:latin typeface="Calibri"/>
               </a:rPr>
-              <a:t>VIEWING CHANGES: </a:t>
-            </a:r>
-            <a:r>
-              <a:rPr b="0" lang="en-US" sz="4400" spc="-1" strike="noStrike">
-                <a:solidFill>
-                  <a:srgbClr val="000000"/>
-                </a:solidFill>
-                <a:latin typeface="Calibri"/>
-              </a:rPr>
-              <a:t>DOCUMENTS</a:t>
+              <a:t>VIEWING CHANGES: DOCUMENTS</a:t>
             </a:r>
             <a:endParaRPr b="0" lang="en-US" sz="4400" spc="-1" strike="noStrike">
               <a:solidFill>
@@ -15157,7 +15202,7 @@
                 <a:spcPct val="100000"/>
               </a:lnSpc>
             </a:pPr>
-            <a:fld id="{437BD4F7-23FF-4ACC-8600-2712E625D378}" type="datetime">
+            <a:fld id="{FFA509A6-6E08-4616-8828-04A53515DDEA}" type="datetime">
               <a:rPr b="0" lang="en-US" sz="1200" spc="-1" strike="noStrike">
                 <a:solidFill>
                   <a:srgbClr val="8b8b8b"/>
@@ -15215,7 +15260,16 @@
                 </a:solidFill>
                 <a:latin typeface="Calibri"/>
               </a:rPr>
-              <a:t>| Email</a:t>
+              <a:t>| </a:t>
+            </a:r>
+            <a:r>
+              <a:rPr b="0" lang="en-US" sz="1200" spc="-1" strike="noStrike">
+                <a:solidFill>
+                  <a:srgbClr val="1f4e79"/>
+                </a:solidFill>
+                <a:latin typeface="Calibri"/>
+              </a:rPr>
+              <a:t>Email</a:t>
             </a:r>
             <a:r>
               <a:rPr b="0" lang="en-US" sz="1200" spc="-1" strike="noStrike">
@@ -15242,7 +15296,16 @@
                 </a:solidFill>
                 <a:latin typeface="Calibri"/>
               </a:rPr>
-              <a:t> library.rice.edu/dss</a:t>
+              <a:t> </a:t>
+            </a:r>
+            <a:r>
+              <a:rPr b="0" lang="en-US" sz="1200" spc="-1" strike="noStrike">
+                <a:solidFill>
+                  <a:srgbClr val="8b8b8b"/>
+                </a:solidFill>
+                <a:latin typeface="Calibri"/>
+              </a:rPr>
+              <a:t>library.rice.edu/dss</a:t>
             </a:r>
             <a:endParaRPr b="0" lang="en-US" sz="1200" spc="-1" strike="noStrike">
               <a:latin typeface="Times New Roman"/>
@@ -15277,7 +15340,7 @@
                 <a:spcPct val="100000"/>
               </a:lnSpc>
             </a:pPr>
-            <a:fld id="{DBB2AA61-40FE-4AA2-A1BB-292B91E2AB78}" type="slidenum">
+            <a:fld id="{3E7B5193-4F0D-4EE8-9380-8A6FD70AC1A9}" type="slidenum">
               <a:rPr b="0" lang="en-US" sz="1200" spc="-1" strike="noStrike">
                 <a:solidFill>
                   <a:srgbClr val="8b8b8b"/>
@@ -15536,7 +15599,7 @@
                 </a:solidFill>
                 <a:latin typeface="Calibri"/>
               </a:rPr>
-              <a:t>Now that we have made </a:t>
+              <a:t>Now that we have made file.txt, we can tell git to pay </a:t>
             </a:r>
             <a:r>
               <a:rPr b="0" lang="en-US" sz="2800" spc="-1" strike="noStrike">
@@ -15545,16 +15608,7 @@
                 </a:solidFill>
                 <a:latin typeface="Calibri"/>
               </a:rPr>
-              <a:t>file.txt, we can tell git to </a:t>
-            </a:r>
-            <a:r>
-              <a:rPr b="0" lang="en-US" sz="2800" spc="-1" strike="noStrike">
-                <a:solidFill>
-                  <a:srgbClr val="000000"/>
-                </a:solidFill>
-                <a:latin typeface="Calibri"/>
-              </a:rPr>
-              <a:t>pay attention to the file</a:t>
+              <a:t>attention to the file</a:t>
             </a:r>
             <a:endParaRPr b="0" lang="en-US" sz="2800" spc="-1" strike="noStrike">
               <a:solidFill>
@@ -15584,16 +15638,7 @@
                 </a:solidFill>
                 <a:latin typeface="Calibri"/>
               </a:rPr>
-              <a:t>Transition between which </a:t>
-            </a:r>
-            <a:r>
-              <a:rPr b="0" lang="en-US" sz="2400" spc="-1" strike="noStrike">
-                <a:solidFill>
-                  <a:srgbClr val="000000"/>
-                </a:solidFill>
-                <a:latin typeface="Calibri"/>
-              </a:rPr>
-              <a:t>two states for file.txt?</a:t>
+              <a:t>Transition between which two states for file.txt?</a:t>
             </a:r>
             <a:endParaRPr b="0" lang="en-US" sz="2400" spc="-1" strike="noStrike">
               <a:solidFill>
@@ -15662,7 +15707,7 @@
                 </a:solidFill>
                 <a:latin typeface="Calibri"/>
               </a:rPr>
-              <a:t>Whatever we have added </a:t>
+              <a:t>Whatever we have added will be changed in the new </a:t>
             </a:r>
             <a:r>
               <a:rPr b="0" lang="en-US" sz="2800" spc="-1" strike="noStrike">
@@ -15671,25 +15716,7 @@
                 </a:solidFill>
                 <a:latin typeface="Calibri"/>
               </a:rPr>
-              <a:t>will be changed in the new </a:t>
-            </a:r>
-            <a:r>
-              <a:rPr b="0" lang="en-US" sz="2800" spc="-1" strike="noStrike">
-                <a:solidFill>
-                  <a:srgbClr val="000000"/>
-                </a:solidFill>
-                <a:latin typeface="Calibri"/>
-              </a:rPr>
-              <a:t>snapshot. No add means it </a:t>
-            </a:r>
-            <a:r>
-              <a:rPr b="0" lang="en-US" sz="2800" spc="-1" strike="noStrike">
-                <a:solidFill>
-                  <a:srgbClr val="000000"/>
-                </a:solidFill>
-                <a:latin typeface="Calibri"/>
-              </a:rPr>
-              <a:t>won’t change!</a:t>
+              <a:t>snapshot. No add means it won’t change!</a:t>
             </a:r>
             <a:endParaRPr b="0" lang="en-US" sz="2800" spc="-1" strike="noStrike">
               <a:solidFill>
@@ -15727,7 +15754,7 @@
                 <a:spcPct val="100000"/>
               </a:lnSpc>
             </a:pPr>
-            <a:fld id="{0D3EC3E8-55C9-48D2-B9F9-971B2335C9D0}" type="datetime">
+            <a:fld id="{C39EAEEB-BAC7-4ABF-95F6-7CCF9AB716E7}" type="datetime">
               <a:rPr b="0" lang="en-US" sz="1200" spc="-1" strike="noStrike">
                 <a:solidFill>
                   <a:srgbClr val="8b8b8b"/>
@@ -15847,7 +15874,7 @@
                 <a:spcPct val="100000"/>
               </a:lnSpc>
             </a:pPr>
-            <a:fld id="{FF5CBCC2-7E30-4013-9B55-04474E01E99A}" type="slidenum">
+            <a:fld id="{109D20C2-C497-46F8-8BB7-170AF1FC218C}" type="slidenum">
               <a:rPr b="0" lang="en-US" sz="1200" spc="-1" strike="noStrike">
                 <a:solidFill>
                   <a:srgbClr val="8b8b8b"/>
@@ -16021,7 +16048,16 @@
                 </a:solidFill>
                 <a:latin typeface="Calibri"/>
               </a:rPr>
-              <a:t>Once we have reached a milestone, or we just want to quickly and reversibly save our changes</a:t>
+              <a:t>Once we have reached a milestone, or we just want to </a:t>
+            </a:r>
+            <a:r>
+              <a:rPr b="0" lang="en-US" sz="2800" spc="-1" strike="noStrike">
+                <a:solidFill>
+                  <a:srgbClr val="000000"/>
+                </a:solidFill>
+                <a:latin typeface="Calibri"/>
+              </a:rPr>
+              <a:t>quickly and reversibly save our changes</a:t>
             </a:r>
             <a:endParaRPr b="0" lang="en-US" sz="2800" spc="-1" strike="noStrike">
               <a:solidFill>
@@ -16215,7 +16251,7 @@
                 <a:spcPct val="100000"/>
               </a:lnSpc>
             </a:pPr>
-            <a:fld id="{42B3936C-D81C-49A6-BE57-AB50212A1606}" type="datetime">
+            <a:fld id="{C75192B7-F5C5-4927-8B26-B679ABB0A6F6}" type="datetime">
               <a:rPr b="0" lang="en-US" sz="1200" spc="-1" strike="noStrike">
                 <a:solidFill>
                   <a:srgbClr val="8b8b8b"/>
@@ -16335,7 +16371,7 @@
                 <a:spcPct val="100000"/>
               </a:lnSpc>
             </a:pPr>
-            <a:fld id="{13F1377F-0604-4440-94D2-82CE20441BC0}" type="slidenum">
+            <a:fld id="{DA654E4D-891F-4EF1-98A8-A63EBBBE3452}" type="slidenum">
               <a:rPr b="0" lang="en-US" sz="1200" spc="-1" strike="noStrike">
                 <a:solidFill>
                   <a:srgbClr val="8b8b8b"/>
@@ -16509,7 +16545,34 @@
                 </a:solidFill>
                 <a:latin typeface="Calibri"/>
               </a:rPr>
-              <a:t>Tell git to take a snapshot of our files!</a:t>
+              <a:t>Tell git to </a:t>
+            </a:r>
+            <a:r>
+              <a:rPr b="0" lang="en-US" sz="2800" spc="-1" strike="noStrike">
+                <a:solidFill>
+                  <a:srgbClr val="000000"/>
+                </a:solidFill>
+                <a:latin typeface="Calibri"/>
+              </a:rPr>
+              <a:t>take a </a:t>
+            </a:r>
+            <a:r>
+              <a:rPr b="0" lang="en-US" sz="2800" spc="-1" strike="noStrike">
+                <a:solidFill>
+                  <a:srgbClr val="000000"/>
+                </a:solidFill>
+                <a:latin typeface="Calibri"/>
+              </a:rPr>
+              <a:t>snapshot of </a:t>
+            </a:r>
+            <a:r>
+              <a:rPr b="0" lang="en-US" sz="2800" spc="-1" strike="noStrike">
+                <a:solidFill>
+                  <a:srgbClr val="000000"/>
+                </a:solidFill>
+                <a:latin typeface="Calibri"/>
+              </a:rPr>
+              <a:t>our files!</a:t>
             </a:r>
             <a:endParaRPr b="0" lang="en-US" sz="2800" spc="-1" strike="noStrike">
               <a:solidFill>
@@ -16539,7 +16602,43 @@
                 </a:solidFill>
                 <a:latin typeface="Calibri"/>
               </a:rPr>
-              <a:t>Transition between which two states for file.txt?</a:t>
+              <a:t>Transition </a:t>
+            </a:r>
+            <a:r>
+              <a:rPr b="0" lang="en-US" sz="2400" spc="-1" strike="noStrike">
+                <a:solidFill>
+                  <a:srgbClr val="000000"/>
+                </a:solidFill>
+                <a:latin typeface="Calibri"/>
+              </a:rPr>
+              <a:t>between </a:t>
+            </a:r>
+            <a:r>
+              <a:rPr b="0" lang="en-US" sz="2400" spc="-1" strike="noStrike">
+                <a:solidFill>
+                  <a:srgbClr val="000000"/>
+                </a:solidFill>
+                <a:latin typeface="Calibri"/>
+              </a:rPr>
+              <a:t>which two </a:t>
+            </a:r>
+            <a:r>
+              <a:rPr b="0" lang="en-US" sz="2400" spc="-1" strike="noStrike">
+                <a:solidFill>
+                  <a:srgbClr val="000000"/>
+                </a:solidFill>
+                <a:latin typeface="Calibri"/>
+              </a:rPr>
+              <a:t>states for </a:t>
+            </a:r>
+            <a:r>
+              <a:rPr b="0" lang="en-US" sz="2400" spc="-1" strike="noStrike">
+                <a:solidFill>
+                  <a:srgbClr val="000000"/>
+                </a:solidFill>
+                <a:latin typeface="Calibri"/>
+              </a:rPr>
+              <a:t>file.txt?</a:t>
             </a:r>
             <a:endParaRPr b="0" lang="en-US" sz="2400" spc="-1" strike="noStrike">
               <a:solidFill>
@@ -16617,7 +16716,34 @@
                 </a:solidFill>
                 <a:latin typeface="Calibri"/>
               </a:rPr>
-              <a:t>now points to our most recent snapshot!</a:t>
+              <a:t>now </a:t>
+            </a:r>
+            <a:r>
+              <a:rPr b="0" lang="en-US" sz="2800" spc="-1" strike="noStrike">
+                <a:solidFill>
+                  <a:srgbClr val="000000"/>
+                </a:solidFill>
+                <a:latin typeface="Calibri"/>
+              </a:rPr>
+              <a:t>points to our </a:t>
+            </a:r>
+            <a:r>
+              <a:rPr b="0" lang="en-US" sz="2800" spc="-1" strike="noStrike">
+                <a:solidFill>
+                  <a:srgbClr val="000000"/>
+                </a:solidFill>
+                <a:latin typeface="Calibri"/>
+              </a:rPr>
+              <a:t>most recent </a:t>
+            </a:r>
+            <a:r>
+              <a:rPr b="0" lang="en-US" sz="2800" spc="-1" strike="noStrike">
+                <a:solidFill>
+                  <a:srgbClr val="000000"/>
+                </a:solidFill>
+                <a:latin typeface="Calibri"/>
+              </a:rPr>
+              <a:t>snapshot!</a:t>
             </a:r>
             <a:endParaRPr b="0" lang="en-US" sz="2800" spc="-1" strike="noStrike">
               <a:solidFill>
@@ -16655,7 +16781,7 @@
                 <a:spcPct val="100000"/>
               </a:lnSpc>
             </a:pPr>
-            <a:fld id="{572ECD06-397F-4159-884A-38B5B437A761}" type="datetime">
+            <a:fld id="{666613D7-51CA-4E08-A821-16711D4E0EB5}" type="datetime">
               <a:rPr b="0" lang="en-US" sz="1200" spc="-1" strike="noStrike">
                 <a:solidFill>
                   <a:srgbClr val="8b8b8b"/>
@@ -16775,7 +16901,7 @@
                 <a:spcPct val="100000"/>
               </a:lnSpc>
             </a:pPr>
-            <a:fld id="{CB590105-A052-4966-8A14-85E0B2AABB54}" type="slidenum">
+            <a:fld id="{31D87427-C318-418F-BAD4-F097841607E9}" type="slidenum">
               <a:rPr b="0" lang="en-US" sz="1200" spc="-1" strike="noStrike">
                 <a:solidFill>
                   <a:srgbClr val="8b8b8b"/>
@@ -17056,7 +17182,7 @@
                 <a:spcPct val="100000"/>
               </a:lnSpc>
             </a:pPr>
-            <a:fld id="{1CC6E63C-729F-4094-93FB-CCF2C08433E0}" type="datetime">
+            <a:fld id="{3643C852-3B5E-426F-A9C5-E8DDD6FF6F82}" type="datetime">
               <a:rPr b="0" lang="en-US" sz="1200" spc="-1" strike="noStrike">
                 <a:solidFill>
                   <a:srgbClr val="8b8b8b"/>
@@ -17176,7 +17302,7 @@
                 <a:spcPct val="100000"/>
               </a:lnSpc>
             </a:pPr>
-            <a:fld id="{0D9F9A10-0874-44DA-ADE1-CDCA74E7953F}" type="slidenum">
+            <a:fld id="{B921715C-8589-46BE-A116-EFF03B3D2777}" type="slidenum">
               <a:rPr b="0" lang="en-US" sz="1200" spc="-1" strike="noStrike">
                 <a:solidFill>
                   <a:srgbClr val="8b8b8b"/>
@@ -17350,25 +17476,7 @@
                 </a:solidFill>
                 <a:latin typeface="Calibri"/>
               </a:rPr>
-              <a:t>From the repository cloned </a:t>
-            </a:r>
-            <a:r>
-              <a:rPr b="0" lang="en-US" sz="2800" spc="-1" strike="noStrike">
-                <a:solidFill>
-                  <a:srgbClr val="000000"/>
-                </a:solidFill>
-                <a:latin typeface="Calibri"/>
-              </a:rPr>
-              <a:t>earlier, upload a file with </a:t>
-            </a:r>
-            <a:r>
-              <a:rPr b="0" lang="en-US" sz="2800" spc="-1" strike="noStrike">
-                <a:solidFill>
-                  <a:srgbClr val="000000"/>
-                </a:solidFill>
-                <a:latin typeface="Calibri"/>
-              </a:rPr>
-              <a:t>any message you like!</a:t>
+              <a:t>From the repository cloned earlier, upload a file with any message you like!</a:t>
             </a:r>
             <a:endParaRPr b="0" lang="en-US" sz="2800" spc="-1" strike="noStrike">
               <a:solidFill>
@@ -17406,7 +17514,7 @@
                 <a:spcPct val="100000"/>
               </a:lnSpc>
             </a:pPr>
-            <a:fld id="{AE76C81C-3DAA-4F89-8D5E-0C2C48BD34D1}" type="datetime">
+            <a:fld id="{03AA3A6A-4D5F-4204-93F8-44602DC5E728}" type="datetime">
               <a:rPr b="0" lang="en-US" sz="1200" spc="-1" strike="noStrike">
                 <a:solidFill>
                   <a:srgbClr val="8b8b8b"/>
@@ -17491,16 +17599,7 @@
                 </a:solidFill>
                 <a:latin typeface="Calibri"/>
               </a:rPr>
-              <a:t> </a:t>
-            </a:r>
-            <a:r>
-              <a:rPr b="0" lang="en-US" sz="1200" spc="-1" strike="noStrike">
-                <a:solidFill>
-                  <a:srgbClr val="8b8b8b"/>
-                </a:solidFill>
-                <a:latin typeface="Calibri"/>
-              </a:rPr>
-              <a:t>library.rice.edu/dss</a:t>
+              <a:t> library.rice.edu/dss</a:t>
             </a:r>
             <a:endParaRPr b="0" lang="en-US" sz="1200" spc="-1" strike="noStrike">
               <a:latin typeface="Times New Roman"/>
@@ -17535,7 +17634,7 @@
                 <a:spcPct val="100000"/>
               </a:lnSpc>
             </a:pPr>
-            <a:fld id="{2362CAE2-01A7-4292-9F07-FADA3D0D1E64}" type="slidenum">
+            <a:fld id="{490C0484-51C7-468C-A44C-119874D73552}" type="slidenum">
               <a:rPr b="0" lang="en-US" sz="1200" spc="-1" strike="noStrike">
                 <a:solidFill>
                   <a:srgbClr val="8b8b8b"/>
@@ -17838,7 +17937,7 @@
                 <a:spcPct val="100000"/>
               </a:lnSpc>
             </a:pPr>
-            <a:fld id="{ADD0DE69-1FBA-462A-B244-D622C6C22E6F}" type="datetime">
+            <a:fld id="{30CCA607-32CA-4339-9303-C98703188316}" type="datetime">
               <a:rPr b="0" lang="en-US" sz="1200" spc="-1" strike="noStrike">
                 <a:solidFill>
                   <a:srgbClr val="8b8b8b"/>
@@ -17896,7 +17995,16 @@
                 </a:solidFill>
                 <a:latin typeface="Calibri"/>
               </a:rPr>
-              <a:t>| Email</a:t>
+              <a:t>| </a:t>
+            </a:r>
+            <a:r>
+              <a:rPr b="0" lang="en-US" sz="1200" spc="-1" strike="noStrike">
+                <a:solidFill>
+                  <a:srgbClr val="1f4e79"/>
+                </a:solidFill>
+                <a:latin typeface="Calibri"/>
+              </a:rPr>
+              <a:t>Email</a:t>
             </a:r>
             <a:r>
               <a:rPr b="0" lang="en-US" sz="1200" spc="-1" strike="noStrike">
@@ -17923,7 +18031,16 @@
                 </a:solidFill>
                 <a:latin typeface="Calibri"/>
               </a:rPr>
-              <a:t> library.rice.edu/dss</a:t>
+              <a:t> </a:t>
+            </a:r>
+            <a:r>
+              <a:rPr b="0" lang="en-US" sz="1200" spc="-1" strike="noStrike">
+                <a:solidFill>
+                  <a:srgbClr val="8b8b8b"/>
+                </a:solidFill>
+                <a:latin typeface="Calibri"/>
+              </a:rPr>
+              <a:t>library.rice.edu/dss</a:t>
             </a:r>
             <a:endParaRPr b="0" lang="en-US" sz="1200" spc="-1" strike="noStrike">
               <a:latin typeface="Times New Roman"/>
@@ -17958,7 +18075,7 @@
                 <a:spcPct val="100000"/>
               </a:lnSpc>
             </a:pPr>
-            <a:fld id="{A9583E87-8351-4AF9-9F6D-EB5B7E69EA66}" type="slidenum">
+            <a:fld id="{4C32F255-F627-46BA-B791-2E303F268E2C}" type="slidenum">
               <a:rPr b="0" lang="en-US" sz="1200" spc="-1" strike="noStrike">
                 <a:solidFill>
                   <a:srgbClr val="8b8b8b"/>
@@ -18188,7 +18305,7 @@
                 <a:spcPct val="100000"/>
               </a:lnSpc>
             </a:pPr>
-            <a:fld id="{17974B14-7CBE-4F52-9FD3-54D0A2AA9370}" type="datetime">
+            <a:fld id="{9CDC908E-8E1C-49A3-9A2F-5B55DCAB0EB9}" type="datetime">
               <a:rPr b="0" lang="en-US" sz="1200" spc="-1" strike="noStrike">
                 <a:solidFill>
                   <a:srgbClr val="8b8b8b"/>
@@ -18308,7 +18425,7 @@
                 <a:spcPct val="100000"/>
               </a:lnSpc>
             </a:pPr>
-            <a:fld id="{0C59621E-4410-4117-83F1-FF480183B3D4}" type="slidenum">
+            <a:fld id="{8354B51E-A36B-48CC-9627-A68110C1FA59}" type="slidenum">
               <a:rPr b="0" lang="en-US" sz="1200" spc="-1" strike="noStrike">
                 <a:solidFill>
                   <a:srgbClr val="8b8b8b"/>
@@ -18459,7 +18576,25 @@
                 </a:solidFill>
                 <a:latin typeface="Calibri"/>
               </a:rPr>
-              <a:t>GitHub allows us to write comments about a commit</a:t>
+              <a:t>GitHub allows us to write </a:t>
+            </a:r>
+            <a:r>
+              <a:rPr b="0" lang="en-US" sz="2800" spc="-1" strike="noStrike">
+                <a:solidFill>
+                  <a:srgbClr val="000000"/>
+                </a:solidFill>
+                <a:latin typeface="Calibri"/>
+              </a:rPr>
+              <a:t>comments about a </a:t>
+            </a:r>
+            <a:r>
+              <a:rPr b="0" lang="en-US" sz="2800" spc="-1" strike="noStrike">
+                <a:solidFill>
+                  <a:srgbClr val="000000"/>
+                </a:solidFill>
+                <a:latin typeface="Calibri"/>
+              </a:rPr>
+              <a:t>commit</a:t>
             </a:r>
             <a:endParaRPr b="0" lang="en-US" sz="2800" spc="-1" strike="noStrike">
               <a:solidFill>
@@ -18489,7 +18624,25 @@
                 </a:solidFill>
                 <a:latin typeface="Calibri"/>
               </a:rPr>
-              <a:t>Aids discussion of changes, hopefully productive arguments</a:t>
+              <a:t>Aids discussion of </a:t>
+            </a:r>
+            <a:r>
+              <a:rPr b="0" lang="en-US" sz="2800" spc="-1" strike="noStrike">
+                <a:solidFill>
+                  <a:srgbClr val="000000"/>
+                </a:solidFill>
+                <a:latin typeface="Calibri"/>
+              </a:rPr>
+              <a:t>changes, hopefully </a:t>
+            </a:r>
+            <a:r>
+              <a:rPr b="0" lang="en-US" sz="2800" spc="-1" strike="noStrike">
+                <a:solidFill>
+                  <a:srgbClr val="000000"/>
+                </a:solidFill>
+                <a:latin typeface="Calibri"/>
+              </a:rPr>
+              <a:t>productive arguments</a:t>
             </a:r>
             <a:endParaRPr b="0" lang="en-US" sz="2800" spc="-1" strike="noStrike">
               <a:solidFill>
@@ -18519,7 +18672,25 @@
                 </a:solidFill>
                 <a:latin typeface="Calibri"/>
               </a:rPr>
-              <a:t>History → Commits → Right Click → View on GitHub</a:t>
+              <a:t>History → Commits → </a:t>
+            </a:r>
+            <a:r>
+              <a:rPr b="0" lang="en-US" sz="2800" spc="-1" strike="noStrike">
+                <a:solidFill>
+                  <a:srgbClr val="000000"/>
+                </a:solidFill>
+                <a:latin typeface="Calibri"/>
+              </a:rPr>
+              <a:t>Right Click → View on </a:t>
+            </a:r>
+            <a:r>
+              <a:rPr b="0" lang="en-US" sz="2800" spc="-1" strike="noStrike">
+                <a:solidFill>
+                  <a:srgbClr val="000000"/>
+                </a:solidFill>
+                <a:latin typeface="Calibri"/>
+              </a:rPr>
+              <a:t>GitHub</a:t>
             </a:r>
             <a:endParaRPr b="0" lang="en-US" sz="2800" spc="-1" strike="noStrike">
               <a:solidFill>
@@ -18557,7 +18728,7 @@
                 <a:spcPct val="100000"/>
               </a:lnSpc>
             </a:pPr>
-            <a:fld id="{FBE95CF5-C47E-48E9-89E5-FDDE8E2E428F}" type="datetime">
+            <a:fld id="{E045C34F-DDC8-4E46-B213-863E231C145B}" type="datetime">
               <a:rPr b="0" lang="en-US" sz="1200" spc="-1" strike="noStrike">
                 <a:solidFill>
                   <a:srgbClr val="8b8b8b"/>
@@ -18677,7 +18848,7 @@
                 <a:spcPct val="100000"/>
               </a:lnSpc>
             </a:pPr>
-            <a:fld id="{E7948030-5DD5-4D7D-977D-214B910CE7CC}" type="slidenum">
+            <a:fld id="{2717E48D-5D36-421D-BFD0-0FB9E318B7C4}" type="slidenum">
               <a:rPr b="0" lang="en-US" sz="1200" spc="-1" strike="noStrike">
                 <a:solidFill>
                   <a:srgbClr val="8b8b8b"/>
@@ -18859,7 +19030,7 @@
                 <a:spcPct val="100000"/>
               </a:lnSpc>
             </a:pPr>
-            <a:fld id="{2963FEE6-DD61-4ED1-A8BE-70E508787329}" type="datetime">
+            <a:fld id="{4715E405-551C-4870-8263-EF5BA083BA63}" type="datetime">
               <a:rPr b="0" lang="en-US" sz="1200" spc="-1" strike="noStrike">
                 <a:solidFill>
                   <a:srgbClr val="8b8b8b"/>
@@ -18901,7 +19072,7 @@
                 <a:spcPct val="100000"/>
               </a:lnSpc>
             </a:pPr>
-            <a:fld id="{07453C63-0FB3-46F7-8CD2-204CD1BD8AA5}" type="slidenum">
+            <a:fld id="{482D6B8B-6C7E-4D16-95AF-D4763D983D60}" type="slidenum">
               <a:rPr b="0" lang="en-US" sz="1200" spc="-1" strike="noStrike">
                 <a:solidFill>
                   <a:srgbClr val="8b8b8b"/>
@@ -18959,7 +19130,16 @@
                 </a:solidFill>
                 <a:latin typeface="Calibri"/>
               </a:rPr>
-              <a:t>| Email</a:t>
+              <a:t>| </a:t>
+            </a:r>
+            <a:r>
+              <a:rPr b="0" lang="en-US" sz="1200" spc="-1" strike="noStrike">
+                <a:solidFill>
+                  <a:srgbClr val="1f4e79"/>
+                </a:solidFill>
+                <a:latin typeface="Calibri"/>
+              </a:rPr>
+              <a:t>Email</a:t>
             </a:r>
             <a:r>
               <a:rPr b="0" lang="en-US" sz="1200" spc="-1" strike="noStrike">
@@ -18986,7 +19166,16 @@
                 </a:solidFill>
                 <a:latin typeface="Calibri"/>
               </a:rPr>
-              <a:t> library.rice.edu/dss</a:t>
+              <a:t> </a:t>
+            </a:r>
+            <a:r>
+              <a:rPr b="0" lang="en-US" sz="1200" spc="-1" strike="noStrike">
+                <a:solidFill>
+                  <a:srgbClr val="8b8b8b"/>
+                </a:solidFill>
+                <a:latin typeface="Calibri"/>
+              </a:rPr>
+              <a:t>library.rice.edu/dss</a:t>
             </a:r>
             <a:endParaRPr b="0" lang="en-US" sz="1200" spc="-1" strike="noStrike">
               <a:latin typeface="Times New Roman"/>
@@ -19438,7 +19627,7 @@
                 <a:spcPct val="100000"/>
               </a:lnSpc>
             </a:pPr>
-            <a:fld id="{03886CB2-9798-4E76-B3DC-0276273A4027}" type="datetime">
+            <a:fld id="{2F2DE4DE-1212-4EF0-9D62-87E21CA3E333}" type="datetime">
               <a:rPr b="0" lang="en-US" sz="1200" spc="-1" strike="noStrike">
                 <a:solidFill>
                   <a:srgbClr val="8b8b8b"/>
@@ -19496,7 +19685,16 @@
                 </a:solidFill>
                 <a:latin typeface="Calibri"/>
               </a:rPr>
-              <a:t>| Email</a:t>
+              <a:t>| </a:t>
+            </a:r>
+            <a:r>
+              <a:rPr b="0" lang="en-US" sz="1200" spc="-1" strike="noStrike">
+                <a:solidFill>
+                  <a:srgbClr val="1f4e79"/>
+                </a:solidFill>
+                <a:latin typeface="Calibri"/>
+              </a:rPr>
+              <a:t>Email</a:t>
             </a:r>
             <a:r>
               <a:rPr b="0" lang="en-US" sz="1200" spc="-1" strike="noStrike">
@@ -19523,7 +19721,16 @@
                 </a:solidFill>
                 <a:latin typeface="Calibri"/>
               </a:rPr>
-              <a:t> library.rice.edu/dss</a:t>
+              <a:t> </a:t>
+            </a:r>
+            <a:r>
+              <a:rPr b="0" lang="en-US" sz="1200" spc="-1" strike="noStrike">
+                <a:solidFill>
+                  <a:srgbClr val="8b8b8b"/>
+                </a:solidFill>
+                <a:latin typeface="Calibri"/>
+              </a:rPr>
+              <a:t>library.rice.edu/dss</a:t>
             </a:r>
             <a:endParaRPr b="0" lang="en-US" sz="1200" spc="-1" strike="noStrike">
               <a:latin typeface="Times New Roman"/>
@@ -19558,7 +19765,7 @@
                 <a:spcPct val="100000"/>
               </a:lnSpc>
             </a:pPr>
-            <a:fld id="{FE1F8816-DE6C-4747-BB02-E591BA5061B8}" type="slidenum">
+            <a:fld id="{8925A6F9-178C-42D6-899E-B5C451D175BB}" type="slidenum">
               <a:rPr b="0" lang="en-US" sz="1200" spc="-1" strike="noStrike">
                 <a:solidFill>
                   <a:srgbClr val="8b8b8b"/>
@@ -19656,7 +19863,16 @@
                 </a:solidFill>
                 <a:latin typeface="Calibri"/>
               </a:rPr>
-              <a:t>BRANCHES &amp; MERGING</a:t>
+              <a:t>BRANCHES </a:t>
+            </a:r>
+            <a:r>
+              <a:rPr b="0" lang="en-US" sz="6000" spc="-1" strike="noStrike">
+                <a:solidFill>
+                  <a:srgbClr val="000000"/>
+                </a:solidFill>
+                <a:latin typeface="Calibri"/>
+              </a:rPr>
+              <a:t>&amp; MERGING</a:t>
             </a:r>
             <a:endParaRPr b="0" lang="en-US" sz="6000" spc="-1" strike="noStrike">
               <a:solidFill>
@@ -19742,7 +19958,7 @@
                 <a:spcPct val="100000"/>
               </a:lnSpc>
             </a:pPr>
-            <a:fld id="{F2516BBC-2B29-4A27-AFCF-7F948813555A}" type="datetime">
+            <a:fld id="{39B5C713-E89D-455F-B711-DB6B857DB712}" type="datetime">
               <a:rPr b="0" lang="en-US" sz="1200" spc="-1" strike="noStrike">
                 <a:solidFill>
                   <a:srgbClr val="8b8b8b"/>
@@ -19784,7 +20000,7 @@
                 <a:spcPct val="100000"/>
               </a:lnSpc>
             </a:pPr>
-            <a:fld id="{D808107F-4761-4CCD-9DDA-320305684B10}" type="slidenum">
+            <a:fld id="{7E2FF1D5-586D-4050-81DD-E236E83BA552}" type="slidenum">
               <a:rPr b="0" lang="en-US" sz="1200" spc="-1" strike="noStrike">
                 <a:solidFill>
                   <a:srgbClr val="8b8b8b"/>
@@ -20171,7 +20387,7 @@
                 <a:spcPct val="100000"/>
               </a:lnSpc>
             </a:pPr>
-            <a:fld id="{54A3CAC1-2433-4692-9C36-A5897852BE56}" type="datetime">
+            <a:fld id="{3BC99D88-A891-4507-A332-0B6AA34EA52F}" type="datetime">
               <a:rPr b="0" lang="en-US" sz="1200" spc="-1" strike="noStrike">
                 <a:solidFill>
                   <a:srgbClr val="8b8b8b"/>
@@ -20229,7 +20445,16 @@
                 </a:solidFill>
                 <a:latin typeface="Calibri"/>
               </a:rPr>
-              <a:t>| </a:t>
+              <a:t>| Email</a:t>
+            </a:r>
+            <a:r>
+              <a:rPr b="0" lang="en-US" sz="1200" spc="-1" strike="noStrike">
+                <a:solidFill>
+                  <a:srgbClr val="8b8b8b"/>
+                </a:solidFill>
+                <a:latin typeface="Calibri"/>
+              </a:rPr>
+              <a:t> cf24@rice.edu </a:t>
             </a:r>
             <a:r>
               <a:rPr b="0" lang="en-US" sz="1200" spc="-1" strike="noStrike">
@@ -20238,24 +20463,6 @@
                 </a:solidFill>
                 <a:latin typeface="Calibri"/>
               </a:rPr>
-              <a:t>Email</a:t>
-            </a:r>
-            <a:r>
-              <a:rPr b="0" lang="en-US" sz="1200" spc="-1" strike="noStrike">
-                <a:solidFill>
-                  <a:srgbClr val="8b8b8b"/>
-                </a:solidFill>
-                <a:latin typeface="Calibri"/>
-              </a:rPr>
-              <a:t> cf24@rice.edu </a:t>
-            </a:r>
-            <a:r>
-              <a:rPr b="0" lang="en-US" sz="1200" spc="-1" strike="noStrike">
-                <a:solidFill>
-                  <a:srgbClr val="1f4e79"/>
-                </a:solidFill>
-                <a:latin typeface="Calibri"/>
-              </a:rPr>
               <a:t>|</a:t>
             </a:r>
             <a:r>
@@ -20265,16 +20472,7 @@
                 </a:solidFill>
                 <a:latin typeface="Calibri"/>
               </a:rPr>
-              <a:t> </a:t>
-            </a:r>
-            <a:r>
-              <a:rPr b="0" lang="en-US" sz="1200" spc="-1" strike="noStrike">
-                <a:solidFill>
-                  <a:srgbClr val="8b8b8b"/>
-                </a:solidFill>
-                <a:latin typeface="Calibri"/>
-              </a:rPr>
-              <a:t>library.rice.edu/dss</a:t>
+              <a:t> library.rice.edu/dss</a:t>
             </a:r>
             <a:endParaRPr b="0" lang="en-US" sz="1200" spc="-1" strike="noStrike">
               <a:latin typeface="Times New Roman"/>
@@ -20309,7 +20507,7 @@
                 <a:spcPct val="100000"/>
               </a:lnSpc>
             </a:pPr>
-            <a:fld id="{4833696F-37AE-490B-BEAE-110F2EDEEE25}" type="slidenum">
+            <a:fld id="{FD2ED614-E6CD-4564-9A98-D30177D9C409}" type="slidenum">
               <a:rPr b="0" lang="en-US" sz="1200" spc="-1" strike="noStrike">
                 <a:solidFill>
                   <a:srgbClr val="8b8b8b"/>
@@ -20581,7 +20779,7 @@
                 <a:spcPct val="100000"/>
               </a:lnSpc>
             </a:pPr>
-            <a:fld id="{6C74ABFC-5EC8-49F6-BD9F-B8700FB4A58A}" type="datetime">
+            <a:fld id="{7BB19D31-C4B5-4CEF-9C47-E51725367A30}" type="datetime">
               <a:rPr b="0" lang="en-US" sz="1200" spc="-1" strike="noStrike">
                 <a:solidFill>
                   <a:srgbClr val="8b8b8b"/>
@@ -20701,7 +20899,7 @@
                 <a:spcPct val="100000"/>
               </a:lnSpc>
             </a:pPr>
-            <a:fld id="{8479CF1D-72C0-41F3-B1EB-C1A727A36C36}" type="slidenum">
+            <a:fld id="{51311542-2AD9-4D76-AD23-191B6B182C28}" type="slidenum">
               <a:rPr b="0" lang="en-US" sz="1200" spc="-1" strike="noStrike">
                 <a:solidFill>
                   <a:srgbClr val="8b8b8b"/>
@@ -20966,7 +21164,7 @@
                 <a:spcPct val="100000"/>
               </a:lnSpc>
             </a:pPr>
-            <a:fld id="{EFE16505-7E0D-481D-95E6-5976D904B0E2}" type="datetime">
+            <a:fld id="{620802F6-4078-4319-9B4C-06769CFCF383}" type="datetime">
               <a:rPr b="0" lang="en-US" sz="1200" spc="-1" strike="noStrike">
                 <a:solidFill>
                   <a:srgbClr val="8b8b8b"/>
@@ -21086,7 +21284,7 @@
                 <a:spcPct val="100000"/>
               </a:lnSpc>
             </a:pPr>
-            <a:fld id="{261DDAA4-4F11-4BC5-9DCB-E98B36055616}" type="slidenum">
+            <a:fld id="{F0B13937-AAD4-4526-828F-D2E857832F04}" type="slidenum">
               <a:rPr b="0" lang="en-US" sz="1200" spc="-1" strike="noStrike">
                 <a:solidFill>
                   <a:srgbClr val="8b8b8b"/>
@@ -21269,7 +21467,7 @@
                 <a:spcPct val="100000"/>
               </a:lnSpc>
             </a:pPr>
-            <a:fld id="{EBD4E9A9-8109-47D6-9AC6-5C9B19D97DE8}" type="datetime">
+            <a:fld id="{76517535-38A2-488E-B8EA-D3618AD17338}" type="datetime">
               <a:rPr b="0" lang="en-US" sz="1200" spc="-1" strike="noStrike">
                 <a:solidFill>
                   <a:srgbClr val="8b8b8b"/>
@@ -21389,7 +21587,7 @@
                 <a:spcPct val="100000"/>
               </a:lnSpc>
             </a:pPr>
-            <a:fld id="{DA78E56C-CFB2-4170-8F0B-8FEBC0DABC22}" type="slidenum">
+            <a:fld id="{996DCA41-011F-4136-9006-24CF6112840E}" type="slidenum">
               <a:rPr b="0" lang="en-US" sz="1200" spc="-1" strike="noStrike">
                 <a:solidFill>
                   <a:srgbClr val="8b8b8b"/>
@@ -21573,7 +21771,7 @@
                 <a:spcPct val="100000"/>
               </a:lnSpc>
             </a:pPr>
-            <a:fld id="{31D5B2CC-C227-40D4-A763-85D9E9F59C86}" type="datetime">
+            <a:fld id="{AEE570C4-4B92-4032-8E1B-EF9744A5856E}" type="datetime">
               <a:rPr b="0" lang="en-US" sz="1200" spc="-1" strike="noStrike">
                 <a:solidFill>
                   <a:srgbClr val="8b8b8b"/>
@@ -21693,7 +21891,7 @@
                 <a:spcPct val="100000"/>
               </a:lnSpc>
             </a:pPr>
-            <a:fld id="{7AB9A8FC-F3FB-4CA6-92C9-187C1A1E4557}" type="slidenum">
+            <a:fld id="{9D3DB584-51E5-4D19-B0E1-80D8FC60687A}" type="slidenum">
               <a:rPr b="0" lang="en-US" sz="1200" spc="-1" strike="noStrike">
                 <a:solidFill>
                   <a:srgbClr val="8b8b8b"/>
@@ -22365,7 +22563,7 @@
                 <a:spcPct val="100000"/>
               </a:lnSpc>
             </a:pPr>
-            <a:fld id="{70B8F8E7-5112-4DC9-8B43-7BE43F9D2E58}" type="datetime">
+            <a:fld id="{59B0C1AE-8A9B-4FBB-BF6E-217A18AD0201}" type="datetime">
               <a:rPr b="0" lang="en-US" sz="1200" spc="-1" strike="noStrike">
                 <a:solidFill>
                   <a:srgbClr val="8b8b8b"/>
@@ -22485,7 +22683,7 @@
                 <a:spcPct val="100000"/>
               </a:lnSpc>
             </a:pPr>
-            <a:fld id="{A7C2292C-82D5-4B83-8EFD-17530329B966}" type="slidenum">
+            <a:fld id="{82C5FDF1-4724-4AFB-AEA5-E9B1D7911A8A}" type="slidenum">
               <a:rPr b="0" lang="en-US" sz="1200" spc="-1" strike="noStrike">
                 <a:solidFill>
                   <a:srgbClr val="8b8b8b"/>
@@ -22667,7 +22865,7 @@
                 <a:spcPct val="100000"/>
               </a:lnSpc>
             </a:pPr>
-            <a:fld id="{B078AD8C-579D-48A7-BFD5-22E2D30043C1}" type="datetime">
+            <a:fld id="{4E7B49AA-BE30-4EAA-AECF-A45BCB03F531}" type="datetime">
               <a:rPr b="0" lang="en-US" sz="1200" spc="-1" strike="noStrike">
                 <a:solidFill>
                   <a:srgbClr val="8b8b8b"/>
@@ -22725,7 +22923,16 @@
                 </a:solidFill>
                 <a:latin typeface="Calibri"/>
               </a:rPr>
-              <a:t>| </a:t>
+              <a:t>| Email</a:t>
+            </a:r>
+            <a:r>
+              <a:rPr b="0" lang="en-US" sz="1200" spc="-1" strike="noStrike">
+                <a:solidFill>
+                  <a:srgbClr val="8b8b8b"/>
+                </a:solidFill>
+                <a:latin typeface="Calibri"/>
+              </a:rPr>
+              <a:t> cf24@rice.edu </a:t>
             </a:r>
             <a:r>
               <a:rPr b="0" lang="en-US" sz="1200" spc="-1" strike="noStrike">
@@ -22734,24 +22941,6 @@
                 </a:solidFill>
                 <a:latin typeface="Calibri"/>
               </a:rPr>
-              <a:t>Email</a:t>
-            </a:r>
-            <a:r>
-              <a:rPr b="0" lang="en-US" sz="1200" spc="-1" strike="noStrike">
-                <a:solidFill>
-                  <a:srgbClr val="8b8b8b"/>
-                </a:solidFill>
-                <a:latin typeface="Calibri"/>
-              </a:rPr>
-              <a:t> cf24@rice.edu </a:t>
-            </a:r>
-            <a:r>
-              <a:rPr b="0" lang="en-US" sz="1200" spc="-1" strike="noStrike">
-                <a:solidFill>
-                  <a:srgbClr val="1f4e79"/>
-                </a:solidFill>
-                <a:latin typeface="Calibri"/>
-              </a:rPr>
               <a:t>|</a:t>
             </a:r>
             <a:r>
@@ -22761,16 +22950,7 @@
                 </a:solidFill>
                 <a:latin typeface="Calibri"/>
               </a:rPr>
-              <a:t> </a:t>
-            </a:r>
-            <a:r>
-              <a:rPr b="0" lang="en-US" sz="1200" spc="-1" strike="noStrike">
-                <a:solidFill>
-                  <a:srgbClr val="8b8b8b"/>
-                </a:solidFill>
-                <a:latin typeface="Calibri"/>
-              </a:rPr>
-              <a:t>library.rice.edu/dss</a:t>
+              <a:t> library.rice.edu/dss</a:t>
             </a:r>
             <a:endParaRPr b="0" lang="en-US" sz="1200" spc="-1" strike="noStrike">
               <a:latin typeface="Times New Roman"/>
@@ -22805,7 +22985,7 @@
                 <a:spcPct val="100000"/>
               </a:lnSpc>
             </a:pPr>
-            <a:fld id="{F3948D10-0E87-490D-BF89-6F4DCC9413FD}" type="slidenum">
+            <a:fld id="{A1719A66-5FAB-4827-BDA5-049FBE2079C3}" type="slidenum">
               <a:rPr b="0" lang="en-US" sz="1200" spc="-1" strike="noStrike">
                 <a:solidFill>
                   <a:srgbClr val="8b8b8b"/>
@@ -23188,7 +23368,7 @@
                 <a:spcPct val="100000"/>
               </a:lnSpc>
             </a:pPr>
-            <a:fld id="{869BEB13-CAE1-4C0A-9CF2-220BEFDB00EC}" type="datetime">
+            <a:fld id="{53EAFB7C-E3E7-4065-92D5-E6A50185F513}" type="datetime">
               <a:rPr b="0" lang="en-US" sz="1200" spc="-1" strike="noStrike">
                 <a:solidFill>
                   <a:srgbClr val="8b8b8b"/>
@@ -23246,7 +23426,16 @@
                 </a:solidFill>
                 <a:latin typeface="Calibri"/>
               </a:rPr>
-              <a:t>| </a:t>
+              <a:t>| Email</a:t>
+            </a:r>
+            <a:r>
+              <a:rPr b="0" lang="en-US" sz="1200" spc="-1" strike="noStrike">
+                <a:solidFill>
+                  <a:srgbClr val="8b8b8b"/>
+                </a:solidFill>
+                <a:latin typeface="Calibri"/>
+              </a:rPr>
+              <a:t> cf24@rice.edu </a:t>
             </a:r>
             <a:r>
               <a:rPr b="0" lang="en-US" sz="1200" spc="-1" strike="noStrike">
@@ -23255,24 +23444,6 @@
                 </a:solidFill>
                 <a:latin typeface="Calibri"/>
               </a:rPr>
-              <a:t>Email</a:t>
-            </a:r>
-            <a:r>
-              <a:rPr b="0" lang="en-US" sz="1200" spc="-1" strike="noStrike">
-                <a:solidFill>
-                  <a:srgbClr val="8b8b8b"/>
-                </a:solidFill>
-                <a:latin typeface="Calibri"/>
-              </a:rPr>
-              <a:t> cf24@rice.edu </a:t>
-            </a:r>
-            <a:r>
-              <a:rPr b="0" lang="en-US" sz="1200" spc="-1" strike="noStrike">
-                <a:solidFill>
-                  <a:srgbClr val="1f4e79"/>
-                </a:solidFill>
-                <a:latin typeface="Calibri"/>
-              </a:rPr>
               <a:t>|</a:t>
             </a:r>
             <a:r>
@@ -23282,16 +23453,7 @@
                 </a:solidFill>
                 <a:latin typeface="Calibri"/>
               </a:rPr>
-              <a:t> </a:t>
-            </a:r>
-            <a:r>
-              <a:rPr b="0" lang="en-US" sz="1200" spc="-1" strike="noStrike">
-                <a:solidFill>
-                  <a:srgbClr val="8b8b8b"/>
-                </a:solidFill>
-                <a:latin typeface="Calibri"/>
-              </a:rPr>
-              <a:t>library.rice.edu/dss</a:t>
+              <a:t> library.rice.edu/dss</a:t>
             </a:r>
             <a:endParaRPr b="0" lang="en-US" sz="1200" spc="-1" strike="noStrike">
               <a:latin typeface="Times New Roman"/>
@@ -23326,7 +23488,7 @@
                 <a:spcPct val="100000"/>
               </a:lnSpc>
             </a:pPr>
-            <a:fld id="{2E2BD59D-7D8E-41E7-9D29-D75D32F89D4C}" type="slidenum">
+            <a:fld id="{7A41E31F-6D36-4B28-AA50-FB2596B7C987}" type="slidenum">
               <a:rPr b="0" lang="en-US" sz="1200" spc="-1" strike="noStrike">
                 <a:solidFill>
                   <a:srgbClr val="8b8b8b"/>
@@ -23881,7 +24043,7 @@
                 <a:spcPct val="100000"/>
               </a:lnSpc>
             </a:pPr>
-            <a:fld id="{76E405E7-4304-4B8C-9A74-694F8C9B67B0}" type="datetime">
+            <a:fld id="{ACC63718-A457-4CF2-BA90-991A59E936AA}" type="datetime">
               <a:rPr b="0" lang="en-US" sz="1200" spc="-1" strike="noStrike">
                 <a:solidFill>
                   <a:srgbClr val="8b8b8b"/>
@@ -23923,7 +24085,7 @@
                 <a:spcPct val="100000"/>
               </a:lnSpc>
             </a:pPr>
-            <a:fld id="{3E912017-1289-4F9C-8143-A1EEE8F5A222}" type="slidenum">
+            <a:fld id="{D872860C-892B-4C72-9D62-8430B0796CB2}" type="slidenum">
               <a:rPr b="0" lang="en-US" sz="1200" spc="-1" strike="noStrike">
                 <a:solidFill>
                   <a:srgbClr val="8b8b8b"/>
@@ -24326,7 +24488,7 @@
                 <a:spcPct val="100000"/>
               </a:lnSpc>
             </a:pPr>
-            <a:fld id="{3CDF54CE-B589-4048-8456-4462B95FBF34}" type="datetime">
+            <a:fld id="{8A328BC5-D69E-4DE1-A657-91DB197AAF3D}" type="datetime">
               <a:rPr b="0" lang="en-US" sz="1200" spc="-1" strike="noStrike">
                 <a:solidFill>
                   <a:srgbClr val="8b8b8b"/>
@@ -24411,7 +24573,16 @@
                 </a:solidFill>
                 <a:latin typeface="Calibri"/>
               </a:rPr>
-              <a:t> library.rice.edu/dss</a:t>
+              <a:t> </a:t>
+            </a:r>
+            <a:r>
+              <a:rPr b="0" lang="en-US" sz="1200" spc="-1" strike="noStrike">
+                <a:solidFill>
+                  <a:srgbClr val="8b8b8b"/>
+                </a:solidFill>
+                <a:latin typeface="Calibri"/>
+              </a:rPr>
+              <a:t>library.rice.edu/dss</a:t>
             </a:r>
             <a:endParaRPr b="0" lang="en-US" sz="1200" spc="-1" strike="noStrike">
               <a:latin typeface="Times New Roman"/>
@@ -24446,7 +24617,7 @@
                 <a:spcPct val="100000"/>
               </a:lnSpc>
             </a:pPr>
-            <a:fld id="{79186B25-D833-4D3E-B158-40F1F3C1D9EB}" type="slidenum">
+            <a:fld id="{CA283ECD-F103-40FC-8097-C1DC3C768D24}" type="slidenum">
               <a:rPr b="0" lang="en-US" sz="1200" spc="-1" strike="noStrike">
                 <a:solidFill>
                   <a:srgbClr val="8b8b8b"/>
@@ -24630,7 +24801,7 @@
                 <a:spcPct val="100000"/>
               </a:lnSpc>
             </a:pPr>
-            <a:fld id="{F681059E-F387-4EF0-A97F-B7C0A14D8CCC}" type="datetime">
+            <a:fld id="{51BAFE7E-BB67-4384-AD02-4235E528C4B0}" type="datetime">
               <a:rPr b="0" lang="en-US" sz="1200" spc="-1" strike="noStrike">
                 <a:solidFill>
                   <a:srgbClr val="8b8b8b"/>
@@ -24672,7 +24843,7 @@
                 <a:spcPct val="100000"/>
               </a:lnSpc>
             </a:pPr>
-            <a:fld id="{FD19F440-F5F0-4A04-A40F-864440948147}" type="slidenum">
+            <a:fld id="{076F20F6-DCBD-4215-BCB3-0A1954C93300}" type="slidenum">
               <a:rPr b="0" lang="en-US" sz="1200" spc="-1" strike="noStrike">
                 <a:solidFill>
                   <a:srgbClr val="8b8b8b"/>
@@ -24993,7 +25164,7 @@
                 <a:spcPct val="100000"/>
               </a:lnSpc>
             </a:pPr>
-            <a:fld id="{B0BDF216-44B3-4CAE-8F53-4B81A9A09241}" type="datetime">
+            <a:fld id="{144DF15D-B7DA-42C7-9D25-B8DDA394196D}" type="datetime">
               <a:rPr b="0" lang="en-US" sz="1200" spc="-1" strike="noStrike">
                 <a:solidFill>
                   <a:srgbClr val="8b8b8b"/>
@@ -25051,7 +25222,16 @@
                 </a:solidFill>
                 <a:latin typeface="Calibri"/>
               </a:rPr>
-              <a:t>| </a:t>
+              <a:t>| Email</a:t>
+            </a:r>
+            <a:r>
+              <a:rPr b="0" lang="en-US" sz="1200" spc="-1" strike="noStrike">
+                <a:solidFill>
+                  <a:srgbClr val="8b8b8b"/>
+                </a:solidFill>
+                <a:latin typeface="Calibri"/>
+              </a:rPr>
+              <a:t> cf24@rice.edu </a:t>
             </a:r>
             <a:r>
               <a:rPr b="0" lang="en-US" sz="1200" spc="-1" strike="noStrike">
@@ -25060,24 +25240,6 @@
                 </a:solidFill>
                 <a:latin typeface="Calibri"/>
               </a:rPr>
-              <a:t>Email</a:t>
-            </a:r>
-            <a:r>
-              <a:rPr b="0" lang="en-US" sz="1200" spc="-1" strike="noStrike">
-                <a:solidFill>
-                  <a:srgbClr val="8b8b8b"/>
-                </a:solidFill>
-                <a:latin typeface="Calibri"/>
-              </a:rPr>
-              <a:t> cf24@rice.edu </a:t>
-            </a:r>
-            <a:r>
-              <a:rPr b="0" lang="en-US" sz="1200" spc="-1" strike="noStrike">
-                <a:solidFill>
-                  <a:srgbClr val="1f4e79"/>
-                </a:solidFill>
-                <a:latin typeface="Calibri"/>
-              </a:rPr>
               <a:t>|</a:t>
             </a:r>
             <a:r>
@@ -25087,16 +25249,7 @@
                 </a:solidFill>
                 <a:latin typeface="Calibri"/>
               </a:rPr>
-              <a:t> </a:t>
-            </a:r>
-            <a:r>
-              <a:rPr b="0" lang="en-US" sz="1200" spc="-1" strike="noStrike">
-                <a:solidFill>
-                  <a:srgbClr val="8b8b8b"/>
-                </a:solidFill>
-                <a:latin typeface="Calibri"/>
-              </a:rPr>
-              <a:t>library.rice.edu/dss</a:t>
+              <a:t> library.rice.edu/dss</a:t>
             </a:r>
             <a:endParaRPr b="0" lang="en-US" sz="1200" spc="-1" strike="noStrike">
               <a:latin typeface="Times New Roman"/>
@@ -25131,7 +25284,7 @@
                 <a:spcPct val="100000"/>
               </a:lnSpc>
             </a:pPr>
-            <a:fld id="{4845EAA3-9446-4601-AFD2-604CA4E12872}" type="slidenum">
+            <a:fld id="{ADCB9083-4CDF-47AC-B009-703ACC8D0D0A}" type="slidenum">
               <a:rPr b="0" lang="en-US" sz="1200" spc="-1" strike="noStrike">
                 <a:solidFill>
                   <a:srgbClr val="8b8b8b"/>
@@ -25252,16 +25405,7 @@
                 </a:solidFill>
                 <a:latin typeface="Calibri"/>
               </a:rPr>
-              <a:t>CENTRALIZED </a:t>
-            </a:r>
-            <a:r>
-              <a:rPr b="0" lang="en-US" sz="4400" spc="-1" strike="noStrike">
-                <a:solidFill>
-                  <a:srgbClr val="000000"/>
-                </a:solidFill>
-                <a:latin typeface="Calibri"/>
-              </a:rPr>
-              <a:t>WORKFLOW</a:t>
+              <a:t>CENTRALIZED WORKFLOW</a:t>
             </a:r>
             <a:endParaRPr b="0" lang="en-US" sz="4400" spc="-1" strike="noStrike">
               <a:solidFill>
@@ -25462,7 +25606,7 @@
                 <a:spcPct val="100000"/>
               </a:lnSpc>
             </a:pPr>
-            <a:fld id="{AE6806F6-CEF5-4DEF-A8D5-E432969924DF}" type="datetime">
+            <a:fld id="{D4ED956E-7DC7-4B84-8C6D-848E13BB21BD}" type="datetime">
               <a:rPr b="0" lang="en-US" sz="1200" spc="-1" strike="noStrike">
                 <a:solidFill>
                   <a:srgbClr val="8b8b8b"/>
@@ -25582,7 +25726,7 @@
                 <a:spcPct val="100000"/>
               </a:lnSpc>
             </a:pPr>
-            <a:fld id="{8EC63821-3E69-4519-961E-F033FBC2946E}" type="slidenum">
+            <a:fld id="{37786317-37E1-44A6-ABF4-7FA43B078243}" type="slidenum">
               <a:rPr b="0" lang="en-US" sz="1200" spc="-1" strike="noStrike">
                 <a:solidFill>
                   <a:srgbClr val="8b8b8b"/>
@@ -25876,7 +26020,7 @@
                 <a:spcPct val="100000"/>
               </a:lnSpc>
             </a:pPr>
-            <a:fld id="{6B2E7278-DA82-4CA0-A449-DECA87C04A4B}" type="datetime">
+            <a:fld id="{AFA19303-F741-433B-A5D7-72B4B13938AF}" type="datetime">
               <a:rPr b="0" lang="en-US" sz="1200" spc="-1" strike="noStrike">
                 <a:solidFill>
                   <a:srgbClr val="8b8b8b"/>
@@ -25996,7 +26140,7 @@
                 <a:spcPct val="100000"/>
               </a:lnSpc>
             </a:pPr>
-            <a:fld id="{C270222B-198C-4736-8313-2CF8235DED4B}" type="slidenum">
+            <a:fld id="{28294CFE-1393-4010-9F13-93C00CAFCC9B}" type="slidenum">
               <a:rPr b="0" lang="en-US" sz="1200" spc="-1" strike="noStrike">
                 <a:solidFill>
                   <a:srgbClr val="8b8b8b"/>
@@ -26117,7 +26261,43 @@
                 </a:solidFill>
                 <a:latin typeface="Calibri"/>
               </a:rPr>
-              <a:t>LIEUTENANT &amp; DICTATOR WORKFLOW</a:t>
+              <a:t>LIEUTENA</a:t>
+            </a:r>
+            <a:r>
+              <a:rPr b="0" lang="en-US" sz="4400" spc="-1" strike="noStrike">
+                <a:solidFill>
+                  <a:srgbClr val="000000"/>
+                </a:solidFill>
+                <a:latin typeface="Calibri"/>
+              </a:rPr>
+              <a:t>NT &amp; </a:t>
+            </a:r>
+            <a:r>
+              <a:rPr b="0" lang="en-US" sz="4400" spc="-1" strike="noStrike">
+                <a:solidFill>
+                  <a:srgbClr val="000000"/>
+                </a:solidFill>
+                <a:latin typeface="Calibri"/>
+              </a:rPr>
+              <a:t>DICTATOR </a:t>
+            </a:r>
+            <a:r>
+              <a:rPr b="0" lang="en-US" sz="4400" spc="-1" strike="noStrike">
+                <a:solidFill>
+                  <a:srgbClr val="000000"/>
+                </a:solidFill>
+                <a:latin typeface="Calibri"/>
+              </a:rPr>
+              <a:t>WORKFLO</a:t>
+            </a:r>
+            <a:r>
+              <a:rPr b="0" lang="en-US" sz="4400" spc="-1" strike="noStrike">
+                <a:solidFill>
+                  <a:srgbClr val="000000"/>
+                </a:solidFill>
+                <a:latin typeface="Calibri"/>
+              </a:rPr>
+              <a:t>W</a:t>
             </a:r>
             <a:endParaRPr b="0" lang="en-US" sz="4400" spc="-1" strike="noStrike">
               <a:solidFill>
@@ -26262,7 +26442,7 @@
                 <a:spcPct val="100000"/>
               </a:lnSpc>
             </a:pPr>
-            <a:fld id="{B99DBB09-22C4-4C34-9E44-7214692FC013}" type="datetime">
+            <a:fld id="{DE974704-0152-42A9-80F0-C1D2C45E1F54}" type="datetime">
               <a:rPr b="0" lang="en-US" sz="1200" spc="-1" strike="noStrike">
                 <a:solidFill>
                   <a:srgbClr val="8b8b8b"/>
@@ -26320,7 +26500,16 @@
                 </a:solidFill>
                 <a:latin typeface="Calibri"/>
               </a:rPr>
-              <a:t>| Email</a:t>
+              <a:t>| </a:t>
+            </a:r>
+            <a:r>
+              <a:rPr b="0" lang="en-US" sz="1200" spc="-1" strike="noStrike">
+                <a:solidFill>
+                  <a:srgbClr val="1f4e79"/>
+                </a:solidFill>
+                <a:latin typeface="Calibri"/>
+              </a:rPr>
+              <a:t>Email</a:t>
             </a:r>
             <a:r>
               <a:rPr b="0" lang="en-US" sz="1200" spc="-1" strike="noStrike">
@@ -26347,7 +26536,16 @@
                 </a:solidFill>
                 <a:latin typeface="Calibri"/>
               </a:rPr>
-              <a:t> library.rice.edu/dss</a:t>
+              <a:t> </a:t>
+            </a:r>
+            <a:r>
+              <a:rPr b="0" lang="en-US" sz="1200" spc="-1" strike="noStrike">
+                <a:solidFill>
+                  <a:srgbClr val="8b8b8b"/>
+                </a:solidFill>
+                <a:latin typeface="Calibri"/>
+              </a:rPr>
+              <a:t>library.rice.edu/dss</a:t>
             </a:r>
             <a:endParaRPr b="0" lang="en-US" sz="1200" spc="-1" strike="noStrike">
               <a:latin typeface="Times New Roman"/>
@@ -26382,7 +26580,7 @@
                 <a:spcPct val="100000"/>
               </a:lnSpc>
             </a:pPr>
-            <a:fld id="{8652AD7C-A778-427B-9510-CB83290296CE}" type="slidenum">
+            <a:fld id="{537B73CA-5A17-4C6B-ACAE-ABB2534D96AA}" type="slidenum">
               <a:rPr b="0" lang="en-US" sz="1200" spc="-1" strike="noStrike">
                 <a:solidFill>
                   <a:srgbClr val="8b8b8b"/>
@@ -26704,7 +26902,7 @@
                 <a:spcPct val="100000"/>
               </a:lnSpc>
             </a:pPr>
-            <a:fld id="{9E199136-BD0F-47BE-AA6B-57C325723458}" type="datetime">
+            <a:fld id="{1F8C2598-7A1C-4B26-8341-4A6665475071}" type="datetime">
               <a:rPr b="0" lang="en-US" sz="1200" spc="-1" strike="noStrike">
                 <a:solidFill>
                   <a:srgbClr val="8b8b8b"/>
@@ -26746,7 +26944,7 @@
                 <a:spcPct val="100000"/>
               </a:lnSpc>
             </a:pPr>
-            <a:fld id="{68F48C68-0A3E-4C51-97AD-187AE715BEBD}" type="slidenum">
+            <a:fld id="{82D31008-3077-4951-AFDB-C356D787A30D}" type="slidenum">
               <a:rPr b="0" lang="en-US" sz="1200" spc="-1" strike="noStrike">
                 <a:solidFill>
                   <a:srgbClr val="8b8b8b"/>
@@ -27123,7 +27321,7 @@
                 <a:spcPct val="100000"/>
               </a:lnSpc>
             </a:pPr>
-            <a:fld id="{0EA625C6-1CB7-483E-8A6B-C1D45974E5B6}" type="datetime">
+            <a:fld id="{1BA89914-50F0-4D1D-97CF-305EA0CE7E9A}" type="datetime">
               <a:rPr b="0" lang="en-US" sz="1200" spc="-1" strike="noStrike">
                 <a:solidFill>
                   <a:srgbClr val="8b8b8b"/>
@@ -27243,7 +27441,7 @@
                 <a:spcPct val="100000"/>
               </a:lnSpc>
             </a:pPr>
-            <a:fld id="{6C8715AC-A2CE-4D9A-AFBC-9E1B46176A42}" type="slidenum">
+            <a:fld id="{BB8BD0E0-526B-405F-AA51-03E28E8B0E2A}" type="slidenum">
               <a:rPr b="0" lang="en-US" sz="1200" spc="-1" strike="noStrike">
                 <a:solidFill>
                   <a:srgbClr val="8b8b8b"/>
@@ -27389,16 +27587,7 @@
                 </a:solidFill>
                 <a:latin typeface="Calibri"/>
               </a:rPr>
-              <a:t>A walkthrough of the user </a:t>
-            </a:r>
-            <a:r>
-              <a:rPr b="0" lang="en-US" sz="2400" spc="-1" strike="noStrike">
-                <a:solidFill>
-                  <a:srgbClr val="8b8b8b"/>
-                </a:solidFill>
-                <a:latin typeface="Calibri"/>
-              </a:rPr>
-              <a:t>interfaces</a:t>
+              <a:t>A walkthrough of the user interfaces</a:t>
             </a:r>
             <a:endParaRPr b="0" lang="en-US" sz="2400" spc="-1" strike="noStrike">
               <a:solidFill>
@@ -27436,7 +27625,7 @@
                 <a:spcPct val="100000"/>
               </a:lnSpc>
             </a:pPr>
-            <a:fld id="{452AFA5F-89EA-4AF2-A9DB-583CC7B48E68}" type="datetime">
+            <a:fld id="{9B3F4BAF-9867-4AF1-97A4-1A40ABF91C9C}" type="datetime">
               <a:rPr b="0" lang="en-US" sz="1200" spc="-1" strike="noStrike">
                 <a:solidFill>
                   <a:srgbClr val="8b8b8b"/>
@@ -27478,7 +27667,7 @@
                 <a:spcPct val="100000"/>
               </a:lnSpc>
             </a:pPr>
-            <a:fld id="{5AECC039-F092-4EA9-B10E-E0C46C809649}" type="slidenum">
+            <a:fld id="{4767CEB3-C8D7-4D7F-9CB0-27A92FC1FCFF}" type="slidenum">
               <a:rPr b="0" lang="en-US" sz="1200" spc="-1" strike="noStrike">
                 <a:solidFill>
                   <a:srgbClr val="8b8b8b"/>
@@ -27654,16 +27843,7 @@
                 </a:solidFill>
                 <a:latin typeface="Calibri"/>
               </a:rPr>
-              <a:t>GETTING OUR </a:t>
-            </a:r>
-            <a:r>
-              <a:rPr b="0" lang="en-US" sz="4400" spc="-1" strike="noStrike">
-                <a:solidFill>
-                  <a:srgbClr val="000000"/>
-                </a:solidFill>
-                <a:latin typeface="Calibri"/>
-              </a:rPr>
-              <a:t>BEARINGS</a:t>
+              <a:t>GETTING OUR BEARINGS</a:t>
             </a:r>
             <a:endParaRPr b="0" lang="en-US" sz="4400" spc="-1" strike="noStrike">
               <a:solidFill>
@@ -27770,7 +27950,7 @@
                 <a:spcPct val="100000"/>
               </a:lnSpc>
             </a:pPr>
-            <a:fld id="{95A4B07E-C51E-4EBD-8727-B6403FEA9445}" type="datetime">
+            <a:fld id="{6F315771-EA56-469F-B16A-97B3C3863E6B}" type="datetime">
               <a:rPr b="0" lang="en-US" sz="1200" spc="-1" strike="noStrike">
                 <a:solidFill>
                   <a:srgbClr val="8b8b8b"/>
@@ -27812,7 +27992,7 @@
                 <a:spcPct val="100000"/>
               </a:lnSpc>
             </a:pPr>
-            <a:fld id="{82FB3587-858D-48B7-9E67-1FF24AEFE80E}" type="slidenum">
+            <a:fld id="{35B995B1-097C-4845-A463-A7CF0AE151B3}" type="slidenum">
               <a:rPr b="0" lang="en-US" sz="1200" spc="-1" strike="noStrike">
                 <a:solidFill>
                   <a:srgbClr val="8b8b8b"/>
@@ -28074,7 +28254,7 @@
                 <a:spcPct val="100000"/>
               </a:lnSpc>
             </a:pPr>
-            <a:fld id="{705BD415-3188-405D-B7CB-2FA600251316}" type="datetime">
+            <a:fld id="{F1A81E3B-5740-412F-A8F5-BA2C0EC62AD8}" type="datetime">
               <a:rPr b="0" lang="en-US" sz="1200" spc="-1" strike="noStrike">
                 <a:solidFill>
                   <a:srgbClr val="8b8b8b"/>
@@ -28116,7 +28296,7 @@
                 <a:spcPct val="100000"/>
               </a:lnSpc>
             </a:pPr>
-            <a:fld id="{1CBF787D-E5B4-4829-9A14-3CB8F829F785}" type="slidenum">
+            <a:fld id="{25E565B9-9F37-45F4-812E-342D9A77A73D}" type="slidenum">
               <a:rPr b="0" lang="en-US" sz="1200" spc="-1" strike="noStrike">
                 <a:solidFill>
                   <a:srgbClr val="8b8b8b"/>
@@ -28461,7 +28641,7 @@
                 <a:spcPct val="100000"/>
               </a:lnSpc>
             </a:pPr>
-            <a:fld id="{244CF823-10BB-4502-95BB-76AA264E9B17}" type="datetime">
+            <a:fld id="{9E29BE9B-257C-418D-9762-AF491DE26E86}" type="datetime">
               <a:rPr b="0" lang="en-US" sz="1200" spc="-1" strike="noStrike">
                 <a:solidFill>
                   <a:srgbClr val="8b8b8b"/>
@@ -28503,7 +28683,7 @@
                 <a:spcPct val="100000"/>
               </a:lnSpc>
             </a:pPr>
-            <a:fld id="{443881BB-3FB4-4316-917C-869D3D372531}" type="slidenum">
+            <a:fld id="{7ACAFFF2-320B-4A4A-858E-49C88C630C45}" type="slidenum">
               <a:rPr b="0" lang="en-US" sz="1200" spc="-1" strike="noStrike">
                 <a:solidFill>
                   <a:srgbClr val="8b8b8b"/>

--- a/github/Introduction to Git & GitHub.pptx
+++ b/github/Introduction to Git & GitHub.pptx
@@ -21,9 +21,9 @@
     <p:sldId id="324" r:id="rId12"/>
     <p:sldId id="325" r:id="rId13"/>
     <p:sldId id="263" r:id="rId14"/>
-    <p:sldId id="331" r:id="rId15"/>
-    <p:sldId id="264" r:id="rId16"/>
-    <p:sldId id="265" r:id="rId17"/>
+    <p:sldId id="265" r:id="rId15"/>
+    <p:sldId id="331" r:id="rId16"/>
+    <p:sldId id="264" r:id="rId17"/>
     <p:sldId id="266" r:id="rId18"/>
     <p:sldId id="267" r:id="rId19"/>
     <p:sldId id="268" r:id="rId20"/>
@@ -186,6 +186,65 @@
 </p:presentation>
 </file>
 
+<file path=ppt/revisionInfo.xml><?xml version="1.0" encoding="utf-8"?>
+<p1510:revInfo xmlns:a="http://schemas.openxmlformats.org/drawingml/2006/main" xmlns:r="http://schemas.openxmlformats.org/officeDocument/2006/relationships" xmlns:p1510="http://schemas.microsoft.com/office/powerpoint/2015/10/main">
+  <p1510:revLst>
+    <p1510:client id="{C79C065D-9C68-496C-BA09-F7A24EF70ACB}" v="1" dt="2019-06-18T15:38:16.430"/>
+  </p1510:revLst>
+</p1510:revInfo>
+</file>
+
+<file path=ppt/changesInfos/changesInfo1.xml><?xml version="1.0" encoding="utf-8"?>
+<pc:chgInfo xmlns:a="http://schemas.openxmlformats.org/drawingml/2006/main" xmlns:r="http://schemas.openxmlformats.org/officeDocument/2006/relationships" xmlns:ac="http://schemas.microsoft.com/office/drawing/2013/main/command" xmlns:pc="http://schemas.microsoft.com/office/powerpoint/2013/main/command">
+  <pc:docChgLst>
+    <pc:chgData name="Corrin Fosmire" userId="a524964c-8ea2-4043-a42f-6197262f79fd" providerId="ADAL" clId="{C79C065D-9C68-496C-BA09-F7A24EF70ACB}"/>
+    <pc:docChg chg="modSld sldOrd">
+      <pc:chgData name="Corrin Fosmire" userId="a524964c-8ea2-4043-a42f-6197262f79fd" providerId="ADAL" clId="{C79C065D-9C68-496C-BA09-F7A24EF70ACB}" dt="2019-06-18T17:41:47.188" v="15" actId="14"/>
+      <pc:docMkLst>
+        <pc:docMk/>
+      </pc:docMkLst>
+      <pc:sldChg chg="ord">
+        <pc:chgData name="Corrin Fosmire" userId="a524964c-8ea2-4043-a42f-6197262f79fd" providerId="ADAL" clId="{C79C065D-9C68-496C-BA09-F7A24EF70ACB}" dt="2019-06-18T15:38:16.415" v="0"/>
+        <pc:sldMkLst>
+          <pc:docMk/>
+          <pc:sldMk cId="0" sldId="265"/>
+        </pc:sldMkLst>
+      </pc:sldChg>
+      <pc:sldChg chg="modSp">
+        <pc:chgData name="Corrin Fosmire" userId="a524964c-8ea2-4043-a42f-6197262f79fd" providerId="ADAL" clId="{C79C065D-9C68-496C-BA09-F7A24EF70ACB}" dt="2019-06-18T17:41:02.332" v="2" actId="15"/>
+        <pc:sldMkLst>
+          <pc:docMk/>
+          <pc:sldMk cId="0" sldId="267"/>
+        </pc:sldMkLst>
+        <pc:spChg chg="mod">
+          <ac:chgData name="Corrin Fosmire" userId="a524964c-8ea2-4043-a42f-6197262f79fd" providerId="ADAL" clId="{C79C065D-9C68-496C-BA09-F7A24EF70ACB}" dt="2019-06-18T17:41:02.332" v="2" actId="15"/>
+          <ac:spMkLst>
+            <pc:docMk/>
+            <pc:sldMk cId="0" sldId="267"/>
+            <ac:spMk id="194" creationId="{00000000-0000-0000-0000-000000000000}"/>
+          </ac:spMkLst>
+        </pc:spChg>
+      </pc:sldChg>
+      <pc:sldChg chg="modSp">
+        <pc:chgData name="Corrin Fosmire" userId="a524964c-8ea2-4043-a42f-6197262f79fd" providerId="ADAL" clId="{C79C065D-9C68-496C-BA09-F7A24EF70ACB}" dt="2019-06-18T17:41:47.188" v="15" actId="14"/>
+        <pc:sldMkLst>
+          <pc:docMk/>
+          <pc:sldMk cId="0" sldId="268"/>
+        </pc:sldMkLst>
+        <pc:spChg chg="mod">
+          <ac:chgData name="Corrin Fosmire" userId="a524964c-8ea2-4043-a42f-6197262f79fd" providerId="ADAL" clId="{C79C065D-9C68-496C-BA09-F7A24EF70ACB}" dt="2019-06-18T17:41:47.188" v="15" actId="14"/>
+          <ac:spMkLst>
+            <pc:docMk/>
+            <pc:sldMk cId="0" sldId="268"/>
+            <ac:spMk id="200" creationId="{00000000-0000-0000-0000-000000000000}"/>
+          </ac:spMkLst>
+        </pc:spChg>
+      </pc:sldChg>
+    </pc:docChg>
+  </pc:docChgLst>
+</pc:chgInfo>
+</file>
+
 <file path=ppt/notesMasters/notesMaster1.xml><?xml version="1.0" encoding="utf-8"?>
 <p:notesMaster xmlns:a="http://schemas.openxmlformats.org/drawingml/2006/main" xmlns:r="http://schemas.openxmlformats.org/officeDocument/2006/relationships" xmlns:p="http://schemas.openxmlformats.org/presentationml/2006/main">
   <p:cSld>
@@ -268,7 +327,7 @@
           <a:p>
             <a:fld id="{D4B421D0-D28C-4D32-AEA6-0916B35F8154}" type="datetimeFigureOut">
               <a:rPr lang="en-US" smtClean="0"/>
-              <a:t>6/17/2019</a:t>
+              <a:t>6/18/2019</a:t>
             </a:fld>
             <a:endParaRPr lang="en-US"/>
           </a:p>
@@ -332,38 +391,37 @@
           <a:p>
             <a:pPr lvl="0"/>
             <a:r>
-              <a:rPr lang="en-US" smtClean="0"/>
+              <a:rPr lang="en-US"/>
               <a:t>Edit Master text styles</a:t>
             </a:r>
           </a:p>
           <a:p>
             <a:pPr lvl="1"/>
             <a:r>
-              <a:rPr lang="en-US" smtClean="0"/>
+              <a:rPr lang="en-US"/>
               <a:t>Second level</a:t>
             </a:r>
           </a:p>
           <a:p>
             <a:pPr lvl="2"/>
             <a:r>
-              <a:rPr lang="en-US" smtClean="0"/>
+              <a:rPr lang="en-US"/>
               <a:t>Third level</a:t>
             </a:r>
           </a:p>
           <a:p>
             <a:pPr lvl="3"/>
             <a:r>
-              <a:rPr lang="en-US" smtClean="0"/>
+              <a:rPr lang="en-US"/>
               <a:t>Fourth level</a:t>
             </a:r>
           </a:p>
           <a:p>
             <a:pPr lvl="4"/>
             <a:r>
-              <a:rPr lang="en-US" smtClean="0"/>
+              <a:rPr lang="en-US"/>
               <a:t>Fifth level</a:t>
             </a:r>
-            <a:endParaRPr lang="en-US"/>
           </a:p>
         </p:txBody>
       </p:sp>
@@ -5298,7 +5356,7 @@
                 </a:solidFill>
                 <a:latin typeface="Calibri"/>
               </a:rPr>
-              <a:t>6/17/2019</a:t>
+              <a:t>6/18/2019</a:t>
             </a:fld>
             <a:endParaRPr lang="en-US" sz="1200" b="0" strike="noStrike" spc="-1">
               <a:latin typeface="Times New Roman"/>
@@ -6116,7 +6174,7 @@
                 </a:solidFill>
                 <a:latin typeface="Calibri"/>
               </a:rPr>
-              <a:t>6/17/2019</a:t>
+              <a:t>6/18/2019</a:t>
             </a:fld>
             <a:endParaRPr lang="en-US" sz="1200" b="0" strike="noStrike" spc="-1">
               <a:latin typeface="Times New Roman"/>
@@ -6724,7 +6782,7 @@
                 </a:solidFill>
                 <a:latin typeface="Calibri"/>
               </a:rPr>
-              <a:t>6/17/2019</a:t>
+              <a:t>6/18/2019</a:t>
             </a:fld>
             <a:endParaRPr lang="en-US" sz="1200" b="0" strike="noStrike" spc="-1">
               <a:latin typeface="Times New Roman"/>
@@ -7233,9 +7291,6 @@
               </a:rPr>
               <a:t>Introduction to </a:t>
             </a:r>
-            <a:r>
-              <a:t/>
-            </a:r>
             <a:br/>
             <a:r>
               <a:rPr lang="en-US" sz="6600" b="1" strike="noStrike" spc="-1">
@@ -7245,9 +7300,6 @@
                 <a:latin typeface="Calibri Light"/>
               </a:rPr>
               <a:t>Git and GitHub</a:t>
-            </a:r>
-            <a:r>
-              <a:t/>
             </a:r>
             <a:br/>
             <a:endParaRPr lang="en-US" sz="6600" b="0" strike="noStrike" spc="-1">
@@ -7583,23 +7635,8 @@
                 </a:solidFill>
                 <a:latin typeface="Calibri"/>
               </a:rPr>
-              <a:t>GETTING OUR </a:t>
-            </a:r>
-            <a:r>
-              <a:rPr lang="en-US" sz="4400" b="0" strike="noStrike" spc="-1" dirty="0" smtClean="0">
-                <a:solidFill>
-                  <a:srgbClr val="000000"/>
-                </a:solidFill>
-                <a:latin typeface="Calibri"/>
-              </a:rPr>
-              <a:t>BEARINGS: DESKTOP</a:t>
-            </a:r>
-            <a:endParaRPr lang="en-US" sz="4400" b="0" strike="noStrike" spc="-1" dirty="0">
-              <a:solidFill>
-                <a:srgbClr val="000000"/>
-              </a:solidFill>
-              <a:latin typeface="Calibri"/>
-            </a:endParaRPr>
+              <a:t>GETTING OUR BEARINGS: DESKTOP</a:t>
+            </a:r>
           </a:p>
         </p:txBody>
       </p:sp>
@@ -7638,7 +7675,7 @@
                 </a:solidFill>
                 <a:latin typeface="Calibri"/>
               </a:rPr>
-              <a:t>6/17/2019</a:t>
+              <a:t>6/18/2019</a:t>
             </a:fld>
             <a:endParaRPr lang="en-US" sz="1200" b="0" strike="noStrike" spc="-1">
               <a:latin typeface="Times New Roman"/>
@@ -7854,7 +7891,7 @@
               </a:lnSpc>
             </a:pPr>
             <a:r>
-              <a:rPr lang="en-US" sz="6000" b="0" strike="noStrike" spc="-1">
+              <a:rPr lang="en-US" sz="6000" b="0" strike="noStrike" spc="-1" dirty="0">
                 <a:solidFill>
                   <a:srgbClr val="000000"/>
                 </a:solidFill>
@@ -7949,7 +7986,7 @@
                 </a:solidFill>
                 <a:latin typeface="Calibri"/>
               </a:rPr>
-              <a:t>6/17/2019</a:t>
+              <a:t>6/18/2019</a:t>
             </a:fld>
             <a:endParaRPr lang="en-US" sz="1200" b="0" strike="noStrike" spc="-1">
               <a:latin typeface="Times New Roman"/>
@@ -8133,7 +8170,7 @@
       </p:grpSpPr>
       <p:sp>
         <p:nvSpPr>
-          <p:cNvPr id="173" name="TextShape 1"/>
+          <p:cNvPr id="181" name="TextShape 1"/>
           <p:cNvSpPr txBox="1"/>
           <p:nvPr/>
         </p:nvSpPr>
@@ -8160,7 +8197,7 @@
               </a:lnSpc>
             </a:pPr>
             <a:r>
-              <a:rPr lang="en-US" sz="4400" b="0" strike="noStrike" spc="-1" dirty="0">
+              <a:rPr lang="en-US" sz="4400" b="0" strike="noStrike" spc="-1">
                 <a:solidFill>
                   <a:srgbClr val="000000"/>
                 </a:solidFill>
@@ -8171,9 +8208,87 @@
           </a:p>
         </p:txBody>
       </p:sp>
-      <p:sp>
-        <p:nvSpPr>
-          <p:cNvPr id="175" name="TextShape 3"/>
+      <p:pic>
+        <p:nvPicPr>
+          <p:cNvPr id="182" name="Content Placeholder 5"/>
+          <p:cNvPicPr/>
+          <p:nvPr/>
+        </p:nvPicPr>
+        <p:blipFill>
+          <a:blip r:embed="rId2"/>
+          <a:stretch/>
+        </p:blipFill>
+        <p:spPr>
+          <a:xfrm>
+            <a:off x="993240" y="1807200"/>
+            <a:ext cx="9079200" cy="3558960"/>
+          </a:xfrm>
+          <a:prstGeom prst="rect">
+            <a:avLst/>
+          </a:prstGeom>
+          <a:ln>
+            <a:noFill/>
+          </a:ln>
+        </p:spPr>
+      </p:pic>
+      <p:sp>
+        <p:nvSpPr>
+          <p:cNvPr id="183" name="CustomShape 2"/>
+          <p:cNvSpPr/>
+          <p:nvPr/>
+        </p:nvSpPr>
+        <p:spPr>
+          <a:xfrm>
+            <a:off x="3333240" y="5538240"/>
+            <a:ext cx="4399560" cy="912600"/>
+          </a:xfrm>
+          <a:prstGeom prst="rect">
+            <a:avLst/>
+          </a:prstGeom>
+          <a:noFill/>
+          <a:ln>
+            <a:noFill/>
+          </a:ln>
+        </p:spPr>
+        <p:style>
+          <a:lnRef idx="0">
+            <a:scrgbClr r="0" g="0" b="0"/>
+          </a:lnRef>
+          <a:fillRef idx="0">
+            <a:scrgbClr r="0" g="0" b="0"/>
+          </a:fillRef>
+          <a:effectRef idx="0">
+            <a:scrgbClr r="0" g="0" b="0"/>
+          </a:effectRef>
+          <a:fontRef idx="minor"/>
+        </p:style>
+        <p:txBody>
+          <a:bodyPr lIns="90000" tIns="45000" rIns="90000" bIns="45000"/>
+          <a:lstStyle/>
+          <a:p>
+            <a:pPr algn="ctr">
+              <a:lnSpc>
+                <a:spcPct val="100000"/>
+              </a:lnSpc>
+            </a:pPr>
+            <a:r>
+              <a:rPr lang="en-US" sz="1800" b="0" strike="noStrike" spc="-1">
+                <a:solidFill>
+                  <a:srgbClr val="000000"/>
+                </a:solidFill>
+                <a:latin typeface="Calibri"/>
+              </a:rPr>
+              <a:t>Stores the entire file structure at each snapshot, not a set of changes to one file!</a:t>
+            </a:r>
+            <a:endParaRPr lang="en-US" sz="1800" b="0" strike="noStrike" spc="-1">
+              <a:latin typeface="Arial"/>
+            </a:endParaRPr>
+          </a:p>
+        </p:txBody>
+      </p:sp>
+      <p:sp>
+        <p:nvSpPr>
+          <p:cNvPr id="184" name="TextShape 3"/>
           <p:cNvSpPr txBox="1"/>
           <p:nvPr/>
         </p:nvSpPr>
@@ -8199,14 +8314,14 @@
                 <a:spcPct val="100000"/>
               </a:lnSpc>
             </a:pPr>
-            <a:fld id="{9E29BE9B-257C-418D-9762-AF491DE26E86}" type="datetime">
-              <a:rPr lang="en-US" sz="1200" b="0" strike="noStrike" spc="-1">
-                <a:solidFill>
-                  <a:srgbClr val="8B8B8B"/>
-                </a:solidFill>
-                <a:latin typeface="Calibri"/>
-              </a:rPr>
-              <a:t>6/17/2019</a:t>
+            <a:fld id="{6A98919A-F820-4DC5-A6FF-FBCD2B8B331E}" type="datetime">
+              <a:rPr lang="en-US" sz="1200" b="0" strike="noStrike" spc="-1">
+                <a:solidFill>
+                  <a:srgbClr val="8B8B8B"/>
+                </a:solidFill>
+                <a:latin typeface="Calibri"/>
+              </a:rPr>
+              <a:t>6/18/2019</a:t>
             </a:fld>
             <a:endParaRPr lang="en-US" sz="1200" b="0" strike="noStrike" spc="-1">
               <a:latin typeface="Times New Roman"/>
@@ -8216,7 +8331,7 @@
       </p:sp>
       <p:sp>
         <p:nvSpPr>
-          <p:cNvPr id="176" name="TextShape 4"/>
+          <p:cNvPr id="185" name="TextShape 4"/>
           <p:cNvSpPr txBox="1"/>
           <p:nvPr/>
         </p:nvSpPr>
@@ -8242,7 +8357,7 @@
                 <a:spcPct val="100000"/>
               </a:lnSpc>
             </a:pPr>
-            <a:fld id="{7ACAFFF2-320B-4A4A-858E-49C88C630C45}" type="slidenum">
+            <a:fld id="{52D7011F-72ED-4999-856E-4D298D6BBFE7}" type="slidenum">
               <a:rPr lang="en-US" sz="1200" b="0" strike="noStrike" spc="-1">
                 <a:solidFill>
                   <a:srgbClr val="8B8B8B"/>
@@ -8259,7 +8374,7 @@
       </p:sp>
       <p:sp>
         <p:nvSpPr>
-          <p:cNvPr id="178" name="TextShape 5"/>
+          <p:cNvPr id="186" name="TextShape 5"/>
           <p:cNvSpPr txBox="1"/>
           <p:nvPr/>
         </p:nvSpPr>
@@ -8336,36 +8451,7 @@
           </a:p>
         </p:txBody>
       </p:sp>
-      <p:pic>
-        <p:nvPicPr>
-          <p:cNvPr id="2" name="Picture 1"/>
-          <p:cNvPicPr>
-            <a:picLocks noChangeAspect="1"/>
-          </p:cNvPicPr>
-          <p:nvPr/>
-        </p:nvPicPr>
-        <p:blipFill>
-          <a:blip r:embed="rId2"/>
-          <a:stretch>
-            <a:fillRect/>
-          </a:stretch>
-        </p:blipFill>
-        <p:spPr>
-          <a:xfrm>
-            <a:off x="1234546" y="2010303"/>
-            <a:ext cx="9401175" cy="3667125"/>
-          </a:xfrm>
-          <a:prstGeom prst="rect">
-            <a:avLst/>
-          </a:prstGeom>
-        </p:spPr>
-      </p:pic>
     </p:spTree>
-    <p:extLst>
-      <p:ext uri="{BB962C8B-B14F-4D97-AF65-F5344CB8AC3E}">
-        <p14:creationId xmlns:p14="http://schemas.microsoft.com/office/powerpoint/2010/main" val="3900598343"/>
-      </p:ext>
-    </p:extLst>
   </p:cSld>
   <p:clrMapOvr>
     <a:masterClrMapping/>
@@ -8446,133 +8532,13 @@
               </a:lnSpc>
             </a:pPr>
             <a:r>
-              <a:rPr lang="en-US" sz="4400" b="0" strike="noStrike" spc="-1">
+              <a:rPr lang="en-US" sz="4400" b="0" strike="noStrike" spc="-1" dirty="0">
                 <a:solidFill>
                   <a:srgbClr val="000000"/>
                 </a:solidFill>
                 <a:latin typeface="Calibri"/>
               </a:rPr>
               <a:t>SNAPSHOTS</a:t>
-            </a:r>
-          </a:p>
-        </p:txBody>
-      </p:sp>
-      <p:sp>
-        <p:nvSpPr>
-          <p:cNvPr id="174" name="TextShape 2"/>
-          <p:cNvSpPr txBox="1"/>
-          <p:nvPr/>
-        </p:nvSpPr>
-        <p:spPr>
-          <a:xfrm>
-            <a:off x="838080" y="1825560"/>
-            <a:ext cx="10261080" cy="4350960"/>
-          </a:xfrm>
-          <a:prstGeom prst="rect">
-            <a:avLst/>
-          </a:prstGeom>
-          <a:noFill/>
-          <a:ln>
-            <a:noFill/>
-          </a:ln>
-        </p:spPr>
-        <p:txBody>
-          <a:bodyPr/>
-          <a:lstStyle/>
-          <a:p>
-            <a:pPr marL="228600" indent="-228240">
-              <a:lnSpc>
-                <a:spcPct val="90000"/>
-              </a:lnSpc>
-              <a:spcBef>
-                <a:spcPts val="1001"/>
-              </a:spcBef>
-              <a:buClr>
-                <a:srgbClr val="000000"/>
-              </a:buClr>
-              <a:buFont typeface="Arial"/>
-              <a:buChar char="•"/>
-            </a:pPr>
-            <a:r>
-              <a:rPr lang="en-US" sz="2800" b="0" strike="noStrike" spc="-1">
-                <a:solidFill>
-                  <a:srgbClr val="000000"/>
-                </a:solidFill>
-                <a:latin typeface="Calibri"/>
-              </a:rPr>
-              <a:t>Sample Snapshot: Caption and Set of Files</a:t>
-            </a:r>
-          </a:p>
-          <a:p>
-            <a:pPr>
-              <a:lnSpc>
-                <a:spcPct val="90000"/>
-              </a:lnSpc>
-              <a:spcBef>
-                <a:spcPts val="1001"/>
-              </a:spcBef>
-            </a:pPr>
-            <a:endParaRPr lang="en-US" sz="2800" b="0" strike="noStrike" spc="-1">
-              <a:solidFill>
-                <a:srgbClr val="000000"/>
-              </a:solidFill>
-              <a:latin typeface="Calibri"/>
-            </a:endParaRPr>
-          </a:p>
-          <a:p>
-            <a:pPr>
-              <a:lnSpc>
-                <a:spcPct val="90000"/>
-              </a:lnSpc>
-              <a:spcBef>
-                <a:spcPts val="1001"/>
-              </a:spcBef>
-            </a:pPr>
-            <a:endParaRPr lang="en-US" sz="2800" b="0" strike="noStrike" spc="-1">
-              <a:solidFill>
-                <a:srgbClr val="000000"/>
-              </a:solidFill>
-              <a:latin typeface="Calibri"/>
-            </a:endParaRPr>
-          </a:p>
-          <a:p>
-            <a:pPr>
-              <a:lnSpc>
-                <a:spcPct val="90000"/>
-              </a:lnSpc>
-              <a:spcBef>
-                <a:spcPts val="1001"/>
-              </a:spcBef>
-            </a:pPr>
-            <a:endParaRPr lang="en-US" sz="2800" b="0" strike="noStrike" spc="-1">
-              <a:solidFill>
-                <a:srgbClr val="000000"/>
-              </a:solidFill>
-              <a:latin typeface="Calibri"/>
-            </a:endParaRPr>
-          </a:p>
-          <a:p>
-            <a:pPr marL="228600" indent="-228240">
-              <a:lnSpc>
-                <a:spcPct val="90000"/>
-              </a:lnSpc>
-              <a:spcBef>
-                <a:spcPts val="1001"/>
-              </a:spcBef>
-              <a:buClr>
-                <a:srgbClr val="000000"/>
-              </a:buClr>
-              <a:buFont typeface="Arial"/>
-              <a:buChar char="•"/>
-            </a:pPr>
-            <a:r>
-              <a:rPr lang="en-US" sz="2800" b="0" strike="noStrike" spc="-1">
-                <a:solidFill>
-                  <a:srgbClr val="000000"/>
-                </a:solidFill>
-                <a:latin typeface="Calibri"/>
-              </a:rPr>
-              <a:t>Can see all files present at any of these times!</a:t>
             </a:r>
           </a:p>
         </p:txBody>
@@ -8612,7 +8578,7 @@
                 </a:solidFill>
                 <a:latin typeface="Calibri"/>
               </a:rPr>
-              <a:t>6/17/2019</a:t>
+              <a:t>6/18/2019</a:t>
             </a:fld>
             <a:endParaRPr lang="en-US" sz="1200" b="0" strike="noStrike" spc="-1">
               <a:latin typeface="Times New Roman"/>
@@ -8663,156 +8629,115 @@
           </a:p>
         </p:txBody>
       </p:sp>
+      <p:sp>
+        <p:nvSpPr>
+          <p:cNvPr id="178" name="TextShape 5"/>
+          <p:cNvSpPr txBox="1"/>
+          <p:nvPr/>
+        </p:nvSpPr>
+        <p:spPr>
+          <a:xfrm>
+            <a:off x="3581280" y="6356520"/>
+            <a:ext cx="5028840" cy="364680"/>
+          </a:xfrm>
+          <a:prstGeom prst="rect">
+            <a:avLst/>
+          </a:prstGeom>
+          <a:noFill/>
+          <a:ln>
+            <a:noFill/>
+          </a:ln>
+        </p:spPr>
+        <p:txBody>
+          <a:bodyPr anchor="ctr"/>
+          <a:lstStyle/>
+          <a:p>
+            <a:pPr algn="ctr">
+              <a:lnSpc>
+                <a:spcPct val="100000"/>
+              </a:lnSpc>
+            </a:pPr>
+            <a:r>
+              <a:rPr lang="en-US" sz="1200" b="0" strike="noStrike" spc="-1">
+                <a:solidFill>
+                  <a:srgbClr val="8B8B8B"/>
+                </a:solidFill>
+                <a:latin typeface="Calibri"/>
+              </a:rPr>
+              <a:t>Digital Scholarship Services </a:t>
+            </a:r>
+            <a:r>
+              <a:rPr lang="en-US" sz="1200" b="0" strike="noStrike" spc="-1">
+                <a:solidFill>
+                  <a:srgbClr val="1F4E79"/>
+                </a:solidFill>
+                <a:latin typeface="Calibri"/>
+              </a:rPr>
+              <a:t>| Email</a:t>
+            </a:r>
+            <a:r>
+              <a:rPr lang="en-US" sz="1200" b="0" strike="noStrike" spc="-1">
+                <a:solidFill>
+                  <a:srgbClr val="8B8B8B"/>
+                </a:solidFill>
+                <a:latin typeface="Calibri"/>
+              </a:rPr>
+              <a:t> cf24@rice.edu </a:t>
+            </a:r>
+            <a:r>
+              <a:rPr lang="en-US" sz="1200" b="0" strike="noStrike" spc="-1">
+                <a:solidFill>
+                  <a:srgbClr val="1F4E79"/>
+                </a:solidFill>
+                <a:latin typeface="Calibri"/>
+              </a:rPr>
+              <a:t>|</a:t>
+            </a:r>
+            <a:r>
+              <a:rPr lang="en-US" sz="1200" b="0" strike="noStrike" spc="-1">
+                <a:solidFill>
+                  <a:srgbClr val="8B8B8B"/>
+                </a:solidFill>
+                <a:latin typeface="Calibri"/>
+              </a:rPr>
+              <a:t> library.rice.edu/dss</a:t>
+            </a:r>
+            <a:endParaRPr lang="en-US" sz="1200" b="0" strike="noStrike" spc="-1">
+              <a:latin typeface="Times New Roman"/>
+            </a:endParaRPr>
+          </a:p>
+        </p:txBody>
+      </p:sp>
       <p:pic>
         <p:nvPicPr>
-          <p:cNvPr id="177" name="Picture 11"/>
-          <p:cNvPicPr/>
+          <p:cNvPr id="2" name="Picture 1"/>
+          <p:cNvPicPr>
+            <a:picLocks noChangeAspect="1"/>
+          </p:cNvPicPr>
           <p:nvPr/>
         </p:nvPicPr>
         <p:blipFill>
           <a:blip r:embed="rId2"/>
-          <a:srcRect t="38722"/>
-          <a:stretch/>
+          <a:stretch>
+            <a:fillRect/>
+          </a:stretch>
         </p:blipFill>
         <p:spPr>
           <a:xfrm>
-            <a:off x="1380960" y="2355840"/>
-            <a:ext cx="9429480" cy="1284120"/>
-          </a:xfrm>
-          <a:prstGeom prst="rect">
-            <a:avLst/>
-          </a:prstGeom>
-          <a:ln>
-            <a:noFill/>
-          </a:ln>
-        </p:spPr>
-      </p:pic>
-      <p:sp>
-        <p:nvSpPr>
-          <p:cNvPr id="178" name="TextShape 5"/>
-          <p:cNvSpPr txBox="1"/>
-          <p:nvPr/>
-        </p:nvSpPr>
-        <p:spPr>
-          <a:xfrm>
-            <a:off x="3581280" y="6356520"/>
-            <a:ext cx="5028840" cy="364680"/>
-          </a:xfrm>
-          <a:prstGeom prst="rect">
-            <a:avLst/>
-          </a:prstGeom>
-          <a:noFill/>
-          <a:ln>
-            <a:noFill/>
-          </a:ln>
-        </p:spPr>
-        <p:txBody>
-          <a:bodyPr anchor="ctr"/>
-          <a:lstStyle/>
-          <a:p>
-            <a:pPr algn="ctr">
-              <a:lnSpc>
-                <a:spcPct val="100000"/>
-              </a:lnSpc>
-            </a:pPr>
-            <a:r>
-              <a:rPr lang="en-US" sz="1200" b="0" strike="noStrike" spc="-1">
-                <a:solidFill>
-                  <a:srgbClr val="8B8B8B"/>
-                </a:solidFill>
-                <a:latin typeface="Calibri"/>
-              </a:rPr>
-              <a:t>Digital Scholarship Services </a:t>
-            </a:r>
-            <a:r>
-              <a:rPr lang="en-US" sz="1200" b="0" strike="noStrike" spc="-1">
-                <a:solidFill>
-                  <a:srgbClr val="1F4E79"/>
-                </a:solidFill>
-                <a:latin typeface="Calibri"/>
-              </a:rPr>
-              <a:t>| Email</a:t>
-            </a:r>
-            <a:r>
-              <a:rPr lang="en-US" sz="1200" b="0" strike="noStrike" spc="-1">
-                <a:solidFill>
-                  <a:srgbClr val="8B8B8B"/>
-                </a:solidFill>
-                <a:latin typeface="Calibri"/>
-              </a:rPr>
-              <a:t> cf24@rice.edu </a:t>
-            </a:r>
-            <a:r>
-              <a:rPr lang="en-US" sz="1200" b="0" strike="noStrike" spc="-1">
-                <a:solidFill>
-                  <a:srgbClr val="1F4E79"/>
-                </a:solidFill>
-                <a:latin typeface="Calibri"/>
-              </a:rPr>
-              <a:t>|</a:t>
-            </a:r>
-            <a:r>
-              <a:rPr lang="en-US" sz="1200" b="0" strike="noStrike" spc="-1">
-                <a:solidFill>
-                  <a:srgbClr val="8B8B8B"/>
-                </a:solidFill>
-                <a:latin typeface="Calibri"/>
-              </a:rPr>
-              <a:t> library.rice.edu/dss</a:t>
-            </a:r>
-            <a:endParaRPr lang="en-US" sz="1200" b="0" strike="noStrike" spc="-1">
-              <a:latin typeface="Times New Roman"/>
-            </a:endParaRPr>
-          </a:p>
-        </p:txBody>
-      </p:sp>
-      <p:pic>
-        <p:nvPicPr>
-          <p:cNvPr id="179" name="Picture 7"/>
-          <p:cNvPicPr/>
-          <p:nvPr/>
-        </p:nvPicPr>
-        <p:blipFill>
-          <a:blip r:embed="rId3"/>
-          <a:stretch/>
-        </p:blipFill>
-        <p:spPr>
-          <a:xfrm>
-            <a:off x="5495760" y="4394880"/>
-            <a:ext cx="5857560" cy="1247400"/>
-          </a:xfrm>
-          <a:prstGeom prst="rect">
-            <a:avLst/>
-          </a:prstGeom>
-          <a:ln>
-            <a:noFill/>
-          </a:ln>
-        </p:spPr>
-      </p:pic>
-      <p:pic>
-        <p:nvPicPr>
-          <p:cNvPr id="180" name="Picture 8"/>
-          <p:cNvPicPr/>
-          <p:nvPr/>
-        </p:nvPicPr>
-        <p:blipFill>
-          <a:blip r:embed="rId4"/>
-          <a:stretch/>
-        </p:blipFill>
-        <p:spPr>
-          <a:xfrm>
-            <a:off x="838080" y="4575600"/>
-            <a:ext cx="4246920" cy="885960"/>
-          </a:xfrm>
-          <a:prstGeom prst="rect">
-            <a:avLst/>
-          </a:prstGeom>
-          <a:ln>
-            <a:noFill/>
-          </a:ln>
+            <a:off x="1234546" y="2010303"/>
+            <a:ext cx="9401175" cy="3667125"/>
+          </a:xfrm>
+          <a:prstGeom prst="rect">
+            <a:avLst/>
+          </a:prstGeom>
         </p:spPr>
       </p:pic>
     </p:spTree>
+    <p:extLst>
+      <p:ext uri="{BB962C8B-B14F-4D97-AF65-F5344CB8AC3E}">
+        <p14:creationId xmlns:p14="http://schemas.microsoft.com/office/powerpoint/2010/main" val="3900598343"/>
+      </p:ext>
+    </p:extLst>
   </p:cSld>
   <p:clrMapOvr>
     <a:masterClrMapping/>
@@ -8866,7 +8791,7 @@
       </p:grpSpPr>
       <p:sp>
         <p:nvSpPr>
-          <p:cNvPr id="181" name="TextShape 1"/>
+          <p:cNvPr id="173" name="TextShape 1"/>
           <p:cNvSpPr txBox="1"/>
           <p:nvPr/>
         </p:nvSpPr>
@@ -8904,87 +8829,129 @@
           </a:p>
         </p:txBody>
       </p:sp>
-      <p:pic>
-        <p:nvPicPr>
-          <p:cNvPr id="182" name="Content Placeholder 5"/>
-          <p:cNvPicPr/>
-          <p:nvPr/>
-        </p:nvPicPr>
-        <p:blipFill>
-          <a:blip r:embed="rId2"/>
-          <a:stretch/>
-        </p:blipFill>
-        <p:spPr>
-          <a:xfrm>
-            <a:off x="993240" y="1807200"/>
-            <a:ext cx="9079200" cy="3558960"/>
-          </a:xfrm>
-          <a:prstGeom prst="rect">
-            <a:avLst/>
-          </a:prstGeom>
-          <a:ln>
-            <a:noFill/>
-          </a:ln>
-        </p:spPr>
-      </p:pic>
-      <p:sp>
-        <p:nvSpPr>
-          <p:cNvPr id="183" name="CustomShape 2"/>
-          <p:cNvSpPr/>
-          <p:nvPr/>
-        </p:nvSpPr>
-        <p:spPr>
-          <a:xfrm>
-            <a:off x="3333240" y="5538240"/>
-            <a:ext cx="4399560" cy="912600"/>
-          </a:xfrm>
-          <a:prstGeom prst="rect">
-            <a:avLst/>
-          </a:prstGeom>
-          <a:noFill/>
-          <a:ln>
-            <a:noFill/>
-          </a:ln>
-        </p:spPr>
-        <p:style>
-          <a:lnRef idx="0">
-            <a:scrgbClr r="0" g="0" b="0"/>
-          </a:lnRef>
-          <a:fillRef idx="0">
-            <a:scrgbClr r="0" g="0" b="0"/>
-          </a:fillRef>
-          <a:effectRef idx="0">
-            <a:scrgbClr r="0" g="0" b="0"/>
-          </a:effectRef>
-          <a:fontRef idx="minor"/>
-        </p:style>
-        <p:txBody>
-          <a:bodyPr lIns="90000" tIns="45000" rIns="90000" bIns="45000"/>
-          <a:lstStyle/>
-          <a:p>
-            <a:pPr algn="ctr">
-              <a:lnSpc>
-                <a:spcPct val="100000"/>
-              </a:lnSpc>
-            </a:pPr>
-            <a:r>
-              <a:rPr lang="en-US" sz="1800" b="0" strike="noStrike" spc="-1">
+      <p:sp>
+        <p:nvSpPr>
+          <p:cNvPr id="174" name="TextShape 2"/>
+          <p:cNvSpPr txBox="1"/>
+          <p:nvPr/>
+        </p:nvSpPr>
+        <p:spPr>
+          <a:xfrm>
+            <a:off x="838080" y="1825560"/>
+            <a:ext cx="10261080" cy="4350960"/>
+          </a:xfrm>
+          <a:prstGeom prst="rect">
+            <a:avLst/>
+          </a:prstGeom>
+          <a:noFill/>
+          <a:ln>
+            <a:noFill/>
+          </a:ln>
+        </p:spPr>
+        <p:txBody>
+          <a:bodyPr/>
+          <a:lstStyle/>
+          <a:p>
+            <a:pPr marL="228600" indent="-228240">
+              <a:lnSpc>
+                <a:spcPct val="90000"/>
+              </a:lnSpc>
+              <a:spcBef>
+                <a:spcPts val="1001"/>
+              </a:spcBef>
+              <a:buClr>
+                <a:srgbClr val="000000"/>
+              </a:buClr>
+              <a:buFont typeface="Arial"/>
+              <a:buChar char="•"/>
+            </a:pPr>
+            <a:r>
+              <a:rPr lang="en-US" sz="2800" b="0" strike="noStrike" spc="-1">
                 <a:solidFill>
                   <a:srgbClr val="000000"/>
                 </a:solidFill>
                 <a:latin typeface="Calibri"/>
               </a:rPr>
-              <a:t>Stores the entire file structure at each snapshot, not a set of changes to one file!</a:t>
-            </a:r>
-            <a:endParaRPr lang="en-US" sz="1800" b="0" strike="noStrike" spc="-1">
-              <a:latin typeface="Arial"/>
-            </a:endParaRPr>
-          </a:p>
-        </p:txBody>
-      </p:sp>
-      <p:sp>
-        <p:nvSpPr>
-          <p:cNvPr id="184" name="TextShape 3"/>
+              <a:t>Sample Snapshot: Caption and Set of Files</a:t>
+            </a:r>
+          </a:p>
+          <a:p>
+            <a:pPr>
+              <a:lnSpc>
+                <a:spcPct val="90000"/>
+              </a:lnSpc>
+              <a:spcBef>
+                <a:spcPts val="1001"/>
+              </a:spcBef>
+            </a:pPr>
+            <a:endParaRPr lang="en-US" sz="2800" b="0" strike="noStrike" spc="-1">
+              <a:solidFill>
+                <a:srgbClr val="000000"/>
+              </a:solidFill>
+              <a:latin typeface="Calibri"/>
+            </a:endParaRPr>
+          </a:p>
+          <a:p>
+            <a:pPr>
+              <a:lnSpc>
+                <a:spcPct val="90000"/>
+              </a:lnSpc>
+              <a:spcBef>
+                <a:spcPts val="1001"/>
+              </a:spcBef>
+            </a:pPr>
+            <a:endParaRPr lang="en-US" sz="2800" b="0" strike="noStrike" spc="-1">
+              <a:solidFill>
+                <a:srgbClr val="000000"/>
+              </a:solidFill>
+              <a:latin typeface="Calibri"/>
+            </a:endParaRPr>
+          </a:p>
+          <a:p>
+            <a:pPr>
+              <a:lnSpc>
+                <a:spcPct val="90000"/>
+              </a:lnSpc>
+              <a:spcBef>
+                <a:spcPts val="1001"/>
+              </a:spcBef>
+            </a:pPr>
+            <a:endParaRPr lang="en-US" sz="2800" b="0" strike="noStrike" spc="-1">
+              <a:solidFill>
+                <a:srgbClr val="000000"/>
+              </a:solidFill>
+              <a:latin typeface="Calibri"/>
+            </a:endParaRPr>
+          </a:p>
+          <a:p>
+            <a:pPr marL="228600" indent="-228240">
+              <a:lnSpc>
+                <a:spcPct val="90000"/>
+              </a:lnSpc>
+              <a:spcBef>
+                <a:spcPts val="1001"/>
+              </a:spcBef>
+              <a:buClr>
+                <a:srgbClr val="000000"/>
+              </a:buClr>
+              <a:buFont typeface="Arial"/>
+              <a:buChar char="•"/>
+            </a:pPr>
+            <a:r>
+              <a:rPr lang="en-US" sz="2800" b="0" strike="noStrike" spc="-1">
+                <a:solidFill>
+                  <a:srgbClr val="000000"/>
+                </a:solidFill>
+                <a:latin typeface="Calibri"/>
+              </a:rPr>
+              <a:t>Can see all files present at any of these times!</a:t>
+            </a:r>
+          </a:p>
+        </p:txBody>
+      </p:sp>
+      <p:sp>
+        <p:nvSpPr>
+          <p:cNvPr id="175" name="TextShape 3"/>
           <p:cNvSpPr txBox="1"/>
           <p:nvPr/>
         </p:nvSpPr>
@@ -9010,14 +8977,14 @@
                 <a:spcPct val="100000"/>
               </a:lnSpc>
             </a:pPr>
-            <a:fld id="{6A98919A-F820-4DC5-A6FF-FBCD2B8B331E}" type="datetime">
-              <a:rPr lang="en-US" sz="1200" b="0" strike="noStrike" spc="-1">
-                <a:solidFill>
-                  <a:srgbClr val="8B8B8B"/>
-                </a:solidFill>
-                <a:latin typeface="Calibri"/>
-              </a:rPr>
-              <a:t>6/17/2019</a:t>
+            <a:fld id="{9E29BE9B-257C-418D-9762-AF491DE26E86}" type="datetime">
+              <a:rPr lang="en-US" sz="1200" b="0" strike="noStrike" spc="-1">
+                <a:solidFill>
+                  <a:srgbClr val="8B8B8B"/>
+                </a:solidFill>
+                <a:latin typeface="Calibri"/>
+              </a:rPr>
+              <a:t>6/18/2019</a:t>
             </a:fld>
             <a:endParaRPr lang="en-US" sz="1200" b="0" strike="noStrike" spc="-1">
               <a:latin typeface="Times New Roman"/>
@@ -9027,7 +8994,7 @@
       </p:sp>
       <p:sp>
         <p:nvSpPr>
-          <p:cNvPr id="185" name="TextShape 4"/>
+          <p:cNvPr id="176" name="TextShape 4"/>
           <p:cNvSpPr txBox="1"/>
           <p:nvPr/>
         </p:nvSpPr>
@@ -9053,7 +9020,7 @@
                 <a:spcPct val="100000"/>
               </a:lnSpc>
             </a:pPr>
-            <a:fld id="{52D7011F-72ED-4999-856E-4D298D6BBFE7}" type="slidenum">
+            <a:fld id="{7ACAFFF2-320B-4A4A-858E-49C88C630C45}" type="slidenum">
               <a:rPr lang="en-US" sz="1200" b="0" strike="noStrike" spc="-1">
                 <a:solidFill>
                   <a:srgbClr val="8B8B8B"/>
@@ -9068,9 +9035,33 @@
           </a:p>
         </p:txBody>
       </p:sp>
-      <p:sp>
-        <p:nvSpPr>
-          <p:cNvPr id="186" name="TextShape 5"/>
+      <p:pic>
+        <p:nvPicPr>
+          <p:cNvPr id="177" name="Picture 11"/>
+          <p:cNvPicPr/>
+          <p:nvPr/>
+        </p:nvPicPr>
+        <p:blipFill>
+          <a:blip r:embed="rId2"/>
+          <a:srcRect t="38722"/>
+          <a:stretch/>
+        </p:blipFill>
+        <p:spPr>
+          <a:xfrm>
+            <a:off x="1380960" y="2355840"/>
+            <a:ext cx="9429480" cy="1284120"/>
+          </a:xfrm>
+          <a:prstGeom prst="rect">
+            <a:avLst/>
+          </a:prstGeom>
+          <a:ln>
+            <a:noFill/>
+          </a:ln>
+        </p:spPr>
+      </p:pic>
+      <p:sp>
+        <p:nvSpPr>
+          <p:cNvPr id="178" name="TextShape 5"/>
           <p:cNvSpPr txBox="1"/>
           <p:nvPr/>
         </p:nvSpPr>
@@ -9147,6 +9138,52 @@
           </a:p>
         </p:txBody>
       </p:sp>
+      <p:pic>
+        <p:nvPicPr>
+          <p:cNvPr id="179" name="Picture 7"/>
+          <p:cNvPicPr/>
+          <p:nvPr/>
+        </p:nvPicPr>
+        <p:blipFill>
+          <a:blip r:embed="rId3"/>
+          <a:stretch/>
+        </p:blipFill>
+        <p:spPr>
+          <a:xfrm>
+            <a:off x="5495760" y="4394880"/>
+            <a:ext cx="5857560" cy="1247400"/>
+          </a:xfrm>
+          <a:prstGeom prst="rect">
+            <a:avLst/>
+          </a:prstGeom>
+          <a:ln>
+            <a:noFill/>
+          </a:ln>
+        </p:spPr>
+      </p:pic>
+      <p:pic>
+        <p:nvPicPr>
+          <p:cNvPr id="180" name="Picture 8"/>
+          <p:cNvPicPr/>
+          <p:nvPr/>
+        </p:nvPicPr>
+        <p:blipFill>
+          <a:blip r:embed="rId4"/>
+          <a:stretch/>
+        </p:blipFill>
+        <p:spPr>
+          <a:xfrm>
+            <a:off x="838080" y="4575600"/>
+            <a:ext cx="4246920" cy="885960"/>
+          </a:xfrm>
+          <a:prstGeom prst="rect">
+            <a:avLst/>
+          </a:prstGeom>
+          <a:ln>
+            <a:noFill/>
+          </a:ln>
+        </p:spPr>
+      </p:pic>
     </p:spTree>
   </p:cSld>
   <p:clrMapOvr>
@@ -9370,7 +9407,7 @@
                 </a:solidFill>
                 <a:latin typeface="Calibri"/>
               </a:rPr>
-              <a:t>6/17/2019</a:t>
+              <a:t>6/18/2019</a:t>
             </a:fld>
             <a:endParaRPr lang="en-US" sz="1200" b="0" strike="noStrike" spc="-1">
               <a:latin typeface="Times New Roman"/>
@@ -9649,7 +9686,7 @@
               <a:buChar char="•"/>
             </a:pPr>
             <a:r>
-              <a:rPr lang="en-US" sz="2800" b="0" strike="noStrike" spc="-1" dirty="0" smtClean="0">
+              <a:rPr lang="en-US" sz="2800" b="0" strike="noStrike" spc="-1" dirty="0">
                 <a:solidFill>
                   <a:srgbClr val="000000"/>
                 </a:solidFill>
@@ -9673,34 +9710,7 @@
                 </a:solidFill>
                 <a:latin typeface="Calibri"/>
               </a:rPr>
-              <a:t> (note the period</a:t>
-            </a:r>
-            <a:r>
-              <a:rPr lang="en-US" sz="2800" b="0" strike="noStrike" spc="-1" dirty="0" smtClean="0">
-                <a:solidFill>
-                  <a:srgbClr val="000000"/>
-                </a:solidFill>
-                <a:latin typeface="Calibri"/>
-              </a:rPr>
-              <a:t>!)A </a:t>
-            </a:r>
-            <a:r>
-              <a:rPr lang="en-US" sz="2800" b="0" strike="noStrike" spc="-1" dirty="0">
-                <a:solidFill>
-                  <a:srgbClr val="000000"/>
-                </a:solidFill>
-                <a:latin typeface="Calibri"/>
-              </a:rPr>
-              <a:t>set of </a:t>
-            </a:r>
-            <a:r>
-              <a:rPr lang="en-US" sz="2800" b="0" strike="noStrike" spc="-1" dirty="0" smtClean="0">
-                <a:solidFill>
-                  <a:srgbClr val="000000"/>
-                </a:solidFill>
-                <a:latin typeface="Calibri"/>
-              </a:rPr>
-              <a:t>filenames.</a:t>
+              <a:t> (note the period!)</a:t>
             </a:r>
           </a:p>
           <a:p>
@@ -9715,47 +9725,14 @@
               <a:buChar char="•"/>
             </a:pPr>
             <a:r>
-              <a:rPr lang="en-US" sz="2800" b="0" strike="noStrike" spc="-1" dirty="0" smtClean="0">
+              <a:rPr lang="en-US" sz="2800" b="0" strike="noStrike" spc="-1" dirty="0">
                 <a:solidFill>
                   <a:srgbClr val="000000"/>
                 </a:solidFill>
                 <a:latin typeface="Calibri"/>
               </a:rPr>
-              <a:t>No </a:t>
-            </a:r>
-            <a:r>
-              <a:rPr lang="en-US" sz="2800" b="0" strike="noStrike" spc="-1" dirty="0">
-                <a:solidFill>
-                  <a:srgbClr val="000000"/>
-                </a:solidFill>
-                <a:latin typeface="Calibri"/>
-              </a:rPr>
-              <a:t>file in here will </a:t>
-            </a:r>
-            <a:r>
-              <a:rPr lang="en-US" sz="2800" b="0" strike="noStrike" spc="-1" dirty="0" smtClean="0">
-                <a:solidFill>
-                  <a:srgbClr val="000000"/>
-                </a:solidFill>
-                <a:latin typeface="Calibri"/>
-              </a:rPr>
-              <a:t>ever be tracked by </a:t>
-            </a:r>
-            <a:r>
-              <a:rPr lang="en-US" sz="2800" b="0" strike="noStrike" spc="-1" dirty="0" err="1" smtClean="0">
-                <a:solidFill>
-                  <a:srgbClr val="000000"/>
-                </a:solidFill>
-                <a:latin typeface="Calibri"/>
-              </a:rPr>
-              <a:t>git</a:t>
-            </a:r>
-            <a:endParaRPr lang="en-US" sz="2800" b="0" strike="noStrike" spc="-1" dirty="0" smtClean="0">
-              <a:solidFill>
-                <a:srgbClr val="000000"/>
-              </a:solidFill>
-              <a:latin typeface="Calibri"/>
-            </a:endParaRPr>
+              <a:t>A set of filenames.</a:t>
+            </a:r>
           </a:p>
           <a:p>
             <a:pPr marL="914400" lvl="1" indent="-457200">
@@ -9769,13 +9746,22 @@
               <a:buChar char="•"/>
             </a:pPr>
             <a:r>
-              <a:rPr lang="en-US" sz="2800" b="0" strike="noStrike" spc="-1" dirty="0" smtClean="0">
+              <a:rPr lang="en-US" sz="2800" b="0" strike="noStrike" spc="-1" dirty="0">
                 <a:solidFill>
                   <a:srgbClr val="000000"/>
                 </a:solidFill>
                 <a:latin typeface="Calibri"/>
               </a:rPr>
-              <a:t>Common Uses: backup and temporary files, stored passwords for APIs</a:t>
+              <a:t>No file in here will ever be tracked by </a:t>
+            </a:r>
+            <a:r>
+              <a:rPr lang="en-US" sz="2800" b="0" strike="noStrike" spc="-1" dirty="0" err="1">
+                <a:solidFill>
+                  <a:srgbClr val="000000"/>
+                </a:solidFill>
+                <a:latin typeface="Calibri"/>
+              </a:rPr>
+              <a:t>git</a:t>
             </a:r>
             <a:endParaRPr lang="en-US" sz="2800" b="0" strike="noStrike" spc="-1" dirty="0">
               <a:solidFill>
@@ -9784,6 +9770,27 @@
               <a:latin typeface="Calibri"/>
             </a:endParaRPr>
           </a:p>
+          <a:p>
+            <a:pPr marL="914400" lvl="1" indent="-457200">
+              <a:lnSpc>
+                <a:spcPct val="90000"/>
+              </a:lnSpc>
+              <a:spcBef>
+                <a:spcPts val="1001"/>
+              </a:spcBef>
+              <a:buFont typeface="Arial" panose="020B0604020202020204" pitchFamily="34" charset="0"/>
+              <a:buChar char="•"/>
+            </a:pPr>
+            <a:r>
+              <a:rPr lang="en-US" sz="2800" b="0" strike="noStrike" spc="-1" dirty="0">
+                <a:solidFill>
+                  <a:srgbClr val="000000"/>
+                </a:solidFill>
+                <a:latin typeface="Calibri"/>
+              </a:rPr>
+              <a:t>Common Uses: backup and temporary files, stored passwords for APIs</a:t>
+            </a:r>
+          </a:p>
         </p:txBody>
       </p:sp>
       <p:sp>
@@ -9821,7 +9828,7 @@
                 </a:solidFill>
                 <a:latin typeface="Calibri"/>
               </a:rPr>
-              <a:t>6/17/2019</a:t>
+              <a:t>6/18/2019</a:t>
             </a:fld>
             <a:endParaRPr lang="en-US" sz="1200" b="0" strike="noStrike" spc="-1">
               <a:latin typeface="Times New Roman"/>
@@ -10113,16 +10120,18 @@
             </a:r>
           </a:p>
           <a:p>
-            <a:pPr marL="864000" lvl="1" indent="-324000">
+            <a:pPr marL="685800" lvl="1" indent="-228240">
+              <a:lnSpc>
+                <a:spcPct val="90000"/>
+              </a:lnSpc>
               <a:spcBef>
-                <a:spcPts val="1134"/>
+                <a:spcPts val="1001"/>
               </a:spcBef>
               <a:buClr>
                 <a:srgbClr val="000000"/>
               </a:buClr>
-              <a:buSzPct val="75000"/>
-              <a:buFont typeface="Symbol" charset="2"/>
-              <a:buChar char=""/>
+              <a:buFont typeface="Arial"/>
+              <a:buChar char="•"/>
             </a:pPr>
             <a:r>
               <a:rPr lang="en-US" sz="2800" b="0" strike="noStrike" spc="-1" dirty="0">
@@ -10131,21 +10140,41 @@
                 </a:solidFill>
                 <a:latin typeface="Calibri"/>
               </a:rPr>
-              <a:t>A text-based description of a directory or project</a:t>
-            </a:r>
-          </a:p>
-          <a:p>
-            <a:pPr marL="864000" lvl="1" indent="-324000">
+              <a:t>A text-based description of a directory </a:t>
+            </a:r>
+            <a:r>
+              <a:rPr lang="en-US" sz="2800" b="0" strike="noStrike" spc="-1">
+                <a:solidFill>
+                  <a:srgbClr val="000000"/>
+                </a:solidFill>
+                <a:latin typeface="Calibri"/>
+              </a:rPr>
+              <a:t>or project</a:t>
+            </a:r>
+          </a:p>
+          <a:p>
+            <a:pPr marL="685800" lvl="1" indent="-228240">
+              <a:lnSpc>
+                <a:spcPct val="90000"/>
+              </a:lnSpc>
               <a:spcBef>
-                <a:spcPts val="1134"/>
+                <a:spcPts val="1001"/>
               </a:spcBef>
               <a:buClr>
                 <a:srgbClr val="000000"/>
               </a:buClr>
-              <a:buSzPct val="75000"/>
-              <a:buFont typeface="Symbol" charset="2"/>
-              <a:buChar char=""/>
-            </a:pPr>
+              <a:buFont typeface="Arial"/>
+              <a:buChar char="•"/>
+            </a:pPr>
+            <a:r>
+              <a:rPr lang="en-US" sz="2800" b="0" strike="noStrike" spc="-1">
+                <a:solidFill>
+                  <a:srgbClr val="000000"/>
+                </a:solidFill>
+                <a:latin typeface="Calibri"/>
+              </a:rPr>
+              <a:t>Uses </a:t>
+            </a:r>
             <a:r>
               <a:rPr lang="en-US" sz="2800" b="0" strike="noStrike" spc="-1" dirty="0">
                 <a:solidFill>
@@ -10153,7 +10182,7 @@
                 </a:solidFill>
                 <a:latin typeface="Calibri"/>
               </a:rPr>
-              <a:t>Uses Markdown language. Coming up next!</a:t>
+              <a:t>Markdown language. Coming up next!</a:t>
             </a:r>
           </a:p>
         </p:txBody>
@@ -10193,7 +10222,7 @@
                 </a:solidFill>
                 <a:latin typeface="Calibri"/>
               </a:rPr>
-              <a:t>6/17/2019</a:t>
+              <a:t>6/18/2019</a:t>
             </a:fld>
             <a:endParaRPr lang="en-US" sz="1200" b="0" strike="noStrike" spc="-1">
               <a:latin typeface="Times New Roman"/>
@@ -10570,7 +10599,7 @@
                 </a:solidFill>
                 <a:latin typeface="Calibri"/>
               </a:rPr>
-              <a:t>6/17/2019</a:t>
+              <a:t>6/18/2019</a:t>
             </a:fld>
             <a:endParaRPr lang="en-US" sz="1200" b="0" strike="noStrike" spc="-1">
               <a:latin typeface="Times New Roman"/>
@@ -11030,7 +11059,7 @@
                 </a:solidFill>
                 <a:latin typeface="Calibri"/>
               </a:rPr>
-              <a:t>6/17/2019</a:t>
+              <a:t>6/18/2019</a:t>
             </a:fld>
             <a:endParaRPr lang="en-US" sz="1200" b="0" strike="noStrike" spc="-1">
               <a:latin typeface="Times New Roman"/>
@@ -11503,7 +11532,7 @@
                 </a:solidFill>
                 <a:latin typeface="Calibri"/>
               </a:rPr>
-              <a:t>6/17/2019</a:t>
+              <a:t>6/18/2019</a:t>
             </a:fld>
             <a:endParaRPr lang="en-US" sz="1200" b="0" strike="noStrike" spc="-1">
               <a:latin typeface="Times New Roman"/>
@@ -11783,7 +11812,7 @@
                 </a:solidFill>
                 <a:latin typeface="Calibri"/>
               </a:rPr>
-              <a:t>6/17/2019</a:t>
+              <a:t>6/18/2019</a:t>
             </a:fld>
             <a:endParaRPr lang="en-US" sz="1200" b="0" strike="noStrike" spc="-1">
               <a:latin typeface="Times New Roman"/>
@@ -12025,9 +12054,6 @@
               </a:rPr>
               <a:t>CREATING &amp; CLONING</a:t>
             </a:r>
-            <a:r>
-              <a:t/>
-            </a:r>
             <a:br/>
             <a:r>
               <a:rPr lang="en-US" sz="6000" b="0" strike="noStrike" spc="-1">
@@ -12125,7 +12151,7 @@
                 </a:solidFill>
                 <a:latin typeface="Calibri"/>
               </a:rPr>
-              <a:t>6/17/2019</a:t>
+              <a:t>6/18/2019</a:t>
             </a:fld>
             <a:endParaRPr lang="en-US" sz="1200" b="0" strike="noStrike" spc="-1">
               <a:latin typeface="Times New Roman"/>
@@ -12502,7 +12528,7 @@
                 </a:solidFill>
                 <a:latin typeface="Calibri"/>
               </a:rPr>
-              <a:t>6/17/2019</a:t>
+              <a:t>6/18/2019</a:t>
             </a:fld>
             <a:endParaRPr lang="en-US" sz="1200" b="0" strike="noStrike" spc="-1">
               <a:latin typeface="Times New Roman"/>
@@ -12902,7 +12928,7 @@
                 </a:solidFill>
                 <a:latin typeface="Calibri"/>
               </a:rPr>
-              <a:t>6/17/2019</a:t>
+              <a:t>6/18/2019</a:t>
             </a:fld>
             <a:endParaRPr lang="en-US" sz="1200" b="0" strike="noStrike" spc="-1">
               <a:latin typeface="Times New Roman"/>
@@ -13287,7 +13313,7 @@
                 </a:solidFill>
                 <a:latin typeface="Calibri"/>
               </a:rPr>
-              <a:t>6/17/2019</a:t>
+              <a:t>6/18/2019</a:t>
             </a:fld>
             <a:endParaRPr lang="en-US" sz="1200" b="0" strike="noStrike" spc="-1">
               <a:latin typeface="Times New Roman"/>
@@ -13715,7 +13741,7 @@
                 </a:solidFill>
                 <a:latin typeface="Calibri"/>
               </a:rPr>
-              <a:t>6/17/2019</a:t>
+              <a:t>6/18/2019</a:t>
             </a:fld>
             <a:endParaRPr lang="en-US" sz="1200" b="0" strike="noStrike" spc="-1">
               <a:latin typeface="Times New Roman"/>
@@ -13995,7 +14021,7 @@
                 </a:solidFill>
                 <a:latin typeface="Calibri"/>
               </a:rPr>
-              <a:t>6/17/2019</a:t>
+              <a:t>6/18/2019</a:t>
             </a:fld>
             <a:endParaRPr lang="en-US" sz="1200" b="0" strike="noStrike" spc="-1">
               <a:latin typeface="Times New Roman"/>
@@ -14384,7 +14410,7 @@
                 </a:solidFill>
                 <a:latin typeface="Calibri"/>
               </a:rPr>
-              <a:t>6/17/2019</a:t>
+              <a:t>6/18/2019</a:t>
             </a:fld>
             <a:endParaRPr lang="en-US" sz="1200" b="0" strike="noStrike" spc="-1">
               <a:latin typeface="Times New Roman"/>
@@ -14690,7 +14716,7 @@
                 </a:solidFill>
                 <a:latin typeface="Calibri"/>
               </a:rPr>
-              <a:t>6/17/2019</a:t>
+              <a:t>6/18/2019</a:t>
             </a:fld>
             <a:endParaRPr lang="en-US" sz="1200" b="0" strike="noStrike" spc="-1">
               <a:latin typeface="Times New Roman"/>
@@ -14947,7 +14973,7 @@
                 </a:solidFill>
                 <a:latin typeface="Calibri"/>
               </a:rPr>
-              <a:t>6/17/2019</a:t>
+              <a:t>6/18/2019</a:t>
             </a:fld>
             <a:endParaRPr lang="en-US" sz="1200" b="0" strike="noStrike" spc="-1">
               <a:latin typeface="Times New Roman"/>
@@ -15395,7 +15421,7 @@
                 </a:solidFill>
                 <a:latin typeface="Calibri"/>
               </a:rPr>
-              <a:t>6/17/2019</a:t>
+              <a:t>6/18/2019</a:t>
             </a:fld>
             <a:endParaRPr lang="en-US" sz="1200" b="0" strike="noStrike" spc="-1">
               <a:latin typeface="Times New Roman"/>
@@ -15869,7 +15895,7 @@
                 </a:solidFill>
                 <a:latin typeface="Calibri"/>
               </a:rPr>
-              <a:t>6/17/2019</a:t>
+              <a:t>6/18/2019</a:t>
             </a:fld>
             <a:endParaRPr lang="en-US" sz="1200" b="0" strike="noStrike" spc="-1">
               <a:latin typeface="Times New Roman"/>
@@ -16221,7 +16247,7 @@
                 </a:solidFill>
                 <a:latin typeface="Calibri"/>
               </a:rPr>
-              <a:t>6/17/2019</a:t>
+              <a:t>6/18/2019</a:t>
             </a:fld>
             <a:endParaRPr lang="en-US" sz="1200" b="0" strike="noStrike" spc="-1">
               <a:latin typeface="Times New Roman"/>
@@ -16648,7 +16674,7 @@
                 </a:solidFill>
                 <a:latin typeface="Calibri"/>
               </a:rPr>
-              <a:t>6/17/2019</a:t>
+              <a:t>6/18/2019</a:t>
             </a:fld>
             <a:endParaRPr lang="en-US" sz="1200" b="0" strike="noStrike" spc="-1">
               <a:latin typeface="Times New Roman"/>
@@ -17096,7 +17122,7 @@
                 </a:solidFill>
                 <a:latin typeface="Calibri"/>
               </a:rPr>
-              <a:t>6/17/2019</a:t>
+              <a:t>6/18/2019</a:t>
             </a:fld>
             <a:endParaRPr lang="en-US" sz="1200" b="0" strike="noStrike" spc="-1">
               <a:latin typeface="Times New Roman"/>
@@ -17496,7 +17522,7 @@
                 </a:solidFill>
                 <a:latin typeface="Calibri"/>
               </a:rPr>
-              <a:t>6/17/2019</a:t>
+              <a:t>6/18/2019</a:t>
             </a:fld>
             <a:endParaRPr lang="en-US" sz="1200" b="0" strike="noStrike" spc="-1">
               <a:latin typeface="Times New Roman"/>
@@ -17824,7 +17850,7 @@
                 </a:solidFill>
                 <a:latin typeface="Calibri"/>
               </a:rPr>
-              <a:t>6/17/2019</a:t>
+              <a:t>6/18/2019</a:t>
             </a:fld>
             <a:endParaRPr lang="en-US" sz="1200" b="0" strike="noStrike" spc="-1">
               <a:latin typeface="Times New Roman"/>
@@ -18324,7 +18350,7 @@
                 </a:solidFill>
                 <a:latin typeface="Calibri"/>
               </a:rPr>
-              <a:t>6/17/2019</a:t>
+              <a:t>6/18/2019</a:t>
             </a:fld>
             <a:endParaRPr lang="en-US" sz="1200" b="0" strike="noStrike" spc="-1">
               <a:latin typeface="Times New Roman"/>
@@ -18784,7 +18810,7 @@
                 </a:solidFill>
                 <a:latin typeface="Calibri"/>
               </a:rPr>
-              <a:t>6/17/2019</a:t>
+              <a:t>6/18/2019</a:t>
             </a:fld>
             <a:endParaRPr lang="en-US" sz="1200" b="0" strike="noStrike" spc="-1">
               <a:latin typeface="Times New Roman"/>
@@ -19208,7 +19234,7 @@
                 </a:solidFill>
                 <a:latin typeface="Calibri"/>
               </a:rPr>
-              <a:t>6/17/2019</a:t>
+              <a:t>6/18/2019</a:t>
             </a:fld>
             <a:endParaRPr lang="en-US" sz="1200" b="0" strike="noStrike" spc="-1">
               <a:latin typeface="Times New Roman"/>
@@ -19599,7 +19625,7 @@
                 </a:solidFill>
                 <a:latin typeface="Calibri"/>
               </a:rPr>
-              <a:t>6/17/2019</a:t>
+              <a:t>6/18/2019</a:t>
             </a:fld>
             <a:endParaRPr lang="en-US" sz="1200" b="0" strike="noStrike" spc="-1">
               <a:latin typeface="Times New Roman"/>
@@ -19902,7 +19928,7 @@
                 </a:solidFill>
                 <a:latin typeface="Calibri"/>
               </a:rPr>
-              <a:t>6/17/2019</a:t>
+              <a:t>6/18/2019</a:t>
             </a:fld>
             <a:endParaRPr lang="en-US" sz="1200" b="0" strike="noStrike" spc="-1">
               <a:latin typeface="Times New Roman"/>
@@ -20484,7 +20510,7 @@
                 </a:solidFill>
                 <a:latin typeface="Calibri"/>
               </a:rPr>
-              <a:t>6/17/2019</a:t>
+              <a:t>6/18/2019</a:t>
             </a:fld>
             <a:endParaRPr lang="en-US" sz="1200" b="0" strike="noStrike" spc="-1">
               <a:latin typeface="Times New Roman"/>
@@ -20837,7 +20863,7 @@
                 </a:solidFill>
                 <a:latin typeface="Calibri"/>
               </a:rPr>
-              <a:t>6/17/2019</a:t>
+              <a:t>6/18/2019</a:t>
             </a:fld>
             <a:endParaRPr lang="en-US" sz="1200" b="0" strike="noStrike" spc="-1">
               <a:latin typeface="Times New Roman"/>
@@ -21165,7 +21191,7 @@
                 </a:solidFill>
                 <a:latin typeface="Calibri"/>
               </a:rPr>
-              <a:t>6/17/2019</a:t>
+              <a:t>6/18/2019</a:t>
             </a:fld>
             <a:endParaRPr lang="en-US" sz="1200" b="0" strike="noStrike" spc="-1">
               <a:latin typeface="Times New Roman"/>
@@ -21518,7 +21544,7 @@
                 </a:solidFill>
                 <a:latin typeface="Calibri"/>
               </a:rPr>
-              <a:t>6/17/2019</a:t>
+              <a:t>6/18/2019</a:t>
             </a:fld>
             <a:endParaRPr lang="en-US" sz="1200" b="0" strike="noStrike" spc="-1">
               <a:latin typeface="Times New Roman"/>
@@ -21846,7 +21872,7 @@
                 </a:solidFill>
                 <a:latin typeface="Calibri"/>
               </a:rPr>
-              <a:t>6/17/2019</a:t>
+              <a:t>6/18/2019</a:t>
             </a:fld>
             <a:endParaRPr lang="en-US" sz="1200" b="0" strike="noStrike" spc="-1">
               <a:latin typeface="Times New Roman"/>
@@ -22152,7 +22178,7 @@
                 </a:solidFill>
                 <a:latin typeface="Calibri"/>
               </a:rPr>
-              <a:t>6/17/2019</a:t>
+              <a:t>6/18/2019</a:t>
             </a:fld>
             <a:endParaRPr lang="en-US" sz="1200" b="0" strike="noStrike" spc="-1">
               <a:latin typeface="Times New Roman"/>
@@ -22553,7 +22579,7 @@
                 </a:solidFill>
                 <a:latin typeface="Calibri"/>
               </a:rPr>
-              <a:t>6/17/2019</a:t>
+              <a:t>6/18/2019</a:t>
             </a:fld>
             <a:endParaRPr lang="en-US" sz="1200" b="0" strike="noStrike" spc="-1">
               <a:latin typeface="Times New Roman"/>
@@ -22929,7 +22955,7 @@
                 </a:solidFill>
                 <a:latin typeface="Calibri"/>
               </a:rPr>
-              <a:t>6/17/2019</a:t>
+              <a:t>6/18/2019</a:t>
             </a:fld>
             <a:endParaRPr lang="en-US" sz="1200" b="0" strike="noStrike" spc="-1">
               <a:latin typeface="Times New Roman"/>
@@ -23304,7 +23330,7 @@
                 </a:solidFill>
                 <a:latin typeface="Calibri"/>
               </a:rPr>
-              <a:t>6/17/2019</a:t>
+              <a:t>6/18/2019</a:t>
             </a:fld>
             <a:endParaRPr lang="en-US" sz="1200" b="0" strike="noStrike" spc="-1">
               <a:latin typeface="Times New Roman"/>
@@ -23608,7 +23634,7 @@
                 </a:solidFill>
                 <a:latin typeface="Calibri"/>
               </a:rPr>
-              <a:t>6/17/2019</a:t>
+              <a:t>6/18/2019</a:t>
             </a:fld>
             <a:endParaRPr lang="en-US" sz="1200" b="0" strike="noStrike" spc="-1">
               <a:latin typeface="Times New Roman"/>
@@ -24097,7 +24123,7 @@
                 </a:solidFill>
                 <a:latin typeface="Calibri"/>
               </a:rPr>
-              <a:t>6/17/2019</a:t>
+              <a:t>6/18/2019</a:t>
             </a:fld>
             <a:endParaRPr lang="en-US" sz="1200" b="0" strike="noStrike" spc="-1">
               <a:latin typeface="Times New Roman"/>
@@ -24400,7 +24426,7 @@
                 </a:solidFill>
                 <a:latin typeface="Calibri"/>
               </a:rPr>
-              <a:t>6/17/2019</a:t>
+              <a:t>6/18/2019</a:t>
             </a:fld>
             <a:endParaRPr lang="en-US" sz="1200" b="0" strike="noStrike" spc="-1">
               <a:latin typeface="Times New Roman"/>
@@ -25197,7 +25223,7 @@
                 </a:solidFill>
                 <a:latin typeface="Calibri"/>
               </a:rPr>
-              <a:t>6/17/2019</a:t>
+              <a:t>6/18/2019</a:t>
             </a:fld>
             <a:endParaRPr lang="en-US" sz="1200" b="0" strike="noStrike" spc="-1">
               <a:latin typeface="Times New Roman"/>
@@ -25500,7 +25526,7 @@
                 </a:solidFill>
                 <a:latin typeface="Calibri"/>
               </a:rPr>
-              <a:t>6/17/2019</a:t>
+              <a:t>6/18/2019</a:t>
             </a:fld>
             <a:endParaRPr lang="en-US" sz="1200" b="0" strike="noStrike" spc="-1">
               <a:latin typeface="Times New Roman"/>
@@ -26011,7 +26037,7 @@
                 </a:solidFill>
                 <a:latin typeface="Calibri"/>
               </a:rPr>
-              <a:t>6/17/2019</a:t>
+              <a:t>6/18/2019</a:t>
             </a:fld>
             <a:endParaRPr lang="en-US" sz="1200" b="0" strike="noStrike" spc="-1">
               <a:latin typeface="Times New Roman"/>
@@ -26579,7 +26605,7 @@
                 </a:solidFill>
                 <a:latin typeface="Calibri"/>
               </a:rPr>
-              <a:t>6/17/2019</a:t>
+              <a:t>6/18/2019</a:t>
             </a:fld>
             <a:endParaRPr lang="en-US" sz="1200" b="0" strike="noStrike" spc="-1">
               <a:latin typeface="Times New Roman"/>
@@ -26790,7 +26816,7 @@
               </a:lnSpc>
             </a:pPr>
             <a:r>
-              <a:rPr lang="en-US" sz="6000" b="0" strike="noStrike" spc="-1" dirty="0" smtClean="0">
+              <a:rPr lang="en-US" sz="6000" b="0" strike="noStrike" spc="-1" dirty="0">
                 <a:solidFill>
                   <a:srgbClr val="000000"/>
                 </a:solidFill>
@@ -26806,7 +26832,7 @@
               </a:lnSpc>
             </a:pPr>
             <a:r>
-              <a:rPr lang="en-US" sz="6000" spc="-1" dirty="0" smtClean="0">
+              <a:rPr lang="en-US" sz="6000" spc="-1" dirty="0">
                 <a:solidFill>
                   <a:srgbClr val="000000"/>
                 </a:solidFill>
@@ -26855,7 +26881,7 @@
               </a:spcBef>
             </a:pPr>
             <a:r>
-              <a:rPr lang="en-US" sz="2400" b="0" strike="noStrike" spc="-1" dirty="0" smtClean="0">
+              <a:rPr lang="en-US" sz="2400" b="0" strike="noStrike" spc="-1" dirty="0">
                 <a:solidFill>
                   <a:srgbClr val="8B8B8B"/>
                 </a:solidFill>
@@ -26907,7 +26933,7 @@
                 </a:solidFill>
                 <a:latin typeface="Calibri"/>
               </a:rPr>
-              <a:t>6/17/2019</a:t>
+              <a:t>6/18/2019</a:t>
             </a:fld>
             <a:endParaRPr lang="en-US" sz="1200" b="0" strike="noStrike" spc="-1">
               <a:latin typeface="Times New Roman"/>
@@ -27123,7 +27149,7 @@
               </a:lnSpc>
             </a:pPr>
             <a:r>
-              <a:rPr lang="en-US" sz="4400" b="0" strike="noStrike" spc="-1" dirty="0" smtClean="0">
+              <a:rPr lang="en-US" sz="4400" b="0" strike="noStrike" spc="-1" dirty="0">
                 <a:solidFill>
                   <a:srgbClr val="000000"/>
                 </a:solidFill>
@@ -27131,12 +27157,6 @@
               </a:rPr>
               <a:t>GITHUB EXTENSIONS TO MERGING</a:t>
             </a:r>
-            <a:endParaRPr lang="en-US" sz="4400" b="0" strike="noStrike" spc="-1" dirty="0">
-              <a:solidFill>
-                <a:srgbClr val="000000"/>
-              </a:solidFill>
-              <a:latin typeface="Calibri"/>
-            </a:endParaRPr>
           </a:p>
         </p:txBody>
       </p:sp>
@@ -27177,7 +27197,7 @@
               <a:buChar char="•"/>
             </a:pPr>
             <a:r>
-              <a:rPr lang="en-US" sz="2800" b="0" strike="noStrike" spc="-1" dirty="0" smtClean="0">
+              <a:rPr lang="en-US" sz="2800" b="0" strike="noStrike" spc="-1" dirty="0">
                 <a:solidFill>
                   <a:srgbClr val="000000"/>
                 </a:solidFill>
@@ -27201,7 +27221,7 @@
               <a:buChar char="•"/>
             </a:pPr>
             <a:r>
-              <a:rPr lang="en-US" sz="2800" spc="-1" dirty="0" smtClean="0">
+              <a:rPr lang="en-US" sz="2800" spc="-1" dirty="0">
                 <a:solidFill>
                   <a:srgbClr val="000000"/>
                 </a:solidFill>
@@ -27225,7 +27245,7 @@
               <a:buChar char="•"/>
             </a:pPr>
             <a:r>
-              <a:rPr lang="en-US" sz="2800" b="0" strike="noStrike" spc="-1" dirty="0" smtClean="0">
+              <a:rPr lang="en-US" sz="2800" b="0" strike="noStrike" spc="-1" dirty="0">
                 <a:solidFill>
                   <a:srgbClr val="000000"/>
                 </a:solidFill>
@@ -27249,7 +27269,7 @@
               <a:buChar char="•"/>
             </a:pPr>
             <a:r>
-              <a:rPr lang="en-US" sz="2800" spc="-1" dirty="0" smtClean="0">
+              <a:rPr lang="en-US" sz="2800" spc="-1" dirty="0">
                 <a:solidFill>
                   <a:srgbClr val="000000"/>
                 </a:solidFill>
@@ -27273,22 +27293,13 @@
               <a:buChar char="•"/>
             </a:pPr>
             <a:r>
-              <a:rPr lang="en-US" sz="2800" b="0" strike="noStrike" spc="-1" dirty="0" smtClean="0">
+              <a:rPr lang="en-US" sz="2800" b="0" strike="noStrike" spc="-1" dirty="0">
                 <a:solidFill>
                   <a:srgbClr val="000000"/>
                 </a:solidFill>
                 <a:latin typeface="Calibri"/>
               </a:rPr>
-              <a:t>Ask the repository owner to make a </a:t>
-            </a:r>
-            <a:r>
-              <a:rPr lang="en-US" sz="2800" b="0" strike="noStrike" spc="-1" dirty="0" smtClean="0">
-                <a:solidFill>
-                  <a:srgbClr val="000000"/>
-                </a:solidFill>
-                <a:latin typeface="Calibri"/>
-              </a:rPr>
-              <a:t>change</a:t>
+              <a:t>Ask the repository owner to make a change</a:t>
             </a:r>
           </a:p>
           <a:p>
@@ -27306,7 +27317,7 @@
               <a:buChar char="•"/>
             </a:pPr>
             <a:r>
-              <a:rPr lang="en-US" sz="2800" spc="-1" dirty="0" smtClean="0">
+              <a:rPr lang="en-US" sz="2800" spc="-1" dirty="0">
                 <a:solidFill>
                   <a:srgbClr val="000000"/>
                 </a:solidFill>
@@ -27358,7 +27369,7 @@
                 </a:solidFill>
                 <a:latin typeface="Calibri"/>
               </a:rPr>
-              <a:t>6/17/2019</a:t>
+              <a:t>6/18/2019</a:t>
             </a:fld>
             <a:endParaRPr lang="en-US" sz="1200" b="0" strike="noStrike" spc="-1">
               <a:latin typeface="Times New Roman"/>
@@ -27622,7 +27633,7 @@
               </a:lnSpc>
             </a:pPr>
             <a:r>
-              <a:rPr lang="en-US" sz="4400" b="0" strike="noStrike" spc="-1" dirty="0" smtClean="0">
+              <a:rPr lang="en-US" sz="4400" b="0" strike="noStrike" spc="-1" dirty="0">
                 <a:solidFill>
                   <a:srgbClr val="000000"/>
                 </a:solidFill>
@@ -27630,12 +27641,6 @@
               </a:rPr>
               <a:t>GITHUB EXTENSIONS TO MERGING</a:t>
             </a:r>
-            <a:endParaRPr lang="en-US" sz="4400" b="0" strike="noStrike" spc="-1" dirty="0">
-              <a:solidFill>
-                <a:srgbClr val="000000"/>
-              </a:solidFill>
-              <a:latin typeface="Calibri"/>
-            </a:endParaRPr>
           </a:p>
         </p:txBody>
       </p:sp>
@@ -27676,7 +27681,7 @@
               <a:buChar char="•"/>
             </a:pPr>
             <a:r>
-              <a:rPr lang="en-US" sz="2800" b="0" strike="noStrike" spc="-1" dirty="0" smtClean="0">
+              <a:rPr lang="en-US" sz="2800" b="0" strike="noStrike" spc="-1" dirty="0">
                 <a:solidFill>
                   <a:srgbClr val="000000"/>
                 </a:solidFill>
@@ -27685,7 +27690,7 @@
               <a:t>Fork </a:t>
             </a:r>
             <a:r>
-              <a:rPr lang="en-US" sz="2800" b="0" strike="noStrike" spc="-1" dirty="0" smtClean="0">
+              <a:rPr lang="en-US" sz="2800" b="0" strike="noStrike" spc="-1" dirty="0">
                 <a:solidFill>
                   <a:srgbClr val="000000"/>
                 </a:solidFill>
@@ -27694,7 +27699,7 @@
               </a:rPr>
               <a:t>https://github.com/bakitybacon/rice-data-and-donuts-github</a:t>
             </a:r>
-            <a:endParaRPr lang="en-US" sz="2800" b="0" strike="noStrike" spc="-1" dirty="0" smtClean="0">
+            <a:endParaRPr lang="en-US" sz="2800" b="0" strike="noStrike" spc="-1" dirty="0">
               <a:solidFill>
                 <a:srgbClr val="000000"/>
               </a:solidFill>
@@ -27716,7 +27721,7 @@
               <a:buChar char="•"/>
             </a:pPr>
             <a:r>
-              <a:rPr lang="en-US" sz="2800" spc="-1" dirty="0" smtClean="0">
+              <a:rPr lang="en-US" sz="2800" spc="-1" dirty="0">
                 <a:solidFill>
                   <a:srgbClr val="000000"/>
                 </a:solidFill>
@@ -27740,7 +27745,7 @@
               <a:buChar char="•"/>
             </a:pPr>
             <a:r>
-              <a:rPr lang="en-US" sz="2800" b="0" strike="noStrike" spc="-1" dirty="0" smtClean="0">
+              <a:rPr lang="en-US" sz="2800" b="0" strike="noStrike" spc="-1" dirty="0">
                 <a:solidFill>
                   <a:srgbClr val="000000"/>
                 </a:solidFill>
@@ -27749,7 +27754,7 @@
               <a:t>Mak</a:t>
             </a:r>
             <a:r>
-              <a:rPr lang="en-US" sz="2800" spc="-1" dirty="0" smtClean="0">
+              <a:rPr lang="en-US" sz="2800" spc="-1" dirty="0">
                 <a:solidFill>
                   <a:srgbClr val="000000"/>
                 </a:solidFill>
@@ -27801,7 +27806,7 @@
                 </a:solidFill>
                 <a:latin typeface="Calibri"/>
               </a:rPr>
-              <a:t>6/17/2019</a:t>
+              <a:t>6/18/2019</a:t>
             </a:fld>
             <a:endParaRPr lang="en-US" sz="1200" b="0" strike="noStrike" spc="-1">
               <a:latin typeface="Times New Roman"/>
@@ -28017,7 +28022,7 @@
               </a:lnSpc>
             </a:pPr>
             <a:r>
-              <a:rPr lang="en-US" sz="4400" b="0" strike="noStrike" spc="-1" dirty="0" smtClean="0">
+              <a:rPr lang="en-US" sz="4400" b="0" strike="noStrike" spc="-1" dirty="0">
                 <a:solidFill>
                   <a:srgbClr val="000000"/>
                 </a:solidFill>
@@ -28025,12 +28030,6 @@
               </a:rPr>
               <a:t>GISTS</a:t>
             </a:r>
-            <a:endParaRPr lang="en-US" sz="4400" b="0" strike="noStrike" spc="-1" dirty="0">
-              <a:solidFill>
-                <a:srgbClr val="000000"/>
-              </a:solidFill>
-              <a:latin typeface="Calibri"/>
-            </a:endParaRPr>
           </a:p>
         </p:txBody>
       </p:sp>
@@ -28071,7 +28070,7 @@
               <a:buChar char="•"/>
             </a:pPr>
             <a:r>
-              <a:rPr lang="en-US" sz="2800" spc="-1" dirty="0" smtClean="0">
+              <a:rPr lang="en-US" sz="2800" spc="-1" dirty="0">
                 <a:solidFill>
                   <a:srgbClr val="000000"/>
                 </a:solidFill>
@@ -28095,7 +28094,7 @@
               <a:buChar char="•"/>
             </a:pPr>
             <a:r>
-              <a:rPr lang="en-US" sz="2800" b="0" strike="noStrike" spc="-1" dirty="0" smtClean="0">
+              <a:rPr lang="en-US" sz="2800" b="0" strike="noStrike" spc="-1" dirty="0">
                 <a:solidFill>
                   <a:srgbClr val="000000"/>
                 </a:solidFill>
@@ -28119,7 +28118,7 @@
               <a:buChar char="•"/>
             </a:pPr>
             <a:r>
-              <a:rPr lang="en-US" sz="2800" spc="-1" dirty="0" smtClean="0">
+              <a:rPr lang="en-US" sz="2800" spc="-1" dirty="0">
                 <a:solidFill>
                   <a:srgbClr val="000000"/>
                 </a:solidFill>
@@ -28143,7 +28142,7 @@
               <a:buChar char="•"/>
             </a:pPr>
             <a:r>
-              <a:rPr lang="en-US" sz="2800" spc="-1" dirty="0" smtClean="0">
+              <a:rPr lang="en-US" sz="2800" spc="-1" dirty="0">
                 <a:solidFill>
                   <a:srgbClr val="000000"/>
                 </a:solidFill>
@@ -28195,7 +28194,7 @@
                 </a:solidFill>
                 <a:latin typeface="Calibri"/>
               </a:rPr>
-              <a:t>6/17/2019</a:t>
+              <a:t>6/18/2019</a:t>
             </a:fld>
             <a:endParaRPr lang="en-US" sz="1200" b="0" strike="noStrike" spc="-1">
               <a:latin typeface="Times New Roman"/>
@@ -28434,7 +28433,7 @@
               </a:lnSpc>
             </a:pPr>
             <a:r>
-              <a:rPr lang="en-US" sz="4400" b="0" strike="noStrike" spc="-1" dirty="0" smtClean="0">
+              <a:rPr lang="en-US" sz="4400" b="0" strike="noStrike" spc="-1" dirty="0">
                 <a:solidFill>
                   <a:srgbClr val="000000"/>
                 </a:solidFill>
@@ -28442,12 +28441,6 @@
               </a:rPr>
               <a:t>ORGANIZATIONS</a:t>
             </a:r>
-            <a:endParaRPr lang="en-US" sz="4400" b="0" strike="noStrike" spc="-1" dirty="0">
-              <a:solidFill>
-                <a:srgbClr val="000000"/>
-              </a:solidFill>
-              <a:latin typeface="Calibri"/>
-            </a:endParaRPr>
           </a:p>
         </p:txBody>
       </p:sp>
@@ -28488,7 +28481,7 @@
               <a:buChar char="•"/>
             </a:pPr>
             <a:r>
-              <a:rPr lang="en-US" sz="2800" b="0" strike="noStrike" spc="-1" dirty="0" smtClean="0">
+              <a:rPr lang="en-US" sz="2800" b="0" strike="noStrike" spc="-1" dirty="0">
                 <a:solidFill>
                   <a:srgbClr val="000000"/>
                 </a:solidFill>
@@ -28503,16 +28496,7 @@
                 </a:solidFill>
                 <a:latin typeface="Calibri"/>
               </a:rPr>
-              <a:t> </a:t>
-            </a:r>
-            <a:r>
-              <a:rPr lang="en-US" sz="2800" spc="-1" dirty="0" smtClean="0">
-                <a:solidFill>
-                  <a:srgbClr val="000000"/>
-                </a:solidFill>
-                <a:latin typeface="Calibri"/>
-              </a:rPr>
-              <a:t>and projects</a:t>
+              <a:t> and projects</a:t>
             </a:r>
           </a:p>
           <a:p>
@@ -28530,7 +28514,7 @@
               <a:buChar char="•"/>
             </a:pPr>
             <a:r>
-              <a:rPr lang="en-US" sz="2800" b="0" strike="noStrike" spc="-1" dirty="0" smtClean="0">
+              <a:rPr lang="en-US" sz="2800" b="0" strike="noStrike" spc="-1" dirty="0">
                 <a:solidFill>
                   <a:srgbClr val="000000"/>
                 </a:solidFill>
@@ -28554,7 +28538,7 @@
               <a:buChar char="•"/>
             </a:pPr>
             <a:r>
-              <a:rPr lang="en-US" sz="2800" spc="-1" dirty="0" smtClean="0">
+              <a:rPr lang="en-US" sz="2800" spc="-1" dirty="0">
                 <a:solidFill>
                   <a:srgbClr val="000000"/>
                 </a:solidFill>
@@ -28562,7 +28546,7 @@
               </a:rPr>
               <a:t>Organization owner can manage permissions for all users</a:t>
             </a:r>
-            <a:endParaRPr lang="en-US" sz="2800" b="0" strike="noStrike" spc="-1" dirty="0" smtClean="0">
+            <a:endParaRPr lang="en-US" sz="2800" b="0" strike="noStrike" spc="-1" dirty="0">
               <a:solidFill>
                 <a:srgbClr val="000000"/>
               </a:solidFill>
@@ -28606,7 +28590,7 @@
                 </a:solidFill>
                 <a:latin typeface="Calibri"/>
               </a:rPr>
-              <a:t>6/17/2019</a:t>
+              <a:t>6/18/2019</a:t>
             </a:fld>
             <a:endParaRPr lang="en-US" sz="1200" b="0" strike="noStrike" spc="-1">
               <a:latin typeface="Times New Roman"/>
@@ -28879,7 +28863,7 @@
               <a:t>GITHUB </a:t>
             </a:r>
             <a:r>
-              <a:rPr lang="en-US" sz="6000" spc="-1" dirty="0" smtClean="0">
+              <a:rPr lang="en-US" sz="6000" spc="-1" dirty="0">
                 <a:solidFill>
                   <a:srgbClr val="000000"/>
                 </a:solidFill>
@@ -28895,22 +28879,13 @@
               </a:lnSpc>
             </a:pPr>
             <a:r>
-              <a:rPr lang="en-US" sz="6000" b="0" strike="noStrike" spc="-1" dirty="0" smtClean="0">
+              <a:rPr lang="en-US" sz="6000" b="0" strike="noStrike" spc="-1" dirty="0">
                 <a:solidFill>
                   <a:srgbClr val="000000"/>
                 </a:solidFill>
                 <a:latin typeface="Calibri"/>
               </a:rPr>
-              <a:t>GITHUB </a:t>
-            </a:r>
-            <a:r>
-              <a:rPr lang="en-US" sz="6000" b="0" strike="noStrike" spc="-1" dirty="0">
-                <a:solidFill>
-                  <a:srgbClr val="000000"/>
-                </a:solidFill>
-                <a:latin typeface="Calibri"/>
-              </a:rPr>
-              <a:t>DESKTOP</a:t>
+              <a:t>GITHUB DESKTOP</a:t>
             </a:r>
           </a:p>
         </p:txBody>
@@ -28999,7 +28974,7 @@
                 </a:solidFill>
                 <a:latin typeface="Calibri"/>
               </a:rPr>
-              <a:t>6/17/2019</a:t>
+              <a:t>6/18/2019</a:t>
             </a:fld>
             <a:endParaRPr lang="en-US" sz="1200" b="0" strike="noStrike" spc="-1">
               <a:latin typeface="Times New Roman"/>
@@ -29210,7 +29185,7 @@
               </a:lnSpc>
             </a:pPr>
             <a:r>
-              <a:rPr lang="en-US" sz="4400" b="0" strike="noStrike" spc="-1" dirty="0" smtClean="0">
+              <a:rPr lang="en-US" sz="4400" b="0" strike="noStrike" spc="-1" dirty="0">
                 <a:solidFill>
                   <a:srgbClr val="000000"/>
                 </a:solidFill>
@@ -29218,12 +29193,6 @@
               </a:rPr>
               <a:t>TEAMS</a:t>
             </a:r>
-            <a:endParaRPr lang="en-US" sz="4400" b="0" strike="noStrike" spc="-1" dirty="0">
-              <a:solidFill>
-                <a:srgbClr val="000000"/>
-              </a:solidFill>
-              <a:latin typeface="Calibri"/>
-            </a:endParaRPr>
           </a:p>
         </p:txBody>
       </p:sp>
@@ -29264,7 +29233,7 @@
               <a:buChar char="•"/>
             </a:pPr>
             <a:r>
-              <a:rPr lang="en-US" sz="2800" b="0" strike="noStrike" spc="-1" dirty="0" smtClean="0">
+              <a:rPr lang="en-US" sz="2800" b="0" strike="noStrike" spc="-1" dirty="0">
                 <a:solidFill>
                   <a:srgbClr val="000000"/>
                 </a:solidFill>
@@ -29288,7 +29257,7 @@
               <a:buChar char="•"/>
             </a:pPr>
             <a:r>
-              <a:rPr lang="en-US" sz="2800" spc="-1" dirty="0" smtClean="0">
+              <a:rPr lang="en-US" sz="2800" spc="-1" dirty="0">
                 <a:solidFill>
                   <a:srgbClr val="000000"/>
                 </a:solidFill>
@@ -29334,7 +29303,7 @@
                 </a:solidFill>
                 <a:latin typeface="Calibri"/>
               </a:rPr>
-              <a:t>6/17/2019</a:t>
+              <a:t>6/18/2019</a:t>
             </a:fld>
             <a:endParaRPr lang="en-US" sz="1200" b="0" strike="noStrike" spc="-1">
               <a:latin typeface="Times New Roman"/>
@@ -29574,7 +29543,7 @@
               </a:lnSpc>
             </a:pPr>
             <a:r>
-              <a:rPr lang="en-US" sz="4400" b="0" strike="noStrike" spc="-1" dirty="0" smtClean="0">
+              <a:rPr lang="en-US" sz="4400" b="0" strike="noStrike" spc="-1" dirty="0">
                 <a:solidFill>
                   <a:srgbClr val="000000"/>
                 </a:solidFill>
@@ -29582,12 +29551,6 @@
               </a:rPr>
               <a:t>ISSUES</a:t>
             </a:r>
-            <a:endParaRPr lang="en-US" sz="4400" b="0" strike="noStrike" spc="-1" dirty="0">
-              <a:solidFill>
-                <a:srgbClr val="000000"/>
-              </a:solidFill>
-              <a:latin typeface="Calibri"/>
-            </a:endParaRPr>
           </a:p>
         </p:txBody>
       </p:sp>
@@ -29628,7 +29591,7 @@
               <a:buChar char="•"/>
             </a:pPr>
             <a:r>
-              <a:rPr lang="en-US" sz="2800" spc="-1" dirty="0" smtClean="0">
+              <a:rPr lang="en-US" sz="2800" spc="-1" dirty="0">
                 <a:solidFill>
                   <a:srgbClr val="000000"/>
                 </a:solidFill>
@@ -29652,7 +29615,7 @@
               <a:buChar char="•"/>
             </a:pPr>
             <a:r>
-              <a:rPr lang="en-US" sz="2800" b="0" strike="noStrike" spc="-1" dirty="0" smtClean="0">
+              <a:rPr lang="en-US" sz="2800" b="0" strike="noStrike" spc="-1" dirty="0">
                 <a:solidFill>
                   <a:srgbClr val="000000"/>
                 </a:solidFill>
@@ -29676,7 +29639,7 @@
               <a:buChar char="•"/>
             </a:pPr>
             <a:r>
-              <a:rPr lang="en-US" sz="2800" spc="-1" dirty="0" smtClean="0">
+              <a:rPr lang="en-US" sz="2800" spc="-1" dirty="0">
                 <a:solidFill>
                   <a:srgbClr val="000000"/>
                 </a:solidFill>
@@ -29700,7 +29663,7 @@
               <a:buChar char="•"/>
             </a:pPr>
             <a:r>
-              <a:rPr lang="en-US" sz="2800" b="0" strike="noStrike" spc="-1" dirty="0" smtClean="0">
+              <a:rPr lang="en-US" sz="2800" b="0" strike="noStrike" spc="-1" dirty="0">
                 <a:solidFill>
                   <a:srgbClr val="000000"/>
                 </a:solidFill>
@@ -29724,7 +29687,7 @@
               <a:buChar char="•"/>
             </a:pPr>
             <a:r>
-              <a:rPr lang="en-US" sz="2800" spc="-1" dirty="0" smtClean="0">
+              <a:rPr lang="en-US" sz="2800" spc="-1" dirty="0">
                 <a:solidFill>
                   <a:srgbClr val="000000"/>
                 </a:solidFill>
@@ -29748,7 +29711,7 @@
               <a:buChar char="•"/>
             </a:pPr>
             <a:r>
-              <a:rPr lang="en-US" sz="2800" b="0" strike="noStrike" spc="-1" dirty="0" smtClean="0">
+              <a:rPr lang="en-US" sz="2800" b="0" strike="noStrike" spc="-1" dirty="0">
                 <a:solidFill>
                   <a:srgbClr val="000000"/>
                 </a:solidFill>
@@ -29757,7 +29720,7 @@
               <a:t>Supports discussions, fixes, </a:t>
             </a:r>
             <a:r>
-              <a:rPr lang="en-US" sz="2800" b="0" strike="noStrike" spc="-1" dirty="0" err="1" smtClean="0">
+              <a:rPr lang="en-US" sz="2800" b="0" strike="noStrike" spc="-1" dirty="0" err="1">
                 <a:solidFill>
                   <a:srgbClr val="000000"/>
                 </a:solidFill>
@@ -29809,7 +29772,7 @@
                 </a:solidFill>
                 <a:latin typeface="Calibri"/>
               </a:rPr>
-              <a:t>6/17/2019</a:t>
+              <a:t>6/18/2019</a:t>
             </a:fld>
             <a:endParaRPr lang="en-US" sz="1200" b="0" strike="noStrike" spc="-1">
               <a:latin typeface="Times New Roman"/>
@@ -30072,7 +30035,7 @@
               </a:lnSpc>
             </a:pPr>
             <a:r>
-              <a:rPr lang="en-US" sz="4400" spc="-1" dirty="0" smtClean="0">
+              <a:rPr lang="en-US" sz="4400" spc="-1" dirty="0">
                 <a:solidFill>
                   <a:srgbClr val="000000"/>
                 </a:solidFill>
@@ -30126,22 +30089,13 @@
               <a:buChar char="•"/>
             </a:pPr>
             <a:r>
-              <a:rPr lang="en-US" sz="2800" b="0" strike="noStrike" spc="-1" dirty="0" smtClean="0">
+              <a:rPr lang="en-US" sz="2800" b="0" strike="noStrike" spc="-1" dirty="0">
                 <a:solidFill>
                   <a:srgbClr val="000000"/>
                 </a:solidFill>
                 <a:latin typeface="Calibri"/>
               </a:rPr>
-              <a:t>Basically just a tag for a </a:t>
-            </a:r>
-            <a:r>
-              <a:rPr lang="en-US" sz="2800" b="0" strike="noStrike" spc="-1" dirty="0" smtClean="0">
-                <a:solidFill>
-                  <a:srgbClr val="000000"/>
-                </a:solidFill>
-                <a:latin typeface="Calibri"/>
-              </a:rPr>
-              <a:t>commit</a:t>
+              <a:t>Basically just a tag for a commit</a:t>
             </a:r>
           </a:p>
           <a:p>
@@ -30159,7 +30113,7 @@
               <a:buChar char="•"/>
             </a:pPr>
             <a:r>
-              <a:rPr lang="en-US" sz="2800" spc="-1" dirty="0" smtClean="0">
+              <a:rPr lang="en-US" sz="2800" spc="-1" dirty="0">
                 <a:solidFill>
                   <a:srgbClr val="000000"/>
                 </a:solidFill>
@@ -30183,7 +30137,7 @@
               <a:buChar char="•"/>
             </a:pPr>
             <a:r>
-              <a:rPr lang="en-US" sz="2800" spc="-1" dirty="0" smtClean="0">
+              <a:rPr lang="en-US" sz="2800" spc="-1" dirty="0">
                 <a:solidFill>
                   <a:srgbClr val="000000"/>
                 </a:solidFill>
@@ -30207,7 +30161,7 @@
               <a:buChar char="•"/>
             </a:pPr>
             <a:r>
-              <a:rPr lang="en-US" sz="2800" b="0" strike="noStrike" spc="-1" dirty="0" smtClean="0">
+              <a:rPr lang="en-US" sz="2800" b="0" strike="noStrike" spc="-1" dirty="0">
                 <a:solidFill>
                   <a:srgbClr val="000000"/>
                 </a:solidFill>
@@ -30215,12 +30169,6 @@
               </a:rPr>
               <a:t>Link files (pdf of report, for example)</a:t>
             </a:r>
-            <a:endParaRPr lang="en-US" sz="2800" b="0" strike="noStrike" spc="-1" dirty="0" smtClean="0">
-              <a:solidFill>
-                <a:srgbClr val="000000"/>
-              </a:solidFill>
-              <a:latin typeface="Calibri"/>
-            </a:endParaRPr>
           </a:p>
           <a:p>
             <a:pPr marL="228600" indent="-228240">
@@ -30280,7 +30228,7 @@
                 </a:solidFill>
                 <a:latin typeface="Calibri"/>
               </a:rPr>
-              <a:t>6/17/2019</a:t>
+              <a:t>6/18/2019</a:t>
             </a:fld>
             <a:endParaRPr lang="en-US" sz="1200" b="0" strike="noStrike" spc="-1">
               <a:latin typeface="Times New Roman"/>
@@ -30520,7 +30468,7 @@
               </a:lnSpc>
             </a:pPr>
             <a:r>
-              <a:rPr lang="en-US" sz="4400" b="0" strike="noStrike" spc="-1" dirty="0" smtClean="0">
+              <a:rPr lang="en-US" sz="4400" b="0" strike="noStrike" spc="-1" dirty="0">
                 <a:solidFill>
                   <a:srgbClr val="000000"/>
                 </a:solidFill>
@@ -30528,12 +30476,6 @@
               </a:rPr>
               <a:t>PROJECTS</a:t>
             </a:r>
-            <a:endParaRPr lang="en-US" sz="4400" b="0" strike="noStrike" spc="-1" dirty="0">
-              <a:solidFill>
-                <a:srgbClr val="000000"/>
-              </a:solidFill>
-              <a:latin typeface="Calibri"/>
-            </a:endParaRPr>
           </a:p>
         </p:txBody>
       </p:sp>
@@ -30574,7 +30516,7 @@
               <a:buChar char="•"/>
             </a:pPr>
             <a:r>
-              <a:rPr lang="en-US" sz="2800" b="0" strike="noStrike" spc="-1" dirty="0" smtClean="0">
+              <a:rPr lang="en-US" sz="2800" b="0" strike="noStrike" spc="-1" dirty="0">
                 <a:solidFill>
                   <a:srgbClr val="000000"/>
                 </a:solidFill>
@@ -30598,7 +30540,7 @@
               <a:buChar char="•"/>
             </a:pPr>
             <a:r>
-              <a:rPr lang="en-US" sz="2800" spc="-1" dirty="0" smtClean="0">
+              <a:rPr lang="en-US" sz="2800" spc="-1" dirty="0">
                 <a:solidFill>
                   <a:srgbClr val="000000"/>
                 </a:solidFill>
@@ -30622,7 +30564,7 @@
               <a:buChar char="•"/>
             </a:pPr>
             <a:r>
-              <a:rPr lang="en-US" sz="2800" spc="-1" dirty="0" smtClean="0">
+              <a:rPr lang="en-US" sz="2800" spc="-1" dirty="0">
                 <a:solidFill>
                   <a:srgbClr val="000000"/>
                 </a:solidFill>
@@ -30646,7 +30588,7 @@
               <a:buChar char="•"/>
             </a:pPr>
             <a:r>
-              <a:rPr lang="en-US" sz="2800" spc="-1" dirty="0" smtClean="0">
+              <a:rPr lang="en-US" sz="2800" spc="-1" dirty="0">
                 <a:solidFill>
                   <a:srgbClr val="000000"/>
                 </a:solidFill>
@@ -30713,7 +30655,7 @@
                 </a:solidFill>
                 <a:latin typeface="Calibri"/>
               </a:rPr>
-              <a:t>6/17/2019</a:t>
+              <a:t>6/18/2019</a:t>
             </a:fld>
             <a:endParaRPr lang="en-US" sz="1200" b="0" strike="noStrike" spc="-1">
               <a:latin typeface="Times New Roman"/>
@@ -31048,7 +30990,7 @@
                 </a:solidFill>
                 <a:latin typeface="Calibri"/>
               </a:rPr>
-              <a:t>6/17/2019</a:t>
+              <a:t>6/18/2019</a:t>
             </a:fld>
             <a:endParaRPr lang="en-US" sz="1200" b="0" strike="noStrike" spc="-1">
               <a:latin typeface="Times New Roman"/>
@@ -31395,7 +31337,7 @@
                 </a:solidFill>
                 <a:latin typeface="Calibri"/>
               </a:rPr>
-              <a:t>6/17/2019</a:t>
+              <a:t>6/18/2019</a:t>
             </a:fld>
             <a:endParaRPr lang="en-US" sz="1200" b="0" strike="noStrike" spc="-1">
               <a:latin typeface="Times New Roman"/>
@@ -31725,16 +31667,7 @@
                 </a:solidFill>
                 <a:latin typeface="Calibri"/>
               </a:rPr>
-              <a:t>Everyone must merge their own </a:t>
-            </a:r>
-            <a:r>
-              <a:rPr lang="en-US" sz="2800" b="0" strike="noStrike" spc="-1" dirty="0" smtClean="0">
-                <a:solidFill>
-                  <a:srgbClr val="000000"/>
-                </a:solidFill>
-                <a:latin typeface="Calibri"/>
-              </a:rPr>
-              <a:t>work!</a:t>
+              <a:t>Everyone must merge their own work!</a:t>
             </a:r>
           </a:p>
           <a:p>
@@ -31750,22 +31683,13 @@
               <a:buChar char=""/>
             </a:pPr>
             <a:r>
-              <a:rPr lang="en-US" sz="2000" b="0" strike="noStrike" spc="-1" dirty="0" smtClean="0">
+              <a:rPr lang="en-US" sz="2000" b="0" strike="noStrike" spc="-1" dirty="0">
                 <a:solidFill>
                   <a:srgbClr val="000000"/>
                 </a:solidFill>
                 <a:latin typeface="Calibri"/>
               </a:rPr>
-              <a:t>What </a:t>
-            </a:r>
-            <a:r>
-              <a:rPr lang="en-US" sz="2000" b="0" strike="noStrike" spc="-1" dirty="0">
-                <a:solidFill>
-                  <a:srgbClr val="000000"/>
-                </a:solidFill>
-                <a:latin typeface="Calibri"/>
-              </a:rPr>
-              <a:t>if you don’t like how someone else merged?</a:t>
+              <a:t>What if you don’t like how someone else merged?</a:t>
             </a:r>
           </a:p>
           <a:p>
@@ -31827,7 +31751,7 @@
                 </a:solidFill>
                 <a:latin typeface="Calibri"/>
               </a:rPr>
-              <a:t>6/17/2019</a:t>
+              <a:t>6/18/2019</a:t>
             </a:fld>
             <a:endParaRPr lang="en-US" sz="1200" b="0" strike="noStrike" spc="-1">
               <a:latin typeface="Times New Roman"/>
@@ -32219,7 +32143,7 @@
                 </a:solidFill>
                 <a:latin typeface="Calibri"/>
               </a:rPr>
-              <a:t>6/17/2019</a:t>
+              <a:t>6/18/2019</a:t>
             </a:fld>
             <a:endParaRPr lang="en-US" sz="1200" b="0" strike="noStrike" spc="-1">
               <a:latin typeface="Times New Roman"/>
@@ -32521,31 +32445,13 @@
               <a:buChar char=""/>
             </a:pPr>
             <a:r>
-              <a:rPr lang="en-US" sz="2800" b="0" strike="noStrike" spc="-1" dirty="0" smtClean="0">
+              <a:rPr lang="en-US" sz="2800" b="0" strike="noStrike" spc="-1" dirty="0">
                 <a:solidFill>
                   <a:srgbClr val="000000"/>
                 </a:solidFill>
                 <a:latin typeface="Calibri"/>
               </a:rPr>
-              <a:t>Fork/Merge </a:t>
-            </a:r>
-            <a:r>
-              <a:rPr lang="en-US" sz="2800" b="0" strike="noStrike" spc="-1" dirty="0">
-                <a:solidFill>
-                  <a:srgbClr val="000000"/>
-                </a:solidFill>
-                <a:latin typeface="Calibri"/>
-              </a:rPr>
-              <a:t>&amp; Pull </a:t>
-            </a:r>
-            <a:r>
-              <a:rPr lang="en-US" sz="2800" b="0" strike="noStrike" spc="-1" dirty="0" smtClean="0">
-                <a:solidFill>
-                  <a:srgbClr val="000000"/>
-                </a:solidFill>
-                <a:latin typeface="Calibri"/>
-              </a:rPr>
-              <a:t>Request:</a:t>
+              <a:t>Fork/Merge &amp; Pull Request:</a:t>
             </a:r>
           </a:p>
           <a:p>
@@ -32561,7 +32467,7 @@
               <a:buChar char=""/>
             </a:pPr>
             <a:r>
-              <a:rPr lang="en-US" sz="2800" spc="-1" dirty="0" smtClean="0">
+              <a:rPr lang="en-US" sz="2800" spc="-1" dirty="0">
                 <a:solidFill>
                   <a:srgbClr val="000000"/>
                 </a:solidFill>
@@ -32583,7 +32489,7 @@
               <a:buChar char=""/>
             </a:pPr>
             <a:r>
-              <a:rPr lang="en-US" sz="2800" b="0" strike="noStrike" spc="-1" dirty="0" smtClean="0">
+              <a:rPr lang="en-US" sz="2800" b="0" strike="noStrike" spc="-1" dirty="0">
                 <a:solidFill>
                   <a:srgbClr val="000000"/>
                 </a:solidFill>
@@ -32605,7 +32511,7 @@
               <a:buChar char=""/>
             </a:pPr>
             <a:r>
-              <a:rPr lang="en-US" sz="2800" spc="-1" dirty="0" smtClean="0">
+              <a:rPr lang="en-US" sz="2800" spc="-1" dirty="0">
                 <a:solidFill>
                   <a:srgbClr val="000000"/>
                 </a:solidFill>
@@ -32613,7 +32519,7 @@
               </a:rPr>
               <a:t>Ask the original repository’s owner to “pull” your change into his project</a:t>
             </a:r>
-            <a:endParaRPr lang="en-US" sz="2800" b="0" strike="noStrike" spc="-1" dirty="0" smtClean="0">
+            <a:endParaRPr lang="en-US" sz="2800" b="0" strike="noStrike" spc="-1" dirty="0">
               <a:solidFill>
                 <a:srgbClr val="000000"/>
               </a:solidFill>
@@ -32657,7 +32563,7 @@
                 </a:solidFill>
                 <a:latin typeface="Calibri"/>
               </a:rPr>
-              <a:t>6/17/2019</a:t>
+              <a:t>6/18/2019</a:t>
             </a:fld>
             <a:endParaRPr lang="en-US" sz="1200" b="0" strike="noStrike" spc="-1">
               <a:latin typeface="Times New Roman"/>
@@ -32966,16 +32872,7 @@
                 </a:solidFill>
                 <a:latin typeface="Calibri"/>
               </a:rPr>
-              <a:t>More overhead, but can use expertise </a:t>
-            </a:r>
-            <a:r>
-              <a:rPr lang="en-US" sz="2800" b="0" strike="noStrike" spc="-1" dirty="0" smtClean="0">
-                <a:solidFill>
-                  <a:srgbClr val="000000"/>
-                </a:solidFill>
-                <a:latin typeface="Calibri"/>
-              </a:rPr>
-              <a:t>effectively</a:t>
+              <a:t>More overhead, but can use expertise effectively</a:t>
             </a:r>
           </a:p>
           <a:p>
@@ -32991,7 +32888,7 @@
               <a:buChar char=""/>
             </a:pPr>
             <a:r>
-              <a:rPr lang="en-US" sz="2000" b="0" strike="noStrike" spc="-1" dirty="0" smtClean="0">
+              <a:rPr lang="en-US" sz="2000" b="0" strike="noStrike" spc="-1" dirty="0">
                 <a:solidFill>
                   <a:srgbClr val="000000"/>
                 </a:solidFill>
@@ -33012,7 +32909,7 @@
               <a:buFont typeface="Wingdings" charset="2"/>
               <a:buChar char=""/>
             </a:pPr>
-            <a:endParaRPr lang="en-US" sz="2000" b="0" strike="noStrike" spc="-1" dirty="0" smtClean="0">
+            <a:endParaRPr lang="en-US" sz="2000" b="0" strike="noStrike" spc="-1" dirty="0">
               <a:solidFill>
                 <a:srgbClr val="000000"/>
               </a:solidFill>
@@ -33056,7 +32953,7 @@
                 </a:solidFill>
                 <a:latin typeface="Calibri"/>
               </a:rPr>
-              <a:t>6/17/2019</a:t>
+              <a:t>6/18/2019</a:t>
             </a:fld>
             <a:endParaRPr lang="en-US" sz="1200" b="0" strike="noStrike" spc="-1">
               <a:latin typeface="Times New Roman"/>
@@ -33296,23 +33193,8 @@
                 </a:solidFill>
                 <a:latin typeface="Calibri"/>
               </a:rPr>
-              <a:t>GETTING OUR </a:t>
-            </a:r>
-            <a:r>
-              <a:rPr lang="en-US" sz="4400" b="0" strike="noStrike" spc="-1" dirty="0" smtClean="0">
-                <a:solidFill>
-                  <a:srgbClr val="000000"/>
-                </a:solidFill>
-                <a:latin typeface="Calibri"/>
-              </a:rPr>
-              <a:t>BEARINGS: GITHUB.COM</a:t>
-            </a:r>
-            <a:endParaRPr lang="en-US" sz="4400" b="0" strike="noStrike" spc="-1" dirty="0">
-              <a:solidFill>
-                <a:srgbClr val="000000"/>
-              </a:solidFill>
-              <a:latin typeface="Calibri"/>
-            </a:endParaRPr>
+              <a:t>GETTING OUR BEARINGS: GITHUB.COM</a:t>
+            </a:r>
           </a:p>
         </p:txBody>
       </p:sp>
@@ -33351,7 +33233,7 @@
                 </a:solidFill>
                 <a:latin typeface="Calibri"/>
               </a:rPr>
-              <a:t>6/17/2019</a:t>
+              <a:t>6/18/2019</a:t>
             </a:fld>
             <a:endParaRPr lang="en-US" sz="1200" b="0" strike="noStrike" spc="-1">
               <a:latin typeface="Times New Roman"/>
@@ -33753,7 +33635,7 @@
                 </a:solidFill>
                 <a:latin typeface="Calibri"/>
               </a:rPr>
-              <a:t>6/17/2019</a:t>
+              <a:t>6/18/2019</a:t>
             </a:fld>
             <a:endParaRPr lang="en-US" sz="1200" b="0" strike="noStrike" spc="-1">
               <a:latin typeface="Times New Roman"/>
@@ -33970,23 +33852,8 @@
                 </a:solidFill>
                 <a:latin typeface="Calibri"/>
               </a:rPr>
-              <a:t>GETTING OUR </a:t>
-            </a:r>
-            <a:r>
-              <a:rPr lang="en-US" sz="4400" b="0" strike="noStrike" spc="-1" dirty="0" smtClean="0">
-                <a:solidFill>
-                  <a:srgbClr val="000000"/>
-                </a:solidFill>
-                <a:latin typeface="Calibri"/>
-              </a:rPr>
-              <a:t>BEARINGS: USER PAGE</a:t>
-            </a:r>
-            <a:endParaRPr lang="en-US" sz="4400" b="0" strike="noStrike" spc="-1" dirty="0">
-              <a:solidFill>
-                <a:srgbClr val="000000"/>
-              </a:solidFill>
-              <a:latin typeface="Calibri"/>
-            </a:endParaRPr>
+              <a:t>GETTING OUR BEARINGS: USER PAGE</a:t>
+            </a:r>
           </a:p>
         </p:txBody>
       </p:sp>
@@ -34025,7 +33892,7 @@
                 </a:solidFill>
                 <a:latin typeface="Calibri"/>
               </a:rPr>
-              <a:t>6/17/2019</a:t>
+              <a:t>6/18/2019</a:t>
             </a:fld>
             <a:endParaRPr lang="en-US" sz="1200" b="0" strike="noStrike" spc="-1">
               <a:latin typeface="Times New Roman"/>
@@ -34247,23 +34114,8 @@
                 </a:solidFill>
                 <a:latin typeface="Calibri"/>
               </a:rPr>
-              <a:t>GETTING OUR </a:t>
-            </a:r>
-            <a:r>
-              <a:rPr lang="en-US" sz="4400" b="0" strike="noStrike" spc="-1" dirty="0" smtClean="0">
-                <a:solidFill>
-                  <a:srgbClr val="000000"/>
-                </a:solidFill>
-                <a:latin typeface="Calibri"/>
-              </a:rPr>
-              <a:t>BEARINGS: REPOSITORY</a:t>
-            </a:r>
-            <a:endParaRPr lang="en-US" sz="4400" b="0" strike="noStrike" spc="-1" dirty="0">
-              <a:solidFill>
-                <a:srgbClr val="000000"/>
-              </a:solidFill>
-              <a:latin typeface="Calibri"/>
-            </a:endParaRPr>
+              <a:t>GETTING OUR BEARINGS: REPOSITORY</a:t>
+            </a:r>
           </a:p>
         </p:txBody>
       </p:sp>
@@ -34302,7 +34154,7 @@
                 </a:solidFill>
                 <a:latin typeface="Calibri"/>
               </a:rPr>
-              <a:t>6/17/2019</a:t>
+              <a:t>6/18/2019</a:t>
             </a:fld>
             <a:endParaRPr lang="en-US" sz="1200" b="0" strike="noStrike" spc="-1">
               <a:latin typeface="Times New Roman"/>
